--- a/defense.pptx
+++ b/defense.pptx
@@ -10733,7 +10733,7 @@
           <a:p>
             <a:r>
               <a:rPr lang="en-US" dirty="0"/>
-              <a:t>Users in the Information Era</a:t>
+              <a:t>Problematics</a:t>
             </a:r>
           </a:p>
         </p:txBody>
@@ -10764,6 +10764,42 @@
               <a:pPr/>
               <a:t>2</a:t>
             </a:fld>
+            <a:endParaRPr lang="fr-FR" dirty="0"/>
+          </a:p>
+        </p:txBody>
+      </p:sp>
+      <p:sp>
+        <p:nvSpPr>
+          <p:cNvPr id="2" name="ZoneTexte 1">
+            <a:extLst>
+              <a:ext uri="{FF2B5EF4-FFF2-40B4-BE49-F238E27FC236}">
+                <a16:creationId xmlns:a16="http://schemas.microsoft.com/office/drawing/2014/main" id="{4FC4047D-F799-3D45-95EA-AF269D6D26E4}"/>
+              </a:ext>
+            </a:extLst>
+          </p:cNvPr>
+          <p:cNvSpPr txBox="1"/>
+          <p:nvPr/>
+        </p:nvSpPr>
+        <p:spPr>
+          <a:xfrm>
+            <a:off x="1241946" y="2770495"/>
+            <a:ext cx="6277970" cy="369332"/>
+          </a:xfrm>
+          <a:prstGeom prst="rect">
+            <a:avLst/>
+          </a:prstGeom>
+          <a:noFill/>
+        </p:spPr>
+        <p:txBody>
+          <a:bodyPr wrap="square" rtlCol="0">
+            <a:spAutoFit/>
+          </a:bodyPr>
+          <a:lstStyle/>
+          <a:p>
+            <a:pPr marL="285750" indent="-285750">
+              <a:buFont typeface="Arial" panose="020B0604020202020204" pitchFamily="34" charset="0"/>
+              <a:buChar char="•"/>
+            </a:pPr>
             <a:endParaRPr lang="fr-FR" dirty="0"/>
           </a:p>
         </p:txBody>
@@ -11608,142 +11644,8 @@
         </p:nvSpPr>
         <p:spPr>
           <a:xfrm flipV="1">
-            <a:off x="2531165" y="2320525"/>
-            <a:ext cx="1031547" cy="529200"/>
-          </a:xfrm>
-          <a:custGeom>
-            <a:avLst/>
-            <a:gdLst>
-              <a:gd name="connsiteX0" fmla="*/ 0 w 274730"/>
-              <a:gd name="connsiteY0" fmla="*/ 0 h 6589"/>
-              <a:gd name="connsiteX1" fmla="*/ 274730 w 274730"/>
-              <a:gd name="connsiteY1" fmla="*/ 4100 h 6589"/>
-              <a:gd name="connsiteX0" fmla="*/ 0 w 42239"/>
-              <a:gd name="connsiteY0" fmla="*/ 1219742 h 1219936"/>
-              <a:gd name="connsiteX1" fmla="*/ 42239 w 42239"/>
-              <a:gd name="connsiteY1" fmla="*/ 0 h 1219936"/>
-              <a:gd name="connsiteX0" fmla="*/ 0 w 82985"/>
-              <a:gd name="connsiteY0" fmla="*/ 0 h 491631"/>
-              <a:gd name="connsiteX1" fmla="*/ 82985 w 82985"/>
-              <a:gd name="connsiteY1" fmla="*/ 491631 h 491631"/>
-              <a:gd name="connsiteX0" fmla="*/ 0 w 82985"/>
-              <a:gd name="connsiteY0" fmla="*/ 0 h 491631"/>
-              <a:gd name="connsiteX1" fmla="*/ 82985 w 82985"/>
-              <a:gd name="connsiteY1" fmla="*/ 491631 h 491631"/>
-              <a:gd name="connsiteX0" fmla="*/ 0 w 82985"/>
-              <a:gd name="connsiteY0" fmla="*/ 0 h 491631"/>
-              <a:gd name="connsiteX1" fmla="*/ 82985 w 82985"/>
-              <a:gd name="connsiteY1" fmla="*/ 491631 h 491631"/>
-              <a:gd name="connsiteX0" fmla="*/ 0 w 82985"/>
-              <a:gd name="connsiteY0" fmla="*/ 0 h 491631"/>
-              <a:gd name="connsiteX1" fmla="*/ 82985 w 82985"/>
-              <a:gd name="connsiteY1" fmla="*/ 491631 h 491631"/>
-              <a:gd name="connsiteX0" fmla="*/ 0 w 82985"/>
-              <a:gd name="connsiteY0" fmla="*/ 0 h 493415"/>
-              <a:gd name="connsiteX1" fmla="*/ 82985 w 82985"/>
-              <a:gd name="connsiteY1" fmla="*/ 491631 h 493415"/>
-              <a:gd name="connsiteX0" fmla="*/ 0 w 82985"/>
-              <a:gd name="connsiteY0" fmla="*/ 0 h 494610"/>
-              <a:gd name="connsiteX1" fmla="*/ 82985 w 82985"/>
-              <a:gd name="connsiteY1" fmla="*/ 491631 h 494610"/>
-              <a:gd name="connsiteX0" fmla="*/ 0 w 82985"/>
-              <a:gd name="connsiteY0" fmla="*/ 0 h 493679"/>
-              <a:gd name="connsiteX1" fmla="*/ 82985 w 82985"/>
-              <a:gd name="connsiteY1" fmla="*/ 491631 h 493679"/>
-              <a:gd name="connsiteX0" fmla="*/ 0 w 82985"/>
-              <a:gd name="connsiteY0" fmla="*/ 0 h 493737"/>
-              <a:gd name="connsiteX1" fmla="*/ 82985 w 82985"/>
-              <a:gd name="connsiteY1" fmla="*/ 491631 h 493737"/>
-              <a:gd name="connsiteX0" fmla="*/ 0 w 82985"/>
-              <a:gd name="connsiteY0" fmla="*/ 0 h 491631"/>
-              <a:gd name="connsiteX1" fmla="*/ 82985 w 82985"/>
-              <a:gd name="connsiteY1" fmla="*/ 491631 h 491631"/>
-              <a:gd name="connsiteX0" fmla="*/ 0 w 82985"/>
-              <a:gd name="connsiteY0" fmla="*/ 0 h 491631"/>
-              <a:gd name="connsiteX1" fmla="*/ 82985 w 82985"/>
-              <a:gd name="connsiteY1" fmla="*/ 491631 h 491631"/>
-              <a:gd name="connsiteX0" fmla="*/ 0 w 82985"/>
-              <a:gd name="connsiteY0" fmla="*/ 0 h 491631"/>
-              <a:gd name="connsiteX1" fmla="*/ 82985 w 82985"/>
-              <a:gd name="connsiteY1" fmla="*/ 491631 h 491631"/>
-              <a:gd name="connsiteX0" fmla="*/ 0 w 82985"/>
-              <a:gd name="connsiteY0" fmla="*/ 0 h 491631"/>
-              <a:gd name="connsiteX1" fmla="*/ 82985 w 82985"/>
-              <a:gd name="connsiteY1" fmla="*/ 491631 h 491631"/>
-            </a:gdLst>
-            <a:ahLst/>
-            <a:cxnLst>
-              <a:cxn ang="0">
-                <a:pos x="connsiteX0" y="connsiteY0"/>
-              </a:cxn>
-              <a:cxn ang="0">
-                <a:pos x="connsiteX1" y="connsiteY1"/>
-              </a:cxn>
-            </a:cxnLst>
-            <a:rect l="l" t="t" r="r" b="b"/>
-            <a:pathLst>
-              <a:path w="82985" h="491631">
-                <a:moveTo>
-                  <a:pt x="0" y="0"/>
-                </a:moveTo>
-                <a:cubicBezTo>
-                  <a:pt x="48668" y="-545"/>
-                  <a:pt x="28820" y="488562"/>
-                  <a:pt x="82985" y="491631"/>
-                </a:cubicBezTo>
-              </a:path>
-            </a:pathLst>
-          </a:custGeom>
-          <a:ln w="34925">
-            <a:solidFill>
-              <a:schemeClr val="accent1">
-                <a:lumMod val="75000"/>
-              </a:schemeClr>
-            </a:solidFill>
-            <a:tailEnd type="triangle"/>
-          </a:ln>
-        </p:spPr>
-        <p:style>
-          <a:lnRef idx="3">
-            <a:schemeClr val="accent6"/>
-          </a:lnRef>
-          <a:fillRef idx="0">
-            <a:schemeClr val="accent6"/>
-          </a:fillRef>
-          <a:effectRef idx="2">
-            <a:schemeClr val="accent6"/>
-          </a:effectRef>
-          <a:fontRef idx="minor">
-            <a:schemeClr val="tx1"/>
-          </a:fontRef>
-        </p:style>
-        <p:txBody>
-          <a:bodyPr rtlCol="0" anchor="ctr"/>
-          <a:lstStyle/>
-          <a:p>
-            <a:pPr algn="ctr"/>
-            <a:endParaRPr lang="en-US" sz="2000" dirty="0">
-              <a:latin typeface="Latin Modern Roman 10" pitchFamily="2" charset="77"/>
-            </a:endParaRPr>
-          </a:p>
-        </p:txBody>
-      </p:sp>
-      <p:sp>
-        <p:nvSpPr>
-          <p:cNvPr id="19" name="Freeform 18">
-            <a:extLst>
-              <a:ext uri="{FF2B5EF4-FFF2-40B4-BE49-F238E27FC236}">
-                <a16:creationId xmlns:a16="http://schemas.microsoft.com/office/drawing/2014/main" id="{9941C4A6-25A9-6548-AD97-7B5CC8B11528}"/>
-              </a:ext>
-            </a:extLst>
-          </p:cNvPr>
-          <p:cNvSpPr/>
-          <p:nvPr/>
-        </p:nvSpPr>
-        <p:spPr>
-          <a:xfrm>
-            <a:off x="2531164" y="2851529"/>
-            <a:ext cx="1031547" cy="529200"/>
+            <a:off x="2340330" y="2198818"/>
+            <a:ext cx="1457180" cy="297708"/>
           </a:xfrm>
           <a:custGeom>
             <a:avLst/>
@@ -12151,718 +12053,509 @@
           </p:txBody>
         </p:sp>
       </p:grpSp>
-      <p:grpSp>
-        <p:nvGrpSpPr>
-          <p:cNvPr id="16" name="Group 15">
+      <p:sp>
+        <p:nvSpPr>
+          <p:cNvPr id="32" name="ZoneTexte 31">
             <a:extLst>
               <a:ext uri="{FF2B5EF4-FFF2-40B4-BE49-F238E27FC236}">
-                <a16:creationId xmlns:a16="http://schemas.microsoft.com/office/drawing/2014/main" id="{7067FD3F-F709-4F4F-AB25-57EB024EC4BC}"/>
+                <a16:creationId xmlns:a16="http://schemas.microsoft.com/office/drawing/2014/main" id="{FF774801-2F0B-AE4A-BFDE-495062FE1FFD}"/>
               </a:ext>
             </a:extLst>
           </p:cNvPr>
-          <p:cNvGrpSpPr/>
+          <p:cNvSpPr txBox="1"/>
           <p:nvPr/>
-        </p:nvGrpSpPr>
-        <p:grpSpPr>
+        </p:nvSpPr>
+        <p:spPr>
           <a:xfrm>
-            <a:off x="5915278" y="2319106"/>
-            <a:ext cx="1505118" cy="3586038"/>
-            <a:chOff x="5807863" y="2319106"/>
-            <a:chExt cx="1797721" cy="3586038"/>
+            <a:off x="470588" y="2015825"/>
+            <a:ext cx="1869742" cy="923330"/>
           </a:xfrm>
-        </p:grpSpPr>
-        <p:sp>
-          <p:nvSpPr>
-            <p:cNvPr id="22" name="Freeform 21">
-              <a:extLst>
-                <a:ext uri="{FF2B5EF4-FFF2-40B4-BE49-F238E27FC236}">
-                  <a16:creationId xmlns:a16="http://schemas.microsoft.com/office/drawing/2014/main" id="{E13E8889-F7CD-C049-BE4A-CD442B3E783D}"/>
-                </a:ext>
-              </a:extLst>
-            </p:cNvPr>
-            <p:cNvSpPr/>
-            <p:nvPr/>
-          </p:nvSpPr>
-          <p:spPr>
-            <a:xfrm>
-              <a:off x="5807863" y="2319106"/>
-              <a:ext cx="1797721" cy="0"/>
-            </a:xfrm>
-            <a:custGeom>
-              <a:avLst/>
-              <a:gdLst>
-                <a:gd name="connsiteX0" fmla="*/ 0 w 274730"/>
-                <a:gd name="connsiteY0" fmla="*/ 0 h 6589"/>
-                <a:gd name="connsiteX1" fmla="*/ 274730 w 274730"/>
-                <a:gd name="connsiteY1" fmla="*/ 4100 h 6589"/>
-                <a:gd name="connsiteX0" fmla="*/ 0 w 42239"/>
-                <a:gd name="connsiteY0" fmla="*/ 1219742 h 1219936"/>
-                <a:gd name="connsiteX1" fmla="*/ 42239 w 42239"/>
-                <a:gd name="connsiteY1" fmla="*/ 0 h 1219936"/>
-                <a:gd name="connsiteX0" fmla="*/ 0 w 82985"/>
-                <a:gd name="connsiteY0" fmla="*/ 0 h 491631"/>
-                <a:gd name="connsiteX1" fmla="*/ 82985 w 82985"/>
-                <a:gd name="connsiteY1" fmla="*/ 491631 h 491631"/>
-                <a:gd name="connsiteX0" fmla="*/ 0 w 82985"/>
-                <a:gd name="connsiteY0" fmla="*/ 0 h 491631"/>
-                <a:gd name="connsiteX1" fmla="*/ 82985 w 82985"/>
-                <a:gd name="connsiteY1" fmla="*/ 491631 h 491631"/>
-                <a:gd name="connsiteX0" fmla="*/ 0 w 82985"/>
-                <a:gd name="connsiteY0" fmla="*/ 0 h 491631"/>
-                <a:gd name="connsiteX1" fmla="*/ 82985 w 82985"/>
-                <a:gd name="connsiteY1" fmla="*/ 491631 h 491631"/>
-                <a:gd name="connsiteX0" fmla="*/ 0 w 82985"/>
-                <a:gd name="connsiteY0" fmla="*/ 0 h 491631"/>
-                <a:gd name="connsiteX1" fmla="*/ 82985 w 82985"/>
-                <a:gd name="connsiteY1" fmla="*/ 491631 h 491631"/>
-                <a:gd name="connsiteX0" fmla="*/ 0 w 82985"/>
-                <a:gd name="connsiteY0" fmla="*/ 0 h 493415"/>
-                <a:gd name="connsiteX1" fmla="*/ 82985 w 82985"/>
-                <a:gd name="connsiteY1" fmla="*/ 491631 h 493415"/>
-                <a:gd name="connsiteX0" fmla="*/ 0 w 82985"/>
-                <a:gd name="connsiteY0" fmla="*/ 0 h 494610"/>
-                <a:gd name="connsiteX1" fmla="*/ 82985 w 82985"/>
-                <a:gd name="connsiteY1" fmla="*/ 491631 h 494610"/>
-                <a:gd name="connsiteX0" fmla="*/ 0 w 82985"/>
-                <a:gd name="connsiteY0" fmla="*/ 0 h 493679"/>
-                <a:gd name="connsiteX1" fmla="*/ 82985 w 82985"/>
-                <a:gd name="connsiteY1" fmla="*/ 491631 h 493679"/>
-                <a:gd name="connsiteX0" fmla="*/ 0 w 82985"/>
-                <a:gd name="connsiteY0" fmla="*/ 0 h 493737"/>
-                <a:gd name="connsiteX1" fmla="*/ 82985 w 82985"/>
-                <a:gd name="connsiteY1" fmla="*/ 491631 h 493737"/>
-                <a:gd name="connsiteX0" fmla="*/ 0 w 82985"/>
-                <a:gd name="connsiteY0" fmla="*/ 0 h 491631"/>
-                <a:gd name="connsiteX1" fmla="*/ 82985 w 82985"/>
-                <a:gd name="connsiteY1" fmla="*/ 491631 h 491631"/>
-                <a:gd name="connsiteX0" fmla="*/ 0 w 82985"/>
-                <a:gd name="connsiteY0" fmla="*/ 0 h 491631"/>
-                <a:gd name="connsiteX1" fmla="*/ 82985 w 82985"/>
-                <a:gd name="connsiteY1" fmla="*/ 491631 h 491631"/>
-                <a:gd name="connsiteX0" fmla="*/ 0 w 82985"/>
-                <a:gd name="connsiteY0" fmla="*/ 0 h 491631"/>
-                <a:gd name="connsiteX1" fmla="*/ 82985 w 82985"/>
-                <a:gd name="connsiteY1" fmla="*/ 491631 h 491631"/>
-                <a:gd name="connsiteX0" fmla="*/ 0 w 82985"/>
-                <a:gd name="connsiteY0" fmla="*/ 0 h 491631"/>
-                <a:gd name="connsiteX1" fmla="*/ 82985 w 82985"/>
-                <a:gd name="connsiteY1" fmla="*/ 491631 h 491631"/>
-              </a:gdLst>
-              <a:ahLst/>
-              <a:cxnLst>
-                <a:cxn ang="0">
-                  <a:pos x="connsiteX0" y="connsiteY0"/>
-                </a:cxn>
-                <a:cxn ang="0">
-                  <a:pos x="connsiteX1" y="connsiteY1"/>
-                </a:cxn>
-              </a:cxnLst>
-              <a:rect l="l" t="t" r="r" b="b"/>
-              <a:pathLst>
-                <a:path w="82985" h="491631">
-                  <a:moveTo>
-                    <a:pt x="0" y="0"/>
-                  </a:moveTo>
-                  <a:cubicBezTo>
-                    <a:pt x="48668" y="-545"/>
-                    <a:pt x="28820" y="488562"/>
-                    <a:pt x="82985" y="491631"/>
-                  </a:cubicBezTo>
-                </a:path>
-              </a:pathLst>
-            </a:custGeom>
-            <a:ln w="34925">
-              <a:solidFill>
-                <a:schemeClr val="accent1">
-                  <a:lumMod val="75000"/>
-                </a:schemeClr>
-              </a:solidFill>
-              <a:tailEnd type="triangle"/>
-            </a:ln>
-          </p:spPr>
-          <p:style>
-            <a:lnRef idx="3">
-              <a:schemeClr val="accent6"/>
-            </a:lnRef>
-            <a:fillRef idx="0">
-              <a:schemeClr val="accent6"/>
-            </a:fillRef>
-            <a:effectRef idx="2">
-              <a:schemeClr val="accent6"/>
-            </a:effectRef>
-            <a:fontRef idx="minor">
-              <a:schemeClr val="tx1"/>
-            </a:fontRef>
-          </p:style>
-          <p:txBody>
-            <a:bodyPr rtlCol="0" anchor="ctr"/>
-            <a:lstStyle/>
-            <a:p>
-              <a:pPr algn="ctr"/>
-              <a:endParaRPr lang="en-US" sz="2000" dirty="0">
-                <a:latin typeface="Latin Modern Roman 10" pitchFamily="2" charset="77"/>
-              </a:endParaRPr>
-            </a:p>
-          </p:txBody>
-        </p:sp>
-        <p:sp>
-          <p:nvSpPr>
-            <p:cNvPr id="23" name="Freeform 22">
-              <a:extLst>
-                <a:ext uri="{FF2B5EF4-FFF2-40B4-BE49-F238E27FC236}">
-                  <a16:creationId xmlns:a16="http://schemas.microsoft.com/office/drawing/2014/main" id="{FF59A267-2E3C-234C-B893-5BF575BA03FD}"/>
-                </a:ext>
-              </a:extLst>
-            </p:cNvPr>
-            <p:cNvSpPr/>
-            <p:nvPr/>
-          </p:nvSpPr>
-          <p:spPr>
-            <a:xfrm>
-              <a:off x="5807863" y="3380729"/>
-              <a:ext cx="1797721" cy="633600"/>
-            </a:xfrm>
-            <a:custGeom>
-              <a:avLst/>
-              <a:gdLst>
-                <a:gd name="connsiteX0" fmla="*/ 0 w 274730"/>
-                <a:gd name="connsiteY0" fmla="*/ 0 h 6589"/>
-                <a:gd name="connsiteX1" fmla="*/ 274730 w 274730"/>
-                <a:gd name="connsiteY1" fmla="*/ 4100 h 6589"/>
-                <a:gd name="connsiteX0" fmla="*/ 0 w 42239"/>
-                <a:gd name="connsiteY0" fmla="*/ 1219742 h 1219936"/>
-                <a:gd name="connsiteX1" fmla="*/ 42239 w 42239"/>
-                <a:gd name="connsiteY1" fmla="*/ 0 h 1219936"/>
-                <a:gd name="connsiteX0" fmla="*/ 0 w 82985"/>
-                <a:gd name="connsiteY0" fmla="*/ 0 h 491631"/>
-                <a:gd name="connsiteX1" fmla="*/ 82985 w 82985"/>
-                <a:gd name="connsiteY1" fmla="*/ 491631 h 491631"/>
-                <a:gd name="connsiteX0" fmla="*/ 0 w 82985"/>
-                <a:gd name="connsiteY0" fmla="*/ 0 h 491631"/>
-                <a:gd name="connsiteX1" fmla="*/ 82985 w 82985"/>
-                <a:gd name="connsiteY1" fmla="*/ 491631 h 491631"/>
-                <a:gd name="connsiteX0" fmla="*/ 0 w 82985"/>
-                <a:gd name="connsiteY0" fmla="*/ 0 h 491631"/>
-                <a:gd name="connsiteX1" fmla="*/ 82985 w 82985"/>
-                <a:gd name="connsiteY1" fmla="*/ 491631 h 491631"/>
-                <a:gd name="connsiteX0" fmla="*/ 0 w 82985"/>
-                <a:gd name="connsiteY0" fmla="*/ 0 h 491631"/>
-                <a:gd name="connsiteX1" fmla="*/ 82985 w 82985"/>
-                <a:gd name="connsiteY1" fmla="*/ 491631 h 491631"/>
-                <a:gd name="connsiteX0" fmla="*/ 0 w 82985"/>
-                <a:gd name="connsiteY0" fmla="*/ 0 h 493415"/>
-                <a:gd name="connsiteX1" fmla="*/ 82985 w 82985"/>
-                <a:gd name="connsiteY1" fmla="*/ 491631 h 493415"/>
-                <a:gd name="connsiteX0" fmla="*/ 0 w 82985"/>
-                <a:gd name="connsiteY0" fmla="*/ 0 h 494610"/>
-                <a:gd name="connsiteX1" fmla="*/ 82985 w 82985"/>
-                <a:gd name="connsiteY1" fmla="*/ 491631 h 494610"/>
-                <a:gd name="connsiteX0" fmla="*/ 0 w 82985"/>
-                <a:gd name="connsiteY0" fmla="*/ 0 h 493679"/>
-                <a:gd name="connsiteX1" fmla="*/ 82985 w 82985"/>
-                <a:gd name="connsiteY1" fmla="*/ 491631 h 493679"/>
-                <a:gd name="connsiteX0" fmla="*/ 0 w 82985"/>
-                <a:gd name="connsiteY0" fmla="*/ 0 h 493737"/>
-                <a:gd name="connsiteX1" fmla="*/ 82985 w 82985"/>
-                <a:gd name="connsiteY1" fmla="*/ 491631 h 493737"/>
-                <a:gd name="connsiteX0" fmla="*/ 0 w 82985"/>
-                <a:gd name="connsiteY0" fmla="*/ 0 h 491631"/>
-                <a:gd name="connsiteX1" fmla="*/ 82985 w 82985"/>
-                <a:gd name="connsiteY1" fmla="*/ 491631 h 491631"/>
-                <a:gd name="connsiteX0" fmla="*/ 0 w 82985"/>
-                <a:gd name="connsiteY0" fmla="*/ 0 h 491631"/>
-                <a:gd name="connsiteX1" fmla="*/ 82985 w 82985"/>
-                <a:gd name="connsiteY1" fmla="*/ 491631 h 491631"/>
-                <a:gd name="connsiteX0" fmla="*/ 0 w 82985"/>
-                <a:gd name="connsiteY0" fmla="*/ 0 h 491631"/>
-                <a:gd name="connsiteX1" fmla="*/ 82985 w 82985"/>
-                <a:gd name="connsiteY1" fmla="*/ 491631 h 491631"/>
-                <a:gd name="connsiteX0" fmla="*/ 0 w 82985"/>
-                <a:gd name="connsiteY0" fmla="*/ 0 h 491631"/>
-                <a:gd name="connsiteX1" fmla="*/ 82985 w 82985"/>
-                <a:gd name="connsiteY1" fmla="*/ 491631 h 491631"/>
-              </a:gdLst>
-              <a:ahLst/>
-              <a:cxnLst>
-                <a:cxn ang="0">
-                  <a:pos x="connsiteX0" y="connsiteY0"/>
-                </a:cxn>
-                <a:cxn ang="0">
-                  <a:pos x="connsiteX1" y="connsiteY1"/>
-                </a:cxn>
-              </a:cxnLst>
-              <a:rect l="l" t="t" r="r" b="b"/>
-              <a:pathLst>
-                <a:path w="82985" h="491631">
-                  <a:moveTo>
-                    <a:pt x="0" y="0"/>
-                  </a:moveTo>
-                  <a:cubicBezTo>
-                    <a:pt x="48668" y="-545"/>
-                    <a:pt x="28820" y="488562"/>
-                    <a:pt x="82985" y="491631"/>
-                  </a:cubicBezTo>
-                </a:path>
-              </a:pathLst>
-            </a:custGeom>
-            <a:ln w="34925">
-              <a:solidFill>
-                <a:schemeClr val="accent1">
-                  <a:lumMod val="75000"/>
-                </a:schemeClr>
-              </a:solidFill>
-              <a:tailEnd type="triangle"/>
-            </a:ln>
-          </p:spPr>
-          <p:style>
-            <a:lnRef idx="3">
-              <a:schemeClr val="accent6"/>
-            </a:lnRef>
-            <a:fillRef idx="0">
-              <a:schemeClr val="accent6"/>
-            </a:fillRef>
-            <a:effectRef idx="2">
-              <a:schemeClr val="accent6"/>
-            </a:effectRef>
-            <a:fontRef idx="minor">
-              <a:schemeClr val="tx1"/>
-            </a:fontRef>
-          </p:style>
-          <p:txBody>
-            <a:bodyPr rtlCol="0" anchor="ctr"/>
-            <a:lstStyle/>
-            <a:p>
-              <a:pPr algn="ctr"/>
-              <a:endParaRPr lang="en-US" sz="2000" dirty="0">
-                <a:latin typeface="Latin Modern Roman 10" pitchFamily="2" charset="77"/>
-              </a:endParaRPr>
-            </a:p>
-          </p:txBody>
-        </p:sp>
-        <p:sp>
-          <p:nvSpPr>
-            <p:cNvPr id="24" name="Freeform 23">
-              <a:extLst>
-                <a:ext uri="{FF2B5EF4-FFF2-40B4-BE49-F238E27FC236}">
-                  <a16:creationId xmlns:a16="http://schemas.microsoft.com/office/drawing/2014/main" id="{00402D2F-8D3C-C648-B183-86BF04A8B3F1}"/>
-                </a:ext>
-              </a:extLst>
-            </p:cNvPr>
-            <p:cNvSpPr/>
-            <p:nvPr/>
-          </p:nvSpPr>
-          <p:spPr>
-            <a:xfrm flipV="1">
-              <a:off x="5807863" y="4014329"/>
-              <a:ext cx="1797721" cy="637990"/>
-            </a:xfrm>
-            <a:custGeom>
-              <a:avLst/>
-              <a:gdLst>
-                <a:gd name="connsiteX0" fmla="*/ 0 w 274730"/>
-                <a:gd name="connsiteY0" fmla="*/ 0 h 6589"/>
-                <a:gd name="connsiteX1" fmla="*/ 274730 w 274730"/>
-                <a:gd name="connsiteY1" fmla="*/ 4100 h 6589"/>
-                <a:gd name="connsiteX0" fmla="*/ 0 w 42239"/>
-                <a:gd name="connsiteY0" fmla="*/ 1219742 h 1219936"/>
-                <a:gd name="connsiteX1" fmla="*/ 42239 w 42239"/>
-                <a:gd name="connsiteY1" fmla="*/ 0 h 1219936"/>
-                <a:gd name="connsiteX0" fmla="*/ 0 w 82985"/>
-                <a:gd name="connsiteY0" fmla="*/ 0 h 491631"/>
-                <a:gd name="connsiteX1" fmla="*/ 82985 w 82985"/>
-                <a:gd name="connsiteY1" fmla="*/ 491631 h 491631"/>
-                <a:gd name="connsiteX0" fmla="*/ 0 w 82985"/>
-                <a:gd name="connsiteY0" fmla="*/ 0 h 491631"/>
-                <a:gd name="connsiteX1" fmla="*/ 82985 w 82985"/>
-                <a:gd name="connsiteY1" fmla="*/ 491631 h 491631"/>
-                <a:gd name="connsiteX0" fmla="*/ 0 w 82985"/>
-                <a:gd name="connsiteY0" fmla="*/ 0 h 491631"/>
-                <a:gd name="connsiteX1" fmla="*/ 82985 w 82985"/>
-                <a:gd name="connsiteY1" fmla="*/ 491631 h 491631"/>
-                <a:gd name="connsiteX0" fmla="*/ 0 w 82985"/>
-                <a:gd name="connsiteY0" fmla="*/ 0 h 491631"/>
-                <a:gd name="connsiteX1" fmla="*/ 82985 w 82985"/>
-                <a:gd name="connsiteY1" fmla="*/ 491631 h 491631"/>
-                <a:gd name="connsiteX0" fmla="*/ 0 w 82985"/>
-                <a:gd name="connsiteY0" fmla="*/ 0 h 493415"/>
-                <a:gd name="connsiteX1" fmla="*/ 82985 w 82985"/>
-                <a:gd name="connsiteY1" fmla="*/ 491631 h 493415"/>
-                <a:gd name="connsiteX0" fmla="*/ 0 w 82985"/>
-                <a:gd name="connsiteY0" fmla="*/ 0 h 494610"/>
-                <a:gd name="connsiteX1" fmla="*/ 82985 w 82985"/>
-                <a:gd name="connsiteY1" fmla="*/ 491631 h 494610"/>
-                <a:gd name="connsiteX0" fmla="*/ 0 w 82985"/>
-                <a:gd name="connsiteY0" fmla="*/ 0 h 493679"/>
-                <a:gd name="connsiteX1" fmla="*/ 82985 w 82985"/>
-                <a:gd name="connsiteY1" fmla="*/ 491631 h 493679"/>
-                <a:gd name="connsiteX0" fmla="*/ 0 w 82985"/>
-                <a:gd name="connsiteY0" fmla="*/ 0 h 493737"/>
-                <a:gd name="connsiteX1" fmla="*/ 82985 w 82985"/>
-                <a:gd name="connsiteY1" fmla="*/ 491631 h 493737"/>
-                <a:gd name="connsiteX0" fmla="*/ 0 w 82985"/>
-                <a:gd name="connsiteY0" fmla="*/ 0 h 491631"/>
-                <a:gd name="connsiteX1" fmla="*/ 82985 w 82985"/>
-                <a:gd name="connsiteY1" fmla="*/ 491631 h 491631"/>
-                <a:gd name="connsiteX0" fmla="*/ 0 w 82985"/>
-                <a:gd name="connsiteY0" fmla="*/ 0 h 491631"/>
-                <a:gd name="connsiteX1" fmla="*/ 82985 w 82985"/>
-                <a:gd name="connsiteY1" fmla="*/ 491631 h 491631"/>
-                <a:gd name="connsiteX0" fmla="*/ 0 w 82985"/>
-                <a:gd name="connsiteY0" fmla="*/ 0 h 491631"/>
-                <a:gd name="connsiteX1" fmla="*/ 82985 w 82985"/>
-                <a:gd name="connsiteY1" fmla="*/ 491631 h 491631"/>
-                <a:gd name="connsiteX0" fmla="*/ 0 w 82985"/>
-                <a:gd name="connsiteY0" fmla="*/ 0 h 491631"/>
-                <a:gd name="connsiteX1" fmla="*/ 82985 w 82985"/>
-                <a:gd name="connsiteY1" fmla="*/ 491631 h 491631"/>
-              </a:gdLst>
-              <a:ahLst/>
-              <a:cxnLst>
-                <a:cxn ang="0">
-                  <a:pos x="connsiteX0" y="connsiteY0"/>
-                </a:cxn>
-                <a:cxn ang="0">
-                  <a:pos x="connsiteX1" y="connsiteY1"/>
-                </a:cxn>
-              </a:cxnLst>
-              <a:rect l="l" t="t" r="r" b="b"/>
-              <a:pathLst>
-                <a:path w="82985" h="491631">
-                  <a:moveTo>
-                    <a:pt x="0" y="0"/>
-                  </a:moveTo>
-                  <a:cubicBezTo>
-                    <a:pt x="48668" y="-545"/>
-                    <a:pt x="28820" y="488562"/>
-                    <a:pt x="82985" y="491631"/>
-                  </a:cubicBezTo>
-                </a:path>
-              </a:pathLst>
-            </a:custGeom>
-            <a:ln w="34925">
-              <a:solidFill>
-                <a:schemeClr val="accent1">
-                  <a:lumMod val="75000"/>
-                </a:schemeClr>
-              </a:solidFill>
-              <a:tailEnd type="triangle"/>
-            </a:ln>
-          </p:spPr>
-          <p:style>
-            <a:lnRef idx="3">
-              <a:schemeClr val="accent6"/>
-            </a:lnRef>
-            <a:fillRef idx="0">
-              <a:schemeClr val="accent6"/>
-            </a:fillRef>
-            <a:effectRef idx="2">
-              <a:schemeClr val="accent6"/>
-            </a:effectRef>
-            <a:fontRef idx="minor">
-              <a:schemeClr val="tx1"/>
-            </a:fontRef>
-          </p:style>
-          <p:txBody>
-            <a:bodyPr rtlCol="0" anchor="ctr"/>
-            <a:lstStyle/>
-            <a:p>
-              <a:pPr algn="ctr"/>
-              <a:endParaRPr lang="en-US" sz="2000" dirty="0">
-                <a:latin typeface="Latin Modern Roman 10" pitchFamily="2" charset="77"/>
-              </a:endParaRPr>
-            </a:p>
-          </p:txBody>
-        </p:sp>
-        <p:grpSp>
-          <p:nvGrpSpPr>
-            <p:cNvPr id="3" name="Group 2">
-              <a:extLst>
-                <a:ext uri="{FF2B5EF4-FFF2-40B4-BE49-F238E27FC236}">
-                  <a16:creationId xmlns:a16="http://schemas.microsoft.com/office/drawing/2014/main" id="{7E82EBF7-33CB-4A43-B8E0-9F800A1BE1DA}"/>
-                </a:ext>
-              </a:extLst>
-            </p:cNvPr>
-            <p:cNvGrpSpPr/>
-            <p:nvPr/>
-          </p:nvGrpSpPr>
-          <p:grpSpPr>
-            <a:xfrm>
-              <a:off x="5807863" y="4652318"/>
-              <a:ext cx="1797721" cy="1252826"/>
-              <a:chOff x="5807863" y="4652318"/>
-              <a:chExt cx="1797721" cy="988410"/>
-            </a:xfrm>
-          </p:grpSpPr>
-          <p:sp>
-            <p:nvSpPr>
-              <p:cNvPr id="25" name="Freeform 24">
-                <a:extLst>
-                  <a:ext uri="{FF2B5EF4-FFF2-40B4-BE49-F238E27FC236}">
-                    <a16:creationId xmlns:a16="http://schemas.microsoft.com/office/drawing/2014/main" id="{D028DCDE-1F10-5F4E-BC63-B728AADAC8F6}"/>
-                  </a:ext>
-                </a:extLst>
-              </p:cNvPr>
-              <p:cNvSpPr/>
-              <p:nvPr/>
-            </p:nvSpPr>
-            <p:spPr>
-              <a:xfrm>
-                <a:off x="5807863" y="4652318"/>
-                <a:ext cx="1797721" cy="493200"/>
-              </a:xfrm>
-              <a:custGeom>
-                <a:avLst/>
-                <a:gdLst>
-                  <a:gd name="connsiteX0" fmla="*/ 0 w 274730"/>
-                  <a:gd name="connsiteY0" fmla="*/ 0 h 6589"/>
-                  <a:gd name="connsiteX1" fmla="*/ 274730 w 274730"/>
-                  <a:gd name="connsiteY1" fmla="*/ 4100 h 6589"/>
-                  <a:gd name="connsiteX0" fmla="*/ 0 w 42239"/>
-                  <a:gd name="connsiteY0" fmla="*/ 1219742 h 1219936"/>
-                  <a:gd name="connsiteX1" fmla="*/ 42239 w 42239"/>
-                  <a:gd name="connsiteY1" fmla="*/ 0 h 1219936"/>
-                  <a:gd name="connsiteX0" fmla="*/ 0 w 82985"/>
-                  <a:gd name="connsiteY0" fmla="*/ 0 h 491631"/>
-                  <a:gd name="connsiteX1" fmla="*/ 82985 w 82985"/>
-                  <a:gd name="connsiteY1" fmla="*/ 491631 h 491631"/>
-                  <a:gd name="connsiteX0" fmla="*/ 0 w 82985"/>
-                  <a:gd name="connsiteY0" fmla="*/ 0 h 491631"/>
-                  <a:gd name="connsiteX1" fmla="*/ 82985 w 82985"/>
-                  <a:gd name="connsiteY1" fmla="*/ 491631 h 491631"/>
-                  <a:gd name="connsiteX0" fmla="*/ 0 w 82985"/>
-                  <a:gd name="connsiteY0" fmla="*/ 0 h 491631"/>
-                  <a:gd name="connsiteX1" fmla="*/ 82985 w 82985"/>
-                  <a:gd name="connsiteY1" fmla="*/ 491631 h 491631"/>
-                  <a:gd name="connsiteX0" fmla="*/ 0 w 82985"/>
-                  <a:gd name="connsiteY0" fmla="*/ 0 h 491631"/>
-                  <a:gd name="connsiteX1" fmla="*/ 82985 w 82985"/>
-                  <a:gd name="connsiteY1" fmla="*/ 491631 h 491631"/>
-                  <a:gd name="connsiteX0" fmla="*/ 0 w 82985"/>
-                  <a:gd name="connsiteY0" fmla="*/ 0 h 493415"/>
-                  <a:gd name="connsiteX1" fmla="*/ 82985 w 82985"/>
-                  <a:gd name="connsiteY1" fmla="*/ 491631 h 493415"/>
-                  <a:gd name="connsiteX0" fmla="*/ 0 w 82985"/>
-                  <a:gd name="connsiteY0" fmla="*/ 0 h 494610"/>
-                  <a:gd name="connsiteX1" fmla="*/ 82985 w 82985"/>
-                  <a:gd name="connsiteY1" fmla="*/ 491631 h 494610"/>
-                  <a:gd name="connsiteX0" fmla="*/ 0 w 82985"/>
-                  <a:gd name="connsiteY0" fmla="*/ 0 h 493679"/>
-                  <a:gd name="connsiteX1" fmla="*/ 82985 w 82985"/>
-                  <a:gd name="connsiteY1" fmla="*/ 491631 h 493679"/>
-                  <a:gd name="connsiteX0" fmla="*/ 0 w 82985"/>
-                  <a:gd name="connsiteY0" fmla="*/ 0 h 493737"/>
-                  <a:gd name="connsiteX1" fmla="*/ 82985 w 82985"/>
-                  <a:gd name="connsiteY1" fmla="*/ 491631 h 493737"/>
-                  <a:gd name="connsiteX0" fmla="*/ 0 w 82985"/>
-                  <a:gd name="connsiteY0" fmla="*/ 0 h 491631"/>
-                  <a:gd name="connsiteX1" fmla="*/ 82985 w 82985"/>
-                  <a:gd name="connsiteY1" fmla="*/ 491631 h 491631"/>
-                  <a:gd name="connsiteX0" fmla="*/ 0 w 82985"/>
-                  <a:gd name="connsiteY0" fmla="*/ 0 h 491631"/>
-                  <a:gd name="connsiteX1" fmla="*/ 82985 w 82985"/>
-                  <a:gd name="connsiteY1" fmla="*/ 491631 h 491631"/>
-                  <a:gd name="connsiteX0" fmla="*/ 0 w 82985"/>
-                  <a:gd name="connsiteY0" fmla="*/ 0 h 491631"/>
-                  <a:gd name="connsiteX1" fmla="*/ 82985 w 82985"/>
-                  <a:gd name="connsiteY1" fmla="*/ 491631 h 491631"/>
-                  <a:gd name="connsiteX0" fmla="*/ 0 w 82985"/>
-                  <a:gd name="connsiteY0" fmla="*/ 0 h 491631"/>
-                  <a:gd name="connsiteX1" fmla="*/ 82985 w 82985"/>
-                  <a:gd name="connsiteY1" fmla="*/ 491631 h 491631"/>
-                </a:gdLst>
-                <a:ahLst/>
-                <a:cxnLst>
-                  <a:cxn ang="0">
-                    <a:pos x="connsiteX0" y="connsiteY0"/>
-                  </a:cxn>
-                  <a:cxn ang="0">
-                    <a:pos x="connsiteX1" y="connsiteY1"/>
-                  </a:cxn>
-                </a:cxnLst>
-                <a:rect l="l" t="t" r="r" b="b"/>
-                <a:pathLst>
-                  <a:path w="82985" h="491631">
-                    <a:moveTo>
-                      <a:pt x="0" y="0"/>
-                    </a:moveTo>
-                    <a:cubicBezTo>
-                      <a:pt x="48668" y="-545"/>
-                      <a:pt x="28820" y="488562"/>
-                      <a:pt x="82985" y="491631"/>
-                    </a:cubicBezTo>
-                  </a:path>
-                </a:pathLst>
-              </a:custGeom>
-              <a:ln w="34925">
-                <a:solidFill>
-                  <a:schemeClr val="accent1">
-                    <a:lumMod val="75000"/>
-                  </a:schemeClr>
-                </a:solidFill>
-                <a:tailEnd type="triangle"/>
-              </a:ln>
-            </p:spPr>
-            <p:style>
-              <a:lnRef idx="3">
-                <a:schemeClr val="accent6"/>
-              </a:lnRef>
-              <a:fillRef idx="0">
-                <a:schemeClr val="accent6"/>
-              </a:fillRef>
-              <a:effectRef idx="2">
-                <a:schemeClr val="accent6"/>
-              </a:effectRef>
-              <a:fontRef idx="minor">
-                <a:schemeClr val="tx1"/>
-              </a:fontRef>
-            </p:style>
-            <p:txBody>
-              <a:bodyPr rtlCol="0" anchor="ctr"/>
-              <a:lstStyle/>
-              <a:p>
-                <a:pPr algn="ctr"/>
-                <a:endParaRPr lang="en-US" sz="2000" dirty="0">
-                  <a:latin typeface="Latin Modern Roman 10" pitchFamily="2" charset="77"/>
-                </a:endParaRPr>
-              </a:p>
-            </p:txBody>
-          </p:sp>
-          <p:sp>
-            <p:nvSpPr>
-              <p:cNvPr id="26" name="Freeform 25">
-                <a:extLst>
-                  <a:ext uri="{FF2B5EF4-FFF2-40B4-BE49-F238E27FC236}">
-                    <a16:creationId xmlns:a16="http://schemas.microsoft.com/office/drawing/2014/main" id="{AF45D84C-9417-3941-9814-B889A9ED4538}"/>
-                  </a:ext>
-                </a:extLst>
-              </p:cNvPr>
-              <p:cNvSpPr/>
-              <p:nvPr/>
-            </p:nvSpPr>
-            <p:spPr>
-              <a:xfrm flipV="1">
-                <a:off x="5807863" y="5145518"/>
-                <a:ext cx="1797721" cy="495210"/>
-              </a:xfrm>
-              <a:custGeom>
-                <a:avLst/>
-                <a:gdLst>
-                  <a:gd name="connsiteX0" fmla="*/ 0 w 274730"/>
-                  <a:gd name="connsiteY0" fmla="*/ 0 h 6589"/>
-                  <a:gd name="connsiteX1" fmla="*/ 274730 w 274730"/>
-                  <a:gd name="connsiteY1" fmla="*/ 4100 h 6589"/>
-                  <a:gd name="connsiteX0" fmla="*/ 0 w 42239"/>
-                  <a:gd name="connsiteY0" fmla="*/ 1219742 h 1219936"/>
-                  <a:gd name="connsiteX1" fmla="*/ 42239 w 42239"/>
-                  <a:gd name="connsiteY1" fmla="*/ 0 h 1219936"/>
-                  <a:gd name="connsiteX0" fmla="*/ 0 w 82985"/>
-                  <a:gd name="connsiteY0" fmla="*/ 0 h 491631"/>
-                  <a:gd name="connsiteX1" fmla="*/ 82985 w 82985"/>
-                  <a:gd name="connsiteY1" fmla="*/ 491631 h 491631"/>
-                  <a:gd name="connsiteX0" fmla="*/ 0 w 82985"/>
-                  <a:gd name="connsiteY0" fmla="*/ 0 h 491631"/>
-                  <a:gd name="connsiteX1" fmla="*/ 82985 w 82985"/>
-                  <a:gd name="connsiteY1" fmla="*/ 491631 h 491631"/>
-                  <a:gd name="connsiteX0" fmla="*/ 0 w 82985"/>
-                  <a:gd name="connsiteY0" fmla="*/ 0 h 491631"/>
-                  <a:gd name="connsiteX1" fmla="*/ 82985 w 82985"/>
-                  <a:gd name="connsiteY1" fmla="*/ 491631 h 491631"/>
-                  <a:gd name="connsiteX0" fmla="*/ 0 w 82985"/>
-                  <a:gd name="connsiteY0" fmla="*/ 0 h 491631"/>
-                  <a:gd name="connsiteX1" fmla="*/ 82985 w 82985"/>
-                  <a:gd name="connsiteY1" fmla="*/ 491631 h 491631"/>
-                  <a:gd name="connsiteX0" fmla="*/ 0 w 82985"/>
-                  <a:gd name="connsiteY0" fmla="*/ 0 h 493415"/>
-                  <a:gd name="connsiteX1" fmla="*/ 82985 w 82985"/>
-                  <a:gd name="connsiteY1" fmla="*/ 491631 h 493415"/>
-                  <a:gd name="connsiteX0" fmla="*/ 0 w 82985"/>
-                  <a:gd name="connsiteY0" fmla="*/ 0 h 494610"/>
-                  <a:gd name="connsiteX1" fmla="*/ 82985 w 82985"/>
-                  <a:gd name="connsiteY1" fmla="*/ 491631 h 494610"/>
-                  <a:gd name="connsiteX0" fmla="*/ 0 w 82985"/>
-                  <a:gd name="connsiteY0" fmla="*/ 0 h 493679"/>
-                  <a:gd name="connsiteX1" fmla="*/ 82985 w 82985"/>
-                  <a:gd name="connsiteY1" fmla="*/ 491631 h 493679"/>
-                  <a:gd name="connsiteX0" fmla="*/ 0 w 82985"/>
-                  <a:gd name="connsiteY0" fmla="*/ 0 h 493737"/>
-                  <a:gd name="connsiteX1" fmla="*/ 82985 w 82985"/>
-                  <a:gd name="connsiteY1" fmla="*/ 491631 h 493737"/>
-                  <a:gd name="connsiteX0" fmla="*/ 0 w 82985"/>
-                  <a:gd name="connsiteY0" fmla="*/ 0 h 491631"/>
-                  <a:gd name="connsiteX1" fmla="*/ 82985 w 82985"/>
-                  <a:gd name="connsiteY1" fmla="*/ 491631 h 491631"/>
-                  <a:gd name="connsiteX0" fmla="*/ 0 w 82985"/>
-                  <a:gd name="connsiteY0" fmla="*/ 0 h 491631"/>
-                  <a:gd name="connsiteX1" fmla="*/ 82985 w 82985"/>
-                  <a:gd name="connsiteY1" fmla="*/ 491631 h 491631"/>
-                  <a:gd name="connsiteX0" fmla="*/ 0 w 82985"/>
-                  <a:gd name="connsiteY0" fmla="*/ 0 h 491631"/>
-                  <a:gd name="connsiteX1" fmla="*/ 82985 w 82985"/>
-                  <a:gd name="connsiteY1" fmla="*/ 491631 h 491631"/>
-                  <a:gd name="connsiteX0" fmla="*/ 0 w 82985"/>
-                  <a:gd name="connsiteY0" fmla="*/ 0 h 491631"/>
-                  <a:gd name="connsiteX1" fmla="*/ 82985 w 82985"/>
-                  <a:gd name="connsiteY1" fmla="*/ 491631 h 491631"/>
-                </a:gdLst>
-                <a:ahLst/>
-                <a:cxnLst>
-                  <a:cxn ang="0">
-                    <a:pos x="connsiteX0" y="connsiteY0"/>
-                  </a:cxn>
-                  <a:cxn ang="0">
-                    <a:pos x="connsiteX1" y="connsiteY1"/>
-                  </a:cxn>
-                </a:cxnLst>
-                <a:rect l="l" t="t" r="r" b="b"/>
-                <a:pathLst>
-                  <a:path w="82985" h="491631">
-                    <a:moveTo>
-                      <a:pt x="0" y="0"/>
-                    </a:moveTo>
-                    <a:cubicBezTo>
-                      <a:pt x="48668" y="-545"/>
-                      <a:pt x="28820" y="488562"/>
-                      <a:pt x="82985" y="491631"/>
-                    </a:cubicBezTo>
-                  </a:path>
-                </a:pathLst>
-              </a:custGeom>
-              <a:ln w="34925">
-                <a:solidFill>
-                  <a:schemeClr val="accent1">
-                    <a:lumMod val="75000"/>
-                  </a:schemeClr>
-                </a:solidFill>
-                <a:tailEnd type="triangle"/>
-              </a:ln>
-            </p:spPr>
-            <p:style>
-              <a:lnRef idx="3">
-                <a:schemeClr val="accent6"/>
-              </a:lnRef>
-              <a:fillRef idx="0">
-                <a:schemeClr val="accent6"/>
-              </a:fillRef>
-              <a:effectRef idx="2">
-                <a:schemeClr val="accent6"/>
-              </a:effectRef>
-              <a:fontRef idx="minor">
-                <a:schemeClr val="tx1"/>
-              </a:fontRef>
-            </p:style>
-            <p:txBody>
-              <a:bodyPr rtlCol="0" anchor="ctr"/>
-              <a:lstStyle/>
-              <a:p>
-                <a:pPr algn="ctr"/>
-                <a:endParaRPr lang="en-US" sz="2000" dirty="0">
-                  <a:latin typeface="Latin Modern Roman 10" pitchFamily="2" charset="77"/>
-                </a:endParaRPr>
-              </a:p>
-            </p:txBody>
-          </p:sp>
-        </p:grpSp>
-      </p:grpSp>
+          <a:prstGeom prst="rect">
+            <a:avLst/>
+          </a:prstGeom>
+          <a:noFill/>
+        </p:spPr>
+        <p:txBody>
+          <a:bodyPr wrap="square" rtlCol="0">
+            <a:spAutoFit/>
+          </a:bodyPr>
+          <a:lstStyle/>
+          <a:p>
+            <a:pPr algn="ctr"/>
+            <a:r>
+              <a:rPr lang="fr-FR" dirty="0" err="1"/>
+              <a:t>Need</a:t>
+            </a:r>
+            <a:r>
+              <a:rPr lang="fr-FR" dirty="0"/>
+              <a:t> for </a:t>
+            </a:r>
+            <a:r>
+              <a:rPr lang="fr-FR" b="1" dirty="0" err="1"/>
+              <a:t>personnalized</a:t>
+            </a:r>
+            <a:r>
+              <a:rPr lang="fr-FR" b="1" dirty="0"/>
+              <a:t> </a:t>
+            </a:r>
+            <a:r>
+              <a:rPr lang="fr-FR" dirty="0" err="1"/>
+              <a:t>decisions</a:t>
+            </a:r>
+            <a:endParaRPr lang="fr-FR" dirty="0"/>
+          </a:p>
+        </p:txBody>
+      </p:sp>
+      <p:sp>
+        <p:nvSpPr>
+          <p:cNvPr id="34" name="ZoneTexte 33">
+            <a:extLst>
+              <a:ext uri="{FF2B5EF4-FFF2-40B4-BE49-F238E27FC236}">
+                <a16:creationId xmlns:a16="http://schemas.microsoft.com/office/drawing/2014/main" id="{F63E0CFF-E0FB-3D4E-9B4B-EF9E8A9EF7A9}"/>
+              </a:ext>
+            </a:extLst>
+          </p:cNvPr>
+          <p:cNvSpPr txBox="1"/>
+          <p:nvPr/>
+        </p:nvSpPr>
+        <p:spPr>
+          <a:xfrm>
+            <a:off x="7328848" y="2292824"/>
+            <a:ext cx="1344563" cy="369332"/>
+          </a:xfrm>
+          <a:prstGeom prst="rect">
+            <a:avLst/>
+          </a:prstGeom>
+          <a:noFill/>
+        </p:spPr>
+        <p:txBody>
+          <a:bodyPr wrap="square" rtlCol="0">
+            <a:spAutoFit/>
+          </a:bodyPr>
+          <a:lstStyle/>
+          <a:p>
+            <a:pPr algn="ctr"/>
+            <a:r>
+              <a:rPr lang="fr-FR" dirty="0"/>
+              <a:t>HRAN</a:t>
+            </a:r>
+          </a:p>
+        </p:txBody>
+      </p:sp>
+      <p:sp>
+        <p:nvSpPr>
+          <p:cNvPr id="131" name="ZoneTexte 130">
+            <a:extLst>
+              <a:ext uri="{FF2B5EF4-FFF2-40B4-BE49-F238E27FC236}">
+                <a16:creationId xmlns:a16="http://schemas.microsoft.com/office/drawing/2014/main" id="{6B2D26A0-4A80-CE4C-AC5C-A4F9C390ABC8}"/>
+              </a:ext>
+            </a:extLst>
+          </p:cNvPr>
+          <p:cNvSpPr txBox="1"/>
+          <p:nvPr/>
+        </p:nvSpPr>
+        <p:spPr>
+          <a:xfrm>
+            <a:off x="470588" y="4833196"/>
+            <a:ext cx="1869742" cy="1200329"/>
+          </a:xfrm>
+          <a:prstGeom prst="rect">
+            <a:avLst/>
+          </a:prstGeom>
+          <a:noFill/>
+        </p:spPr>
+        <p:txBody>
+          <a:bodyPr wrap="square" rtlCol="0">
+            <a:spAutoFit/>
+          </a:bodyPr>
+          <a:lstStyle/>
+          <a:p>
+            <a:pPr algn="ctr"/>
+            <a:r>
+              <a:rPr lang="fr-FR" dirty="0" err="1"/>
+              <a:t>Need</a:t>
+            </a:r>
+            <a:r>
+              <a:rPr lang="fr-FR" dirty="0"/>
+              <a:t> for </a:t>
+            </a:r>
+            <a:r>
+              <a:rPr lang="fr-FR" b="1" dirty="0" err="1"/>
+              <a:t>explainable</a:t>
+            </a:r>
+            <a:r>
+              <a:rPr lang="fr-FR" dirty="0"/>
+              <a:t> </a:t>
+            </a:r>
+            <a:r>
+              <a:rPr lang="fr-FR" dirty="0" err="1"/>
+              <a:t>models</a:t>
+            </a:r>
+            <a:r>
+              <a:rPr lang="fr-FR" dirty="0"/>
+              <a:t> and profiles</a:t>
+            </a:r>
+          </a:p>
+        </p:txBody>
+      </p:sp>
+      <p:sp>
+        <p:nvSpPr>
+          <p:cNvPr id="36" name="ZoneTexte 35">
+            <a:extLst>
+              <a:ext uri="{FF2B5EF4-FFF2-40B4-BE49-F238E27FC236}">
+                <a16:creationId xmlns:a16="http://schemas.microsoft.com/office/drawing/2014/main" id="{0DF28191-A2C0-0B48-9D19-1484BEFCCCB3}"/>
+              </a:ext>
+            </a:extLst>
+          </p:cNvPr>
+          <p:cNvSpPr txBox="1"/>
+          <p:nvPr/>
+        </p:nvSpPr>
+        <p:spPr>
+          <a:xfrm>
+            <a:off x="3651867" y="1875652"/>
+            <a:ext cx="2054316" cy="646331"/>
+          </a:xfrm>
+          <a:prstGeom prst="rect">
+            <a:avLst/>
+          </a:prstGeom>
+          <a:noFill/>
+        </p:spPr>
+        <p:txBody>
+          <a:bodyPr wrap="square" rtlCol="0">
+            <a:spAutoFit/>
+          </a:bodyPr>
+          <a:lstStyle/>
+          <a:p>
+            <a:pPr algn="ctr"/>
+            <a:r>
+              <a:rPr lang="fr-FR" dirty="0"/>
+              <a:t>Collaborative </a:t>
+            </a:r>
+            <a:r>
+              <a:rPr lang="fr-FR" dirty="0" err="1"/>
+              <a:t>Filtering</a:t>
+            </a:r>
+            <a:endParaRPr lang="fr-FR" dirty="0"/>
+          </a:p>
+        </p:txBody>
+      </p:sp>
+      <p:sp>
+        <p:nvSpPr>
+          <p:cNvPr id="132" name="ZoneTexte 131">
+            <a:extLst>
+              <a:ext uri="{FF2B5EF4-FFF2-40B4-BE49-F238E27FC236}">
+                <a16:creationId xmlns:a16="http://schemas.microsoft.com/office/drawing/2014/main" id="{899504DB-0349-6744-9C4B-68931073F1DA}"/>
+              </a:ext>
+            </a:extLst>
+          </p:cNvPr>
+          <p:cNvSpPr txBox="1"/>
+          <p:nvPr/>
+        </p:nvSpPr>
+        <p:spPr>
+          <a:xfrm>
+            <a:off x="3658129" y="3150248"/>
+            <a:ext cx="2054316" cy="646331"/>
+          </a:xfrm>
+          <a:prstGeom prst="rect">
+            <a:avLst/>
+          </a:prstGeom>
+          <a:noFill/>
+        </p:spPr>
+        <p:txBody>
+          <a:bodyPr wrap="square" rtlCol="0">
+            <a:spAutoFit/>
+          </a:bodyPr>
+          <a:lstStyle/>
+          <a:p>
+            <a:pPr algn="ctr"/>
+            <a:r>
+              <a:rPr lang="fr-FR" dirty="0"/>
+              <a:t>Natural </a:t>
+            </a:r>
+            <a:r>
+              <a:rPr lang="fr-FR" dirty="0" err="1"/>
+              <a:t>Language</a:t>
+            </a:r>
+            <a:r>
+              <a:rPr lang="fr-FR" dirty="0"/>
+              <a:t> </a:t>
+            </a:r>
+            <a:r>
+              <a:rPr lang="fr-FR" dirty="0" err="1"/>
+              <a:t>Processing</a:t>
+            </a:r>
+            <a:endParaRPr lang="fr-FR" dirty="0"/>
+          </a:p>
+        </p:txBody>
+      </p:sp>
+      <p:sp>
+        <p:nvSpPr>
+          <p:cNvPr id="133" name="ZoneTexte 132">
+            <a:extLst>
+              <a:ext uri="{FF2B5EF4-FFF2-40B4-BE49-F238E27FC236}">
+                <a16:creationId xmlns:a16="http://schemas.microsoft.com/office/drawing/2014/main" id="{9184CB49-2387-774B-96F9-59AF042CDAA1}"/>
+              </a:ext>
+            </a:extLst>
+          </p:cNvPr>
+          <p:cNvSpPr txBox="1"/>
+          <p:nvPr/>
+        </p:nvSpPr>
+        <p:spPr>
+          <a:xfrm>
+            <a:off x="3556450" y="5614145"/>
+            <a:ext cx="2245151" cy="369332"/>
+          </a:xfrm>
+          <a:prstGeom prst="rect">
+            <a:avLst/>
+          </a:prstGeom>
+          <a:noFill/>
+        </p:spPr>
+        <p:txBody>
+          <a:bodyPr wrap="square" rtlCol="0">
+            <a:spAutoFit/>
+          </a:bodyPr>
+          <a:lstStyle/>
+          <a:p>
+            <a:pPr algn="ctr"/>
+            <a:r>
+              <a:rPr lang="fr-FR" dirty="0" err="1"/>
+              <a:t>Text</a:t>
+            </a:r>
+            <a:r>
+              <a:rPr lang="fr-FR" dirty="0"/>
+              <a:t> </a:t>
+            </a:r>
+            <a:r>
+              <a:rPr lang="fr-FR" dirty="0" err="1"/>
+              <a:t>Generation</a:t>
+            </a:r>
+            <a:endParaRPr lang="fr-FR" dirty="0"/>
+          </a:p>
+        </p:txBody>
+      </p:sp>
+      <p:sp>
+        <p:nvSpPr>
+          <p:cNvPr id="134" name="ZoneTexte 133">
+            <a:extLst>
+              <a:ext uri="{FF2B5EF4-FFF2-40B4-BE49-F238E27FC236}">
+                <a16:creationId xmlns:a16="http://schemas.microsoft.com/office/drawing/2014/main" id="{81014D99-1E34-C444-AD9D-DE957D0878EF}"/>
+              </a:ext>
+            </a:extLst>
+          </p:cNvPr>
+          <p:cNvSpPr txBox="1"/>
+          <p:nvPr/>
+        </p:nvSpPr>
+        <p:spPr>
+          <a:xfrm>
+            <a:off x="7328848" y="4648530"/>
+            <a:ext cx="1344563" cy="369332"/>
+          </a:xfrm>
+          <a:prstGeom prst="rect">
+            <a:avLst/>
+          </a:prstGeom>
+          <a:noFill/>
+        </p:spPr>
+        <p:txBody>
+          <a:bodyPr wrap="square" rtlCol="0">
+            <a:spAutoFit/>
+          </a:bodyPr>
+          <a:lstStyle/>
+          <a:p>
+            <a:pPr algn="ctr"/>
+            <a:r>
+              <a:rPr lang="fr-FR" dirty="0"/>
+              <a:t>Résumé</a:t>
+            </a:r>
+          </a:p>
+        </p:txBody>
+      </p:sp>
+      <p:sp>
+        <p:nvSpPr>
+          <p:cNvPr id="136" name="ZoneTexte 135">
+            <a:extLst>
+              <a:ext uri="{FF2B5EF4-FFF2-40B4-BE49-F238E27FC236}">
+                <a16:creationId xmlns:a16="http://schemas.microsoft.com/office/drawing/2014/main" id="{68D424B0-CEB8-2041-BB6D-DC75FC43C932}"/>
+              </a:ext>
+            </a:extLst>
+          </p:cNvPr>
+          <p:cNvSpPr txBox="1"/>
+          <p:nvPr/>
+        </p:nvSpPr>
+        <p:spPr>
+          <a:xfrm>
+            <a:off x="470588" y="3457181"/>
+            <a:ext cx="1869742" cy="923330"/>
+          </a:xfrm>
+          <a:prstGeom prst="rect">
+            <a:avLst/>
+          </a:prstGeom>
+          <a:noFill/>
+        </p:spPr>
+        <p:txBody>
+          <a:bodyPr wrap="square" rtlCol="0">
+            <a:spAutoFit/>
+          </a:bodyPr>
+          <a:lstStyle/>
+          <a:p>
+            <a:pPr algn="ctr"/>
+            <a:r>
+              <a:rPr lang="fr-FR" dirty="0" err="1"/>
+              <a:t>Need</a:t>
+            </a:r>
+            <a:r>
+              <a:rPr lang="fr-FR" dirty="0"/>
+              <a:t> for </a:t>
+            </a:r>
+            <a:r>
+              <a:rPr lang="fr-FR" b="1" dirty="0"/>
+              <a:t>versatile</a:t>
+            </a:r>
+            <a:r>
+              <a:rPr lang="fr-FR" dirty="0"/>
+              <a:t> user </a:t>
+            </a:r>
+            <a:r>
+              <a:rPr lang="fr-FR" dirty="0" err="1"/>
+              <a:t>representation</a:t>
+            </a:r>
+            <a:endParaRPr lang="fr-FR" dirty="0"/>
+          </a:p>
+        </p:txBody>
+      </p:sp>
+      <p:sp>
+        <p:nvSpPr>
+          <p:cNvPr id="137" name="Freeform 14">
+            <a:extLst>
+              <a:ext uri="{FF2B5EF4-FFF2-40B4-BE49-F238E27FC236}">
+                <a16:creationId xmlns:a16="http://schemas.microsoft.com/office/drawing/2014/main" id="{7298D8F5-16EF-F34E-BBC9-42CE55EDC470}"/>
+              </a:ext>
+            </a:extLst>
+          </p:cNvPr>
+          <p:cNvSpPr/>
+          <p:nvPr/>
+        </p:nvSpPr>
+        <p:spPr>
+          <a:xfrm flipV="1">
+            <a:off x="2492730" y="2351218"/>
+            <a:ext cx="1457180" cy="297708"/>
+          </a:xfrm>
+          <a:custGeom>
+            <a:avLst/>
+            <a:gdLst>
+              <a:gd name="connsiteX0" fmla="*/ 0 w 274730"/>
+              <a:gd name="connsiteY0" fmla="*/ 0 h 6589"/>
+              <a:gd name="connsiteX1" fmla="*/ 274730 w 274730"/>
+              <a:gd name="connsiteY1" fmla="*/ 4100 h 6589"/>
+              <a:gd name="connsiteX0" fmla="*/ 0 w 42239"/>
+              <a:gd name="connsiteY0" fmla="*/ 1219742 h 1219936"/>
+              <a:gd name="connsiteX1" fmla="*/ 42239 w 42239"/>
+              <a:gd name="connsiteY1" fmla="*/ 0 h 1219936"/>
+              <a:gd name="connsiteX0" fmla="*/ 0 w 82985"/>
+              <a:gd name="connsiteY0" fmla="*/ 0 h 491631"/>
+              <a:gd name="connsiteX1" fmla="*/ 82985 w 82985"/>
+              <a:gd name="connsiteY1" fmla="*/ 491631 h 491631"/>
+              <a:gd name="connsiteX0" fmla="*/ 0 w 82985"/>
+              <a:gd name="connsiteY0" fmla="*/ 0 h 491631"/>
+              <a:gd name="connsiteX1" fmla="*/ 82985 w 82985"/>
+              <a:gd name="connsiteY1" fmla="*/ 491631 h 491631"/>
+              <a:gd name="connsiteX0" fmla="*/ 0 w 82985"/>
+              <a:gd name="connsiteY0" fmla="*/ 0 h 491631"/>
+              <a:gd name="connsiteX1" fmla="*/ 82985 w 82985"/>
+              <a:gd name="connsiteY1" fmla="*/ 491631 h 491631"/>
+              <a:gd name="connsiteX0" fmla="*/ 0 w 82985"/>
+              <a:gd name="connsiteY0" fmla="*/ 0 h 491631"/>
+              <a:gd name="connsiteX1" fmla="*/ 82985 w 82985"/>
+              <a:gd name="connsiteY1" fmla="*/ 491631 h 491631"/>
+              <a:gd name="connsiteX0" fmla="*/ 0 w 82985"/>
+              <a:gd name="connsiteY0" fmla="*/ 0 h 493415"/>
+              <a:gd name="connsiteX1" fmla="*/ 82985 w 82985"/>
+              <a:gd name="connsiteY1" fmla="*/ 491631 h 493415"/>
+              <a:gd name="connsiteX0" fmla="*/ 0 w 82985"/>
+              <a:gd name="connsiteY0" fmla="*/ 0 h 494610"/>
+              <a:gd name="connsiteX1" fmla="*/ 82985 w 82985"/>
+              <a:gd name="connsiteY1" fmla="*/ 491631 h 494610"/>
+              <a:gd name="connsiteX0" fmla="*/ 0 w 82985"/>
+              <a:gd name="connsiteY0" fmla="*/ 0 h 493679"/>
+              <a:gd name="connsiteX1" fmla="*/ 82985 w 82985"/>
+              <a:gd name="connsiteY1" fmla="*/ 491631 h 493679"/>
+              <a:gd name="connsiteX0" fmla="*/ 0 w 82985"/>
+              <a:gd name="connsiteY0" fmla="*/ 0 h 493737"/>
+              <a:gd name="connsiteX1" fmla="*/ 82985 w 82985"/>
+              <a:gd name="connsiteY1" fmla="*/ 491631 h 493737"/>
+              <a:gd name="connsiteX0" fmla="*/ 0 w 82985"/>
+              <a:gd name="connsiteY0" fmla="*/ 0 h 491631"/>
+              <a:gd name="connsiteX1" fmla="*/ 82985 w 82985"/>
+              <a:gd name="connsiteY1" fmla="*/ 491631 h 491631"/>
+              <a:gd name="connsiteX0" fmla="*/ 0 w 82985"/>
+              <a:gd name="connsiteY0" fmla="*/ 0 h 491631"/>
+              <a:gd name="connsiteX1" fmla="*/ 82985 w 82985"/>
+              <a:gd name="connsiteY1" fmla="*/ 491631 h 491631"/>
+              <a:gd name="connsiteX0" fmla="*/ 0 w 82985"/>
+              <a:gd name="connsiteY0" fmla="*/ 0 h 491631"/>
+              <a:gd name="connsiteX1" fmla="*/ 82985 w 82985"/>
+              <a:gd name="connsiteY1" fmla="*/ 491631 h 491631"/>
+              <a:gd name="connsiteX0" fmla="*/ 0 w 82985"/>
+              <a:gd name="connsiteY0" fmla="*/ 0 h 491631"/>
+              <a:gd name="connsiteX1" fmla="*/ 82985 w 82985"/>
+              <a:gd name="connsiteY1" fmla="*/ 491631 h 491631"/>
+            </a:gdLst>
+            <a:ahLst/>
+            <a:cxnLst>
+              <a:cxn ang="0">
+                <a:pos x="connsiteX0" y="connsiteY0"/>
+              </a:cxn>
+              <a:cxn ang="0">
+                <a:pos x="connsiteX1" y="connsiteY1"/>
+              </a:cxn>
+            </a:cxnLst>
+            <a:rect l="l" t="t" r="r" b="b"/>
+            <a:pathLst>
+              <a:path w="82985" h="491631">
+                <a:moveTo>
+                  <a:pt x="0" y="0"/>
+                </a:moveTo>
+                <a:cubicBezTo>
+                  <a:pt x="48668" y="-545"/>
+                  <a:pt x="28820" y="488562"/>
+                  <a:pt x="82985" y="491631"/>
+                </a:cubicBezTo>
+              </a:path>
+            </a:pathLst>
+          </a:custGeom>
+          <a:ln w="34925">
+            <a:solidFill>
+              <a:schemeClr val="accent1">
+                <a:lumMod val="75000"/>
+              </a:schemeClr>
+            </a:solidFill>
+            <a:tailEnd type="triangle"/>
+          </a:ln>
+        </p:spPr>
+        <p:style>
+          <a:lnRef idx="3">
+            <a:schemeClr val="accent6"/>
+          </a:lnRef>
+          <a:fillRef idx="0">
+            <a:schemeClr val="accent6"/>
+          </a:fillRef>
+          <a:effectRef idx="2">
+            <a:schemeClr val="accent6"/>
+          </a:effectRef>
+          <a:fontRef idx="minor">
+            <a:schemeClr val="tx1"/>
+          </a:fontRef>
+        </p:style>
+        <p:txBody>
+          <a:bodyPr rtlCol="0" anchor="ctr"/>
+          <a:lstStyle/>
+          <a:p>
+            <a:pPr algn="ctr"/>
+            <a:endParaRPr lang="en-US" sz="2000" dirty="0">
+              <a:latin typeface="Latin Modern Roman 10" pitchFamily="2" charset="77"/>
+            </a:endParaRPr>
+          </a:p>
+        </p:txBody>
+      </p:sp>
     </p:spTree>
     <p:custDataLst>
       <p:tags r:id="rId1"/>
@@ -12982,7 +12675,7 @@
                                 </p:cTn>
                               </p:par>
                               <p:par>
-                                <p:cTn id="11" presetID="10" presetClass="entr" presetSubtype="0" fill="hold" grpId="0" nodeType="withEffect">
+                                <p:cTn id="11" presetID="10" presetClass="entr" presetSubtype="0" fill="hold" nodeType="withEffect">
                                   <p:stCondLst>
                                     <p:cond delay="0"/>
                                   </p:stCondLst>
@@ -12990,41 +12683,6 @@
                                     <p:set>
                                       <p:cBhvr>
                                         <p:cTn id="12" dur="1" fill="hold">
-                                          <p:stCondLst>
-                                            <p:cond delay="0"/>
-                                          </p:stCondLst>
-                                        </p:cTn>
-                                        <p:tgtEl>
-                                          <p:spTgt spid="19"/>
-                                        </p:tgtEl>
-                                        <p:attrNameLst>
-                                          <p:attrName>style.visibility</p:attrName>
-                                        </p:attrNameLst>
-                                      </p:cBhvr>
-                                      <p:to>
-                                        <p:strVal val="visible"/>
-                                      </p:to>
-                                    </p:set>
-                                    <p:animEffect transition="in" filter="fade">
-                                      <p:cBhvr>
-                                        <p:cTn id="13" dur="500"/>
-                                        <p:tgtEl>
-                                          <p:spTgt spid="19"/>
-                                        </p:tgtEl>
-                                      </p:cBhvr>
-                                    </p:animEffect>
-                                  </p:childTnLst>
-                                </p:cTn>
-                              </p:par>
-                              <p:par>
-                                <p:cTn id="14" presetID="10" presetClass="entr" presetSubtype="0" fill="hold" nodeType="withEffect">
-                                  <p:stCondLst>
-                                    <p:cond delay="0"/>
-                                  </p:stCondLst>
-                                  <p:childTnLst>
-                                    <p:set>
-                                      <p:cBhvr>
-                                        <p:cTn id="15" dur="1" fill="hold">
                                           <p:stCondLst>
                                             <p:cond delay="0"/>
                                           </p:stCondLst>
@@ -13042,9 +12700,44 @@
                                     </p:set>
                                     <p:animEffect transition="in" filter="fade">
                                       <p:cBhvr>
+                                        <p:cTn id="13" dur="500"/>
+                                        <p:tgtEl>
+                                          <p:spTgt spid="13"/>
+                                        </p:tgtEl>
+                                      </p:cBhvr>
+                                    </p:animEffect>
+                                  </p:childTnLst>
+                                </p:cTn>
+                              </p:par>
+                              <p:par>
+                                <p:cTn id="14" presetID="10" presetClass="entr" presetSubtype="0" fill="hold" grpId="0" nodeType="withEffect">
+                                  <p:stCondLst>
+                                    <p:cond delay="0"/>
+                                  </p:stCondLst>
+                                  <p:childTnLst>
+                                    <p:set>
+                                      <p:cBhvr>
+                                        <p:cTn id="15" dur="1" fill="hold">
+                                          <p:stCondLst>
+                                            <p:cond delay="0"/>
+                                          </p:stCondLst>
+                                        </p:cTn>
+                                        <p:tgtEl>
+                                          <p:spTgt spid="10"/>
+                                        </p:tgtEl>
+                                        <p:attrNameLst>
+                                          <p:attrName>style.visibility</p:attrName>
+                                        </p:attrNameLst>
+                                      </p:cBhvr>
+                                      <p:to>
+                                        <p:strVal val="visible"/>
+                                      </p:to>
+                                    </p:set>
+                                    <p:animEffect transition="in" filter="fade">
+                                      <p:cBhvr>
                                         <p:cTn id="16" dur="500"/>
                                         <p:tgtEl>
-                                          <p:spTgt spid="13"/>
+                                          <p:spTgt spid="10"/>
                                         </p:tgtEl>
                                       </p:cBhvr>
                                     </p:animEffect>
@@ -13065,7 +12758,7 @@
                                           </p:stCondLst>
                                         </p:cTn>
                                         <p:tgtEl>
-                                          <p:spTgt spid="10"/>
+                                          <p:spTgt spid="137"/>
                                         </p:tgtEl>
                                         <p:attrNameLst>
                                           <p:attrName>style.visibility</p:attrName>
@@ -13079,42 +12772,7 @@
                                       <p:cBhvr>
                                         <p:cTn id="19" dur="500"/>
                                         <p:tgtEl>
-                                          <p:spTgt spid="10"/>
-                                        </p:tgtEl>
-                                      </p:cBhvr>
-                                    </p:animEffect>
-                                  </p:childTnLst>
-                                </p:cTn>
-                              </p:par>
-                              <p:par>
-                                <p:cTn id="20" presetID="10" presetClass="entr" presetSubtype="0" fill="hold" nodeType="withEffect">
-                                  <p:stCondLst>
-                                    <p:cond delay="0"/>
-                                  </p:stCondLst>
-                                  <p:childTnLst>
-                                    <p:set>
-                                      <p:cBhvr>
-                                        <p:cTn id="21" dur="1" fill="hold">
-                                          <p:stCondLst>
-                                            <p:cond delay="0"/>
-                                          </p:stCondLst>
-                                        </p:cTn>
-                                        <p:tgtEl>
-                                          <p:spTgt spid="16"/>
-                                        </p:tgtEl>
-                                        <p:attrNameLst>
-                                          <p:attrName>style.visibility</p:attrName>
-                                        </p:attrNameLst>
-                                      </p:cBhvr>
-                                      <p:to>
-                                        <p:strVal val="visible"/>
-                                      </p:to>
-                                    </p:set>
-                                    <p:animEffect transition="in" filter="fade">
-                                      <p:cBhvr>
-                                        <p:cTn id="22" dur="500"/>
-                                        <p:tgtEl>
-                                          <p:spTgt spid="16"/>
+                                          <p:spTgt spid="137"/>
                                         </p:tgtEl>
                                       </p:cBhvr>
                                     </p:animEffect>
@@ -13152,7 +12810,7 @@
       <p:bldP spid="9" grpId="0"/>
       <p:bldP spid="10" grpId="0"/>
       <p:bldP spid="15" grpId="0" animBg="1"/>
-      <p:bldP spid="19" grpId="0" animBg="1"/>
+      <p:bldP spid="137" grpId="0" animBg="1"/>
     </p:bldLst>
   </p:timing>
 </p:sld>

--- a/defense.pptx
+++ b/defense.pptx
@@ -5,7 +5,7 @@
     <p:sldMasterId id="2147483671" r:id="rId1"/>
   </p:sldMasterIdLst>
   <p:notesMasterIdLst>
-    <p:notesMasterId r:id="rId24"/>
+    <p:notesMasterId r:id="rId42"/>
   </p:notesMasterIdLst>
   <p:sldIdLst>
     <p:sldId id="256" r:id="rId2"/>
@@ -18,18 +18,36 @@
     <p:sldId id="428" r:id="rId9"/>
     <p:sldId id="395" r:id="rId10"/>
     <p:sldId id="464" r:id="rId11"/>
-    <p:sldId id="427" r:id="rId12"/>
-    <p:sldId id="474" r:id="rId13"/>
-    <p:sldId id="431" r:id="rId14"/>
-    <p:sldId id="446" r:id="rId15"/>
-    <p:sldId id="456" r:id="rId16"/>
-    <p:sldId id="436" r:id="rId17"/>
-    <p:sldId id="409" r:id="rId18"/>
-    <p:sldId id="429" r:id="rId19"/>
-    <p:sldId id="455" r:id="rId20"/>
-    <p:sldId id="473" r:id="rId21"/>
-    <p:sldId id="472" r:id="rId22"/>
-    <p:sldId id="470" r:id="rId23"/>
+    <p:sldId id="481" r:id="rId12"/>
+    <p:sldId id="475" r:id="rId13"/>
+    <p:sldId id="476" r:id="rId14"/>
+    <p:sldId id="477" r:id="rId15"/>
+    <p:sldId id="480" r:id="rId16"/>
+    <p:sldId id="479" r:id="rId17"/>
+    <p:sldId id="478" r:id="rId18"/>
+    <p:sldId id="427" r:id="rId19"/>
+    <p:sldId id="482" r:id="rId20"/>
+    <p:sldId id="483" r:id="rId21"/>
+    <p:sldId id="487" r:id="rId22"/>
+    <p:sldId id="488" r:id="rId23"/>
+    <p:sldId id="484" r:id="rId24"/>
+    <p:sldId id="485" r:id="rId25"/>
+    <p:sldId id="486" r:id="rId26"/>
+    <p:sldId id="474" r:id="rId27"/>
+    <p:sldId id="489" r:id="rId28"/>
+    <p:sldId id="490" r:id="rId29"/>
+    <p:sldId id="491" r:id="rId30"/>
+    <p:sldId id="492" r:id="rId31"/>
+    <p:sldId id="431" r:id="rId32"/>
+    <p:sldId id="446" r:id="rId33"/>
+    <p:sldId id="456" r:id="rId34"/>
+    <p:sldId id="436" r:id="rId35"/>
+    <p:sldId id="409" r:id="rId36"/>
+    <p:sldId id="429" r:id="rId37"/>
+    <p:sldId id="455" r:id="rId38"/>
+    <p:sldId id="473" r:id="rId39"/>
+    <p:sldId id="472" r:id="rId40"/>
+    <p:sldId id="470" r:id="rId41"/>
   </p:sldIdLst>
   <p:sldSz cx="9144000" cy="6858000" type="screen4x3"/>
   <p:notesSz cx="6858000" cy="9144000"/>
@@ -155,16 +173,34 @@
             <p14:sldId id="428"/>
             <p14:sldId id="395"/>
             <p14:sldId id="464"/>
+            <p14:sldId id="481"/>
+            <p14:sldId id="475"/>
+            <p14:sldId id="476"/>
+            <p14:sldId id="477"/>
+            <p14:sldId id="480"/>
+            <p14:sldId id="479"/>
+            <p14:sldId id="478"/>
           </p14:sldIdLst>
         </p14:section>
         <p14:section name="Esann" id="{5A1381A5-1A5F-5E43-BF43-14AEB3C65BBA}">
           <p14:sldIdLst>
             <p14:sldId id="427"/>
+            <p14:sldId id="482"/>
+            <p14:sldId id="483"/>
+            <p14:sldId id="487"/>
+            <p14:sldId id="488"/>
+            <p14:sldId id="484"/>
+            <p14:sldId id="485"/>
+            <p14:sldId id="486"/>
           </p14:sldIdLst>
         </p14:section>
         <p14:section name="User Dynamic Modeling" id="{E2DE979C-BB99-FD48-8BED-51EF959C0C67}">
           <p14:sldIdLst>
             <p14:sldId id="474"/>
+            <p14:sldId id="489"/>
+            <p14:sldId id="490"/>
+            <p14:sldId id="491"/>
+            <p14:sldId id="492"/>
           </p14:sldIdLst>
         </p14:section>
         <p14:section name="Conclusion" id="{B21708D6-9EC8-D64E-B5CA-7E1D1C5D1383}">
@@ -287,7 +323,7 @@
           <a:p>
             <a:fld id="{BAFF8259-9C4B-4640-910F-4EA13CC7F13E}" type="datetimeFigureOut">
               <a:rPr lang="fr-FR" smtClean="0"/>
-              <a:t>20/10/2021</a:t>
+              <a:t>21/10/2021</a:t>
             </a:fld>
             <a:endParaRPr lang="fr-FR"/>
           </a:p>
@@ -767,7 +803,7 @@
       </p:grpSpPr>
       <p:sp>
         <p:nvSpPr>
-          <p:cNvPr id="2" name="Slide Image Placeholder 1"/>
+          <p:cNvPr id="2" name="Espace réservé de l'image des diapositives 1"/>
           <p:cNvSpPr>
             <a:spLocks noGrp="1" noRot="1" noChangeAspect="1"/>
           </p:cNvSpPr>
@@ -779,7 +815,7 @@
       </p:sp>
       <p:sp>
         <p:nvSpPr>
-          <p:cNvPr id="3" name="Notes Placeholder 2"/>
+          <p:cNvPr id="3" name="Espace réservé des notes 2"/>
           <p:cNvSpPr>
             <a:spLocks noGrp="1"/>
           </p:cNvSpPr>
@@ -792,13 +828,13 @@
           <a:bodyPr/>
           <a:lstStyle/>
           <a:p>
-            <a:endParaRPr lang="en-US" dirty="0"/>
-          </a:p>
-        </p:txBody>
-      </p:sp>
-      <p:sp>
-        <p:nvSpPr>
-          <p:cNvPr id="4" name="Slide Number Placeholder 3"/>
+            <a:endParaRPr lang="fr-FR" dirty="0"/>
+          </a:p>
+        </p:txBody>
+      </p:sp>
+      <p:sp>
+        <p:nvSpPr>
+          <p:cNvPr id="4" name="Espace réservé du numéro de diapositive 3"/>
           <p:cNvSpPr>
             <a:spLocks noGrp="1"/>
           </p:cNvSpPr>
@@ -813,7 +849,7 @@
           <a:p>
             <a:fld id="{DF6148AD-E0EA-F64C-9871-E2424F422EB0}" type="slidenum">
               <a:rPr lang="fr-FR" smtClean="0"/>
-              <a:t>10</a:t>
+              <a:t>11</a:t>
             </a:fld>
             <a:endParaRPr lang="fr-FR"/>
           </a:p>
@@ -822,7 +858,7 @@
     </p:spTree>
     <p:extLst>
       <p:ext uri="{BB962C8B-B14F-4D97-AF65-F5344CB8AC3E}">
-        <p14:creationId xmlns:p14="http://schemas.microsoft.com/office/powerpoint/2010/main" val="4290829474"/>
+        <p14:creationId xmlns:p14="http://schemas.microsoft.com/office/powerpoint/2010/main" val="1937514733"/>
       </p:ext>
     </p:extLst>
   </p:cSld>
@@ -851,7 +887,7 @@
       </p:grpSpPr>
       <p:sp>
         <p:nvSpPr>
-          <p:cNvPr id="2" name="Slide Image Placeholder 1"/>
+          <p:cNvPr id="2" name="Espace réservé de l'image des diapositives 1"/>
           <p:cNvSpPr>
             <a:spLocks noGrp="1" noRot="1" noChangeAspect="1"/>
           </p:cNvSpPr>
@@ -863,7 +899,7 @@
       </p:sp>
       <p:sp>
         <p:nvSpPr>
-          <p:cNvPr id="3" name="Notes Placeholder 2"/>
+          <p:cNvPr id="3" name="Espace réservé des notes 2"/>
           <p:cNvSpPr>
             <a:spLocks noGrp="1"/>
           </p:cNvSpPr>
@@ -876,13 +912,13 @@
           <a:bodyPr/>
           <a:lstStyle/>
           <a:p>
-            <a:endParaRPr lang="en-US" dirty="0"/>
-          </a:p>
-        </p:txBody>
-      </p:sp>
-      <p:sp>
-        <p:nvSpPr>
-          <p:cNvPr id="4" name="Slide Number Placeholder 3"/>
+            <a:endParaRPr lang="fr-FR" dirty="0"/>
+          </a:p>
+        </p:txBody>
+      </p:sp>
+      <p:sp>
+        <p:nvSpPr>
+          <p:cNvPr id="4" name="Espace réservé du numéro de diapositive 3"/>
           <p:cNvSpPr>
             <a:spLocks noGrp="1"/>
           </p:cNvSpPr>
@@ -897,7 +933,7 @@
           <a:p>
             <a:fld id="{DF6148AD-E0EA-F64C-9871-E2424F422EB0}" type="slidenum">
               <a:rPr lang="fr-FR" smtClean="0"/>
-              <a:t>11</a:t>
+              <a:t>12</a:t>
             </a:fld>
             <a:endParaRPr lang="fr-FR"/>
           </a:p>
@@ -906,7 +942,7 @@
     </p:spTree>
     <p:extLst>
       <p:ext uri="{BB962C8B-B14F-4D97-AF65-F5344CB8AC3E}">
-        <p14:creationId xmlns:p14="http://schemas.microsoft.com/office/powerpoint/2010/main" val="3483653300"/>
+        <p14:creationId xmlns:p14="http://schemas.microsoft.com/office/powerpoint/2010/main" val="2053698503"/>
       </p:ext>
     </p:extLst>
   </p:cSld>
@@ -935,7 +971,7 @@
       </p:grpSpPr>
       <p:sp>
         <p:nvSpPr>
-          <p:cNvPr id="2" name="Slide Image Placeholder 1"/>
+          <p:cNvPr id="2" name="Espace réservé de l'image des diapositives 1"/>
           <p:cNvSpPr>
             <a:spLocks noGrp="1" noRot="1" noChangeAspect="1"/>
           </p:cNvSpPr>
@@ -947,7 +983,7 @@
       </p:sp>
       <p:sp>
         <p:nvSpPr>
-          <p:cNvPr id="3" name="Notes Placeholder 2"/>
+          <p:cNvPr id="3" name="Espace réservé des notes 2"/>
           <p:cNvSpPr>
             <a:spLocks noGrp="1"/>
           </p:cNvSpPr>
@@ -960,13 +996,13 @@
           <a:bodyPr/>
           <a:lstStyle/>
           <a:p>
-            <a:endParaRPr lang="en-US" b="1" dirty="0"/>
-          </a:p>
-        </p:txBody>
-      </p:sp>
-      <p:sp>
-        <p:nvSpPr>
-          <p:cNvPr id="4" name="Slide Number Placeholder 3"/>
+            <a:endParaRPr lang="fr-FR" dirty="0"/>
+          </a:p>
+        </p:txBody>
+      </p:sp>
+      <p:sp>
+        <p:nvSpPr>
+          <p:cNvPr id="4" name="Espace réservé du numéro de diapositive 3"/>
           <p:cNvSpPr>
             <a:spLocks noGrp="1"/>
           </p:cNvSpPr>
@@ -981,7 +1017,7 @@
           <a:p>
             <a:fld id="{DF6148AD-E0EA-F64C-9871-E2424F422EB0}" type="slidenum">
               <a:rPr lang="fr-FR" smtClean="0"/>
-              <a:t>12</a:t>
+              <a:t>13</a:t>
             </a:fld>
             <a:endParaRPr lang="fr-FR"/>
           </a:p>
@@ -990,7 +1026,7 @@
     </p:spTree>
     <p:extLst>
       <p:ext uri="{BB962C8B-B14F-4D97-AF65-F5344CB8AC3E}">
-        <p14:creationId xmlns:p14="http://schemas.microsoft.com/office/powerpoint/2010/main" val="3797983834"/>
+        <p14:creationId xmlns:p14="http://schemas.microsoft.com/office/powerpoint/2010/main" val="1825974055"/>
       </p:ext>
     </p:extLst>
   </p:cSld>
@@ -1044,7 +1080,7 @@
           <a:bodyPr/>
           <a:lstStyle/>
           <a:p>
-            <a:endParaRPr lang="en-US" b="1" dirty="0"/>
+            <a:endParaRPr lang="en-US" dirty="0"/>
           </a:p>
         </p:txBody>
       </p:sp>
@@ -1065,7 +1101,7 @@
           <a:p>
             <a:fld id="{DF6148AD-E0EA-F64C-9871-E2424F422EB0}" type="slidenum">
               <a:rPr lang="fr-FR" smtClean="0"/>
-              <a:t>13</a:t>
+              <a:t>17</a:t>
             </a:fld>
             <a:endParaRPr lang="fr-FR"/>
           </a:p>
@@ -1074,7 +1110,7 @@
     </p:spTree>
     <p:extLst>
       <p:ext uri="{BB962C8B-B14F-4D97-AF65-F5344CB8AC3E}">
-        <p14:creationId xmlns:p14="http://schemas.microsoft.com/office/powerpoint/2010/main" val="3976784358"/>
+        <p14:creationId xmlns:p14="http://schemas.microsoft.com/office/powerpoint/2010/main" val="4290829474"/>
       </p:ext>
     </p:extLst>
   </p:cSld>
@@ -1128,7 +1164,7 @@
           <a:bodyPr/>
           <a:lstStyle/>
           <a:p>
-            <a:endParaRPr lang="en-US" dirty="0"/>
+            <a:endParaRPr lang="en-US" b="1" dirty="0"/>
           </a:p>
         </p:txBody>
       </p:sp>
@@ -1149,7 +1185,7 @@
           <a:p>
             <a:fld id="{DF6148AD-E0EA-F64C-9871-E2424F422EB0}" type="slidenum">
               <a:rPr lang="fr-FR" smtClean="0"/>
-              <a:t>14</a:t>
+              <a:t>19</a:t>
             </a:fld>
             <a:endParaRPr lang="fr-FR"/>
           </a:p>
@@ -1158,7 +1194,7 @@
     </p:spTree>
     <p:extLst>
       <p:ext uri="{BB962C8B-B14F-4D97-AF65-F5344CB8AC3E}">
-        <p14:creationId xmlns:p14="http://schemas.microsoft.com/office/powerpoint/2010/main" val="2939814068"/>
+        <p14:creationId xmlns:p14="http://schemas.microsoft.com/office/powerpoint/2010/main" val="3578268211"/>
       </p:ext>
     </p:extLst>
   </p:cSld>
@@ -1187,7 +1223,7 @@
       </p:grpSpPr>
       <p:sp>
         <p:nvSpPr>
-          <p:cNvPr id="2" name="Slide Image Placeholder 1"/>
+          <p:cNvPr id="2" name="Espace réservé de l'image des diapositives 1"/>
           <p:cNvSpPr>
             <a:spLocks noGrp="1" noRot="1" noChangeAspect="1"/>
           </p:cNvSpPr>
@@ -1199,7 +1235,7 @@
       </p:sp>
       <p:sp>
         <p:nvSpPr>
-          <p:cNvPr id="3" name="Notes Placeholder 2"/>
+          <p:cNvPr id="3" name="Espace réservé des notes 2"/>
           <p:cNvSpPr>
             <a:spLocks noGrp="1"/>
           </p:cNvSpPr>
@@ -1212,13 +1248,13 @@
           <a:bodyPr/>
           <a:lstStyle/>
           <a:p>
-            <a:endParaRPr lang="en-US" dirty="0"/>
-          </a:p>
-        </p:txBody>
-      </p:sp>
-      <p:sp>
-        <p:nvSpPr>
-          <p:cNvPr id="4" name="Slide Number Placeholder 3"/>
+            <a:endParaRPr lang="fr-FR" dirty="0"/>
+          </a:p>
+        </p:txBody>
+      </p:sp>
+      <p:sp>
+        <p:nvSpPr>
+          <p:cNvPr id="4" name="Espace réservé du numéro de diapositive 3"/>
           <p:cNvSpPr>
             <a:spLocks noGrp="1"/>
           </p:cNvSpPr>
@@ -1233,7 +1269,766 @@
           <a:p>
             <a:fld id="{DF6148AD-E0EA-F64C-9871-E2424F422EB0}" type="slidenum">
               <a:rPr lang="fr-FR" smtClean="0"/>
-              <a:t>15</a:t>
+              <a:t>20</a:t>
+            </a:fld>
+            <a:endParaRPr lang="fr-FR"/>
+          </a:p>
+        </p:txBody>
+      </p:sp>
+    </p:spTree>
+    <p:extLst>
+      <p:ext uri="{BB962C8B-B14F-4D97-AF65-F5344CB8AC3E}">
+        <p14:creationId xmlns:p14="http://schemas.microsoft.com/office/powerpoint/2010/main" val="2183284175"/>
+      </p:ext>
+    </p:extLst>
+  </p:cSld>
+  <p:clrMapOvr>
+    <a:masterClrMapping/>
+  </p:clrMapOvr>
+</p:notes>
+</file>
+
+<file path=ppt/notesSlides/notesSlide17.xml><?xml version="1.0" encoding="utf-8"?>
+<p:notes xmlns:a="http://schemas.openxmlformats.org/drawingml/2006/main" xmlns:r="http://schemas.openxmlformats.org/officeDocument/2006/relationships" xmlns:p="http://schemas.openxmlformats.org/presentationml/2006/main">
+  <p:cSld>
+    <p:spTree>
+      <p:nvGrpSpPr>
+        <p:cNvPr id="1" name=""/>
+        <p:cNvGrpSpPr/>
+        <p:nvPr/>
+      </p:nvGrpSpPr>
+      <p:grpSpPr>
+        <a:xfrm>
+          <a:off x="0" y="0"/>
+          <a:ext cx="0" cy="0"/>
+          <a:chOff x="0" y="0"/>
+          <a:chExt cx="0" cy="0"/>
+        </a:xfrm>
+      </p:grpSpPr>
+      <p:sp>
+        <p:nvSpPr>
+          <p:cNvPr id="2" name="Espace réservé de l'image des diapositives 1"/>
+          <p:cNvSpPr>
+            <a:spLocks noGrp="1" noRot="1" noChangeAspect="1"/>
+          </p:cNvSpPr>
+          <p:nvPr>
+            <p:ph type="sldImg"/>
+          </p:nvPr>
+        </p:nvSpPr>
+        <p:spPr/>
+      </p:sp>
+      <p:sp>
+        <p:nvSpPr>
+          <p:cNvPr id="3" name="Espace réservé des notes 2"/>
+          <p:cNvSpPr>
+            <a:spLocks noGrp="1"/>
+          </p:cNvSpPr>
+          <p:nvPr>
+            <p:ph type="body" idx="1"/>
+          </p:nvPr>
+        </p:nvSpPr>
+        <p:spPr/>
+        <p:txBody>
+          <a:bodyPr/>
+          <a:lstStyle/>
+          <a:p>
+            <a:endParaRPr lang="fr-FR" dirty="0"/>
+          </a:p>
+        </p:txBody>
+      </p:sp>
+      <p:sp>
+        <p:nvSpPr>
+          <p:cNvPr id="4" name="Espace réservé du numéro de diapositive 3"/>
+          <p:cNvSpPr>
+            <a:spLocks noGrp="1"/>
+          </p:cNvSpPr>
+          <p:nvPr>
+            <p:ph type="sldNum" sz="quarter" idx="5"/>
+          </p:nvPr>
+        </p:nvSpPr>
+        <p:spPr/>
+        <p:txBody>
+          <a:bodyPr/>
+          <a:lstStyle/>
+          <a:p>
+            <a:fld id="{DF6148AD-E0EA-F64C-9871-E2424F422EB0}" type="slidenum">
+              <a:rPr lang="fr-FR" smtClean="0"/>
+              <a:t>21</a:t>
+            </a:fld>
+            <a:endParaRPr lang="fr-FR"/>
+          </a:p>
+        </p:txBody>
+      </p:sp>
+    </p:spTree>
+    <p:extLst>
+      <p:ext uri="{BB962C8B-B14F-4D97-AF65-F5344CB8AC3E}">
+        <p14:creationId xmlns:p14="http://schemas.microsoft.com/office/powerpoint/2010/main" val="3916281562"/>
+      </p:ext>
+    </p:extLst>
+  </p:cSld>
+  <p:clrMapOvr>
+    <a:masterClrMapping/>
+  </p:clrMapOvr>
+</p:notes>
+</file>
+
+<file path=ppt/notesSlides/notesSlide18.xml><?xml version="1.0" encoding="utf-8"?>
+<p:notes xmlns:a="http://schemas.openxmlformats.org/drawingml/2006/main" xmlns:r="http://schemas.openxmlformats.org/officeDocument/2006/relationships" xmlns:p="http://schemas.openxmlformats.org/presentationml/2006/main">
+  <p:cSld>
+    <p:spTree>
+      <p:nvGrpSpPr>
+        <p:cNvPr id="1" name=""/>
+        <p:cNvGrpSpPr/>
+        <p:nvPr/>
+      </p:nvGrpSpPr>
+      <p:grpSpPr>
+        <a:xfrm>
+          <a:off x="0" y="0"/>
+          <a:ext cx="0" cy="0"/>
+          <a:chOff x="0" y="0"/>
+          <a:chExt cx="0" cy="0"/>
+        </a:xfrm>
+      </p:grpSpPr>
+      <p:sp>
+        <p:nvSpPr>
+          <p:cNvPr id="2" name="Espace réservé de l'image des diapositives 1"/>
+          <p:cNvSpPr>
+            <a:spLocks noGrp="1" noRot="1" noChangeAspect="1"/>
+          </p:cNvSpPr>
+          <p:nvPr>
+            <p:ph type="sldImg"/>
+          </p:nvPr>
+        </p:nvSpPr>
+        <p:spPr/>
+      </p:sp>
+      <p:sp>
+        <p:nvSpPr>
+          <p:cNvPr id="3" name="Espace réservé des notes 2"/>
+          <p:cNvSpPr>
+            <a:spLocks noGrp="1"/>
+          </p:cNvSpPr>
+          <p:nvPr>
+            <p:ph type="body" idx="1"/>
+          </p:nvPr>
+        </p:nvSpPr>
+        <p:spPr/>
+        <p:txBody>
+          <a:bodyPr/>
+          <a:lstStyle/>
+          <a:p>
+            <a:endParaRPr lang="fr-FR" dirty="0"/>
+          </a:p>
+        </p:txBody>
+      </p:sp>
+      <p:sp>
+        <p:nvSpPr>
+          <p:cNvPr id="4" name="Espace réservé du numéro de diapositive 3"/>
+          <p:cNvSpPr>
+            <a:spLocks noGrp="1"/>
+          </p:cNvSpPr>
+          <p:nvPr>
+            <p:ph type="sldNum" sz="quarter" idx="5"/>
+          </p:nvPr>
+        </p:nvSpPr>
+        <p:spPr/>
+        <p:txBody>
+          <a:bodyPr/>
+          <a:lstStyle/>
+          <a:p>
+            <a:fld id="{DF6148AD-E0EA-F64C-9871-E2424F422EB0}" type="slidenum">
+              <a:rPr lang="fr-FR" smtClean="0"/>
+              <a:t>23</a:t>
+            </a:fld>
+            <a:endParaRPr lang="fr-FR"/>
+          </a:p>
+        </p:txBody>
+      </p:sp>
+    </p:spTree>
+    <p:extLst>
+      <p:ext uri="{BB962C8B-B14F-4D97-AF65-F5344CB8AC3E}">
+        <p14:creationId xmlns:p14="http://schemas.microsoft.com/office/powerpoint/2010/main" val="1119200689"/>
+      </p:ext>
+    </p:extLst>
+  </p:cSld>
+  <p:clrMapOvr>
+    <a:masterClrMapping/>
+  </p:clrMapOvr>
+</p:notes>
+</file>
+
+<file path=ppt/notesSlides/notesSlide19.xml><?xml version="1.0" encoding="utf-8"?>
+<p:notes xmlns:a="http://schemas.openxmlformats.org/drawingml/2006/main" xmlns:r="http://schemas.openxmlformats.org/officeDocument/2006/relationships" xmlns:p="http://schemas.openxmlformats.org/presentationml/2006/main">
+  <p:cSld>
+    <p:spTree>
+      <p:nvGrpSpPr>
+        <p:cNvPr id="1" name=""/>
+        <p:cNvGrpSpPr/>
+        <p:nvPr/>
+      </p:nvGrpSpPr>
+      <p:grpSpPr>
+        <a:xfrm>
+          <a:off x="0" y="0"/>
+          <a:ext cx="0" cy="0"/>
+          <a:chOff x="0" y="0"/>
+          <a:chExt cx="0" cy="0"/>
+        </a:xfrm>
+      </p:grpSpPr>
+      <p:sp>
+        <p:nvSpPr>
+          <p:cNvPr id="2" name="Espace réservé de l'image des diapositives 1"/>
+          <p:cNvSpPr>
+            <a:spLocks noGrp="1" noRot="1" noChangeAspect="1"/>
+          </p:cNvSpPr>
+          <p:nvPr>
+            <p:ph type="sldImg"/>
+          </p:nvPr>
+        </p:nvSpPr>
+        <p:spPr/>
+      </p:sp>
+      <p:sp>
+        <p:nvSpPr>
+          <p:cNvPr id="3" name="Espace réservé des notes 2"/>
+          <p:cNvSpPr>
+            <a:spLocks noGrp="1"/>
+          </p:cNvSpPr>
+          <p:nvPr>
+            <p:ph type="body" idx="1"/>
+          </p:nvPr>
+        </p:nvSpPr>
+        <p:spPr/>
+        <p:txBody>
+          <a:bodyPr/>
+          <a:lstStyle/>
+          <a:p>
+            <a:endParaRPr lang="fr-FR" dirty="0"/>
+          </a:p>
+        </p:txBody>
+      </p:sp>
+      <p:sp>
+        <p:nvSpPr>
+          <p:cNvPr id="4" name="Espace réservé du numéro de diapositive 3"/>
+          <p:cNvSpPr>
+            <a:spLocks noGrp="1"/>
+          </p:cNvSpPr>
+          <p:nvPr>
+            <p:ph type="sldNum" sz="quarter" idx="5"/>
+          </p:nvPr>
+        </p:nvSpPr>
+        <p:spPr/>
+        <p:txBody>
+          <a:bodyPr/>
+          <a:lstStyle/>
+          <a:p>
+            <a:fld id="{DF6148AD-E0EA-F64C-9871-E2424F422EB0}" type="slidenum">
+              <a:rPr lang="fr-FR" smtClean="0"/>
+              <a:t>24</a:t>
+            </a:fld>
+            <a:endParaRPr lang="fr-FR"/>
+          </a:p>
+        </p:txBody>
+      </p:sp>
+    </p:spTree>
+    <p:extLst>
+      <p:ext uri="{BB962C8B-B14F-4D97-AF65-F5344CB8AC3E}">
+        <p14:creationId xmlns:p14="http://schemas.microsoft.com/office/powerpoint/2010/main" val="58311073"/>
+      </p:ext>
+    </p:extLst>
+  </p:cSld>
+  <p:clrMapOvr>
+    <a:masterClrMapping/>
+  </p:clrMapOvr>
+</p:notes>
+</file>
+
+<file path=ppt/notesSlides/notesSlide2.xml><?xml version="1.0" encoding="utf-8"?>
+<p:notes xmlns:a="http://schemas.openxmlformats.org/drawingml/2006/main" xmlns:r="http://schemas.openxmlformats.org/officeDocument/2006/relationships" xmlns:p="http://schemas.openxmlformats.org/presentationml/2006/main">
+  <p:cSld>
+    <p:spTree>
+      <p:nvGrpSpPr>
+        <p:cNvPr id="1" name=""/>
+        <p:cNvGrpSpPr/>
+        <p:nvPr/>
+      </p:nvGrpSpPr>
+      <p:grpSpPr>
+        <a:xfrm>
+          <a:off x="0" y="0"/>
+          <a:ext cx="0" cy="0"/>
+          <a:chOff x="0" y="0"/>
+          <a:chExt cx="0" cy="0"/>
+        </a:xfrm>
+      </p:grpSpPr>
+      <p:sp>
+        <p:nvSpPr>
+          <p:cNvPr id="2" name="Slide Image Placeholder 1"/>
+          <p:cNvSpPr>
+            <a:spLocks noGrp="1" noRot="1" noChangeAspect="1"/>
+          </p:cNvSpPr>
+          <p:nvPr>
+            <p:ph type="sldImg"/>
+          </p:nvPr>
+        </p:nvSpPr>
+        <p:spPr/>
+      </p:sp>
+      <p:sp>
+        <p:nvSpPr>
+          <p:cNvPr id="3" name="Notes Placeholder 2"/>
+          <p:cNvSpPr>
+            <a:spLocks noGrp="1"/>
+          </p:cNvSpPr>
+          <p:nvPr>
+            <p:ph type="body" idx="1"/>
+          </p:nvPr>
+        </p:nvSpPr>
+        <p:spPr/>
+        <p:txBody>
+          <a:bodyPr/>
+          <a:lstStyle/>
+          <a:p>
+            <a:r>
+              <a:rPr lang="en-US" dirty="0"/>
+              <a:t>A lot of info and accessible data</a:t>
+            </a:r>
+          </a:p>
+        </p:txBody>
+      </p:sp>
+      <p:sp>
+        <p:nvSpPr>
+          <p:cNvPr id="4" name="Slide Number Placeholder 3"/>
+          <p:cNvSpPr>
+            <a:spLocks noGrp="1"/>
+          </p:cNvSpPr>
+          <p:nvPr>
+            <p:ph type="sldNum" sz="quarter" idx="5"/>
+          </p:nvPr>
+        </p:nvSpPr>
+        <p:spPr/>
+        <p:txBody>
+          <a:bodyPr/>
+          <a:lstStyle/>
+          <a:p>
+            <a:fld id="{DF6148AD-E0EA-F64C-9871-E2424F422EB0}" type="slidenum">
+              <a:rPr lang="fr-FR" smtClean="0"/>
+              <a:t>1</a:t>
+            </a:fld>
+            <a:endParaRPr lang="fr-FR"/>
+          </a:p>
+        </p:txBody>
+      </p:sp>
+    </p:spTree>
+    <p:extLst>
+      <p:ext uri="{BB962C8B-B14F-4D97-AF65-F5344CB8AC3E}">
+        <p14:creationId xmlns:p14="http://schemas.microsoft.com/office/powerpoint/2010/main" val="624332023"/>
+      </p:ext>
+    </p:extLst>
+  </p:cSld>
+  <p:clrMapOvr>
+    <a:masterClrMapping/>
+  </p:clrMapOvr>
+</p:notes>
+</file>
+
+<file path=ppt/notesSlides/notesSlide20.xml><?xml version="1.0" encoding="utf-8"?>
+<p:notes xmlns:a="http://schemas.openxmlformats.org/drawingml/2006/main" xmlns:r="http://schemas.openxmlformats.org/officeDocument/2006/relationships" xmlns:p="http://schemas.openxmlformats.org/presentationml/2006/main">
+  <p:cSld>
+    <p:spTree>
+      <p:nvGrpSpPr>
+        <p:cNvPr id="1" name=""/>
+        <p:cNvGrpSpPr/>
+        <p:nvPr/>
+      </p:nvGrpSpPr>
+      <p:grpSpPr>
+        <a:xfrm>
+          <a:off x="0" y="0"/>
+          <a:ext cx="0" cy="0"/>
+          <a:chOff x="0" y="0"/>
+          <a:chExt cx="0" cy="0"/>
+        </a:xfrm>
+      </p:grpSpPr>
+      <p:sp>
+        <p:nvSpPr>
+          <p:cNvPr id="2" name="Slide Image Placeholder 1"/>
+          <p:cNvSpPr>
+            <a:spLocks noGrp="1" noRot="1" noChangeAspect="1"/>
+          </p:cNvSpPr>
+          <p:nvPr>
+            <p:ph type="sldImg"/>
+          </p:nvPr>
+        </p:nvSpPr>
+        <p:spPr/>
+      </p:sp>
+      <p:sp>
+        <p:nvSpPr>
+          <p:cNvPr id="3" name="Notes Placeholder 2"/>
+          <p:cNvSpPr>
+            <a:spLocks noGrp="1"/>
+          </p:cNvSpPr>
+          <p:nvPr>
+            <p:ph type="body" idx="1"/>
+          </p:nvPr>
+        </p:nvSpPr>
+        <p:spPr/>
+        <p:txBody>
+          <a:bodyPr/>
+          <a:lstStyle/>
+          <a:p>
+            <a:endParaRPr lang="en-US" dirty="0"/>
+          </a:p>
+        </p:txBody>
+      </p:sp>
+      <p:sp>
+        <p:nvSpPr>
+          <p:cNvPr id="4" name="Slide Number Placeholder 3"/>
+          <p:cNvSpPr>
+            <a:spLocks noGrp="1"/>
+          </p:cNvSpPr>
+          <p:nvPr>
+            <p:ph type="sldNum" sz="quarter" idx="5"/>
+          </p:nvPr>
+        </p:nvSpPr>
+        <p:spPr/>
+        <p:txBody>
+          <a:bodyPr/>
+          <a:lstStyle/>
+          <a:p>
+            <a:fld id="{DF6148AD-E0EA-F64C-9871-E2424F422EB0}" type="slidenum">
+              <a:rPr lang="fr-FR" smtClean="0"/>
+              <a:t>25</a:t>
+            </a:fld>
+            <a:endParaRPr lang="fr-FR"/>
+          </a:p>
+        </p:txBody>
+      </p:sp>
+    </p:spTree>
+    <p:extLst>
+      <p:ext uri="{BB962C8B-B14F-4D97-AF65-F5344CB8AC3E}">
+        <p14:creationId xmlns:p14="http://schemas.microsoft.com/office/powerpoint/2010/main" val="3483653300"/>
+      </p:ext>
+    </p:extLst>
+  </p:cSld>
+  <p:clrMapOvr>
+    <a:masterClrMapping/>
+  </p:clrMapOvr>
+</p:notes>
+</file>
+
+<file path=ppt/notesSlides/notesSlide21.xml><?xml version="1.0" encoding="utf-8"?>
+<p:notes xmlns:a="http://schemas.openxmlformats.org/drawingml/2006/main" xmlns:r="http://schemas.openxmlformats.org/officeDocument/2006/relationships" xmlns:p="http://schemas.openxmlformats.org/presentationml/2006/main">
+  <p:cSld>
+    <p:spTree>
+      <p:nvGrpSpPr>
+        <p:cNvPr id="1" name=""/>
+        <p:cNvGrpSpPr/>
+        <p:nvPr/>
+      </p:nvGrpSpPr>
+      <p:grpSpPr>
+        <a:xfrm>
+          <a:off x="0" y="0"/>
+          <a:ext cx="0" cy="0"/>
+          <a:chOff x="0" y="0"/>
+          <a:chExt cx="0" cy="0"/>
+        </a:xfrm>
+      </p:grpSpPr>
+      <p:sp>
+        <p:nvSpPr>
+          <p:cNvPr id="2" name="Slide Image Placeholder 1"/>
+          <p:cNvSpPr>
+            <a:spLocks noGrp="1" noRot="1" noChangeAspect="1"/>
+          </p:cNvSpPr>
+          <p:nvPr>
+            <p:ph type="sldImg"/>
+          </p:nvPr>
+        </p:nvSpPr>
+        <p:spPr/>
+      </p:sp>
+      <p:sp>
+        <p:nvSpPr>
+          <p:cNvPr id="3" name="Notes Placeholder 2"/>
+          <p:cNvSpPr>
+            <a:spLocks noGrp="1"/>
+          </p:cNvSpPr>
+          <p:nvPr>
+            <p:ph type="body" idx="1"/>
+          </p:nvPr>
+        </p:nvSpPr>
+        <p:spPr/>
+        <p:txBody>
+          <a:bodyPr/>
+          <a:lstStyle/>
+          <a:p>
+            <a:endParaRPr lang="en-US" b="1" dirty="0"/>
+          </a:p>
+        </p:txBody>
+      </p:sp>
+      <p:sp>
+        <p:nvSpPr>
+          <p:cNvPr id="4" name="Slide Number Placeholder 3"/>
+          <p:cNvSpPr>
+            <a:spLocks noGrp="1"/>
+          </p:cNvSpPr>
+          <p:nvPr>
+            <p:ph type="sldNum" sz="quarter" idx="5"/>
+          </p:nvPr>
+        </p:nvSpPr>
+        <p:spPr/>
+        <p:txBody>
+          <a:bodyPr/>
+          <a:lstStyle/>
+          <a:p>
+            <a:fld id="{DF6148AD-E0EA-F64C-9871-E2424F422EB0}" type="slidenum">
+              <a:rPr lang="fr-FR" smtClean="0"/>
+              <a:t>30</a:t>
+            </a:fld>
+            <a:endParaRPr lang="fr-FR"/>
+          </a:p>
+        </p:txBody>
+      </p:sp>
+    </p:spTree>
+    <p:extLst>
+      <p:ext uri="{BB962C8B-B14F-4D97-AF65-F5344CB8AC3E}">
+        <p14:creationId xmlns:p14="http://schemas.microsoft.com/office/powerpoint/2010/main" val="3797983834"/>
+      </p:ext>
+    </p:extLst>
+  </p:cSld>
+  <p:clrMapOvr>
+    <a:masterClrMapping/>
+  </p:clrMapOvr>
+</p:notes>
+</file>
+
+<file path=ppt/notesSlides/notesSlide22.xml><?xml version="1.0" encoding="utf-8"?>
+<p:notes xmlns:a="http://schemas.openxmlformats.org/drawingml/2006/main" xmlns:r="http://schemas.openxmlformats.org/officeDocument/2006/relationships" xmlns:p="http://schemas.openxmlformats.org/presentationml/2006/main">
+  <p:cSld>
+    <p:spTree>
+      <p:nvGrpSpPr>
+        <p:cNvPr id="1" name=""/>
+        <p:cNvGrpSpPr/>
+        <p:nvPr/>
+      </p:nvGrpSpPr>
+      <p:grpSpPr>
+        <a:xfrm>
+          <a:off x="0" y="0"/>
+          <a:ext cx="0" cy="0"/>
+          <a:chOff x="0" y="0"/>
+          <a:chExt cx="0" cy="0"/>
+        </a:xfrm>
+      </p:grpSpPr>
+      <p:sp>
+        <p:nvSpPr>
+          <p:cNvPr id="2" name="Slide Image Placeholder 1"/>
+          <p:cNvSpPr>
+            <a:spLocks noGrp="1" noRot="1" noChangeAspect="1"/>
+          </p:cNvSpPr>
+          <p:nvPr>
+            <p:ph type="sldImg"/>
+          </p:nvPr>
+        </p:nvSpPr>
+        <p:spPr/>
+      </p:sp>
+      <p:sp>
+        <p:nvSpPr>
+          <p:cNvPr id="3" name="Notes Placeholder 2"/>
+          <p:cNvSpPr>
+            <a:spLocks noGrp="1"/>
+          </p:cNvSpPr>
+          <p:nvPr>
+            <p:ph type="body" idx="1"/>
+          </p:nvPr>
+        </p:nvSpPr>
+        <p:spPr/>
+        <p:txBody>
+          <a:bodyPr/>
+          <a:lstStyle/>
+          <a:p>
+            <a:endParaRPr lang="en-US" b="1" dirty="0"/>
+          </a:p>
+        </p:txBody>
+      </p:sp>
+      <p:sp>
+        <p:nvSpPr>
+          <p:cNvPr id="4" name="Slide Number Placeholder 3"/>
+          <p:cNvSpPr>
+            <a:spLocks noGrp="1"/>
+          </p:cNvSpPr>
+          <p:nvPr>
+            <p:ph type="sldNum" sz="quarter" idx="5"/>
+          </p:nvPr>
+        </p:nvSpPr>
+        <p:spPr/>
+        <p:txBody>
+          <a:bodyPr/>
+          <a:lstStyle/>
+          <a:p>
+            <a:fld id="{DF6148AD-E0EA-F64C-9871-E2424F422EB0}" type="slidenum">
+              <a:rPr lang="fr-FR" smtClean="0"/>
+              <a:t>31</a:t>
+            </a:fld>
+            <a:endParaRPr lang="fr-FR"/>
+          </a:p>
+        </p:txBody>
+      </p:sp>
+    </p:spTree>
+    <p:extLst>
+      <p:ext uri="{BB962C8B-B14F-4D97-AF65-F5344CB8AC3E}">
+        <p14:creationId xmlns:p14="http://schemas.microsoft.com/office/powerpoint/2010/main" val="3976784358"/>
+      </p:ext>
+    </p:extLst>
+  </p:cSld>
+  <p:clrMapOvr>
+    <a:masterClrMapping/>
+  </p:clrMapOvr>
+</p:notes>
+</file>
+
+<file path=ppt/notesSlides/notesSlide23.xml><?xml version="1.0" encoding="utf-8"?>
+<p:notes xmlns:a="http://schemas.openxmlformats.org/drawingml/2006/main" xmlns:r="http://schemas.openxmlformats.org/officeDocument/2006/relationships" xmlns:p="http://schemas.openxmlformats.org/presentationml/2006/main">
+  <p:cSld>
+    <p:spTree>
+      <p:nvGrpSpPr>
+        <p:cNvPr id="1" name=""/>
+        <p:cNvGrpSpPr/>
+        <p:nvPr/>
+      </p:nvGrpSpPr>
+      <p:grpSpPr>
+        <a:xfrm>
+          <a:off x="0" y="0"/>
+          <a:ext cx="0" cy="0"/>
+          <a:chOff x="0" y="0"/>
+          <a:chExt cx="0" cy="0"/>
+        </a:xfrm>
+      </p:grpSpPr>
+      <p:sp>
+        <p:nvSpPr>
+          <p:cNvPr id="2" name="Slide Image Placeholder 1"/>
+          <p:cNvSpPr>
+            <a:spLocks noGrp="1" noRot="1" noChangeAspect="1"/>
+          </p:cNvSpPr>
+          <p:nvPr>
+            <p:ph type="sldImg"/>
+          </p:nvPr>
+        </p:nvSpPr>
+        <p:spPr/>
+      </p:sp>
+      <p:sp>
+        <p:nvSpPr>
+          <p:cNvPr id="3" name="Notes Placeholder 2"/>
+          <p:cNvSpPr>
+            <a:spLocks noGrp="1"/>
+          </p:cNvSpPr>
+          <p:nvPr>
+            <p:ph type="body" idx="1"/>
+          </p:nvPr>
+        </p:nvSpPr>
+        <p:spPr/>
+        <p:txBody>
+          <a:bodyPr/>
+          <a:lstStyle/>
+          <a:p>
+            <a:endParaRPr lang="en-US" dirty="0"/>
+          </a:p>
+        </p:txBody>
+      </p:sp>
+      <p:sp>
+        <p:nvSpPr>
+          <p:cNvPr id="4" name="Slide Number Placeholder 3"/>
+          <p:cNvSpPr>
+            <a:spLocks noGrp="1"/>
+          </p:cNvSpPr>
+          <p:nvPr>
+            <p:ph type="sldNum" sz="quarter" idx="5"/>
+          </p:nvPr>
+        </p:nvSpPr>
+        <p:spPr/>
+        <p:txBody>
+          <a:bodyPr/>
+          <a:lstStyle/>
+          <a:p>
+            <a:fld id="{DF6148AD-E0EA-F64C-9871-E2424F422EB0}" type="slidenum">
+              <a:rPr lang="fr-FR" smtClean="0"/>
+              <a:t>32</a:t>
+            </a:fld>
+            <a:endParaRPr lang="fr-FR"/>
+          </a:p>
+        </p:txBody>
+      </p:sp>
+    </p:spTree>
+    <p:extLst>
+      <p:ext uri="{BB962C8B-B14F-4D97-AF65-F5344CB8AC3E}">
+        <p14:creationId xmlns:p14="http://schemas.microsoft.com/office/powerpoint/2010/main" val="2939814068"/>
+      </p:ext>
+    </p:extLst>
+  </p:cSld>
+  <p:clrMapOvr>
+    <a:masterClrMapping/>
+  </p:clrMapOvr>
+</p:notes>
+</file>
+
+<file path=ppt/notesSlides/notesSlide24.xml><?xml version="1.0" encoding="utf-8"?>
+<p:notes xmlns:a="http://schemas.openxmlformats.org/drawingml/2006/main" xmlns:r="http://schemas.openxmlformats.org/officeDocument/2006/relationships" xmlns:p="http://schemas.openxmlformats.org/presentationml/2006/main">
+  <p:cSld>
+    <p:spTree>
+      <p:nvGrpSpPr>
+        <p:cNvPr id="1" name=""/>
+        <p:cNvGrpSpPr/>
+        <p:nvPr/>
+      </p:nvGrpSpPr>
+      <p:grpSpPr>
+        <a:xfrm>
+          <a:off x="0" y="0"/>
+          <a:ext cx="0" cy="0"/>
+          <a:chOff x="0" y="0"/>
+          <a:chExt cx="0" cy="0"/>
+        </a:xfrm>
+      </p:grpSpPr>
+      <p:sp>
+        <p:nvSpPr>
+          <p:cNvPr id="2" name="Slide Image Placeholder 1"/>
+          <p:cNvSpPr>
+            <a:spLocks noGrp="1" noRot="1" noChangeAspect="1"/>
+          </p:cNvSpPr>
+          <p:nvPr>
+            <p:ph type="sldImg"/>
+          </p:nvPr>
+        </p:nvSpPr>
+        <p:spPr/>
+      </p:sp>
+      <p:sp>
+        <p:nvSpPr>
+          <p:cNvPr id="3" name="Notes Placeholder 2"/>
+          <p:cNvSpPr>
+            <a:spLocks noGrp="1"/>
+          </p:cNvSpPr>
+          <p:nvPr>
+            <p:ph type="body" idx="1"/>
+          </p:nvPr>
+        </p:nvSpPr>
+        <p:spPr/>
+        <p:txBody>
+          <a:bodyPr/>
+          <a:lstStyle/>
+          <a:p>
+            <a:endParaRPr lang="en-US" dirty="0"/>
+          </a:p>
+        </p:txBody>
+      </p:sp>
+      <p:sp>
+        <p:nvSpPr>
+          <p:cNvPr id="4" name="Slide Number Placeholder 3"/>
+          <p:cNvSpPr>
+            <a:spLocks noGrp="1"/>
+          </p:cNvSpPr>
+          <p:nvPr>
+            <p:ph type="sldNum" sz="quarter" idx="5"/>
+          </p:nvPr>
+        </p:nvSpPr>
+        <p:spPr/>
+        <p:txBody>
+          <a:bodyPr/>
+          <a:lstStyle/>
+          <a:p>
+            <a:fld id="{DF6148AD-E0EA-F64C-9871-E2424F422EB0}" type="slidenum">
+              <a:rPr lang="fr-FR" smtClean="0"/>
+              <a:t>33</a:t>
             </a:fld>
             <a:endParaRPr lang="fr-FR"/>
           </a:p>
@@ -1252,7 +2047,7 @@
 </p:notes>
 </file>
 
-<file path=ppt/notesSlides/notesSlide17.xml><?xml version="1.0" encoding="utf-8"?>
+<file path=ppt/notesSlides/notesSlide25.xml><?xml version="1.0" encoding="utf-8"?>
 <p:notes xmlns:a="http://schemas.openxmlformats.org/drawingml/2006/main" xmlns:r="http://schemas.openxmlformats.org/officeDocument/2006/relationships" xmlns:p="http://schemas.openxmlformats.org/presentationml/2006/main" showMasterSp="0" showMasterPhAnim="0">
   <p:cSld>
     <p:spTree>
@@ -1364,93 +2159,6 @@
     <p:extLst>
       <p:ext uri="{BB962C8B-B14F-4D97-AF65-F5344CB8AC3E}">
         <p14:creationId xmlns:p14="http://schemas.microsoft.com/office/powerpoint/2010/main" val="3065335463"/>
-      </p:ext>
-    </p:extLst>
-  </p:cSld>
-  <p:clrMapOvr>
-    <a:masterClrMapping/>
-  </p:clrMapOvr>
-</p:notes>
-</file>
-
-<file path=ppt/notesSlides/notesSlide2.xml><?xml version="1.0" encoding="utf-8"?>
-<p:notes xmlns:a="http://schemas.openxmlformats.org/drawingml/2006/main" xmlns:r="http://schemas.openxmlformats.org/officeDocument/2006/relationships" xmlns:p="http://schemas.openxmlformats.org/presentationml/2006/main">
-  <p:cSld>
-    <p:spTree>
-      <p:nvGrpSpPr>
-        <p:cNvPr id="1" name=""/>
-        <p:cNvGrpSpPr/>
-        <p:nvPr/>
-      </p:nvGrpSpPr>
-      <p:grpSpPr>
-        <a:xfrm>
-          <a:off x="0" y="0"/>
-          <a:ext cx="0" cy="0"/>
-          <a:chOff x="0" y="0"/>
-          <a:chExt cx="0" cy="0"/>
-        </a:xfrm>
-      </p:grpSpPr>
-      <p:sp>
-        <p:nvSpPr>
-          <p:cNvPr id="2" name="Slide Image Placeholder 1"/>
-          <p:cNvSpPr>
-            <a:spLocks noGrp="1" noRot="1" noChangeAspect="1"/>
-          </p:cNvSpPr>
-          <p:nvPr>
-            <p:ph type="sldImg"/>
-          </p:nvPr>
-        </p:nvSpPr>
-        <p:spPr/>
-      </p:sp>
-      <p:sp>
-        <p:nvSpPr>
-          <p:cNvPr id="3" name="Notes Placeholder 2"/>
-          <p:cNvSpPr>
-            <a:spLocks noGrp="1"/>
-          </p:cNvSpPr>
-          <p:nvPr>
-            <p:ph type="body" idx="1"/>
-          </p:nvPr>
-        </p:nvSpPr>
-        <p:spPr/>
-        <p:txBody>
-          <a:bodyPr/>
-          <a:lstStyle/>
-          <a:p>
-            <a:r>
-              <a:rPr lang="en-US" dirty="0"/>
-              <a:t>A lot of info and accessible data</a:t>
-            </a:r>
-          </a:p>
-        </p:txBody>
-      </p:sp>
-      <p:sp>
-        <p:nvSpPr>
-          <p:cNvPr id="4" name="Slide Number Placeholder 3"/>
-          <p:cNvSpPr>
-            <a:spLocks noGrp="1"/>
-          </p:cNvSpPr>
-          <p:nvPr>
-            <p:ph type="sldNum" sz="quarter" idx="5"/>
-          </p:nvPr>
-        </p:nvSpPr>
-        <p:spPr/>
-        <p:txBody>
-          <a:bodyPr/>
-          <a:lstStyle/>
-          <a:p>
-            <a:fld id="{DF6148AD-E0EA-F64C-9871-E2424F422EB0}" type="slidenum">
-              <a:rPr lang="fr-FR" smtClean="0"/>
-              <a:t>1</a:t>
-            </a:fld>
-            <a:endParaRPr lang="fr-FR"/>
-          </a:p>
-        </p:txBody>
-      </p:sp>
-    </p:spTree>
-    <p:extLst>
-      <p:ext uri="{BB962C8B-B14F-4D97-AF65-F5344CB8AC3E}">
-        <p14:creationId xmlns:p14="http://schemas.microsoft.com/office/powerpoint/2010/main" val="624332023"/>
       </p:ext>
     </p:extLst>
   </p:cSld>
@@ -3223,7 +3931,7 @@
           <a:p>
             <a:fld id="{7C7472B5-D1CA-5E40-A310-D36B391370CB}" type="datetime1">
               <a:rPr lang="fr-FR" smtClean="0"/>
-              <a:t>20/10/2021</a:t>
+              <a:t>21/10/2021</a:t>
             </a:fld>
             <a:endParaRPr lang="fr-FR"/>
           </a:p>
@@ -3959,7 +4667,7 @@
           <a:p>
             <a:fld id="{70BA8813-F537-3C42-8AFB-2B33E28B15A0}" type="datetime1">
               <a:rPr lang="fr-FR" smtClean="0"/>
-              <a:t>20/10/2021</a:t>
+              <a:t>21/10/2021</a:t>
             </a:fld>
             <a:endParaRPr lang="fr-FR"/>
           </a:p>
@@ -4391,7 +5099,7 @@
           <a:p>
             <a:fld id="{2B3D9F41-9739-CA42-982F-A1F4C225F8D4}" type="datetime1">
               <a:rPr lang="fr-FR" smtClean="0"/>
-              <a:t>20/10/2021</a:t>
+              <a:t>21/10/2021</a:t>
             </a:fld>
             <a:endParaRPr lang="fr-FR"/>
           </a:p>
@@ -4693,7 +5401,7 @@
           <a:p>
             <a:fld id="{C2711762-67DF-4C43-B8D0-38C06516571C}" type="datetime1">
               <a:rPr lang="fr-FR" smtClean="0"/>
-              <a:t>20/10/2021</a:t>
+              <a:t>21/10/2021</a:t>
             </a:fld>
             <a:endParaRPr lang="fr-FR"/>
           </a:p>
@@ -5967,7 +6675,7 @@
           <a:p>
             <a:fld id="{70BA8813-F537-3C42-8AFB-2B33E28B15A0}" type="datetime1">
               <a:rPr lang="fr-FR" smtClean="0"/>
-              <a:t>20/10/2021</a:t>
+              <a:t>21/10/2021</a:t>
             </a:fld>
             <a:endParaRPr lang="fr-FR"/>
           </a:p>
@@ -6369,7 +7077,7 @@
           <a:p>
             <a:fld id="{7C7472B5-D1CA-5E40-A310-D36B391370CB}" type="datetime1">
               <a:rPr lang="fr-FR" smtClean="0"/>
-              <a:t>20/10/2021</a:t>
+              <a:t>21/10/2021</a:t>
             </a:fld>
             <a:endParaRPr lang="fr-FR"/>
           </a:p>
@@ -7471,7 +8179,7 @@
           <a:p>
             <a:r>
               <a:rPr lang="en-US" dirty="0"/>
-              <a:t>Motivation and related work</a:t>
+              <a:t>Motivation and intuition</a:t>
             </a:r>
             <a:endParaRPr lang="en-US" sz="2100" dirty="0"/>
           </a:p>
@@ -7554,6 +8262,967 @@
       </p:grpSpPr>
       <p:sp>
         <p:nvSpPr>
+          <p:cNvPr id="2" name="Titre 1">
+            <a:extLst>
+              <a:ext uri="{FF2B5EF4-FFF2-40B4-BE49-F238E27FC236}">
+                <a16:creationId xmlns:a16="http://schemas.microsoft.com/office/drawing/2014/main" id="{514D52B5-521D-6E42-9830-5360E9A4FF61}"/>
+              </a:ext>
+            </a:extLst>
+          </p:cNvPr>
+          <p:cNvSpPr>
+            <a:spLocks noGrp="1"/>
+          </p:cNvSpPr>
+          <p:nvPr>
+            <p:ph type="title"/>
+          </p:nvPr>
+        </p:nvSpPr>
+        <p:spPr/>
+        <p:txBody>
+          <a:bodyPr/>
+          <a:lstStyle/>
+          <a:p>
+            <a:r>
+              <a:rPr lang="fr-FR" dirty="0" err="1"/>
+              <a:t>Related</a:t>
+            </a:r>
+            <a:r>
+              <a:rPr lang="fr-FR" dirty="0"/>
+              <a:t> </a:t>
+            </a:r>
+            <a:r>
+              <a:rPr lang="fr-FR" dirty="0" err="1"/>
+              <a:t>work</a:t>
+            </a:r>
+            <a:endParaRPr lang="fr-FR" dirty="0"/>
+          </a:p>
+        </p:txBody>
+      </p:sp>
+      <p:sp>
+        <p:nvSpPr>
+          <p:cNvPr id="3" name="Espace réservé du contenu 2">
+            <a:extLst>
+              <a:ext uri="{FF2B5EF4-FFF2-40B4-BE49-F238E27FC236}">
+                <a16:creationId xmlns:a16="http://schemas.microsoft.com/office/drawing/2014/main" id="{1498CFD8-C77C-FB40-82EE-F807260D733C}"/>
+              </a:ext>
+            </a:extLst>
+          </p:cNvPr>
+          <p:cNvSpPr>
+            <a:spLocks noGrp="1"/>
+          </p:cNvSpPr>
+          <p:nvPr>
+            <p:ph idx="1"/>
+          </p:nvPr>
+        </p:nvSpPr>
+        <p:spPr/>
+        <p:txBody>
+          <a:bodyPr/>
+          <a:lstStyle/>
+          <a:p>
+            <a:r>
+              <a:rPr lang="fr-FR" dirty="0"/>
+              <a:t>Original HAN </a:t>
+            </a:r>
+            <a:r>
+              <a:rPr lang="fr-FR" dirty="0" err="1"/>
+              <a:t>paper</a:t>
+            </a:r>
+            <a:endParaRPr lang="fr-FR" dirty="0"/>
+          </a:p>
+          <a:p>
+            <a:endParaRPr lang="fr-FR" dirty="0"/>
+          </a:p>
+        </p:txBody>
+      </p:sp>
+      <p:sp>
+        <p:nvSpPr>
+          <p:cNvPr id="4" name="Espace réservé du numéro de diapositive 3">
+            <a:extLst>
+              <a:ext uri="{FF2B5EF4-FFF2-40B4-BE49-F238E27FC236}">
+                <a16:creationId xmlns:a16="http://schemas.microsoft.com/office/drawing/2014/main" id="{92368015-76A4-9743-9812-5FD1AA428375}"/>
+              </a:ext>
+            </a:extLst>
+          </p:cNvPr>
+          <p:cNvSpPr>
+            <a:spLocks noGrp="1"/>
+          </p:cNvSpPr>
+          <p:nvPr>
+            <p:ph type="sldNum" sz="quarter" idx="12"/>
+          </p:nvPr>
+        </p:nvSpPr>
+        <p:spPr/>
+        <p:txBody>
+          <a:bodyPr/>
+          <a:lstStyle/>
+          <a:p>
+            <a:fld id="{30CCB0C1-2DF4-8B4C-AC0E-201D3DFFEAFD}" type="slidenum">
+              <a:rPr lang="fr-FR" smtClean="0"/>
+              <a:pPr/>
+              <a:t>10</a:t>
+            </a:fld>
+            <a:endParaRPr lang="fr-FR" dirty="0"/>
+          </a:p>
+        </p:txBody>
+      </p:sp>
+    </p:spTree>
+    <p:extLst>
+      <p:ext uri="{BB962C8B-B14F-4D97-AF65-F5344CB8AC3E}">
+        <p14:creationId xmlns:p14="http://schemas.microsoft.com/office/powerpoint/2010/main" val="3155899602"/>
+      </p:ext>
+    </p:extLst>
+  </p:cSld>
+  <p:clrMapOvr>
+    <a:masterClrMapping/>
+  </p:clrMapOvr>
+</p:sld>
+</file>
+
+<file path=ppt/slides/slide12.xml><?xml version="1.0" encoding="utf-8"?>
+<p:sld xmlns:a="http://schemas.openxmlformats.org/drawingml/2006/main" xmlns:r="http://schemas.openxmlformats.org/officeDocument/2006/relationships" xmlns:p="http://schemas.openxmlformats.org/presentationml/2006/main">
+  <p:cSld>
+    <p:spTree>
+      <p:nvGrpSpPr>
+        <p:cNvPr id="1" name=""/>
+        <p:cNvGrpSpPr/>
+        <p:nvPr/>
+      </p:nvGrpSpPr>
+      <p:grpSpPr>
+        <a:xfrm>
+          <a:off x="0" y="0"/>
+          <a:ext cx="0" cy="0"/>
+          <a:chOff x="0" y="0"/>
+          <a:chExt cx="0" cy="0"/>
+        </a:xfrm>
+      </p:grpSpPr>
+      <p:sp>
+        <p:nvSpPr>
+          <p:cNvPr id="2" name="Titre 1">
+            <a:extLst>
+              <a:ext uri="{FF2B5EF4-FFF2-40B4-BE49-F238E27FC236}">
+                <a16:creationId xmlns:a16="http://schemas.microsoft.com/office/drawing/2014/main" id="{5015436F-AD9D-7A45-A15D-EE00E6879EEE}"/>
+              </a:ext>
+            </a:extLst>
+          </p:cNvPr>
+          <p:cNvSpPr>
+            <a:spLocks noGrp="1"/>
+          </p:cNvSpPr>
+          <p:nvPr>
+            <p:ph type="title"/>
+          </p:nvPr>
+        </p:nvSpPr>
+        <p:spPr>
+          <a:xfrm>
+            <a:off x="133817" y="1169"/>
+            <a:ext cx="7611368" cy="680225"/>
+          </a:xfrm>
+        </p:spPr>
+        <p:txBody>
+          <a:bodyPr anchor="ctr">
+            <a:normAutofit/>
+          </a:bodyPr>
+          <a:lstStyle/>
+          <a:p>
+            <a:r>
+              <a:rPr lang="fr-FR" dirty="0"/>
+              <a:t>The model : HRAN</a:t>
+            </a:r>
+          </a:p>
+        </p:txBody>
+      </p:sp>
+      <p:pic>
+        <p:nvPicPr>
+          <p:cNvPr id="6" name="Espace réservé du contenu 5">
+            <a:extLst>
+              <a:ext uri="{FF2B5EF4-FFF2-40B4-BE49-F238E27FC236}">
+                <a16:creationId xmlns:a16="http://schemas.microsoft.com/office/drawing/2014/main" id="{2A20ED32-A98D-0F4F-A1F3-5A6B8A83DF8C}"/>
+              </a:ext>
+            </a:extLst>
+          </p:cNvPr>
+          <p:cNvPicPr>
+            <a:picLocks noGrp="1" noChangeAspect="1"/>
+          </p:cNvPicPr>
+          <p:nvPr>
+            <p:ph idx="1"/>
+          </p:nvPr>
+        </p:nvPicPr>
+        <p:blipFill>
+          <a:blip r:embed="rId3"/>
+          <a:stretch>
+            <a:fillRect/>
+          </a:stretch>
+        </p:blipFill>
+        <p:spPr>
+          <a:xfrm>
+            <a:off x="591015" y="1689821"/>
+            <a:ext cx="7961971" cy="4040698"/>
+          </a:xfrm>
+          <a:noFill/>
+        </p:spPr>
+      </p:pic>
+      <p:sp>
+        <p:nvSpPr>
+          <p:cNvPr id="4" name="Espace réservé du numéro de diapositive 3">
+            <a:extLst>
+              <a:ext uri="{FF2B5EF4-FFF2-40B4-BE49-F238E27FC236}">
+                <a16:creationId xmlns:a16="http://schemas.microsoft.com/office/drawing/2014/main" id="{C568EE19-E9A4-FB45-953C-774887FCF8A1}"/>
+              </a:ext>
+            </a:extLst>
+          </p:cNvPr>
+          <p:cNvSpPr>
+            <a:spLocks noGrp="1"/>
+          </p:cNvSpPr>
+          <p:nvPr>
+            <p:ph type="sldNum" sz="quarter" idx="12"/>
+          </p:nvPr>
+        </p:nvSpPr>
+        <p:spPr>
+          <a:xfrm>
+            <a:off x="8517869" y="6473117"/>
+            <a:ext cx="510928" cy="384883"/>
+          </a:xfrm>
+        </p:spPr>
+        <p:txBody>
+          <a:bodyPr anchor="ctr">
+            <a:normAutofit/>
+          </a:bodyPr>
+          <a:lstStyle/>
+          <a:p>
+            <a:pPr>
+              <a:spcAft>
+                <a:spcPts val="600"/>
+              </a:spcAft>
+            </a:pPr>
+            <a:fld id="{30CCB0C1-2DF4-8B4C-AC0E-201D3DFFEAFD}" type="slidenum">
+              <a:rPr lang="fr-FR" smtClean="0"/>
+              <a:pPr>
+                <a:spcAft>
+                  <a:spcPts val="600"/>
+                </a:spcAft>
+              </a:pPr>
+              <a:t>11</a:t>
+            </a:fld>
+            <a:endParaRPr lang="fr-FR"/>
+          </a:p>
+        </p:txBody>
+      </p:sp>
+    </p:spTree>
+    <p:extLst>
+      <p:ext uri="{BB962C8B-B14F-4D97-AF65-F5344CB8AC3E}">
+        <p14:creationId xmlns:p14="http://schemas.microsoft.com/office/powerpoint/2010/main" val="1330866981"/>
+      </p:ext>
+    </p:extLst>
+  </p:cSld>
+  <p:clrMapOvr>
+    <a:masterClrMapping/>
+  </p:clrMapOvr>
+</p:sld>
+</file>
+
+<file path=ppt/slides/slide13.xml><?xml version="1.0" encoding="utf-8"?>
+<p:sld xmlns:a="http://schemas.openxmlformats.org/drawingml/2006/main" xmlns:r="http://schemas.openxmlformats.org/officeDocument/2006/relationships" xmlns:p="http://schemas.openxmlformats.org/presentationml/2006/main">
+  <p:cSld>
+    <p:spTree>
+      <p:nvGrpSpPr>
+        <p:cNvPr id="1" name=""/>
+        <p:cNvGrpSpPr/>
+        <p:nvPr/>
+      </p:nvGrpSpPr>
+      <p:grpSpPr>
+        <a:xfrm>
+          <a:off x="0" y="0"/>
+          <a:ext cx="0" cy="0"/>
+          <a:chOff x="0" y="0"/>
+          <a:chExt cx="0" cy="0"/>
+        </a:xfrm>
+      </p:grpSpPr>
+      <p:sp>
+        <p:nvSpPr>
+          <p:cNvPr id="2" name="Titre 1">
+            <a:extLst>
+              <a:ext uri="{FF2B5EF4-FFF2-40B4-BE49-F238E27FC236}">
+                <a16:creationId xmlns:a16="http://schemas.microsoft.com/office/drawing/2014/main" id="{5015436F-AD9D-7A45-A15D-EE00E6879EEE}"/>
+              </a:ext>
+            </a:extLst>
+          </p:cNvPr>
+          <p:cNvSpPr>
+            <a:spLocks noGrp="1"/>
+          </p:cNvSpPr>
+          <p:nvPr>
+            <p:ph type="title"/>
+          </p:nvPr>
+        </p:nvSpPr>
+        <p:spPr>
+          <a:xfrm>
+            <a:off x="133817" y="1169"/>
+            <a:ext cx="7611368" cy="680225"/>
+          </a:xfrm>
+        </p:spPr>
+        <p:txBody>
+          <a:bodyPr anchor="ctr">
+            <a:normAutofit/>
+          </a:bodyPr>
+          <a:lstStyle/>
+          <a:p>
+            <a:r>
+              <a:rPr lang="fr-FR" dirty="0"/>
+              <a:t>The model : HRAN, RBA</a:t>
+            </a:r>
+          </a:p>
+        </p:txBody>
+      </p:sp>
+      <p:sp>
+        <p:nvSpPr>
+          <p:cNvPr id="4" name="Espace réservé du numéro de diapositive 3">
+            <a:extLst>
+              <a:ext uri="{FF2B5EF4-FFF2-40B4-BE49-F238E27FC236}">
+                <a16:creationId xmlns:a16="http://schemas.microsoft.com/office/drawing/2014/main" id="{C568EE19-E9A4-FB45-953C-774887FCF8A1}"/>
+              </a:ext>
+            </a:extLst>
+          </p:cNvPr>
+          <p:cNvSpPr>
+            <a:spLocks noGrp="1"/>
+          </p:cNvSpPr>
+          <p:nvPr>
+            <p:ph type="sldNum" sz="quarter" idx="12"/>
+          </p:nvPr>
+        </p:nvSpPr>
+        <p:spPr>
+          <a:xfrm>
+            <a:off x="8517869" y="6473117"/>
+            <a:ext cx="510928" cy="384883"/>
+          </a:xfrm>
+        </p:spPr>
+        <p:txBody>
+          <a:bodyPr anchor="ctr">
+            <a:normAutofit/>
+          </a:bodyPr>
+          <a:lstStyle/>
+          <a:p>
+            <a:pPr>
+              <a:spcAft>
+                <a:spcPts val="600"/>
+              </a:spcAft>
+            </a:pPr>
+            <a:fld id="{30CCB0C1-2DF4-8B4C-AC0E-201D3DFFEAFD}" type="slidenum">
+              <a:rPr lang="fr-FR" smtClean="0"/>
+              <a:pPr>
+                <a:spcAft>
+                  <a:spcPts val="600"/>
+                </a:spcAft>
+              </a:pPr>
+              <a:t>12</a:t>
+            </a:fld>
+            <a:endParaRPr lang="fr-FR"/>
+          </a:p>
+        </p:txBody>
+      </p:sp>
+      <p:pic>
+        <p:nvPicPr>
+          <p:cNvPr id="8" name="Espace réservé du contenu 7" descr="Une image contenant texte, équipement électronique, capture d’écran&#10;&#10;Description générée automatiquement">
+            <a:extLst>
+              <a:ext uri="{FF2B5EF4-FFF2-40B4-BE49-F238E27FC236}">
+                <a16:creationId xmlns:a16="http://schemas.microsoft.com/office/drawing/2014/main" id="{3A1AEEF1-F5AF-7C44-A7F6-31BAE69479B0}"/>
+              </a:ext>
+            </a:extLst>
+          </p:cNvPr>
+          <p:cNvPicPr>
+            <a:picLocks noGrp="1" noChangeAspect="1"/>
+          </p:cNvPicPr>
+          <p:nvPr>
+            <p:ph idx="1"/>
+          </p:nvPr>
+        </p:nvPicPr>
+        <p:blipFill>
+          <a:blip r:embed="rId3"/>
+          <a:stretch>
+            <a:fillRect/>
+          </a:stretch>
+        </p:blipFill>
+        <p:spPr>
+          <a:xfrm>
+            <a:off x="812799" y="1777255"/>
+            <a:ext cx="5804976" cy="3303490"/>
+          </a:xfrm>
+        </p:spPr>
+      </p:pic>
+    </p:spTree>
+    <p:extLst>
+      <p:ext uri="{BB962C8B-B14F-4D97-AF65-F5344CB8AC3E}">
+        <p14:creationId xmlns:p14="http://schemas.microsoft.com/office/powerpoint/2010/main" val="2682682636"/>
+      </p:ext>
+    </p:extLst>
+  </p:cSld>
+  <p:clrMapOvr>
+    <a:masterClrMapping/>
+  </p:clrMapOvr>
+</p:sld>
+</file>
+
+<file path=ppt/slides/slide14.xml><?xml version="1.0" encoding="utf-8"?>
+<p:sld xmlns:a="http://schemas.openxmlformats.org/drawingml/2006/main" xmlns:r="http://schemas.openxmlformats.org/officeDocument/2006/relationships" xmlns:p="http://schemas.openxmlformats.org/presentationml/2006/main">
+  <p:cSld>
+    <p:spTree>
+      <p:nvGrpSpPr>
+        <p:cNvPr id="1" name=""/>
+        <p:cNvGrpSpPr/>
+        <p:nvPr/>
+      </p:nvGrpSpPr>
+      <p:grpSpPr>
+        <a:xfrm>
+          <a:off x="0" y="0"/>
+          <a:ext cx="0" cy="0"/>
+          <a:chOff x="0" y="0"/>
+          <a:chExt cx="0" cy="0"/>
+        </a:xfrm>
+      </p:grpSpPr>
+      <p:sp>
+        <p:nvSpPr>
+          <p:cNvPr id="2" name="Titre 1">
+            <a:extLst>
+              <a:ext uri="{FF2B5EF4-FFF2-40B4-BE49-F238E27FC236}">
+                <a16:creationId xmlns:a16="http://schemas.microsoft.com/office/drawing/2014/main" id="{5015436F-AD9D-7A45-A15D-EE00E6879EEE}"/>
+              </a:ext>
+            </a:extLst>
+          </p:cNvPr>
+          <p:cNvSpPr>
+            <a:spLocks noGrp="1"/>
+          </p:cNvSpPr>
+          <p:nvPr>
+            <p:ph type="title"/>
+          </p:nvPr>
+        </p:nvSpPr>
+        <p:spPr>
+          <a:xfrm>
+            <a:off x="133817" y="1169"/>
+            <a:ext cx="7611368" cy="680225"/>
+          </a:xfrm>
+        </p:spPr>
+        <p:txBody>
+          <a:bodyPr anchor="ctr">
+            <a:normAutofit/>
+          </a:bodyPr>
+          <a:lstStyle/>
+          <a:p>
+            <a:r>
+              <a:rPr lang="fr-FR" dirty="0"/>
+              <a:t>The model : HRAN, </a:t>
+            </a:r>
+            <a:r>
+              <a:rPr lang="fr-FR" dirty="0" err="1"/>
+              <a:t>overview</a:t>
+            </a:r>
+            <a:endParaRPr lang="fr-FR" dirty="0"/>
+          </a:p>
+        </p:txBody>
+      </p:sp>
+      <p:pic>
+        <p:nvPicPr>
+          <p:cNvPr id="7" name="Espace réservé du contenu 6">
+            <a:extLst>
+              <a:ext uri="{FF2B5EF4-FFF2-40B4-BE49-F238E27FC236}">
+                <a16:creationId xmlns:a16="http://schemas.microsoft.com/office/drawing/2014/main" id="{C3958EC9-3296-1448-9BA3-AE6DDBAD0EEF}"/>
+              </a:ext>
+            </a:extLst>
+          </p:cNvPr>
+          <p:cNvPicPr>
+            <a:picLocks noGrp="1" noChangeAspect="1"/>
+          </p:cNvPicPr>
+          <p:nvPr>
+            <p:ph idx="1"/>
+          </p:nvPr>
+        </p:nvPicPr>
+        <p:blipFill>
+          <a:blip r:embed="rId3"/>
+          <a:stretch>
+            <a:fillRect/>
+          </a:stretch>
+        </p:blipFill>
+        <p:spPr>
+          <a:xfrm>
+            <a:off x="591015" y="1311626"/>
+            <a:ext cx="7961971" cy="4797087"/>
+          </a:xfrm>
+          <a:noFill/>
+        </p:spPr>
+      </p:pic>
+      <p:sp>
+        <p:nvSpPr>
+          <p:cNvPr id="4" name="Espace réservé du numéro de diapositive 3">
+            <a:extLst>
+              <a:ext uri="{FF2B5EF4-FFF2-40B4-BE49-F238E27FC236}">
+                <a16:creationId xmlns:a16="http://schemas.microsoft.com/office/drawing/2014/main" id="{C568EE19-E9A4-FB45-953C-774887FCF8A1}"/>
+              </a:ext>
+            </a:extLst>
+          </p:cNvPr>
+          <p:cNvSpPr>
+            <a:spLocks noGrp="1"/>
+          </p:cNvSpPr>
+          <p:nvPr>
+            <p:ph type="sldNum" sz="quarter" idx="12"/>
+          </p:nvPr>
+        </p:nvSpPr>
+        <p:spPr>
+          <a:xfrm>
+            <a:off x="8517869" y="6473117"/>
+            <a:ext cx="510928" cy="384883"/>
+          </a:xfrm>
+        </p:spPr>
+        <p:txBody>
+          <a:bodyPr anchor="ctr">
+            <a:normAutofit/>
+          </a:bodyPr>
+          <a:lstStyle/>
+          <a:p>
+            <a:pPr>
+              <a:spcAft>
+                <a:spcPts val="600"/>
+              </a:spcAft>
+            </a:pPr>
+            <a:fld id="{30CCB0C1-2DF4-8B4C-AC0E-201D3DFFEAFD}" type="slidenum">
+              <a:rPr lang="fr-FR" smtClean="0"/>
+              <a:pPr>
+                <a:spcAft>
+                  <a:spcPts val="600"/>
+                </a:spcAft>
+              </a:pPr>
+              <a:t>13</a:t>
+            </a:fld>
+            <a:endParaRPr lang="fr-FR"/>
+          </a:p>
+        </p:txBody>
+      </p:sp>
+    </p:spTree>
+    <p:extLst>
+      <p:ext uri="{BB962C8B-B14F-4D97-AF65-F5344CB8AC3E}">
+        <p14:creationId xmlns:p14="http://schemas.microsoft.com/office/powerpoint/2010/main" val="1609516738"/>
+      </p:ext>
+    </p:extLst>
+  </p:cSld>
+  <p:clrMapOvr>
+    <a:masterClrMapping/>
+  </p:clrMapOvr>
+</p:sld>
+</file>
+
+<file path=ppt/slides/slide15.xml><?xml version="1.0" encoding="utf-8"?>
+<p:sld xmlns:a="http://schemas.openxmlformats.org/drawingml/2006/main" xmlns:r="http://schemas.openxmlformats.org/officeDocument/2006/relationships" xmlns:p="http://schemas.openxmlformats.org/presentationml/2006/main">
+  <p:cSld>
+    <p:spTree>
+      <p:nvGrpSpPr>
+        <p:cNvPr id="1" name=""/>
+        <p:cNvGrpSpPr/>
+        <p:nvPr/>
+      </p:nvGrpSpPr>
+      <p:grpSpPr>
+        <a:xfrm>
+          <a:off x="0" y="0"/>
+          <a:ext cx="0" cy="0"/>
+          <a:chOff x="0" y="0"/>
+          <a:chExt cx="0" cy="0"/>
+        </a:xfrm>
+      </p:grpSpPr>
+      <p:sp>
+        <p:nvSpPr>
+          <p:cNvPr id="2" name="Titre 1">
+            <a:extLst>
+              <a:ext uri="{FF2B5EF4-FFF2-40B4-BE49-F238E27FC236}">
+                <a16:creationId xmlns:a16="http://schemas.microsoft.com/office/drawing/2014/main" id="{99FFFAFA-0261-7E4D-8089-E113DFB714ED}"/>
+              </a:ext>
+            </a:extLst>
+          </p:cNvPr>
+          <p:cNvSpPr>
+            <a:spLocks noGrp="1"/>
+          </p:cNvSpPr>
+          <p:nvPr>
+            <p:ph type="title"/>
+          </p:nvPr>
+        </p:nvSpPr>
+        <p:spPr/>
+        <p:txBody>
+          <a:bodyPr/>
+          <a:lstStyle/>
+          <a:p>
+            <a:r>
+              <a:rPr lang="fr-FR" dirty="0" err="1"/>
+              <a:t>Results</a:t>
+            </a:r>
+            <a:endParaRPr lang="fr-FR" dirty="0"/>
+          </a:p>
+        </p:txBody>
+      </p:sp>
+      <p:sp>
+        <p:nvSpPr>
+          <p:cNvPr id="3" name="Espace réservé du contenu 2">
+            <a:extLst>
+              <a:ext uri="{FF2B5EF4-FFF2-40B4-BE49-F238E27FC236}">
+                <a16:creationId xmlns:a16="http://schemas.microsoft.com/office/drawing/2014/main" id="{8D427236-C810-5548-911E-DAD726172D08}"/>
+              </a:ext>
+            </a:extLst>
+          </p:cNvPr>
+          <p:cNvSpPr>
+            <a:spLocks noGrp="1"/>
+          </p:cNvSpPr>
+          <p:nvPr>
+            <p:ph idx="1"/>
+          </p:nvPr>
+        </p:nvSpPr>
+        <p:spPr/>
+        <p:txBody>
+          <a:bodyPr/>
+          <a:lstStyle/>
+          <a:p>
+            <a:endParaRPr lang="fr-FR" dirty="0"/>
+          </a:p>
+        </p:txBody>
+      </p:sp>
+      <p:sp>
+        <p:nvSpPr>
+          <p:cNvPr id="4" name="Espace réservé du numéro de diapositive 3">
+            <a:extLst>
+              <a:ext uri="{FF2B5EF4-FFF2-40B4-BE49-F238E27FC236}">
+                <a16:creationId xmlns:a16="http://schemas.microsoft.com/office/drawing/2014/main" id="{B85050C6-91E0-CB48-8F3B-D388EC27128A}"/>
+              </a:ext>
+            </a:extLst>
+          </p:cNvPr>
+          <p:cNvSpPr>
+            <a:spLocks noGrp="1"/>
+          </p:cNvSpPr>
+          <p:nvPr>
+            <p:ph type="sldNum" sz="quarter" idx="12"/>
+          </p:nvPr>
+        </p:nvSpPr>
+        <p:spPr/>
+        <p:txBody>
+          <a:bodyPr/>
+          <a:lstStyle/>
+          <a:p>
+            <a:fld id="{30CCB0C1-2DF4-8B4C-AC0E-201D3DFFEAFD}" type="slidenum">
+              <a:rPr lang="fr-FR" smtClean="0"/>
+              <a:pPr/>
+              <a:t>14</a:t>
+            </a:fld>
+            <a:endParaRPr lang="fr-FR" dirty="0"/>
+          </a:p>
+        </p:txBody>
+      </p:sp>
+    </p:spTree>
+    <p:extLst>
+      <p:ext uri="{BB962C8B-B14F-4D97-AF65-F5344CB8AC3E}">
+        <p14:creationId xmlns:p14="http://schemas.microsoft.com/office/powerpoint/2010/main" val="2336720879"/>
+      </p:ext>
+    </p:extLst>
+  </p:cSld>
+  <p:clrMapOvr>
+    <a:masterClrMapping/>
+  </p:clrMapOvr>
+</p:sld>
+</file>
+
+<file path=ppt/slides/slide16.xml><?xml version="1.0" encoding="utf-8"?>
+<p:sld xmlns:a="http://schemas.openxmlformats.org/drawingml/2006/main" xmlns:r="http://schemas.openxmlformats.org/officeDocument/2006/relationships" xmlns:p="http://schemas.openxmlformats.org/presentationml/2006/main">
+  <p:cSld>
+    <p:spTree>
+      <p:nvGrpSpPr>
+        <p:cNvPr id="1" name=""/>
+        <p:cNvGrpSpPr/>
+        <p:nvPr/>
+      </p:nvGrpSpPr>
+      <p:grpSpPr>
+        <a:xfrm>
+          <a:off x="0" y="0"/>
+          <a:ext cx="0" cy="0"/>
+          <a:chOff x="0" y="0"/>
+          <a:chExt cx="0" cy="0"/>
+        </a:xfrm>
+      </p:grpSpPr>
+      <p:sp>
+        <p:nvSpPr>
+          <p:cNvPr id="11" name="Title 1">
+            <a:extLst>
+              <a:ext uri="{FF2B5EF4-FFF2-40B4-BE49-F238E27FC236}">
+                <a16:creationId xmlns:a16="http://schemas.microsoft.com/office/drawing/2014/main" id="{1D8B198D-C2FB-4B6F-BC23-716363B10D3C}"/>
+              </a:ext>
+            </a:extLst>
+          </p:cNvPr>
+          <p:cNvSpPr>
+            <a:spLocks noGrp="1"/>
+          </p:cNvSpPr>
+          <p:nvPr>
+            <p:ph type="title"/>
+          </p:nvPr>
+        </p:nvSpPr>
+        <p:spPr>
+          <a:xfrm>
+            <a:off x="101299" y="297994"/>
+            <a:ext cx="7611368" cy="680225"/>
+          </a:xfrm>
+        </p:spPr>
+        <p:txBody>
+          <a:bodyPr/>
+          <a:lstStyle/>
+          <a:p>
+            <a:r>
+              <a:rPr lang="en-US" dirty="0"/>
+              <a:t>Attention Visualization</a:t>
+            </a:r>
+          </a:p>
+        </p:txBody>
+      </p:sp>
+      <p:pic>
+        <p:nvPicPr>
+          <p:cNvPr id="6" name="Espace réservé du contenu 5" descr="Une image contenant texte&#10;&#10;Description générée automatiquement">
+            <a:extLst>
+              <a:ext uri="{FF2B5EF4-FFF2-40B4-BE49-F238E27FC236}">
+                <a16:creationId xmlns:a16="http://schemas.microsoft.com/office/drawing/2014/main" id="{4A3F5308-5138-174B-9615-E73EE9219F80}"/>
+              </a:ext>
+            </a:extLst>
+          </p:cNvPr>
+          <p:cNvPicPr>
+            <a:picLocks noGrp="1" noChangeAspect="1"/>
+          </p:cNvPicPr>
+          <p:nvPr>
+            <p:ph idx="1"/>
+          </p:nvPr>
+        </p:nvPicPr>
+        <p:blipFill>
+          <a:blip r:embed="rId2"/>
+          <a:stretch>
+            <a:fillRect/>
+          </a:stretch>
+        </p:blipFill>
+        <p:spPr>
+          <a:xfrm>
+            <a:off x="746319" y="1175657"/>
+            <a:ext cx="7651363" cy="5069026"/>
+          </a:xfrm>
+          <a:noFill/>
+        </p:spPr>
+      </p:pic>
+      <p:sp>
+        <p:nvSpPr>
+          <p:cNvPr id="4" name="Espace réservé du numéro de diapositive 3">
+            <a:extLst>
+              <a:ext uri="{FF2B5EF4-FFF2-40B4-BE49-F238E27FC236}">
+                <a16:creationId xmlns:a16="http://schemas.microsoft.com/office/drawing/2014/main" id="{B0D35B8C-1C64-AD46-B0FD-EB7FF3710FA1}"/>
+              </a:ext>
+            </a:extLst>
+          </p:cNvPr>
+          <p:cNvSpPr>
+            <a:spLocks noGrp="1"/>
+          </p:cNvSpPr>
+          <p:nvPr>
+            <p:ph type="sldNum" sz="quarter" idx="12"/>
+          </p:nvPr>
+        </p:nvSpPr>
+        <p:spPr>
+          <a:xfrm>
+            <a:off x="8604173" y="-56512"/>
+            <a:ext cx="475811" cy="384884"/>
+          </a:xfrm>
+        </p:spPr>
+        <p:txBody>
+          <a:bodyPr anchor="ctr">
+            <a:normAutofit/>
+          </a:bodyPr>
+          <a:lstStyle/>
+          <a:p>
+            <a:pPr>
+              <a:spcAft>
+                <a:spcPts val="600"/>
+              </a:spcAft>
+            </a:pPr>
+            <a:fld id="{30CCB0C1-2DF4-8B4C-AC0E-201D3DFFEAFD}" type="slidenum">
+              <a:rPr lang="fr-FR" smtClean="0"/>
+              <a:pPr>
+                <a:spcAft>
+                  <a:spcPts val="600"/>
+                </a:spcAft>
+              </a:pPr>
+              <a:t>15</a:t>
+            </a:fld>
+            <a:endParaRPr lang="fr-FR"/>
+          </a:p>
+        </p:txBody>
+      </p:sp>
+    </p:spTree>
+    <p:extLst>
+      <p:ext uri="{BB962C8B-B14F-4D97-AF65-F5344CB8AC3E}">
+        <p14:creationId xmlns:p14="http://schemas.microsoft.com/office/powerpoint/2010/main" val="1868886156"/>
+      </p:ext>
+    </p:extLst>
+  </p:cSld>
+  <p:clrMapOvr>
+    <a:masterClrMapping/>
+  </p:clrMapOvr>
+</p:sld>
+</file>
+
+<file path=ppt/slides/slide17.xml><?xml version="1.0" encoding="utf-8"?>
+<p:sld xmlns:a="http://schemas.openxmlformats.org/drawingml/2006/main" xmlns:r="http://schemas.openxmlformats.org/officeDocument/2006/relationships" xmlns:p="http://schemas.openxmlformats.org/presentationml/2006/main">
+  <p:cSld>
+    <p:spTree>
+      <p:nvGrpSpPr>
+        <p:cNvPr id="1" name=""/>
+        <p:cNvGrpSpPr/>
+        <p:nvPr/>
+      </p:nvGrpSpPr>
+      <p:grpSpPr>
+        <a:xfrm>
+          <a:off x="0" y="0"/>
+          <a:ext cx="0" cy="0"/>
+          <a:chOff x="0" y="0"/>
+          <a:chExt cx="0" cy="0"/>
+        </a:xfrm>
+      </p:grpSpPr>
+      <p:sp>
+        <p:nvSpPr>
+          <p:cNvPr id="2" name="Titre 1">
+            <a:extLst>
+              <a:ext uri="{FF2B5EF4-FFF2-40B4-BE49-F238E27FC236}">
+                <a16:creationId xmlns:a16="http://schemas.microsoft.com/office/drawing/2014/main" id="{26379BDF-0A16-BF4F-AF32-26C1279D2CEA}"/>
+              </a:ext>
+            </a:extLst>
+          </p:cNvPr>
+          <p:cNvSpPr>
+            <a:spLocks noGrp="1"/>
+          </p:cNvSpPr>
+          <p:nvPr>
+            <p:ph type="title"/>
+          </p:nvPr>
+        </p:nvSpPr>
+        <p:spPr/>
+        <p:txBody>
+          <a:bodyPr/>
+          <a:lstStyle/>
+          <a:p>
+            <a:r>
+              <a:rPr lang="en-US" dirty="0"/>
+              <a:t>Attention Visualization</a:t>
+            </a:r>
+            <a:endParaRPr lang="fr-FR" dirty="0"/>
+          </a:p>
+        </p:txBody>
+      </p:sp>
+      <p:pic>
+        <p:nvPicPr>
+          <p:cNvPr id="6" name="Espace réservé du contenu 5" descr="Une image contenant texte&#10;&#10;Description générée automatiquement">
+            <a:extLst>
+              <a:ext uri="{FF2B5EF4-FFF2-40B4-BE49-F238E27FC236}">
+                <a16:creationId xmlns:a16="http://schemas.microsoft.com/office/drawing/2014/main" id="{516A354D-824A-524B-883D-F704C2186C51}"/>
+              </a:ext>
+            </a:extLst>
+          </p:cNvPr>
+          <p:cNvPicPr>
+            <a:picLocks noGrp="1" noChangeAspect="1"/>
+          </p:cNvPicPr>
+          <p:nvPr>
+            <p:ph idx="1"/>
+          </p:nvPr>
+        </p:nvPicPr>
+        <p:blipFill>
+          <a:blip r:embed="rId2"/>
+          <a:stretch>
+            <a:fillRect/>
+          </a:stretch>
+        </p:blipFill>
+        <p:spPr>
+          <a:xfrm>
+            <a:off x="1092200" y="2136257"/>
+            <a:ext cx="3479800" cy="2819400"/>
+          </a:xfrm>
+        </p:spPr>
+      </p:pic>
+      <p:sp>
+        <p:nvSpPr>
+          <p:cNvPr id="4" name="Espace réservé du numéro de diapositive 3">
+            <a:extLst>
+              <a:ext uri="{FF2B5EF4-FFF2-40B4-BE49-F238E27FC236}">
+                <a16:creationId xmlns:a16="http://schemas.microsoft.com/office/drawing/2014/main" id="{1E128459-CDC2-6A40-8B43-186780DA7B00}"/>
+              </a:ext>
+            </a:extLst>
+          </p:cNvPr>
+          <p:cNvSpPr>
+            <a:spLocks noGrp="1"/>
+          </p:cNvSpPr>
+          <p:nvPr>
+            <p:ph type="sldNum" sz="quarter" idx="12"/>
+          </p:nvPr>
+        </p:nvSpPr>
+        <p:spPr/>
+        <p:txBody>
+          <a:bodyPr/>
+          <a:lstStyle/>
+          <a:p>
+            <a:fld id="{30CCB0C1-2DF4-8B4C-AC0E-201D3DFFEAFD}" type="slidenum">
+              <a:rPr lang="fr-FR" smtClean="0"/>
+              <a:pPr/>
+              <a:t>16</a:t>
+            </a:fld>
+            <a:endParaRPr lang="fr-FR" dirty="0"/>
+          </a:p>
+        </p:txBody>
+      </p:sp>
+      <p:pic>
+        <p:nvPicPr>
+          <p:cNvPr id="8" name="Image 7" descr="Une image contenant texte&#10;&#10;Description générée automatiquement">
+            <a:extLst>
+              <a:ext uri="{FF2B5EF4-FFF2-40B4-BE49-F238E27FC236}">
+                <a16:creationId xmlns:a16="http://schemas.microsoft.com/office/drawing/2014/main" id="{A5EF234B-1BD1-8648-940D-8A65327B9212}"/>
+              </a:ext>
+            </a:extLst>
+          </p:cNvPr>
+          <p:cNvPicPr>
+            <a:picLocks noChangeAspect="1"/>
+          </p:cNvPicPr>
+          <p:nvPr/>
+        </p:nvPicPr>
+        <p:blipFill>
+          <a:blip r:embed="rId3"/>
+          <a:stretch>
+            <a:fillRect/>
+          </a:stretch>
+        </p:blipFill>
+        <p:spPr>
+          <a:xfrm>
+            <a:off x="4572000" y="1902342"/>
+            <a:ext cx="3780295" cy="3053315"/>
+          </a:xfrm>
+          <a:prstGeom prst="rect">
+            <a:avLst/>
+          </a:prstGeom>
+        </p:spPr>
+      </p:pic>
+    </p:spTree>
+    <p:extLst>
+      <p:ext uri="{BB962C8B-B14F-4D97-AF65-F5344CB8AC3E}">
+        <p14:creationId xmlns:p14="http://schemas.microsoft.com/office/powerpoint/2010/main" val="2635476566"/>
+      </p:ext>
+    </p:extLst>
+  </p:cSld>
+  <p:clrMapOvr>
+    <a:masterClrMapping/>
+  </p:clrMapOvr>
+</p:sld>
+</file>
+
+<file path=ppt/slides/slide18.xml><?xml version="1.0" encoding="utf-8"?>
+<p:sld xmlns:a="http://schemas.openxmlformats.org/drawingml/2006/main" xmlns:r="http://schemas.openxmlformats.org/officeDocument/2006/relationships" xmlns:p="http://schemas.openxmlformats.org/presentationml/2006/main">
+  <p:cSld>
+    <p:spTree>
+      <p:nvGrpSpPr>
+        <p:cNvPr id="1" name=""/>
+        <p:cNvGrpSpPr/>
+        <p:nvPr/>
+      </p:nvGrpSpPr>
+      <p:grpSpPr>
+        <a:xfrm>
+          <a:off x="0" y="0"/>
+          <a:ext cx="0" cy="0"/>
+          <a:chOff x="0" y="0"/>
+          <a:chExt cx="0" cy="0"/>
+        </a:xfrm>
+      </p:grpSpPr>
+      <p:sp>
+        <p:nvSpPr>
           <p:cNvPr id="5" name="Title 4">
             <a:extLst>
               <a:ext uri="{FF2B5EF4-FFF2-40B4-BE49-F238E27FC236}">
@@ -7817,7 +9486,7 @@
 </p:sld>
 </file>
 
-<file path=ppt/slides/slide12.xml><?xml version="1.0" encoding="utf-8"?>
+<file path=ppt/slides/slide19.xml><?xml version="1.0" encoding="utf-8"?>
 <p:sld xmlns:a="http://schemas.openxmlformats.org/drawingml/2006/main" xmlns:r="http://schemas.openxmlformats.org/officeDocument/2006/relationships" xmlns:p="http://schemas.openxmlformats.org/presentationml/2006/main">
   <p:cSld>
     <p:spTree>
@@ -7836,10 +9505,10 @@
       </p:grpSpPr>
       <p:sp>
         <p:nvSpPr>
-          <p:cNvPr id="5" name="Title 4">
+          <p:cNvPr id="8" name="Title 1">
             <a:extLst>
               <a:ext uri="{FF2B5EF4-FFF2-40B4-BE49-F238E27FC236}">
-                <a16:creationId xmlns:a16="http://schemas.microsoft.com/office/drawing/2014/main" id="{B243374C-AC17-ED43-BBA6-3DF126A003A7}"/>
+                <a16:creationId xmlns:a16="http://schemas.microsoft.com/office/drawing/2014/main" id="{DF477045-A423-4666-B878-6B113EC885ED}"/>
               </a:ext>
             </a:extLst>
           </p:cNvPr>
@@ -7852,8 +9521,8 @@
         </p:nvSpPr>
         <p:spPr>
           <a:xfrm>
-            <a:off x="826358" y="522095"/>
-            <a:ext cx="7393259" cy="1972587"/>
+            <a:off x="101299" y="297994"/>
+            <a:ext cx="7611368" cy="680225"/>
           </a:xfrm>
         </p:spPr>
         <p:txBody>
@@ -7862,40 +9531,101 @@
           <a:p>
             <a:r>
               <a:rPr lang="en-US" dirty="0"/>
-              <a:t>USER DYNAMIC MODELING</a:t>
-            </a:r>
-            <a:endParaRPr lang="en-US" sz="3200" dirty="0">
-              <a:latin typeface="+mn-lt"/>
-            </a:endParaRPr>
+              <a:t>Problematic</a:t>
+            </a:r>
+          </a:p>
+        </p:txBody>
+      </p:sp>
+      <p:sp>
+        <p:nvSpPr>
+          <p:cNvPr id="10" name="Content Placeholder 2">
+            <a:extLst>
+              <a:ext uri="{FF2B5EF4-FFF2-40B4-BE49-F238E27FC236}">
+                <a16:creationId xmlns:a16="http://schemas.microsoft.com/office/drawing/2014/main" id="{D1C5C1C4-D149-442C-8E72-00BD10D8F463}"/>
+              </a:ext>
+            </a:extLst>
+          </p:cNvPr>
+          <p:cNvSpPr>
+            <a:spLocks noGrp="1"/>
+          </p:cNvSpPr>
+          <p:nvPr>
+            <p:ph idx="1"/>
+          </p:nvPr>
+        </p:nvSpPr>
+        <p:spPr>
+          <a:xfrm>
+            <a:off x="591015" y="1175657"/>
+            <a:ext cx="7961971" cy="5069026"/>
+          </a:xfrm>
+        </p:spPr>
+        <p:txBody>
+          <a:bodyPr/>
+          <a:lstStyle/>
+          <a:p>
+            <a:endParaRPr lang="en-US"/>
+          </a:p>
+        </p:txBody>
+      </p:sp>
+      <p:sp>
+        <p:nvSpPr>
+          <p:cNvPr id="3" name="Espace réservé du numéro de diapositive 2">
+            <a:extLst>
+              <a:ext uri="{FF2B5EF4-FFF2-40B4-BE49-F238E27FC236}">
+                <a16:creationId xmlns:a16="http://schemas.microsoft.com/office/drawing/2014/main" id="{0F9CEEBC-4C44-5D42-B72D-80F71F1F51BB}"/>
+              </a:ext>
+            </a:extLst>
+          </p:cNvPr>
+          <p:cNvSpPr>
+            <a:spLocks noGrp="1"/>
+          </p:cNvSpPr>
+          <p:nvPr>
+            <p:ph type="sldNum" sz="quarter" idx="12"/>
+          </p:nvPr>
+        </p:nvSpPr>
+        <p:spPr>
+          <a:xfrm>
+            <a:off x="8604173" y="-56512"/>
+            <a:ext cx="475811" cy="384884"/>
+          </a:xfrm>
+        </p:spPr>
+        <p:txBody>
+          <a:bodyPr anchor="ctr">
+            <a:normAutofit/>
+          </a:bodyPr>
+          <a:lstStyle/>
+          <a:p>
+            <a:pPr>
+              <a:spcAft>
+                <a:spcPts val="600"/>
+              </a:spcAft>
+            </a:pPr>
+            <a:fld id="{30CCB0C1-2DF4-8B4C-AC0E-201D3DFFEAFD}" type="slidenum">
+              <a:rPr lang="fr-FR" smtClean="0"/>
+              <a:pPr>
+                <a:spcAft>
+                  <a:spcPts val="600"/>
+                </a:spcAft>
+              </a:pPr>
+              <a:t>18</a:t>
+            </a:fld>
+            <a:endParaRPr lang="fr-FR"/>
           </a:p>
         </p:txBody>
       </p:sp>
     </p:spTree>
     <p:extLst>
       <p:ext uri="{BB962C8B-B14F-4D97-AF65-F5344CB8AC3E}">
-        <p14:creationId xmlns:p14="http://schemas.microsoft.com/office/powerpoint/2010/main" val="458297028"/>
+        <p14:creationId xmlns:p14="http://schemas.microsoft.com/office/powerpoint/2010/main" val="4007951352"/>
       </p:ext>
     </p:extLst>
   </p:cSld>
   <p:clrMapOvr>
     <a:masterClrMapping/>
   </p:clrMapOvr>
-  <mc:AlternateContent xmlns:mc="http://schemas.openxmlformats.org/markup-compatibility/2006">
-    <mc:Choice xmlns:p14="http://schemas.microsoft.com/office/powerpoint/2010/main" Requires="p14">
-      <p:transition p14:dur="300" advTm="19187">
-        <p:fade/>
-      </p:transition>
-    </mc:Choice>
-    <mc:Fallback>
-      <p:transition advTm="19187">
-        <p:fade/>
-      </p:transition>
-    </mc:Fallback>
-  </mc:AlternateContent>
 </p:sld>
 </file>
 
-<file path=ppt/slides/slide13.xml><?xml version="1.0" encoding="utf-8"?>
+<file path=ppt/slides/slide2.xml><?xml version="1.0" encoding="utf-8"?>
 <p:sld xmlns:a="http://schemas.openxmlformats.org/drawingml/2006/main" xmlns:r="http://schemas.openxmlformats.org/officeDocument/2006/relationships" xmlns:p="http://schemas.openxmlformats.org/presentationml/2006/main">
   <p:cSld>
     <p:spTree>
@@ -7914,6 +9644,1850 @@
       </p:grpSpPr>
       <p:sp>
         <p:nvSpPr>
+          <p:cNvPr id="2" name="Title 1">
+            <a:extLst>
+              <a:ext uri="{FF2B5EF4-FFF2-40B4-BE49-F238E27FC236}">
+                <a16:creationId xmlns:a16="http://schemas.microsoft.com/office/drawing/2014/main" id="{475B4CBF-C07A-844B-9726-6D9239E1217F}"/>
+              </a:ext>
+            </a:extLst>
+          </p:cNvPr>
+          <p:cNvSpPr>
+            <a:spLocks noGrp="1"/>
+          </p:cNvSpPr>
+          <p:nvPr>
+            <p:ph type="title"/>
+          </p:nvPr>
+        </p:nvSpPr>
+        <p:spPr/>
+        <p:txBody>
+          <a:bodyPr/>
+          <a:lstStyle/>
+          <a:p>
+            <a:r>
+              <a:rPr lang="en-US" dirty="0"/>
+              <a:t>The Information Era</a:t>
+            </a:r>
+          </a:p>
+        </p:txBody>
+      </p:sp>
+      <p:sp>
+        <p:nvSpPr>
+          <p:cNvPr id="3" name="Content Placeholder 2">
+            <a:extLst>
+              <a:ext uri="{FF2B5EF4-FFF2-40B4-BE49-F238E27FC236}">
+                <a16:creationId xmlns:a16="http://schemas.microsoft.com/office/drawing/2014/main" id="{9A3C0A13-DD77-4540-B7E4-A308D3D7190B}"/>
+              </a:ext>
+            </a:extLst>
+          </p:cNvPr>
+          <p:cNvSpPr>
+            <a:spLocks noGrp="1"/>
+          </p:cNvSpPr>
+          <p:nvPr>
+            <p:ph idx="1"/>
+          </p:nvPr>
+        </p:nvSpPr>
+        <p:spPr>
+          <a:xfrm>
+            <a:off x="591015" y="3334043"/>
+            <a:ext cx="7961971" cy="2803710"/>
+          </a:xfrm>
+        </p:spPr>
+        <p:txBody>
+          <a:bodyPr/>
+          <a:lstStyle/>
+          <a:p>
+            <a:endParaRPr lang="en-US" dirty="0"/>
+          </a:p>
+        </p:txBody>
+      </p:sp>
+      <p:sp>
+        <p:nvSpPr>
+          <p:cNvPr id="4" name="Slide Number Placeholder 3">
+            <a:extLst>
+              <a:ext uri="{FF2B5EF4-FFF2-40B4-BE49-F238E27FC236}">
+                <a16:creationId xmlns:a16="http://schemas.microsoft.com/office/drawing/2014/main" id="{8157A862-797F-B741-9C73-C1B6BE0EC46E}"/>
+              </a:ext>
+            </a:extLst>
+          </p:cNvPr>
+          <p:cNvSpPr>
+            <a:spLocks noGrp="1"/>
+          </p:cNvSpPr>
+          <p:nvPr>
+            <p:ph type="sldNum" sz="quarter" idx="12"/>
+          </p:nvPr>
+        </p:nvSpPr>
+        <p:spPr/>
+        <p:txBody>
+          <a:bodyPr/>
+          <a:lstStyle/>
+          <a:p>
+            <a:fld id="{30CCB0C1-2DF4-8B4C-AC0E-201D3DFFEAFD}" type="slidenum">
+              <a:rPr lang="fr-FR" smtClean="0"/>
+              <a:pPr/>
+              <a:t>1</a:t>
+            </a:fld>
+            <a:endParaRPr lang="fr-FR" dirty="0"/>
+          </a:p>
+        </p:txBody>
+      </p:sp>
+    </p:spTree>
+    <p:extLst>
+      <p:ext uri="{BB962C8B-B14F-4D97-AF65-F5344CB8AC3E}">
+        <p14:creationId xmlns:p14="http://schemas.microsoft.com/office/powerpoint/2010/main" val="3316614137"/>
+      </p:ext>
+    </p:extLst>
+  </p:cSld>
+  <p:clrMapOvr>
+    <a:masterClrMapping/>
+  </p:clrMapOvr>
+  <mc:AlternateContent xmlns:mc="http://schemas.openxmlformats.org/markup-compatibility/2006" xmlns:p14="http://schemas.microsoft.com/office/powerpoint/2010/main">
+    <mc:Choice Requires="p14">
+      <p:transition p14:dur="300" advTm="33275">
+        <p:fade/>
+      </p:transition>
+    </mc:Choice>
+    <mc:Fallback xmlns="">
+      <p:transition advTm="33275">
+        <p:fade/>
+      </p:transition>
+    </mc:Fallback>
+  </mc:AlternateContent>
+</p:sld>
+</file>
+
+<file path=ppt/slides/slide20.xml><?xml version="1.0" encoding="utf-8"?>
+<p:sld xmlns:a="http://schemas.openxmlformats.org/drawingml/2006/main" xmlns:r="http://schemas.openxmlformats.org/officeDocument/2006/relationships" xmlns:p="http://schemas.openxmlformats.org/presentationml/2006/main">
+  <p:cSld>
+    <p:spTree>
+      <p:nvGrpSpPr>
+        <p:cNvPr id="1" name=""/>
+        <p:cNvGrpSpPr/>
+        <p:nvPr/>
+      </p:nvGrpSpPr>
+      <p:grpSpPr>
+        <a:xfrm>
+          <a:off x="0" y="0"/>
+          <a:ext cx="0" cy="0"/>
+          <a:chOff x="0" y="0"/>
+          <a:chExt cx="0" cy="0"/>
+        </a:xfrm>
+      </p:grpSpPr>
+      <p:sp>
+        <p:nvSpPr>
+          <p:cNvPr id="2" name="Title 1">
+            <a:extLst>
+              <a:ext uri="{FF2B5EF4-FFF2-40B4-BE49-F238E27FC236}">
+                <a16:creationId xmlns:a16="http://schemas.microsoft.com/office/drawing/2014/main" id="{AF386504-8579-7B41-BE82-EE67EE603136}"/>
+              </a:ext>
+            </a:extLst>
+          </p:cNvPr>
+          <p:cNvSpPr>
+            <a:spLocks noGrp="1"/>
+          </p:cNvSpPr>
+          <p:nvPr>
+            <p:ph type="title"/>
+          </p:nvPr>
+        </p:nvSpPr>
+        <p:spPr/>
+        <p:txBody>
+          <a:bodyPr/>
+          <a:lstStyle/>
+          <a:p>
+            <a:r>
+              <a:rPr lang="en-US" dirty="0"/>
+              <a:t>Motivation and intuition</a:t>
+            </a:r>
+            <a:endParaRPr lang="en-US" sz="2100" dirty="0"/>
+          </a:p>
+        </p:txBody>
+      </p:sp>
+      <p:sp>
+        <p:nvSpPr>
+          <p:cNvPr id="4" name="Slide Number Placeholder 3">
+            <a:extLst>
+              <a:ext uri="{FF2B5EF4-FFF2-40B4-BE49-F238E27FC236}">
+                <a16:creationId xmlns:a16="http://schemas.microsoft.com/office/drawing/2014/main" id="{E0C96047-D3D7-9B47-A572-0F89788DF236}"/>
+              </a:ext>
+            </a:extLst>
+          </p:cNvPr>
+          <p:cNvSpPr>
+            <a:spLocks noGrp="1"/>
+          </p:cNvSpPr>
+          <p:nvPr>
+            <p:ph type="sldNum" sz="quarter" idx="12"/>
+          </p:nvPr>
+        </p:nvSpPr>
+        <p:spPr/>
+        <p:txBody>
+          <a:bodyPr/>
+          <a:lstStyle/>
+          <a:p>
+            <a:fld id="{30CCB0C1-2DF4-8B4C-AC0E-201D3DFFEAFD}" type="slidenum">
+              <a:rPr lang="fr-FR" smtClean="0"/>
+              <a:pPr/>
+              <a:t>19</a:t>
+            </a:fld>
+            <a:endParaRPr lang="fr-FR" dirty="0"/>
+          </a:p>
+        </p:txBody>
+      </p:sp>
+    </p:spTree>
+    <p:custDataLst>
+      <p:tags r:id="rId1"/>
+    </p:custDataLst>
+    <p:extLst>
+      <p:ext uri="{BB962C8B-B14F-4D97-AF65-F5344CB8AC3E}">
+        <p14:creationId xmlns:p14="http://schemas.microsoft.com/office/powerpoint/2010/main" val="3152224617"/>
+      </p:ext>
+    </p:extLst>
+  </p:cSld>
+  <p:clrMapOvr>
+    <a:masterClrMapping/>
+  </p:clrMapOvr>
+  <mc:AlternateContent xmlns:mc="http://schemas.openxmlformats.org/markup-compatibility/2006" xmlns:p14="http://schemas.microsoft.com/office/powerpoint/2010/main">
+    <mc:Choice Requires="p14">
+      <p:transition p14:dur="300" advTm="156321">
+        <p:fade/>
+      </p:transition>
+    </mc:Choice>
+    <mc:Fallback xmlns="">
+      <p:transition advTm="156321">
+        <p:fade/>
+      </p:transition>
+    </mc:Fallback>
+  </mc:AlternateContent>
+</p:sld>
+</file>
+
+<file path=ppt/slides/slide21.xml><?xml version="1.0" encoding="utf-8"?>
+<p:sld xmlns:a="http://schemas.openxmlformats.org/drawingml/2006/main" xmlns:r="http://schemas.openxmlformats.org/officeDocument/2006/relationships" xmlns:p="http://schemas.openxmlformats.org/presentationml/2006/main">
+  <p:cSld>
+    <p:spTree>
+      <p:nvGrpSpPr>
+        <p:cNvPr id="1" name=""/>
+        <p:cNvGrpSpPr/>
+        <p:nvPr/>
+      </p:nvGrpSpPr>
+      <p:grpSpPr>
+        <a:xfrm>
+          <a:off x="0" y="0"/>
+          <a:ext cx="0" cy="0"/>
+          <a:chOff x="0" y="0"/>
+          <a:chExt cx="0" cy="0"/>
+        </a:xfrm>
+      </p:grpSpPr>
+      <p:sp>
+        <p:nvSpPr>
+          <p:cNvPr id="2" name="Titre 1">
+            <a:extLst>
+              <a:ext uri="{FF2B5EF4-FFF2-40B4-BE49-F238E27FC236}">
+                <a16:creationId xmlns:a16="http://schemas.microsoft.com/office/drawing/2014/main" id="{5015436F-AD9D-7A45-A15D-EE00E6879EEE}"/>
+              </a:ext>
+            </a:extLst>
+          </p:cNvPr>
+          <p:cNvSpPr>
+            <a:spLocks noGrp="1"/>
+          </p:cNvSpPr>
+          <p:nvPr>
+            <p:ph type="title"/>
+          </p:nvPr>
+        </p:nvSpPr>
+        <p:spPr>
+          <a:xfrm>
+            <a:off x="133817" y="1169"/>
+            <a:ext cx="7611368" cy="680225"/>
+          </a:xfrm>
+        </p:spPr>
+        <p:txBody>
+          <a:bodyPr anchor="ctr">
+            <a:normAutofit/>
+          </a:bodyPr>
+          <a:lstStyle/>
+          <a:p>
+            <a:r>
+              <a:rPr lang="fr-FR" dirty="0"/>
+              <a:t>Data</a:t>
+            </a:r>
+          </a:p>
+        </p:txBody>
+      </p:sp>
+      <p:sp>
+        <p:nvSpPr>
+          <p:cNvPr id="4" name="Espace réservé du numéro de diapositive 3">
+            <a:extLst>
+              <a:ext uri="{FF2B5EF4-FFF2-40B4-BE49-F238E27FC236}">
+                <a16:creationId xmlns:a16="http://schemas.microsoft.com/office/drawing/2014/main" id="{C568EE19-E9A4-FB45-953C-774887FCF8A1}"/>
+              </a:ext>
+            </a:extLst>
+          </p:cNvPr>
+          <p:cNvSpPr>
+            <a:spLocks noGrp="1"/>
+          </p:cNvSpPr>
+          <p:nvPr>
+            <p:ph type="sldNum" sz="quarter" idx="12"/>
+          </p:nvPr>
+        </p:nvSpPr>
+        <p:spPr>
+          <a:xfrm>
+            <a:off x="8517869" y="6473117"/>
+            <a:ext cx="510928" cy="384883"/>
+          </a:xfrm>
+        </p:spPr>
+        <p:txBody>
+          <a:bodyPr anchor="ctr">
+            <a:normAutofit/>
+          </a:bodyPr>
+          <a:lstStyle/>
+          <a:p>
+            <a:pPr>
+              <a:spcAft>
+                <a:spcPts val="600"/>
+              </a:spcAft>
+            </a:pPr>
+            <a:fld id="{30CCB0C1-2DF4-8B4C-AC0E-201D3DFFEAFD}" type="slidenum">
+              <a:rPr lang="fr-FR" smtClean="0"/>
+              <a:pPr>
+                <a:spcAft>
+                  <a:spcPts val="600"/>
+                </a:spcAft>
+              </a:pPr>
+              <a:t>20</a:t>
+            </a:fld>
+            <a:endParaRPr lang="fr-FR"/>
+          </a:p>
+        </p:txBody>
+      </p:sp>
+      <p:pic>
+        <p:nvPicPr>
+          <p:cNvPr id="8" name="Espace réservé du contenu 7">
+            <a:extLst>
+              <a:ext uri="{FF2B5EF4-FFF2-40B4-BE49-F238E27FC236}">
+                <a16:creationId xmlns:a16="http://schemas.microsoft.com/office/drawing/2014/main" id="{214C0DDD-3D49-0F46-8238-DE0A4665F304}"/>
+              </a:ext>
+            </a:extLst>
+          </p:cNvPr>
+          <p:cNvPicPr>
+            <a:picLocks noGrp="1" noChangeAspect="1"/>
+          </p:cNvPicPr>
+          <p:nvPr>
+            <p:ph idx="1"/>
+          </p:nvPr>
+        </p:nvPicPr>
+        <p:blipFill>
+          <a:blip r:embed="rId3"/>
+          <a:stretch>
+            <a:fillRect/>
+          </a:stretch>
+        </p:blipFill>
+        <p:spPr>
+          <a:xfrm>
+            <a:off x="590550" y="1998622"/>
+            <a:ext cx="7962900" cy="3424318"/>
+          </a:xfrm>
+        </p:spPr>
+      </p:pic>
+    </p:spTree>
+    <p:extLst>
+      <p:ext uri="{BB962C8B-B14F-4D97-AF65-F5344CB8AC3E}">
+        <p14:creationId xmlns:p14="http://schemas.microsoft.com/office/powerpoint/2010/main" val="3952693525"/>
+      </p:ext>
+    </p:extLst>
+  </p:cSld>
+  <p:clrMapOvr>
+    <a:masterClrMapping/>
+  </p:clrMapOvr>
+</p:sld>
+</file>
+
+<file path=ppt/slides/slide22.xml><?xml version="1.0" encoding="utf-8"?>
+<p:sld xmlns:a="http://schemas.openxmlformats.org/drawingml/2006/main" xmlns:r="http://schemas.openxmlformats.org/officeDocument/2006/relationships" xmlns:p="http://schemas.openxmlformats.org/presentationml/2006/main">
+  <p:cSld>
+    <p:spTree>
+      <p:nvGrpSpPr>
+        <p:cNvPr id="1" name=""/>
+        <p:cNvGrpSpPr/>
+        <p:nvPr/>
+      </p:nvGrpSpPr>
+      <p:grpSpPr>
+        <a:xfrm>
+          <a:off x="0" y="0"/>
+          <a:ext cx="0" cy="0"/>
+          <a:chOff x="0" y="0"/>
+          <a:chExt cx="0" cy="0"/>
+        </a:xfrm>
+      </p:grpSpPr>
+      <p:sp>
+        <p:nvSpPr>
+          <p:cNvPr id="2" name="Titre 1">
+            <a:extLst>
+              <a:ext uri="{FF2B5EF4-FFF2-40B4-BE49-F238E27FC236}">
+                <a16:creationId xmlns:a16="http://schemas.microsoft.com/office/drawing/2014/main" id="{5015436F-AD9D-7A45-A15D-EE00E6879EEE}"/>
+              </a:ext>
+            </a:extLst>
+          </p:cNvPr>
+          <p:cNvSpPr>
+            <a:spLocks noGrp="1"/>
+          </p:cNvSpPr>
+          <p:nvPr>
+            <p:ph type="title"/>
+          </p:nvPr>
+        </p:nvSpPr>
+        <p:spPr>
+          <a:xfrm>
+            <a:off x="133817" y="1169"/>
+            <a:ext cx="7611368" cy="680225"/>
+          </a:xfrm>
+        </p:spPr>
+        <p:txBody>
+          <a:bodyPr anchor="ctr">
+            <a:normAutofit/>
+          </a:bodyPr>
+          <a:lstStyle/>
+          <a:p>
+            <a:r>
+              <a:rPr lang="fr-FR" dirty="0"/>
+              <a:t>Data</a:t>
+            </a:r>
+          </a:p>
+        </p:txBody>
+      </p:sp>
+      <p:sp>
+        <p:nvSpPr>
+          <p:cNvPr id="4" name="Espace réservé du numéro de diapositive 3">
+            <a:extLst>
+              <a:ext uri="{FF2B5EF4-FFF2-40B4-BE49-F238E27FC236}">
+                <a16:creationId xmlns:a16="http://schemas.microsoft.com/office/drawing/2014/main" id="{C568EE19-E9A4-FB45-953C-774887FCF8A1}"/>
+              </a:ext>
+            </a:extLst>
+          </p:cNvPr>
+          <p:cNvSpPr>
+            <a:spLocks noGrp="1"/>
+          </p:cNvSpPr>
+          <p:nvPr>
+            <p:ph type="sldNum" sz="quarter" idx="12"/>
+          </p:nvPr>
+        </p:nvSpPr>
+        <p:spPr>
+          <a:xfrm>
+            <a:off x="8517869" y="6473117"/>
+            <a:ext cx="510928" cy="384883"/>
+          </a:xfrm>
+        </p:spPr>
+        <p:txBody>
+          <a:bodyPr anchor="ctr">
+            <a:normAutofit/>
+          </a:bodyPr>
+          <a:lstStyle/>
+          <a:p>
+            <a:pPr>
+              <a:spcAft>
+                <a:spcPts val="600"/>
+              </a:spcAft>
+            </a:pPr>
+            <a:fld id="{30CCB0C1-2DF4-8B4C-AC0E-201D3DFFEAFD}" type="slidenum">
+              <a:rPr lang="fr-FR" smtClean="0"/>
+              <a:pPr>
+                <a:spcAft>
+                  <a:spcPts val="600"/>
+                </a:spcAft>
+              </a:pPr>
+              <a:t>21</a:t>
+            </a:fld>
+            <a:endParaRPr lang="fr-FR"/>
+          </a:p>
+        </p:txBody>
+      </p:sp>
+      <p:pic>
+        <p:nvPicPr>
+          <p:cNvPr id="10" name="Image 9">
+            <a:extLst>
+              <a:ext uri="{FF2B5EF4-FFF2-40B4-BE49-F238E27FC236}">
+                <a16:creationId xmlns:a16="http://schemas.microsoft.com/office/drawing/2014/main" id="{52DA02E3-1568-6A45-B108-D5C2AE3DAF63}"/>
+              </a:ext>
+            </a:extLst>
+          </p:cNvPr>
+          <p:cNvPicPr>
+            <a:picLocks noChangeAspect="1"/>
+          </p:cNvPicPr>
+          <p:nvPr/>
+        </p:nvPicPr>
+        <p:blipFill>
+          <a:blip r:embed="rId3"/>
+          <a:stretch>
+            <a:fillRect/>
+          </a:stretch>
+        </p:blipFill>
+        <p:spPr>
+          <a:xfrm>
+            <a:off x="325464" y="1896178"/>
+            <a:ext cx="4572000" cy="3627984"/>
+          </a:xfrm>
+          <a:prstGeom prst="rect">
+            <a:avLst/>
+          </a:prstGeom>
+        </p:spPr>
+      </p:pic>
+      <p:sp>
+        <p:nvSpPr>
+          <p:cNvPr id="5" name="Espace réservé du contenu 4">
+            <a:extLst>
+              <a:ext uri="{FF2B5EF4-FFF2-40B4-BE49-F238E27FC236}">
+                <a16:creationId xmlns:a16="http://schemas.microsoft.com/office/drawing/2014/main" id="{098442A7-3C74-D14A-AF15-F0103BC02A15}"/>
+              </a:ext>
+            </a:extLst>
+          </p:cNvPr>
+          <p:cNvSpPr>
+            <a:spLocks noGrp="1"/>
+          </p:cNvSpPr>
+          <p:nvPr>
+            <p:ph idx="1"/>
+          </p:nvPr>
+        </p:nvSpPr>
+        <p:spPr>
+          <a:xfrm>
+            <a:off x="5033355" y="1175657"/>
+            <a:ext cx="3519631" cy="5069026"/>
+          </a:xfrm>
+        </p:spPr>
+        <p:txBody>
+          <a:bodyPr/>
+          <a:lstStyle/>
+          <a:p>
+            <a:endParaRPr lang="fr-FR" dirty="0"/>
+          </a:p>
+        </p:txBody>
+      </p:sp>
+    </p:spTree>
+    <p:extLst>
+      <p:ext uri="{BB962C8B-B14F-4D97-AF65-F5344CB8AC3E}">
+        <p14:creationId xmlns:p14="http://schemas.microsoft.com/office/powerpoint/2010/main" val="2290165885"/>
+      </p:ext>
+    </p:extLst>
+  </p:cSld>
+  <p:clrMapOvr>
+    <a:masterClrMapping/>
+  </p:clrMapOvr>
+</p:sld>
+</file>
+
+<file path=ppt/slides/slide23.xml><?xml version="1.0" encoding="utf-8"?>
+<p:sld xmlns:a="http://schemas.openxmlformats.org/drawingml/2006/main" xmlns:r="http://schemas.openxmlformats.org/officeDocument/2006/relationships" xmlns:p="http://schemas.openxmlformats.org/presentationml/2006/main">
+  <p:cSld>
+    <p:spTree>
+      <p:nvGrpSpPr>
+        <p:cNvPr id="1" name=""/>
+        <p:cNvGrpSpPr/>
+        <p:nvPr/>
+      </p:nvGrpSpPr>
+      <p:grpSpPr>
+        <a:xfrm>
+          <a:off x="0" y="0"/>
+          <a:ext cx="0" cy="0"/>
+          <a:chOff x="0" y="0"/>
+          <a:chExt cx="0" cy="0"/>
+        </a:xfrm>
+      </p:grpSpPr>
+      <p:sp>
+        <p:nvSpPr>
+          <p:cNvPr id="2" name="Titre 1">
+            <a:extLst>
+              <a:ext uri="{FF2B5EF4-FFF2-40B4-BE49-F238E27FC236}">
+                <a16:creationId xmlns:a16="http://schemas.microsoft.com/office/drawing/2014/main" id="{514D52B5-521D-6E42-9830-5360E9A4FF61}"/>
+              </a:ext>
+            </a:extLst>
+          </p:cNvPr>
+          <p:cNvSpPr>
+            <a:spLocks noGrp="1"/>
+          </p:cNvSpPr>
+          <p:nvPr>
+            <p:ph type="title"/>
+          </p:nvPr>
+        </p:nvSpPr>
+        <p:spPr/>
+        <p:txBody>
+          <a:bodyPr/>
+          <a:lstStyle/>
+          <a:p>
+            <a:r>
+              <a:rPr lang="fr-FR" dirty="0" err="1"/>
+              <a:t>Related</a:t>
+            </a:r>
+            <a:r>
+              <a:rPr lang="fr-FR" dirty="0"/>
+              <a:t> </a:t>
+            </a:r>
+            <a:r>
+              <a:rPr lang="fr-FR" dirty="0" err="1"/>
+              <a:t>work</a:t>
+            </a:r>
+            <a:endParaRPr lang="fr-FR" dirty="0"/>
+          </a:p>
+        </p:txBody>
+      </p:sp>
+      <p:sp>
+        <p:nvSpPr>
+          <p:cNvPr id="3" name="Espace réservé du contenu 2">
+            <a:extLst>
+              <a:ext uri="{FF2B5EF4-FFF2-40B4-BE49-F238E27FC236}">
+                <a16:creationId xmlns:a16="http://schemas.microsoft.com/office/drawing/2014/main" id="{1498CFD8-C77C-FB40-82EE-F807260D733C}"/>
+              </a:ext>
+            </a:extLst>
+          </p:cNvPr>
+          <p:cNvSpPr>
+            <a:spLocks noGrp="1"/>
+          </p:cNvSpPr>
+          <p:nvPr>
+            <p:ph idx="1"/>
+          </p:nvPr>
+        </p:nvSpPr>
+        <p:spPr/>
+        <p:txBody>
+          <a:bodyPr/>
+          <a:lstStyle/>
+          <a:p>
+            <a:endParaRPr lang="fr-FR" dirty="0"/>
+          </a:p>
+        </p:txBody>
+      </p:sp>
+      <p:sp>
+        <p:nvSpPr>
+          <p:cNvPr id="4" name="Espace réservé du numéro de diapositive 3">
+            <a:extLst>
+              <a:ext uri="{FF2B5EF4-FFF2-40B4-BE49-F238E27FC236}">
+                <a16:creationId xmlns:a16="http://schemas.microsoft.com/office/drawing/2014/main" id="{92368015-76A4-9743-9812-5FD1AA428375}"/>
+              </a:ext>
+            </a:extLst>
+          </p:cNvPr>
+          <p:cNvSpPr>
+            <a:spLocks noGrp="1"/>
+          </p:cNvSpPr>
+          <p:nvPr>
+            <p:ph type="sldNum" sz="quarter" idx="12"/>
+          </p:nvPr>
+        </p:nvSpPr>
+        <p:spPr/>
+        <p:txBody>
+          <a:bodyPr/>
+          <a:lstStyle/>
+          <a:p>
+            <a:fld id="{30CCB0C1-2DF4-8B4C-AC0E-201D3DFFEAFD}" type="slidenum">
+              <a:rPr lang="fr-FR" smtClean="0"/>
+              <a:pPr/>
+              <a:t>22</a:t>
+            </a:fld>
+            <a:endParaRPr lang="fr-FR" dirty="0"/>
+          </a:p>
+        </p:txBody>
+      </p:sp>
+    </p:spTree>
+    <p:extLst>
+      <p:ext uri="{BB962C8B-B14F-4D97-AF65-F5344CB8AC3E}">
+        <p14:creationId xmlns:p14="http://schemas.microsoft.com/office/powerpoint/2010/main" val="2758185839"/>
+      </p:ext>
+    </p:extLst>
+  </p:cSld>
+  <p:clrMapOvr>
+    <a:masterClrMapping/>
+  </p:clrMapOvr>
+</p:sld>
+</file>
+
+<file path=ppt/slides/slide24.xml><?xml version="1.0" encoding="utf-8"?>
+<p:sld xmlns:a="http://schemas.openxmlformats.org/drawingml/2006/main" xmlns:r="http://schemas.openxmlformats.org/officeDocument/2006/relationships" xmlns:p="http://schemas.openxmlformats.org/presentationml/2006/main">
+  <p:cSld>
+    <p:spTree>
+      <p:nvGrpSpPr>
+        <p:cNvPr id="1" name=""/>
+        <p:cNvGrpSpPr/>
+        <p:nvPr/>
+      </p:nvGrpSpPr>
+      <p:grpSpPr>
+        <a:xfrm>
+          <a:off x="0" y="0"/>
+          <a:ext cx="0" cy="0"/>
+          <a:chOff x="0" y="0"/>
+          <a:chExt cx="0" cy="0"/>
+        </a:xfrm>
+      </p:grpSpPr>
+      <p:sp>
+        <p:nvSpPr>
+          <p:cNvPr id="2" name="Titre 1">
+            <a:extLst>
+              <a:ext uri="{FF2B5EF4-FFF2-40B4-BE49-F238E27FC236}">
+                <a16:creationId xmlns:a16="http://schemas.microsoft.com/office/drawing/2014/main" id="{5015436F-AD9D-7A45-A15D-EE00E6879EEE}"/>
+              </a:ext>
+            </a:extLst>
+          </p:cNvPr>
+          <p:cNvSpPr>
+            <a:spLocks noGrp="1"/>
+          </p:cNvSpPr>
+          <p:nvPr>
+            <p:ph type="title"/>
+          </p:nvPr>
+        </p:nvSpPr>
+        <p:spPr>
+          <a:xfrm>
+            <a:off x="133817" y="1169"/>
+            <a:ext cx="7611368" cy="680225"/>
+          </a:xfrm>
+        </p:spPr>
+        <p:txBody>
+          <a:bodyPr anchor="ctr">
+            <a:normAutofit/>
+          </a:bodyPr>
+          <a:lstStyle/>
+          <a:p>
+            <a:r>
+              <a:rPr lang="fr-FR" dirty="0"/>
+              <a:t>The model : </a:t>
+            </a:r>
+            <a:r>
+              <a:rPr lang="fr-FR" dirty="0" err="1"/>
+              <a:t>Resumé</a:t>
+            </a:r>
+            <a:endParaRPr lang="fr-FR" dirty="0"/>
+          </a:p>
+        </p:txBody>
+      </p:sp>
+      <p:sp>
+        <p:nvSpPr>
+          <p:cNvPr id="4" name="Espace réservé du numéro de diapositive 3">
+            <a:extLst>
+              <a:ext uri="{FF2B5EF4-FFF2-40B4-BE49-F238E27FC236}">
+                <a16:creationId xmlns:a16="http://schemas.microsoft.com/office/drawing/2014/main" id="{C568EE19-E9A4-FB45-953C-774887FCF8A1}"/>
+              </a:ext>
+            </a:extLst>
+          </p:cNvPr>
+          <p:cNvSpPr>
+            <a:spLocks noGrp="1"/>
+          </p:cNvSpPr>
+          <p:nvPr>
+            <p:ph type="sldNum" sz="quarter" idx="12"/>
+          </p:nvPr>
+        </p:nvSpPr>
+        <p:spPr>
+          <a:xfrm>
+            <a:off x="8517869" y="6473117"/>
+            <a:ext cx="510928" cy="384883"/>
+          </a:xfrm>
+        </p:spPr>
+        <p:txBody>
+          <a:bodyPr anchor="ctr">
+            <a:normAutofit/>
+          </a:bodyPr>
+          <a:lstStyle/>
+          <a:p>
+            <a:pPr>
+              <a:spcAft>
+                <a:spcPts val="600"/>
+              </a:spcAft>
+            </a:pPr>
+            <a:fld id="{30CCB0C1-2DF4-8B4C-AC0E-201D3DFFEAFD}" type="slidenum">
+              <a:rPr lang="fr-FR" smtClean="0"/>
+              <a:pPr>
+                <a:spcAft>
+                  <a:spcPts val="600"/>
+                </a:spcAft>
+              </a:pPr>
+              <a:t>23</a:t>
+            </a:fld>
+            <a:endParaRPr lang="fr-FR"/>
+          </a:p>
+        </p:txBody>
+      </p:sp>
+      <p:pic>
+        <p:nvPicPr>
+          <p:cNvPr id="8" name="Espace réservé du contenu 7">
+            <a:extLst>
+              <a:ext uri="{FF2B5EF4-FFF2-40B4-BE49-F238E27FC236}">
+                <a16:creationId xmlns:a16="http://schemas.microsoft.com/office/drawing/2014/main" id="{E9A79AB1-4E8B-364C-B3E2-DC99C829F36E}"/>
+              </a:ext>
+            </a:extLst>
+          </p:cNvPr>
+          <p:cNvPicPr>
+            <a:picLocks noGrp="1" noChangeAspect="1"/>
+          </p:cNvPicPr>
+          <p:nvPr>
+            <p:ph idx="1"/>
+          </p:nvPr>
+        </p:nvPicPr>
+        <p:blipFill>
+          <a:blip r:embed="rId3"/>
+          <a:stretch>
+            <a:fillRect/>
+          </a:stretch>
+        </p:blipFill>
+        <p:spPr>
+          <a:xfrm>
+            <a:off x="1028700" y="1399381"/>
+            <a:ext cx="7086600" cy="4622800"/>
+          </a:xfrm>
+        </p:spPr>
+      </p:pic>
+    </p:spTree>
+    <p:extLst>
+      <p:ext uri="{BB962C8B-B14F-4D97-AF65-F5344CB8AC3E}">
+        <p14:creationId xmlns:p14="http://schemas.microsoft.com/office/powerpoint/2010/main" val="4124801328"/>
+      </p:ext>
+    </p:extLst>
+  </p:cSld>
+  <p:clrMapOvr>
+    <a:masterClrMapping/>
+  </p:clrMapOvr>
+</p:sld>
+</file>
+
+<file path=ppt/slides/slide25.xml><?xml version="1.0" encoding="utf-8"?>
+<p:sld xmlns:a="http://schemas.openxmlformats.org/drawingml/2006/main" xmlns:r="http://schemas.openxmlformats.org/officeDocument/2006/relationships" xmlns:p="http://schemas.openxmlformats.org/presentationml/2006/main">
+  <p:cSld>
+    <p:spTree>
+      <p:nvGrpSpPr>
+        <p:cNvPr id="1" name=""/>
+        <p:cNvGrpSpPr/>
+        <p:nvPr/>
+      </p:nvGrpSpPr>
+      <p:grpSpPr>
+        <a:xfrm>
+          <a:off x="0" y="0"/>
+          <a:ext cx="0" cy="0"/>
+          <a:chOff x="0" y="0"/>
+          <a:chExt cx="0" cy="0"/>
+        </a:xfrm>
+      </p:grpSpPr>
+      <p:sp>
+        <p:nvSpPr>
+          <p:cNvPr id="2" name="Titre 1">
+            <a:extLst>
+              <a:ext uri="{FF2B5EF4-FFF2-40B4-BE49-F238E27FC236}">
+                <a16:creationId xmlns:a16="http://schemas.microsoft.com/office/drawing/2014/main" id="{5015436F-AD9D-7A45-A15D-EE00E6879EEE}"/>
+              </a:ext>
+            </a:extLst>
+          </p:cNvPr>
+          <p:cNvSpPr>
+            <a:spLocks noGrp="1"/>
+          </p:cNvSpPr>
+          <p:nvPr>
+            <p:ph type="title"/>
+          </p:nvPr>
+        </p:nvSpPr>
+        <p:spPr>
+          <a:xfrm>
+            <a:off x="133817" y="1169"/>
+            <a:ext cx="7611368" cy="680225"/>
+          </a:xfrm>
+        </p:spPr>
+        <p:txBody>
+          <a:bodyPr anchor="ctr">
+            <a:normAutofit/>
+          </a:bodyPr>
+          <a:lstStyle/>
+          <a:p>
+            <a:r>
+              <a:rPr lang="fr-FR" dirty="0"/>
+              <a:t>The model : </a:t>
+            </a:r>
+            <a:r>
+              <a:rPr lang="fr-FR" dirty="0" err="1"/>
+              <a:t>Resumé</a:t>
+            </a:r>
+            <a:endParaRPr lang="fr-FR" dirty="0"/>
+          </a:p>
+        </p:txBody>
+      </p:sp>
+      <p:sp>
+        <p:nvSpPr>
+          <p:cNvPr id="4" name="Espace réservé du numéro de diapositive 3">
+            <a:extLst>
+              <a:ext uri="{FF2B5EF4-FFF2-40B4-BE49-F238E27FC236}">
+                <a16:creationId xmlns:a16="http://schemas.microsoft.com/office/drawing/2014/main" id="{C568EE19-E9A4-FB45-953C-774887FCF8A1}"/>
+              </a:ext>
+            </a:extLst>
+          </p:cNvPr>
+          <p:cNvSpPr>
+            <a:spLocks noGrp="1"/>
+          </p:cNvSpPr>
+          <p:nvPr>
+            <p:ph type="sldNum" sz="quarter" idx="12"/>
+          </p:nvPr>
+        </p:nvSpPr>
+        <p:spPr>
+          <a:xfrm>
+            <a:off x="8517869" y="6473117"/>
+            <a:ext cx="510928" cy="384883"/>
+          </a:xfrm>
+        </p:spPr>
+        <p:txBody>
+          <a:bodyPr anchor="ctr">
+            <a:normAutofit/>
+          </a:bodyPr>
+          <a:lstStyle/>
+          <a:p>
+            <a:pPr>
+              <a:spcAft>
+                <a:spcPts val="600"/>
+              </a:spcAft>
+            </a:pPr>
+            <a:fld id="{30CCB0C1-2DF4-8B4C-AC0E-201D3DFFEAFD}" type="slidenum">
+              <a:rPr lang="fr-FR" smtClean="0"/>
+              <a:pPr>
+                <a:spcAft>
+                  <a:spcPts val="600"/>
+                </a:spcAft>
+              </a:pPr>
+              <a:t>24</a:t>
+            </a:fld>
+            <a:endParaRPr lang="fr-FR"/>
+          </a:p>
+        </p:txBody>
+      </p:sp>
+      <p:pic>
+        <p:nvPicPr>
+          <p:cNvPr id="7" name="Espace réservé du contenu 6">
+            <a:extLst>
+              <a:ext uri="{FF2B5EF4-FFF2-40B4-BE49-F238E27FC236}">
+                <a16:creationId xmlns:a16="http://schemas.microsoft.com/office/drawing/2014/main" id="{5F82987C-80EC-004C-AC0E-7FE5E447D8C3}"/>
+              </a:ext>
+            </a:extLst>
+          </p:cNvPr>
+          <p:cNvPicPr>
+            <a:picLocks noGrp="1" noChangeAspect="1"/>
+          </p:cNvPicPr>
+          <p:nvPr>
+            <p:ph idx="1"/>
+          </p:nvPr>
+        </p:nvPicPr>
+        <p:blipFill>
+          <a:blip r:embed="rId3"/>
+          <a:stretch>
+            <a:fillRect/>
+          </a:stretch>
+        </p:blipFill>
+        <p:spPr>
+          <a:xfrm>
+            <a:off x="590550" y="2856315"/>
+            <a:ext cx="7962900" cy="1708932"/>
+          </a:xfrm>
+        </p:spPr>
+      </p:pic>
+    </p:spTree>
+    <p:extLst>
+      <p:ext uri="{BB962C8B-B14F-4D97-AF65-F5344CB8AC3E}">
+        <p14:creationId xmlns:p14="http://schemas.microsoft.com/office/powerpoint/2010/main" val="2490127368"/>
+      </p:ext>
+    </p:extLst>
+  </p:cSld>
+  <p:clrMapOvr>
+    <a:masterClrMapping/>
+  </p:clrMapOvr>
+</p:sld>
+</file>
+
+<file path=ppt/slides/slide26.xml><?xml version="1.0" encoding="utf-8"?>
+<p:sld xmlns:a="http://schemas.openxmlformats.org/drawingml/2006/main" xmlns:r="http://schemas.openxmlformats.org/officeDocument/2006/relationships" xmlns:p="http://schemas.openxmlformats.org/presentationml/2006/main">
+  <p:cSld>
+    <p:spTree>
+      <p:nvGrpSpPr>
+        <p:cNvPr id="1" name=""/>
+        <p:cNvGrpSpPr/>
+        <p:nvPr/>
+      </p:nvGrpSpPr>
+      <p:grpSpPr>
+        <a:xfrm>
+          <a:off x="0" y="0"/>
+          <a:ext cx="0" cy="0"/>
+          <a:chOff x="0" y="0"/>
+          <a:chExt cx="0" cy="0"/>
+        </a:xfrm>
+      </p:grpSpPr>
+      <p:sp>
+        <p:nvSpPr>
+          <p:cNvPr id="5" name="Title 4">
+            <a:extLst>
+              <a:ext uri="{FF2B5EF4-FFF2-40B4-BE49-F238E27FC236}">
+                <a16:creationId xmlns:a16="http://schemas.microsoft.com/office/drawing/2014/main" id="{B243374C-AC17-ED43-BBA6-3DF126A003A7}"/>
+              </a:ext>
+            </a:extLst>
+          </p:cNvPr>
+          <p:cNvSpPr>
+            <a:spLocks noGrp="1"/>
+          </p:cNvSpPr>
+          <p:nvPr>
+            <p:ph type="title"/>
+          </p:nvPr>
+        </p:nvSpPr>
+        <p:spPr>
+          <a:xfrm>
+            <a:off x="826358" y="522095"/>
+            <a:ext cx="7393259" cy="1972587"/>
+          </a:xfrm>
+        </p:spPr>
+        <p:txBody>
+          <a:bodyPr/>
+          <a:lstStyle/>
+          <a:p>
+            <a:r>
+              <a:rPr lang="en-US" dirty="0"/>
+              <a:t>USER DYNAMIC MODELING</a:t>
+            </a:r>
+            <a:endParaRPr lang="en-US" sz="3200" dirty="0">
+              <a:latin typeface="+mn-lt"/>
+            </a:endParaRPr>
+          </a:p>
+        </p:txBody>
+      </p:sp>
+    </p:spTree>
+    <p:extLst>
+      <p:ext uri="{BB962C8B-B14F-4D97-AF65-F5344CB8AC3E}">
+        <p14:creationId xmlns:p14="http://schemas.microsoft.com/office/powerpoint/2010/main" val="458297028"/>
+      </p:ext>
+    </p:extLst>
+  </p:cSld>
+  <p:clrMapOvr>
+    <a:masterClrMapping/>
+  </p:clrMapOvr>
+  <mc:AlternateContent xmlns:mc="http://schemas.openxmlformats.org/markup-compatibility/2006" xmlns:p14="http://schemas.microsoft.com/office/powerpoint/2010/main">
+    <mc:Choice Requires="p14">
+      <p:transition p14:dur="300" advTm="19187">
+        <p:fade/>
+      </p:transition>
+    </mc:Choice>
+    <mc:Fallback xmlns="">
+      <p:transition advTm="19187">
+        <p:fade/>
+      </p:transition>
+    </mc:Fallback>
+  </mc:AlternateContent>
+</p:sld>
+</file>
+
+<file path=ppt/slides/slide27.xml><?xml version="1.0" encoding="utf-8"?>
+<p:sld xmlns:a="http://schemas.openxmlformats.org/drawingml/2006/main" xmlns:r="http://schemas.openxmlformats.org/officeDocument/2006/relationships" xmlns:p="http://schemas.openxmlformats.org/presentationml/2006/main">
+  <p:cSld>
+    <p:spTree>
+      <p:nvGrpSpPr>
+        <p:cNvPr id="1" name=""/>
+        <p:cNvGrpSpPr/>
+        <p:nvPr/>
+      </p:nvGrpSpPr>
+      <p:grpSpPr>
+        <a:xfrm>
+          <a:off x="0" y="0"/>
+          <a:ext cx="0" cy="0"/>
+          <a:chOff x="0" y="0"/>
+          <a:chExt cx="0" cy="0"/>
+        </a:xfrm>
+      </p:grpSpPr>
+      <p:sp>
+        <p:nvSpPr>
+          <p:cNvPr id="8" name="Title 1">
+            <a:extLst>
+              <a:ext uri="{FF2B5EF4-FFF2-40B4-BE49-F238E27FC236}">
+                <a16:creationId xmlns:a16="http://schemas.microsoft.com/office/drawing/2014/main" id="{BFFFF855-F9DB-414A-8D73-4494059A7D20}"/>
+              </a:ext>
+            </a:extLst>
+          </p:cNvPr>
+          <p:cNvSpPr>
+            <a:spLocks noGrp="1"/>
+          </p:cNvSpPr>
+          <p:nvPr>
+            <p:ph type="title"/>
+          </p:nvPr>
+        </p:nvSpPr>
+        <p:spPr>
+          <a:xfrm>
+            <a:off x="133817" y="1169"/>
+            <a:ext cx="7611368" cy="680225"/>
+          </a:xfrm>
+        </p:spPr>
+        <p:txBody>
+          <a:bodyPr/>
+          <a:lstStyle/>
+          <a:p>
+            <a:r>
+              <a:rPr lang="en-US" dirty="0"/>
+              <a:t>Job Expertise Rewriting</a:t>
+            </a:r>
+          </a:p>
+        </p:txBody>
+      </p:sp>
+      <p:pic>
+        <p:nvPicPr>
+          <p:cNvPr id="5" name="Espace réservé du contenu 4">
+            <a:extLst>
+              <a:ext uri="{FF2B5EF4-FFF2-40B4-BE49-F238E27FC236}">
+                <a16:creationId xmlns:a16="http://schemas.microsoft.com/office/drawing/2014/main" id="{72488922-EB48-C84A-B79F-51805216CC4E}"/>
+              </a:ext>
+            </a:extLst>
+          </p:cNvPr>
+          <p:cNvPicPr>
+            <a:picLocks noGrp="1" noChangeAspect="1"/>
+          </p:cNvPicPr>
+          <p:nvPr>
+            <p:ph idx="1"/>
+          </p:nvPr>
+        </p:nvPicPr>
+        <p:blipFill>
+          <a:blip r:embed="rId2"/>
+          <a:stretch>
+            <a:fillRect/>
+          </a:stretch>
+        </p:blipFill>
+        <p:spPr>
+          <a:xfrm>
+            <a:off x="1405263" y="1176338"/>
+            <a:ext cx="6333474" cy="5068887"/>
+          </a:xfrm>
+        </p:spPr>
+      </p:pic>
+      <p:sp>
+        <p:nvSpPr>
+          <p:cNvPr id="3" name="Espace réservé du numéro de diapositive 2">
+            <a:extLst>
+              <a:ext uri="{FF2B5EF4-FFF2-40B4-BE49-F238E27FC236}">
+                <a16:creationId xmlns:a16="http://schemas.microsoft.com/office/drawing/2014/main" id="{5F4596CD-26CC-534D-834A-C8CC7452969E}"/>
+              </a:ext>
+            </a:extLst>
+          </p:cNvPr>
+          <p:cNvSpPr>
+            <a:spLocks noGrp="1"/>
+          </p:cNvSpPr>
+          <p:nvPr>
+            <p:ph type="sldNum" sz="quarter" idx="12"/>
+          </p:nvPr>
+        </p:nvSpPr>
+        <p:spPr>
+          <a:xfrm>
+            <a:off x="8517869" y="6473117"/>
+            <a:ext cx="510928" cy="384883"/>
+          </a:xfrm>
+        </p:spPr>
+        <p:txBody>
+          <a:bodyPr anchor="ctr">
+            <a:normAutofit/>
+          </a:bodyPr>
+          <a:lstStyle/>
+          <a:p>
+            <a:pPr>
+              <a:spcAft>
+                <a:spcPts val="600"/>
+              </a:spcAft>
+            </a:pPr>
+            <a:fld id="{30CCB0C1-2DF4-8B4C-AC0E-201D3DFFEAFD}" type="slidenum">
+              <a:rPr lang="fr-FR" smtClean="0"/>
+              <a:pPr>
+                <a:spcAft>
+                  <a:spcPts val="600"/>
+                </a:spcAft>
+              </a:pPr>
+              <a:t>26</a:t>
+            </a:fld>
+            <a:endParaRPr lang="fr-FR"/>
+          </a:p>
+        </p:txBody>
+      </p:sp>
+    </p:spTree>
+    <p:extLst>
+      <p:ext uri="{BB962C8B-B14F-4D97-AF65-F5344CB8AC3E}">
+        <p14:creationId xmlns:p14="http://schemas.microsoft.com/office/powerpoint/2010/main" val="1340268092"/>
+      </p:ext>
+    </p:extLst>
+  </p:cSld>
+  <p:clrMapOvr>
+    <a:masterClrMapping/>
+  </p:clrMapOvr>
+</p:sld>
+</file>
+
+<file path=ppt/slides/slide28.xml><?xml version="1.0" encoding="utf-8"?>
+<p:sld xmlns:a="http://schemas.openxmlformats.org/drawingml/2006/main" xmlns:r="http://schemas.openxmlformats.org/officeDocument/2006/relationships" xmlns:p="http://schemas.openxmlformats.org/presentationml/2006/main">
+  <p:cSld>
+    <p:spTree>
+      <p:nvGrpSpPr>
+        <p:cNvPr id="1" name=""/>
+        <p:cNvGrpSpPr/>
+        <p:nvPr/>
+      </p:nvGrpSpPr>
+      <p:grpSpPr>
+        <a:xfrm>
+          <a:off x="0" y="0"/>
+          <a:ext cx="0" cy="0"/>
+          <a:chOff x="0" y="0"/>
+          <a:chExt cx="0" cy="0"/>
+        </a:xfrm>
+      </p:grpSpPr>
+      <p:sp>
+        <p:nvSpPr>
+          <p:cNvPr id="8" name="Title 1">
+            <a:extLst>
+              <a:ext uri="{FF2B5EF4-FFF2-40B4-BE49-F238E27FC236}">
+                <a16:creationId xmlns:a16="http://schemas.microsoft.com/office/drawing/2014/main" id="{BFFFF855-F9DB-414A-8D73-4494059A7D20}"/>
+              </a:ext>
+            </a:extLst>
+          </p:cNvPr>
+          <p:cNvSpPr>
+            <a:spLocks noGrp="1"/>
+          </p:cNvSpPr>
+          <p:nvPr>
+            <p:ph type="title"/>
+          </p:nvPr>
+        </p:nvSpPr>
+        <p:spPr>
+          <a:xfrm>
+            <a:off x="133817" y="1169"/>
+            <a:ext cx="7611368" cy="680225"/>
+          </a:xfrm>
+        </p:spPr>
+        <p:txBody>
+          <a:bodyPr/>
+          <a:lstStyle/>
+          <a:p>
+            <a:r>
+              <a:rPr lang="fr-FR" dirty="0" err="1"/>
+              <a:t>Industry</a:t>
+            </a:r>
+            <a:r>
+              <a:rPr lang="fr-FR" dirty="0"/>
+              <a:t> Latent </a:t>
+            </a:r>
+            <a:r>
+              <a:rPr lang="fr-FR" dirty="0" err="1"/>
+              <a:t>Space</a:t>
+            </a:r>
+            <a:r>
+              <a:rPr lang="fr-FR" dirty="0"/>
+              <a:t> </a:t>
+            </a:r>
+            <a:r>
+              <a:rPr lang="fr-FR" dirty="0" err="1"/>
+              <a:t>Structuring</a:t>
+            </a:r>
+            <a:r>
+              <a:rPr lang="fr-FR" dirty="0"/>
+              <a:t> via VAE </a:t>
+            </a:r>
+          </a:p>
+        </p:txBody>
+      </p:sp>
+      <p:sp>
+        <p:nvSpPr>
+          <p:cNvPr id="3" name="Espace réservé du numéro de diapositive 2">
+            <a:extLst>
+              <a:ext uri="{FF2B5EF4-FFF2-40B4-BE49-F238E27FC236}">
+                <a16:creationId xmlns:a16="http://schemas.microsoft.com/office/drawing/2014/main" id="{5F4596CD-26CC-534D-834A-C8CC7452969E}"/>
+              </a:ext>
+            </a:extLst>
+          </p:cNvPr>
+          <p:cNvSpPr>
+            <a:spLocks noGrp="1"/>
+          </p:cNvSpPr>
+          <p:nvPr>
+            <p:ph type="sldNum" sz="quarter" idx="12"/>
+          </p:nvPr>
+        </p:nvSpPr>
+        <p:spPr>
+          <a:xfrm>
+            <a:off x="8517869" y="6473117"/>
+            <a:ext cx="510928" cy="384883"/>
+          </a:xfrm>
+        </p:spPr>
+        <p:txBody>
+          <a:bodyPr anchor="ctr">
+            <a:normAutofit/>
+          </a:bodyPr>
+          <a:lstStyle/>
+          <a:p>
+            <a:pPr>
+              <a:spcAft>
+                <a:spcPts val="600"/>
+              </a:spcAft>
+            </a:pPr>
+            <a:fld id="{30CCB0C1-2DF4-8B4C-AC0E-201D3DFFEAFD}" type="slidenum">
+              <a:rPr lang="fr-FR" smtClean="0"/>
+              <a:pPr>
+                <a:spcAft>
+                  <a:spcPts val="600"/>
+                </a:spcAft>
+              </a:pPr>
+              <a:t>27</a:t>
+            </a:fld>
+            <a:endParaRPr lang="fr-FR"/>
+          </a:p>
+        </p:txBody>
+      </p:sp>
+      <p:pic>
+        <p:nvPicPr>
+          <p:cNvPr id="9" name="Espace réservé du contenu 8">
+            <a:extLst>
+              <a:ext uri="{FF2B5EF4-FFF2-40B4-BE49-F238E27FC236}">
+                <a16:creationId xmlns:a16="http://schemas.microsoft.com/office/drawing/2014/main" id="{48632385-F84A-7C47-B551-621E08CF067D}"/>
+              </a:ext>
+            </a:extLst>
+          </p:cNvPr>
+          <p:cNvPicPr>
+            <a:picLocks noGrp="1" noChangeAspect="1"/>
+          </p:cNvPicPr>
+          <p:nvPr>
+            <p:ph idx="1"/>
+          </p:nvPr>
+        </p:nvPicPr>
+        <p:blipFill>
+          <a:blip r:embed="rId2"/>
+          <a:stretch>
+            <a:fillRect/>
+          </a:stretch>
+        </p:blipFill>
+        <p:spPr>
+          <a:xfrm>
+            <a:off x="868659" y="1824048"/>
+            <a:ext cx="5315164" cy="2825626"/>
+          </a:xfrm>
+        </p:spPr>
+      </p:pic>
+      <p:pic>
+        <p:nvPicPr>
+          <p:cNvPr id="12" name="Image 11">
+            <a:extLst>
+              <a:ext uri="{FF2B5EF4-FFF2-40B4-BE49-F238E27FC236}">
+                <a16:creationId xmlns:a16="http://schemas.microsoft.com/office/drawing/2014/main" id="{2A372598-6B0B-5A4B-9F78-8BC815E75A10}"/>
+              </a:ext>
+            </a:extLst>
+          </p:cNvPr>
+          <p:cNvPicPr>
+            <a:picLocks noChangeAspect="1"/>
+          </p:cNvPicPr>
+          <p:nvPr/>
+        </p:nvPicPr>
+        <p:blipFill>
+          <a:blip r:embed="rId3"/>
+          <a:stretch>
+            <a:fillRect/>
+          </a:stretch>
+        </p:blipFill>
+        <p:spPr>
+          <a:xfrm>
+            <a:off x="5282297" y="2704345"/>
+            <a:ext cx="3746500" cy="3340100"/>
+          </a:xfrm>
+          <a:prstGeom prst="rect">
+            <a:avLst/>
+          </a:prstGeom>
+        </p:spPr>
+      </p:pic>
+    </p:spTree>
+    <p:extLst>
+      <p:ext uri="{BB962C8B-B14F-4D97-AF65-F5344CB8AC3E}">
+        <p14:creationId xmlns:p14="http://schemas.microsoft.com/office/powerpoint/2010/main" val="1081721407"/>
+      </p:ext>
+    </p:extLst>
+  </p:cSld>
+  <p:clrMapOvr>
+    <a:masterClrMapping/>
+  </p:clrMapOvr>
+</p:sld>
+</file>
+
+<file path=ppt/slides/slide29.xml><?xml version="1.0" encoding="utf-8"?>
+<p:sld xmlns:a="http://schemas.openxmlformats.org/drawingml/2006/main" xmlns:r="http://schemas.openxmlformats.org/officeDocument/2006/relationships" xmlns:p="http://schemas.openxmlformats.org/presentationml/2006/main">
+  <p:cSld>
+    <p:spTree>
+      <p:nvGrpSpPr>
+        <p:cNvPr id="1" name=""/>
+        <p:cNvGrpSpPr/>
+        <p:nvPr/>
+      </p:nvGrpSpPr>
+      <p:grpSpPr>
+        <a:xfrm>
+          <a:off x="0" y="0"/>
+          <a:ext cx="0" cy="0"/>
+          <a:chOff x="0" y="0"/>
+          <a:chExt cx="0" cy="0"/>
+        </a:xfrm>
+      </p:grpSpPr>
+      <p:sp>
+        <p:nvSpPr>
+          <p:cNvPr id="8" name="Title 1">
+            <a:extLst>
+              <a:ext uri="{FF2B5EF4-FFF2-40B4-BE49-F238E27FC236}">
+                <a16:creationId xmlns:a16="http://schemas.microsoft.com/office/drawing/2014/main" id="{BFFFF855-F9DB-414A-8D73-4494059A7D20}"/>
+              </a:ext>
+            </a:extLst>
+          </p:cNvPr>
+          <p:cNvSpPr>
+            <a:spLocks noGrp="1"/>
+          </p:cNvSpPr>
+          <p:nvPr>
+            <p:ph type="title"/>
+          </p:nvPr>
+        </p:nvSpPr>
+        <p:spPr>
+          <a:xfrm>
+            <a:off x="133817" y="1169"/>
+            <a:ext cx="7611368" cy="680225"/>
+          </a:xfrm>
+        </p:spPr>
+        <p:txBody>
+          <a:bodyPr/>
+          <a:lstStyle/>
+          <a:p>
+            <a:r>
+              <a:rPr lang="fr-FR" dirty="0" err="1"/>
+              <a:t>Industry</a:t>
+            </a:r>
+            <a:r>
+              <a:rPr lang="fr-FR" dirty="0"/>
+              <a:t> Latent </a:t>
+            </a:r>
+            <a:r>
+              <a:rPr lang="fr-FR" dirty="0" err="1"/>
+              <a:t>Space</a:t>
+            </a:r>
+            <a:r>
+              <a:rPr lang="fr-FR" dirty="0"/>
+              <a:t> </a:t>
+            </a:r>
+            <a:r>
+              <a:rPr lang="fr-FR" dirty="0" err="1"/>
+              <a:t>Structuring</a:t>
+            </a:r>
+            <a:r>
+              <a:rPr lang="fr-FR" dirty="0"/>
+              <a:t> via VAE </a:t>
+            </a:r>
+          </a:p>
+        </p:txBody>
+      </p:sp>
+      <p:pic>
+        <p:nvPicPr>
+          <p:cNvPr id="4" name="Espace réservé du contenu 3">
+            <a:extLst>
+              <a:ext uri="{FF2B5EF4-FFF2-40B4-BE49-F238E27FC236}">
+                <a16:creationId xmlns:a16="http://schemas.microsoft.com/office/drawing/2014/main" id="{D921A09F-5C74-9E4B-8CA4-CDDBBAE31AA0}"/>
+              </a:ext>
+            </a:extLst>
+          </p:cNvPr>
+          <p:cNvPicPr>
+            <a:picLocks noGrp="1" noChangeAspect="1"/>
+          </p:cNvPicPr>
+          <p:nvPr>
+            <p:ph idx="1"/>
+          </p:nvPr>
+        </p:nvPicPr>
+        <p:blipFill>
+          <a:blip r:embed="rId2"/>
+          <a:stretch>
+            <a:fillRect/>
+          </a:stretch>
+        </p:blipFill>
+        <p:spPr>
+          <a:xfrm>
+            <a:off x="857250" y="2129631"/>
+            <a:ext cx="7429500" cy="3162300"/>
+          </a:xfrm>
+        </p:spPr>
+      </p:pic>
+      <p:sp>
+        <p:nvSpPr>
+          <p:cNvPr id="3" name="Espace réservé du numéro de diapositive 2">
+            <a:extLst>
+              <a:ext uri="{FF2B5EF4-FFF2-40B4-BE49-F238E27FC236}">
+                <a16:creationId xmlns:a16="http://schemas.microsoft.com/office/drawing/2014/main" id="{5F4596CD-26CC-534D-834A-C8CC7452969E}"/>
+              </a:ext>
+            </a:extLst>
+          </p:cNvPr>
+          <p:cNvSpPr>
+            <a:spLocks noGrp="1"/>
+          </p:cNvSpPr>
+          <p:nvPr>
+            <p:ph type="sldNum" sz="quarter" idx="12"/>
+          </p:nvPr>
+        </p:nvSpPr>
+        <p:spPr>
+          <a:xfrm>
+            <a:off x="8517869" y="6473117"/>
+            <a:ext cx="510928" cy="384883"/>
+          </a:xfrm>
+        </p:spPr>
+        <p:txBody>
+          <a:bodyPr anchor="ctr">
+            <a:normAutofit/>
+          </a:bodyPr>
+          <a:lstStyle/>
+          <a:p>
+            <a:pPr>
+              <a:spcAft>
+                <a:spcPts val="600"/>
+              </a:spcAft>
+            </a:pPr>
+            <a:fld id="{30CCB0C1-2DF4-8B4C-AC0E-201D3DFFEAFD}" type="slidenum">
+              <a:rPr lang="fr-FR" smtClean="0"/>
+              <a:pPr>
+                <a:spcAft>
+                  <a:spcPts val="600"/>
+                </a:spcAft>
+              </a:pPr>
+              <a:t>28</a:t>
+            </a:fld>
+            <a:endParaRPr lang="fr-FR"/>
+          </a:p>
+        </p:txBody>
+      </p:sp>
+    </p:spTree>
+    <p:extLst>
+      <p:ext uri="{BB962C8B-B14F-4D97-AF65-F5344CB8AC3E}">
+        <p14:creationId xmlns:p14="http://schemas.microsoft.com/office/powerpoint/2010/main" val="2965660523"/>
+      </p:ext>
+    </p:extLst>
+  </p:cSld>
+  <p:clrMapOvr>
+    <a:masterClrMapping/>
+  </p:clrMapOvr>
+</p:sld>
+</file>
+
+<file path=ppt/slides/slide3.xml><?xml version="1.0" encoding="utf-8"?>
+<p:sld xmlns:a="http://schemas.openxmlformats.org/drawingml/2006/main" xmlns:r="http://schemas.openxmlformats.org/officeDocument/2006/relationships" xmlns:p="http://schemas.openxmlformats.org/presentationml/2006/main">
+  <p:cSld>
+    <p:spTree>
+      <p:nvGrpSpPr>
+        <p:cNvPr id="1" name=""/>
+        <p:cNvGrpSpPr/>
+        <p:nvPr/>
+      </p:nvGrpSpPr>
+      <p:grpSpPr>
+        <a:xfrm>
+          <a:off x="0" y="0"/>
+          <a:ext cx="0" cy="0"/>
+          <a:chOff x="0" y="0"/>
+          <a:chExt cx="0" cy="0"/>
+        </a:xfrm>
+      </p:grpSpPr>
+      <p:sp>
+        <p:nvSpPr>
+          <p:cNvPr id="7" name="Title 6">
+            <a:extLst>
+              <a:ext uri="{FF2B5EF4-FFF2-40B4-BE49-F238E27FC236}">
+                <a16:creationId xmlns:a16="http://schemas.microsoft.com/office/drawing/2014/main" id="{2E6C7B2B-0282-8C4A-AFFC-8FE8775C7E3B}"/>
+              </a:ext>
+            </a:extLst>
+          </p:cNvPr>
+          <p:cNvSpPr>
+            <a:spLocks noGrp="1"/>
+          </p:cNvSpPr>
+          <p:nvPr>
+            <p:ph type="title"/>
+          </p:nvPr>
+        </p:nvSpPr>
+        <p:spPr/>
+        <p:txBody>
+          <a:bodyPr/>
+          <a:lstStyle/>
+          <a:p>
+            <a:r>
+              <a:rPr lang="en-US" dirty="0"/>
+              <a:t>Problematics</a:t>
+            </a:r>
+          </a:p>
+        </p:txBody>
+      </p:sp>
+      <p:sp>
+        <p:nvSpPr>
+          <p:cNvPr id="3" name="Slide Number Placeholder 2">
+            <a:extLst>
+              <a:ext uri="{FF2B5EF4-FFF2-40B4-BE49-F238E27FC236}">
+                <a16:creationId xmlns:a16="http://schemas.microsoft.com/office/drawing/2014/main" id="{E0C8FE9C-9826-0A4C-8A87-92495E844683}"/>
+              </a:ext>
+            </a:extLst>
+          </p:cNvPr>
+          <p:cNvSpPr>
+            <a:spLocks noGrp="1"/>
+          </p:cNvSpPr>
+          <p:nvPr>
+            <p:ph type="sldNum" sz="quarter" idx="12"/>
+          </p:nvPr>
+        </p:nvSpPr>
+        <p:spPr/>
+        <p:txBody>
+          <a:bodyPr/>
+          <a:lstStyle/>
+          <a:p>
+            <a:fld id="{30CCB0C1-2DF4-8B4C-AC0E-201D3DFFEAFD}" type="slidenum">
+              <a:rPr lang="fr-FR" smtClean="0"/>
+              <a:pPr/>
+              <a:t>2</a:t>
+            </a:fld>
+            <a:endParaRPr lang="fr-FR" dirty="0"/>
+          </a:p>
+        </p:txBody>
+      </p:sp>
+      <p:sp>
+        <p:nvSpPr>
+          <p:cNvPr id="2" name="ZoneTexte 1">
+            <a:extLst>
+              <a:ext uri="{FF2B5EF4-FFF2-40B4-BE49-F238E27FC236}">
+                <a16:creationId xmlns:a16="http://schemas.microsoft.com/office/drawing/2014/main" id="{4FC4047D-F799-3D45-95EA-AF269D6D26E4}"/>
+              </a:ext>
+            </a:extLst>
+          </p:cNvPr>
+          <p:cNvSpPr txBox="1"/>
+          <p:nvPr/>
+        </p:nvSpPr>
+        <p:spPr>
+          <a:xfrm>
+            <a:off x="1241946" y="2770495"/>
+            <a:ext cx="6277970" cy="369332"/>
+          </a:xfrm>
+          <a:prstGeom prst="rect">
+            <a:avLst/>
+          </a:prstGeom>
+          <a:noFill/>
+        </p:spPr>
+        <p:txBody>
+          <a:bodyPr wrap="square" rtlCol="0">
+            <a:spAutoFit/>
+          </a:bodyPr>
+          <a:lstStyle/>
+          <a:p>
+            <a:pPr marL="285750" indent="-285750">
+              <a:buFont typeface="Arial" panose="020B0604020202020204" pitchFamily="34" charset="0"/>
+              <a:buChar char="•"/>
+            </a:pPr>
+            <a:endParaRPr lang="fr-FR" dirty="0"/>
+          </a:p>
+        </p:txBody>
+      </p:sp>
+    </p:spTree>
+    <p:extLst>
+      <p:ext uri="{BB962C8B-B14F-4D97-AF65-F5344CB8AC3E}">
+        <p14:creationId xmlns:p14="http://schemas.microsoft.com/office/powerpoint/2010/main" val="1913368112"/>
+      </p:ext>
+    </p:extLst>
+  </p:cSld>
+  <p:clrMapOvr>
+    <a:masterClrMapping/>
+  </p:clrMapOvr>
+  <mc:AlternateContent xmlns:mc="http://schemas.openxmlformats.org/markup-compatibility/2006" xmlns:p14="http://schemas.microsoft.com/office/powerpoint/2010/main">
+    <mc:Choice Requires="p14">
+      <p:transition p14:dur="300" advTm="57465">
+        <p:fade/>
+      </p:transition>
+    </mc:Choice>
+    <mc:Fallback xmlns="">
+      <p:transition advTm="57465">
+        <p:fade/>
+      </p:transition>
+    </mc:Fallback>
+  </mc:AlternateContent>
+</p:sld>
+</file>
+
+<file path=ppt/slides/slide30.xml><?xml version="1.0" encoding="utf-8"?>
+<p:sld xmlns:a="http://schemas.openxmlformats.org/drawingml/2006/main" xmlns:r="http://schemas.openxmlformats.org/officeDocument/2006/relationships" xmlns:p="http://schemas.openxmlformats.org/presentationml/2006/main">
+  <p:cSld>
+    <p:spTree>
+      <p:nvGrpSpPr>
+        <p:cNvPr id="1" name=""/>
+        <p:cNvGrpSpPr/>
+        <p:nvPr/>
+      </p:nvGrpSpPr>
+      <p:grpSpPr>
+        <a:xfrm>
+          <a:off x="0" y="0"/>
+          <a:ext cx="0" cy="0"/>
+          <a:chOff x="0" y="0"/>
+          <a:chExt cx="0" cy="0"/>
+        </a:xfrm>
+      </p:grpSpPr>
+      <p:sp>
+        <p:nvSpPr>
+          <p:cNvPr id="8" name="Title 1">
+            <a:extLst>
+              <a:ext uri="{FF2B5EF4-FFF2-40B4-BE49-F238E27FC236}">
+                <a16:creationId xmlns:a16="http://schemas.microsoft.com/office/drawing/2014/main" id="{BFFFF855-F9DB-414A-8D73-4494059A7D20}"/>
+              </a:ext>
+            </a:extLst>
+          </p:cNvPr>
+          <p:cNvSpPr>
+            <a:spLocks noGrp="1"/>
+          </p:cNvSpPr>
+          <p:nvPr>
+            <p:ph type="title"/>
+          </p:nvPr>
+        </p:nvSpPr>
+        <p:spPr>
+          <a:xfrm>
+            <a:off x="133817" y="1169"/>
+            <a:ext cx="7611368" cy="680225"/>
+          </a:xfrm>
+        </p:spPr>
+        <p:txBody>
+          <a:bodyPr/>
+          <a:lstStyle/>
+          <a:p>
+            <a:r>
+              <a:rPr lang="fr-FR" dirty="0" err="1"/>
+              <a:t>Industry</a:t>
+            </a:r>
+            <a:r>
+              <a:rPr lang="fr-FR" dirty="0"/>
+              <a:t> Latent </a:t>
+            </a:r>
+            <a:r>
+              <a:rPr lang="fr-FR" dirty="0" err="1"/>
+              <a:t>Space</a:t>
+            </a:r>
+            <a:r>
+              <a:rPr lang="fr-FR" dirty="0"/>
+              <a:t> </a:t>
+            </a:r>
+            <a:r>
+              <a:rPr lang="fr-FR" dirty="0" err="1"/>
+              <a:t>Structuring</a:t>
+            </a:r>
+            <a:r>
+              <a:rPr lang="fr-FR" dirty="0"/>
+              <a:t> via VAE </a:t>
+            </a:r>
+          </a:p>
+        </p:txBody>
+      </p:sp>
+      <p:sp>
+        <p:nvSpPr>
+          <p:cNvPr id="3" name="Espace réservé du numéro de diapositive 2">
+            <a:extLst>
+              <a:ext uri="{FF2B5EF4-FFF2-40B4-BE49-F238E27FC236}">
+                <a16:creationId xmlns:a16="http://schemas.microsoft.com/office/drawing/2014/main" id="{5F4596CD-26CC-534D-834A-C8CC7452969E}"/>
+              </a:ext>
+            </a:extLst>
+          </p:cNvPr>
+          <p:cNvSpPr>
+            <a:spLocks noGrp="1"/>
+          </p:cNvSpPr>
+          <p:nvPr>
+            <p:ph type="sldNum" sz="quarter" idx="12"/>
+          </p:nvPr>
+        </p:nvSpPr>
+        <p:spPr>
+          <a:xfrm>
+            <a:off x="8517869" y="6473117"/>
+            <a:ext cx="510928" cy="384883"/>
+          </a:xfrm>
+        </p:spPr>
+        <p:txBody>
+          <a:bodyPr anchor="ctr">
+            <a:normAutofit/>
+          </a:bodyPr>
+          <a:lstStyle/>
+          <a:p>
+            <a:pPr>
+              <a:spcAft>
+                <a:spcPts val="600"/>
+              </a:spcAft>
+            </a:pPr>
+            <a:fld id="{30CCB0C1-2DF4-8B4C-AC0E-201D3DFFEAFD}" type="slidenum">
+              <a:rPr lang="fr-FR" smtClean="0"/>
+              <a:pPr>
+                <a:spcAft>
+                  <a:spcPts val="600"/>
+                </a:spcAft>
+              </a:pPr>
+              <a:t>29</a:t>
+            </a:fld>
+            <a:endParaRPr lang="fr-FR"/>
+          </a:p>
+        </p:txBody>
+      </p:sp>
+      <p:sp>
+        <p:nvSpPr>
+          <p:cNvPr id="5" name="Espace réservé du contenu 4">
+            <a:extLst>
+              <a:ext uri="{FF2B5EF4-FFF2-40B4-BE49-F238E27FC236}">
+                <a16:creationId xmlns:a16="http://schemas.microsoft.com/office/drawing/2014/main" id="{41AFEAA5-AA9F-7441-A75B-4C6E9163F76E}"/>
+              </a:ext>
+            </a:extLst>
+          </p:cNvPr>
+          <p:cNvSpPr>
+            <a:spLocks noGrp="1"/>
+          </p:cNvSpPr>
+          <p:nvPr>
+            <p:ph idx="1"/>
+          </p:nvPr>
+        </p:nvSpPr>
+        <p:spPr>
+          <a:xfrm>
+            <a:off x="4806486" y="1175657"/>
+            <a:ext cx="3746500" cy="5069026"/>
+          </a:xfrm>
+        </p:spPr>
+        <p:txBody>
+          <a:bodyPr/>
+          <a:lstStyle/>
+          <a:p>
+            <a:endParaRPr lang="fr-FR" dirty="0"/>
+          </a:p>
+        </p:txBody>
+      </p:sp>
+      <p:pic>
+        <p:nvPicPr>
+          <p:cNvPr id="7" name="Image 6">
+            <a:extLst>
+              <a:ext uri="{FF2B5EF4-FFF2-40B4-BE49-F238E27FC236}">
+                <a16:creationId xmlns:a16="http://schemas.microsoft.com/office/drawing/2014/main" id="{AD5C5D49-7442-E34D-AF64-BA23EC15FF2C}"/>
+              </a:ext>
+            </a:extLst>
+          </p:cNvPr>
+          <p:cNvPicPr>
+            <a:picLocks noChangeAspect="1"/>
+          </p:cNvPicPr>
+          <p:nvPr/>
+        </p:nvPicPr>
+        <p:blipFill>
+          <a:blip r:embed="rId2"/>
+          <a:stretch>
+            <a:fillRect/>
+          </a:stretch>
+        </p:blipFill>
+        <p:spPr>
+          <a:xfrm>
+            <a:off x="133817" y="1683713"/>
+            <a:ext cx="4546044" cy="4052914"/>
+          </a:xfrm>
+          <a:prstGeom prst="rect">
+            <a:avLst/>
+          </a:prstGeom>
+        </p:spPr>
+      </p:pic>
+    </p:spTree>
+    <p:extLst>
+      <p:ext uri="{BB962C8B-B14F-4D97-AF65-F5344CB8AC3E}">
+        <p14:creationId xmlns:p14="http://schemas.microsoft.com/office/powerpoint/2010/main" val="3146313641"/>
+      </p:ext>
+    </p:extLst>
+  </p:cSld>
+  <p:clrMapOvr>
+    <a:masterClrMapping/>
+  </p:clrMapOvr>
+</p:sld>
+</file>
+
+<file path=ppt/slides/slide31.xml><?xml version="1.0" encoding="utf-8"?>
+<p:sld xmlns:a="http://schemas.openxmlformats.org/drawingml/2006/main" xmlns:r="http://schemas.openxmlformats.org/officeDocument/2006/relationships" xmlns:p="http://schemas.openxmlformats.org/presentationml/2006/main">
+  <p:cSld>
+    <p:spTree>
+      <p:nvGrpSpPr>
+        <p:cNvPr id="1" name=""/>
+        <p:cNvGrpSpPr/>
+        <p:nvPr/>
+      </p:nvGrpSpPr>
+      <p:grpSpPr>
+        <a:xfrm>
+          <a:off x="0" y="0"/>
+          <a:ext cx="0" cy="0"/>
+          <a:chOff x="0" y="0"/>
+          <a:chExt cx="0" cy="0"/>
+        </a:xfrm>
+      </p:grpSpPr>
+      <p:sp>
+        <p:nvSpPr>
           <p:cNvPr id="5" name="Title 4">
             <a:extLst>
               <a:ext uri="{FF2B5EF4-FFF2-40B4-BE49-F238E27FC236}">
@@ -7964,7 +11538,7 @@
             <a:fld id="{30CCB0C1-2DF4-8B4C-AC0E-201D3DFFEAFD}" type="slidenum">
               <a:rPr lang="fr-FR" smtClean="0"/>
               <a:pPr/>
-              <a:t>12</a:t>
+              <a:t>30</a:t>
             </a:fld>
             <a:endParaRPr lang="fr-FR" dirty="0"/>
           </a:p>
@@ -7995,7 +11569,7 @@
 </p:sld>
 </file>
 
-<file path=ppt/slides/slide14.xml><?xml version="1.0" encoding="utf-8"?>
+<file path=ppt/slides/slide32.xml><?xml version="1.0" encoding="utf-8"?>
 <p:sld xmlns:a="http://schemas.openxmlformats.org/drawingml/2006/main" xmlns:r="http://schemas.openxmlformats.org/officeDocument/2006/relationships" xmlns:p="http://schemas.openxmlformats.org/presentationml/2006/main">
   <p:cSld>
     <p:spTree>
@@ -8064,7 +11638,7 @@
             <a:fld id="{30CCB0C1-2DF4-8B4C-AC0E-201D3DFFEAFD}" type="slidenum">
               <a:rPr lang="fr-FR" smtClean="0"/>
               <a:pPr/>
-              <a:t>13</a:t>
+              <a:t>31</a:t>
             </a:fld>
             <a:endParaRPr lang="fr-FR" dirty="0"/>
           </a:p>
@@ -9385,7 +12959,7 @@
 </p:sld>
 </file>
 
-<file path=ppt/slides/slide15.xml><?xml version="1.0" encoding="utf-8"?>
+<file path=ppt/slides/slide33.xml><?xml version="1.0" encoding="utf-8"?>
 <p:sld xmlns:a="http://schemas.openxmlformats.org/drawingml/2006/main" xmlns:r="http://schemas.openxmlformats.org/officeDocument/2006/relationships" xmlns:p="http://schemas.openxmlformats.org/presentationml/2006/main">
   <p:cSld>
     <p:spTree>
@@ -9455,7 +13029,7 @@
             <a:fld id="{30CCB0C1-2DF4-8B4C-AC0E-201D3DFFEAFD}" type="slidenum">
               <a:rPr lang="fr-FR" smtClean="0"/>
               <a:pPr/>
-              <a:t>14</a:t>
+              <a:t>32</a:t>
             </a:fld>
             <a:endParaRPr lang="fr-FR" dirty="0"/>
           </a:p>
@@ -9511,7 +13085,7 @@
 </p:sld>
 </file>
 
-<file path=ppt/slides/slide16.xml><?xml version="1.0" encoding="utf-8"?>
+<file path=ppt/slides/slide34.xml><?xml version="1.0" encoding="utf-8"?>
 <p:sld xmlns:a="http://schemas.openxmlformats.org/drawingml/2006/main" xmlns:r="http://schemas.openxmlformats.org/officeDocument/2006/relationships" xmlns:p="http://schemas.openxmlformats.org/presentationml/2006/main">
   <p:cSld>
     <p:spTree>
@@ -9580,7 +13154,7 @@
             <a:fld id="{30CCB0C1-2DF4-8B4C-AC0E-201D3DFFEAFD}" type="slidenum">
               <a:rPr lang="fr-FR" smtClean="0"/>
               <a:pPr/>
-              <a:t>15</a:t>
+              <a:t>33</a:t>
             </a:fld>
             <a:endParaRPr lang="fr-FR" dirty="0"/>
           </a:p>
@@ -9636,7 +13210,7 @@
 </p:sld>
 </file>
 
-<file path=ppt/slides/slide17.xml><?xml version="1.0" encoding="utf-8"?>
+<file path=ppt/slides/slide35.xml><?xml version="1.0" encoding="utf-8"?>
 <p:sld xmlns:a="http://schemas.openxmlformats.org/drawingml/2006/main" xmlns:r="http://schemas.openxmlformats.org/officeDocument/2006/relationships" xmlns:p="http://schemas.openxmlformats.org/presentationml/2006/main">
   <p:cSld>
     <p:spTree>
@@ -10057,7 +13631,7 @@
 </p:sld>
 </file>
 
-<file path=ppt/slides/slide18.xml><?xml version="1.0" encoding="utf-8"?>
+<file path=ppt/slides/slide36.xml><?xml version="1.0" encoding="utf-8"?>
 <p:sld xmlns:a="http://schemas.openxmlformats.org/drawingml/2006/main" xmlns:r="http://schemas.openxmlformats.org/officeDocument/2006/relationships" xmlns:p="http://schemas.openxmlformats.org/presentationml/2006/main">
   <p:cSld>
     <p:spTree>
@@ -10143,7 +13717,7 @@
             <a:fld id="{30CCB0C1-2DF4-8B4C-AC0E-201D3DFFEAFD}" type="slidenum">
               <a:rPr lang="fr-FR" smtClean="0"/>
               <a:pPr/>
-              <a:t>17</a:t>
+              <a:t>35</a:t>
             </a:fld>
             <a:endParaRPr lang="fr-FR" dirty="0"/>
           </a:p>
@@ -10174,7 +13748,7 @@
 </p:sld>
 </file>
 
-<file path=ppt/slides/slide19.xml><?xml version="1.0" encoding="utf-8"?>
+<file path=ppt/slides/slide37.xml><?xml version="1.0" encoding="utf-8"?>
 <p:sld xmlns:a="http://schemas.openxmlformats.org/drawingml/2006/main" xmlns:r="http://schemas.openxmlformats.org/officeDocument/2006/relationships" xmlns:p="http://schemas.openxmlformats.org/presentationml/2006/main">
   <p:cSld>
     <p:spTree>
@@ -10243,7 +13817,7 @@
             <a:fld id="{30CCB0C1-2DF4-8B4C-AC0E-201D3DFFEAFD}" type="slidenum">
               <a:rPr lang="fr-FR" smtClean="0"/>
               <a:pPr/>
-              <a:t>18</a:t>
+              <a:t>36</a:t>
             </a:fld>
             <a:endParaRPr lang="fr-FR"/>
           </a:p>
@@ -10299,7 +13873,7 @@
 </p:sld>
 </file>
 
-<file path=ppt/slides/slide2.xml><?xml version="1.0" encoding="utf-8"?>
+<file path=ppt/slides/slide38.xml><?xml version="1.0" encoding="utf-8"?>
 <p:sld xmlns:a="http://schemas.openxmlformats.org/drawingml/2006/main" xmlns:r="http://schemas.openxmlformats.org/officeDocument/2006/relationships" xmlns:p="http://schemas.openxmlformats.org/presentationml/2006/main">
   <p:cSld>
     <p:spTree>
@@ -10318,10 +13892,10 @@
       </p:grpSpPr>
       <p:sp>
         <p:nvSpPr>
-          <p:cNvPr id="2" name="Title 1">
+          <p:cNvPr id="5" name="Title 4">
             <a:extLst>
               <a:ext uri="{FF2B5EF4-FFF2-40B4-BE49-F238E27FC236}">
-                <a16:creationId xmlns:a16="http://schemas.microsoft.com/office/drawing/2014/main" id="{475B4CBF-C07A-844B-9726-6D9239E1217F}"/>
+                <a16:creationId xmlns:a16="http://schemas.microsoft.com/office/drawing/2014/main" id="{5D8A804D-2FEF-5449-A1AE-108430654FC3}"/>
               </a:ext>
             </a:extLst>
           </p:cNvPr>
@@ -10339,17 +13913,17 @@
           <a:p>
             <a:r>
               <a:rPr lang="en-US" dirty="0"/>
-              <a:t>The Information Era</a:t>
-            </a:r>
-          </a:p>
-        </p:txBody>
-      </p:sp>
-      <p:sp>
-        <p:nvSpPr>
-          <p:cNvPr id="3" name="Content Placeholder 2">
+              <a:t>Appendix for HRAN</a:t>
+            </a:r>
+          </a:p>
+        </p:txBody>
+      </p:sp>
+      <p:sp>
+        <p:nvSpPr>
+          <p:cNvPr id="4" name="Slide Number Placeholder 3">
             <a:extLst>
               <a:ext uri="{FF2B5EF4-FFF2-40B4-BE49-F238E27FC236}">
-                <a16:creationId xmlns:a16="http://schemas.microsoft.com/office/drawing/2014/main" id="{9A3C0A13-DD77-4540-B7E4-A308D3D7190B}"/>
+                <a16:creationId xmlns:a16="http://schemas.microsoft.com/office/drawing/2014/main" id="{70D6DD8B-E6BA-E343-A7FF-18007A8B1A6C}"/>
               </a:ext>
             </a:extLst>
           </p:cNvPr>
@@ -10357,36 +13931,6 @@
             <a:spLocks noGrp="1"/>
           </p:cNvSpPr>
           <p:nvPr>
-            <p:ph idx="1"/>
-          </p:nvPr>
-        </p:nvSpPr>
-        <p:spPr>
-          <a:xfrm>
-            <a:off x="591015" y="3334043"/>
-            <a:ext cx="7961971" cy="2803710"/>
-          </a:xfrm>
-        </p:spPr>
-        <p:txBody>
-          <a:bodyPr/>
-          <a:lstStyle/>
-          <a:p>
-            <a:endParaRPr lang="en-US" dirty="0"/>
-          </a:p>
-        </p:txBody>
-      </p:sp>
-      <p:sp>
-        <p:nvSpPr>
-          <p:cNvPr id="4" name="Slide Number Placeholder 3">
-            <a:extLst>
-              <a:ext uri="{FF2B5EF4-FFF2-40B4-BE49-F238E27FC236}">
-                <a16:creationId xmlns:a16="http://schemas.microsoft.com/office/drawing/2014/main" id="{8157A862-797F-B741-9C73-C1B6BE0EC46E}"/>
-              </a:ext>
-            </a:extLst>
-          </p:cNvPr>
-          <p:cNvSpPr>
-            <a:spLocks noGrp="1"/>
-          </p:cNvSpPr>
-          <p:nvPr>
             <p:ph type="sldNum" sz="quarter" idx="12"/>
           </p:nvPr>
         </p:nvSpPr>
@@ -10398,7 +13942,7 @@
             <a:fld id="{30CCB0C1-2DF4-8B4C-AC0E-201D3DFFEAFD}" type="slidenum">
               <a:rPr lang="fr-FR" smtClean="0"/>
               <a:pPr/>
-              <a:t>1</a:t>
+              <a:t>37</a:t>
             </a:fld>
             <a:endParaRPr lang="fr-FR" dirty="0"/>
           </a:p>
@@ -10407,29 +13951,17 @@
     </p:spTree>
     <p:extLst>
       <p:ext uri="{BB962C8B-B14F-4D97-AF65-F5344CB8AC3E}">
-        <p14:creationId xmlns:p14="http://schemas.microsoft.com/office/powerpoint/2010/main" val="3316614137"/>
+        <p14:creationId xmlns:p14="http://schemas.microsoft.com/office/powerpoint/2010/main" val="1622158934"/>
       </p:ext>
     </p:extLst>
   </p:cSld>
   <p:clrMapOvr>
     <a:masterClrMapping/>
   </p:clrMapOvr>
-  <mc:AlternateContent xmlns:mc="http://schemas.openxmlformats.org/markup-compatibility/2006" xmlns:p14="http://schemas.microsoft.com/office/powerpoint/2010/main">
-    <mc:Choice Requires="p14">
-      <p:transition p14:dur="300" advTm="33275">
-        <p:fade/>
-      </p:transition>
-    </mc:Choice>
-    <mc:Fallback xmlns="">
-      <p:transition advTm="33275">
-        <p:fade/>
-      </p:transition>
-    </mc:Fallback>
-  </mc:AlternateContent>
 </p:sld>
 </file>
 
-<file path=ppt/slides/slide20.xml><?xml version="1.0" encoding="utf-8"?>
+<file path=ppt/slides/slide39.xml><?xml version="1.0" encoding="utf-8"?>
 <p:sld xmlns:a="http://schemas.openxmlformats.org/drawingml/2006/main" xmlns:r="http://schemas.openxmlformats.org/officeDocument/2006/relationships" xmlns:p="http://schemas.openxmlformats.org/presentationml/2006/main">
   <p:cSld>
     <p:spTree>
@@ -10469,7 +14001,7 @@
           <a:p>
             <a:r>
               <a:rPr lang="en-US" dirty="0"/>
-              <a:t>Appendix for HRAN</a:t>
+              <a:t>Appendix for Resumé</a:t>
             </a:r>
           </a:p>
         </p:txBody>
@@ -10498,95 +14030,7 @@
             <a:fld id="{30CCB0C1-2DF4-8B4C-AC0E-201D3DFFEAFD}" type="slidenum">
               <a:rPr lang="fr-FR" smtClean="0"/>
               <a:pPr/>
-              <a:t>19</a:t>
-            </a:fld>
-            <a:endParaRPr lang="fr-FR" dirty="0"/>
-          </a:p>
-        </p:txBody>
-      </p:sp>
-    </p:spTree>
-    <p:extLst>
-      <p:ext uri="{BB962C8B-B14F-4D97-AF65-F5344CB8AC3E}">
-        <p14:creationId xmlns:p14="http://schemas.microsoft.com/office/powerpoint/2010/main" val="1622158934"/>
-      </p:ext>
-    </p:extLst>
-  </p:cSld>
-  <p:clrMapOvr>
-    <a:masterClrMapping/>
-  </p:clrMapOvr>
-</p:sld>
-</file>
-
-<file path=ppt/slides/slide21.xml><?xml version="1.0" encoding="utf-8"?>
-<p:sld xmlns:a="http://schemas.openxmlformats.org/drawingml/2006/main" xmlns:r="http://schemas.openxmlformats.org/officeDocument/2006/relationships" xmlns:p="http://schemas.openxmlformats.org/presentationml/2006/main">
-  <p:cSld>
-    <p:spTree>
-      <p:nvGrpSpPr>
-        <p:cNvPr id="1" name=""/>
-        <p:cNvGrpSpPr/>
-        <p:nvPr/>
-      </p:nvGrpSpPr>
-      <p:grpSpPr>
-        <a:xfrm>
-          <a:off x="0" y="0"/>
-          <a:ext cx="0" cy="0"/>
-          <a:chOff x="0" y="0"/>
-          <a:chExt cx="0" cy="0"/>
-        </a:xfrm>
-      </p:grpSpPr>
-      <p:sp>
-        <p:nvSpPr>
-          <p:cNvPr id="5" name="Title 4">
-            <a:extLst>
-              <a:ext uri="{FF2B5EF4-FFF2-40B4-BE49-F238E27FC236}">
-                <a16:creationId xmlns:a16="http://schemas.microsoft.com/office/drawing/2014/main" id="{5D8A804D-2FEF-5449-A1AE-108430654FC3}"/>
-              </a:ext>
-            </a:extLst>
-          </p:cNvPr>
-          <p:cNvSpPr>
-            <a:spLocks noGrp="1"/>
-          </p:cNvSpPr>
-          <p:nvPr>
-            <p:ph type="title"/>
-          </p:nvPr>
-        </p:nvSpPr>
-        <p:spPr/>
-        <p:txBody>
-          <a:bodyPr/>
-          <a:lstStyle/>
-          <a:p>
-            <a:r>
-              <a:rPr lang="en-US" dirty="0"/>
-              <a:t>Appendix for Resumé</a:t>
-            </a:r>
-          </a:p>
-        </p:txBody>
-      </p:sp>
-      <p:sp>
-        <p:nvSpPr>
-          <p:cNvPr id="4" name="Slide Number Placeholder 3">
-            <a:extLst>
-              <a:ext uri="{FF2B5EF4-FFF2-40B4-BE49-F238E27FC236}">
-                <a16:creationId xmlns:a16="http://schemas.microsoft.com/office/drawing/2014/main" id="{70D6DD8B-E6BA-E343-A7FF-18007A8B1A6C}"/>
-              </a:ext>
-            </a:extLst>
-          </p:cNvPr>
-          <p:cNvSpPr>
-            <a:spLocks noGrp="1"/>
-          </p:cNvSpPr>
-          <p:nvPr>
-            <p:ph type="sldNum" sz="quarter" idx="12"/>
-          </p:nvPr>
-        </p:nvSpPr>
-        <p:spPr/>
-        <p:txBody>
-          <a:bodyPr/>
-          <a:lstStyle/>
-          <a:p>
-            <a:fld id="{30CCB0C1-2DF4-8B4C-AC0E-201D3DFFEAFD}" type="slidenum">
-              <a:rPr lang="fr-FR" smtClean="0"/>
-              <a:pPr/>
-              <a:t>20</a:t>
+              <a:t>38</a:t>
             </a:fld>
             <a:endParaRPr lang="fr-FR" dirty="0"/>
           </a:p>
@@ -10602,230 +14046,6 @@
   <p:clrMapOvr>
     <a:masterClrMapping/>
   </p:clrMapOvr>
-</p:sld>
-</file>
-
-<file path=ppt/slides/slide22.xml><?xml version="1.0" encoding="utf-8"?>
-<p:sld xmlns:a="http://schemas.openxmlformats.org/drawingml/2006/main" xmlns:r="http://schemas.openxmlformats.org/officeDocument/2006/relationships" xmlns:p="http://schemas.openxmlformats.org/presentationml/2006/main">
-  <p:cSld>
-    <p:spTree>
-      <p:nvGrpSpPr>
-        <p:cNvPr id="1" name=""/>
-        <p:cNvGrpSpPr/>
-        <p:nvPr/>
-      </p:nvGrpSpPr>
-      <p:grpSpPr>
-        <a:xfrm>
-          <a:off x="0" y="0"/>
-          <a:ext cx="0" cy="0"/>
-          <a:chOff x="0" y="0"/>
-          <a:chExt cx="0" cy="0"/>
-        </a:xfrm>
-      </p:grpSpPr>
-      <p:sp>
-        <p:nvSpPr>
-          <p:cNvPr id="5" name="Title 4">
-            <a:extLst>
-              <a:ext uri="{FF2B5EF4-FFF2-40B4-BE49-F238E27FC236}">
-                <a16:creationId xmlns:a16="http://schemas.microsoft.com/office/drawing/2014/main" id="{5D8A804D-2FEF-5449-A1AE-108430654FC3}"/>
-              </a:ext>
-            </a:extLst>
-          </p:cNvPr>
-          <p:cNvSpPr>
-            <a:spLocks noGrp="1"/>
-          </p:cNvSpPr>
-          <p:nvPr>
-            <p:ph type="title"/>
-          </p:nvPr>
-        </p:nvSpPr>
-        <p:spPr/>
-        <p:txBody>
-          <a:bodyPr/>
-          <a:lstStyle/>
-          <a:p>
-            <a:r>
-              <a:rPr lang="en-US" dirty="0"/>
-              <a:t>Appendix for User Modeling</a:t>
-            </a:r>
-          </a:p>
-        </p:txBody>
-      </p:sp>
-      <p:sp>
-        <p:nvSpPr>
-          <p:cNvPr id="4" name="Slide Number Placeholder 3">
-            <a:extLst>
-              <a:ext uri="{FF2B5EF4-FFF2-40B4-BE49-F238E27FC236}">
-                <a16:creationId xmlns:a16="http://schemas.microsoft.com/office/drawing/2014/main" id="{70D6DD8B-E6BA-E343-A7FF-18007A8B1A6C}"/>
-              </a:ext>
-            </a:extLst>
-          </p:cNvPr>
-          <p:cNvSpPr>
-            <a:spLocks noGrp="1"/>
-          </p:cNvSpPr>
-          <p:nvPr>
-            <p:ph type="sldNum" sz="quarter" idx="12"/>
-          </p:nvPr>
-        </p:nvSpPr>
-        <p:spPr/>
-        <p:txBody>
-          <a:bodyPr/>
-          <a:lstStyle/>
-          <a:p>
-            <a:fld id="{30CCB0C1-2DF4-8B4C-AC0E-201D3DFFEAFD}" type="slidenum">
-              <a:rPr lang="fr-FR" smtClean="0"/>
-              <a:pPr/>
-              <a:t>21</a:t>
-            </a:fld>
-            <a:endParaRPr lang="fr-FR" dirty="0"/>
-          </a:p>
-        </p:txBody>
-      </p:sp>
-    </p:spTree>
-    <p:extLst>
-      <p:ext uri="{BB962C8B-B14F-4D97-AF65-F5344CB8AC3E}">
-        <p14:creationId xmlns:p14="http://schemas.microsoft.com/office/powerpoint/2010/main" val="1446776665"/>
-      </p:ext>
-    </p:extLst>
-  </p:cSld>
-  <p:clrMapOvr>
-    <a:masterClrMapping/>
-  </p:clrMapOvr>
-</p:sld>
-</file>
-
-<file path=ppt/slides/slide3.xml><?xml version="1.0" encoding="utf-8"?>
-<p:sld xmlns:a="http://schemas.openxmlformats.org/drawingml/2006/main" xmlns:r="http://schemas.openxmlformats.org/officeDocument/2006/relationships" xmlns:p="http://schemas.openxmlformats.org/presentationml/2006/main">
-  <p:cSld>
-    <p:spTree>
-      <p:nvGrpSpPr>
-        <p:cNvPr id="1" name=""/>
-        <p:cNvGrpSpPr/>
-        <p:nvPr/>
-      </p:nvGrpSpPr>
-      <p:grpSpPr>
-        <a:xfrm>
-          <a:off x="0" y="0"/>
-          <a:ext cx="0" cy="0"/>
-          <a:chOff x="0" y="0"/>
-          <a:chExt cx="0" cy="0"/>
-        </a:xfrm>
-      </p:grpSpPr>
-      <p:sp>
-        <p:nvSpPr>
-          <p:cNvPr id="7" name="Title 6">
-            <a:extLst>
-              <a:ext uri="{FF2B5EF4-FFF2-40B4-BE49-F238E27FC236}">
-                <a16:creationId xmlns:a16="http://schemas.microsoft.com/office/drawing/2014/main" id="{2E6C7B2B-0282-8C4A-AFFC-8FE8775C7E3B}"/>
-              </a:ext>
-            </a:extLst>
-          </p:cNvPr>
-          <p:cNvSpPr>
-            <a:spLocks noGrp="1"/>
-          </p:cNvSpPr>
-          <p:nvPr>
-            <p:ph type="title"/>
-          </p:nvPr>
-        </p:nvSpPr>
-        <p:spPr/>
-        <p:txBody>
-          <a:bodyPr/>
-          <a:lstStyle/>
-          <a:p>
-            <a:r>
-              <a:rPr lang="en-US" dirty="0"/>
-              <a:t>Problematics</a:t>
-            </a:r>
-          </a:p>
-        </p:txBody>
-      </p:sp>
-      <p:sp>
-        <p:nvSpPr>
-          <p:cNvPr id="3" name="Slide Number Placeholder 2">
-            <a:extLst>
-              <a:ext uri="{FF2B5EF4-FFF2-40B4-BE49-F238E27FC236}">
-                <a16:creationId xmlns:a16="http://schemas.microsoft.com/office/drawing/2014/main" id="{E0C8FE9C-9826-0A4C-8A87-92495E844683}"/>
-              </a:ext>
-            </a:extLst>
-          </p:cNvPr>
-          <p:cNvSpPr>
-            <a:spLocks noGrp="1"/>
-          </p:cNvSpPr>
-          <p:nvPr>
-            <p:ph type="sldNum" sz="quarter" idx="12"/>
-          </p:nvPr>
-        </p:nvSpPr>
-        <p:spPr/>
-        <p:txBody>
-          <a:bodyPr/>
-          <a:lstStyle/>
-          <a:p>
-            <a:fld id="{30CCB0C1-2DF4-8B4C-AC0E-201D3DFFEAFD}" type="slidenum">
-              <a:rPr lang="fr-FR" smtClean="0"/>
-              <a:pPr/>
-              <a:t>2</a:t>
-            </a:fld>
-            <a:endParaRPr lang="fr-FR" dirty="0"/>
-          </a:p>
-        </p:txBody>
-      </p:sp>
-      <p:sp>
-        <p:nvSpPr>
-          <p:cNvPr id="2" name="ZoneTexte 1">
-            <a:extLst>
-              <a:ext uri="{FF2B5EF4-FFF2-40B4-BE49-F238E27FC236}">
-                <a16:creationId xmlns:a16="http://schemas.microsoft.com/office/drawing/2014/main" id="{4FC4047D-F799-3D45-95EA-AF269D6D26E4}"/>
-              </a:ext>
-            </a:extLst>
-          </p:cNvPr>
-          <p:cNvSpPr txBox="1"/>
-          <p:nvPr/>
-        </p:nvSpPr>
-        <p:spPr>
-          <a:xfrm>
-            <a:off x="1241946" y="2770495"/>
-            <a:ext cx="6277970" cy="369332"/>
-          </a:xfrm>
-          <a:prstGeom prst="rect">
-            <a:avLst/>
-          </a:prstGeom>
-          <a:noFill/>
-        </p:spPr>
-        <p:txBody>
-          <a:bodyPr wrap="square" rtlCol="0">
-            <a:spAutoFit/>
-          </a:bodyPr>
-          <a:lstStyle/>
-          <a:p>
-            <a:pPr marL="285750" indent="-285750">
-              <a:buFont typeface="Arial" panose="020B0604020202020204" pitchFamily="34" charset="0"/>
-              <a:buChar char="•"/>
-            </a:pPr>
-            <a:endParaRPr lang="fr-FR" dirty="0"/>
-          </a:p>
-        </p:txBody>
-      </p:sp>
-    </p:spTree>
-    <p:extLst>
-      <p:ext uri="{BB962C8B-B14F-4D97-AF65-F5344CB8AC3E}">
-        <p14:creationId xmlns:p14="http://schemas.microsoft.com/office/powerpoint/2010/main" val="1913368112"/>
-      </p:ext>
-    </p:extLst>
-  </p:cSld>
-  <p:clrMapOvr>
-    <a:masterClrMapping/>
-  </p:clrMapOvr>
-  <mc:AlternateContent xmlns:mc="http://schemas.openxmlformats.org/markup-compatibility/2006" xmlns:p14="http://schemas.microsoft.com/office/powerpoint/2010/main">
-    <mc:Choice Requires="p14">
-      <p:transition p14:dur="300" advTm="57465">
-        <p:fade/>
-      </p:transition>
-    </mc:Choice>
-    <mc:Fallback xmlns="">
-      <p:transition advTm="57465">
-        <p:fade/>
-      </p:transition>
-    </mc:Fallback>
-  </mc:AlternateContent>
 </p:sld>
 </file>
 
@@ -12816,6 +16036,94 @@
 </p:sld>
 </file>
 
+<file path=ppt/slides/slide40.xml><?xml version="1.0" encoding="utf-8"?>
+<p:sld xmlns:a="http://schemas.openxmlformats.org/drawingml/2006/main" xmlns:r="http://schemas.openxmlformats.org/officeDocument/2006/relationships" xmlns:p="http://schemas.openxmlformats.org/presentationml/2006/main">
+  <p:cSld>
+    <p:spTree>
+      <p:nvGrpSpPr>
+        <p:cNvPr id="1" name=""/>
+        <p:cNvGrpSpPr/>
+        <p:nvPr/>
+      </p:nvGrpSpPr>
+      <p:grpSpPr>
+        <a:xfrm>
+          <a:off x="0" y="0"/>
+          <a:ext cx="0" cy="0"/>
+          <a:chOff x="0" y="0"/>
+          <a:chExt cx="0" cy="0"/>
+        </a:xfrm>
+      </p:grpSpPr>
+      <p:sp>
+        <p:nvSpPr>
+          <p:cNvPr id="5" name="Title 4">
+            <a:extLst>
+              <a:ext uri="{FF2B5EF4-FFF2-40B4-BE49-F238E27FC236}">
+                <a16:creationId xmlns:a16="http://schemas.microsoft.com/office/drawing/2014/main" id="{5D8A804D-2FEF-5449-A1AE-108430654FC3}"/>
+              </a:ext>
+            </a:extLst>
+          </p:cNvPr>
+          <p:cNvSpPr>
+            <a:spLocks noGrp="1"/>
+          </p:cNvSpPr>
+          <p:nvPr>
+            <p:ph type="title"/>
+          </p:nvPr>
+        </p:nvSpPr>
+        <p:spPr/>
+        <p:txBody>
+          <a:bodyPr/>
+          <a:lstStyle/>
+          <a:p>
+            <a:r>
+              <a:rPr lang="en-US" dirty="0"/>
+              <a:t>Appendix for User Modeling</a:t>
+            </a:r>
+          </a:p>
+        </p:txBody>
+      </p:sp>
+      <p:sp>
+        <p:nvSpPr>
+          <p:cNvPr id="4" name="Slide Number Placeholder 3">
+            <a:extLst>
+              <a:ext uri="{FF2B5EF4-FFF2-40B4-BE49-F238E27FC236}">
+                <a16:creationId xmlns:a16="http://schemas.microsoft.com/office/drawing/2014/main" id="{70D6DD8B-E6BA-E343-A7FF-18007A8B1A6C}"/>
+              </a:ext>
+            </a:extLst>
+          </p:cNvPr>
+          <p:cNvSpPr>
+            <a:spLocks noGrp="1"/>
+          </p:cNvSpPr>
+          <p:nvPr>
+            <p:ph type="sldNum" sz="quarter" idx="12"/>
+          </p:nvPr>
+        </p:nvSpPr>
+        <p:spPr/>
+        <p:txBody>
+          <a:bodyPr/>
+          <a:lstStyle/>
+          <a:p>
+            <a:fld id="{30CCB0C1-2DF4-8B4C-AC0E-201D3DFFEAFD}" type="slidenum">
+              <a:rPr lang="fr-FR" smtClean="0"/>
+              <a:pPr/>
+              <a:t>39</a:t>
+            </a:fld>
+            <a:endParaRPr lang="fr-FR" dirty="0"/>
+          </a:p>
+        </p:txBody>
+      </p:sp>
+    </p:spTree>
+    <p:extLst>
+      <p:ext uri="{BB962C8B-B14F-4D97-AF65-F5344CB8AC3E}">
+        <p14:creationId xmlns:p14="http://schemas.microsoft.com/office/powerpoint/2010/main" val="1446776665"/>
+      </p:ext>
+    </p:extLst>
+  </p:cSld>
+  <p:clrMapOvr>
+    <a:masterClrMapping/>
+  </p:clrMapOvr>
+</p:sld>
+</file>
+
 <file path=ppt/slides/slide5.xml><?xml version="1.0" encoding="utf-8"?>
 <p:sld xmlns:a="http://schemas.openxmlformats.org/drawingml/2006/main" xmlns:r="http://schemas.openxmlformats.org/officeDocument/2006/relationships" xmlns:p="http://schemas.openxmlformats.org/presentationml/2006/main">
   <p:cSld>
@@ -13516,6 +16824,12 @@
 </file>
 
 <file path=ppt/tags/tag4.xml><?xml version="1.0" encoding="utf-8"?>
+<p:tagLst xmlns:a="http://schemas.openxmlformats.org/drawingml/2006/main" xmlns:r="http://schemas.openxmlformats.org/officeDocument/2006/relationships" xmlns:p="http://schemas.openxmlformats.org/presentationml/2006/main">
+  <p:tag name="TIMING" val="|54.6|18.6|63.4"/>
+</p:tagLst>
+</file>
+
+<file path=ppt/tags/tag5.xml><?xml version="1.0" encoding="utf-8"?>
 <p:tagLst xmlns:a="http://schemas.openxmlformats.org/drawingml/2006/main" xmlns:r="http://schemas.openxmlformats.org/officeDocument/2006/relationships" xmlns:p="http://schemas.openxmlformats.org/presentationml/2006/main">
   <p:tag name="TIMING" val="|54.6|18.6|63.4"/>
 </p:tagLst>

--- a/defense.pptx
+++ b/defense.pptx
@@ -1309,7 +1309,7 @@
       </p:grpSpPr>
       <p:sp>
         <p:nvSpPr>
-          <p:cNvPr id="2" name="Slide Image Placeholder 1"/>
+          <p:cNvPr id="2" name="Espace réservé de l'image des diapositives 1"/>
           <p:cNvSpPr>
             <a:spLocks noGrp="1" noRot="1" noChangeAspect="1"/>
           </p:cNvSpPr>
@@ -1321,7 +1321,7 @@
       </p:sp>
       <p:sp>
         <p:nvSpPr>
-          <p:cNvPr id="3" name="Notes Placeholder 2"/>
+          <p:cNvPr id="3" name="Espace réservé des notes 2"/>
           <p:cNvSpPr>
             <a:spLocks noGrp="1"/>
           </p:cNvSpPr>
@@ -1334,13 +1334,13 @@
           <a:bodyPr/>
           <a:lstStyle/>
           <a:p>
-            <a:endParaRPr lang="en-US" dirty="0"/>
-          </a:p>
-        </p:txBody>
-      </p:sp>
-      <p:sp>
-        <p:nvSpPr>
-          <p:cNvPr id="4" name="Slide Number Placeholder 3"/>
+            <a:endParaRPr lang="fr-FR" dirty="0"/>
+          </a:p>
+        </p:txBody>
+      </p:sp>
+      <p:sp>
+        <p:nvSpPr>
+          <p:cNvPr id="4" name="Espace réservé du numéro de diapositive 3"/>
           <p:cNvSpPr>
             <a:spLocks noGrp="1"/>
           </p:cNvSpPr>
@@ -1355,7 +1355,7 @@
           <a:p>
             <a:fld id="{DF6148AD-E0EA-F64C-9871-E2424F422EB0}" type="slidenum">
               <a:rPr lang="fr-FR" smtClean="0"/>
-              <a:t>20</a:t>
+              <a:t>19</a:t>
             </a:fld>
             <a:endParaRPr lang="fr-FR"/>
           </a:p>
@@ -1364,7 +1364,7 @@
     </p:spTree>
     <p:extLst>
       <p:ext uri="{BB962C8B-B14F-4D97-AF65-F5344CB8AC3E}">
-        <p14:creationId xmlns:p14="http://schemas.microsoft.com/office/powerpoint/2010/main" val="4290829474"/>
+        <p14:creationId xmlns:p14="http://schemas.microsoft.com/office/powerpoint/2010/main" val="1112123642"/>
       </p:ext>
     </p:extLst>
   </p:cSld>
@@ -1418,7 +1418,7 @@
           <a:bodyPr/>
           <a:lstStyle/>
           <a:p>
-            <a:endParaRPr lang="en-US" b="1" dirty="0"/>
+            <a:endParaRPr lang="en-US" dirty="0"/>
           </a:p>
         </p:txBody>
       </p:sp>
@@ -1439,7 +1439,7 @@
           <a:p>
             <a:fld id="{DF6148AD-E0EA-F64C-9871-E2424F422EB0}" type="slidenum">
               <a:rPr lang="fr-FR" smtClean="0"/>
-              <a:t>22</a:t>
+              <a:t>20</a:t>
             </a:fld>
             <a:endParaRPr lang="fr-FR"/>
           </a:p>
@@ -1448,7 +1448,7 @@
     </p:spTree>
     <p:extLst>
       <p:ext uri="{BB962C8B-B14F-4D97-AF65-F5344CB8AC3E}">
-        <p14:creationId xmlns:p14="http://schemas.microsoft.com/office/powerpoint/2010/main" val="3578268211"/>
+        <p14:creationId xmlns:p14="http://schemas.microsoft.com/office/powerpoint/2010/main" val="4290829474"/>
       </p:ext>
     </p:extLst>
   </p:cSld>
@@ -1477,7 +1477,7 @@
       </p:grpSpPr>
       <p:sp>
         <p:nvSpPr>
-          <p:cNvPr id="2" name="Espace réservé de l'image des diapositives 1"/>
+          <p:cNvPr id="2" name="Slide Image Placeholder 1"/>
           <p:cNvSpPr>
             <a:spLocks noGrp="1" noRot="1" noChangeAspect="1"/>
           </p:cNvSpPr>
@@ -1489,7 +1489,7 @@
       </p:sp>
       <p:sp>
         <p:nvSpPr>
-          <p:cNvPr id="3" name="Espace réservé des notes 2"/>
+          <p:cNvPr id="3" name="Notes Placeholder 2"/>
           <p:cNvSpPr>
             <a:spLocks noGrp="1"/>
           </p:cNvSpPr>
@@ -1502,13 +1502,13 @@
           <a:bodyPr/>
           <a:lstStyle/>
           <a:p>
-            <a:endParaRPr lang="fr-FR" dirty="0"/>
-          </a:p>
-        </p:txBody>
-      </p:sp>
-      <p:sp>
-        <p:nvSpPr>
-          <p:cNvPr id="4" name="Espace réservé du numéro de diapositive 3"/>
+            <a:endParaRPr lang="en-US" b="1" dirty="0"/>
+          </a:p>
+        </p:txBody>
+      </p:sp>
+      <p:sp>
+        <p:nvSpPr>
+          <p:cNvPr id="4" name="Slide Number Placeholder 3"/>
           <p:cNvSpPr>
             <a:spLocks noGrp="1"/>
           </p:cNvSpPr>
@@ -1523,7 +1523,7 @@
           <a:p>
             <a:fld id="{DF6148AD-E0EA-F64C-9871-E2424F422EB0}" type="slidenum">
               <a:rPr lang="fr-FR" smtClean="0"/>
-              <a:t>23</a:t>
+              <a:t>22</a:t>
             </a:fld>
             <a:endParaRPr lang="fr-FR"/>
           </a:p>
@@ -1532,7 +1532,7 @@
     </p:spTree>
     <p:extLst>
       <p:ext uri="{BB962C8B-B14F-4D97-AF65-F5344CB8AC3E}">
-        <p14:creationId xmlns:p14="http://schemas.microsoft.com/office/powerpoint/2010/main" val="2183284175"/>
+        <p14:creationId xmlns:p14="http://schemas.microsoft.com/office/powerpoint/2010/main" val="3578268211"/>
       </p:ext>
     </p:extLst>
   </p:cSld>
@@ -1694,7 +1694,7 @@
           <a:p>
             <a:fld id="{DF6148AD-E0EA-F64C-9871-E2424F422EB0}" type="slidenum">
               <a:rPr lang="fr-FR" smtClean="0"/>
-              <a:t>24</a:t>
+              <a:t>23</a:t>
             </a:fld>
             <a:endParaRPr lang="fr-FR"/>
           </a:p>
@@ -1703,7 +1703,7 @@
     </p:spTree>
     <p:extLst>
       <p:ext uri="{BB962C8B-B14F-4D97-AF65-F5344CB8AC3E}">
-        <p14:creationId xmlns:p14="http://schemas.microsoft.com/office/powerpoint/2010/main" val="3916281562"/>
+        <p14:creationId xmlns:p14="http://schemas.microsoft.com/office/powerpoint/2010/main" val="2183284175"/>
       </p:ext>
     </p:extLst>
   </p:cSld>
@@ -1778,7 +1778,7 @@
           <a:p>
             <a:fld id="{DF6148AD-E0EA-F64C-9871-E2424F422EB0}" type="slidenum">
               <a:rPr lang="fr-FR" smtClean="0"/>
-              <a:t>26</a:t>
+              <a:t>24</a:t>
             </a:fld>
             <a:endParaRPr lang="fr-FR"/>
           </a:p>
@@ -1787,7 +1787,7 @@
     </p:spTree>
     <p:extLst>
       <p:ext uri="{BB962C8B-B14F-4D97-AF65-F5344CB8AC3E}">
-        <p14:creationId xmlns:p14="http://schemas.microsoft.com/office/powerpoint/2010/main" val="1119200689"/>
+        <p14:creationId xmlns:p14="http://schemas.microsoft.com/office/powerpoint/2010/main" val="3916281562"/>
       </p:ext>
     </p:extLst>
   </p:cSld>
@@ -1862,7 +1862,7 @@
           <a:p>
             <a:fld id="{DF6148AD-E0EA-F64C-9871-E2424F422EB0}" type="slidenum">
               <a:rPr lang="fr-FR" smtClean="0"/>
-              <a:t>27</a:t>
+              <a:t>26</a:t>
             </a:fld>
             <a:endParaRPr lang="fr-FR"/>
           </a:p>
@@ -1871,7 +1871,7 @@
     </p:spTree>
     <p:extLst>
       <p:ext uri="{BB962C8B-B14F-4D97-AF65-F5344CB8AC3E}">
-        <p14:creationId xmlns:p14="http://schemas.microsoft.com/office/powerpoint/2010/main" val="58311073"/>
+        <p14:creationId xmlns:p14="http://schemas.microsoft.com/office/powerpoint/2010/main" val="1119200689"/>
       </p:ext>
     </p:extLst>
   </p:cSld>
@@ -1900,7 +1900,7 @@
       </p:grpSpPr>
       <p:sp>
         <p:nvSpPr>
-          <p:cNvPr id="2" name="Slide Image Placeholder 1"/>
+          <p:cNvPr id="2" name="Espace réservé de l'image des diapositives 1"/>
           <p:cNvSpPr>
             <a:spLocks noGrp="1" noRot="1" noChangeAspect="1"/>
           </p:cNvSpPr>
@@ -1912,7 +1912,7 @@
       </p:sp>
       <p:sp>
         <p:nvSpPr>
-          <p:cNvPr id="3" name="Notes Placeholder 2"/>
+          <p:cNvPr id="3" name="Espace réservé des notes 2"/>
           <p:cNvSpPr>
             <a:spLocks noGrp="1"/>
           </p:cNvSpPr>
@@ -1925,13 +1925,13 @@
           <a:bodyPr/>
           <a:lstStyle/>
           <a:p>
-            <a:endParaRPr lang="en-US" dirty="0"/>
-          </a:p>
-        </p:txBody>
-      </p:sp>
-      <p:sp>
-        <p:nvSpPr>
-          <p:cNvPr id="4" name="Slide Number Placeholder 3"/>
+            <a:endParaRPr lang="fr-FR" dirty="0"/>
+          </a:p>
+        </p:txBody>
+      </p:sp>
+      <p:sp>
+        <p:nvSpPr>
+          <p:cNvPr id="4" name="Espace réservé du numéro de diapositive 3"/>
           <p:cNvSpPr>
             <a:spLocks noGrp="1"/>
           </p:cNvSpPr>
@@ -1946,7 +1946,7 @@
           <a:p>
             <a:fld id="{DF6148AD-E0EA-F64C-9871-E2424F422EB0}" type="slidenum">
               <a:rPr lang="fr-FR" smtClean="0"/>
-              <a:t>28</a:t>
+              <a:t>27</a:t>
             </a:fld>
             <a:endParaRPr lang="fr-FR"/>
           </a:p>
@@ -1955,7 +1955,7 @@
     </p:spTree>
     <p:extLst>
       <p:ext uri="{BB962C8B-B14F-4D97-AF65-F5344CB8AC3E}">
-        <p14:creationId xmlns:p14="http://schemas.microsoft.com/office/powerpoint/2010/main" val="3483653300"/>
+        <p14:creationId xmlns:p14="http://schemas.microsoft.com/office/powerpoint/2010/main" val="58311073"/>
       </p:ext>
     </p:extLst>
   </p:cSld>
@@ -2009,7 +2009,7 @@
           <a:bodyPr/>
           <a:lstStyle/>
           <a:p>
-            <a:endParaRPr lang="en-US" b="1" dirty="0"/>
+            <a:endParaRPr lang="en-US" dirty="0"/>
           </a:p>
         </p:txBody>
       </p:sp>
@@ -2030,7 +2030,7 @@
           <a:p>
             <a:fld id="{DF6148AD-E0EA-F64C-9871-E2424F422EB0}" type="slidenum">
               <a:rPr lang="fr-FR" smtClean="0"/>
-              <a:t>33</a:t>
+              <a:t>28</a:t>
             </a:fld>
             <a:endParaRPr lang="fr-FR"/>
           </a:p>
@@ -2039,7 +2039,7 @@
     </p:spTree>
     <p:extLst>
       <p:ext uri="{BB962C8B-B14F-4D97-AF65-F5344CB8AC3E}">
-        <p14:creationId xmlns:p14="http://schemas.microsoft.com/office/powerpoint/2010/main" val="3797983834"/>
+        <p14:creationId xmlns:p14="http://schemas.microsoft.com/office/powerpoint/2010/main" val="3483653300"/>
       </p:ext>
     </p:extLst>
   </p:cSld>
@@ -2114,7 +2114,7 @@
           <a:p>
             <a:fld id="{DF6148AD-E0EA-F64C-9871-E2424F422EB0}" type="slidenum">
               <a:rPr lang="fr-FR" smtClean="0"/>
-              <a:t>34</a:t>
+              <a:t>33</a:t>
             </a:fld>
             <a:endParaRPr lang="fr-FR"/>
           </a:p>
@@ -2123,7 +2123,7 @@
     </p:spTree>
     <p:extLst>
       <p:ext uri="{BB962C8B-B14F-4D97-AF65-F5344CB8AC3E}">
-        <p14:creationId xmlns:p14="http://schemas.microsoft.com/office/powerpoint/2010/main" val="3976784358"/>
+        <p14:creationId xmlns:p14="http://schemas.microsoft.com/office/powerpoint/2010/main" val="3797983834"/>
       </p:ext>
     </p:extLst>
   </p:cSld>
@@ -2177,7 +2177,7 @@
           <a:bodyPr/>
           <a:lstStyle/>
           <a:p>
-            <a:endParaRPr lang="en-US" dirty="0"/>
+            <a:endParaRPr lang="en-US" b="1" dirty="0"/>
           </a:p>
         </p:txBody>
       </p:sp>
@@ -2198,7 +2198,7 @@
           <a:p>
             <a:fld id="{DF6148AD-E0EA-F64C-9871-E2424F422EB0}" type="slidenum">
               <a:rPr lang="fr-FR" smtClean="0"/>
-              <a:t>35</a:t>
+              <a:t>34</a:t>
             </a:fld>
             <a:endParaRPr lang="fr-FR"/>
           </a:p>
@@ -2207,7 +2207,7 @@
     </p:spTree>
     <p:extLst>
       <p:ext uri="{BB962C8B-B14F-4D97-AF65-F5344CB8AC3E}">
-        <p14:creationId xmlns:p14="http://schemas.microsoft.com/office/powerpoint/2010/main" val="2939814068"/>
+        <p14:creationId xmlns:p14="http://schemas.microsoft.com/office/powerpoint/2010/main" val="3976784358"/>
       </p:ext>
     </p:extLst>
   </p:cSld>
@@ -2282,6 +2282,90 @@
           <a:p>
             <a:fld id="{DF6148AD-E0EA-F64C-9871-E2424F422EB0}" type="slidenum">
               <a:rPr lang="fr-FR" smtClean="0"/>
+              <a:t>35</a:t>
+            </a:fld>
+            <a:endParaRPr lang="fr-FR"/>
+          </a:p>
+        </p:txBody>
+      </p:sp>
+    </p:spTree>
+    <p:extLst>
+      <p:ext uri="{BB962C8B-B14F-4D97-AF65-F5344CB8AC3E}">
+        <p14:creationId xmlns:p14="http://schemas.microsoft.com/office/powerpoint/2010/main" val="2939814068"/>
+      </p:ext>
+    </p:extLst>
+  </p:cSld>
+  <p:clrMapOvr>
+    <a:masterClrMapping/>
+  </p:clrMapOvr>
+</p:notes>
+</file>
+
+<file path=ppt/notesSlides/notesSlide28.xml><?xml version="1.0" encoding="utf-8"?>
+<p:notes xmlns:a="http://schemas.openxmlformats.org/drawingml/2006/main" xmlns:r="http://schemas.openxmlformats.org/officeDocument/2006/relationships" xmlns:p="http://schemas.openxmlformats.org/presentationml/2006/main">
+  <p:cSld>
+    <p:spTree>
+      <p:nvGrpSpPr>
+        <p:cNvPr id="1" name=""/>
+        <p:cNvGrpSpPr/>
+        <p:nvPr/>
+      </p:nvGrpSpPr>
+      <p:grpSpPr>
+        <a:xfrm>
+          <a:off x="0" y="0"/>
+          <a:ext cx="0" cy="0"/>
+          <a:chOff x="0" y="0"/>
+          <a:chExt cx="0" cy="0"/>
+        </a:xfrm>
+      </p:grpSpPr>
+      <p:sp>
+        <p:nvSpPr>
+          <p:cNvPr id="2" name="Slide Image Placeholder 1"/>
+          <p:cNvSpPr>
+            <a:spLocks noGrp="1" noRot="1" noChangeAspect="1"/>
+          </p:cNvSpPr>
+          <p:nvPr>
+            <p:ph type="sldImg"/>
+          </p:nvPr>
+        </p:nvSpPr>
+        <p:spPr/>
+      </p:sp>
+      <p:sp>
+        <p:nvSpPr>
+          <p:cNvPr id="3" name="Notes Placeholder 2"/>
+          <p:cNvSpPr>
+            <a:spLocks noGrp="1"/>
+          </p:cNvSpPr>
+          <p:nvPr>
+            <p:ph type="body" idx="1"/>
+          </p:nvPr>
+        </p:nvSpPr>
+        <p:spPr/>
+        <p:txBody>
+          <a:bodyPr/>
+          <a:lstStyle/>
+          <a:p>
+            <a:endParaRPr lang="en-US" dirty="0"/>
+          </a:p>
+        </p:txBody>
+      </p:sp>
+      <p:sp>
+        <p:nvSpPr>
+          <p:cNvPr id="4" name="Slide Number Placeholder 3"/>
+          <p:cNvSpPr>
+            <a:spLocks noGrp="1"/>
+          </p:cNvSpPr>
+          <p:nvPr>
+            <p:ph type="sldNum" sz="quarter" idx="5"/>
+          </p:nvPr>
+        </p:nvSpPr>
+        <p:spPr/>
+        <p:txBody>
+          <a:bodyPr/>
+          <a:lstStyle/>
+          <a:p>
+            <a:fld id="{DF6148AD-E0EA-F64C-9871-E2424F422EB0}" type="slidenum">
+              <a:rPr lang="fr-FR" smtClean="0"/>
               <a:t>36</a:t>
             </a:fld>
             <a:endParaRPr lang="fr-FR"/>
@@ -2301,7 +2385,7 @@
 </p:notes>
 </file>
 
-<file path=ppt/notesSlides/notesSlide28.xml><?xml version="1.0" encoding="utf-8"?>
+<file path=ppt/notesSlides/notesSlide29.xml><?xml version="1.0" encoding="utf-8"?>
 <p:notes xmlns:a="http://schemas.openxmlformats.org/drawingml/2006/main" xmlns:r="http://schemas.openxmlformats.org/officeDocument/2006/relationships" xmlns:p="http://schemas.openxmlformats.org/presentationml/2006/main" showMasterSp="0" showMasterPhAnim="0">
   <p:cSld>
     <p:spTree>
@@ -10732,7 +10816,7 @@
           </p:nvPr>
         </p:nvPicPr>
         <p:blipFill>
-          <a:blip r:embed="rId2"/>
+          <a:blip r:embed="rId3"/>
           <a:stretch>
             <a:fillRect/>
           </a:stretch>
@@ -10789,7 +10873,7 @@
           <p:nvPr/>
         </p:nvPicPr>
         <p:blipFill>
-          <a:blip r:embed="rId3"/>
+          <a:blip r:embed="rId4"/>
           <a:stretch>
             <a:fillRect/>
           </a:stretch>
@@ -11144,7 +11228,7 @@
           <a:p>
             <a:r>
               <a:rPr lang="en-US" dirty="0"/>
-              <a:t>Problematic</a:t>
+              <a:t>Motivation &amp; Problematic</a:t>
             </a:r>
           </a:p>
         </p:txBody>
@@ -11167,15 +11251,24 @@
         </p:nvSpPr>
         <p:spPr>
           <a:xfrm>
-            <a:off x="591015" y="1175657"/>
-            <a:ext cx="7961971" cy="5069026"/>
+            <a:off x="496288" y="1407602"/>
+            <a:ext cx="3980986" cy="1457739"/>
           </a:xfrm>
         </p:spPr>
         <p:txBody>
           <a:bodyPr/>
           <a:lstStyle/>
           <a:p>
-            <a:endParaRPr lang="en-US"/>
+            <a:r>
+              <a:rPr lang="en-US" dirty="0"/>
+              <a:t>People tend to change jobs more and more often</a:t>
+            </a:r>
+          </a:p>
+          <a:p>
+            <a:r>
+              <a:rPr lang="en-US" dirty="0"/>
+              <a:t>More and more online job boards</a:t>
+            </a:r>
           </a:p>
         </p:txBody>
       </p:sp>
@@ -11225,6 +11318,186 @@
           </a:p>
         </p:txBody>
       </p:sp>
+      <p:sp>
+        <p:nvSpPr>
+          <p:cNvPr id="11" name="ZoneTexte 10">
+            <a:extLst>
+              <a:ext uri="{FF2B5EF4-FFF2-40B4-BE49-F238E27FC236}">
+                <a16:creationId xmlns:a16="http://schemas.microsoft.com/office/drawing/2014/main" id="{ADB2B1EC-776E-A444-9122-822B30A7D823}"/>
+              </a:ext>
+            </a:extLst>
+          </p:cNvPr>
+          <p:cNvSpPr txBox="1"/>
+          <p:nvPr/>
+        </p:nvSpPr>
+        <p:spPr>
+          <a:xfrm>
+            <a:off x="7979" y="3429000"/>
+            <a:ext cx="8938590" cy="1200329"/>
+          </a:xfrm>
+          <a:prstGeom prst="rect">
+            <a:avLst/>
+          </a:prstGeom>
+          <a:noFill/>
+        </p:spPr>
+        <p:txBody>
+          <a:bodyPr wrap="square" rtlCol="0">
+            <a:spAutoFit/>
+          </a:bodyPr>
+          <a:lstStyle/>
+          <a:p>
+            <a:pPr algn="ctr"/>
+            <a:r>
+              <a:rPr lang="fr-FR" sz="2400" dirty="0" err="1">
+                <a:solidFill>
+                  <a:schemeClr val="accent1">
+                    <a:lumMod val="75000"/>
+                  </a:schemeClr>
+                </a:solidFill>
+              </a:rPr>
+              <a:t>Problematic</a:t>
+            </a:r>
+            <a:endParaRPr lang="fr-FR" sz="2400" dirty="0">
+              <a:solidFill>
+                <a:schemeClr val="accent1">
+                  <a:lumMod val="75000"/>
+                </a:schemeClr>
+              </a:solidFill>
+            </a:endParaRPr>
+          </a:p>
+          <a:p>
+            <a:pPr algn="ctr"/>
+            <a:endParaRPr lang="fr-FR" sz="2400" dirty="0">
+              <a:solidFill>
+                <a:schemeClr val="accent1">
+                  <a:lumMod val="75000"/>
+                </a:schemeClr>
+              </a:solidFill>
+            </a:endParaRPr>
+          </a:p>
+          <a:p>
+            <a:pPr algn="ctr"/>
+            <a:endParaRPr lang="fr-FR" sz="2400" dirty="0">
+              <a:solidFill>
+                <a:schemeClr val="accent1">
+                  <a:lumMod val="75000"/>
+                </a:schemeClr>
+              </a:solidFill>
+            </a:endParaRPr>
+          </a:p>
+        </p:txBody>
+      </p:sp>
+      <p:grpSp>
+        <p:nvGrpSpPr>
+          <p:cNvPr id="14" name="Groupe 13">
+            <a:extLst>
+              <a:ext uri="{FF2B5EF4-FFF2-40B4-BE49-F238E27FC236}">
+                <a16:creationId xmlns:a16="http://schemas.microsoft.com/office/drawing/2014/main" id="{41DB10B0-32A4-8D4E-9055-B7BD6696F8D9}"/>
+              </a:ext>
+            </a:extLst>
+          </p:cNvPr>
+          <p:cNvGrpSpPr/>
+          <p:nvPr/>
+        </p:nvGrpSpPr>
+        <p:grpSpPr>
+          <a:xfrm>
+            <a:off x="4731153" y="1406166"/>
+            <a:ext cx="4110925" cy="1185093"/>
+            <a:chOff x="301922" y="1373765"/>
+            <a:chExt cx="4110925" cy="1185093"/>
+          </a:xfrm>
+        </p:grpSpPr>
+        <p:pic>
+          <p:nvPicPr>
+            <p:cNvPr id="4" name="Image 3">
+              <a:extLst>
+                <a:ext uri="{FF2B5EF4-FFF2-40B4-BE49-F238E27FC236}">
+                  <a16:creationId xmlns:a16="http://schemas.microsoft.com/office/drawing/2014/main" id="{912705FD-CCC5-A14E-846C-71EF9BD88C75}"/>
+                </a:ext>
+              </a:extLst>
+            </p:cNvPr>
+            <p:cNvPicPr>
+              <a:picLocks noChangeAspect="1"/>
+            </p:cNvPicPr>
+            <p:nvPr/>
+          </p:nvPicPr>
+          <p:blipFill>
+            <a:blip r:embed="rId2"/>
+            <a:stretch>
+              <a:fillRect/>
+            </a:stretch>
+          </p:blipFill>
+          <p:spPr>
+            <a:xfrm>
+              <a:off x="1787083" y="1373765"/>
+              <a:ext cx="1142565" cy="1142565"/>
+            </a:xfrm>
+            <a:prstGeom prst="rect">
+              <a:avLst/>
+            </a:prstGeom>
+          </p:spPr>
+        </p:pic>
+        <p:pic>
+          <p:nvPicPr>
+            <p:cNvPr id="12" name="Image 11">
+              <a:extLst>
+                <a:ext uri="{FF2B5EF4-FFF2-40B4-BE49-F238E27FC236}">
+                  <a16:creationId xmlns:a16="http://schemas.microsoft.com/office/drawing/2014/main" id="{03A4C11D-48B1-084D-A57C-D7B356797821}"/>
+                </a:ext>
+              </a:extLst>
+            </p:cNvPr>
+            <p:cNvPicPr>
+              <a:picLocks noChangeAspect="1"/>
+            </p:cNvPicPr>
+            <p:nvPr/>
+          </p:nvPicPr>
+          <p:blipFill>
+            <a:blip r:embed="rId3"/>
+            <a:stretch>
+              <a:fillRect/>
+            </a:stretch>
+          </p:blipFill>
+          <p:spPr>
+            <a:xfrm>
+              <a:off x="301922" y="1389793"/>
+              <a:ext cx="1142565" cy="1142565"/>
+            </a:xfrm>
+            <a:prstGeom prst="rect">
+              <a:avLst/>
+            </a:prstGeom>
+          </p:spPr>
+        </p:pic>
+        <p:pic>
+          <p:nvPicPr>
+            <p:cNvPr id="13" name="Image 12">
+              <a:extLst>
+                <a:ext uri="{FF2B5EF4-FFF2-40B4-BE49-F238E27FC236}">
+                  <a16:creationId xmlns:a16="http://schemas.microsoft.com/office/drawing/2014/main" id="{9F532B74-6642-0E40-A91A-6B230198D121}"/>
+                </a:ext>
+              </a:extLst>
+            </p:cNvPr>
+            <p:cNvPicPr>
+              <a:picLocks noChangeAspect="1"/>
+            </p:cNvPicPr>
+            <p:nvPr/>
+          </p:nvPicPr>
+          <p:blipFill>
+            <a:blip r:embed="rId4"/>
+            <a:stretch>
+              <a:fillRect/>
+            </a:stretch>
+          </p:blipFill>
+          <p:spPr>
+            <a:xfrm>
+              <a:off x="3272244" y="1418255"/>
+              <a:ext cx="1140603" cy="1140603"/>
+            </a:xfrm>
+            <a:prstGeom prst="rect">
+              <a:avLst/>
+            </a:prstGeom>
+          </p:spPr>
+        </p:pic>
+      </p:grpSp>
     </p:spTree>
     <p:extLst>
       <p:ext uri="{BB962C8B-B14F-4D97-AF65-F5344CB8AC3E}">
@@ -11311,6 +11584,350 @@
               <a:t>22</a:t>
             </a:fld>
             <a:endParaRPr lang="fr-FR" dirty="0"/>
+          </a:p>
+        </p:txBody>
+      </p:sp>
+      <p:sp>
+        <p:nvSpPr>
+          <p:cNvPr id="6" name="ZoneTexte 5">
+            <a:extLst>
+              <a:ext uri="{FF2B5EF4-FFF2-40B4-BE49-F238E27FC236}">
+                <a16:creationId xmlns:a16="http://schemas.microsoft.com/office/drawing/2014/main" id="{98D2F0A0-7DE2-404D-8936-8F25BE04C5C7}"/>
+              </a:ext>
+            </a:extLst>
+          </p:cNvPr>
+          <p:cNvSpPr txBox="1"/>
+          <p:nvPr/>
+        </p:nvSpPr>
+        <p:spPr>
+          <a:xfrm>
+            <a:off x="301922" y="3518274"/>
+            <a:ext cx="3423584" cy="1938992"/>
+          </a:xfrm>
+          <a:prstGeom prst="rect">
+            <a:avLst/>
+          </a:prstGeom>
+          <a:noFill/>
+        </p:spPr>
+        <p:txBody>
+          <a:bodyPr wrap="square" rtlCol="0">
+            <a:spAutoFit/>
+          </a:bodyPr>
+          <a:lstStyle/>
+          <a:p>
+            <a:pPr algn="ctr"/>
+            <a:r>
+              <a:rPr lang="fr-FR" sz="2400" dirty="0" err="1">
+                <a:solidFill>
+                  <a:schemeClr val="accent1">
+                    <a:lumMod val="75000"/>
+                  </a:schemeClr>
+                </a:solidFill>
+              </a:rPr>
+              <a:t>Approach</a:t>
+            </a:r>
+            <a:endParaRPr lang="fr-FR" sz="2400" dirty="0">
+              <a:solidFill>
+                <a:schemeClr val="accent1">
+                  <a:lumMod val="75000"/>
+                </a:schemeClr>
+              </a:solidFill>
+            </a:endParaRPr>
+          </a:p>
+          <a:p>
+            <a:pPr algn="ctr"/>
+            <a:endParaRPr lang="fr-FR" sz="2400" dirty="0">
+              <a:solidFill>
+                <a:schemeClr val="accent1">
+                  <a:lumMod val="75000"/>
+                </a:schemeClr>
+              </a:solidFill>
+            </a:endParaRPr>
+          </a:p>
+          <a:p>
+            <a:r>
+              <a:rPr lang="fr-FR" dirty="0"/>
+              <a:t>User-</a:t>
+            </a:r>
+            <a:r>
+              <a:rPr lang="fr-FR" dirty="0" err="1"/>
+              <a:t>generated</a:t>
+            </a:r>
+            <a:r>
+              <a:rPr lang="fr-FR" dirty="0"/>
+              <a:t> </a:t>
+            </a:r>
+            <a:r>
+              <a:rPr lang="fr-FR" dirty="0" err="1"/>
+              <a:t>text</a:t>
+            </a:r>
+            <a:r>
+              <a:rPr lang="fr-FR" dirty="0"/>
+              <a:t> </a:t>
+            </a:r>
+            <a:r>
+              <a:rPr lang="fr-FR" dirty="0">
+                <a:sym typeface="Wingdings" pitchFamily="2" charset="2"/>
+              </a:rPr>
+              <a:t> </a:t>
+            </a:r>
+            <a:r>
+              <a:rPr lang="fr-FR" dirty="0" err="1"/>
+              <a:t>build</a:t>
+            </a:r>
+            <a:r>
+              <a:rPr lang="fr-FR" dirty="0"/>
+              <a:t> </a:t>
+            </a:r>
+            <a:r>
+              <a:rPr lang="fr-FR" dirty="0" err="1"/>
+              <a:t>their</a:t>
+            </a:r>
+            <a:r>
+              <a:rPr lang="fr-FR" dirty="0"/>
+              <a:t> </a:t>
+            </a:r>
+            <a:r>
+              <a:rPr lang="fr-FR" dirty="0" err="1"/>
+              <a:t>representation</a:t>
+            </a:r>
+            <a:endParaRPr lang="fr-FR" dirty="0"/>
+          </a:p>
+          <a:p>
+            <a:r>
+              <a:rPr lang="fr-FR" dirty="0" err="1"/>
+              <a:t>Remainder</a:t>
+            </a:r>
+            <a:r>
+              <a:rPr lang="fr-FR" dirty="0"/>
+              <a:t> of the profile </a:t>
+            </a:r>
+            <a:r>
+              <a:rPr lang="fr-FR" dirty="0">
+                <a:sym typeface="Wingdings" pitchFamily="2" charset="2"/>
+              </a:rPr>
+              <a:t></a:t>
+            </a:r>
+            <a:r>
+              <a:rPr lang="fr-FR" dirty="0"/>
+              <a:t> </a:t>
+            </a:r>
+            <a:r>
+              <a:rPr lang="fr-FR" dirty="0" err="1"/>
+              <a:t>evaluation</a:t>
+            </a:r>
+            <a:endParaRPr lang="fr-FR" dirty="0"/>
+          </a:p>
+        </p:txBody>
+      </p:sp>
+      <p:pic>
+        <p:nvPicPr>
+          <p:cNvPr id="9" name="Image 8">
+            <a:extLst>
+              <a:ext uri="{FF2B5EF4-FFF2-40B4-BE49-F238E27FC236}">
+                <a16:creationId xmlns:a16="http://schemas.microsoft.com/office/drawing/2014/main" id="{7295C192-5739-2A42-BB8E-D1BF8B758582}"/>
+              </a:ext>
+            </a:extLst>
+          </p:cNvPr>
+          <p:cNvPicPr>
+            <a:picLocks noChangeAspect="1"/>
+          </p:cNvPicPr>
+          <p:nvPr/>
+        </p:nvPicPr>
+        <p:blipFill>
+          <a:blip r:embed="rId4"/>
+          <a:stretch>
+            <a:fillRect/>
+          </a:stretch>
+        </p:blipFill>
+        <p:spPr>
+          <a:xfrm>
+            <a:off x="4270078" y="2673778"/>
+            <a:ext cx="4572000" cy="3627984"/>
+          </a:xfrm>
+          <a:prstGeom prst="rect">
+            <a:avLst/>
+          </a:prstGeom>
+        </p:spPr>
+      </p:pic>
+      <p:sp>
+        <p:nvSpPr>
+          <p:cNvPr id="10" name="ZoneTexte 9">
+            <a:extLst>
+              <a:ext uri="{FF2B5EF4-FFF2-40B4-BE49-F238E27FC236}">
+                <a16:creationId xmlns:a16="http://schemas.microsoft.com/office/drawing/2014/main" id="{AD8E8E69-F06B-3C4F-9842-72865CC75379}"/>
+              </a:ext>
+            </a:extLst>
+          </p:cNvPr>
+          <p:cNvSpPr txBox="1"/>
+          <p:nvPr/>
+        </p:nvSpPr>
+        <p:spPr>
+          <a:xfrm>
+            <a:off x="205410" y="978219"/>
+            <a:ext cx="8938590" cy="1415772"/>
+          </a:xfrm>
+          <a:prstGeom prst="rect">
+            <a:avLst/>
+          </a:prstGeom>
+          <a:noFill/>
+        </p:spPr>
+        <p:txBody>
+          <a:bodyPr wrap="square" rtlCol="0">
+            <a:spAutoFit/>
+          </a:bodyPr>
+          <a:lstStyle/>
+          <a:p>
+            <a:pPr algn="ctr"/>
+            <a:r>
+              <a:rPr lang="fr-FR" sz="2400" dirty="0">
+                <a:solidFill>
+                  <a:schemeClr val="accent1">
+                    <a:lumMod val="75000"/>
+                  </a:schemeClr>
+                </a:solidFill>
+              </a:rPr>
+              <a:t>Intuition</a:t>
+            </a:r>
+          </a:p>
+          <a:p>
+            <a:pPr algn="ctr"/>
+            <a:endParaRPr lang="fr-FR" dirty="0">
+              <a:solidFill>
+                <a:schemeClr val="accent1">
+                  <a:lumMod val="75000"/>
+                </a:schemeClr>
+              </a:solidFill>
+            </a:endParaRPr>
+          </a:p>
+          <a:p>
+            <a:pPr marL="285750" indent="-285750">
+              <a:buFont typeface="Arial" panose="020B0604020202020204" pitchFamily="34" charset="0"/>
+              <a:buChar char="•"/>
+            </a:pPr>
+            <a:r>
+              <a:rPr lang="fr-FR" sz="2200" dirty="0" err="1"/>
+              <a:t>We</a:t>
+            </a:r>
+            <a:r>
+              <a:rPr lang="fr-FR" sz="2200" dirty="0"/>
+              <a:t> </a:t>
+            </a:r>
+            <a:r>
+              <a:rPr lang="fr-FR" sz="2200" dirty="0" err="1"/>
+              <a:t>can</a:t>
+            </a:r>
+            <a:r>
+              <a:rPr lang="fr-FR" sz="2200" dirty="0"/>
+              <a:t> use </a:t>
+            </a:r>
+            <a:r>
+              <a:rPr lang="fr-FR" sz="2200" dirty="0" err="1"/>
+              <a:t>their</a:t>
+            </a:r>
+            <a:r>
+              <a:rPr lang="fr-FR" sz="2200" dirty="0"/>
+              <a:t> LinkedIn page to </a:t>
+            </a:r>
+            <a:r>
+              <a:rPr lang="fr-FR" sz="2200" dirty="0" err="1"/>
+              <a:t>build</a:t>
+            </a:r>
+            <a:r>
+              <a:rPr lang="fr-FR" sz="2200" dirty="0"/>
+              <a:t> </a:t>
+            </a:r>
+            <a:r>
+              <a:rPr lang="fr-FR" sz="2200" dirty="0" err="1"/>
+              <a:t>their</a:t>
+            </a:r>
+            <a:r>
+              <a:rPr lang="fr-FR" sz="2200" dirty="0"/>
+              <a:t> </a:t>
+            </a:r>
+            <a:r>
+              <a:rPr lang="fr-FR" sz="2200" dirty="0" err="1"/>
+              <a:t>professional</a:t>
+            </a:r>
+            <a:r>
+              <a:rPr lang="fr-FR" sz="2200" dirty="0"/>
+              <a:t> profiles</a:t>
+            </a:r>
+          </a:p>
+          <a:p>
+            <a:pPr marL="285750" indent="-285750">
+              <a:buFont typeface="Arial" panose="020B0604020202020204" pitchFamily="34" charset="0"/>
+              <a:buChar char="•"/>
+            </a:pPr>
+            <a:r>
+              <a:rPr lang="fr-FR" sz="2200" dirty="0" err="1"/>
+              <a:t>Their</a:t>
+            </a:r>
+            <a:r>
+              <a:rPr lang="fr-FR" sz="2200" dirty="0"/>
+              <a:t> </a:t>
+            </a:r>
+            <a:r>
+              <a:rPr lang="fr-FR" sz="2200" dirty="0" err="1"/>
+              <a:t>past</a:t>
+            </a:r>
+            <a:r>
+              <a:rPr lang="fr-FR" sz="2200" dirty="0"/>
+              <a:t> jobs (</a:t>
+            </a:r>
+            <a:r>
+              <a:rPr lang="fr-FR" sz="2200" dirty="0" err="1"/>
+              <a:t>natural</a:t>
+            </a:r>
+            <a:r>
+              <a:rPr lang="fr-FR" sz="2200" dirty="0"/>
+              <a:t> </a:t>
+            </a:r>
+            <a:r>
+              <a:rPr lang="fr-FR" sz="2200" dirty="0" err="1"/>
+              <a:t>language</a:t>
+            </a:r>
+            <a:r>
+              <a:rPr lang="fr-FR" sz="2200" dirty="0"/>
+              <a:t>) </a:t>
+            </a:r>
+            <a:r>
+              <a:rPr lang="fr-FR" sz="2200" dirty="0" err="1"/>
+              <a:t>should</a:t>
+            </a:r>
+            <a:r>
+              <a:rPr lang="fr-FR" sz="2200" dirty="0"/>
+              <a:t> </a:t>
+            </a:r>
+            <a:r>
+              <a:rPr lang="fr-FR" sz="2200" dirty="0" err="1"/>
+              <a:t>be</a:t>
+            </a:r>
+            <a:r>
+              <a:rPr lang="fr-FR" sz="2200" dirty="0"/>
+              <a:t> </a:t>
+            </a:r>
+            <a:r>
+              <a:rPr lang="fr-FR" sz="2200" dirty="0" err="1"/>
+              <a:t>enough</a:t>
+            </a:r>
+            <a:r>
+              <a:rPr lang="fr-FR" sz="2200" dirty="0"/>
+              <a:t> to </a:t>
+            </a:r>
+            <a:r>
+              <a:rPr lang="fr-FR" sz="2200" dirty="0" err="1"/>
+              <a:t>represent</a:t>
+            </a:r>
+            <a:r>
+              <a:rPr lang="fr-FR" sz="2200" dirty="0"/>
+              <a:t> </a:t>
+            </a:r>
+            <a:r>
+              <a:rPr lang="fr-FR" sz="2200" dirty="0" err="1"/>
+              <a:t>them</a:t>
+            </a:r>
+            <a:endParaRPr lang="fr-FR" sz="2200" dirty="0"/>
           </a:p>
         </p:txBody>
       </p:sp>

--- a/defense.pptx
+++ b/defense.pptx
@@ -23,11 +23,11 @@
     <p:sldId id="428" r:id="rId14"/>
     <p:sldId id="464" r:id="rId15"/>
     <p:sldId id="511" r:id="rId16"/>
-    <p:sldId id="481" r:id="rId17"/>
-    <p:sldId id="476" r:id="rId18"/>
-    <p:sldId id="512" r:id="rId19"/>
-    <p:sldId id="475" r:id="rId20"/>
-    <p:sldId id="477" r:id="rId21"/>
+    <p:sldId id="475" r:id="rId17"/>
+    <p:sldId id="481" r:id="rId18"/>
+    <p:sldId id="518" r:id="rId19"/>
+    <p:sldId id="476" r:id="rId20"/>
+    <p:sldId id="512" r:id="rId21"/>
     <p:sldId id="498" r:id="rId22"/>
     <p:sldId id="480" r:id="rId23"/>
     <p:sldId id="499" r:id="rId24"/>
@@ -194,11 +194,11 @@
             <p14:sldId id="428"/>
             <p14:sldId id="464"/>
             <p14:sldId id="511"/>
+            <p14:sldId id="475"/>
             <p14:sldId id="481"/>
+            <p14:sldId id="518"/>
             <p14:sldId id="476"/>
             <p14:sldId id="512"/>
-            <p14:sldId id="475"/>
-            <p14:sldId id="477"/>
             <p14:sldId id="498"/>
             <p14:sldId id="480"/>
             <p14:sldId id="499"/>
@@ -1632,6 +1632,32 @@
           <a:p>
             <a:endParaRPr lang="en-US" b="0" dirty="0"/>
           </a:p>
+          <a:p>
+            <a:r>
+              <a:rPr lang="en-US" b="0" dirty="0"/>
+              <a:t>The sentiment analysis part takes the reviews as input…</a:t>
+            </a:r>
+          </a:p>
+          <a:p>
+            <a:r>
+              <a:rPr lang="en-US" b="0" dirty="0"/>
+              <a:t>The rating regression module takes both the user and the item profiles as input…</a:t>
+            </a:r>
+          </a:p>
+          <a:p>
+            <a:r>
+              <a:rPr lang="en-US" b="0" dirty="0"/>
+              <a:t>Both modules share inner intermediate representation to refine the models’ </a:t>
+            </a:r>
+            <a:r>
+              <a:rPr lang="en-US" b="0" dirty="0" err="1"/>
+              <a:t>enderstadning</a:t>
+            </a:r>
+            <a:r>
+              <a:rPr lang="en-US" b="0" dirty="0"/>
+              <a:t> of the user’s tastes.</a:t>
+            </a:r>
+          </a:p>
         </p:txBody>
       </p:sp>
       <p:sp>
@@ -1714,7 +1740,179 @@
           <a:bodyPr/>
           <a:lstStyle/>
           <a:p>
+            <a:r>
+              <a:rPr lang="fr-FR" dirty="0"/>
+              <a:t>More </a:t>
+            </a:r>
+            <a:r>
+              <a:rPr lang="fr-FR" dirty="0" err="1"/>
+              <a:t>precisely</a:t>
+            </a:r>
+            <a:r>
+              <a:rPr lang="fr-FR" dirty="0"/>
+              <a:t>, the sentiment </a:t>
+            </a:r>
+            <a:r>
+              <a:rPr lang="fr-FR" dirty="0" err="1"/>
+              <a:t>analysis</a:t>
+            </a:r>
+            <a:r>
+              <a:rPr lang="fr-FR" dirty="0"/>
+              <a:t> uses the </a:t>
+            </a:r>
+            <a:r>
+              <a:rPr lang="fr-FR" dirty="0" err="1"/>
+              <a:t>representation</a:t>
+            </a:r>
+            <a:r>
+              <a:rPr lang="fr-FR" dirty="0"/>
+              <a:t> of the rating </a:t>
+            </a:r>
+            <a:r>
+              <a:rPr lang="fr-FR" dirty="0" err="1"/>
+              <a:t>prediciton</a:t>
+            </a:r>
+            <a:r>
+              <a:rPr lang="fr-FR" dirty="0"/>
+              <a:t> module in </a:t>
+            </a:r>
+            <a:r>
+              <a:rPr lang="fr-FR" dirty="0" err="1"/>
+              <a:t>two</a:t>
+            </a:r>
+            <a:r>
+              <a:rPr lang="fr-FR" dirty="0"/>
+              <a:t> places: once at the </a:t>
+            </a:r>
+            <a:r>
+              <a:rPr lang="fr-FR" dirty="0" err="1"/>
+              <a:t>word</a:t>
+            </a:r>
+            <a:r>
+              <a:rPr lang="fr-FR" dirty="0"/>
+              <a:t> </a:t>
+            </a:r>
+            <a:r>
+              <a:rPr lang="fr-FR" dirty="0" err="1"/>
+              <a:t>level</a:t>
+            </a:r>
+            <a:r>
+              <a:rPr lang="fr-FR" dirty="0"/>
+              <a:t> RBA, and </a:t>
+            </a:r>
+            <a:r>
+              <a:rPr lang="fr-FR" dirty="0" err="1"/>
+              <a:t>then</a:t>
+            </a:r>
+            <a:r>
+              <a:rPr lang="fr-FR" dirty="0"/>
+              <a:t> at the sentence </a:t>
+            </a:r>
+            <a:r>
+              <a:rPr lang="fr-FR" dirty="0" err="1"/>
+              <a:t>level</a:t>
+            </a:r>
+            <a:r>
+              <a:rPr lang="fr-FR" dirty="0"/>
+              <a:t> RBA, </a:t>
+            </a:r>
+            <a:r>
+              <a:rPr lang="fr-FR" dirty="0" err="1"/>
+              <a:t>which</a:t>
+            </a:r>
+            <a:r>
+              <a:rPr lang="fr-FR" dirty="0"/>
+              <a:t> </a:t>
+            </a:r>
+            <a:r>
+              <a:rPr lang="fr-FR" dirty="0" err="1"/>
+              <a:t>gives</a:t>
+            </a:r>
+            <a:r>
+              <a:rPr lang="fr-FR" dirty="0"/>
+              <a:t> </a:t>
+            </a:r>
+            <a:r>
+              <a:rPr lang="fr-FR" dirty="0" err="1"/>
+              <a:t>it</a:t>
+            </a:r>
+            <a:r>
+              <a:rPr lang="fr-FR" dirty="0"/>
+              <a:t> </a:t>
+            </a:r>
+            <a:r>
+              <a:rPr lang="fr-FR" dirty="0" err="1"/>
+              <a:t>its</a:t>
+            </a:r>
+            <a:r>
+              <a:rPr lang="fr-FR" dirty="0"/>
+              <a:t> </a:t>
+            </a:r>
+            <a:r>
+              <a:rPr lang="fr-FR" dirty="0" err="1"/>
+              <a:t>hierarchical</a:t>
+            </a:r>
+            <a:r>
+              <a:rPr lang="fr-FR" dirty="0"/>
+              <a:t> component.</a:t>
+            </a:r>
+          </a:p>
+          <a:p>
             <a:endParaRPr lang="fr-FR" dirty="0"/>
+          </a:p>
+          <a:p>
+            <a:r>
+              <a:rPr lang="fr-FR" dirty="0"/>
+              <a:t>RBA stands for </a:t>
+            </a:r>
+            <a:r>
+              <a:rPr lang="fr-FR" dirty="0" err="1"/>
+              <a:t>Hierarchical</a:t>
+            </a:r>
+            <a:r>
+              <a:rPr lang="fr-FR" dirty="0"/>
+              <a:t> </a:t>
+            </a:r>
+            <a:r>
+              <a:rPr lang="fr-FR" dirty="0" err="1"/>
+              <a:t>Bidirectionnal</a:t>
+            </a:r>
+            <a:r>
+              <a:rPr lang="fr-FR" dirty="0"/>
+              <a:t> Attentive module and </a:t>
+            </a:r>
+            <a:r>
+              <a:rPr lang="fr-FR" dirty="0" err="1"/>
+              <a:t>is</a:t>
+            </a:r>
+            <a:r>
+              <a:rPr lang="fr-FR" dirty="0"/>
+              <a:t> </a:t>
+            </a:r>
+            <a:r>
+              <a:rPr lang="fr-FR" dirty="0" err="1"/>
+              <a:t>described</a:t>
+            </a:r>
+            <a:r>
+              <a:rPr lang="fr-FR" dirty="0"/>
+              <a:t> in </a:t>
+            </a:r>
+            <a:r>
+              <a:rPr lang="fr-FR" dirty="0" err="1"/>
+              <a:t>detail</a:t>
+            </a:r>
+            <a:r>
+              <a:rPr lang="fr-FR" dirty="0"/>
+              <a:t> in the </a:t>
+            </a:r>
+            <a:r>
+              <a:rPr lang="fr-FR" dirty="0" err="1"/>
+              <a:t>following</a:t>
+            </a:r>
+            <a:r>
+              <a:rPr lang="fr-FR" dirty="0"/>
+              <a:t> slides.</a:t>
+            </a:r>
           </a:p>
         </p:txBody>
       </p:sp>
@@ -1735,7 +1933,7 @@
           <a:p>
             <a:fld id="{DF6148AD-E0EA-F64C-9871-E2424F422EB0}" type="slidenum">
               <a:rPr lang="fr-FR" smtClean="0"/>
-              <a:t>16</a:t>
+              <a:t>15</a:t>
             </a:fld>
             <a:endParaRPr lang="fr-FR"/>
           </a:p>
@@ -1744,7 +1942,7 @@
     </p:spTree>
     <p:extLst>
       <p:ext uri="{BB962C8B-B14F-4D97-AF65-F5344CB8AC3E}">
-        <p14:creationId xmlns:p14="http://schemas.microsoft.com/office/powerpoint/2010/main" val="2053698503"/>
+        <p14:creationId xmlns:p14="http://schemas.microsoft.com/office/powerpoint/2010/main" val="1937514733"/>
       </p:ext>
     </p:extLst>
   </p:cSld>
@@ -1798,7 +1996,13 @@
           <a:bodyPr/>
           <a:lstStyle/>
           <a:p>
-            <a:endParaRPr lang="fr-FR" dirty="0"/>
+            <a:r>
+              <a:rPr lang="en-US" dirty="0"/>
+              <a:t>This work takes its foundation in 3 principal sources: Collaborative Filtering by Matrix Factorization, Leveraging Textual reviews for recommendation and Hierarchical Attentive Network for document classification, which is the article </a:t>
+            </a:r>
+          </a:p>
+          <a:p>
+            <a:endParaRPr lang="en-US" dirty="0"/>
           </a:p>
         </p:txBody>
       </p:sp>
@@ -1819,7 +2023,7 @@
           <a:p>
             <a:fld id="{DF6148AD-E0EA-F64C-9871-E2424F422EB0}" type="slidenum">
               <a:rPr lang="fr-FR" smtClean="0"/>
-              <a:t>17</a:t>
+              <a:t>16</a:t>
             </a:fld>
             <a:endParaRPr lang="fr-FR"/>
           </a:p>
@@ -1828,7 +2032,7 @@
     </p:spTree>
     <p:extLst>
       <p:ext uri="{BB962C8B-B14F-4D97-AF65-F5344CB8AC3E}">
-        <p14:creationId xmlns:p14="http://schemas.microsoft.com/office/powerpoint/2010/main" val="1503097969"/>
+        <p14:creationId xmlns:p14="http://schemas.microsoft.com/office/powerpoint/2010/main" val="962341450"/>
       </p:ext>
     </p:extLst>
   </p:cSld>
@@ -1882,7 +2086,13 @@
           <a:bodyPr/>
           <a:lstStyle/>
           <a:p>
-            <a:endParaRPr lang="fr-FR" dirty="0"/>
+            <a:r>
+              <a:rPr lang="en-US" dirty="0"/>
+              <a:t>This work takes its foundation in 3 principal sources: Collaborative Filtering by Matrix Factorization, Leveraging Textual reviews for recommendation and Hierarchical Attentive Network for document classification, which is the article </a:t>
+            </a:r>
+          </a:p>
+          <a:p>
+            <a:endParaRPr lang="en-US" dirty="0"/>
           </a:p>
         </p:txBody>
       </p:sp>
@@ -1903,7 +2113,7 @@
           <a:p>
             <a:fld id="{DF6148AD-E0EA-F64C-9871-E2424F422EB0}" type="slidenum">
               <a:rPr lang="fr-FR" smtClean="0"/>
-              <a:t>18</a:t>
+              <a:t>17</a:t>
             </a:fld>
             <a:endParaRPr lang="fr-FR"/>
           </a:p>
@@ -1912,7 +2122,7 @@
     </p:spTree>
     <p:extLst>
       <p:ext uri="{BB962C8B-B14F-4D97-AF65-F5344CB8AC3E}">
-        <p14:creationId xmlns:p14="http://schemas.microsoft.com/office/powerpoint/2010/main" val="1937514733"/>
+        <p14:creationId xmlns:p14="http://schemas.microsoft.com/office/powerpoint/2010/main" val="939988272"/>
       </p:ext>
     </p:extLst>
   </p:cSld>
@@ -1987,7 +2197,7 @@
           <a:p>
             <a:fld id="{DF6148AD-E0EA-F64C-9871-E2424F422EB0}" type="slidenum">
               <a:rPr lang="fr-FR" smtClean="0"/>
-              <a:t>19</a:t>
+              <a:t>18</a:t>
             </a:fld>
             <a:endParaRPr lang="fr-FR"/>
           </a:p>
@@ -1996,7 +2206,7 @@
     </p:spTree>
     <p:extLst>
       <p:ext uri="{BB962C8B-B14F-4D97-AF65-F5344CB8AC3E}">
-        <p14:creationId xmlns:p14="http://schemas.microsoft.com/office/powerpoint/2010/main" val="1825974055"/>
+        <p14:creationId xmlns:p14="http://schemas.microsoft.com/office/powerpoint/2010/main" val="2053698503"/>
       </p:ext>
     </p:extLst>
   </p:cSld>
@@ -2164,7 +2374,7 @@
           <a:p>
             <a:fld id="{DF6148AD-E0EA-F64C-9871-E2424F422EB0}" type="slidenum">
               <a:rPr lang="fr-FR" smtClean="0"/>
-              <a:t>20</a:t>
+              <a:t>19</a:t>
             </a:fld>
             <a:endParaRPr lang="fr-FR"/>
           </a:p>
@@ -2173,7 +2383,7 @@
     </p:spTree>
     <p:extLst>
       <p:ext uri="{BB962C8B-B14F-4D97-AF65-F5344CB8AC3E}">
-        <p14:creationId xmlns:p14="http://schemas.microsoft.com/office/powerpoint/2010/main" val="498852983"/>
+        <p14:creationId xmlns:p14="http://schemas.microsoft.com/office/powerpoint/2010/main" val="1503097969"/>
       </p:ext>
     </p:extLst>
   </p:cSld>
@@ -2248,7 +2458,7 @@
           <a:p>
             <a:fld id="{DF6148AD-E0EA-F64C-9871-E2424F422EB0}" type="slidenum">
               <a:rPr lang="fr-FR" smtClean="0"/>
-              <a:t>24</a:t>
+              <a:t>20</a:t>
             </a:fld>
             <a:endParaRPr lang="fr-FR"/>
           </a:p>
@@ -2257,7 +2467,7 @@
     </p:spTree>
     <p:extLst>
       <p:ext uri="{BB962C8B-B14F-4D97-AF65-F5344CB8AC3E}">
-        <p14:creationId xmlns:p14="http://schemas.microsoft.com/office/powerpoint/2010/main" val="1112123642"/>
+        <p14:creationId xmlns:p14="http://schemas.microsoft.com/office/powerpoint/2010/main" val="498852983"/>
       </p:ext>
     </p:extLst>
   </p:cSld>
@@ -2332,7 +2542,7 @@
           <a:p>
             <a:fld id="{DF6148AD-E0EA-F64C-9871-E2424F422EB0}" type="slidenum">
               <a:rPr lang="fr-FR" smtClean="0"/>
-              <a:t>25</a:t>
+              <a:t>24</a:t>
             </a:fld>
             <a:endParaRPr lang="fr-FR"/>
           </a:p>
@@ -2341,7 +2551,7 @@
     </p:spTree>
     <p:extLst>
       <p:ext uri="{BB962C8B-B14F-4D97-AF65-F5344CB8AC3E}">
-        <p14:creationId xmlns:p14="http://schemas.microsoft.com/office/powerpoint/2010/main" val="1923107826"/>
+        <p14:creationId xmlns:p14="http://schemas.microsoft.com/office/powerpoint/2010/main" val="1112123642"/>
       </p:ext>
     </p:extLst>
   </p:cSld>
@@ -2370,7 +2580,7 @@
       </p:grpSpPr>
       <p:sp>
         <p:nvSpPr>
-          <p:cNvPr id="2" name="Slide Image Placeholder 1"/>
+          <p:cNvPr id="2" name="Espace réservé de l'image des diapositives 1"/>
           <p:cNvSpPr>
             <a:spLocks noGrp="1" noRot="1" noChangeAspect="1"/>
           </p:cNvSpPr>
@@ -2382,7 +2592,7 @@
       </p:sp>
       <p:sp>
         <p:nvSpPr>
-          <p:cNvPr id="3" name="Notes Placeholder 2"/>
+          <p:cNvPr id="3" name="Espace réservé des notes 2"/>
           <p:cNvSpPr>
             <a:spLocks noGrp="1"/>
           </p:cNvSpPr>
@@ -2395,13 +2605,13 @@
           <a:bodyPr/>
           <a:lstStyle/>
           <a:p>
-            <a:endParaRPr lang="en-US" dirty="0"/>
-          </a:p>
-        </p:txBody>
-      </p:sp>
-      <p:sp>
-        <p:nvSpPr>
-          <p:cNvPr id="4" name="Slide Number Placeholder 3"/>
+            <a:endParaRPr lang="fr-FR" dirty="0"/>
+          </a:p>
+        </p:txBody>
+      </p:sp>
+      <p:sp>
+        <p:nvSpPr>
+          <p:cNvPr id="4" name="Espace réservé du numéro de diapositive 3"/>
           <p:cNvSpPr>
             <a:spLocks noGrp="1"/>
           </p:cNvSpPr>
@@ -2416,7 +2626,7 @@
           <a:p>
             <a:fld id="{DF6148AD-E0EA-F64C-9871-E2424F422EB0}" type="slidenum">
               <a:rPr lang="fr-FR" smtClean="0"/>
-              <a:t>26</a:t>
+              <a:t>25</a:t>
             </a:fld>
             <a:endParaRPr lang="fr-FR"/>
           </a:p>
@@ -2425,7 +2635,7 @@
     </p:spTree>
     <p:extLst>
       <p:ext uri="{BB962C8B-B14F-4D97-AF65-F5344CB8AC3E}">
-        <p14:creationId xmlns:p14="http://schemas.microsoft.com/office/powerpoint/2010/main" val="4290829474"/>
+        <p14:creationId xmlns:p14="http://schemas.microsoft.com/office/powerpoint/2010/main" val="1923107826"/>
       </p:ext>
     </p:extLst>
   </p:cSld>
@@ -2479,7 +2689,7 @@
           <a:bodyPr/>
           <a:lstStyle/>
           <a:p>
-            <a:endParaRPr lang="en-US" b="1" dirty="0"/>
+            <a:endParaRPr lang="en-US" dirty="0"/>
           </a:p>
         </p:txBody>
       </p:sp>
@@ -2500,7 +2710,7 @@
           <a:p>
             <a:fld id="{DF6148AD-E0EA-F64C-9871-E2424F422EB0}" type="slidenum">
               <a:rPr lang="fr-FR" smtClean="0"/>
-              <a:t>28</a:t>
+              <a:t>26</a:t>
             </a:fld>
             <a:endParaRPr lang="fr-FR"/>
           </a:p>
@@ -2509,7 +2719,7 @@
     </p:spTree>
     <p:extLst>
       <p:ext uri="{BB962C8B-B14F-4D97-AF65-F5344CB8AC3E}">
-        <p14:creationId xmlns:p14="http://schemas.microsoft.com/office/powerpoint/2010/main" val="579577596"/>
+        <p14:creationId xmlns:p14="http://schemas.microsoft.com/office/powerpoint/2010/main" val="4290829474"/>
       </p:ext>
     </p:extLst>
   </p:cSld>
@@ -2584,7 +2794,7 @@
           <a:p>
             <a:fld id="{DF6148AD-E0EA-F64C-9871-E2424F422EB0}" type="slidenum">
               <a:rPr lang="fr-FR" smtClean="0"/>
-              <a:t>29</a:t>
+              <a:t>28</a:t>
             </a:fld>
             <a:endParaRPr lang="fr-FR"/>
           </a:p>
@@ -2593,7 +2803,7 @@
     </p:spTree>
     <p:extLst>
       <p:ext uri="{BB962C8B-B14F-4D97-AF65-F5344CB8AC3E}">
-        <p14:creationId xmlns:p14="http://schemas.microsoft.com/office/powerpoint/2010/main" val="2720143263"/>
+        <p14:creationId xmlns:p14="http://schemas.microsoft.com/office/powerpoint/2010/main" val="579577596"/>
       </p:ext>
     </p:extLst>
   </p:cSld>
@@ -2668,7 +2878,7 @@
           <a:p>
             <a:fld id="{DF6148AD-E0EA-F64C-9871-E2424F422EB0}" type="slidenum">
               <a:rPr lang="fr-FR" smtClean="0"/>
-              <a:t>30</a:t>
+              <a:t>29</a:t>
             </a:fld>
             <a:endParaRPr lang="fr-FR"/>
           </a:p>
@@ -2677,7 +2887,7 @@
     </p:spTree>
     <p:extLst>
       <p:ext uri="{BB962C8B-B14F-4D97-AF65-F5344CB8AC3E}">
-        <p14:creationId xmlns:p14="http://schemas.microsoft.com/office/powerpoint/2010/main" val="3578268211"/>
+        <p14:creationId xmlns:p14="http://schemas.microsoft.com/office/powerpoint/2010/main" val="2720143263"/>
       </p:ext>
     </p:extLst>
   </p:cSld>
@@ -2706,7 +2916,7 @@
       </p:grpSpPr>
       <p:sp>
         <p:nvSpPr>
-          <p:cNvPr id="2" name="Espace réservé de l'image des diapositives 1"/>
+          <p:cNvPr id="2" name="Slide Image Placeholder 1"/>
           <p:cNvSpPr>
             <a:spLocks noGrp="1" noRot="1" noChangeAspect="1"/>
           </p:cNvSpPr>
@@ -2718,7 +2928,7 @@
       </p:sp>
       <p:sp>
         <p:nvSpPr>
-          <p:cNvPr id="3" name="Espace réservé des notes 2"/>
+          <p:cNvPr id="3" name="Notes Placeholder 2"/>
           <p:cNvSpPr>
             <a:spLocks noGrp="1"/>
           </p:cNvSpPr>
@@ -2731,13 +2941,13 @@
           <a:bodyPr/>
           <a:lstStyle/>
           <a:p>
-            <a:endParaRPr lang="fr-FR" dirty="0"/>
-          </a:p>
-        </p:txBody>
-      </p:sp>
-      <p:sp>
-        <p:nvSpPr>
-          <p:cNvPr id="4" name="Espace réservé du numéro de diapositive 3"/>
+            <a:endParaRPr lang="en-US" b="1" dirty="0"/>
+          </a:p>
+        </p:txBody>
+      </p:sp>
+      <p:sp>
+        <p:nvSpPr>
+          <p:cNvPr id="4" name="Slide Number Placeholder 3"/>
           <p:cNvSpPr>
             <a:spLocks noGrp="1"/>
           </p:cNvSpPr>
@@ -2752,7 +2962,7 @@
           <a:p>
             <a:fld id="{DF6148AD-E0EA-F64C-9871-E2424F422EB0}" type="slidenum">
               <a:rPr lang="fr-FR" smtClean="0"/>
-              <a:t>31</a:t>
+              <a:t>30</a:t>
             </a:fld>
             <a:endParaRPr lang="fr-FR"/>
           </a:p>
@@ -2761,7 +2971,7 @@
     </p:spTree>
     <p:extLst>
       <p:ext uri="{BB962C8B-B14F-4D97-AF65-F5344CB8AC3E}">
-        <p14:creationId xmlns:p14="http://schemas.microsoft.com/office/powerpoint/2010/main" val="3916281562"/>
+        <p14:creationId xmlns:p14="http://schemas.microsoft.com/office/powerpoint/2010/main" val="3578268211"/>
       </p:ext>
     </p:extLst>
   </p:cSld>
@@ -2836,7 +3046,7 @@
           <a:p>
             <a:fld id="{DF6148AD-E0EA-F64C-9871-E2424F422EB0}" type="slidenum">
               <a:rPr lang="fr-FR" smtClean="0"/>
-              <a:t>34</a:t>
+              <a:t>31</a:t>
             </a:fld>
             <a:endParaRPr lang="fr-FR"/>
           </a:p>
@@ -2845,7 +3055,7 @@
     </p:spTree>
     <p:extLst>
       <p:ext uri="{BB962C8B-B14F-4D97-AF65-F5344CB8AC3E}">
-        <p14:creationId xmlns:p14="http://schemas.microsoft.com/office/powerpoint/2010/main" val="1119200689"/>
+        <p14:creationId xmlns:p14="http://schemas.microsoft.com/office/powerpoint/2010/main" val="3916281562"/>
       </p:ext>
     </p:extLst>
   </p:cSld>
@@ -2920,7 +3130,7 @@
           <a:p>
             <a:fld id="{DF6148AD-E0EA-F64C-9871-E2424F422EB0}" type="slidenum">
               <a:rPr lang="fr-FR" smtClean="0"/>
-              <a:t>35</a:t>
+              <a:t>34</a:t>
             </a:fld>
             <a:endParaRPr lang="fr-FR"/>
           </a:p>
@@ -2929,7 +3139,7 @@
     </p:spTree>
     <p:extLst>
       <p:ext uri="{BB962C8B-B14F-4D97-AF65-F5344CB8AC3E}">
-        <p14:creationId xmlns:p14="http://schemas.microsoft.com/office/powerpoint/2010/main" val="58311073"/>
+        <p14:creationId xmlns:p14="http://schemas.microsoft.com/office/powerpoint/2010/main" val="1119200689"/>
       </p:ext>
     </p:extLst>
   </p:cSld>
@@ -3082,6 +3292,567 @@
           <a:bodyPr/>
           <a:lstStyle/>
           <a:p>
+            <a:pPr marL="0" marR="0" lvl="0" indent="0" algn="l" defTabSz="914400" rtl="0" eaLnBrk="1" fontAlgn="auto" latinLnBrk="0" hangingPunct="1">
+              <a:lnSpc>
+                <a:spcPct val="100000"/>
+              </a:lnSpc>
+              <a:spcBef>
+                <a:spcPts val="0"/>
+              </a:spcBef>
+              <a:spcAft>
+                <a:spcPts val="0"/>
+              </a:spcAft>
+              <a:buClrTx/>
+              <a:buSzTx/>
+              <a:buFontTx/>
+              <a:buNone/>
+              <a:tabLst/>
+              <a:defRPr/>
+            </a:pPr>
+            <a:r>
+              <a:rPr lang="fr-FR" sz="1200" b="0" kern="1200" dirty="0">
+                <a:solidFill>
+                  <a:schemeClr val="tx1"/>
+                </a:solidFill>
+                <a:effectLst/>
+                <a:latin typeface="+mn-lt"/>
+                <a:ea typeface="+mn-ea"/>
+                <a:cs typeface="+mn-cs"/>
+              </a:rPr>
+              <a:t>The user profile </a:t>
+            </a:r>
+            <a:r>
+              <a:rPr lang="fr-FR" sz="1200" b="0" kern="1200" dirty="0" err="1">
+                <a:solidFill>
+                  <a:schemeClr val="tx1"/>
+                </a:solidFill>
+                <a:effectLst/>
+                <a:latin typeface="+mn-lt"/>
+                <a:ea typeface="+mn-ea"/>
+                <a:cs typeface="+mn-cs"/>
+              </a:rPr>
+              <a:t>is</a:t>
+            </a:r>
+            <a:r>
+              <a:rPr lang="fr-FR" sz="1200" b="0" kern="1200" dirty="0">
+                <a:solidFill>
+                  <a:schemeClr val="tx1"/>
+                </a:solidFill>
+                <a:effectLst/>
+                <a:latin typeface="+mn-lt"/>
+                <a:ea typeface="+mn-ea"/>
+                <a:cs typeface="+mn-cs"/>
+              </a:rPr>
+              <a:t> </a:t>
+            </a:r>
+            <a:r>
+              <a:rPr lang="fr-FR" sz="1200" b="0" kern="1200" dirty="0" err="1">
+                <a:solidFill>
+                  <a:schemeClr val="tx1"/>
+                </a:solidFill>
+                <a:effectLst/>
+                <a:latin typeface="+mn-lt"/>
+                <a:ea typeface="+mn-ea"/>
+                <a:cs typeface="+mn-cs"/>
+              </a:rPr>
+              <a:t>built</a:t>
+            </a:r>
+            <a:r>
+              <a:rPr lang="fr-FR" sz="1200" b="0" kern="1200" dirty="0">
+                <a:solidFill>
+                  <a:schemeClr val="tx1"/>
+                </a:solidFill>
+                <a:effectLst/>
+                <a:latin typeface="+mn-lt"/>
+                <a:ea typeface="+mn-ea"/>
+                <a:cs typeface="+mn-cs"/>
+              </a:rPr>
+              <a:t> by </a:t>
+            </a:r>
+            <a:r>
+              <a:rPr lang="fr-FR" sz="1200" b="0" kern="1200" dirty="0" err="1">
+                <a:solidFill>
+                  <a:schemeClr val="tx1"/>
+                </a:solidFill>
+                <a:effectLst/>
+                <a:latin typeface="+mn-lt"/>
+                <a:ea typeface="+mn-ea"/>
+                <a:cs typeface="+mn-cs"/>
+              </a:rPr>
+              <a:t>encoding</a:t>
+            </a:r>
+            <a:r>
+              <a:rPr lang="fr-FR" sz="1200" b="0" kern="1200" dirty="0">
+                <a:solidFill>
+                  <a:schemeClr val="tx1"/>
+                </a:solidFill>
+                <a:effectLst/>
+                <a:latin typeface="+mn-lt"/>
+                <a:ea typeface="+mn-ea"/>
+                <a:cs typeface="+mn-cs"/>
+              </a:rPr>
+              <a:t> </a:t>
+            </a:r>
+            <a:r>
+              <a:rPr lang="fr-FR" sz="1200" b="0" kern="1200" dirty="0" err="1">
+                <a:solidFill>
+                  <a:schemeClr val="tx1"/>
+                </a:solidFill>
+                <a:effectLst/>
+                <a:latin typeface="+mn-lt"/>
+                <a:ea typeface="+mn-ea"/>
+                <a:cs typeface="+mn-cs"/>
+              </a:rPr>
+              <a:t>their</a:t>
+            </a:r>
+            <a:r>
+              <a:rPr lang="fr-FR" sz="1200" b="0" kern="1200" dirty="0">
+                <a:solidFill>
+                  <a:schemeClr val="tx1"/>
+                </a:solidFill>
+                <a:effectLst/>
+                <a:latin typeface="+mn-lt"/>
+                <a:ea typeface="+mn-ea"/>
+                <a:cs typeface="+mn-cs"/>
+              </a:rPr>
+              <a:t> </a:t>
+            </a:r>
+            <a:r>
+              <a:rPr lang="fr-FR" sz="1200" b="0" kern="1200" dirty="0" err="1">
+                <a:solidFill>
+                  <a:schemeClr val="tx1"/>
+                </a:solidFill>
+                <a:effectLst/>
+                <a:latin typeface="+mn-lt"/>
+                <a:ea typeface="+mn-ea"/>
+                <a:cs typeface="+mn-cs"/>
+              </a:rPr>
+              <a:t>t</a:t>
+            </a:r>
+            <a:r>
+              <a:rPr lang="fr-FR" sz="1200" b="0" kern="1200" dirty="0">
+                <a:solidFill>
+                  <a:schemeClr val="tx1"/>
+                </a:solidFill>
+                <a:effectLst/>
+                <a:latin typeface="+mn-lt"/>
+                <a:ea typeface="+mn-ea"/>
+                <a:cs typeface="+mn-cs"/>
+              </a:rPr>
+              <a:t> first </a:t>
+            </a:r>
+            <a:r>
+              <a:rPr lang="fr-FR" sz="1200" b="0" kern="1200" dirty="0" err="1">
+                <a:solidFill>
+                  <a:schemeClr val="tx1"/>
+                </a:solidFill>
+                <a:effectLst/>
+                <a:latin typeface="+mn-lt"/>
+                <a:ea typeface="+mn-ea"/>
+                <a:cs typeface="+mn-cs"/>
+              </a:rPr>
+              <a:t>professional</a:t>
+            </a:r>
+            <a:r>
+              <a:rPr lang="fr-FR" sz="1200" b="0" kern="1200" dirty="0">
+                <a:solidFill>
+                  <a:schemeClr val="tx1"/>
+                </a:solidFill>
+                <a:effectLst/>
+                <a:latin typeface="+mn-lt"/>
+                <a:ea typeface="+mn-ea"/>
+                <a:cs typeface="+mn-cs"/>
+              </a:rPr>
+              <a:t> </a:t>
+            </a:r>
+            <a:r>
+              <a:rPr lang="fr-FR" sz="1200" b="0" kern="1200" dirty="0" err="1">
+                <a:solidFill>
+                  <a:schemeClr val="tx1"/>
+                </a:solidFill>
+                <a:effectLst/>
+                <a:latin typeface="+mn-lt"/>
+                <a:ea typeface="+mn-ea"/>
+                <a:cs typeface="+mn-cs"/>
+              </a:rPr>
+              <a:t>experiences</a:t>
+            </a:r>
+            <a:r>
+              <a:rPr lang="fr-FR" sz="1200" b="0" kern="1200" dirty="0">
+                <a:solidFill>
+                  <a:schemeClr val="tx1"/>
+                </a:solidFill>
+                <a:effectLst/>
+                <a:latin typeface="+mn-lt"/>
+                <a:ea typeface="+mn-ea"/>
+                <a:cs typeface="+mn-cs"/>
+              </a:rPr>
+              <a:t> (or jobs). </a:t>
+            </a:r>
+          </a:p>
+          <a:p>
+            <a:pPr marL="0" marR="0" lvl="0" indent="0" algn="l" defTabSz="914400" rtl="0" eaLnBrk="1" fontAlgn="auto" latinLnBrk="0" hangingPunct="1">
+              <a:lnSpc>
+                <a:spcPct val="100000"/>
+              </a:lnSpc>
+              <a:spcBef>
+                <a:spcPts val="0"/>
+              </a:spcBef>
+              <a:spcAft>
+                <a:spcPts val="0"/>
+              </a:spcAft>
+              <a:buClrTx/>
+              <a:buSzTx/>
+              <a:buFontTx/>
+              <a:buNone/>
+              <a:tabLst/>
+              <a:defRPr/>
+            </a:pPr>
+            <a:r>
+              <a:rPr lang="fr-FR" sz="1200" b="0" kern="1200" dirty="0" err="1">
+                <a:solidFill>
+                  <a:schemeClr val="tx1"/>
+                </a:solidFill>
+                <a:effectLst/>
+                <a:latin typeface="+mn-lt"/>
+                <a:ea typeface="+mn-ea"/>
+                <a:cs typeface="+mn-cs"/>
+              </a:rPr>
+              <a:t>Then</a:t>
+            </a:r>
+            <a:r>
+              <a:rPr lang="fr-FR" sz="1200" b="0" kern="1200" dirty="0">
+                <a:solidFill>
+                  <a:schemeClr val="tx1"/>
+                </a:solidFill>
+                <a:effectLst/>
+                <a:latin typeface="+mn-lt"/>
+                <a:ea typeface="+mn-ea"/>
+                <a:cs typeface="+mn-cs"/>
+              </a:rPr>
+              <a:t>, a </a:t>
+            </a:r>
+            <a:r>
+              <a:rPr lang="fr-FR" sz="1200" b="0" kern="1200" dirty="0" err="1">
+                <a:solidFill>
+                  <a:schemeClr val="tx1"/>
+                </a:solidFill>
+                <a:effectLst/>
+                <a:latin typeface="+mn-lt"/>
+                <a:ea typeface="+mn-ea"/>
+                <a:cs typeface="+mn-cs"/>
+              </a:rPr>
+              <a:t>decoder</a:t>
+            </a:r>
+            <a:r>
+              <a:rPr lang="fr-FR" sz="1200" b="0" kern="1200" dirty="0">
+                <a:solidFill>
+                  <a:schemeClr val="tx1"/>
+                </a:solidFill>
+                <a:effectLst/>
+                <a:latin typeface="+mn-lt"/>
+                <a:ea typeface="+mn-ea"/>
+                <a:cs typeface="+mn-cs"/>
+              </a:rPr>
+              <a:t> </a:t>
+            </a:r>
+            <a:r>
+              <a:rPr lang="fr-FR" sz="1200" b="0" kern="1200" dirty="0" err="1">
+                <a:solidFill>
+                  <a:schemeClr val="tx1"/>
+                </a:solidFill>
+                <a:effectLst/>
+                <a:latin typeface="+mn-lt"/>
+                <a:ea typeface="+mn-ea"/>
+                <a:cs typeface="+mn-cs"/>
+              </a:rPr>
+              <a:t>is</a:t>
+            </a:r>
+            <a:r>
+              <a:rPr lang="fr-FR" sz="1200" b="0" kern="1200" dirty="0">
+                <a:solidFill>
+                  <a:schemeClr val="tx1"/>
+                </a:solidFill>
+                <a:effectLst/>
+                <a:latin typeface="+mn-lt"/>
+                <a:ea typeface="+mn-ea"/>
+                <a:cs typeface="+mn-cs"/>
+              </a:rPr>
+              <a:t> </a:t>
+            </a:r>
+            <a:r>
+              <a:rPr lang="fr-FR" sz="1200" b="0" kern="1200" dirty="0" err="1">
+                <a:solidFill>
+                  <a:schemeClr val="tx1"/>
+                </a:solidFill>
+                <a:effectLst/>
+                <a:latin typeface="+mn-lt"/>
+                <a:ea typeface="+mn-ea"/>
+                <a:cs typeface="+mn-cs"/>
+              </a:rPr>
+              <a:t>trained</a:t>
+            </a:r>
+            <a:r>
+              <a:rPr lang="fr-FR" sz="1200" b="0" kern="1200" dirty="0">
+                <a:solidFill>
+                  <a:schemeClr val="tx1"/>
+                </a:solidFill>
+                <a:effectLst/>
+                <a:latin typeface="+mn-lt"/>
+                <a:ea typeface="+mn-ea"/>
+                <a:cs typeface="+mn-cs"/>
+              </a:rPr>
+              <a:t> to </a:t>
+            </a:r>
+            <a:r>
+              <a:rPr lang="fr-FR" sz="1200" b="0" kern="1200" dirty="0" err="1">
+                <a:solidFill>
+                  <a:schemeClr val="tx1"/>
+                </a:solidFill>
+                <a:effectLst/>
+                <a:latin typeface="+mn-lt"/>
+                <a:ea typeface="+mn-ea"/>
+                <a:cs typeface="+mn-cs"/>
+              </a:rPr>
+              <a:t>generate</a:t>
+            </a:r>
+            <a:r>
+              <a:rPr lang="fr-FR" sz="1200" b="0" kern="1200" dirty="0">
+                <a:solidFill>
+                  <a:schemeClr val="tx1"/>
+                </a:solidFill>
+                <a:effectLst/>
+                <a:latin typeface="+mn-lt"/>
+                <a:ea typeface="+mn-ea"/>
+                <a:cs typeface="+mn-cs"/>
+              </a:rPr>
+              <a:t> the </a:t>
+            </a:r>
+            <a:r>
+              <a:rPr lang="fr-FR" sz="1200" b="0" kern="1200" dirty="0" err="1">
+                <a:solidFill>
+                  <a:schemeClr val="tx1"/>
+                </a:solidFill>
+                <a:effectLst/>
+                <a:latin typeface="+mn-lt"/>
+                <a:ea typeface="+mn-ea"/>
+                <a:cs typeface="+mn-cs"/>
+              </a:rPr>
+              <a:t>user's</a:t>
+            </a:r>
+            <a:r>
+              <a:rPr lang="fr-FR" sz="1200" b="0" kern="1200" dirty="0">
+                <a:solidFill>
+                  <a:schemeClr val="tx1"/>
+                </a:solidFill>
+                <a:effectLst/>
+                <a:latin typeface="+mn-lt"/>
+                <a:ea typeface="+mn-ea"/>
+                <a:cs typeface="+mn-cs"/>
+              </a:rPr>
+              <a:t> last job, </a:t>
+            </a:r>
+            <a:r>
+              <a:rPr lang="fr-FR" sz="1200" b="0" kern="1200" dirty="0" err="1">
+                <a:solidFill>
+                  <a:schemeClr val="tx1"/>
+                </a:solidFill>
+                <a:effectLst/>
+                <a:latin typeface="+mn-lt"/>
+                <a:ea typeface="+mn-ea"/>
+                <a:cs typeface="+mn-cs"/>
+              </a:rPr>
+              <a:t>Job_t</a:t>
+            </a:r>
+            <a:r>
+              <a:rPr lang="fr-FR" sz="1200" b="0" kern="1200" dirty="0">
+                <a:solidFill>
+                  <a:schemeClr val="tx1"/>
+                </a:solidFill>
+                <a:effectLst/>
+                <a:latin typeface="+mn-lt"/>
+                <a:ea typeface="+mn-ea"/>
+                <a:cs typeface="+mn-cs"/>
+              </a:rPr>
+              <a:t> .</a:t>
+            </a:r>
+          </a:p>
+          <a:p>
+            <a:pPr marL="0" marR="0" lvl="0" indent="0" algn="l" defTabSz="914400" rtl="0" eaLnBrk="1" fontAlgn="auto" latinLnBrk="0" hangingPunct="1">
+              <a:lnSpc>
+                <a:spcPct val="100000"/>
+              </a:lnSpc>
+              <a:spcBef>
+                <a:spcPts val="0"/>
+              </a:spcBef>
+              <a:spcAft>
+                <a:spcPts val="0"/>
+              </a:spcAft>
+              <a:buClrTx/>
+              <a:buSzTx/>
+              <a:buFontTx/>
+              <a:buNone/>
+              <a:tabLst/>
+              <a:defRPr/>
+            </a:pPr>
+            <a:r>
+              <a:rPr lang="fr-FR" sz="1200" b="0" kern="1200" dirty="0">
+                <a:solidFill>
+                  <a:schemeClr val="tx1"/>
+                </a:solidFill>
+                <a:effectLst/>
+                <a:latin typeface="+mn-lt"/>
+                <a:ea typeface="+mn-ea"/>
+                <a:cs typeface="+mn-cs"/>
+              </a:rPr>
+              <a:t>This formulation </a:t>
+            </a:r>
+            <a:r>
+              <a:rPr lang="fr-FR" sz="1200" b="0" kern="1200" dirty="0" err="1">
+                <a:solidFill>
+                  <a:schemeClr val="tx1"/>
+                </a:solidFill>
+                <a:effectLst/>
+                <a:latin typeface="+mn-lt"/>
+                <a:ea typeface="+mn-ea"/>
+                <a:cs typeface="+mn-cs"/>
+              </a:rPr>
+              <a:t>is</a:t>
+            </a:r>
+            <a:r>
+              <a:rPr lang="fr-FR" sz="1200" b="0" kern="1200" dirty="0">
+                <a:solidFill>
+                  <a:schemeClr val="tx1"/>
+                </a:solidFill>
+                <a:effectLst/>
+                <a:latin typeface="+mn-lt"/>
+                <a:ea typeface="+mn-ea"/>
+                <a:cs typeface="+mn-cs"/>
+              </a:rPr>
+              <a:t> a </a:t>
+            </a:r>
+            <a:r>
+              <a:rPr lang="fr-FR" sz="1200" b="0" kern="1200" dirty="0" err="1">
+                <a:solidFill>
+                  <a:schemeClr val="tx1"/>
+                </a:solidFill>
+                <a:effectLst/>
+                <a:latin typeface="+mn-lt"/>
+                <a:ea typeface="+mn-ea"/>
+                <a:cs typeface="+mn-cs"/>
+              </a:rPr>
+              <a:t>practical</a:t>
+            </a:r>
+            <a:r>
+              <a:rPr lang="fr-FR" sz="1200" b="0" kern="1200" dirty="0">
+                <a:solidFill>
+                  <a:schemeClr val="tx1"/>
+                </a:solidFill>
+                <a:effectLst/>
+                <a:latin typeface="+mn-lt"/>
+                <a:ea typeface="+mn-ea"/>
+                <a:cs typeface="+mn-cs"/>
+              </a:rPr>
+              <a:t> proxy for </a:t>
+            </a:r>
+            <a:r>
+              <a:rPr lang="fr-FR" sz="1200" b="0" kern="1200" dirty="0" err="1">
+                <a:solidFill>
+                  <a:schemeClr val="tx1"/>
+                </a:solidFill>
+                <a:effectLst/>
+                <a:latin typeface="+mn-lt"/>
+                <a:ea typeface="+mn-ea"/>
+                <a:cs typeface="+mn-cs"/>
+              </a:rPr>
+              <a:t>learning</a:t>
+            </a:r>
+            <a:r>
+              <a:rPr lang="fr-FR" sz="1200" b="0" kern="1200" dirty="0">
+                <a:solidFill>
+                  <a:schemeClr val="tx1"/>
+                </a:solidFill>
+                <a:effectLst/>
+                <a:latin typeface="+mn-lt"/>
+                <a:ea typeface="+mn-ea"/>
+                <a:cs typeface="+mn-cs"/>
+              </a:rPr>
+              <a:t> to </a:t>
+            </a:r>
+            <a:r>
+              <a:rPr lang="fr-FR" sz="1200" b="0" kern="1200" dirty="0" err="1">
+                <a:solidFill>
+                  <a:schemeClr val="tx1"/>
+                </a:solidFill>
+                <a:effectLst/>
+                <a:latin typeface="+mn-lt"/>
+                <a:ea typeface="+mn-ea"/>
+                <a:cs typeface="+mn-cs"/>
+              </a:rPr>
+              <a:t>predict</a:t>
+            </a:r>
+            <a:r>
+              <a:rPr lang="fr-FR" sz="1200" b="0" kern="1200" dirty="0">
+                <a:solidFill>
+                  <a:schemeClr val="tx1"/>
+                </a:solidFill>
+                <a:effectLst/>
+                <a:latin typeface="+mn-lt"/>
+                <a:ea typeface="+mn-ea"/>
+                <a:cs typeface="+mn-cs"/>
+              </a:rPr>
+              <a:t> a </a:t>
+            </a:r>
+            <a:r>
+              <a:rPr lang="fr-FR" sz="1200" b="0" kern="1200" dirty="0" err="1">
+                <a:solidFill>
+                  <a:schemeClr val="tx1"/>
+                </a:solidFill>
+                <a:effectLst/>
+                <a:latin typeface="+mn-lt"/>
+                <a:ea typeface="+mn-ea"/>
+                <a:cs typeface="+mn-cs"/>
+              </a:rPr>
+              <a:t>user's</a:t>
+            </a:r>
+            <a:r>
+              <a:rPr lang="fr-FR" sz="1200" b="0" kern="1200" dirty="0">
+                <a:solidFill>
+                  <a:schemeClr val="tx1"/>
+                </a:solidFill>
+                <a:effectLst/>
+                <a:latin typeface="+mn-lt"/>
+                <a:ea typeface="+mn-ea"/>
+                <a:cs typeface="+mn-cs"/>
+              </a:rPr>
+              <a:t> </a:t>
+            </a:r>
+            <a:r>
+              <a:rPr lang="fr-FR" sz="1200" b="0" kern="1200" dirty="0" err="1">
+                <a:solidFill>
+                  <a:schemeClr val="tx1"/>
+                </a:solidFill>
+                <a:effectLst/>
+                <a:latin typeface="+mn-lt"/>
+                <a:ea typeface="+mn-ea"/>
+                <a:cs typeface="+mn-cs"/>
+              </a:rPr>
+              <a:t>next</a:t>
+            </a:r>
+            <a:r>
+              <a:rPr lang="fr-FR" sz="1200" b="0" kern="1200" dirty="0">
+                <a:solidFill>
+                  <a:schemeClr val="tx1"/>
+                </a:solidFill>
+                <a:effectLst/>
+                <a:latin typeface="+mn-lt"/>
+                <a:ea typeface="+mn-ea"/>
+                <a:cs typeface="+mn-cs"/>
+              </a:rPr>
+              <a:t> job.</a:t>
+            </a:r>
+          </a:p>
+          <a:p>
             <a:endParaRPr lang="fr-FR" dirty="0"/>
           </a:p>
         </p:txBody>
@@ -3103,7 +3874,7 @@
           <a:p>
             <a:fld id="{DF6148AD-E0EA-F64C-9871-E2424F422EB0}" type="slidenum">
               <a:rPr lang="fr-FR" smtClean="0"/>
-              <a:t>36</a:t>
+              <a:t>35</a:t>
             </a:fld>
             <a:endParaRPr lang="fr-FR"/>
           </a:p>
@@ -3112,7 +3883,7 @@
     </p:spTree>
     <p:extLst>
       <p:ext uri="{BB962C8B-B14F-4D97-AF65-F5344CB8AC3E}">
-        <p14:creationId xmlns:p14="http://schemas.microsoft.com/office/powerpoint/2010/main" val="674897750"/>
+        <p14:creationId xmlns:p14="http://schemas.microsoft.com/office/powerpoint/2010/main" val="58311073"/>
       </p:ext>
     </p:extLst>
   </p:cSld>
@@ -3187,7 +3958,7 @@
           <a:p>
             <a:fld id="{DF6148AD-E0EA-F64C-9871-E2424F422EB0}" type="slidenum">
               <a:rPr lang="fr-FR" smtClean="0"/>
-              <a:t>37</a:t>
+              <a:t>36</a:t>
             </a:fld>
             <a:endParaRPr lang="fr-FR"/>
           </a:p>
@@ -3196,7 +3967,7 @@
     </p:spTree>
     <p:extLst>
       <p:ext uri="{BB962C8B-B14F-4D97-AF65-F5344CB8AC3E}">
-        <p14:creationId xmlns:p14="http://schemas.microsoft.com/office/powerpoint/2010/main" val="3513811422"/>
+        <p14:creationId xmlns:p14="http://schemas.microsoft.com/office/powerpoint/2010/main" val="674897750"/>
       </p:ext>
     </p:extLst>
   </p:cSld>
@@ -3271,7 +4042,7 @@
           <a:p>
             <a:fld id="{DF6148AD-E0EA-F64C-9871-E2424F422EB0}" type="slidenum">
               <a:rPr lang="fr-FR" smtClean="0"/>
-              <a:t>38</a:t>
+              <a:t>37</a:t>
             </a:fld>
             <a:endParaRPr lang="fr-FR"/>
           </a:p>
@@ -3280,7 +4051,7 @@
     </p:spTree>
     <p:extLst>
       <p:ext uri="{BB962C8B-B14F-4D97-AF65-F5344CB8AC3E}">
-        <p14:creationId xmlns:p14="http://schemas.microsoft.com/office/powerpoint/2010/main" val="4092050723"/>
+        <p14:creationId xmlns:p14="http://schemas.microsoft.com/office/powerpoint/2010/main" val="3513811422"/>
       </p:ext>
     </p:extLst>
   </p:cSld>
@@ -3355,7 +4126,7 @@
           <a:p>
             <a:fld id="{DF6148AD-E0EA-F64C-9871-E2424F422EB0}" type="slidenum">
               <a:rPr lang="fr-FR" smtClean="0"/>
-              <a:t>39</a:t>
+              <a:t>38</a:t>
             </a:fld>
             <a:endParaRPr lang="fr-FR"/>
           </a:p>
@@ -3364,7 +4135,7 @@
     </p:spTree>
     <p:extLst>
       <p:ext uri="{BB962C8B-B14F-4D97-AF65-F5344CB8AC3E}">
-        <p14:creationId xmlns:p14="http://schemas.microsoft.com/office/powerpoint/2010/main" val="2059705940"/>
+        <p14:creationId xmlns:p14="http://schemas.microsoft.com/office/powerpoint/2010/main" val="4092050723"/>
       </p:ext>
     </p:extLst>
   </p:cSld>
@@ -3439,7 +4210,7 @@
           <a:p>
             <a:fld id="{DF6148AD-E0EA-F64C-9871-E2424F422EB0}" type="slidenum">
               <a:rPr lang="fr-FR" smtClean="0"/>
-              <a:t>40</a:t>
+              <a:t>39</a:t>
             </a:fld>
             <a:endParaRPr lang="fr-FR"/>
           </a:p>
@@ -3448,7 +4219,7 @@
     </p:spTree>
     <p:extLst>
       <p:ext uri="{BB962C8B-B14F-4D97-AF65-F5344CB8AC3E}">
-        <p14:creationId xmlns:p14="http://schemas.microsoft.com/office/powerpoint/2010/main" val="3059825053"/>
+        <p14:creationId xmlns:p14="http://schemas.microsoft.com/office/powerpoint/2010/main" val="2059705940"/>
       </p:ext>
     </p:extLst>
   </p:cSld>
@@ -3477,7 +4248,7 @@
       </p:grpSpPr>
       <p:sp>
         <p:nvSpPr>
-          <p:cNvPr id="2" name="Slide Image Placeholder 1"/>
+          <p:cNvPr id="2" name="Espace réservé de l'image des diapositives 1"/>
           <p:cNvSpPr>
             <a:spLocks noGrp="1" noRot="1" noChangeAspect="1"/>
           </p:cNvSpPr>
@@ -3489,7 +4260,7 @@
       </p:sp>
       <p:sp>
         <p:nvSpPr>
-          <p:cNvPr id="3" name="Notes Placeholder 2"/>
+          <p:cNvPr id="3" name="Espace réservé des notes 2"/>
           <p:cNvSpPr>
             <a:spLocks noGrp="1"/>
           </p:cNvSpPr>
@@ -3502,13 +4273,13 @@
           <a:bodyPr/>
           <a:lstStyle/>
           <a:p>
-            <a:endParaRPr lang="en-US" dirty="0"/>
-          </a:p>
-        </p:txBody>
-      </p:sp>
-      <p:sp>
-        <p:nvSpPr>
-          <p:cNvPr id="4" name="Slide Number Placeholder 3"/>
+            <a:endParaRPr lang="fr-FR" dirty="0"/>
+          </a:p>
+        </p:txBody>
+      </p:sp>
+      <p:sp>
+        <p:nvSpPr>
+          <p:cNvPr id="4" name="Espace réservé du numéro de diapositive 3"/>
           <p:cNvSpPr>
             <a:spLocks noGrp="1"/>
           </p:cNvSpPr>
@@ -3523,7 +4294,7 @@
           <a:p>
             <a:fld id="{DF6148AD-E0EA-F64C-9871-E2424F422EB0}" type="slidenum">
               <a:rPr lang="fr-FR" smtClean="0"/>
-              <a:t>41</a:t>
+              <a:t>40</a:t>
             </a:fld>
             <a:endParaRPr lang="fr-FR"/>
           </a:p>
@@ -3532,7 +4303,7 @@
     </p:spTree>
     <p:extLst>
       <p:ext uri="{BB962C8B-B14F-4D97-AF65-F5344CB8AC3E}">
-        <p14:creationId xmlns:p14="http://schemas.microsoft.com/office/powerpoint/2010/main" val="3483653300"/>
+        <p14:creationId xmlns:p14="http://schemas.microsoft.com/office/powerpoint/2010/main" val="3059825053"/>
       </p:ext>
     </p:extLst>
   </p:cSld>
@@ -3586,7 +4357,7 @@
           <a:bodyPr/>
           <a:lstStyle/>
           <a:p>
-            <a:endParaRPr lang="en-US" b="1" dirty="0"/>
+            <a:endParaRPr lang="en-US" dirty="0"/>
           </a:p>
         </p:txBody>
       </p:sp>
@@ -3607,7 +4378,7 @@
           <a:p>
             <a:fld id="{DF6148AD-E0EA-F64C-9871-E2424F422EB0}" type="slidenum">
               <a:rPr lang="fr-FR" smtClean="0"/>
-              <a:t>50</a:t>
+              <a:t>41</a:t>
             </a:fld>
             <a:endParaRPr lang="fr-FR"/>
           </a:p>
@@ -3616,7 +4387,7 @@
     </p:spTree>
     <p:extLst>
       <p:ext uri="{BB962C8B-B14F-4D97-AF65-F5344CB8AC3E}">
-        <p14:creationId xmlns:p14="http://schemas.microsoft.com/office/powerpoint/2010/main" val="3797983834"/>
+        <p14:creationId xmlns:p14="http://schemas.microsoft.com/office/powerpoint/2010/main" val="3483653300"/>
       </p:ext>
     </p:extLst>
   </p:cSld>
@@ -3691,7 +4462,7 @@
           <a:p>
             <a:fld id="{DF6148AD-E0EA-F64C-9871-E2424F422EB0}" type="slidenum">
               <a:rPr lang="fr-FR" smtClean="0"/>
-              <a:t>51</a:t>
+              <a:t>50</a:t>
             </a:fld>
             <a:endParaRPr lang="fr-FR"/>
           </a:p>
@@ -3700,7 +4471,7 @@
     </p:spTree>
     <p:extLst>
       <p:ext uri="{BB962C8B-B14F-4D97-AF65-F5344CB8AC3E}">
-        <p14:creationId xmlns:p14="http://schemas.microsoft.com/office/powerpoint/2010/main" val="3976784358"/>
+        <p14:creationId xmlns:p14="http://schemas.microsoft.com/office/powerpoint/2010/main" val="3797983834"/>
       </p:ext>
     </p:extLst>
   </p:cSld>
@@ -3754,7 +4525,7 @@
           <a:bodyPr/>
           <a:lstStyle/>
           <a:p>
-            <a:endParaRPr lang="en-US" dirty="0"/>
+            <a:endParaRPr lang="en-US" b="1" dirty="0"/>
           </a:p>
         </p:txBody>
       </p:sp>
@@ -3775,7 +4546,7 @@
           <a:p>
             <a:fld id="{DF6148AD-E0EA-F64C-9871-E2424F422EB0}" type="slidenum">
               <a:rPr lang="fr-FR" smtClean="0"/>
-              <a:t>52</a:t>
+              <a:t>51</a:t>
             </a:fld>
             <a:endParaRPr lang="fr-FR"/>
           </a:p>
@@ -3784,7 +4555,7 @@
     </p:spTree>
     <p:extLst>
       <p:ext uri="{BB962C8B-B14F-4D97-AF65-F5344CB8AC3E}">
-        <p14:creationId xmlns:p14="http://schemas.microsoft.com/office/powerpoint/2010/main" val="2939814068"/>
+        <p14:creationId xmlns:p14="http://schemas.microsoft.com/office/powerpoint/2010/main" val="3976784358"/>
       </p:ext>
     </p:extLst>
   </p:cSld>
@@ -3859,7 +4630,7 @@
           <a:p>
             <a:fld id="{DF6148AD-E0EA-F64C-9871-E2424F422EB0}" type="slidenum">
               <a:rPr lang="fr-FR" smtClean="0"/>
-              <a:t>53</a:t>
+              <a:t>52</a:t>
             </a:fld>
             <a:endParaRPr lang="fr-FR"/>
           </a:p>
@@ -3868,7 +4639,7 @@
     </p:spTree>
     <p:extLst>
       <p:ext uri="{BB962C8B-B14F-4D97-AF65-F5344CB8AC3E}">
-        <p14:creationId xmlns:p14="http://schemas.microsoft.com/office/powerpoint/2010/main" val="3573840967"/>
+        <p14:creationId xmlns:p14="http://schemas.microsoft.com/office/powerpoint/2010/main" val="2939814068"/>
       </p:ext>
     </p:extLst>
   </p:cSld>
@@ -3975,6 +4746,90 @@
 </file>
 
 <file path=ppt/notesSlides/notesSlide40.xml><?xml version="1.0" encoding="utf-8"?>
+<p:notes xmlns:a="http://schemas.openxmlformats.org/drawingml/2006/main" xmlns:r="http://schemas.openxmlformats.org/officeDocument/2006/relationships" xmlns:p="http://schemas.openxmlformats.org/presentationml/2006/main">
+  <p:cSld>
+    <p:spTree>
+      <p:nvGrpSpPr>
+        <p:cNvPr id="1" name=""/>
+        <p:cNvGrpSpPr/>
+        <p:nvPr/>
+      </p:nvGrpSpPr>
+      <p:grpSpPr>
+        <a:xfrm>
+          <a:off x="0" y="0"/>
+          <a:ext cx="0" cy="0"/>
+          <a:chOff x="0" y="0"/>
+          <a:chExt cx="0" cy="0"/>
+        </a:xfrm>
+      </p:grpSpPr>
+      <p:sp>
+        <p:nvSpPr>
+          <p:cNvPr id="2" name="Slide Image Placeholder 1"/>
+          <p:cNvSpPr>
+            <a:spLocks noGrp="1" noRot="1" noChangeAspect="1"/>
+          </p:cNvSpPr>
+          <p:nvPr>
+            <p:ph type="sldImg"/>
+          </p:nvPr>
+        </p:nvSpPr>
+        <p:spPr/>
+      </p:sp>
+      <p:sp>
+        <p:nvSpPr>
+          <p:cNvPr id="3" name="Notes Placeholder 2"/>
+          <p:cNvSpPr>
+            <a:spLocks noGrp="1"/>
+          </p:cNvSpPr>
+          <p:nvPr>
+            <p:ph type="body" idx="1"/>
+          </p:nvPr>
+        </p:nvSpPr>
+        <p:spPr/>
+        <p:txBody>
+          <a:bodyPr/>
+          <a:lstStyle/>
+          <a:p>
+            <a:endParaRPr lang="en-US" dirty="0"/>
+          </a:p>
+        </p:txBody>
+      </p:sp>
+      <p:sp>
+        <p:nvSpPr>
+          <p:cNvPr id="4" name="Slide Number Placeholder 3"/>
+          <p:cNvSpPr>
+            <a:spLocks noGrp="1"/>
+          </p:cNvSpPr>
+          <p:nvPr>
+            <p:ph type="sldNum" sz="quarter" idx="5"/>
+          </p:nvPr>
+        </p:nvSpPr>
+        <p:spPr/>
+        <p:txBody>
+          <a:bodyPr/>
+          <a:lstStyle/>
+          <a:p>
+            <a:fld id="{DF6148AD-E0EA-F64C-9871-E2424F422EB0}" type="slidenum">
+              <a:rPr lang="fr-FR" smtClean="0"/>
+              <a:t>53</a:t>
+            </a:fld>
+            <a:endParaRPr lang="fr-FR"/>
+          </a:p>
+        </p:txBody>
+      </p:sp>
+    </p:spTree>
+    <p:extLst>
+      <p:ext uri="{BB962C8B-B14F-4D97-AF65-F5344CB8AC3E}">
+        <p14:creationId xmlns:p14="http://schemas.microsoft.com/office/powerpoint/2010/main" val="3573840967"/>
+      </p:ext>
+    </p:extLst>
+  </p:cSld>
+  <p:clrMapOvr>
+    <a:masterClrMapping/>
+  </p:clrMapOvr>
+</p:notes>
+</file>
+
+<file path=ppt/notesSlides/notesSlide41.xml><?xml version="1.0" encoding="utf-8"?>
 <p:notes xmlns:a="http://schemas.openxmlformats.org/drawingml/2006/main" xmlns:r="http://schemas.openxmlformats.org/officeDocument/2006/relationships" xmlns:p="http://schemas.openxmlformats.org/presentationml/2006/main" showMasterSp="0" showMasterPhAnim="0">
   <p:cSld>
     <p:spTree>
@@ -16489,6 +17344,147 @@
           <p:cNvPr id="2" name="Titre 1">
             <a:extLst>
               <a:ext uri="{FF2B5EF4-FFF2-40B4-BE49-F238E27FC236}">
+                <a16:creationId xmlns:a16="http://schemas.microsoft.com/office/drawing/2014/main" id="{5015436F-AD9D-7A45-A15D-EE00E6879EEE}"/>
+              </a:ext>
+            </a:extLst>
+          </p:cNvPr>
+          <p:cNvSpPr>
+            <a:spLocks noGrp="1"/>
+          </p:cNvSpPr>
+          <p:nvPr>
+            <p:ph type="title"/>
+          </p:nvPr>
+        </p:nvSpPr>
+        <p:spPr>
+          <a:xfrm>
+            <a:off x="133817" y="1169"/>
+            <a:ext cx="7611368" cy="680225"/>
+          </a:xfrm>
+        </p:spPr>
+        <p:txBody>
+          <a:bodyPr anchor="ctr">
+            <a:normAutofit/>
+          </a:bodyPr>
+          <a:lstStyle/>
+          <a:p>
+            <a:r>
+              <a:rPr lang="fr-FR" dirty="0"/>
+              <a:t>The model : HRAN</a:t>
+            </a:r>
+          </a:p>
+        </p:txBody>
+      </p:sp>
+      <p:pic>
+        <p:nvPicPr>
+          <p:cNvPr id="6" name="Espace réservé du contenu 5">
+            <a:extLst>
+              <a:ext uri="{FF2B5EF4-FFF2-40B4-BE49-F238E27FC236}">
+                <a16:creationId xmlns:a16="http://schemas.microsoft.com/office/drawing/2014/main" id="{2A20ED32-A98D-0F4F-A1F3-5A6B8A83DF8C}"/>
+              </a:ext>
+            </a:extLst>
+          </p:cNvPr>
+          <p:cNvPicPr>
+            <a:picLocks noGrp="1" noChangeAspect="1"/>
+          </p:cNvPicPr>
+          <p:nvPr>
+            <p:ph idx="1"/>
+          </p:nvPr>
+        </p:nvPicPr>
+        <p:blipFill>
+          <a:blip r:embed="rId3"/>
+          <a:stretch>
+            <a:fillRect/>
+          </a:stretch>
+        </p:blipFill>
+        <p:spPr>
+          <a:xfrm>
+            <a:off x="591015" y="1689821"/>
+            <a:ext cx="7961971" cy="4040698"/>
+          </a:xfrm>
+          <a:noFill/>
+        </p:spPr>
+      </p:pic>
+      <p:sp>
+        <p:nvSpPr>
+          <p:cNvPr id="4" name="Espace réservé du numéro de diapositive 3">
+            <a:extLst>
+              <a:ext uri="{FF2B5EF4-FFF2-40B4-BE49-F238E27FC236}">
+                <a16:creationId xmlns:a16="http://schemas.microsoft.com/office/drawing/2014/main" id="{C568EE19-E9A4-FB45-953C-774887FCF8A1}"/>
+              </a:ext>
+            </a:extLst>
+          </p:cNvPr>
+          <p:cNvSpPr>
+            <a:spLocks noGrp="1"/>
+          </p:cNvSpPr>
+          <p:nvPr>
+            <p:ph type="sldNum" sz="quarter" idx="12"/>
+          </p:nvPr>
+        </p:nvSpPr>
+        <p:spPr>
+          <a:xfrm>
+            <a:off x="8517869" y="6473117"/>
+            <a:ext cx="510928" cy="384883"/>
+          </a:xfrm>
+        </p:spPr>
+        <p:txBody>
+          <a:bodyPr anchor="ctr">
+            <a:normAutofit/>
+          </a:bodyPr>
+          <a:lstStyle/>
+          <a:p>
+            <a:pPr>
+              <a:spcAft>
+                <a:spcPts val="600"/>
+              </a:spcAft>
+            </a:pPr>
+            <a:fld id="{30CCB0C1-2DF4-8B4C-AC0E-201D3DFFEAFD}" type="slidenum">
+              <a:rPr lang="fr-FR" smtClean="0"/>
+              <a:pPr>
+                <a:spcAft>
+                  <a:spcPts val="600"/>
+                </a:spcAft>
+              </a:pPr>
+              <a:t>15</a:t>
+            </a:fld>
+            <a:endParaRPr lang="fr-FR"/>
+          </a:p>
+        </p:txBody>
+      </p:sp>
+    </p:spTree>
+    <p:extLst>
+      <p:ext uri="{BB962C8B-B14F-4D97-AF65-F5344CB8AC3E}">
+        <p14:creationId xmlns:p14="http://schemas.microsoft.com/office/powerpoint/2010/main" val="1330866981"/>
+      </p:ext>
+    </p:extLst>
+  </p:cSld>
+  <p:clrMapOvr>
+    <a:masterClrMapping/>
+  </p:clrMapOvr>
+</p:sld>
+</file>
+
+<file path=ppt/slides/slide17.xml><?xml version="1.0" encoding="utf-8"?>
+<p:sld xmlns:a="http://schemas.openxmlformats.org/drawingml/2006/main" xmlns:r="http://schemas.openxmlformats.org/officeDocument/2006/relationships" xmlns:p="http://schemas.openxmlformats.org/presentationml/2006/main" show="0">
+  <p:cSld>
+    <p:spTree>
+      <p:nvGrpSpPr>
+        <p:cNvPr id="1" name=""/>
+        <p:cNvGrpSpPr/>
+        <p:nvPr/>
+      </p:nvGrpSpPr>
+      <p:grpSpPr>
+        <a:xfrm>
+          <a:off x="0" y="0"/>
+          <a:ext cx="0" cy="0"/>
+          <a:chOff x="0" y="0"/>
+          <a:chExt cx="0" cy="0"/>
+        </a:xfrm>
+      </p:grpSpPr>
+      <p:sp>
+        <p:nvSpPr>
+          <p:cNvPr id="2" name="Titre 1">
+            <a:extLst>
+              <a:ext uri="{FF2B5EF4-FFF2-40B4-BE49-F238E27FC236}">
                 <a16:creationId xmlns:a16="http://schemas.microsoft.com/office/drawing/2014/main" id="{514D52B5-521D-6E42-9830-5360E9A4FF61}"/>
               </a:ext>
             </a:extLst>
@@ -16536,7 +17532,7 @@
             <a:fld id="{30CCB0C1-2DF4-8B4C-AC0E-201D3DFFEAFD}" type="slidenum">
               <a:rPr lang="en-US" smtClean="0"/>
               <a:pPr/>
-              <a:t>15</a:t>
+              <a:t>16</a:t>
             </a:fld>
             <a:endParaRPr lang="en-US"/>
           </a:p>
@@ -16569,7 +17565,7 @@
               </a:lnSpc>
             </a:pPr>
             <a:r>
-              <a:rPr lang="en-US" b="1"/>
+              <a:rPr lang="en-US" b="1" dirty="0"/>
               <a:t>Collaborative Filtering &amp; Matrix Factorization</a:t>
             </a:r>
           </a:p>
@@ -16580,10 +17576,14 @@
               </a:lnSpc>
             </a:pPr>
             <a:r>
-              <a:rPr lang="en-US"/>
-              <a:t>Koren et al., 2009 </a:t>
-            </a:r>
-            <a:endParaRPr lang="en-US">
+              <a:rPr lang="en-US" dirty="0" err="1"/>
+              <a:t>Koren</a:t>
+            </a:r>
+            <a:r>
+              <a:rPr lang="en-US" dirty="0"/>
+              <a:t> et al., 2009 </a:t>
+            </a:r>
+            <a:endParaRPr lang="en-US" dirty="0">
               <a:solidFill>
                 <a:srgbClr val="C00000"/>
               </a:solidFill>
@@ -16596,7 +17596,7 @@
               </a:lnSpc>
             </a:pPr>
             <a:r>
-              <a:rPr lang="en-US" b="1"/>
+              <a:rPr lang="en-US" b="1" dirty="0"/>
               <a:t>Leveraging Textual reviews for recommendation</a:t>
             </a:r>
           </a:p>
@@ -16607,11 +17607,19 @@
               </a:lnSpc>
             </a:pPr>
             <a:r>
-              <a:rPr lang="en-US"/>
-              <a:t>J. McAuley and Leskovec, 2013 </a:t>
-            </a:r>
-            <a:r>
-              <a:rPr lang="en-US">
+              <a:rPr lang="en-US" dirty="0"/>
+              <a:t>J. McAuley and </a:t>
+            </a:r>
+            <a:r>
+              <a:rPr lang="en-US" dirty="0" err="1"/>
+              <a:t>Leskovec</a:t>
+            </a:r>
+            <a:r>
+              <a:rPr lang="en-US" dirty="0"/>
+              <a:t>, 2013 </a:t>
+            </a:r>
+            <a:r>
+              <a:rPr lang="en-US" dirty="0">
                 <a:solidFill>
                   <a:srgbClr val="C00000"/>
                 </a:solidFill>
@@ -16626,7 +17634,7 @@
               </a:lnSpc>
             </a:pPr>
             <a:r>
-              <a:rPr lang="en-US" b="1"/>
+              <a:rPr lang="en-US" b="1" dirty="0"/>
               <a:t>Hierarchical Attentive Network for document classification</a:t>
             </a:r>
           </a:p>
@@ -16637,9 +17645,197 @@
               </a:lnSpc>
             </a:pPr>
             <a:r>
-              <a:rPr lang="en-US"/>
+              <a:rPr lang="en-US" b="1" dirty="0"/>
               <a:t>Z. Yang et al., 2016</a:t>
             </a:r>
+          </a:p>
+        </p:txBody>
+      </p:sp>
+      <p:sp>
+        <p:nvSpPr>
+          <p:cNvPr id="3" name="ZoneTexte 2">
+            <a:extLst>
+              <a:ext uri="{FF2B5EF4-FFF2-40B4-BE49-F238E27FC236}">
+                <a16:creationId xmlns:a16="http://schemas.microsoft.com/office/drawing/2014/main" id="{D9673B8A-0F8F-7148-8032-F66AD3B66985}"/>
+              </a:ext>
+            </a:extLst>
+          </p:cNvPr>
+          <p:cNvSpPr txBox="1"/>
+          <p:nvPr/>
+        </p:nvSpPr>
+        <p:spPr>
+          <a:xfrm>
+            <a:off x="1000125" y="1156051"/>
+            <a:ext cx="6543675" cy="646331"/>
+          </a:xfrm>
+          <a:prstGeom prst="rect">
+            <a:avLst/>
+          </a:prstGeom>
+          <a:noFill/>
+        </p:spPr>
+        <p:txBody>
+          <a:bodyPr wrap="square" rtlCol="0">
+            <a:spAutoFit/>
+          </a:bodyPr>
+          <a:lstStyle/>
+          <a:p>
+            <a:r>
+              <a:rPr lang="en-US" dirty="0" err="1">
+                <a:solidFill>
+                  <a:srgbClr val="C00000"/>
+                </a:solidFill>
+              </a:rPr>
+              <a:t>Cette</a:t>
+            </a:r>
+            <a:r>
+              <a:rPr lang="en-US" dirty="0">
+                <a:solidFill>
+                  <a:srgbClr val="C00000"/>
+                </a:solidFill>
+              </a:rPr>
+              <a:t> slide </a:t>
+            </a:r>
+            <a:r>
+              <a:rPr lang="en-US" dirty="0" err="1">
+                <a:solidFill>
+                  <a:srgbClr val="C00000"/>
+                </a:solidFill>
+              </a:rPr>
+              <a:t>est</a:t>
+            </a:r>
+            <a:r>
+              <a:rPr lang="en-US" dirty="0">
+                <a:solidFill>
+                  <a:srgbClr val="C00000"/>
+                </a:solidFill>
+              </a:rPr>
+              <a:t> un </a:t>
+            </a:r>
+            <a:r>
+              <a:rPr lang="en-US" dirty="0" err="1">
+                <a:solidFill>
+                  <a:srgbClr val="C00000"/>
+                </a:solidFill>
+              </a:rPr>
+              <a:t>peu</a:t>
+            </a:r>
+            <a:r>
+              <a:rPr lang="en-US" dirty="0">
+                <a:solidFill>
+                  <a:srgbClr val="C00000"/>
+                </a:solidFill>
+              </a:rPr>
+              <a:t> bizarre, je </a:t>
+            </a:r>
+            <a:r>
+              <a:rPr lang="en-US" dirty="0" err="1">
+                <a:solidFill>
+                  <a:srgbClr val="C00000"/>
+                </a:solidFill>
+              </a:rPr>
+              <a:t>sais</a:t>
+            </a:r>
+            <a:r>
+              <a:rPr lang="en-US" dirty="0">
+                <a:solidFill>
+                  <a:srgbClr val="C00000"/>
+                </a:solidFill>
+              </a:rPr>
+              <a:t> pas </a:t>
+            </a:r>
+            <a:r>
+              <a:rPr lang="en-US" dirty="0" err="1">
+                <a:solidFill>
+                  <a:srgbClr val="C00000"/>
+                </a:solidFill>
+              </a:rPr>
+              <a:t>si</a:t>
+            </a:r>
+            <a:r>
+              <a:rPr lang="en-US" dirty="0">
+                <a:solidFill>
+                  <a:srgbClr val="C00000"/>
+                </a:solidFill>
+              </a:rPr>
+              <a:t> je </a:t>
+            </a:r>
+            <a:r>
+              <a:rPr lang="en-US" dirty="0" err="1">
+                <a:solidFill>
+                  <a:srgbClr val="C00000"/>
+                </a:solidFill>
+              </a:rPr>
+              <a:t>dois</a:t>
+            </a:r>
+            <a:r>
+              <a:rPr lang="en-US" dirty="0">
+                <a:solidFill>
+                  <a:srgbClr val="C00000"/>
+                </a:solidFill>
+              </a:rPr>
+              <a:t> </a:t>
+            </a:r>
+            <a:r>
+              <a:rPr lang="en-US" dirty="0" err="1">
+                <a:solidFill>
+                  <a:srgbClr val="C00000"/>
+                </a:solidFill>
+              </a:rPr>
+              <a:t>en</a:t>
+            </a:r>
+            <a:r>
+              <a:rPr lang="en-US" dirty="0">
+                <a:solidFill>
+                  <a:srgbClr val="C00000"/>
+                </a:solidFill>
+              </a:rPr>
+              <a:t> faire </a:t>
+            </a:r>
+            <a:r>
+              <a:rPr lang="en-US" dirty="0" err="1">
+                <a:solidFill>
+                  <a:srgbClr val="C00000"/>
+                </a:solidFill>
+              </a:rPr>
+              <a:t>l’économie</a:t>
+            </a:r>
+            <a:r>
+              <a:rPr lang="en-US" dirty="0">
+                <a:solidFill>
+                  <a:srgbClr val="C00000"/>
+                </a:solidFill>
+              </a:rPr>
+              <a:t> </a:t>
+            </a:r>
+            <a:r>
+              <a:rPr lang="en-US" dirty="0" err="1">
+                <a:solidFill>
+                  <a:srgbClr val="C00000"/>
+                </a:solidFill>
+              </a:rPr>
+              <a:t>ou</a:t>
+            </a:r>
+            <a:r>
+              <a:rPr lang="en-US" dirty="0">
+                <a:solidFill>
+                  <a:srgbClr val="C00000"/>
+                </a:solidFill>
+              </a:rPr>
+              <a:t> la </a:t>
+            </a:r>
+            <a:r>
+              <a:rPr lang="en-US" dirty="0" err="1">
+                <a:solidFill>
+                  <a:srgbClr val="C00000"/>
+                </a:solidFill>
+              </a:rPr>
+              <a:t>diviser</a:t>
+            </a:r>
+            <a:endParaRPr lang="en-US" dirty="0">
+              <a:solidFill>
+                <a:srgbClr val="C00000"/>
+              </a:solidFill>
+            </a:endParaRPr>
           </a:p>
         </p:txBody>
       </p:sp>
@@ -16656,7 +17852,7 @@
 </p:sld>
 </file>
 
-<file path=ppt/slides/slide17.xml><?xml version="1.0" encoding="utf-8"?>
+<file path=ppt/slides/slide18.xml><?xml version="1.0" encoding="utf-8"?>
 <p:sld xmlns:a="http://schemas.openxmlformats.org/drawingml/2006/main" xmlns:r="http://schemas.openxmlformats.org/officeDocument/2006/relationships" xmlns:p="http://schemas.openxmlformats.org/presentationml/2006/main">
   <p:cSld>
     <p:spTree>
@@ -16678,6 +17874,348 @@
           <p:cNvPr id="2" name="Titre 1">
             <a:extLst>
               <a:ext uri="{FF2B5EF4-FFF2-40B4-BE49-F238E27FC236}">
+                <a16:creationId xmlns:a16="http://schemas.microsoft.com/office/drawing/2014/main" id="{514D52B5-521D-6E42-9830-5360E9A4FF61}"/>
+              </a:ext>
+            </a:extLst>
+          </p:cNvPr>
+          <p:cNvSpPr>
+            <a:spLocks noGrp="1"/>
+          </p:cNvSpPr>
+          <p:nvPr>
+            <p:ph type="title"/>
+          </p:nvPr>
+        </p:nvSpPr>
+        <p:spPr/>
+        <p:txBody>
+          <a:bodyPr/>
+          <a:lstStyle/>
+          <a:p>
+            <a:r>
+              <a:rPr lang="en-US"/>
+              <a:t>Related work</a:t>
+            </a:r>
+          </a:p>
+        </p:txBody>
+      </p:sp>
+      <p:sp>
+        <p:nvSpPr>
+          <p:cNvPr id="4" name="Espace réservé du numéro de diapositive 3">
+            <a:extLst>
+              <a:ext uri="{FF2B5EF4-FFF2-40B4-BE49-F238E27FC236}">
+                <a16:creationId xmlns:a16="http://schemas.microsoft.com/office/drawing/2014/main" id="{92368015-76A4-9743-9812-5FD1AA428375}"/>
+              </a:ext>
+            </a:extLst>
+          </p:cNvPr>
+          <p:cNvSpPr>
+            <a:spLocks noGrp="1"/>
+          </p:cNvSpPr>
+          <p:nvPr>
+            <p:ph type="sldNum" sz="quarter" idx="12"/>
+          </p:nvPr>
+        </p:nvSpPr>
+        <p:spPr/>
+        <p:txBody>
+          <a:bodyPr/>
+          <a:lstStyle/>
+          <a:p>
+            <a:fld id="{30CCB0C1-2DF4-8B4C-AC0E-201D3DFFEAFD}" type="slidenum">
+              <a:rPr lang="en-US" smtClean="0"/>
+              <a:pPr/>
+              <a:t>17</a:t>
+            </a:fld>
+            <a:endParaRPr lang="en-US"/>
+          </a:p>
+        </p:txBody>
+      </p:sp>
+      <p:sp>
+        <p:nvSpPr>
+          <p:cNvPr id="10" name="Espace réservé du contenu 9">
+            <a:extLst>
+              <a:ext uri="{FF2B5EF4-FFF2-40B4-BE49-F238E27FC236}">
+                <a16:creationId xmlns:a16="http://schemas.microsoft.com/office/drawing/2014/main" id="{90BF23B6-D2C6-3C43-9BAF-6834368476D6}"/>
+              </a:ext>
+            </a:extLst>
+          </p:cNvPr>
+          <p:cNvSpPr>
+            <a:spLocks noGrp="1"/>
+          </p:cNvSpPr>
+          <p:nvPr>
+            <p:ph idx="1"/>
+          </p:nvPr>
+        </p:nvSpPr>
+        <p:spPr/>
+        <p:txBody>
+          <a:bodyPr/>
+          <a:lstStyle/>
+          <a:p>
+            <a:pPr>
+              <a:lnSpc>
+                <a:spcPct val="200000"/>
+              </a:lnSpc>
+            </a:pPr>
+            <a:r>
+              <a:rPr lang="en-US" b="1" dirty="0"/>
+              <a:t>Collaborative Filtering &amp; Matrix Factorization</a:t>
+            </a:r>
+          </a:p>
+          <a:p>
+            <a:pPr>
+              <a:lnSpc>
+                <a:spcPct val="200000"/>
+              </a:lnSpc>
+            </a:pPr>
+            <a:r>
+              <a:rPr lang="en-US" b="1" dirty="0"/>
+              <a:t>Leveraging Textual reviews for recommendation</a:t>
+            </a:r>
+          </a:p>
+          <a:p>
+            <a:pPr>
+              <a:lnSpc>
+                <a:spcPct val="200000"/>
+              </a:lnSpc>
+            </a:pPr>
+            <a:r>
+              <a:rPr lang="en-US" b="1" dirty="0"/>
+              <a:t>Hierarchical Attentive Network for document classification</a:t>
+            </a:r>
+          </a:p>
+          <a:p>
+            <a:pPr lvl="1">
+              <a:lnSpc>
+                <a:spcPct val="200000"/>
+              </a:lnSpc>
+            </a:pPr>
+            <a:r>
+              <a:rPr lang="en-US" b="1" dirty="0"/>
+              <a:t>Z. Yang et al., 2016</a:t>
+            </a:r>
+          </a:p>
+        </p:txBody>
+      </p:sp>
+      <p:sp>
+        <p:nvSpPr>
+          <p:cNvPr id="3" name="ZoneTexte 2">
+            <a:extLst>
+              <a:ext uri="{FF2B5EF4-FFF2-40B4-BE49-F238E27FC236}">
+                <a16:creationId xmlns:a16="http://schemas.microsoft.com/office/drawing/2014/main" id="{D9673B8A-0F8F-7148-8032-F66AD3B66985}"/>
+              </a:ext>
+            </a:extLst>
+          </p:cNvPr>
+          <p:cNvSpPr txBox="1"/>
+          <p:nvPr/>
+        </p:nvSpPr>
+        <p:spPr>
+          <a:xfrm>
+            <a:off x="1000125" y="1156051"/>
+            <a:ext cx="6543675" cy="646331"/>
+          </a:xfrm>
+          <a:prstGeom prst="rect">
+            <a:avLst/>
+          </a:prstGeom>
+          <a:noFill/>
+        </p:spPr>
+        <p:txBody>
+          <a:bodyPr wrap="square" rtlCol="0">
+            <a:spAutoFit/>
+          </a:bodyPr>
+          <a:lstStyle/>
+          <a:p>
+            <a:r>
+              <a:rPr lang="en-US" dirty="0" err="1">
+                <a:solidFill>
+                  <a:srgbClr val="C00000"/>
+                </a:solidFill>
+              </a:rPr>
+              <a:t>Cette</a:t>
+            </a:r>
+            <a:r>
+              <a:rPr lang="en-US" dirty="0">
+                <a:solidFill>
+                  <a:srgbClr val="C00000"/>
+                </a:solidFill>
+              </a:rPr>
+              <a:t> slide </a:t>
+            </a:r>
+            <a:r>
+              <a:rPr lang="en-US" dirty="0" err="1">
+                <a:solidFill>
+                  <a:srgbClr val="C00000"/>
+                </a:solidFill>
+              </a:rPr>
+              <a:t>est</a:t>
+            </a:r>
+            <a:r>
+              <a:rPr lang="en-US" dirty="0">
+                <a:solidFill>
+                  <a:srgbClr val="C00000"/>
+                </a:solidFill>
+              </a:rPr>
+              <a:t> un </a:t>
+            </a:r>
+            <a:r>
+              <a:rPr lang="en-US" dirty="0" err="1">
+                <a:solidFill>
+                  <a:srgbClr val="C00000"/>
+                </a:solidFill>
+              </a:rPr>
+              <a:t>peu</a:t>
+            </a:r>
+            <a:r>
+              <a:rPr lang="en-US" dirty="0">
+                <a:solidFill>
+                  <a:srgbClr val="C00000"/>
+                </a:solidFill>
+              </a:rPr>
+              <a:t> bizarre, je </a:t>
+            </a:r>
+            <a:r>
+              <a:rPr lang="en-US" dirty="0" err="1">
+                <a:solidFill>
+                  <a:srgbClr val="C00000"/>
+                </a:solidFill>
+              </a:rPr>
+              <a:t>sais</a:t>
+            </a:r>
+            <a:r>
+              <a:rPr lang="en-US" dirty="0">
+                <a:solidFill>
+                  <a:srgbClr val="C00000"/>
+                </a:solidFill>
+              </a:rPr>
+              <a:t> pas </a:t>
+            </a:r>
+            <a:r>
+              <a:rPr lang="en-US" dirty="0" err="1">
+                <a:solidFill>
+                  <a:srgbClr val="C00000"/>
+                </a:solidFill>
+              </a:rPr>
+              <a:t>si</a:t>
+            </a:r>
+            <a:r>
+              <a:rPr lang="en-US" dirty="0">
+                <a:solidFill>
+                  <a:srgbClr val="C00000"/>
+                </a:solidFill>
+              </a:rPr>
+              <a:t> je </a:t>
+            </a:r>
+            <a:r>
+              <a:rPr lang="en-US" dirty="0" err="1">
+                <a:solidFill>
+                  <a:srgbClr val="C00000"/>
+                </a:solidFill>
+              </a:rPr>
+              <a:t>dois</a:t>
+            </a:r>
+            <a:r>
+              <a:rPr lang="en-US" dirty="0">
+                <a:solidFill>
+                  <a:srgbClr val="C00000"/>
+                </a:solidFill>
+              </a:rPr>
+              <a:t> </a:t>
+            </a:r>
+            <a:r>
+              <a:rPr lang="en-US" dirty="0" err="1">
+                <a:solidFill>
+                  <a:srgbClr val="C00000"/>
+                </a:solidFill>
+              </a:rPr>
+              <a:t>en</a:t>
+            </a:r>
+            <a:r>
+              <a:rPr lang="en-US" dirty="0">
+                <a:solidFill>
+                  <a:srgbClr val="C00000"/>
+                </a:solidFill>
+              </a:rPr>
+              <a:t> faire </a:t>
+            </a:r>
+            <a:r>
+              <a:rPr lang="en-US" dirty="0" err="1">
+                <a:solidFill>
+                  <a:srgbClr val="C00000"/>
+                </a:solidFill>
+              </a:rPr>
+              <a:t>l’économie</a:t>
+            </a:r>
+            <a:r>
+              <a:rPr lang="en-US" dirty="0">
+                <a:solidFill>
+                  <a:srgbClr val="C00000"/>
+                </a:solidFill>
+              </a:rPr>
+              <a:t> </a:t>
+            </a:r>
+            <a:r>
+              <a:rPr lang="en-US" dirty="0" err="1">
+                <a:solidFill>
+                  <a:srgbClr val="C00000"/>
+                </a:solidFill>
+              </a:rPr>
+              <a:t>ou</a:t>
+            </a:r>
+            <a:r>
+              <a:rPr lang="en-US" dirty="0">
+                <a:solidFill>
+                  <a:srgbClr val="C00000"/>
+                </a:solidFill>
+              </a:rPr>
+              <a:t> la </a:t>
+            </a:r>
+            <a:r>
+              <a:rPr lang="en-US" dirty="0" err="1">
+                <a:solidFill>
+                  <a:srgbClr val="C00000"/>
+                </a:solidFill>
+              </a:rPr>
+              <a:t>diviser</a:t>
+            </a:r>
+            <a:endParaRPr lang="en-US" dirty="0">
+              <a:solidFill>
+                <a:srgbClr val="C00000"/>
+              </a:solidFill>
+            </a:endParaRPr>
+          </a:p>
+        </p:txBody>
+      </p:sp>
+    </p:spTree>
+    <p:extLst>
+      <p:ext uri="{BB962C8B-B14F-4D97-AF65-F5344CB8AC3E}">
+        <p14:creationId xmlns:p14="http://schemas.microsoft.com/office/powerpoint/2010/main" val="1035374681"/>
+      </p:ext>
+    </p:extLst>
+  </p:cSld>
+  <p:clrMapOvr>
+    <a:masterClrMapping/>
+  </p:clrMapOvr>
+</p:sld>
+</file>
+
+<file path=ppt/slides/slide19.xml><?xml version="1.0" encoding="utf-8"?>
+<p:sld xmlns:a="http://schemas.openxmlformats.org/drawingml/2006/main" xmlns:r="http://schemas.openxmlformats.org/officeDocument/2006/relationships" xmlns:p="http://schemas.openxmlformats.org/presentationml/2006/main">
+  <p:cSld>
+    <p:spTree>
+      <p:nvGrpSpPr>
+        <p:cNvPr id="1" name=""/>
+        <p:cNvGrpSpPr/>
+        <p:nvPr/>
+      </p:nvGrpSpPr>
+      <p:grpSpPr>
+        <a:xfrm>
+          <a:off x="0" y="0"/>
+          <a:ext cx="0" cy="0"/>
+          <a:chOff x="0" y="0"/>
+          <a:chExt cx="0" cy="0"/>
+        </a:xfrm>
+      </p:grpSpPr>
+      <p:sp>
+        <p:nvSpPr>
+          <p:cNvPr id="2" name="Titre 1">
+            <a:extLst>
+              <a:ext uri="{FF2B5EF4-FFF2-40B4-BE49-F238E27FC236}">
                 <a16:creationId xmlns:a16="http://schemas.microsoft.com/office/drawing/2014/main" id="{5015436F-AD9D-7A45-A15D-EE00E6879EEE}"/>
               </a:ext>
             </a:extLst>
@@ -16748,7 +18286,7 @@
                   <a:spcPts val="600"/>
                 </a:spcAft>
               </a:pPr>
-              <a:t>16</a:t>
+              <a:t>18</a:t>
             </a:fld>
             <a:endParaRPr lang="fr-FR"/>
           </a:p>
@@ -17574,7 +19112,7 @@
 </p:sld>
 </file>
 
-<file path=ppt/slides/slide18.xml><?xml version="1.0" encoding="utf-8"?>
+<file path=ppt/slides/slide2.xml><?xml version="1.0" encoding="utf-8"?>
 <p:sld xmlns:a="http://schemas.openxmlformats.org/drawingml/2006/main" xmlns:r="http://schemas.openxmlformats.org/officeDocument/2006/relationships" xmlns:p="http://schemas.openxmlformats.org/presentationml/2006/main">
   <p:cSld>
     <p:spTree>
@@ -17593,6 +19131,232 @@
       </p:grpSpPr>
       <p:sp>
         <p:nvSpPr>
+          <p:cNvPr id="2" name="Title 1">
+            <a:extLst>
+              <a:ext uri="{FF2B5EF4-FFF2-40B4-BE49-F238E27FC236}">
+                <a16:creationId xmlns:a16="http://schemas.microsoft.com/office/drawing/2014/main" id="{475B4CBF-C07A-844B-9726-6D9239E1217F}"/>
+              </a:ext>
+            </a:extLst>
+          </p:cNvPr>
+          <p:cNvSpPr>
+            <a:spLocks noGrp="1"/>
+          </p:cNvSpPr>
+          <p:nvPr>
+            <p:ph type="title"/>
+          </p:nvPr>
+        </p:nvSpPr>
+        <p:spPr/>
+        <p:txBody>
+          <a:bodyPr/>
+          <a:lstStyle/>
+          <a:p>
+            <a:r>
+              <a:rPr lang="en-US" dirty="0"/>
+              <a:t>The Information Era</a:t>
+            </a:r>
+          </a:p>
+        </p:txBody>
+      </p:sp>
+      <p:sp>
+        <p:nvSpPr>
+          <p:cNvPr id="4" name="Slide Number Placeholder 3">
+            <a:extLst>
+              <a:ext uri="{FF2B5EF4-FFF2-40B4-BE49-F238E27FC236}">
+                <a16:creationId xmlns:a16="http://schemas.microsoft.com/office/drawing/2014/main" id="{8157A862-797F-B741-9C73-C1B6BE0EC46E}"/>
+              </a:ext>
+            </a:extLst>
+          </p:cNvPr>
+          <p:cNvSpPr>
+            <a:spLocks noGrp="1"/>
+          </p:cNvSpPr>
+          <p:nvPr>
+            <p:ph type="sldNum" sz="quarter" idx="12"/>
+          </p:nvPr>
+        </p:nvSpPr>
+        <p:spPr/>
+        <p:txBody>
+          <a:bodyPr/>
+          <a:lstStyle/>
+          <a:p>
+            <a:fld id="{30CCB0C1-2DF4-8B4C-AC0E-201D3DFFEAFD}" type="slidenum">
+              <a:rPr lang="fr-FR" smtClean="0"/>
+              <a:pPr/>
+              <a:t>1</a:t>
+            </a:fld>
+            <a:endParaRPr lang="fr-FR" dirty="0"/>
+          </a:p>
+        </p:txBody>
+      </p:sp>
+      <p:pic>
+        <p:nvPicPr>
+          <p:cNvPr id="9" name="Image 8">
+            <a:extLst>
+              <a:ext uri="{FF2B5EF4-FFF2-40B4-BE49-F238E27FC236}">
+                <a16:creationId xmlns:a16="http://schemas.microsoft.com/office/drawing/2014/main" id="{E31946DF-629C-554F-8092-F552A2AD7820}"/>
+              </a:ext>
+            </a:extLst>
+          </p:cNvPr>
+          <p:cNvPicPr>
+            <a:picLocks noChangeAspect="1"/>
+          </p:cNvPicPr>
+          <p:nvPr/>
+        </p:nvPicPr>
+        <p:blipFill>
+          <a:blip r:embed="rId3"/>
+          <a:stretch>
+            <a:fillRect/>
+          </a:stretch>
+        </p:blipFill>
+        <p:spPr>
+          <a:xfrm>
+            <a:off x="1098550" y="1303456"/>
+            <a:ext cx="6946900" cy="2125544"/>
+          </a:xfrm>
+          <a:prstGeom prst="rect">
+            <a:avLst/>
+          </a:prstGeom>
+        </p:spPr>
+      </p:pic>
+      <p:sp>
+        <p:nvSpPr>
+          <p:cNvPr id="5" name="ZoneTexte 4">
+            <a:extLst>
+              <a:ext uri="{FF2B5EF4-FFF2-40B4-BE49-F238E27FC236}">
+                <a16:creationId xmlns:a16="http://schemas.microsoft.com/office/drawing/2014/main" id="{07E137A1-15CB-7647-8E00-1CF1E5CD9E22}"/>
+              </a:ext>
+            </a:extLst>
+          </p:cNvPr>
+          <p:cNvSpPr txBox="1"/>
+          <p:nvPr/>
+        </p:nvSpPr>
+        <p:spPr>
+          <a:xfrm>
+            <a:off x="2637848" y="3429000"/>
+            <a:ext cx="3868303" cy="369332"/>
+          </a:xfrm>
+          <a:prstGeom prst="rect">
+            <a:avLst/>
+          </a:prstGeom>
+          <a:noFill/>
+        </p:spPr>
+        <p:txBody>
+          <a:bodyPr wrap="none" rtlCol="0">
+            <a:spAutoFit/>
+          </a:bodyPr>
+          <a:lstStyle/>
+          <a:p>
+            <a:r>
+              <a:rPr lang="fr-FR" i="1" dirty="0"/>
+              <a:t>Illustration of Netflix </a:t>
+            </a:r>
+            <a:r>
+              <a:rPr lang="en-US" i="1" dirty="0"/>
+              <a:t>recommendations</a:t>
+            </a:r>
+          </a:p>
+        </p:txBody>
+      </p:sp>
+      <p:sp>
+        <p:nvSpPr>
+          <p:cNvPr id="7" name="Content Placeholder 2">
+            <a:extLst>
+              <a:ext uri="{FF2B5EF4-FFF2-40B4-BE49-F238E27FC236}">
+                <a16:creationId xmlns:a16="http://schemas.microsoft.com/office/drawing/2014/main" id="{7F2C5260-7E05-084D-8665-C6B95632567D}"/>
+              </a:ext>
+            </a:extLst>
+          </p:cNvPr>
+          <p:cNvSpPr>
+            <a:spLocks noGrp="1"/>
+          </p:cNvSpPr>
+          <p:nvPr>
+            <p:ph idx="1"/>
+          </p:nvPr>
+        </p:nvSpPr>
+        <p:spPr>
+          <a:xfrm>
+            <a:off x="591015" y="4012207"/>
+            <a:ext cx="3868303" cy="2125545"/>
+          </a:xfrm>
+        </p:spPr>
+        <p:txBody>
+          <a:bodyPr anchor="ctr">
+            <a:normAutofit/>
+          </a:bodyPr>
+          <a:lstStyle/>
+          <a:p>
+            <a:pPr>
+              <a:buFont typeface="Police système Courant"/>
+              <a:buChar char="→"/>
+            </a:pPr>
+            <a:r>
+              <a:rPr lang="en-US" dirty="0">
+                <a:solidFill>
+                  <a:schemeClr val="tx1"/>
+                </a:solidFill>
+              </a:rPr>
+              <a:t>Ever-growing quantity of data to choose from</a:t>
+            </a:r>
+          </a:p>
+          <a:p>
+            <a:pPr>
+              <a:buFont typeface="Police système Courant"/>
+              <a:buChar char="→"/>
+            </a:pPr>
+            <a:r>
+              <a:rPr lang="en-US" dirty="0">
+                <a:solidFill>
+                  <a:schemeClr val="tx1"/>
+                </a:solidFill>
+              </a:rPr>
+              <a:t>Multiplication of user (textual) traces</a:t>
+            </a:r>
+          </a:p>
+        </p:txBody>
+      </p:sp>
+    </p:spTree>
+    <p:extLst>
+      <p:ext uri="{BB962C8B-B14F-4D97-AF65-F5344CB8AC3E}">
+        <p14:creationId xmlns:p14="http://schemas.microsoft.com/office/powerpoint/2010/main" val="3316614137"/>
+      </p:ext>
+    </p:extLst>
+  </p:cSld>
+  <p:clrMapOvr>
+    <a:masterClrMapping/>
+  </p:clrMapOvr>
+  <mc:AlternateContent xmlns:mc="http://schemas.openxmlformats.org/markup-compatibility/2006" xmlns:p14="http://schemas.microsoft.com/office/powerpoint/2010/main">
+    <mc:Choice Requires="p14">
+      <p:transition p14:dur="300" advTm="33275">
+        <p:fade/>
+      </p:transition>
+    </mc:Choice>
+    <mc:Fallback xmlns="">
+      <p:transition advTm="33275">
+        <p:fade/>
+      </p:transition>
+    </mc:Fallback>
+  </mc:AlternateContent>
+</p:sld>
+</file>
+
+<file path=ppt/slides/slide20.xml><?xml version="1.0" encoding="utf-8"?>
+<p:sld xmlns:a="http://schemas.openxmlformats.org/drawingml/2006/main" xmlns:r="http://schemas.openxmlformats.org/officeDocument/2006/relationships" xmlns:p="http://schemas.openxmlformats.org/presentationml/2006/main">
+  <p:cSld>
+    <p:spTree>
+      <p:nvGrpSpPr>
+        <p:cNvPr id="1" name=""/>
+        <p:cNvGrpSpPr/>
+        <p:nvPr/>
+      </p:nvGrpSpPr>
+      <p:grpSpPr>
+        <a:xfrm>
+          <a:off x="0" y="0"/>
+          <a:ext cx="0" cy="0"/>
+          <a:chOff x="0" y="0"/>
+          <a:chExt cx="0" cy="0"/>
+        </a:xfrm>
+      </p:grpSpPr>
+      <p:sp>
+        <p:nvSpPr>
           <p:cNvPr id="2" name="Titre 1">
             <a:extLst>
               <a:ext uri="{FF2B5EF4-FFF2-40B4-BE49-F238E27FC236}">
@@ -17666,7 +19430,7 @@
                   <a:spcPts val="600"/>
                 </a:spcAft>
               </a:pPr>
-              <a:t>17</a:t>
+              <a:t>19</a:t>
             </a:fld>
             <a:endParaRPr lang="en-US" dirty="0"/>
           </a:p>
@@ -18840,271 +20604,12 @@
           </a:xfrm>
         </p:spPr>
       </p:pic>
-    </p:spTree>
-    <p:extLst>
-      <p:ext uri="{BB962C8B-B14F-4D97-AF65-F5344CB8AC3E}">
-        <p14:creationId xmlns:p14="http://schemas.microsoft.com/office/powerpoint/2010/main" val="3883426768"/>
-      </p:ext>
-    </p:extLst>
-  </p:cSld>
-  <p:clrMapOvr>
-    <a:masterClrMapping/>
-  </p:clrMapOvr>
-</p:sld>
-</file>
-
-<file path=ppt/slides/slide19.xml><?xml version="1.0" encoding="utf-8"?>
-<p:sld xmlns:a="http://schemas.openxmlformats.org/drawingml/2006/main" xmlns:r="http://schemas.openxmlformats.org/officeDocument/2006/relationships" xmlns:p="http://schemas.openxmlformats.org/presentationml/2006/main">
-  <p:cSld>
-    <p:spTree>
-      <p:nvGrpSpPr>
-        <p:cNvPr id="1" name=""/>
-        <p:cNvGrpSpPr/>
-        <p:nvPr/>
-      </p:nvGrpSpPr>
-      <p:grpSpPr>
-        <a:xfrm>
-          <a:off x="0" y="0"/>
-          <a:ext cx="0" cy="0"/>
-          <a:chOff x="0" y="0"/>
-          <a:chExt cx="0" cy="0"/>
-        </a:xfrm>
-      </p:grpSpPr>
-      <p:sp>
-        <p:nvSpPr>
-          <p:cNvPr id="2" name="Titre 1">
+      <p:sp>
+        <p:nvSpPr>
+          <p:cNvPr id="6" name="ZoneTexte 5">
             <a:extLst>
               <a:ext uri="{FF2B5EF4-FFF2-40B4-BE49-F238E27FC236}">
-                <a16:creationId xmlns:a16="http://schemas.microsoft.com/office/drawing/2014/main" id="{5015436F-AD9D-7A45-A15D-EE00E6879EEE}"/>
-              </a:ext>
-            </a:extLst>
-          </p:cNvPr>
-          <p:cNvSpPr>
-            <a:spLocks noGrp="1"/>
-          </p:cNvSpPr>
-          <p:nvPr>
-            <p:ph type="title"/>
-          </p:nvPr>
-        </p:nvSpPr>
-        <p:spPr>
-          <a:xfrm>
-            <a:off x="133817" y="1169"/>
-            <a:ext cx="7611368" cy="680225"/>
-          </a:xfrm>
-        </p:spPr>
-        <p:txBody>
-          <a:bodyPr anchor="ctr">
-            <a:normAutofit/>
-          </a:bodyPr>
-          <a:lstStyle/>
-          <a:p>
-            <a:r>
-              <a:rPr lang="fr-FR" dirty="0"/>
-              <a:t>The model : HRAN</a:t>
-            </a:r>
-          </a:p>
-        </p:txBody>
-      </p:sp>
-      <p:pic>
-        <p:nvPicPr>
-          <p:cNvPr id="6" name="Espace réservé du contenu 5">
-            <a:extLst>
-              <a:ext uri="{FF2B5EF4-FFF2-40B4-BE49-F238E27FC236}">
-                <a16:creationId xmlns:a16="http://schemas.microsoft.com/office/drawing/2014/main" id="{2A20ED32-A98D-0F4F-A1F3-5A6B8A83DF8C}"/>
-              </a:ext>
-            </a:extLst>
-          </p:cNvPr>
-          <p:cNvPicPr>
-            <a:picLocks noGrp="1" noChangeAspect="1"/>
-          </p:cNvPicPr>
-          <p:nvPr>
-            <p:ph idx="1"/>
-          </p:nvPr>
-        </p:nvPicPr>
-        <p:blipFill>
-          <a:blip r:embed="rId3"/>
-          <a:stretch>
-            <a:fillRect/>
-          </a:stretch>
-        </p:blipFill>
-        <p:spPr>
-          <a:xfrm>
-            <a:off x="591015" y="1689821"/>
-            <a:ext cx="7961971" cy="4040698"/>
-          </a:xfrm>
-          <a:noFill/>
-        </p:spPr>
-      </p:pic>
-      <p:sp>
-        <p:nvSpPr>
-          <p:cNvPr id="4" name="Espace réservé du numéro de diapositive 3">
-            <a:extLst>
-              <a:ext uri="{FF2B5EF4-FFF2-40B4-BE49-F238E27FC236}">
-                <a16:creationId xmlns:a16="http://schemas.microsoft.com/office/drawing/2014/main" id="{C568EE19-E9A4-FB45-953C-774887FCF8A1}"/>
-              </a:ext>
-            </a:extLst>
-          </p:cNvPr>
-          <p:cNvSpPr>
-            <a:spLocks noGrp="1"/>
-          </p:cNvSpPr>
-          <p:nvPr>
-            <p:ph type="sldNum" sz="quarter" idx="12"/>
-          </p:nvPr>
-        </p:nvSpPr>
-        <p:spPr>
-          <a:xfrm>
-            <a:off x="8517869" y="6473117"/>
-            <a:ext cx="510928" cy="384883"/>
-          </a:xfrm>
-        </p:spPr>
-        <p:txBody>
-          <a:bodyPr anchor="ctr">
-            <a:normAutofit/>
-          </a:bodyPr>
-          <a:lstStyle/>
-          <a:p>
-            <a:pPr>
-              <a:spcAft>
-                <a:spcPts val="600"/>
-              </a:spcAft>
-            </a:pPr>
-            <a:fld id="{30CCB0C1-2DF4-8B4C-AC0E-201D3DFFEAFD}" type="slidenum">
-              <a:rPr lang="fr-FR" smtClean="0"/>
-              <a:pPr>
-                <a:spcAft>
-                  <a:spcPts val="600"/>
-                </a:spcAft>
-              </a:pPr>
-              <a:t>18</a:t>
-            </a:fld>
-            <a:endParaRPr lang="fr-FR"/>
-          </a:p>
-        </p:txBody>
-      </p:sp>
-    </p:spTree>
-    <p:extLst>
-      <p:ext uri="{BB962C8B-B14F-4D97-AF65-F5344CB8AC3E}">
-        <p14:creationId xmlns:p14="http://schemas.microsoft.com/office/powerpoint/2010/main" val="1330866981"/>
-      </p:ext>
-    </p:extLst>
-  </p:cSld>
-  <p:clrMapOvr>
-    <a:masterClrMapping/>
-  </p:clrMapOvr>
-</p:sld>
-</file>
-
-<file path=ppt/slides/slide2.xml><?xml version="1.0" encoding="utf-8"?>
-<p:sld xmlns:a="http://schemas.openxmlformats.org/drawingml/2006/main" xmlns:r="http://schemas.openxmlformats.org/officeDocument/2006/relationships" xmlns:p="http://schemas.openxmlformats.org/presentationml/2006/main">
-  <p:cSld>
-    <p:spTree>
-      <p:nvGrpSpPr>
-        <p:cNvPr id="1" name=""/>
-        <p:cNvGrpSpPr/>
-        <p:nvPr/>
-      </p:nvGrpSpPr>
-      <p:grpSpPr>
-        <a:xfrm>
-          <a:off x="0" y="0"/>
-          <a:ext cx="0" cy="0"/>
-          <a:chOff x="0" y="0"/>
-          <a:chExt cx="0" cy="0"/>
-        </a:xfrm>
-      </p:grpSpPr>
-      <p:sp>
-        <p:nvSpPr>
-          <p:cNvPr id="2" name="Title 1">
-            <a:extLst>
-              <a:ext uri="{FF2B5EF4-FFF2-40B4-BE49-F238E27FC236}">
-                <a16:creationId xmlns:a16="http://schemas.microsoft.com/office/drawing/2014/main" id="{475B4CBF-C07A-844B-9726-6D9239E1217F}"/>
-              </a:ext>
-            </a:extLst>
-          </p:cNvPr>
-          <p:cNvSpPr>
-            <a:spLocks noGrp="1"/>
-          </p:cNvSpPr>
-          <p:nvPr>
-            <p:ph type="title"/>
-          </p:nvPr>
-        </p:nvSpPr>
-        <p:spPr/>
-        <p:txBody>
-          <a:bodyPr/>
-          <a:lstStyle/>
-          <a:p>
-            <a:r>
-              <a:rPr lang="en-US" dirty="0"/>
-              <a:t>The Information Era</a:t>
-            </a:r>
-          </a:p>
-        </p:txBody>
-      </p:sp>
-      <p:sp>
-        <p:nvSpPr>
-          <p:cNvPr id="4" name="Slide Number Placeholder 3">
-            <a:extLst>
-              <a:ext uri="{FF2B5EF4-FFF2-40B4-BE49-F238E27FC236}">
-                <a16:creationId xmlns:a16="http://schemas.microsoft.com/office/drawing/2014/main" id="{8157A862-797F-B741-9C73-C1B6BE0EC46E}"/>
-              </a:ext>
-            </a:extLst>
-          </p:cNvPr>
-          <p:cNvSpPr>
-            <a:spLocks noGrp="1"/>
-          </p:cNvSpPr>
-          <p:nvPr>
-            <p:ph type="sldNum" sz="quarter" idx="12"/>
-          </p:nvPr>
-        </p:nvSpPr>
-        <p:spPr/>
-        <p:txBody>
-          <a:bodyPr/>
-          <a:lstStyle/>
-          <a:p>
-            <a:fld id="{30CCB0C1-2DF4-8B4C-AC0E-201D3DFFEAFD}" type="slidenum">
-              <a:rPr lang="fr-FR" smtClean="0"/>
-              <a:pPr/>
-              <a:t>1</a:t>
-            </a:fld>
-            <a:endParaRPr lang="fr-FR" dirty="0"/>
-          </a:p>
-        </p:txBody>
-      </p:sp>
-      <p:pic>
-        <p:nvPicPr>
-          <p:cNvPr id="9" name="Image 8">
-            <a:extLst>
-              <a:ext uri="{FF2B5EF4-FFF2-40B4-BE49-F238E27FC236}">
-                <a16:creationId xmlns:a16="http://schemas.microsoft.com/office/drawing/2014/main" id="{E31946DF-629C-554F-8092-F552A2AD7820}"/>
-              </a:ext>
-            </a:extLst>
-          </p:cNvPr>
-          <p:cNvPicPr>
-            <a:picLocks noChangeAspect="1"/>
-          </p:cNvPicPr>
-          <p:nvPr/>
-        </p:nvPicPr>
-        <p:blipFill>
-          <a:blip r:embed="rId3"/>
-          <a:stretch>
-            <a:fillRect/>
-          </a:stretch>
-        </p:blipFill>
-        <p:spPr>
-          <a:xfrm>
-            <a:off x="1098550" y="1303456"/>
-            <a:ext cx="6946900" cy="2125544"/>
-          </a:xfrm>
-          <a:prstGeom prst="rect">
-            <a:avLst/>
-          </a:prstGeom>
-        </p:spPr>
-      </p:pic>
-      <p:sp>
-        <p:nvSpPr>
-          <p:cNvPr id="5" name="ZoneTexte 4">
-            <a:extLst>
-              <a:ext uri="{FF2B5EF4-FFF2-40B4-BE49-F238E27FC236}">
-                <a16:creationId xmlns:a16="http://schemas.microsoft.com/office/drawing/2014/main" id="{07E137A1-15CB-7647-8E00-1CF1E5CD9E22}"/>
+                <a16:creationId xmlns:a16="http://schemas.microsoft.com/office/drawing/2014/main" id="{8A5F04F4-110E-774B-90FA-2391BA4278B5}"/>
               </a:ext>
             </a:extLst>
           </p:cNvPr>
@@ -19113,8 +20618,8 @@
         </p:nvSpPr>
         <p:spPr>
           <a:xfrm>
-            <a:off x="2637848" y="3429000"/>
-            <a:ext cx="3868303" cy="369332"/>
+            <a:off x="133817" y="732895"/>
+            <a:ext cx="5422703" cy="369332"/>
           </a:xfrm>
           <a:prstGeom prst="rect">
             <a:avLst/>
@@ -19128,69 +20633,132 @@
           <a:lstStyle/>
           <a:p>
             <a:r>
-              <a:rPr lang="fr-FR" i="1" dirty="0"/>
-              <a:t>Illustration of Netflix </a:t>
-            </a:r>
-            <a:r>
-              <a:rPr lang="en-US" i="1" dirty="0"/>
-              <a:t>recommendations</a:t>
-            </a:r>
-          </a:p>
-        </p:txBody>
-      </p:sp>
-      <p:sp>
-        <p:nvSpPr>
-          <p:cNvPr id="7" name="Content Placeholder 2">
-            <a:extLst>
-              <a:ext uri="{FF2B5EF4-FFF2-40B4-BE49-F238E27FC236}">
-                <a16:creationId xmlns:a16="http://schemas.microsoft.com/office/drawing/2014/main" id="{7F2C5260-7E05-084D-8665-C6B95632567D}"/>
-              </a:ext>
-            </a:extLst>
-          </p:cNvPr>
-          <p:cNvSpPr>
-            <a:spLocks noGrp="1"/>
-          </p:cNvSpPr>
-          <p:nvPr>
-            <p:ph idx="1"/>
-          </p:nvPr>
-        </p:nvSpPr>
-        <p:spPr>
-          <a:xfrm>
-            <a:off x="591015" y="4012207"/>
-            <a:ext cx="3868303" cy="2125545"/>
-          </a:xfrm>
-        </p:spPr>
-        <p:txBody>
-          <a:bodyPr anchor="ctr">
-            <a:normAutofit/>
-          </a:bodyPr>
-          <a:lstStyle/>
-          <a:p>
-            <a:pPr>
-              <a:buFont typeface="Police système Courant"/>
-              <a:buChar char="→"/>
-            </a:pPr>
+              <a:rPr lang="en-US" dirty="0" err="1">
+                <a:solidFill>
+                  <a:srgbClr val="C00000"/>
+                </a:solidFill>
+              </a:rPr>
+              <a:t>Cette</a:t>
+            </a:r>
             <a:r>
               <a:rPr lang="en-US" dirty="0">
                 <a:solidFill>
-                  <a:schemeClr val="tx1"/>
+                  <a:srgbClr val="C00000"/>
                 </a:solidFill>
               </a:rPr>
-              <a:t>Ever-growing quantity of data to choose from</a:t>
-            </a:r>
-          </a:p>
-          <a:p>
-            <a:pPr>
-              <a:buFont typeface="Police système Courant"/>
-              <a:buChar char="→"/>
-            </a:pPr>
+              <a:t> slide </a:t>
+            </a:r>
+            <a:r>
+              <a:rPr lang="en-US" dirty="0" err="1">
+                <a:solidFill>
+                  <a:srgbClr val="C00000"/>
+                </a:solidFill>
+              </a:rPr>
+              <a:t>relève</a:t>
+            </a:r>
             <a:r>
               <a:rPr lang="en-US" dirty="0">
                 <a:solidFill>
-                  <a:schemeClr val="tx1"/>
+                  <a:srgbClr val="C00000"/>
                 </a:solidFill>
               </a:rPr>
-              <a:t>Multiplication of user (textual) traces</a:t>
+              <a:t>-t-</a:t>
+            </a:r>
+            <a:r>
+              <a:rPr lang="en-US" dirty="0" err="1">
+                <a:solidFill>
+                  <a:srgbClr val="C00000"/>
+                </a:solidFill>
+              </a:rPr>
+              <a:t>elle</a:t>
+            </a:r>
+            <a:r>
+              <a:rPr lang="en-US" dirty="0">
+                <a:solidFill>
+                  <a:srgbClr val="C00000"/>
+                </a:solidFill>
+              </a:rPr>
+              <a:t> du </a:t>
+            </a:r>
+            <a:r>
+              <a:rPr lang="en-US" dirty="0" err="1">
+                <a:solidFill>
+                  <a:srgbClr val="C00000"/>
+                </a:solidFill>
+              </a:rPr>
+              <a:t>détail</a:t>
+            </a:r>
+            <a:r>
+              <a:rPr lang="en-US" dirty="0">
+                <a:solidFill>
+                  <a:srgbClr val="C00000"/>
+                </a:solidFill>
+              </a:rPr>
+              <a:t> </a:t>
+            </a:r>
+            <a:r>
+              <a:rPr lang="en-US" dirty="0" err="1">
+                <a:solidFill>
+                  <a:srgbClr val="C00000"/>
+                </a:solidFill>
+              </a:rPr>
+              <a:t>ou</a:t>
+            </a:r>
+            <a:r>
+              <a:rPr lang="en-US" dirty="0">
+                <a:solidFill>
+                  <a:srgbClr val="C00000"/>
+                </a:solidFill>
+              </a:rPr>
+              <a:t> </a:t>
+            </a:r>
+            <a:r>
+              <a:rPr lang="en-US" dirty="0" err="1">
+                <a:solidFill>
+                  <a:srgbClr val="C00000"/>
+                </a:solidFill>
+              </a:rPr>
+              <a:t>est</a:t>
+            </a:r>
+            <a:r>
+              <a:rPr lang="en-US" dirty="0">
+                <a:solidFill>
+                  <a:srgbClr val="C00000"/>
+                </a:solidFill>
+              </a:rPr>
+              <a:t> </a:t>
+            </a:r>
+            <a:r>
+              <a:rPr lang="en-US" dirty="0" err="1">
+                <a:solidFill>
+                  <a:srgbClr val="C00000"/>
+                </a:solidFill>
+              </a:rPr>
+              <a:t>elle</a:t>
+            </a:r>
+            <a:r>
+              <a:rPr lang="en-US" dirty="0">
+                <a:solidFill>
+                  <a:srgbClr val="C00000"/>
+                </a:solidFill>
+              </a:rPr>
+              <a:t> </a:t>
+            </a:r>
+            <a:r>
+              <a:rPr lang="en-US" dirty="0" err="1">
+                <a:solidFill>
+                  <a:srgbClr val="C00000"/>
+                </a:solidFill>
+              </a:rPr>
+              <a:t>pertinente</a:t>
+            </a:r>
+            <a:r>
+              <a:rPr lang="en-US" dirty="0">
+                <a:solidFill>
+                  <a:srgbClr val="C00000"/>
+                </a:solidFill>
+              </a:rPr>
+              <a:t> ?</a:t>
             </a:r>
           </a:p>
         </p:txBody>
@@ -19198,160 +20766,7 @@
     </p:spTree>
     <p:extLst>
       <p:ext uri="{BB962C8B-B14F-4D97-AF65-F5344CB8AC3E}">
-        <p14:creationId xmlns:p14="http://schemas.microsoft.com/office/powerpoint/2010/main" val="3316614137"/>
-      </p:ext>
-    </p:extLst>
-  </p:cSld>
-  <p:clrMapOvr>
-    <a:masterClrMapping/>
-  </p:clrMapOvr>
-  <mc:AlternateContent xmlns:mc="http://schemas.openxmlformats.org/markup-compatibility/2006" xmlns:p14="http://schemas.microsoft.com/office/powerpoint/2010/main">
-    <mc:Choice Requires="p14">
-      <p:transition p14:dur="300" advTm="33275">
-        <p:fade/>
-      </p:transition>
-    </mc:Choice>
-    <mc:Fallback xmlns="">
-      <p:transition advTm="33275">
-        <p:fade/>
-      </p:transition>
-    </mc:Fallback>
-  </mc:AlternateContent>
-</p:sld>
-</file>
-
-<file path=ppt/slides/slide20.xml><?xml version="1.0" encoding="utf-8"?>
-<p:sld xmlns:a="http://schemas.openxmlformats.org/drawingml/2006/main" xmlns:r="http://schemas.openxmlformats.org/officeDocument/2006/relationships" xmlns:p="http://schemas.openxmlformats.org/presentationml/2006/main">
-  <p:cSld>
-    <p:spTree>
-      <p:nvGrpSpPr>
-        <p:cNvPr id="1" name=""/>
-        <p:cNvGrpSpPr/>
-        <p:nvPr/>
-      </p:nvGrpSpPr>
-      <p:grpSpPr>
-        <a:xfrm>
-          <a:off x="0" y="0"/>
-          <a:ext cx="0" cy="0"/>
-          <a:chOff x="0" y="0"/>
-          <a:chExt cx="0" cy="0"/>
-        </a:xfrm>
-      </p:grpSpPr>
-      <p:sp>
-        <p:nvSpPr>
-          <p:cNvPr id="2" name="Titre 1">
-            <a:extLst>
-              <a:ext uri="{FF2B5EF4-FFF2-40B4-BE49-F238E27FC236}">
-                <a16:creationId xmlns:a16="http://schemas.microsoft.com/office/drawing/2014/main" id="{5015436F-AD9D-7A45-A15D-EE00E6879EEE}"/>
-              </a:ext>
-            </a:extLst>
-          </p:cNvPr>
-          <p:cNvSpPr>
-            <a:spLocks noGrp="1"/>
-          </p:cNvSpPr>
-          <p:nvPr>
-            <p:ph type="title"/>
-          </p:nvPr>
-        </p:nvSpPr>
-        <p:spPr>
-          <a:xfrm>
-            <a:off x="133817" y="1169"/>
-            <a:ext cx="7611368" cy="680225"/>
-          </a:xfrm>
-        </p:spPr>
-        <p:txBody>
-          <a:bodyPr anchor="ctr">
-            <a:normAutofit/>
-          </a:bodyPr>
-          <a:lstStyle/>
-          <a:p>
-            <a:r>
-              <a:rPr lang="en-US"/>
-              <a:t>The model : HRAN, overview</a:t>
-            </a:r>
-          </a:p>
-        </p:txBody>
-      </p:sp>
-      <p:pic>
-        <p:nvPicPr>
-          <p:cNvPr id="7" name="Espace réservé du contenu 6">
-            <a:extLst>
-              <a:ext uri="{FF2B5EF4-FFF2-40B4-BE49-F238E27FC236}">
-                <a16:creationId xmlns:a16="http://schemas.microsoft.com/office/drawing/2014/main" id="{C3958EC9-3296-1448-9BA3-AE6DDBAD0EEF}"/>
-              </a:ext>
-            </a:extLst>
-          </p:cNvPr>
-          <p:cNvPicPr>
-            <a:picLocks noGrp="1" noChangeAspect="1"/>
-          </p:cNvPicPr>
-          <p:nvPr>
-            <p:ph idx="1"/>
-          </p:nvPr>
-        </p:nvPicPr>
-        <p:blipFill>
-          <a:blip r:embed="rId3"/>
-          <a:stretch>
-            <a:fillRect/>
-          </a:stretch>
-        </p:blipFill>
-        <p:spPr>
-          <a:xfrm>
-            <a:off x="591015" y="1311626"/>
-            <a:ext cx="7961971" cy="4797087"/>
-          </a:xfrm>
-          <a:noFill/>
-        </p:spPr>
-      </p:pic>
-      <p:sp>
-        <p:nvSpPr>
-          <p:cNvPr id="4" name="Espace réservé du numéro de diapositive 3">
-            <a:extLst>
-              <a:ext uri="{FF2B5EF4-FFF2-40B4-BE49-F238E27FC236}">
-                <a16:creationId xmlns:a16="http://schemas.microsoft.com/office/drawing/2014/main" id="{C568EE19-E9A4-FB45-953C-774887FCF8A1}"/>
-              </a:ext>
-            </a:extLst>
-          </p:cNvPr>
-          <p:cNvSpPr>
-            <a:spLocks noGrp="1"/>
-          </p:cNvSpPr>
-          <p:nvPr>
-            <p:ph type="sldNum" sz="quarter" idx="12"/>
-          </p:nvPr>
-        </p:nvSpPr>
-        <p:spPr>
-          <a:xfrm>
-            <a:off x="8517869" y="6473117"/>
-            <a:ext cx="510928" cy="384883"/>
-          </a:xfrm>
-        </p:spPr>
-        <p:txBody>
-          <a:bodyPr anchor="ctr">
-            <a:normAutofit/>
-          </a:bodyPr>
-          <a:lstStyle/>
-          <a:p>
-            <a:pPr>
-              <a:spcAft>
-                <a:spcPts val="600"/>
-              </a:spcAft>
-            </a:pPr>
-            <a:fld id="{30CCB0C1-2DF4-8B4C-AC0E-201D3DFFEAFD}" type="slidenum">
-              <a:rPr lang="en-US" smtClean="0"/>
-              <a:pPr>
-                <a:spcAft>
-                  <a:spcPts val="600"/>
-                </a:spcAft>
-              </a:pPr>
-              <a:t>19</a:t>
-            </a:fld>
-            <a:endParaRPr lang="en-US"/>
-          </a:p>
-        </p:txBody>
-      </p:sp>
-    </p:spTree>
-    <p:extLst>
-      <p:ext uri="{BB962C8B-B14F-4D97-AF65-F5344CB8AC3E}">
-        <p14:creationId xmlns:p14="http://schemas.microsoft.com/office/powerpoint/2010/main" val="1609516738"/>
+        <p14:creationId xmlns:p14="http://schemas.microsoft.com/office/powerpoint/2010/main" val="3883426768"/>
       </p:ext>
     </p:extLst>
   </p:cSld>
@@ -21002,7 +22417,7 @@
         <p:spPr>
           <a:xfrm>
             <a:off x="1247775" y="4417017"/>
-            <a:ext cx="6497409" cy="369332"/>
+            <a:ext cx="6497409" cy="1852815"/>
           </a:xfrm>
           <a:prstGeom prst="rect">
             <a:avLst/>
@@ -21014,19 +22429,61 @@
           </a:bodyPr>
           <a:lstStyle/>
           <a:p>
-            <a:pPr algn="ctr"/>
-            <a:r>
-              <a:rPr lang="en-US" i="1">
-                <a:solidFill>
-                  <a:srgbClr val="C00000"/>
+            <a:pPr marL="342900" indent="-342900">
+              <a:lnSpc>
+                <a:spcPct val="200000"/>
+              </a:lnSpc>
+              <a:buFont typeface="Police système Courant"/>
+              <a:buChar char="→"/>
+            </a:pPr>
+            <a:r>
+              <a:rPr lang="en-US" sz="2000" dirty="0">
+                <a:solidFill>
+                  <a:schemeClr val="tx2"/>
                 </a:solidFill>
                 <a:latin typeface="URWPalladioL"/>
               </a:rPr>
-              <a:t>Comment</a:t>
-            </a:r>
-            <a:endParaRPr lang="en-US" i="1">
+              <a:t>Hierarchical models show better performances</a:t>
+            </a:r>
+          </a:p>
+          <a:p>
+            <a:pPr marL="342900" indent="-342900">
+              <a:lnSpc>
+                <a:spcPct val="200000"/>
+              </a:lnSpc>
+              <a:buFont typeface="Police système Courant"/>
+              <a:buChar char="→"/>
+            </a:pPr>
+            <a:r>
+              <a:rPr lang="en-US" sz="2000" dirty="0">
+                <a:solidFill>
+                  <a:schemeClr val="tx2"/>
+                </a:solidFill>
+                <a:latin typeface="URWPalladioL"/>
+              </a:rPr>
+              <a:t>Modeling the user/product bias improves performances</a:t>
+            </a:r>
+          </a:p>
+          <a:p>
+            <a:pPr marL="342900" indent="-342900">
+              <a:lnSpc>
+                <a:spcPct val="200000"/>
+              </a:lnSpc>
+              <a:buFont typeface="Police système Courant"/>
+              <a:buChar char="→"/>
+            </a:pPr>
+            <a:r>
+              <a:rPr lang="en-US" sz="2000" dirty="0">
+                <a:solidFill>
+                  <a:schemeClr val="tx2"/>
+                </a:solidFill>
+                <a:latin typeface="URWPalladioL"/>
+              </a:rPr>
+              <a:t>Our approach is competitive with the then SOTA models </a:t>
+            </a:r>
+            <a:endParaRPr lang="en-US" sz="2000" dirty="0">
               <a:solidFill>
-                <a:srgbClr val="C00000"/>
+                <a:schemeClr val="tx2"/>
               </a:solidFill>
             </a:endParaRPr>
           </a:p>
@@ -21186,10 +22643,10 @@
       </p:sp>
       <p:sp>
         <p:nvSpPr>
-          <p:cNvPr id="6" name="Rectangle 5">
+          <p:cNvPr id="7" name="Rectangle 6">
             <a:extLst>
               <a:ext uri="{FF2B5EF4-FFF2-40B4-BE49-F238E27FC236}">
-                <a16:creationId xmlns:a16="http://schemas.microsoft.com/office/drawing/2014/main" id="{87D161C4-39A2-8245-A9A5-CA5B61A04219}"/>
+                <a16:creationId xmlns:a16="http://schemas.microsoft.com/office/drawing/2014/main" id="{6C98B16D-0D63-F549-86C6-997F520DC7CB}"/>
               </a:ext>
             </a:extLst>
           </p:cNvPr>
@@ -21199,7 +22656,7 @@
         <p:spPr>
           <a:xfrm>
             <a:off x="1247775" y="4417017"/>
-            <a:ext cx="6497409" cy="369332"/>
+            <a:ext cx="6497409" cy="1237262"/>
           </a:xfrm>
           <a:prstGeom prst="rect">
             <a:avLst/>
@@ -21211,21 +22668,22 @@
           </a:bodyPr>
           <a:lstStyle/>
           <a:p>
-            <a:pPr algn="ctr"/>
-            <a:r>
-              <a:rPr lang="en-US" i="1">
-                <a:solidFill>
-                  <a:srgbClr val="C00000"/>
+            <a:pPr marL="342900" indent="-342900">
+              <a:lnSpc>
+                <a:spcPct val="200000"/>
+              </a:lnSpc>
+              <a:buFont typeface="Police système Courant"/>
+              <a:buChar char="→"/>
+            </a:pPr>
+            <a:r>
+              <a:rPr lang="en-US" sz="2000" dirty="0">
+                <a:solidFill>
+                  <a:schemeClr val="tx2"/>
                 </a:solidFill>
                 <a:latin typeface="URWPalladioL"/>
               </a:rPr>
-              <a:t>Comment</a:t>
-            </a:r>
-            <a:endParaRPr lang="en-US" i="1">
-              <a:solidFill>
-                <a:srgbClr val="C00000"/>
-              </a:solidFill>
-            </a:endParaRPr>
+              <a:t>Combining the user/product bias to the reviews as well as the rating prediction yields the best performances.</a:t>
+            </a:r>
           </a:p>
         </p:txBody>
       </p:sp>
@@ -21243,7 +22701,7 @@
 </file>
 
 <file path=ppt/slides/slide24.xml><?xml version="1.0" encoding="utf-8"?>
-<p:sld xmlns:a="http://schemas.openxmlformats.org/drawingml/2006/main" xmlns:r="http://schemas.openxmlformats.org/officeDocument/2006/relationships" xmlns:p="http://schemas.openxmlformats.org/presentationml/2006/main">
+<p:sld xmlns:a="http://schemas.openxmlformats.org/drawingml/2006/main" xmlns:r="http://schemas.openxmlformats.org/officeDocument/2006/relationships" xmlns:p="http://schemas.openxmlformats.org/presentationml/2006/main" show="0">
   <p:cSld>
     <p:spTree>
       <p:nvGrpSpPr>
@@ -21382,8 +22840,8 @@
         </p:nvSpPr>
         <p:spPr>
           <a:xfrm>
-            <a:off x="2238375" y="6186451"/>
-            <a:ext cx="4667250" cy="369332"/>
+            <a:off x="101298" y="6186451"/>
+            <a:ext cx="8978685" cy="923330"/>
           </a:xfrm>
           <a:prstGeom prst="rect">
             <a:avLst/>
@@ -21397,17 +22855,291 @@
           <a:p>
             <a:pPr algn="ctr"/>
             <a:r>
-              <a:rPr lang="en-US" i="1">
-                <a:solidFill>
-                  <a:srgbClr val="C00000"/>
-                </a:solidFill>
-                <a:latin typeface="URWPalladioL"/>
-              </a:rPr>
-              <a:t>caption</a:t>
-            </a:r>
-            <a:endParaRPr lang="en-US" i="1">
+              <a:rPr lang="en-US" dirty="0"/>
+              <a:t>Cloud of the most discriminating words in the dataset </a:t>
+            </a:r>
+            <a:r>
+              <a:rPr lang="en-US" i="1" dirty="0"/>
+              <a:t>Video Games</a:t>
+            </a:r>
+            <a:r>
+              <a:rPr lang="en-US" dirty="0"/>
+              <a:t> according to the global attention vector</a:t>
+            </a:r>
+          </a:p>
+          <a:p>
+            <a:pPr algn="ctr"/>
+            <a:endParaRPr lang="en-US" i="1" dirty="0">
               <a:solidFill>
                 <a:srgbClr val="C00000"/>
+              </a:solidFill>
+            </a:endParaRPr>
+          </a:p>
+        </p:txBody>
+      </p:sp>
+      <p:sp>
+        <p:nvSpPr>
+          <p:cNvPr id="9" name="Espace réservé du numéro de diapositive 3">
+            <a:extLst>
+              <a:ext uri="{FF2B5EF4-FFF2-40B4-BE49-F238E27FC236}">
+                <a16:creationId xmlns:a16="http://schemas.microsoft.com/office/drawing/2014/main" id="{09FE7AA4-FBC5-1842-9F49-24AF0E153957}"/>
+              </a:ext>
+            </a:extLst>
+          </p:cNvPr>
+          <p:cNvSpPr txBox="1">
+            <a:spLocks/>
+          </p:cNvSpPr>
+          <p:nvPr/>
+        </p:nvSpPr>
+        <p:spPr>
+          <a:xfrm>
+            <a:off x="8517869" y="6473117"/>
+            <a:ext cx="510928" cy="384883"/>
+          </a:xfrm>
+          <a:prstGeom prst="rect">
+            <a:avLst/>
+          </a:prstGeom>
+        </p:spPr>
+        <p:txBody>
+          <a:bodyPr vert="horz" lIns="91440" tIns="45720" rIns="91440" bIns="45720" rtlCol="0" anchor="ctr"/>
+          <a:lstStyle>
+            <a:defPPr>
+              <a:defRPr lang="en-US"/>
+            </a:defPPr>
+            <a:lvl1pPr marL="0" algn="r" defTabSz="914400" rtl="0" eaLnBrk="1" latinLnBrk="0" hangingPunct="1">
+              <a:defRPr sz="1200" kern="1200">
+                <a:solidFill>
+                  <a:schemeClr val="bg1"/>
+                </a:solidFill>
+                <a:latin typeface="+mn-lt"/>
+                <a:ea typeface="+mn-ea"/>
+                <a:cs typeface="+mn-cs"/>
+              </a:defRPr>
+            </a:lvl1pPr>
+            <a:lvl2pPr marL="457200" algn="l" defTabSz="914400" rtl="0" eaLnBrk="1" latinLnBrk="0" hangingPunct="1">
+              <a:defRPr sz="1800" kern="1200">
+                <a:solidFill>
+                  <a:schemeClr val="tx1"/>
+                </a:solidFill>
+                <a:latin typeface="+mn-lt"/>
+                <a:ea typeface="+mn-ea"/>
+                <a:cs typeface="+mn-cs"/>
+              </a:defRPr>
+            </a:lvl2pPr>
+            <a:lvl3pPr marL="914400" algn="l" defTabSz="914400" rtl="0" eaLnBrk="1" latinLnBrk="0" hangingPunct="1">
+              <a:defRPr sz="1800" kern="1200">
+                <a:solidFill>
+                  <a:schemeClr val="tx1"/>
+                </a:solidFill>
+                <a:latin typeface="+mn-lt"/>
+                <a:ea typeface="+mn-ea"/>
+                <a:cs typeface="+mn-cs"/>
+              </a:defRPr>
+            </a:lvl3pPr>
+            <a:lvl4pPr marL="1371600" algn="l" defTabSz="914400" rtl="0" eaLnBrk="1" latinLnBrk="0" hangingPunct="1">
+              <a:defRPr sz="1800" kern="1200">
+                <a:solidFill>
+                  <a:schemeClr val="tx1"/>
+                </a:solidFill>
+                <a:latin typeface="+mn-lt"/>
+                <a:ea typeface="+mn-ea"/>
+                <a:cs typeface="+mn-cs"/>
+              </a:defRPr>
+            </a:lvl4pPr>
+            <a:lvl5pPr marL="1828800" algn="l" defTabSz="914400" rtl="0" eaLnBrk="1" latinLnBrk="0" hangingPunct="1">
+              <a:defRPr sz="1800" kern="1200">
+                <a:solidFill>
+                  <a:schemeClr val="tx1"/>
+                </a:solidFill>
+                <a:latin typeface="+mn-lt"/>
+                <a:ea typeface="+mn-ea"/>
+                <a:cs typeface="+mn-cs"/>
+              </a:defRPr>
+            </a:lvl5pPr>
+            <a:lvl6pPr marL="2286000" algn="l" defTabSz="914400" rtl="0" eaLnBrk="1" latinLnBrk="0" hangingPunct="1">
+              <a:defRPr sz="1800" kern="1200">
+                <a:solidFill>
+                  <a:schemeClr val="tx1"/>
+                </a:solidFill>
+                <a:latin typeface="+mn-lt"/>
+                <a:ea typeface="+mn-ea"/>
+                <a:cs typeface="+mn-cs"/>
+              </a:defRPr>
+            </a:lvl6pPr>
+            <a:lvl7pPr marL="2743200" algn="l" defTabSz="914400" rtl="0" eaLnBrk="1" latinLnBrk="0" hangingPunct="1">
+              <a:defRPr sz="1800" kern="1200">
+                <a:solidFill>
+                  <a:schemeClr val="tx1"/>
+                </a:solidFill>
+                <a:latin typeface="+mn-lt"/>
+                <a:ea typeface="+mn-ea"/>
+                <a:cs typeface="+mn-cs"/>
+              </a:defRPr>
+            </a:lvl7pPr>
+            <a:lvl8pPr marL="3200400" algn="l" defTabSz="914400" rtl="0" eaLnBrk="1" latinLnBrk="0" hangingPunct="1">
+              <a:defRPr sz="1800" kern="1200">
+                <a:solidFill>
+                  <a:schemeClr val="tx1"/>
+                </a:solidFill>
+                <a:latin typeface="+mn-lt"/>
+                <a:ea typeface="+mn-ea"/>
+                <a:cs typeface="+mn-cs"/>
+              </a:defRPr>
+            </a:lvl8pPr>
+            <a:lvl9pPr marL="3657600" algn="l" defTabSz="914400" rtl="0" eaLnBrk="1" latinLnBrk="0" hangingPunct="1">
+              <a:defRPr sz="1800" kern="1200">
+                <a:solidFill>
+                  <a:schemeClr val="tx1"/>
+                </a:solidFill>
+                <a:latin typeface="+mn-lt"/>
+                <a:ea typeface="+mn-ea"/>
+                <a:cs typeface="+mn-cs"/>
+              </a:defRPr>
+            </a:lvl9pPr>
+          </a:lstStyle>
+          <a:p>
+            <a:fld id="{30CCB0C1-2DF4-8B4C-AC0E-201D3DFFEAFD}" type="slidenum">
+              <a:rPr lang="en-US" smtClean="0"/>
+              <a:pPr/>
+              <a:t>23</a:t>
+            </a:fld>
+            <a:endParaRPr lang="en-US"/>
+          </a:p>
+        </p:txBody>
+      </p:sp>
+      <p:sp>
+        <p:nvSpPr>
+          <p:cNvPr id="10" name="Espace réservé du numéro de diapositive 3">
+            <a:extLst>
+              <a:ext uri="{FF2B5EF4-FFF2-40B4-BE49-F238E27FC236}">
+                <a16:creationId xmlns:a16="http://schemas.microsoft.com/office/drawing/2014/main" id="{932CE04E-6EFB-2847-8181-8AFC1B021A09}"/>
+              </a:ext>
+            </a:extLst>
+          </p:cNvPr>
+          <p:cNvSpPr txBox="1">
+            <a:spLocks/>
+          </p:cNvSpPr>
+          <p:nvPr/>
+        </p:nvSpPr>
+        <p:spPr>
+          <a:xfrm>
+            <a:off x="8633072" y="6473117"/>
+            <a:ext cx="510928" cy="384883"/>
+          </a:xfrm>
+          <a:prstGeom prst="rect">
+            <a:avLst/>
+          </a:prstGeom>
+        </p:spPr>
+        <p:txBody>
+          <a:bodyPr vert="horz" lIns="91440" tIns="45720" rIns="91440" bIns="45720" rtlCol="0" anchor="ctr"/>
+          <a:lstStyle>
+            <a:defPPr>
+              <a:defRPr lang="en-US"/>
+            </a:defPPr>
+            <a:lvl1pPr marL="0" algn="r" defTabSz="914400" rtl="0" eaLnBrk="1" latinLnBrk="0" hangingPunct="1">
+              <a:defRPr sz="1200" kern="1200">
+                <a:solidFill>
+                  <a:schemeClr val="bg1"/>
+                </a:solidFill>
+                <a:latin typeface="+mn-lt"/>
+                <a:ea typeface="+mn-ea"/>
+                <a:cs typeface="+mn-cs"/>
+              </a:defRPr>
+            </a:lvl1pPr>
+            <a:lvl2pPr marL="457200" algn="l" defTabSz="914400" rtl="0" eaLnBrk="1" latinLnBrk="0" hangingPunct="1">
+              <a:defRPr sz="1800" kern="1200">
+                <a:solidFill>
+                  <a:schemeClr val="tx1"/>
+                </a:solidFill>
+                <a:latin typeface="+mn-lt"/>
+                <a:ea typeface="+mn-ea"/>
+                <a:cs typeface="+mn-cs"/>
+              </a:defRPr>
+            </a:lvl2pPr>
+            <a:lvl3pPr marL="914400" algn="l" defTabSz="914400" rtl="0" eaLnBrk="1" latinLnBrk="0" hangingPunct="1">
+              <a:defRPr sz="1800" kern="1200">
+                <a:solidFill>
+                  <a:schemeClr val="tx1"/>
+                </a:solidFill>
+                <a:latin typeface="+mn-lt"/>
+                <a:ea typeface="+mn-ea"/>
+                <a:cs typeface="+mn-cs"/>
+              </a:defRPr>
+            </a:lvl3pPr>
+            <a:lvl4pPr marL="1371600" algn="l" defTabSz="914400" rtl="0" eaLnBrk="1" latinLnBrk="0" hangingPunct="1">
+              <a:defRPr sz="1800" kern="1200">
+                <a:solidFill>
+                  <a:schemeClr val="tx1"/>
+                </a:solidFill>
+                <a:latin typeface="+mn-lt"/>
+                <a:ea typeface="+mn-ea"/>
+                <a:cs typeface="+mn-cs"/>
+              </a:defRPr>
+            </a:lvl4pPr>
+            <a:lvl5pPr marL="1828800" algn="l" defTabSz="914400" rtl="0" eaLnBrk="1" latinLnBrk="0" hangingPunct="1">
+              <a:defRPr sz="1800" kern="1200">
+                <a:solidFill>
+                  <a:schemeClr val="tx1"/>
+                </a:solidFill>
+                <a:latin typeface="+mn-lt"/>
+                <a:ea typeface="+mn-ea"/>
+                <a:cs typeface="+mn-cs"/>
+              </a:defRPr>
+            </a:lvl5pPr>
+            <a:lvl6pPr marL="2286000" algn="l" defTabSz="914400" rtl="0" eaLnBrk="1" latinLnBrk="0" hangingPunct="1">
+              <a:defRPr sz="1800" kern="1200">
+                <a:solidFill>
+                  <a:schemeClr val="tx1"/>
+                </a:solidFill>
+                <a:latin typeface="+mn-lt"/>
+                <a:ea typeface="+mn-ea"/>
+                <a:cs typeface="+mn-cs"/>
+              </a:defRPr>
+            </a:lvl6pPr>
+            <a:lvl7pPr marL="2743200" algn="l" defTabSz="914400" rtl="0" eaLnBrk="1" latinLnBrk="0" hangingPunct="1">
+              <a:defRPr sz="1800" kern="1200">
+                <a:solidFill>
+                  <a:schemeClr val="tx1"/>
+                </a:solidFill>
+                <a:latin typeface="+mn-lt"/>
+                <a:ea typeface="+mn-ea"/>
+                <a:cs typeface="+mn-cs"/>
+              </a:defRPr>
+            </a:lvl7pPr>
+            <a:lvl8pPr marL="3200400" algn="l" defTabSz="914400" rtl="0" eaLnBrk="1" latinLnBrk="0" hangingPunct="1">
+              <a:defRPr sz="1800" kern="1200">
+                <a:solidFill>
+                  <a:schemeClr val="tx1"/>
+                </a:solidFill>
+                <a:latin typeface="+mn-lt"/>
+                <a:ea typeface="+mn-ea"/>
+                <a:cs typeface="+mn-cs"/>
+              </a:defRPr>
+            </a:lvl8pPr>
+            <a:lvl9pPr marL="3657600" algn="l" defTabSz="914400" rtl="0" eaLnBrk="1" latinLnBrk="0" hangingPunct="1">
+              <a:defRPr sz="1800" kern="1200">
+                <a:solidFill>
+                  <a:schemeClr val="tx1"/>
+                </a:solidFill>
+                <a:latin typeface="+mn-lt"/>
+                <a:ea typeface="+mn-ea"/>
+                <a:cs typeface="+mn-cs"/>
+              </a:defRPr>
+            </a:lvl9pPr>
+          </a:lstStyle>
+          <a:p>
+            <a:fld id="{30CCB0C1-2DF4-8B4C-AC0E-201D3DFFEAFD}" type="slidenum">
+              <a:rPr lang="en-US" smtClean="0">
+                <a:solidFill>
+                  <a:schemeClr val="tx2"/>
+                </a:solidFill>
+              </a:rPr>
+              <a:pPr/>
+              <a:t>23</a:t>
+            </a:fld>
+            <a:endParaRPr lang="en-US" dirty="0">
+              <a:solidFill>
+                <a:schemeClr val="tx2"/>
               </a:solidFill>
             </a:endParaRPr>
           </a:p>
@@ -21495,8 +23227,8 @@
         </p:blipFill>
         <p:spPr>
           <a:xfrm>
-            <a:off x="1092200" y="2136257"/>
-            <a:ext cx="3479800" cy="2819400"/>
+            <a:off x="600073" y="1737528"/>
+            <a:ext cx="3971925" cy="3218129"/>
           </a:xfrm>
         </p:spPr>
       </p:pic>
@@ -21552,8 +23284,8 @@
         </p:blipFill>
         <p:spPr>
           <a:xfrm>
-            <a:off x="4572000" y="1902342"/>
-            <a:ext cx="3780295" cy="3053315"/>
+            <a:off x="4572000" y="1737528"/>
+            <a:ext cx="3984350" cy="3218129"/>
           </a:xfrm>
           <a:prstGeom prst="rect">
             <a:avLst/>
@@ -21574,8 +23306,8 @@
         </p:nvSpPr>
         <p:spPr>
           <a:xfrm>
-            <a:off x="1611044" y="4955657"/>
-            <a:ext cx="2442113" cy="369332"/>
+            <a:off x="846136" y="4955657"/>
+            <a:ext cx="3479798" cy="338554"/>
           </a:xfrm>
           <a:prstGeom prst="rect">
             <a:avLst/>
@@ -21589,15 +23321,10 @@
           <a:p>
             <a:pPr algn="ctr"/>
             <a:r>
-              <a:rPr lang="en-US" i="1">
-                <a:solidFill>
-                  <a:srgbClr val="C00000"/>
-                </a:solidFill>
-                <a:latin typeface="URWPalladioL"/>
-              </a:rPr>
-              <a:t>caption</a:t>
-            </a:r>
-            <a:endParaRPr lang="en-US" i="1">
+              <a:rPr lang="en-US" sz="1600" i="1" dirty="0"/>
+              <a:t>Generalist component of attention</a:t>
+            </a:r>
+            <a:endParaRPr lang="en-US" sz="1600" i="1" dirty="0">
               <a:solidFill>
                 <a:srgbClr val="C00000"/>
               </a:solidFill>
@@ -21607,10 +23334,10 @@
       </p:sp>
       <p:sp>
         <p:nvSpPr>
-          <p:cNvPr id="9" name="Rectangle 8">
+          <p:cNvPr id="10" name="Rectangle 9">
             <a:extLst>
               <a:ext uri="{FF2B5EF4-FFF2-40B4-BE49-F238E27FC236}">
-                <a16:creationId xmlns:a16="http://schemas.microsoft.com/office/drawing/2014/main" id="{22065230-4330-DE4F-B716-43E7F359D514}"/>
+                <a16:creationId xmlns:a16="http://schemas.microsoft.com/office/drawing/2014/main" id="{12D83945-F9BB-BB41-B531-1BD4096E103C}"/>
               </a:ext>
             </a:extLst>
           </p:cNvPr>
@@ -21619,8 +23346,8 @@
         </p:nvSpPr>
         <p:spPr>
           <a:xfrm>
-            <a:off x="5241090" y="4955657"/>
-            <a:ext cx="2442113" cy="369332"/>
+            <a:off x="4818066" y="4955657"/>
+            <a:ext cx="3479798" cy="338554"/>
           </a:xfrm>
           <a:prstGeom prst="rect">
             <a:avLst/>
@@ -21634,15 +23361,10 @@
           <a:p>
             <a:pPr algn="ctr"/>
             <a:r>
-              <a:rPr lang="en-US" i="1">
-                <a:solidFill>
-                  <a:srgbClr val="C00000"/>
-                </a:solidFill>
-                <a:latin typeface="URWPalladioL"/>
-              </a:rPr>
-              <a:t>caption</a:t>
-            </a:r>
-            <a:endParaRPr lang="en-US" i="1">
+              <a:rPr lang="en-US" sz="1600" i="1" dirty="0"/>
+              <a:t>Personalized component of attention</a:t>
+            </a:r>
+            <a:endParaRPr lang="en-US" sz="1600" i="1" dirty="0">
               <a:solidFill>
                 <a:srgbClr val="C00000"/>
               </a:solidFill>
@@ -21774,7 +23496,7 @@
               <a:buChar char="→"/>
             </a:pPr>
             <a:r>
-              <a:rPr lang="en-US" sz="2400">
+              <a:rPr lang="en-US" sz="2400" dirty="0">
                 <a:solidFill>
                   <a:schemeClr val="tx2"/>
                 </a:solidFill>
@@ -21791,13 +23513,26 @@
               <a:buChar char="→"/>
             </a:pPr>
             <a:r>
-              <a:rPr lang="en-US" sz="2400">
+              <a:rPr lang="en-US" sz="2400" dirty="0">
                 <a:solidFill>
                   <a:schemeClr val="tx2"/>
                 </a:solidFill>
               </a:rPr>
-              <a:t>Improve peformances</a:t>
-            </a:r>
+              <a:t>Improve </a:t>
+            </a:r>
+            <a:r>
+              <a:rPr lang="en-US" sz="2400" dirty="0" err="1">
+                <a:solidFill>
+                  <a:schemeClr val="tx2"/>
+                </a:solidFill>
+              </a:rPr>
+              <a:t>peformances</a:t>
+            </a:r>
+            <a:endParaRPr lang="en-US" sz="2400" dirty="0">
+              <a:solidFill>
+                <a:schemeClr val="tx2"/>
+              </a:solidFill>
+            </a:endParaRPr>
           </a:p>
           <a:p>
             <a:pPr marL="342900" indent="-342900">
@@ -21808,7 +23543,7 @@
               <a:buChar char="→"/>
             </a:pPr>
             <a:r>
-              <a:rPr lang="en-US" sz="2400">
+              <a:rPr lang="en-US" sz="2400" dirty="0">
                 <a:solidFill>
                   <a:schemeClr val="tx2"/>
                 </a:solidFill>
@@ -21825,7 +23560,7 @@
               <a:buChar char="→"/>
             </a:pPr>
             <a:r>
-              <a:rPr lang="en-US" sz="2400">
+              <a:rPr lang="en-US" sz="2400" dirty="0">
                 <a:solidFill>
                   <a:schemeClr val="tx2"/>
                 </a:solidFill>
@@ -23394,7 +25129,7 @@
           <a:p>
             <a:pPr algn="ctr"/>
             <a:r>
-              <a:rPr lang="en-US" sz="2400">
+              <a:rPr lang="en-US" sz="2400" dirty="0">
                 <a:solidFill>
                   <a:schemeClr val="accent1">
                     <a:lumMod val="75000"/>
@@ -23406,7 +25141,7 @@
           </a:p>
           <a:p>
             <a:pPr algn="ctr"/>
-            <a:endParaRPr lang="en-US" sz="2400">
+            <a:endParaRPr lang="en-US" sz="2400" dirty="0">
               <a:solidFill>
                 <a:schemeClr val="accent1">
                   <a:lumMod val="75000"/>
@@ -23416,36 +25151,62 @@
           </a:p>
           <a:p>
             <a:r>
-              <a:rPr lang="en-US"/>
+              <a:rPr lang="en-US" dirty="0">
+                <a:solidFill>
+                  <a:schemeClr val="tx2"/>
+                </a:solidFill>
+              </a:rPr>
               <a:t>User-generated text </a:t>
             </a:r>
             <a:r>
-              <a:rPr lang="en-US">
+              <a:rPr lang="en-US" dirty="0">
+                <a:solidFill>
+                  <a:schemeClr val="tx2"/>
+                </a:solidFill>
                 <a:sym typeface="Wingdings" pitchFamily="2" charset="2"/>
               </a:rPr>
               <a:t> </a:t>
             </a:r>
             <a:r>
-              <a:rPr lang="en-US"/>
+              <a:rPr lang="en-US" dirty="0">
+                <a:solidFill>
+                  <a:schemeClr val="tx2"/>
+                </a:solidFill>
+              </a:rPr>
               <a:t>build their representation</a:t>
             </a:r>
           </a:p>
           <a:p>
-            <a:endParaRPr lang="en-US"/>
-          </a:p>
-          <a:p>
-            <a:r>
-              <a:rPr lang="en-US"/>
+            <a:endParaRPr lang="en-US" dirty="0">
+              <a:solidFill>
+                <a:schemeClr val="tx2"/>
+              </a:solidFill>
+            </a:endParaRPr>
+          </a:p>
+          <a:p>
+            <a:r>
+              <a:rPr lang="en-US" dirty="0">
+                <a:solidFill>
+                  <a:schemeClr val="tx2"/>
+                </a:solidFill>
+              </a:rPr>
               <a:t>Remainder of the profile </a:t>
             </a:r>
             <a:r>
-              <a:rPr lang="en-US">
+              <a:rPr lang="en-US" dirty="0">
+                <a:solidFill>
+                  <a:schemeClr val="tx2"/>
+                </a:solidFill>
                 <a:sym typeface="Wingdings" pitchFamily="2" charset="2"/>
               </a:rPr>
               <a:t></a:t>
             </a:r>
             <a:r>
-              <a:rPr lang="en-US"/>
+              <a:rPr lang="en-US" dirty="0">
+                <a:solidFill>
+                  <a:schemeClr val="tx2"/>
+                </a:solidFill>
+              </a:rPr>
               <a:t> evaluation</a:t>
             </a:r>
           </a:p>
@@ -23969,7 +25730,11 @@
               <a:buChar char="→"/>
             </a:pPr>
             <a:r>
-              <a:rPr lang="en-US" sz="2000" dirty="0"/>
+              <a:rPr lang="en-US" sz="2000" dirty="0">
+                <a:solidFill>
+                  <a:schemeClr val="tx2"/>
+                </a:solidFill>
+              </a:rPr>
               <a:t>Sub-word embeddings</a:t>
             </a:r>
           </a:p>
@@ -23982,7 +25747,11 @@
               <a:buChar char="→"/>
             </a:pPr>
             <a:r>
-              <a:rPr lang="en-US" sz="2000" dirty="0"/>
+              <a:rPr lang="en-US" sz="2000" dirty="0">
+                <a:solidFill>
+                  <a:schemeClr val="tx2"/>
+                </a:solidFill>
+              </a:rPr>
               <a:t>Great for OOV words</a:t>
             </a:r>
           </a:p>
@@ -23995,7 +25764,11 @@
               <a:buChar char="→"/>
             </a:pPr>
             <a:r>
-              <a:rPr lang="en-US" sz="2000" dirty="0"/>
+              <a:rPr lang="en-US" sz="2000" dirty="0">
+                <a:solidFill>
+                  <a:schemeClr val="tx2"/>
+                </a:solidFill>
+              </a:rPr>
               <a:t>Very Fast to train</a:t>
             </a:r>
           </a:p>
@@ -24312,14 +26085,9 @@
           <a:lstStyle/>
           <a:p>
             <a:r>
-              <a:rPr lang="fr-FR" dirty="0"/>
-              <a:t>The model : </a:t>
-            </a:r>
-            <a:r>
-              <a:rPr lang="fr-FR" dirty="0" err="1"/>
-              <a:t>Resume</a:t>
-            </a:r>
-            <a:endParaRPr lang="fr-FR" dirty="0"/>
+              <a:rPr lang="en-US" dirty="0"/>
+              <a:t>The model : Resume</a:t>
+            </a:r>
           </a:p>
         </p:txBody>
       </p:sp>
@@ -24538,11 +26306,85 @@
         </p:blipFill>
         <p:spPr>
           <a:xfrm>
-            <a:off x="590550" y="2856315"/>
+            <a:off x="810433" y="2574534"/>
             <a:ext cx="7962900" cy="1708932"/>
           </a:xfrm>
         </p:spPr>
       </p:pic>
+      <p:sp>
+        <p:nvSpPr>
+          <p:cNvPr id="3" name="ZoneTexte 2">
+            <a:extLst>
+              <a:ext uri="{FF2B5EF4-FFF2-40B4-BE49-F238E27FC236}">
+                <a16:creationId xmlns:a16="http://schemas.microsoft.com/office/drawing/2014/main" id="{D5C57071-DA8D-9B40-8259-73A319EB09AB}"/>
+              </a:ext>
+            </a:extLst>
+          </p:cNvPr>
+          <p:cNvSpPr txBox="1"/>
+          <p:nvPr/>
+        </p:nvSpPr>
+        <p:spPr>
+          <a:xfrm>
+            <a:off x="3189553" y="4433095"/>
+            <a:ext cx="3204660" cy="369332"/>
+          </a:xfrm>
+          <a:prstGeom prst="rect">
+            <a:avLst/>
+          </a:prstGeom>
+          <a:noFill/>
+        </p:spPr>
+        <p:txBody>
+          <a:bodyPr wrap="none" rtlCol="0">
+            <a:spAutoFit/>
+          </a:bodyPr>
+          <a:lstStyle/>
+          <a:p>
+            <a:r>
+              <a:rPr lang="en-US" i="1" dirty="0"/>
+              <a:t>Illustration of the Text generator</a:t>
+            </a:r>
+          </a:p>
+        </p:txBody>
+      </p:sp>
+      <p:sp>
+        <p:nvSpPr>
+          <p:cNvPr id="5" name="ZoneTexte 4">
+            <a:extLst>
+              <a:ext uri="{FF2B5EF4-FFF2-40B4-BE49-F238E27FC236}">
+                <a16:creationId xmlns:a16="http://schemas.microsoft.com/office/drawing/2014/main" id="{B6A1DEAF-B41A-344C-854B-057E00AEDB11}"/>
+              </a:ext>
+            </a:extLst>
+          </p:cNvPr>
+          <p:cNvSpPr txBox="1"/>
+          <p:nvPr/>
+        </p:nvSpPr>
+        <p:spPr>
+          <a:xfrm>
+            <a:off x="3114675" y="5472113"/>
+            <a:ext cx="5358775" cy="369332"/>
+          </a:xfrm>
+          <a:prstGeom prst="rect">
+            <a:avLst/>
+          </a:prstGeom>
+          <a:noFill/>
+        </p:spPr>
+        <p:txBody>
+          <a:bodyPr wrap="none" rtlCol="0">
+            <a:spAutoFit/>
+          </a:bodyPr>
+          <a:lstStyle/>
+          <a:p>
+            <a:r>
+              <a:rPr lang="en-US" dirty="0">
+                <a:solidFill>
+                  <a:srgbClr val="C00000"/>
+                </a:solidFill>
+              </a:rPr>
+              <a:t>Add training loss and detail the architecture of decoder</a:t>
+            </a:r>
+          </a:p>
+        </p:txBody>
+      </p:sp>
     </p:spTree>
     <p:extLst>
       <p:ext uri="{BB962C8B-B14F-4D97-AF65-F5344CB8AC3E}">
@@ -24678,7 +26520,7 @@
         </p:blipFill>
         <p:spPr>
           <a:xfrm>
-            <a:off x="1028700" y="794238"/>
+            <a:off x="1028699" y="794238"/>
             <a:ext cx="7086600" cy="2552700"/>
           </a:xfrm>
         </p:spPr>
@@ -24711,7 +26553,7 @@
           <a:lstStyle/>
           <a:p>
             <a:r>
-              <a:rPr lang="en-US" i="1"/>
+              <a:rPr lang="en-US" i="1" dirty="0"/>
               <a:t> Industry classification results on 150 classes.</a:t>
             </a:r>
           </a:p>
@@ -24739,7 +26581,7 @@
         </p:blipFill>
         <p:spPr>
           <a:xfrm>
-            <a:off x="2279650" y="3993662"/>
+            <a:off x="1028700" y="3993662"/>
             <a:ext cx="4584700" cy="2070100"/>
           </a:xfrm>
           <a:prstGeom prst="rect">
@@ -24761,7 +26603,7 @@
         </p:nvSpPr>
         <p:spPr>
           <a:xfrm>
-            <a:off x="2685425" y="6063762"/>
+            <a:off x="1434475" y="6063762"/>
             <a:ext cx="3773149" cy="369332"/>
           </a:xfrm>
           <a:prstGeom prst="rect">
@@ -24777,6 +26619,90 @@
             <a:r>
               <a:rPr lang="en-US" i="1"/>
               <a:t>Skills Prediction Results on 523 classes</a:t>
+            </a:r>
+          </a:p>
+        </p:txBody>
+      </p:sp>
+      <p:sp>
+        <p:nvSpPr>
+          <p:cNvPr id="3" name="ZoneTexte 2">
+            <a:extLst>
+              <a:ext uri="{FF2B5EF4-FFF2-40B4-BE49-F238E27FC236}">
+                <a16:creationId xmlns:a16="http://schemas.microsoft.com/office/drawing/2014/main" id="{A59EA2BC-193A-EC48-BA7C-FA8236803102}"/>
+              </a:ext>
+            </a:extLst>
+          </p:cNvPr>
+          <p:cNvSpPr txBox="1"/>
+          <p:nvPr/>
+        </p:nvSpPr>
+        <p:spPr>
+          <a:xfrm>
+            <a:off x="5872163" y="4059216"/>
+            <a:ext cx="2645706" cy="1938992"/>
+          </a:xfrm>
+          <a:prstGeom prst="rect">
+            <a:avLst/>
+          </a:prstGeom>
+          <a:noFill/>
+        </p:spPr>
+        <p:txBody>
+          <a:bodyPr wrap="square" rtlCol="0" anchor="ctr">
+            <a:spAutoFit/>
+          </a:bodyPr>
+          <a:lstStyle/>
+          <a:p>
+            <a:pPr marL="285750" indent="-285750">
+              <a:buFont typeface="Police système Courant"/>
+              <a:buChar char="→"/>
+            </a:pPr>
+            <a:r>
+              <a:rPr lang="en-US" sz="2000" dirty="0">
+                <a:solidFill>
+                  <a:schemeClr val="tx2"/>
+                </a:solidFill>
+              </a:rPr>
+              <a:t>Disambiguation in </a:t>
+            </a:r>
+            <a:r>
+              <a:rPr lang="en-US" sz="2000" dirty="0" err="1">
+                <a:solidFill>
+                  <a:schemeClr val="tx2"/>
+                </a:solidFill>
+              </a:rPr>
+              <a:t>ELMo</a:t>
+            </a:r>
+            <a:r>
+              <a:rPr lang="en-US" sz="2000" dirty="0">
+                <a:solidFill>
+                  <a:schemeClr val="tx2"/>
+                </a:solidFill>
+              </a:rPr>
+              <a:t> improves performances</a:t>
+            </a:r>
+          </a:p>
+          <a:p>
+            <a:pPr marL="285750" indent="-285750">
+              <a:buFont typeface="Police système Courant"/>
+              <a:buChar char="→"/>
+            </a:pPr>
+            <a:endParaRPr lang="en-US" sz="2000" dirty="0">
+              <a:solidFill>
+                <a:schemeClr val="tx2"/>
+              </a:solidFill>
+            </a:endParaRPr>
+          </a:p>
+          <a:p>
+            <a:pPr marL="285750" indent="-285750">
+              <a:buFont typeface="Police système Courant"/>
+              <a:buChar char="→"/>
+            </a:pPr>
+            <a:r>
+              <a:rPr lang="en-US" sz="2000" dirty="0">
+                <a:solidFill>
+                  <a:schemeClr val="tx2"/>
+                </a:solidFill>
+              </a:rPr>
+              <a:t>But FT_CV is still competitive</a:t>
             </a:r>
           </a:p>
         </p:txBody>
@@ -25692,7 +27618,7 @@
         </p:blipFill>
         <p:spPr>
           <a:xfrm>
-            <a:off x="1803400" y="959173"/>
+            <a:off x="1894406" y="1448120"/>
             <a:ext cx="5537200" cy="1778000"/>
           </a:xfrm>
         </p:spPr>
@@ -25711,7 +27637,7 @@
         </p:nvSpPr>
         <p:spPr>
           <a:xfrm>
-            <a:off x="1489821" y="2737173"/>
+            <a:off x="1580827" y="3226120"/>
             <a:ext cx="6164358" cy="369332"/>
           </a:xfrm>
           <a:prstGeom prst="rect">
@@ -25727,7 +27653,7 @@
           <a:p>
             <a:pPr algn="ctr"/>
             <a:r>
-              <a:rPr lang="en-US" i="1"/>
+              <a:rPr lang="en-US" i="1" dirty="0"/>
               <a:t> Experimental results on job generation (title &amp; description)</a:t>
             </a:r>
           </a:p>
@@ -25735,10 +27661,10 @@
       </p:sp>
       <p:sp>
         <p:nvSpPr>
-          <p:cNvPr id="3" name="ZoneTexte 2">
+          <p:cNvPr id="11" name="ZoneTexte 10">
             <a:extLst>
               <a:ext uri="{FF2B5EF4-FFF2-40B4-BE49-F238E27FC236}">
-                <a16:creationId xmlns:a16="http://schemas.microsoft.com/office/drawing/2014/main" id="{87C103AF-996F-D74D-9AC1-E668988CCAFA}"/>
+                <a16:creationId xmlns:a16="http://schemas.microsoft.com/office/drawing/2014/main" id="{6A7AF379-67F3-1242-AC30-C77C7D1DAA0C}"/>
               </a:ext>
             </a:extLst>
           </p:cNvPr>
@@ -25747,8 +27673,8 @@
         </p:nvSpPr>
         <p:spPr>
           <a:xfrm>
-            <a:off x="4819973" y="5005953"/>
-            <a:ext cx="1083117" cy="369332"/>
+            <a:off x="891152" y="4328570"/>
+            <a:ext cx="7361695" cy="1477328"/>
           </a:xfrm>
           <a:prstGeom prst="rect">
             <a:avLst/>
@@ -25756,19 +27682,115 @@
           <a:noFill/>
         </p:spPr>
         <p:txBody>
-          <a:bodyPr wrap="none" rtlCol="0">
+          <a:bodyPr wrap="square" rtlCol="0" anchor="ctr">
             <a:spAutoFit/>
           </a:bodyPr>
           <a:lstStyle/>
           <a:p>
-            <a:r>
-              <a:rPr lang="en-US">
-                <a:solidFill>
-                  <a:srgbClr val="C00000"/>
+            <a:pPr marL="342900" indent="-342900">
+              <a:buFont typeface="Police système Courant"/>
+              <a:buChar char="→"/>
+            </a:pPr>
+            <a:r>
+              <a:rPr lang="en-US" sz="2000" dirty="0">
+                <a:solidFill>
+                  <a:schemeClr val="tx2"/>
                 </a:solidFill>
               </a:rPr>
-              <a:t>comment</a:t>
-            </a:r>
+              <a:t>The BLEU score expresses a syntactic resemblance between a prediction and a reference – not a semantic one.</a:t>
+            </a:r>
+          </a:p>
+          <a:p>
+            <a:pPr marL="342900" indent="-342900">
+              <a:lnSpc>
+                <a:spcPct val="150000"/>
+              </a:lnSpc>
+              <a:buFont typeface="Police système Courant"/>
+              <a:buChar char="→"/>
+            </a:pPr>
+            <a:r>
+              <a:rPr lang="en-US" sz="2000" dirty="0">
+                <a:solidFill>
+                  <a:schemeClr val="tx2"/>
+                </a:solidFill>
+              </a:rPr>
+              <a:t>FT</a:t>
+            </a:r>
+            <a:r>
+              <a:rPr lang="en-US" sz="2000" baseline="-25000" dirty="0">
+                <a:solidFill>
+                  <a:schemeClr val="tx2"/>
+                </a:solidFill>
+              </a:rPr>
+              <a:t>CV </a:t>
+            </a:r>
+            <a:r>
+              <a:rPr lang="en-US" sz="2000" dirty="0">
+                <a:solidFill>
+                  <a:schemeClr val="tx2"/>
+                </a:solidFill>
+              </a:rPr>
+              <a:t>outperforms </a:t>
+            </a:r>
+            <a:r>
+              <a:rPr lang="en-US" sz="2000" dirty="0" err="1">
+                <a:solidFill>
+                  <a:schemeClr val="tx2"/>
+                </a:solidFill>
+              </a:rPr>
+              <a:t>ELMo</a:t>
+            </a:r>
+            <a:r>
+              <a:rPr lang="en-US" sz="2000" dirty="0">
+                <a:solidFill>
+                  <a:schemeClr val="tx2"/>
+                </a:solidFill>
+              </a:rPr>
+              <a:t> and </a:t>
+            </a:r>
+            <a:r>
+              <a:rPr lang="en-US" sz="2000" dirty="0" err="1">
+                <a:solidFill>
+                  <a:schemeClr val="tx2"/>
+                </a:solidFill>
+              </a:rPr>
+              <a:t>FT</a:t>
+            </a:r>
+            <a:r>
+              <a:rPr lang="en-US" sz="2000" baseline="-25000" dirty="0" err="1">
+                <a:solidFill>
+                  <a:schemeClr val="tx2"/>
+                </a:solidFill>
+              </a:rPr>
+              <a:t>pt</a:t>
+            </a:r>
+            <a:r>
+              <a:rPr lang="en-US" sz="2000" dirty="0">
+                <a:solidFill>
+                  <a:schemeClr val="tx2"/>
+                </a:solidFill>
+              </a:rPr>
+              <a:t>: </a:t>
+            </a:r>
+          </a:p>
+          <a:p>
+            <a:pPr marL="800100" lvl="1" indent="-342900">
+              <a:buFont typeface="Police système Courant"/>
+              <a:buChar char="→"/>
+            </a:pPr>
+            <a:r>
+              <a:rPr lang="en-US" sz="2000" dirty="0">
+                <a:solidFill>
+                  <a:schemeClr val="tx2"/>
+                </a:solidFill>
+              </a:rPr>
+              <a:t>a CV is not traditional natural language. </a:t>
+            </a:r>
+            <a:endParaRPr lang="en-US" sz="2000" baseline="-25000" dirty="0">
+              <a:solidFill>
+                <a:schemeClr val="tx2"/>
+              </a:solidFill>
+            </a:endParaRPr>
           </a:p>
         </p:txBody>
       </p:sp>

--- a/defense.pptx
+++ b/defense.pptx
@@ -5,7 +5,7 @@
     <p:sldMasterId id="2147483671" r:id="rId1"/>
   </p:sldMasterIdLst>
   <p:notesMasterIdLst>
-    <p:notesMasterId r:id="rId67"/>
+    <p:notesMasterId r:id="rId68"/>
   </p:notesMasterIdLst>
   <p:sldIdLst>
     <p:sldId id="256" r:id="rId2"/>
@@ -38,41 +38,42 @@
     <p:sldId id="513" r:id="rId29"/>
     <p:sldId id="483" r:id="rId30"/>
     <p:sldId id="488" r:id="rId31"/>
-    <p:sldId id="485" r:id="rId32"/>
-    <p:sldId id="484" r:id="rId33"/>
-    <p:sldId id="501" r:id="rId34"/>
-    <p:sldId id="486" r:id="rId35"/>
-    <p:sldId id="500" r:id="rId36"/>
-    <p:sldId id="504" r:id="rId37"/>
-    <p:sldId id="502" r:id="rId38"/>
-    <p:sldId id="503" r:id="rId39"/>
-    <p:sldId id="506" r:id="rId40"/>
-    <p:sldId id="474" r:id="rId41"/>
-    <p:sldId id="489" r:id="rId42"/>
-    <p:sldId id="525" r:id="rId43"/>
-    <p:sldId id="531" r:id="rId44"/>
-    <p:sldId id="528" r:id="rId45"/>
-    <p:sldId id="529" r:id="rId46"/>
-    <p:sldId id="530" r:id="rId47"/>
-    <p:sldId id="505" r:id="rId48"/>
-    <p:sldId id="519" r:id="rId49"/>
-    <p:sldId id="490" r:id="rId50"/>
-    <p:sldId id="516" r:id="rId51"/>
-    <p:sldId id="515" r:id="rId52"/>
-    <p:sldId id="514" r:id="rId53"/>
-    <p:sldId id="532" r:id="rId54"/>
-    <p:sldId id="431" r:id="rId55"/>
-    <p:sldId id="446" r:id="rId56"/>
-    <p:sldId id="456" r:id="rId57"/>
-    <p:sldId id="436" r:id="rId58"/>
-    <p:sldId id="409" r:id="rId59"/>
-    <p:sldId id="429" r:id="rId60"/>
-    <p:sldId id="455" r:id="rId61"/>
-    <p:sldId id="473" r:id="rId62"/>
-    <p:sldId id="472" r:id="rId63"/>
-    <p:sldId id="533" r:id="rId64"/>
-    <p:sldId id="470" r:id="rId65"/>
-    <p:sldId id="527" r:id="rId66"/>
+    <p:sldId id="534" r:id="rId32"/>
+    <p:sldId id="485" r:id="rId33"/>
+    <p:sldId id="484" r:id="rId34"/>
+    <p:sldId id="501" r:id="rId35"/>
+    <p:sldId id="486" r:id="rId36"/>
+    <p:sldId id="500" r:id="rId37"/>
+    <p:sldId id="504" r:id="rId38"/>
+    <p:sldId id="502" r:id="rId39"/>
+    <p:sldId id="503" r:id="rId40"/>
+    <p:sldId id="506" r:id="rId41"/>
+    <p:sldId id="474" r:id="rId42"/>
+    <p:sldId id="489" r:id="rId43"/>
+    <p:sldId id="525" r:id="rId44"/>
+    <p:sldId id="531" r:id="rId45"/>
+    <p:sldId id="528" r:id="rId46"/>
+    <p:sldId id="529" r:id="rId47"/>
+    <p:sldId id="530" r:id="rId48"/>
+    <p:sldId id="505" r:id="rId49"/>
+    <p:sldId id="519" r:id="rId50"/>
+    <p:sldId id="490" r:id="rId51"/>
+    <p:sldId id="516" r:id="rId52"/>
+    <p:sldId id="515" r:id="rId53"/>
+    <p:sldId id="514" r:id="rId54"/>
+    <p:sldId id="532" r:id="rId55"/>
+    <p:sldId id="431" r:id="rId56"/>
+    <p:sldId id="446" r:id="rId57"/>
+    <p:sldId id="456" r:id="rId58"/>
+    <p:sldId id="436" r:id="rId59"/>
+    <p:sldId id="409" r:id="rId60"/>
+    <p:sldId id="429" r:id="rId61"/>
+    <p:sldId id="455" r:id="rId62"/>
+    <p:sldId id="473" r:id="rId63"/>
+    <p:sldId id="472" r:id="rId64"/>
+    <p:sldId id="533" r:id="rId65"/>
+    <p:sldId id="470" r:id="rId66"/>
+    <p:sldId id="527" r:id="rId67"/>
   </p:sldIdLst>
   <p:sldSz cx="9144000" cy="6858000" type="screen4x3"/>
   <p:notesSz cx="6858000" cy="9144000"/>
@@ -218,6 +219,7 @@
             <p14:sldId id="513"/>
             <p14:sldId id="483"/>
             <p14:sldId id="488"/>
+            <p14:sldId id="534"/>
             <p14:sldId id="485"/>
             <p14:sldId id="484"/>
             <p14:sldId id="501"/>
@@ -369,7 +371,7 @@
           <a:p>
             <a:fld id="{BAFF8259-9C4B-4640-910F-4EA13CC7F13E}" type="datetimeFigureOut">
               <a:rPr lang="fr-FR" smtClean="0"/>
-              <a:t>05/11/2021</a:t>
+              <a:t>08/11/2021</a:t>
             </a:fld>
             <a:endParaRPr lang="fr-FR"/>
           </a:p>
@@ -2910,7 +2912,7 @@
     </p:spTree>
     <p:extLst>
       <p:ext uri="{BB962C8B-B14F-4D97-AF65-F5344CB8AC3E}">
-        <p14:creationId xmlns:p14="http://schemas.microsoft.com/office/powerpoint/2010/main" val="1119200689"/>
+        <p14:creationId xmlns:p14="http://schemas.microsoft.com/office/powerpoint/2010/main" val="677752613"/>
       </p:ext>
     </p:extLst>
   </p:cSld>
@@ -2964,567 +2966,6 @@
           <a:bodyPr/>
           <a:lstStyle/>
           <a:p>
-            <a:pPr marL="0" marR="0" lvl="0" indent="0" algn="l" defTabSz="914400" rtl="0" eaLnBrk="1" fontAlgn="auto" latinLnBrk="0" hangingPunct="1">
-              <a:lnSpc>
-                <a:spcPct val="100000"/>
-              </a:lnSpc>
-              <a:spcBef>
-                <a:spcPts val="0"/>
-              </a:spcBef>
-              <a:spcAft>
-                <a:spcPts val="0"/>
-              </a:spcAft>
-              <a:buClrTx/>
-              <a:buSzTx/>
-              <a:buFontTx/>
-              <a:buNone/>
-              <a:tabLst/>
-              <a:defRPr/>
-            </a:pPr>
-            <a:r>
-              <a:rPr lang="fr-FR" sz="1200" b="0" kern="1200" dirty="0">
-                <a:solidFill>
-                  <a:schemeClr val="tx1"/>
-                </a:solidFill>
-                <a:effectLst/>
-                <a:latin typeface="+mn-lt"/>
-                <a:ea typeface="+mn-ea"/>
-                <a:cs typeface="+mn-cs"/>
-              </a:rPr>
-              <a:t>The user profile </a:t>
-            </a:r>
-            <a:r>
-              <a:rPr lang="fr-FR" sz="1200" b="0" kern="1200" dirty="0" err="1">
-                <a:solidFill>
-                  <a:schemeClr val="tx1"/>
-                </a:solidFill>
-                <a:effectLst/>
-                <a:latin typeface="+mn-lt"/>
-                <a:ea typeface="+mn-ea"/>
-                <a:cs typeface="+mn-cs"/>
-              </a:rPr>
-              <a:t>is</a:t>
-            </a:r>
-            <a:r>
-              <a:rPr lang="fr-FR" sz="1200" b="0" kern="1200" dirty="0">
-                <a:solidFill>
-                  <a:schemeClr val="tx1"/>
-                </a:solidFill>
-                <a:effectLst/>
-                <a:latin typeface="+mn-lt"/>
-                <a:ea typeface="+mn-ea"/>
-                <a:cs typeface="+mn-cs"/>
-              </a:rPr>
-              <a:t> </a:t>
-            </a:r>
-            <a:r>
-              <a:rPr lang="fr-FR" sz="1200" b="0" kern="1200" dirty="0" err="1">
-                <a:solidFill>
-                  <a:schemeClr val="tx1"/>
-                </a:solidFill>
-                <a:effectLst/>
-                <a:latin typeface="+mn-lt"/>
-                <a:ea typeface="+mn-ea"/>
-                <a:cs typeface="+mn-cs"/>
-              </a:rPr>
-              <a:t>built</a:t>
-            </a:r>
-            <a:r>
-              <a:rPr lang="fr-FR" sz="1200" b="0" kern="1200" dirty="0">
-                <a:solidFill>
-                  <a:schemeClr val="tx1"/>
-                </a:solidFill>
-                <a:effectLst/>
-                <a:latin typeface="+mn-lt"/>
-                <a:ea typeface="+mn-ea"/>
-                <a:cs typeface="+mn-cs"/>
-              </a:rPr>
-              <a:t> by </a:t>
-            </a:r>
-            <a:r>
-              <a:rPr lang="fr-FR" sz="1200" b="0" kern="1200" dirty="0" err="1">
-                <a:solidFill>
-                  <a:schemeClr val="tx1"/>
-                </a:solidFill>
-                <a:effectLst/>
-                <a:latin typeface="+mn-lt"/>
-                <a:ea typeface="+mn-ea"/>
-                <a:cs typeface="+mn-cs"/>
-              </a:rPr>
-              <a:t>encoding</a:t>
-            </a:r>
-            <a:r>
-              <a:rPr lang="fr-FR" sz="1200" b="0" kern="1200" dirty="0">
-                <a:solidFill>
-                  <a:schemeClr val="tx1"/>
-                </a:solidFill>
-                <a:effectLst/>
-                <a:latin typeface="+mn-lt"/>
-                <a:ea typeface="+mn-ea"/>
-                <a:cs typeface="+mn-cs"/>
-              </a:rPr>
-              <a:t> </a:t>
-            </a:r>
-            <a:r>
-              <a:rPr lang="fr-FR" sz="1200" b="0" kern="1200" dirty="0" err="1">
-                <a:solidFill>
-                  <a:schemeClr val="tx1"/>
-                </a:solidFill>
-                <a:effectLst/>
-                <a:latin typeface="+mn-lt"/>
-                <a:ea typeface="+mn-ea"/>
-                <a:cs typeface="+mn-cs"/>
-              </a:rPr>
-              <a:t>their</a:t>
-            </a:r>
-            <a:r>
-              <a:rPr lang="fr-FR" sz="1200" b="0" kern="1200" dirty="0">
-                <a:solidFill>
-                  <a:schemeClr val="tx1"/>
-                </a:solidFill>
-                <a:effectLst/>
-                <a:latin typeface="+mn-lt"/>
-                <a:ea typeface="+mn-ea"/>
-                <a:cs typeface="+mn-cs"/>
-              </a:rPr>
-              <a:t> </a:t>
-            </a:r>
-            <a:r>
-              <a:rPr lang="fr-FR" sz="1200" b="0" kern="1200" dirty="0" err="1">
-                <a:solidFill>
-                  <a:schemeClr val="tx1"/>
-                </a:solidFill>
-                <a:effectLst/>
-                <a:latin typeface="+mn-lt"/>
-                <a:ea typeface="+mn-ea"/>
-                <a:cs typeface="+mn-cs"/>
-              </a:rPr>
-              <a:t>t</a:t>
-            </a:r>
-            <a:r>
-              <a:rPr lang="fr-FR" sz="1200" b="0" kern="1200" dirty="0">
-                <a:solidFill>
-                  <a:schemeClr val="tx1"/>
-                </a:solidFill>
-                <a:effectLst/>
-                <a:latin typeface="+mn-lt"/>
-                <a:ea typeface="+mn-ea"/>
-                <a:cs typeface="+mn-cs"/>
-              </a:rPr>
-              <a:t> first </a:t>
-            </a:r>
-            <a:r>
-              <a:rPr lang="fr-FR" sz="1200" b="0" kern="1200" dirty="0" err="1">
-                <a:solidFill>
-                  <a:schemeClr val="tx1"/>
-                </a:solidFill>
-                <a:effectLst/>
-                <a:latin typeface="+mn-lt"/>
-                <a:ea typeface="+mn-ea"/>
-                <a:cs typeface="+mn-cs"/>
-              </a:rPr>
-              <a:t>professional</a:t>
-            </a:r>
-            <a:r>
-              <a:rPr lang="fr-FR" sz="1200" b="0" kern="1200" dirty="0">
-                <a:solidFill>
-                  <a:schemeClr val="tx1"/>
-                </a:solidFill>
-                <a:effectLst/>
-                <a:latin typeface="+mn-lt"/>
-                <a:ea typeface="+mn-ea"/>
-                <a:cs typeface="+mn-cs"/>
-              </a:rPr>
-              <a:t> </a:t>
-            </a:r>
-            <a:r>
-              <a:rPr lang="fr-FR" sz="1200" b="0" kern="1200" dirty="0" err="1">
-                <a:solidFill>
-                  <a:schemeClr val="tx1"/>
-                </a:solidFill>
-                <a:effectLst/>
-                <a:latin typeface="+mn-lt"/>
-                <a:ea typeface="+mn-ea"/>
-                <a:cs typeface="+mn-cs"/>
-              </a:rPr>
-              <a:t>experiences</a:t>
-            </a:r>
-            <a:r>
-              <a:rPr lang="fr-FR" sz="1200" b="0" kern="1200" dirty="0">
-                <a:solidFill>
-                  <a:schemeClr val="tx1"/>
-                </a:solidFill>
-                <a:effectLst/>
-                <a:latin typeface="+mn-lt"/>
-                <a:ea typeface="+mn-ea"/>
-                <a:cs typeface="+mn-cs"/>
-              </a:rPr>
-              <a:t> (or jobs). </a:t>
-            </a:r>
-          </a:p>
-          <a:p>
-            <a:pPr marL="0" marR="0" lvl="0" indent="0" algn="l" defTabSz="914400" rtl="0" eaLnBrk="1" fontAlgn="auto" latinLnBrk="0" hangingPunct="1">
-              <a:lnSpc>
-                <a:spcPct val="100000"/>
-              </a:lnSpc>
-              <a:spcBef>
-                <a:spcPts val="0"/>
-              </a:spcBef>
-              <a:spcAft>
-                <a:spcPts val="0"/>
-              </a:spcAft>
-              <a:buClrTx/>
-              <a:buSzTx/>
-              <a:buFontTx/>
-              <a:buNone/>
-              <a:tabLst/>
-              <a:defRPr/>
-            </a:pPr>
-            <a:r>
-              <a:rPr lang="fr-FR" sz="1200" b="0" kern="1200" dirty="0" err="1">
-                <a:solidFill>
-                  <a:schemeClr val="tx1"/>
-                </a:solidFill>
-                <a:effectLst/>
-                <a:latin typeface="+mn-lt"/>
-                <a:ea typeface="+mn-ea"/>
-                <a:cs typeface="+mn-cs"/>
-              </a:rPr>
-              <a:t>Then</a:t>
-            </a:r>
-            <a:r>
-              <a:rPr lang="fr-FR" sz="1200" b="0" kern="1200" dirty="0">
-                <a:solidFill>
-                  <a:schemeClr val="tx1"/>
-                </a:solidFill>
-                <a:effectLst/>
-                <a:latin typeface="+mn-lt"/>
-                <a:ea typeface="+mn-ea"/>
-                <a:cs typeface="+mn-cs"/>
-              </a:rPr>
-              <a:t>, a </a:t>
-            </a:r>
-            <a:r>
-              <a:rPr lang="fr-FR" sz="1200" b="0" kern="1200" dirty="0" err="1">
-                <a:solidFill>
-                  <a:schemeClr val="tx1"/>
-                </a:solidFill>
-                <a:effectLst/>
-                <a:latin typeface="+mn-lt"/>
-                <a:ea typeface="+mn-ea"/>
-                <a:cs typeface="+mn-cs"/>
-              </a:rPr>
-              <a:t>decoder</a:t>
-            </a:r>
-            <a:r>
-              <a:rPr lang="fr-FR" sz="1200" b="0" kern="1200" dirty="0">
-                <a:solidFill>
-                  <a:schemeClr val="tx1"/>
-                </a:solidFill>
-                <a:effectLst/>
-                <a:latin typeface="+mn-lt"/>
-                <a:ea typeface="+mn-ea"/>
-                <a:cs typeface="+mn-cs"/>
-              </a:rPr>
-              <a:t> </a:t>
-            </a:r>
-            <a:r>
-              <a:rPr lang="fr-FR" sz="1200" b="0" kern="1200" dirty="0" err="1">
-                <a:solidFill>
-                  <a:schemeClr val="tx1"/>
-                </a:solidFill>
-                <a:effectLst/>
-                <a:latin typeface="+mn-lt"/>
-                <a:ea typeface="+mn-ea"/>
-                <a:cs typeface="+mn-cs"/>
-              </a:rPr>
-              <a:t>is</a:t>
-            </a:r>
-            <a:r>
-              <a:rPr lang="fr-FR" sz="1200" b="0" kern="1200" dirty="0">
-                <a:solidFill>
-                  <a:schemeClr val="tx1"/>
-                </a:solidFill>
-                <a:effectLst/>
-                <a:latin typeface="+mn-lt"/>
-                <a:ea typeface="+mn-ea"/>
-                <a:cs typeface="+mn-cs"/>
-              </a:rPr>
-              <a:t> </a:t>
-            </a:r>
-            <a:r>
-              <a:rPr lang="fr-FR" sz="1200" b="0" kern="1200" dirty="0" err="1">
-                <a:solidFill>
-                  <a:schemeClr val="tx1"/>
-                </a:solidFill>
-                <a:effectLst/>
-                <a:latin typeface="+mn-lt"/>
-                <a:ea typeface="+mn-ea"/>
-                <a:cs typeface="+mn-cs"/>
-              </a:rPr>
-              <a:t>trained</a:t>
-            </a:r>
-            <a:r>
-              <a:rPr lang="fr-FR" sz="1200" b="0" kern="1200" dirty="0">
-                <a:solidFill>
-                  <a:schemeClr val="tx1"/>
-                </a:solidFill>
-                <a:effectLst/>
-                <a:latin typeface="+mn-lt"/>
-                <a:ea typeface="+mn-ea"/>
-                <a:cs typeface="+mn-cs"/>
-              </a:rPr>
-              <a:t> to </a:t>
-            </a:r>
-            <a:r>
-              <a:rPr lang="fr-FR" sz="1200" b="0" kern="1200" dirty="0" err="1">
-                <a:solidFill>
-                  <a:schemeClr val="tx1"/>
-                </a:solidFill>
-                <a:effectLst/>
-                <a:latin typeface="+mn-lt"/>
-                <a:ea typeface="+mn-ea"/>
-                <a:cs typeface="+mn-cs"/>
-              </a:rPr>
-              <a:t>generate</a:t>
-            </a:r>
-            <a:r>
-              <a:rPr lang="fr-FR" sz="1200" b="0" kern="1200" dirty="0">
-                <a:solidFill>
-                  <a:schemeClr val="tx1"/>
-                </a:solidFill>
-                <a:effectLst/>
-                <a:latin typeface="+mn-lt"/>
-                <a:ea typeface="+mn-ea"/>
-                <a:cs typeface="+mn-cs"/>
-              </a:rPr>
-              <a:t> the </a:t>
-            </a:r>
-            <a:r>
-              <a:rPr lang="fr-FR" sz="1200" b="0" kern="1200" dirty="0" err="1">
-                <a:solidFill>
-                  <a:schemeClr val="tx1"/>
-                </a:solidFill>
-                <a:effectLst/>
-                <a:latin typeface="+mn-lt"/>
-                <a:ea typeface="+mn-ea"/>
-                <a:cs typeface="+mn-cs"/>
-              </a:rPr>
-              <a:t>user's</a:t>
-            </a:r>
-            <a:r>
-              <a:rPr lang="fr-FR" sz="1200" b="0" kern="1200" dirty="0">
-                <a:solidFill>
-                  <a:schemeClr val="tx1"/>
-                </a:solidFill>
-                <a:effectLst/>
-                <a:latin typeface="+mn-lt"/>
-                <a:ea typeface="+mn-ea"/>
-                <a:cs typeface="+mn-cs"/>
-              </a:rPr>
-              <a:t> last job, </a:t>
-            </a:r>
-            <a:r>
-              <a:rPr lang="fr-FR" sz="1200" b="0" kern="1200" dirty="0" err="1">
-                <a:solidFill>
-                  <a:schemeClr val="tx1"/>
-                </a:solidFill>
-                <a:effectLst/>
-                <a:latin typeface="+mn-lt"/>
-                <a:ea typeface="+mn-ea"/>
-                <a:cs typeface="+mn-cs"/>
-              </a:rPr>
-              <a:t>Job_t</a:t>
-            </a:r>
-            <a:r>
-              <a:rPr lang="fr-FR" sz="1200" b="0" kern="1200" dirty="0">
-                <a:solidFill>
-                  <a:schemeClr val="tx1"/>
-                </a:solidFill>
-                <a:effectLst/>
-                <a:latin typeface="+mn-lt"/>
-                <a:ea typeface="+mn-ea"/>
-                <a:cs typeface="+mn-cs"/>
-              </a:rPr>
-              <a:t> .</a:t>
-            </a:r>
-          </a:p>
-          <a:p>
-            <a:pPr marL="0" marR="0" lvl="0" indent="0" algn="l" defTabSz="914400" rtl="0" eaLnBrk="1" fontAlgn="auto" latinLnBrk="0" hangingPunct="1">
-              <a:lnSpc>
-                <a:spcPct val="100000"/>
-              </a:lnSpc>
-              <a:spcBef>
-                <a:spcPts val="0"/>
-              </a:spcBef>
-              <a:spcAft>
-                <a:spcPts val="0"/>
-              </a:spcAft>
-              <a:buClrTx/>
-              <a:buSzTx/>
-              <a:buFontTx/>
-              <a:buNone/>
-              <a:tabLst/>
-              <a:defRPr/>
-            </a:pPr>
-            <a:r>
-              <a:rPr lang="fr-FR" sz="1200" b="0" kern="1200" dirty="0">
-                <a:solidFill>
-                  <a:schemeClr val="tx1"/>
-                </a:solidFill>
-                <a:effectLst/>
-                <a:latin typeface="+mn-lt"/>
-                <a:ea typeface="+mn-ea"/>
-                <a:cs typeface="+mn-cs"/>
-              </a:rPr>
-              <a:t>This formulation </a:t>
-            </a:r>
-            <a:r>
-              <a:rPr lang="fr-FR" sz="1200" b="0" kern="1200" dirty="0" err="1">
-                <a:solidFill>
-                  <a:schemeClr val="tx1"/>
-                </a:solidFill>
-                <a:effectLst/>
-                <a:latin typeface="+mn-lt"/>
-                <a:ea typeface="+mn-ea"/>
-                <a:cs typeface="+mn-cs"/>
-              </a:rPr>
-              <a:t>is</a:t>
-            </a:r>
-            <a:r>
-              <a:rPr lang="fr-FR" sz="1200" b="0" kern="1200" dirty="0">
-                <a:solidFill>
-                  <a:schemeClr val="tx1"/>
-                </a:solidFill>
-                <a:effectLst/>
-                <a:latin typeface="+mn-lt"/>
-                <a:ea typeface="+mn-ea"/>
-                <a:cs typeface="+mn-cs"/>
-              </a:rPr>
-              <a:t> a </a:t>
-            </a:r>
-            <a:r>
-              <a:rPr lang="fr-FR" sz="1200" b="0" kern="1200" dirty="0" err="1">
-                <a:solidFill>
-                  <a:schemeClr val="tx1"/>
-                </a:solidFill>
-                <a:effectLst/>
-                <a:latin typeface="+mn-lt"/>
-                <a:ea typeface="+mn-ea"/>
-                <a:cs typeface="+mn-cs"/>
-              </a:rPr>
-              <a:t>practical</a:t>
-            </a:r>
-            <a:r>
-              <a:rPr lang="fr-FR" sz="1200" b="0" kern="1200" dirty="0">
-                <a:solidFill>
-                  <a:schemeClr val="tx1"/>
-                </a:solidFill>
-                <a:effectLst/>
-                <a:latin typeface="+mn-lt"/>
-                <a:ea typeface="+mn-ea"/>
-                <a:cs typeface="+mn-cs"/>
-              </a:rPr>
-              <a:t> proxy for </a:t>
-            </a:r>
-            <a:r>
-              <a:rPr lang="fr-FR" sz="1200" b="0" kern="1200" dirty="0" err="1">
-                <a:solidFill>
-                  <a:schemeClr val="tx1"/>
-                </a:solidFill>
-                <a:effectLst/>
-                <a:latin typeface="+mn-lt"/>
-                <a:ea typeface="+mn-ea"/>
-                <a:cs typeface="+mn-cs"/>
-              </a:rPr>
-              <a:t>learning</a:t>
-            </a:r>
-            <a:r>
-              <a:rPr lang="fr-FR" sz="1200" b="0" kern="1200" dirty="0">
-                <a:solidFill>
-                  <a:schemeClr val="tx1"/>
-                </a:solidFill>
-                <a:effectLst/>
-                <a:latin typeface="+mn-lt"/>
-                <a:ea typeface="+mn-ea"/>
-                <a:cs typeface="+mn-cs"/>
-              </a:rPr>
-              <a:t> to </a:t>
-            </a:r>
-            <a:r>
-              <a:rPr lang="fr-FR" sz="1200" b="0" kern="1200" dirty="0" err="1">
-                <a:solidFill>
-                  <a:schemeClr val="tx1"/>
-                </a:solidFill>
-                <a:effectLst/>
-                <a:latin typeface="+mn-lt"/>
-                <a:ea typeface="+mn-ea"/>
-                <a:cs typeface="+mn-cs"/>
-              </a:rPr>
-              <a:t>predict</a:t>
-            </a:r>
-            <a:r>
-              <a:rPr lang="fr-FR" sz="1200" b="0" kern="1200" dirty="0">
-                <a:solidFill>
-                  <a:schemeClr val="tx1"/>
-                </a:solidFill>
-                <a:effectLst/>
-                <a:latin typeface="+mn-lt"/>
-                <a:ea typeface="+mn-ea"/>
-                <a:cs typeface="+mn-cs"/>
-              </a:rPr>
-              <a:t> a </a:t>
-            </a:r>
-            <a:r>
-              <a:rPr lang="fr-FR" sz="1200" b="0" kern="1200" dirty="0" err="1">
-                <a:solidFill>
-                  <a:schemeClr val="tx1"/>
-                </a:solidFill>
-                <a:effectLst/>
-                <a:latin typeface="+mn-lt"/>
-                <a:ea typeface="+mn-ea"/>
-                <a:cs typeface="+mn-cs"/>
-              </a:rPr>
-              <a:t>user's</a:t>
-            </a:r>
-            <a:r>
-              <a:rPr lang="fr-FR" sz="1200" b="0" kern="1200" dirty="0">
-                <a:solidFill>
-                  <a:schemeClr val="tx1"/>
-                </a:solidFill>
-                <a:effectLst/>
-                <a:latin typeface="+mn-lt"/>
-                <a:ea typeface="+mn-ea"/>
-                <a:cs typeface="+mn-cs"/>
-              </a:rPr>
-              <a:t> </a:t>
-            </a:r>
-            <a:r>
-              <a:rPr lang="fr-FR" sz="1200" b="0" kern="1200" dirty="0" err="1">
-                <a:solidFill>
-                  <a:schemeClr val="tx1"/>
-                </a:solidFill>
-                <a:effectLst/>
-                <a:latin typeface="+mn-lt"/>
-                <a:ea typeface="+mn-ea"/>
-                <a:cs typeface="+mn-cs"/>
-              </a:rPr>
-              <a:t>next</a:t>
-            </a:r>
-            <a:r>
-              <a:rPr lang="fr-FR" sz="1200" b="0" kern="1200" dirty="0">
-                <a:solidFill>
-                  <a:schemeClr val="tx1"/>
-                </a:solidFill>
-                <a:effectLst/>
-                <a:latin typeface="+mn-lt"/>
-                <a:ea typeface="+mn-ea"/>
-                <a:cs typeface="+mn-cs"/>
-              </a:rPr>
-              <a:t> job.</a:t>
-            </a:r>
-          </a:p>
-          <a:p>
             <a:endParaRPr lang="fr-FR" dirty="0"/>
           </a:p>
         </p:txBody>
@@ -3546,7 +2987,7 @@
           <a:p>
             <a:fld id="{DF6148AD-E0EA-F64C-9871-E2424F422EB0}" type="slidenum">
               <a:rPr lang="fr-FR" smtClean="0"/>
-              <a:t>33</a:t>
+              <a:t>31</a:t>
             </a:fld>
             <a:endParaRPr lang="fr-FR"/>
           </a:p>
@@ -3555,7 +2996,7 @@
     </p:spTree>
     <p:extLst>
       <p:ext uri="{BB962C8B-B14F-4D97-AF65-F5344CB8AC3E}">
-        <p14:creationId xmlns:p14="http://schemas.microsoft.com/office/powerpoint/2010/main" val="58311073"/>
+        <p14:creationId xmlns:p14="http://schemas.microsoft.com/office/powerpoint/2010/main" val="1119200689"/>
       </p:ext>
     </p:extLst>
   </p:cSld>
@@ -3708,6 +3149,567 @@
           <a:bodyPr/>
           <a:lstStyle/>
           <a:p>
+            <a:pPr marL="0" marR="0" lvl="0" indent="0" algn="l" defTabSz="914400" rtl="0" eaLnBrk="1" fontAlgn="auto" latinLnBrk="0" hangingPunct="1">
+              <a:lnSpc>
+                <a:spcPct val="100000"/>
+              </a:lnSpc>
+              <a:spcBef>
+                <a:spcPts val="0"/>
+              </a:spcBef>
+              <a:spcAft>
+                <a:spcPts val="0"/>
+              </a:spcAft>
+              <a:buClrTx/>
+              <a:buSzTx/>
+              <a:buFontTx/>
+              <a:buNone/>
+              <a:tabLst/>
+              <a:defRPr/>
+            </a:pPr>
+            <a:r>
+              <a:rPr lang="fr-FR" sz="1200" b="0" kern="1200" dirty="0">
+                <a:solidFill>
+                  <a:schemeClr val="tx1"/>
+                </a:solidFill>
+                <a:effectLst/>
+                <a:latin typeface="+mn-lt"/>
+                <a:ea typeface="+mn-ea"/>
+                <a:cs typeface="+mn-cs"/>
+              </a:rPr>
+              <a:t>The user profile </a:t>
+            </a:r>
+            <a:r>
+              <a:rPr lang="fr-FR" sz="1200" b="0" kern="1200" dirty="0" err="1">
+                <a:solidFill>
+                  <a:schemeClr val="tx1"/>
+                </a:solidFill>
+                <a:effectLst/>
+                <a:latin typeface="+mn-lt"/>
+                <a:ea typeface="+mn-ea"/>
+                <a:cs typeface="+mn-cs"/>
+              </a:rPr>
+              <a:t>is</a:t>
+            </a:r>
+            <a:r>
+              <a:rPr lang="fr-FR" sz="1200" b="0" kern="1200" dirty="0">
+                <a:solidFill>
+                  <a:schemeClr val="tx1"/>
+                </a:solidFill>
+                <a:effectLst/>
+                <a:latin typeface="+mn-lt"/>
+                <a:ea typeface="+mn-ea"/>
+                <a:cs typeface="+mn-cs"/>
+              </a:rPr>
+              <a:t> </a:t>
+            </a:r>
+            <a:r>
+              <a:rPr lang="fr-FR" sz="1200" b="0" kern="1200" dirty="0" err="1">
+                <a:solidFill>
+                  <a:schemeClr val="tx1"/>
+                </a:solidFill>
+                <a:effectLst/>
+                <a:latin typeface="+mn-lt"/>
+                <a:ea typeface="+mn-ea"/>
+                <a:cs typeface="+mn-cs"/>
+              </a:rPr>
+              <a:t>built</a:t>
+            </a:r>
+            <a:r>
+              <a:rPr lang="fr-FR" sz="1200" b="0" kern="1200" dirty="0">
+                <a:solidFill>
+                  <a:schemeClr val="tx1"/>
+                </a:solidFill>
+                <a:effectLst/>
+                <a:latin typeface="+mn-lt"/>
+                <a:ea typeface="+mn-ea"/>
+                <a:cs typeface="+mn-cs"/>
+              </a:rPr>
+              <a:t> by </a:t>
+            </a:r>
+            <a:r>
+              <a:rPr lang="fr-FR" sz="1200" b="0" kern="1200" dirty="0" err="1">
+                <a:solidFill>
+                  <a:schemeClr val="tx1"/>
+                </a:solidFill>
+                <a:effectLst/>
+                <a:latin typeface="+mn-lt"/>
+                <a:ea typeface="+mn-ea"/>
+                <a:cs typeface="+mn-cs"/>
+              </a:rPr>
+              <a:t>encoding</a:t>
+            </a:r>
+            <a:r>
+              <a:rPr lang="fr-FR" sz="1200" b="0" kern="1200" dirty="0">
+                <a:solidFill>
+                  <a:schemeClr val="tx1"/>
+                </a:solidFill>
+                <a:effectLst/>
+                <a:latin typeface="+mn-lt"/>
+                <a:ea typeface="+mn-ea"/>
+                <a:cs typeface="+mn-cs"/>
+              </a:rPr>
+              <a:t> </a:t>
+            </a:r>
+            <a:r>
+              <a:rPr lang="fr-FR" sz="1200" b="0" kern="1200" dirty="0" err="1">
+                <a:solidFill>
+                  <a:schemeClr val="tx1"/>
+                </a:solidFill>
+                <a:effectLst/>
+                <a:latin typeface="+mn-lt"/>
+                <a:ea typeface="+mn-ea"/>
+                <a:cs typeface="+mn-cs"/>
+              </a:rPr>
+              <a:t>their</a:t>
+            </a:r>
+            <a:r>
+              <a:rPr lang="fr-FR" sz="1200" b="0" kern="1200" dirty="0">
+                <a:solidFill>
+                  <a:schemeClr val="tx1"/>
+                </a:solidFill>
+                <a:effectLst/>
+                <a:latin typeface="+mn-lt"/>
+                <a:ea typeface="+mn-ea"/>
+                <a:cs typeface="+mn-cs"/>
+              </a:rPr>
+              <a:t> </a:t>
+            </a:r>
+            <a:r>
+              <a:rPr lang="fr-FR" sz="1200" b="0" kern="1200" dirty="0" err="1">
+                <a:solidFill>
+                  <a:schemeClr val="tx1"/>
+                </a:solidFill>
+                <a:effectLst/>
+                <a:latin typeface="+mn-lt"/>
+                <a:ea typeface="+mn-ea"/>
+                <a:cs typeface="+mn-cs"/>
+              </a:rPr>
+              <a:t>t</a:t>
+            </a:r>
+            <a:r>
+              <a:rPr lang="fr-FR" sz="1200" b="0" kern="1200" dirty="0">
+                <a:solidFill>
+                  <a:schemeClr val="tx1"/>
+                </a:solidFill>
+                <a:effectLst/>
+                <a:latin typeface="+mn-lt"/>
+                <a:ea typeface="+mn-ea"/>
+                <a:cs typeface="+mn-cs"/>
+              </a:rPr>
+              <a:t> first </a:t>
+            </a:r>
+            <a:r>
+              <a:rPr lang="fr-FR" sz="1200" b="0" kern="1200" dirty="0" err="1">
+                <a:solidFill>
+                  <a:schemeClr val="tx1"/>
+                </a:solidFill>
+                <a:effectLst/>
+                <a:latin typeface="+mn-lt"/>
+                <a:ea typeface="+mn-ea"/>
+                <a:cs typeface="+mn-cs"/>
+              </a:rPr>
+              <a:t>professional</a:t>
+            </a:r>
+            <a:r>
+              <a:rPr lang="fr-FR" sz="1200" b="0" kern="1200" dirty="0">
+                <a:solidFill>
+                  <a:schemeClr val="tx1"/>
+                </a:solidFill>
+                <a:effectLst/>
+                <a:latin typeface="+mn-lt"/>
+                <a:ea typeface="+mn-ea"/>
+                <a:cs typeface="+mn-cs"/>
+              </a:rPr>
+              <a:t> </a:t>
+            </a:r>
+            <a:r>
+              <a:rPr lang="fr-FR" sz="1200" b="0" kern="1200" dirty="0" err="1">
+                <a:solidFill>
+                  <a:schemeClr val="tx1"/>
+                </a:solidFill>
+                <a:effectLst/>
+                <a:latin typeface="+mn-lt"/>
+                <a:ea typeface="+mn-ea"/>
+                <a:cs typeface="+mn-cs"/>
+              </a:rPr>
+              <a:t>experiences</a:t>
+            </a:r>
+            <a:r>
+              <a:rPr lang="fr-FR" sz="1200" b="0" kern="1200" dirty="0">
+                <a:solidFill>
+                  <a:schemeClr val="tx1"/>
+                </a:solidFill>
+                <a:effectLst/>
+                <a:latin typeface="+mn-lt"/>
+                <a:ea typeface="+mn-ea"/>
+                <a:cs typeface="+mn-cs"/>
+              </a:rPr>
+              <a:t> (or jobs). </a:t>
+            </a:r>
+          </a:p>
+          <a:p>
+            <a:pPr marL="0" marR="0" lvl="0" indent="0" algn="l" defTabSz="914400" rtl="0" eaLnBrk="1" fontAlgn="auto" latinLnBrk="0" hangingPunct="1">
+              <a:lnSpc>
+                <a:spcPct val="100000"/>
+              </a:lnSpc>
+              <a:spcBef>
+                <a:spcPts val="0"/>
+              </a:spcBef>
+              <a:spcAft>
+                <a:spcPts val="0"/>
+              </a:spcAft>
+              <a:buClrTx/>
+              <a:buSzTx/>
+              <a:buFontTx/>
+              <a:buNone/>
+              <a:tabLst/>
+              <a:defRPr/>
+            </a:pPr>
+            <a:r>
+              <a:rPr lang="fr-FR" sz="1200" b="0" kern="1200" dirty="0" err="1">
+                <a:solidFill>
+                  <a:schemeClr val="tx1"/>
+                </a:solidFill>
+                <a:effectLst/>
+                <a:latin typeface="+mn-lt"/>
+                <a:ea typeface="+mn-ea"/>
+                <a:cs typeface="+mn-cs"/>
+              </a:rPr>
+              <a:t>Then</a:t>
+            </a:r>
+            <a:r>
+              <a:rPr lang="fr-FR" sz="1200" b="0" kern="1200" dirty="0">
+                <a:solidFill>
+                  <a:schemeClr val="tx1"/>
+                </a:solidFill>
+                <a:effectLst/>
+                <a:latin typeface="+mn-lt"/>
+                <a:ea typeface="+mn-ea"/>
+                <a:cs typeface="+mn-cs"/>
+              </a:rPr>
+              <a:t>, a </a:t>
+            </a:r>
+            <a:r>
+              <a:rPr lang="fr-FR" sz="1200" b="0" kern="1200" dirty="0" err="1">
+                <a:solidFill>
+                  <a:schemeClr val="tx1"/>
+                </a:solidFill>
+                <a:effectLst/>
+                <a:latin typeface="+mn-lt"/>
+                <a:ea typeface="+mn-ea"/>
+                <a:cs typeface="+mn-cs"/>
+              </a:rPr>
+              <a:t>decoder</a:t>
+            </a:r>
+            <a:r>
+              <a:rPr lang="fr-FR" sz="1200" b="0" kern="1200" dirty="0">
+                <a:solidFill>
+                  <a:schemeClr val="tx1"/>
+                </a:solidFill>
+                <a:effectLst/>
+                <a:latin typeface="+mn-lt"/>
+                <a:ea typeface="+mn-ea"/>
+                <a:cs typeface="+mn-cs"/>
+              </a:rPr>
+              <a:t> </a:t>
+            </a:r>
+            <a:r>
+              <a:rPr lang="fr-FR" sz="1200" b="0" kern="1200" dirty="0" err="1">
+                <a:solidFill>
+                  <a:schemeClr val="tx1"/>
+                </a:solidFill>
+                <a:effectLst/>
+                <a:latin typeface="+mn-lt"/>
+                <a:ea typeface="+mn-ea"/>
+                <a:cs typeface="+mn-cs"/>
+              </a:rPr>
+              <a:t>is</a:t>
+            </a:r>
+            <a:r>
+              <a:rPr lang="fr-FR" sz="1200" b="0" kern="1200" dirty="0">
+                <a:solidFill>
+                  <a:schemeClr val="tx1"/>
+                </a:solidFill>
+                <a:effectLst/>
+                <a:latin typeface="+mn-lt"/>
+                <a:ea typeface="+mn-ea"/>
+                <a:cs typeface="+mn-cs"/>
+              </a:rPr>
+              <a:t> </a:t>
+            </a:r>
+            <a:r>
+              <a:rPr lang="fr-FR" sz="1200" b="0" kern="1200" dirty="0" err="1">
+                <a:solidFill>
+                  <a:schemeClr val="tx1"/>
+                </a:solidFill>
+                <a:effectLst/>
+                <a:latin typeface="+mn-lt"/>
+                <a:ea typeface="+mn-ea"/>
+                <a:cs typeface="+mn-cs"/>
+              </a:rPr>
+              <a:t>trained</a:t>
+            </a:r>
+            <a:r>
+              <a:rPr lang="fr-FR" sz="1200" b="0" kern="1200" dirty="0">
+                <a:solidFill>
+                  <a:schemeClr val="tx1"/>
+                </a:solidFill>
+                <a:effectLst/>
+                <a:latin typeface="+mn-lt"/>
+                <a:ea typeface="+mn-ea"/>
+                <a:cs typeface="+mn-cs"/>
+              </a:rPr>
+              <a:t> to </a:t>
+            </a:r>
+            <a:r>
+              <a:rPr lang="fr-FR" sz="1200" b="0" kern="1200" dirty="0" err="1">
+                <a:solidFill>
+                  <a:schemeClr val="tx1"/>
+                </a:solidFill>
+                <a:effectLst/>
+                <a:latin typeface="+mn-lt"/>
+                <a:ea typeface="+mn-ea"/>
+                <a:cs typeface="+mn-cs"/>
+              </a:rPr>
+              <a:t>generate</a:t>
+            </a:r>
+            <a:r>
+              <a:rPr lang="fr-FR" sz="1200" b="0" kern="1200" dirty="0">
+                <a:solidFill>
+                  <a:schemeClr val="tx1"/>
+                </a:solidFill>
+                <a:effectLst/>
+                <a:latin typeface="+mn-lt"/>
+                <a:ea typeface="+mn-ea"/>
+                <a:cs typeface="+mn-cs"/>
+              </a:rPr>
+              <a:t> the </a:t>
+            </a:r>
+            <a:r>
+              <a:rPr lang="fr-FR" sz="1200" b="0" kern="1200" dirty="0" err="1">
+                <a:solidFill>
+                  <a:schemeClr val="tx1"/>
+                </a:solidFill>
+                <a:effectLst/>
+                <a:latin typeface="+mn-lt"/>
+                <a:ea typeface="+mn-ea"/>
+                <a:cs typeface="+mn-cs"/>
+              </a:rPr>
+              <a:t>user's</a:t>
+            </a:r>
+            <a:r>
+              <a:rPr lang="fr-FR" sz="1200" b="0" kern="1200" dirty="0">
+                <a:solidFill>
+                  <a:schemeClr val="tx1"/>
+                </a:solidFill>
+                <a:effectLst/>
+                <a:latin typeface="+mn-lt"/>
+                <a:ea typeface="+mn-ea"/>
+                <a:cs typeface="+mn-cs"/>
+              </a:rPr>
+              <a:t> last job, </a:t>
+            </a:r>
+            <a:r>
+              <a:rPr lang="fr-FR" sz="1200" b="0" kern="1200" dirty="0" err="1">
+                <a:solidFill>
+                  <a:schemeClr val="tx1"/>
+                </a:solidFill>
+                <a:effectLst/>
+                <a:latin typeface="+mn-lt"/>
+                <a:ea typeface="+mn-ea"/>
+                <a:cs typeface="+mn-cs"/>
+              </a:rPr>
+              <a:t>Job_t</a:t>
+            </a:r>
+            <a:r>
+              <a:rPr lang="fr-FR" sz="1200" b="0" kern="1200" dirty="0">
+                <a:solidFill>
+                  <a:schemeClr val="tx1"/>
+                </a:solidFill>
+                <a:effectLst/>
+                <a:latin typeface="+mn-lt"/>
+                <a:ea typeface="+mn-ea"/>
+                <a:cs typeface="+mn-cs"/>
+              </a:rPr>
+              <a:t> .</a:t>
+            </a:r>
+          </a:p>
+          <a:p>
+            <a:pPr marL="0" marR="0" lvl="0" indent="0" algn="l" defTabSz="914400" rtl="0" eaLnBrk="1" fontAlgn="auto" latinLnBrk="0" hangingPunct="1">
+              <a:lnSpc>
+                <a:spcPct val="100000"/>
+              </a:lnSpc>
+              <a:spcBef>
+                <a:spcPts val="0"/>
+              </a:spcBef>
+              <a:spcAft>
+                <a:spcPts val="0"/>
+              </a:spcAft>
+              <a:buClrTx/>
+              <a:buSzTx/>
+              <a:buFontTx/>
+              <a:buNone/>
+              <a:tabLst/>
+              <a:defRPr/>
+            </a:pPr>
+            <a:r>
+              <a:rPr lang="fr-FR" sz="1200" b="0" kern="1200" dirty="0">
+                <a:solidFill>
+                  <a:schemeClr val="tx1"/>
+                </a:solidFill>
+                <a:effectLst/>
+                <a:latin typeface="+mn-lt"/>
+                <a:ea typeface="+mn-ea"/>
+                <a:cs typeface="+mn-cs"/>
+              </a:rPr>
+              <a:t>This formulation </a:t>
+            </a:r>
+            <a:r>
+              <a:rPr lang="fr-FR" sz="1200" b="0" kern="1200" dirty="0" err="1">
+                <a:solidFill>
+                  <a:schemeClr val="tx1"/>
+                </a:solidFill>
+                <a:effectLst/>
+                <a:latin typeface="+mn-lt"/>
+                <a:ea typeface="+mn-ea"/>
+                <a:cs typeface="+mn-cs"/>
+              </a:rPr>
+              <a:t>is</a:t>
+            </a:r>
+            <a:r>
+              <a:rPr lang="fr-FR" sz="1200" b="0" kern="1200" dirty="0">
+                <a:solidFill>
+                  <a:schemeClr val="tx1"/>
+                </a:solidFill>
+                <a:effectLst/>
+                <a:latin typeface="+mn-lt"/>
+                <a:ea typeface="+mn-ea"/>
+                <a:cs typeface="+mn-cs"/>
+              </a:rPr>
+              <a:t> a </a:t>
+            </a:r>
+            <a:r>
+              <a:rPr lang="fr-FR" sz="1200" b="0" kern="1200" dirty="0" err="1">
+                <a:solidFill>
+                  <a:schemeClr val="tx1"/>
+                </a:solidFill>
+                <a:effectLst/>
+                <a:latin typeface="+mn-lt"/>
+                <a:ea typeface="+mn-ea"/>
+                <a:cs typeface="+mn-cs"/>
+              </a:rPr>
+              <a:t>practical</a:t>
+            </a:r>
+            <a:r>
+              <a:rPr lang="fr-FR" sz="1200" b="0" kern="1200" dirty="0">
+                <a:solidFill>
+                  <a:schemeClr val="tx1"/>
+                </a:solidFill>
+                <a:effectLst/>
+                <a:latin typeface="+mn-lt"/>
+                <a:ea typeface="+mn-ea"/>
+                <a:cs typeface="+mn-cs"/>
+              </a:rPr>
+              <a:t> proxy for </a:t>
+            </a:r>
+            <a:r>
+              <a:rPr lang="fr-FR" sz="1200" b="0" kern="1200" dirty="0" err="1">
+                <a:solidFill>
+                  <a:schemeClr val="tx1"/>
+                </a:solidFill>
+                <a:effectLst/>
+                <a:latin typeface="+mn-lt"/>
+                <a:ea typeface="+mn-ea"/>
+                <a:cs typeface="+mn-cs"/>
+              </a:rPr>
+              <a:t>learning</a:t>
+            </a:r>
+            <a:r>
+              <a:rPr lang="fr-FR" sz="1200" b="0" kern="1200" dirty="0">
+                <a:solidFill>
+                  <a:schemeClr val="tx1"/>
+                </a:solidFill>
+                <a:effectLst/>
+                <a:latin typeface="+mn-lt"/>
+                <a:ea typeface="+mn-ea"/>
+                <a:cs typeface="+mn-cs"/>
+              </a:rPr>
+              <a:t> to </a:t>
+            </a:r>
+            <a:r>
+              <a:rPr lang="fr-FR" sz="1200" b="0" kern="1200" dirty="0" err="1">
+                <a:solidFill>
+                  <a:schemeClr val="tx1"/>
+                </a:solidFill>
+                <a:effectLst/>
+                <a:latin typeface="+mn-lt"/>
+                <a:ea typeface="+mn-ea"/>
+                <a:cs typeface="+mn-cs"/>
+              </a:rPr>
+              <a:t>predict</a:t>
+            </a:r>
+            <a:r>
+              <a:rPr lang="fr-FR" sz="1200" b="0" kern="1200" dirty="0">
+                <a:solidFill>
+                  <a:schemeClr val="tx1"/>
+                </a:solidFill>
+                <a:effectLst/>
+                <a:latin typeface="+mn-lt"/>
+                <a:ea typeface="+mn-ea"/>
+                <a:cs typeface="+mn-cs"/>
+              </a:rPr>
+              <a:t> a </a:t>
+            </a:r>
+            <a:r>
+              <a:rPr lang="fr-FR" sz="1200" b="0" kern="1200" dirty="0" err="1">
+                <a:solidFill>
+                  <a:schemeClr val="tx1"/>
+                </a:solidFill>
+                <a:effectLst/>
+                <a:latin typeface="+mn-lt"/>
+                <a:ea typeface="+mn-ea"/>
+                <a:cs typeface="+mn-cs"/>
+              </a:rPr>
+              <a:t>user's</a:t>
+            </a:r>
+            <a:r>
+              <a:rPr lang="fr-FR" sz="1200" b="0" kern="1200" dirty="0">
+                <a:solidFill>
+                  <a:schemeClr val="tx1"/>
+                </a:solidFill>
+                <a:effectLst/>
+                <a:latin typeface="+mn-lt"/>
+                <a:ea typeface="+mn-ea"/>
+                <a:cs typeface="+mn-cs"/>
+              </a:rPr>
+              <a:t> </a:t>
+            </a:r>
+            <a:r>
+              <a:rPr lang="fr-FR" sz="1200" b="0" kern="1200" dirty="0" err="1">
+                <a:solidFill>
+                  <a:schemeClr val="tx1"/>
+                </a:solidFill>
+                <a:effectLst/>
+                <a:latin typeface="+mn-lt"/>
+                <a:ea typeface="+mn-ea"/>
+                <a:cs typeface="+mn-cs"/>
+              </a:rPr>
+              <a:t>next</a:t>
+            </a:r>
+            <a:r>
+              <a:rPr lang="fr-FR" sz="1200" b="0" kern="1200" dirty="0">
+                <a:solidFill>
+                  <a:schemeClr val="tx1"/>
+                </a:solidFill>
+                <a:effectLst/>
+                <a:latin typeface="+mn-lt"/>
+                <a:ea typeface="+mn-ea"/>
+                <a:cs typeface="+mn-cs"/>
+              </a:rPr>
+              <a:t> job.</a:t>
+            </a:r>
+          </a:p>
+          <a:p>
             <a:endParaRPr lang="fr-FR" dirty="0"/>
           </a:p>
         </p:txBody>
@@ -3738,7 +3740,7 @@
     </p:spTree>
     <p:extLst>
       <p:ext uri="{BB962C8B-B14F-4D97-AF65-F5344CB8AC3E}">
-        <p14:creationId xmlns:p14="http://schemas.microsoft.com/office/powerpoint/2010/main" val="674897750"/>
+        <p14:creationId xmlns:p14="http://schemas.microsoft.com/office/powerpoint/2010/main" val="58311073"/>
       </p:ext>
     </p:extLst>
   </p:cSld>
@@ -3822,7 +3824,7 @@
     </p:spTree>
     <p:extLst>
       <p:ext uri="{BB962C8B-B14F-4D97-AF65-F5344CB8AC3E}">
-        <p14:creationId xmlns:p14="http://schemas.microsoft.com/office/powerpoint/2010/main" val="3513811422"/>
+        <p14:creationId xmlns:p14="http://schemas.microsoft.com/office/powerpoint/2010/main" val="674897750"/>
       </p:ext>
     </p:extLst>
   </p:cSld>
@@ -3906,7 +3908,7 @@
     </p:spTree>
     <p:extLst>
       <p:ext uri="{BB962C8B-B14F-4D97-AF65-F5344CB8AC3E}">
-        <p14:creationId xmlns:p14="http://schemas.microsoft.com/office/powerpoint/2010/main" val="4092050723"/>
+        <p14:creationId xmlns:p14="http://schemas.microsoft.com/office/powerpoint/2010/main" val="3513811422"/>
       </p:ext>
     </p:extLst>
   </p:cSld>
@@ -3990,7 +3992,7 @@
     </p:spTree>
     <p:extLst>
       <p:ext uri="{BB962C8B-B14F-4D97-AF65-F5344CB8AC3E}">
-        <p14:creationId xmlns:p14="http://schemas.microsoft.com/office/powerpoint/2010/main" val="2059705940"/>
+        <p14:creationId xmlns:p14="http://schemas.microsoft.com/office/powerpoint/2010/main" val="4092050723"/>
       </p:ext>
     </p:extLst>
   </p:cSld>
@@ -4074,7 +4076,7 @@
     </p:spTree>
     <p:extLst>
       <p:ext uri="{BB962C8B-B14F-4D97-AF65-F5344CB8AC3E}">
-        <p14:creationId xmlns:p14="http://schemas.microsoft.com/office/powerpoint/2010/main" val="3059825053"/>
+        <p14:creationId xmlns:p14="http://schemas.microsoft.com/office/powerpoint/2010/main" val="2059705940"/>
       </p:ext>
     </p:extLst>
   </p:cSld>
@@ -4103,7 +4105,7 @@
       </p:grpSpPr>
       <p:sp>
         <p:nvSpPr>
-          <p:cNvPr id="2" name="Slide Image Placeholder 1"/>
+          <p:cNvPr id="2" name="Espace réservé de l'image des diapositives 1"/>
           <p:cNvSpPr>
             <a:spLocks noGrp="1" noRot="1" noChangeAspect="1"/>
           </p:cNvSpPr>
@@ -4115,7 +4117,7 @@
       </p:sp>
       <p:sp>
         <p:nvSpPr>
-          <p:cNvPr id="3" name="Notes Placeholder 2"/>
+          <p:cNvPr id="3" name="Espace réservé des notes 2"/>
           <p:cNvSpPr>
             <a:spLocks noGrp="1"/>
           </p:cNvSpPr>
@@ -4128,13 +4130,13 @@
           <a:bodyPr/>
           <a:lstStyle/>
           <a:p>
-            <a:endParaRPr lang="en-US" dirty="0"/>
-          </a:p>
-        </p:txBody>
-      </p:sp>
-      <p:sp>
-        <p:nvSpPr>
-          <p:cNvPr id="4" name="Slide Number Placeholder 3"/>
+            <a:endParaRPr lang="fr-FR" dirty="0"/>
+          </a:p>
+        </p:txBody>
+      </p:sp>
+      <p:sp>
+        <p:nvSpPr>
+          <p:cNvPr id="4" name="Espace réservé du numéro de diapositive 3"/>
           <p:cNvSpPr>
             <a:spLocks noGrp="1"/>
           </p:cNvSpPr>
@@ -4158,7 +4160,7 @@
     </p:spTree>
     <p:extLst>
       <p:ext uri="{BB962C8B-B14F-4D97-AF65-F5344CB8AC3E}">
-        <p14:creationId xmlns:p14="http://schemas.microsoft.com/office/powerpoint/2010/main" val="3483653300"/>
+        <p14:creationId xmlns:p14="http://schemas.microsoft.com/office/powerpoint/2010/main" val="3059825053"/>
       </p:ext>
     </p:extLst>
   </p:cSld>
@@ -4187,7 +4189,7 @@
       </p:grpSpPr>
       <p:sp>
         <p:nvSpPr>
-          <p:cNvPr id="2" name="Espace réservé de l'image des diapositives 1"/>
+          <p:cNvPr id="2" name="Slide Image Placeholder 1"/>
           <p:cNvSpPr>
             <a:spLocks noGrp="1" noRot="1" noChangeAspect="1"/>
           </p:cNvSpPr>
@@ -4199,7 +4201,7 @@
       </p:sp>
       <p:sp>
         <p:nvSpPr>
-          <p:cNvPr id="3" name="Espace réservé des notes 2"/>
+          <p:cNvPr id="3" name="Notes Placeholder 2"/>
           <p:cNvSpPr>
             <a:spLocks noGrp="1"/>
           </p:cNvSpPr>
@@ -4218,7 +4220,7 @@
       </p:sp>
       <p:sp>
         <p:nvSpPr>
-          <p:cNvPr id="4" name="Espace réservé du numéro de diapositive 3"/>
+          <p:cNvPr id="4" name="Slide Number Placeholder 3"/>
           <p:cNvSpPr>
             <a:spLocks noGrp="1"/>
           </p:cNvSpPr>
@@ -4242,7 +4244,7 @@
     </p:spTree>
     <p:extLst>
       <p:ext uri="{BB962C8B-B14F-4D97-AF65-F5344CB8AC3E}">
-        <p14:creationId xmlns:p14="http://schemas.microsoft.com/office/powerpoint/2010/main" val="668997786"/>
+        <p14:creationId xmlns:p14="http://schemas.microsoft.com/office/powerpoint/2010/main" val="3483653300"/>
       </p:ext>
     </p:extLst>
   </p:cSld>
@@ -4326,7 +4328,7 @@
     </p:spTree>
     <p:extLst>
       <p:ext uri="{BB962C8B-B14F-4D97-AF65-F5344CB8AC3E}">
-        <p14:creationId xmlns:p14="http://schemas.microsoft.com/office/powerpoint/2010/main" val="324919003"/>
+        <p14:creationId xmlns:p14="http://schemas.microsoft.com/office/powerpoint/2010/main" val="668997786"/>
       </p:ext>
     </p:extLst>
   </p:cSld>
@@ -4410,7 +4412,7 @@
     </p:spTree>
     <p:extLst>
       <p:ext uri="{BB962C8B-B14F-4D97-AF65-F5344CB8AC3E}">
-        <p14:creationId xmlns:p14="http://schemas.microsoft.com/office/powerpoint/2010/main" val="739368930"/>
+        <p14:creationId xmlns:p14="http://schemas.microsoft.com/office/powerpoint/2010/main" val="324919003"/>
       </p:ext>
     </p:extLst>
   </p:cSld>
@@ -4439,7 +4441,7 @@
       </p:grpSpPr>
       <p:sp>
         <p:nvSpPr>
-          <p:cNvPr id="2" name="Slide Image Placeholder 1"/>
+          <p:cNvPr id="2" name="Espace réservé de l'image des diapositives 1"/>
           <p:cNvSpPr>
             <a:spLocks noGrp="1" noRot="1" noChangeAspect="1"/>
           </p:cNvSpPr>
@@ -4451,7 +4453,7 @@
       </p:sp>
       <p:sp>
         <p:nvSpPr>
-          <p:cNvPr id="3" name="Notes Placeholder 2"/>
+          <p:cNvPr id="3" name="Espace réservé des notes 2"/>
           <p:cNvSpPr>
             <a:spLocks noGrp="1"/>
           </p:cNvSpPr>
@@ -4464,13 +4466,13 @@
           <a:bodyPr/>
           <a:lstStyle/>
           <a:p>
-            <a:endParaRPr lang="en-US" b="1" dirty="0"/>
-          </a:p>
-        </p:txBody>
-      </p:sp>
-      <p:sp>
-        <p:nvSpPr>
-          <p:cNvPr id="4" name="Slide Number Placeholder 3"/>
+            <a:endParaRPr lang="en-US" dirty="0"/>
+          </a:p>
+        </p:txBody>
+      </p:sp>
+      <p:sp>
+        <p:nvSpPr>
+          <p:cNvPr id="4" name="Espace réservé du numéro de diapositive 3"/>
           <p:cNvSpPr>
             <a:spLocks noGrp="1"/>
           </p:cNvSpPr>
@@ -4485,7 +4487,7 @@
           <a:p>
             <a:fld id="{DF6148AD-E0EA-F64C-9871-E2424F422EB0}" type="slidenum">
               <a:rPr lang="fr-FR" smtClean="0"/>
-              <a:t>53</a:t>
+              <a:t>43</a:t>
             </a:fld>
             <a:endParaRPr lang="fr-FR"/>
           </a:p>
@@ -4494,7 +4496,7 @@
     </p:spTree>
     <p:extLst>
       <p:ext uri="{BB962C8B-B14F-4D97-AF65-F5344CB8AC3E}">
-        <p14:creationId xmlns:p14="http://schemas.microsoft.com/office/powerpoint/2010/main" val="3797983834"/>
+        <p14:creationId xmlns:p14="http://schemas.microsoft.com/office/powerpoint/2010/main" val="739368930"/>
       </p:ext>
     </p:extLst>
   </p:cSld>
@@ -4619,7 +4621,7 @@
       </p:grpSpPr>
       <p:sp>
         <p:nvSpPr>
-          <p:cNvPr id="2" name="Slide Image Placeholder 1"/>
+          <p:cNvPr id="2" name="Espace réservé de l'image des diapositives 1"/>
           <p:cNvSpPr>
             <a:spLocks noGrp="1" noRot="1" noChangeAspect="1"/>
           </p:cNvSpPr>
@@ -4631,7 +4633,7 @@
       </p:sp>
       <p:sp>
         <p:nvSpPr>
-          <p:cNvPr id="3" name="Notes Placeholder 2"/>
+          <p:cNvPr id="3" name="Espace réservé des notes 2"/>
           <p:cNvSpPr>
             <a:spLocks noGrp="1"/>
           </p:cNvSpPr>
@@ -4644,13 +4646,13 @@
           <a:bodyPr/>
           <a:lstStyle/>
           <a:p>
-            <a:endParaRPr lang="en-US" b="1" dirty="0"/>
-          </a:p>
-        </p:txBody>
-      </p:sp>
-      <p:sp>
-        <p:nvSpPr>
-          <p:cNvPr id="4" name="Slide Number Placeholder 3"/>
+            <a:endParaRPr lang="en-US" dirty="0"/>
+          </a:p>
+        </p:txBody>
+      </p:sp>
+      <p:sp>
+        <p:nvSpPr>
+          <p:cNvPr id="4" name="Espace réservé du numéro de diapositive 3"/>
           <p:cNvSpPr>
             <a:spLocks noGrp="1"/>
           </p:cNvSpPr>
@@ -4665,7 +4667,7 @@
           <a:p>
             <a:fld id="{DF6148AD-E0EA-F64C-9871-E2424F422EB0}" type="slidenum">
               <a:rPr lang="fr-FR" smtClean="0"/>
-              <a:t>54</a:t>
+              <a:t>52</a:t>
             </a:fld>
             <a:endParaRPr lang="fr-FR"/>
           </a:p>
@@ -4674,7 +4676,7 @@
     </p:spTree>
     <p:extLst>
       <p:ext uri="{BB962C8B-B14F-4D97-AF65-F5344CB8AC3E}">
-        <p14:creationId xmlns:p14="http://schemas.microsoft.com/office/powerpoint/2010/main" val="3976784358"/>
+        <p14:creationId xmlns:p14="http://schemas.microsoft.com/office/powerpoint/2010/main" val="1411086709"/>
       </p:ext>
     </p:extLst>
   </p:cSld>
@@ -4728,7 +4730,7 @@
           <a:bodyPr/>
           <a:lstStyle/>
           <a:p>
-            <a:endParaRPr lang="en-US" dirty="0"/>
+            <a:endParaRPr lang="en-US" b="1" dirty="0"/>
           </a:p>
         </p:txBody>
       </p:sp>
@@ -4749,7 +4751,7 @@
           <a:p>
             <a:fld id="{DF6148AD-E0EA-F64C-9871-E2424F422EB0}" type="slidenum">
               <a:rPr lang="fr-FR" smtClean="0"/>
-              <a:t>55</a:t>
+              <a:t>54</a:t>
             </a:fld>
             <a:endParaRPr lang="fr-FR"/>
           </a:p>
@@ -4758,7 +4760,7 @@
     </p:spTree>
     <p:extLst>
       <p:ext uri="{BB962C8B-B14F-4D97-AF65-F5344CB8AC3E}">
-        <p14:creationId xmlns:p14="http://schemas.microsoft.com/office/powerpoint/2010/main" val="2939814068"/>
+        <p14:creationId xmlns:p14="http://schemas.microsoft.com/office/powerpoint/2010/main" val="3797983834"/>
       </p:ext>
     </p:extLst>
   </p:cSld>
@@ -4812,7 +4814,7 @@
           <a:bodyPr/>
           <a:lstStyle/>
           <a:p>
-            <a:endParaRPr lang="en-US" dirty="0"/>
+            <a:endParaRPr lang="en-US" b="1" dirty="0"/>
           </a:p>
         </p:txBody>
       </p:sp>
@@ -4833,7 +4835,175 @@
           <a:p>
             <a:fld id="{DF6148AD-E0EA-F64C-9871-E2424F422EB0}" type="slidenum">
               <a:rPr lang="fr-FR" smtClean="0"/>
+              <a:t>55</a:t>
+            </a:fld>
+            <a:endParaRPr lang="fr-FR"/>
+          </a:p>
+        </p:txBody>
+      </p:sp>
+    </p:spTree>
+    <p:extLst>
+      <p:ext uri="{BB962C8B-B14F-4D97-AF65-F5344CB8AC3E}">
+        <p14:creationId xmlns:p14="http://schemas.microsoft.com/office/powerpoint/2010/main" val="3976784358"/>
+      </p:ext>
+    </p:extLst>
+  </p:cSld>
+  <p:clrMapOvr>
+    <a:masterClrMapping/>
+  </p:clrMapOvr>
+</p:notes>
+</file>
+
+<file path=ppt/notesSlides/notesSlide43.xml><?xml version="1.0" encoding="utf-8"?>
+<p:notes xmlns:a="http://schemas.openxmlformats.org/drawingml/2006/main" xmlns:r="http://schemas.openxmlformats.org/officeDocument/2006/relationships" xmlns:p="http://schemas.openxmlformats.org/presentationml/2006/main">
+  <p:cSld>
+    <p:spTree>
+      <p:nvGrpSpPr>
+        <p:cNvPr id="1" name=""/>
+        <p:cNvGrpSpPr/>
+        <p:nvPr/>
+      </p:nvGrpSpPr>
+      <p:grpSpPr>
+        <a:xfrm>
+          <a:off x="0" y="0"/>
+          <a:ext cx="0" cy="0"/>
+          <a:chOff x="0" y="0"/>
+          <a:chExt cx="0" cy="0"/>
+        </a:xfrm>
+      </p:grpSpPr>
+      <p:sp>
+        <p:nvSpPr>
+          <p:cNvPr id="2" name="Slide Image Placeholder 1"/>
+          <p:cNvSpPr>
+            <a:spLocks noGrp="1" noRot="1" noChangeAspect="1"/>
+          </p:cNvSpPr>
+          <p:nvPr>
+            <p:ph type="sldImg"/>
+          </p:nvPr>
+        </p:nvSpPr>
+        <p:spPr/>
+      </p:sp>
+      <p:sp>
+        <p:nvSpPr>
+          <p:cNvPr id="3" name="Notes Placeholder 2"/>
+          <p:cNvSpPr>
+            <a:spLocks noGrp="1"/>
+          </p:cNvSpPr>
+          <p:nvPr>
+            <p:ph type="body" idx="1"/>
+          </p:nvPr>
+        </p:nvSpPr>
+        <p:spPr/>
+        <p:txBody>
+          <a:bodyPr/>
+          <a:lstStyle/>
+          <a:p>
+            <a:endParaRPr lang="en-US" dirty="0"/>
+          </a:p>
+        </p:txBody>
+      </p:sp>
+      <p:sp>
+        <p:nvSpPr>
+          <p:cNvPr id="4" name="Slide Number Placeholder 3"/>
+          <p:cNvSpPr>
+            <a:spLocks noGrp="1"/>
+          </p:cNvSpPr>
+          <p:nvPr>
+            <p:ph type="sldNum" sz="quarter" idx="5"/>
+          </p:nvPr>
+        </p:nvSpPr>
+        <p:spPr/>
+        <p:txBody>
+          <a:bodyPr/>
+          <a:lstStyle/>
+          <a:p>
+            <a:fld id="{DF6148AD-E0EA-F64C-9871-E2424F422EB0}" type="slidenum">
+              <a:rPr lang="fr-FR" smtClean="0"/>
               <a:t>56</a:t>
+            </a:fld>
+            <a:endParaRPr lang="fr-FR"/>
+          </a:p>
+        </p:txBody>
+      </p:sp>
+    </p:spTree>
+    <p:extLst>
+      <p:ext uri="{BB962C8B-B14F-4D97-AF65-F5344CB8AC3E}">
+        <p14:creationId xmlns:p14="http://schemas.microsoft.com/office/powerpoint/2010/main" val="2939814068"/>
+      </p:ext>
+    </p:extLst>
+  </p:cSld>
+  <p:clrMapOvr>
+    <a:masterClrMapping/>
+  </p:clrMapOvr>
+</p:notes>
+</file>
+
+<file path=ppt/notesSlides/notesSlide44.xml><?xml version="1.0" encoding="utf-8"?>
+<p:notes xmlns:a="http://schemas.openxmlformats.org/drawingml/2006/main" xmlns:r="http://schemas.openxmlformats.org/officeDocument/2006/relationships" xmlns:p="http://schemas.openxmlformats.org/presentationml/2006/main">
+  <p:cSld>
+    <p:spTree>
+      <p:nvGrpSpPr>
+        <p:cNvPr id="1" name=""/>
+        <p:cNvGrpSpPr/>
+        <p:nvPr/>
+      </p:nvGrpSpPr>
+      <p:grpSpPr>
+        <a:xfrm>
+          <a:off x="0" y="0"/>
+          <a:ext cx="0" cy="0"/>
+          <a:chOff x="0" y="0"/>
+          <a:chExt cx="0" cy="0"/>
+        </a:xfrm>
+      </p:grpSpPr>
+      <p:sp>
+        <p:nvSpPr>
+          <p:cNvPr id="2" name="Slide Image Placeholder 1"/>
+          <p:cNvSpPr>
+            <a:spLocks noGrp="1" noRot="1" noChangeAspect="1"/>
+          </p:cNvSpPr>
+          <p:nvPr>
+            <p:ph type="sldImg"/>
+          </p:nvPr>
+        </p:nvSpPr>
+        <p:spPr/>
+      </p:sp>
+      <p:sp>
+        <p:nvSpPr>
+          <p:cNvPr id="3" name="Notes Placeholder 2"/>
+          <p:cNvSpPr>
+            <a:spLocks noGrp="1"/>
+          </p:cNvSpPr>
+          <p:nvPr>
+            <p:ph type="body" idx="1"/>
+          </p:nvPr>
+        </p:nvSpPr>
+        <p:spPr/>
+        <p:txBody>
+          <a:bodyPr/>
+          <a:lstStyle/>
+          <a:p>
+            <a:endParaRPr lang="en-US" dirty="0"/>
+          </a:p>
+        </p:txBody>
+      </p:sp>
+      <p:sp>
+        <p:nvSpPr>
+          <p:cNvPr id="4" name="Slide Number Placeholder 3"/>
+          <p:cNvSpPr>
+            <a:spLocks noGrp="1"/>
+          </p:cNvSpPr>
+          <p:nvPr>
+            <p:ph type="sldNum" sz="quarter" idx="5"/>
+          </p:nvPr>
+        </p:nvSpPr>
+        <p:spPr/>
+        <p:txBody>
+          <a:bodyPr/>
+          <a:lstStyle/>
+          <a:p>
+            <a:fld id="{DF6148AD-E0EA-F64C-9871-E2424F422EB0}" type="slidenum">
+              <a:rPr lang="fr-FR" smtClean="0"/>
+              <a:t>57</a:t>
             </a:fld>
             <a:endParaRPr lang="fr-FR"/>
           </a:p>
@@ -4852,7 +5022,7 @@
 </p:notes>
 </file>
 
-<file path=ppt/notesSlides/notesSlide43.xml><?xml version="1.0" encoding="utf-8"?>
+<file path=ppt/notesSlides/notesSlide45.xml><?xml version="1.0" encoding="utf-8"?>
 <p:notes xmlns:a="http://schemas.openxmlformats.org/drawingml/2006/main" xmlns:r="http://schemas.openxmlformats.org/officeDocument/2006/relationships" xmlns:p="http://schemas.openxmlformats.org/presentationml/2006/main" showMasterSp="0" showMasterPhAnim="0">
   <p:cSld>
     <p:spTree>
@@ -5025,13 +5195,34 @@
           <a:p>
             <a:r>
               <a:rPr lang="en-US" dirty="0"/>
-              <a:t>In other words, we want to build rich user representations in the sense that they can model complex and diverse aspects of their profiles, in the wake of the representation learning paradigm.</a:t>
+              <a:t>In other words, we want to build rich user representations in the sense that they can model complex and diverse aspects of their profiles,</a:t>
             </a:r>
           </a:p>
           <a:p>
             <a:r>
               <a:rPr lang="en-US" dirty="0"/>
-              <a:t>Such representations are often called versatile because they can be re-used or fine-tuned on other tasks than the ones they were trained on.</a:t>
+              <a:t>This goal has been at the heart of the Recommendation domain since the focus shifted from item-centric models to user-centric ones.</a:t>
+            </a:r>
+          </a:p>
+          <a:p>
+            <a:r>
+              <a:rPr lang="en-US" dirty="0"/>
+              <a:t>Namely, McAuley et al. have explored the multi aspect quality and hidden factors of textual reviews, by explicitly modeling them.</a:t>
+            </a:r>
+          </a:p>
+          <a:p>
+            <a:endParaRPr lang="en-US" dirty="0"/>
+          </a:p>
+          <a:p>
+            <a:r>
+              <a:rPr lang="en-US" dirty="0"/>
+              <a:t>Our approach rather lies in the wake of the representation learning paradigm, where we implicitly model various aspects of the users by learning a representation on an initial high-level task.</a:t>
+            </a:r>
+          </a:p>
+          <a:p>
+            <a:r>
+              <a:rPr lang="en-US" dirty="0"/>
+              <a:t>This type of representations is often called versatile because they can be re-used or fine-tuned on other tasks than the ones they were trained on.</a:t>
             </a:r>
           </a:p>
           <a:p>
@@ -6680,7 +6871,7 @@
           <a:p>
             <a:fld id="{7C7472B5-D1CA-5E40-A310-D36B391370CB}" type="datetime1">
               <a:rPr lang="fr-FR" smtClean="0"/>
-              <a:t>05/11/2021</a:t>
+              <a:t>08/11/2021</a:t>
             </a:fld>
             <a:endParaRPr lang="fr-FR"/>
           </a:p>
@@ -7363,7 +7554,7 @@
           <a:p>
             <a:fld id="{70BA8813-F537-3C42-8AFB-2B33E28B15A0}" type="datetime1">
               <a:rPr lang="fr-FR" smtClean="0"/>
-              <a:t>05/11/2021</a:t>
+              <a:t>08/11/2021</a:t>
             </a:fld>
             <a:endParaRPr lang="fr-FR"/>
           </a:p>
@@ -7795,7 +7986,7 @@
           <a:p>
             <a:fld id="{2B3D9F41-9739-CA42-982F-A1F4C225F8D4}" type="datetime1">
               <a:rPr lang="fr-FR" smtClean="0"/>
-              <a:t>05/11/2021</a:t>
+              <a:t>08/11/2021</a:t>
             </a:fld>
             <a:endParaRPr lang="fr-FR"/>
           </a:p>
@@ -8044,7 +8235,7 @@
           <a:p>
             <a:fld id="{C2711762-67DF-4C43-B8D0-38C06516571C}" type="datetime1">
               <a:rPr lang="fr-FR" smtClean="0"/>
-              <a:t>05/11/2021</a:t>
+              <a:t>08/11/2021</a:t>
             </a:fld>
             <a:endParaRPr lang="fr-FR"/>
           </a:p>
@@ -9318,7 +9509,7 @@
           <a:p>
             <a:fld id="{70BA8813-F537-3C42-8AFB-2B33E28B15A0}" type="datetime1">
               <a:rPr lang="fr-FR" smtClean="0"/>
-              <a:t>05/11/2021</a:t>
+              <a:t>08/11/2021</a:t>
             </a:fld>
             <a:endParaRPr lang="fr-FR"/>
           </a:p>
@@ -9720,7 +9911,7 @@
           <a:p>
             <a:fld id="{7C7472B5-D1CA-5E40-A310-D36B391370CB}" type="datetime1">
               <a:rPr lang="fr-FR" smtClean="0"/>
-              <a:t>05/11/2021</a:t>
+              <a:t>08/11/2021</a:t>
             </a:fld>
             <a:endParaRPr lang="fr-FR"/>
           </a:p>
@@ -15373,13 +15564,13 @@
   <p:clrMapOvr>
     <a:masterClrMapping/>
   </p:clrMapOvr>
-  <mc:AlternateContent xmlns:mc="http://schemas.openxmlformats.org/markup-compatibility/2006">
-    <mc:Choice xmlns:p14="http://schemas.microsoft.com/office/powerpoint/2010/main" Requires="p14">
+  <mc:AlternateContent xmlns:mc="http://schemas.openxmlformats.org/markup-compatibility/2006" xmlns:p14="http://schemas.microsoft.com/office/powerpoint/2010/main">
+    <mc:Choice Requires="p14">
       <p:transition p14:dur="300" advTm="61235">
         <p:fade/>
       </p:transition>
     </mc:Choice>
-    <mc:Fallback>
+    <mc:Fallback xmlns="">
       <p:transition advTm="61235">
         <p:fade/>
       </p:transition>
@@ -18052,12 +18243,7 @@
             <p:ph type="title"/>
           </p:nvPr>
         </p:nvSpPr>
-        <p:spPr>
-          <a:xfrm>
-            <a:off x="133817" y="1169"/>
-            <a:ext cx="7611368" cy="680225"/>
-          </a:xfrm>
-        </p:spPr>
+        <p:spPr/>
         <p:txBody>
           <a:bodyPr anchor="ctr">
             <a:normAutofit/>
@@ -18087,12 +18273,7 @@
             <p:ph type="sldNum" sz="quarter" idx="12"/>
           </p:nvPr>
         </p:nvSpPr>
-        <p:spPr>
-          <a:xfrm>
-            <a:off x="8517869" y="6473117"/>
-            <a:ext cx="510928" cy="384883"/>
-          </a:xfrm>
-        </p:spPr>
+        <p:spPr/>
         <p:txBody>
           <a:bodyPr anchor="ctr">
             <a:normAutofit/>
@@ -18131,7 +18312,7 @@
         </p:nvSpPr>
         <p:spPr>
           <a:xfrm>
-            <a:off x="2361972" y="3059667"/>
+            <a:off x="2329454" y="3463904"/>
             <a:ext cx="4420056" cy="369332"/>
           </a:xfrm>
           <a:prstGeom prst="rect">
@@ -18174,7 +18355,7 @@
         </p:blipFill>
         <p:spPr>
           <a:xfrm>
-            <a:off x="133817" y="900964"/>
+            <a:off x="101299" y="1305201"/>
             <a:ext cx="9120698" cy="2123799"/>
           </a:xfrm>
           <a:prstGeom prst="rect">
@@ -18228,12 +18409,7 @@
             <p:ph type="title"/>
           </p:nvPr>
         </p:nvSpPr>
-        <p:spPr>
-          <a:xfrm>
-            <a:off x="133817" y="1169"/>
-            <a:ext cx="7611368" cy="680225"/>
-          </a:xfrm>
-        </p:spPr>
+        <p:spPr/>
         <p:txBody>
           <a:bodyPr anchor="ctr">
             <a:normAutofit/>
@@ -18244,52 +18420,6 @@
               <a:rPr lang="fr-FR" dirty="0"/>
               <a:t>The model : HRAN, RBA</a:t>
             </a:r>
-          </a:p>
-        </p:txBody>
-      </p:sp>
-      <p:sp>
-        <p:nvSpPr>
-          <p:cNvPr id="4" name="Espace réservé du numéro de diapositive 3">
-            <a:extLst>
-              <a:ext uri="{FF2B5EF4-FFF2-40B4-BE49-F238E27FC236}">
-                <a16:creationId xmlns:a16="http://schemas.microsoft.com/office/drawing/2014/main" id="{C568EE19-E9A4-FB45-953C-774887FCF8A1}"/>
-              </a:ext>
-            </a:extLst>
-          </p:cNvPr>
-          <p:cNvSpPr>
-            <a:spLocks noGrp="1"/>
-          </p:cNvSpPr>
-          <p:nvPr>
-            <p:ph type="sldNum" sz="quarter" idx="12"/>
-          </p:nvPr>
-        </p:nvSpPr>
-        <p:spPr>
-          <a:xfrm>
-            <a:off x="8517869" y="6473117"/>
-            <a:ext cx="510928" cy="384883"/>
-          </a:xfrm>
-        </p:spPr>
-        <p:txBody>
-          <a:bodyPr anchor="ctr">
-            <a:normAutofit/>
-          </a:bodyPr>
-          <a:lstStyle/>
-          <a:p>
-            <a:pPr>
-              <a:spcAft>
-                <a:spcPts val="600"/>
-              </a:spcAft>
-            </a:pPr>
-            <a:fld id="{30CCB0C1-2DF4-8B4C-AC0E-201D3DFFEAFD}" type="slidenum">
-              <a:rPr lang="fr-FR" smtClean="0"/>
-              <a:pPr>
-                <a:spcAft>
-                  <a:spcPts val="600"/>
-                </a:spcAft>
-              </a:pPr>
-              <a:t>17</a:t>
-            </a:fld>
-            <a:endParaRPr lang="fr-FR"/>
           </a:p>
         </p:txBody>
       </p:sp>
@@ -18317,11 +18447,52 @@
         </p:blipFill>
         <p:spPr>
           <a:xfrm>
-            <a:off x="3223821" y="2297573"/>
-            <a:ext cx="5804976" cy="3303490"/>
+            <a:off x="3458004" y="2837745"/>
+            <a:ext cx="5306332" cy="3019722"/>
           </a:xfrm>
         </p:spPr>
       </p:pic>
+      <p:sp>
+        <p:nvSpPr>
+          <p:cNvPr id="4" name="Espace réservé du numéro de diapositive 3">
+            <a:extLst>
+              <a:ext uri="{FF2B5EF4-FFF2-40B4-BE49-F238E27FC236}">
+                <a16:creationId xmlns:a16="http://schemas.microsoft.com/office/drawing/2014/main" id="{C568EE19-E9A4-FB45-953C-774887FCF8A1}"/>
+              </a:ext>
+            </a:extLst>
+          </p:cNvPr>
+          <p:cNvSpPr>
+            <a:spLocks noGrp="1"/>
+          </p:cNvSpPr>
+          <p:nvPr>
+            <p:ph type="sldNum" sz="quarter" idx="12"/>
+          </p:nvPr>
+        </p:nvSpPr>
+        <p:spPr/>
+        <p:txBody>
+          <a:bodyPr anchor="ctr">
+            <a:normAutofit/>
+          </a:bodyPr>
+          <a:lstStyle/>
+          <a:p>
+            <a:pPr>
+              <a:spcAft>
+                <a:spcPts val="600"/>
+              </a:spcAft>
+            </a:pPr>
+            <a:fld id="{30CCB0C1-2DF4-8B4C-AC0E-201D3DFFEAFD}" type="slidenum">
+              <a:rPr lang="fr-FR" smtClean="0"/>
+              <a:pPr>
+                <a:spcAft>
+                  <a:spcPts val="600"/>
+                </a:spcAft>
+              </a:pPr>
+              <a:t>17</a:t>
+            </a:fld>
+            <a:endParaRPr lang="fr-FR"/>
+          </a:p>
+        </p:txBody>
+      </p:sp>
       <p:sp>
         <p:nvSpPr>
           <p:cNvPr id="3" name="ZoneTexte 2">
@@ -18336,7 +18507,7 @@
         </p:nvSpPr>
         <p:spPr>
           <a:xfrm>
-            <a:off x="719465" y="767659"/>
+            <a:off x="719465" y="1000533"/>
             <a:ext cx="7705070" cy="954107"/>
           </a:xfrm>
           <a:prstGeom prst="rect">
@@ -18425,7 +18596,7 @@
         </p:nvGrpSpPr>
         <p:grpSpPr>
           <a:xfrm>
-            <a:off x="409644" y="3089310"/>
+            <a:off x="379664" y="3429000"/>
             <a:ext cx="2068836" cy="1720016"/>
             <a:chOff x="6812205" y="3416219"/>
             <a:chExt cx="2068836" cy="1720016"/>
@@ -19073,8 +19244,8 @@
         </p:nvCxnSpPr>
         <p:spPr>
           <a:xfrm>
-            <a:off x="2696705" y="2297573"/>
-            <a:ext cx="0" cy="3452298"/>
+            <a:off x="2816626" y="2578308"/>
+            <a:ext cx="0" cy="3591288"/>
           </a:xfrm>
           <a:prstGeom prst="line">
             <a:avLst/>
@@ -19146,12 +19317,7 @@
             <p:ph type="title"/>
           </p:nvPr>
         </p:nvSpPr>
-        <p:spPr>
-          <a:xfrm>
-            <a:off x="133817" y="1169"/>
-            <a:ext cx="7611368" cy="680225"/>
-          </a:xfrm>
-        </p:spPr>
+        <p:spPr/>
         <p:txBody>
           <a:bodyPr anchor="ctr">
             <a:normAutofit/>
@@ -19165,6 +19331,35 @@
           </a:p>
         </p:txBody>
       </p:sp>
+      <p:pic>
+        <p:nvPicPr>
+          <p:cNvPr id="26" name="Espace réservé du contenu 25" descr="Une image contenant texte, équipement électronique&#10;&#10;Description générée automatiquement">
+            <a:extLst>
+              <a:ext uri="{FF2B5EF4-FFF2-40B4-BE49-F238E27FC236}">
+                <a16:creationId xmlns:a16="http://schemas.microsoft.com/office/drawing/2014/main" id="{E8AD443C-D1DE-C34F-9AE2-F3C47150C6BD}"/>
+              </a:ext>
+            </a:extLst>
+          </p:cNvPr>
+          <p:cNvPicPr>
+            <a:picLocks noGrp="1" noChangeAspect="1"/>
+          </p:cNvPicPr>
+          <p:nvPr>
+            <p:ph idx="1"/>
+          </p:nvPr>
+        </p:nvPicPr>
+        <p:blipFill>
+          <a:blip r:embed="rId3"/>
+          <a:stretch>
+            <a:fillRect/>
+          </a:stretch>
+        </p:blipFill>
+        <p:spPr>
+          <a:xfrm>
+            <a:off x="2973193" y="2570926"/>
+            <a:ext cx="6100122" cy="3225140"/>
+          </a:xfrm>
+        </p:spPr>
+      </p:pic>
       <p:sp>
         <p:nvSpPr>
           <p:cNvPr id="4" name="Espace réservé du numéro de diapositive 3">
@@ -19181,12 +19376,7 @@
             <p:ph type="sldNum" sz="quarter" idx="12"/>
           </p:nvPr>
         </p:nvSpPr>
-        <p:spPr>
-          <a:xfrm>
-            <a:off x="8517869" y="6473117"/>
-            <a:ext cx="510928" cy="384883"/>
-          </a:xfrm>
-        </p:spPr>
+        <p:spPr/>
         <p:txBody>
           <a:bodyPr anchor="ctr">
             <a:normAutofit/>
@@ -19318,7 +19508,7 @@
                 <a:avLst/>
               </a:prstGeom>
               <a:blipFill>
-                <a:blip r:embed="rId3"/>
+                <a:blip r:embed="rId4"/>
                 <a:stretch>
                   <a:fillRect t="-9375" b="-25000"/>
                 </a:stretch>
@@ -19743,7 +19933,7 @@
                   <a:avLst/>
                 </a:prstGeom>
                 <a:blipFill>
-                  <a:blip r:embed="rId4"/>
+                  <a:blip r:embed="rId5"/>
                   <a:stretch>
                     <a:fillRect t="-12281" b="-85965"/>
                   </a:stretch>
@@ -19963,7 +20153,7 @@
                   <a:avLst/>
                 </a:prstGeom>
                 <a:blipFill>
-                  <a:blip r:embed="rId5"/>
+                  <a:blip r:embed="rId6"/>
                   <a:stretch>
                     <a:fillRect l="-25000" t="-120000" r="-6481" b="-180000"/>
                   </a:stretch>
@@ -20285,7 +20475,7 @@
                   <a:avLst/>
                 </a:prstGeom>
                 <a:blipFill>
-                  <a:blip r:embed="rId6"/>
+                  <a:blip r:embed="rId7"/>
                   <a:stretch>
                     <a:fillRect b="-16667"/>
                   </a:stretch>
@@ -20350,35 +20540,6 @@
           </a:fontRef>
         </p:style>
       </p:cxnSp>
-      <p:pic>
-        <p:nvPicPr>
-          <p:cNvPr id="26" name="Espace réservé du contenu 25" descr="Une image contenant texte, équipement électronique&#10;&#10;Description générée automatiquement">
-            <a:extLst>
-              <a:ext uri="{FF2B5EF4-FFF2-40B4-BE49-F238E27FC236}">
-                <a16:creationId xmlns:a16="http://schemas.microsoft.com/office/drawing/2014/main" id="{E8AD443C-D1DE-C34F-9AE2-F3C47150C6BD}"/>
-              </a:ext>
-            </a:extLst>
-          </p:cNvPr>
-          <p:cNvPicPr>
-            <a:picLocks noGrp="1" noChangeAspect="1"/>
-          </p:cNvPicPr>
-          <p:nvPr>
-            <p:ph idx="1"/>
-          </p:nvPr>
-        </p:nvPicPr>
-        <p:blipFill>
-          <a:blip r:embed="rId7"/>
-          <a:stretch>
-            <a:fillRect/>
-          </a:stretch>
-        </p:blipFill>
-        <p:spPr>
-          <a:xfrm>
-            <a:off x="2977849" y="2515444"/>
-            <a:ext cx="6108661" cy="3229654"/>
-          </a:xfrm>
-        </p:spPr>
-      </p:pic>
     </p:spTree>
     <p:extLst>
       <p:ext uri="{BB962C8B-B14F-4D97-AF65-F5344CB8AC3E}">
@@ -20571,7 +20732,7 @@
             <a:r>
               <a:rPr lang="en-US" dirty="0">
                 <a:solidFill>
-                  <a:schemeClr val="tx1"/>
+                  <a:schemeClr val="tx2"/>
                 </a:solidFill>
               </a:rPr>
               <a:t>Ever-growing quantity of data to choose from</a:t>
@@ -20585,7 +20746,7 @@
             <a:r>
               <a:rPr lang="en-US" dirty="0">
                 <a:solidFill>
-                  <a:schemeClr val="tx1"/>
+                  <a:schemeClr val="tx2"/>
                 </a:solidFill>
               </a:rPr>
               <a:t>Multiplication of user (textual) traces</a:t>
@@ -20651,12 +20812,7 @@
             <p:ph type="title"/>
           </p:nvPr>
         </p:nvSpPr>
-        <p:spPr>
-          <a:xfrm>
-            <a:off x="133817" y="1169"/>
-            <a:ext cx="7611368" cy="680225"/>
-          </a:xfrm>
-        </p:spPr>
+        <p:spPr/>
         <p:txBody>
           <a:bodyPr anchor="ctr">
             <a:normAutofit/>
@@ -20698,8 +20854,8 @@
         </p:blipFill>
         <p:spPr>
           <a:xfrm>
-            <a:off x="1488877" y="893172"/>
-            <a:ext cx="6166245" cy="3715162"/>
+            <a:off x="1262024" y="1094162"/>
+            <a:ext cx="6619952" cy="3985715"/>
           </a:xfrm>
           <a:noFill/>
         </p:spPr>
@@ -20720,12 +20876,7 @@
             <p:ph type="sldNum" sz="quarter" idx="12"/>
           </p:nvPr>
         </p:nvSpPr>
-        <p:spPr>
-          <a:xfrm>
-            <a:off x="8517869" y="6473117"/>
-            <a:ext cx="510928" cy="384883"/>
-          </a:xfrm>
-        </p:spPr>
+        <p:spPr/>
         <p:txBody>
           <a:bodyPr anchor="ctr">
             <a:normAutofit/>
@@ -22170,8 +22321,8 @@
         </p:blipFill>
         <p:spPr>
           <a:xfrm>
-            <a:off x="1247775" y="1167258"/>
-            <a:ext cx="6648450" cy="2446712"/>
+            <a:off x="1418967" y="1165610"/>
+            <a:ext cx="6155024" cy="2265125"/>
           </a:xfrm>
         </p:spPr>
       </p:pic>
@@ -22478,7 +22629,7 @@
         </p:nvSpPr>
         <p:spPr>
           <a:xfrm>
-            <a:off x="3261513" y="3059668"/>
+            <a:off x="3337034" y="3536106"/>
             <a:ext cx="2620974" cy="369332"/>
           </a:xfrm>
           <a:prstGeom prst="rect">
@@ -22620,7 +22771,7 @@
         </p:blipFill>
         <p:spPr>
           <a:xfrm>
-            <a:off x="709202" y="1013360"/>
+            <a:off x="784723" y="1489798"/>
             <a:ext cx="7574554" cy="2046308"/>
           </a:xfrm>
           <a:prstGeom prst="rect">
@@ -22710,8 +22861,8 @@
         </p:blipFill>
         <p:spPr>
           <a:xfrm>
-            <a:off x="600073" y="1737528"/>
-            <a:ext cx="3971925" cy="3218129"/>
+            <a:off x="636634" y="1902343"/>
+            <a:ext cx="3898802" cy="3158883"/>
           </a:xfrm>
         </p:spPr>
       </p:pic>
@@ -24451,7 +24602,7 @@
             <a:r>
               <a:rPr lang="en-US" dirty="0">
                 <a:solidFill>
-                  <a:schemeClr val="tx1"/>
+                  <a:schemeClr val="tx2"/>
                 </a:solidFill>
               </a:rPr>
               <a:t>Ever-growing quantity of data to choose from</a:t>
@@ -24465,7 +24616,7 @@
             <a:r>
               <a:rPr lang="en-US" dirty="0">
                 <a:solidFill>
-                  <a:schemeClr val="tx1"/>
+                  <a:schemeClr val="tx2"/>
                 </a:solidFill>
               </a:rPr>
               <a:t>Multiplication of user (textual) traces</a:t>
@@ -24810,7 +24961,7 @@
             <a:r>
               <a:rPr lang="en-US" dirty="0">
                 <a:solidFill>
-                  <a:schemeClr val="tx1"/>
+                  <a:schemeClr val="tx2"/>
                 </a:solidFill>
               </a:rPr>
               <a:t>Challenge: present users with relevant items</a:t>
@@ -24928,12 +25079,7 @@
             <p:ph type="title"/>
           </p:nvPr>
         </p:nvSpPr>
-        <p:spPr>
-          <a:xfrm>
-            <a:off x="133817" y="1169"/>
-            <a:ext cx="7611368" cy="680225"/>
-          </a:xfrm>
-        </p:spPr>
+        <p:spPr/>
         <p:txBody>
           <a:bodyPr anchor="ctr">
             <a:normAutofit/>
@@ -24947,82 +25093,6 @@
           </a:p>
         </p:txBody>
       </p:sp>
-      <p:sp>
-        <p:nvSpPr>
-          <p:cNvPr id="4" name="Espace réservé du numéro de diapositive 3">
-            <a:extLst>
-              <a:ext uri="{FF2B5EF4-FFF2-40B4-BE49-F238E27FC236}">
-                <a16:creationId xmlns:a16="http://schemas.microsoft.com/office/drawing/2014/main" id="{C568EE19-E9A4-FB45-953C-774887FCF8A1}"/>
-              </a:ext>
-            </a:extLst>
-          </p:cNvPr>
-          <p:cNvSpPr>
-            <a:spLocks noGrp="1"/>
-          </p:cNvSpPr>
-          <p:nvPr>
-            <p:ph type="sldNum" sz="quarter" idx="12"/>
-          </p:nvPr>
-        </p:nvSpPr>
-        <p:spPr>
-          <a:xfrm>
-            <a:off x="8517869" y="6473117"/>
-            <a:ext cx="510928" cy="384883"/>
-          </a:xfrm>
-        </p:spPr>
-        <p:txBody>
-          <a:bodyPr anchor="ctr">
-            <a:normAutofit/>
-          </a:bodyPr>
-          <a:lstStyle/>
-          <a:p>
-            <a:pPr>
-              <a:spcAft>
-                <a:spcPts val="600"/>
-              </a:spcAft>
-            </a:pPr>
-            <a:fld id="{30CCB0C1-2DF4-8B4C-AC0E-201D3DFFEAFD}" type="slidenum">
-              <a:rPr lang="fr-FR" smtClean="0"/>
-              <a:pPr>
-                <a:spcAft>
-                  <a:spcPts val="600"/>
-                </a:spcAft>
-              </a:pPr>
-              <a:t>29</a:t>
-            </a:fld>
-            <a:endParaRPr lang="fr-FR"/>
-          </a:p>
-        </p:txBody>
-      </p:sp>
-      <p:pic>
-        <p:nvPicPr>
-          <p:cNvPr id="10" name="Image 9">
-            <a:extLst>
-              <a:ext uri="{FF2B5EF4-FFF2-40B4-BE49-F238E27FC236}">
-                <a16:creationId xmlns:a16="http://schemas.microsoft.com/office/drawing/2014/main" id="{52DA02E3-1568-6A45-B108-D5C2AE3DAF63}"/>
-              </a:ext>
-            </a:extLst>
-          </p:cNvPr>
-          <p:cNvPicPr>
-            <a:picLocks noChangeAspect="1"/>
-          </p:cNvPicPr>
-          <p:nvPr/>
-        </p:nvPicPr>
-        <p:blipFill>
-          <a:blip r:embed="rId3"/>
-          <a:stretch>
-            <a:fillRect/>
-          </a:stretch>
-        </p:blipFill>
-        <p:spPr>
-          <a:xfrm>
-            <a:off x="4456797" y="1615008"/>
-            <a:ext cx="4572000" cy="3627984"/>
-          </a:xfrm>
-          <a:prstGeom prst="rect">
-            <a:avLst/>
-          </a:prstGeom>
-        </p:spPr>
-      </p:pic>
       <p:pic>
         <p:nvPicPr>
           <p:cNvPr id="6" name="Espace réservé du contenu 5" descr="Une image contenant texte&#10;&#10;Description générée automatiquement">
@@ -25040,6 +25110,74 @@
           </p:nvPr>
         </p:nvPicPr>
         <p:blipFill>
+          <a:blip r:embed="rId3"/>
+          <a:stretch>
+            <a:fillRect/>
+          </a:stretch>
+        </p:blipFill>
+        <p:spPr>
+          <a:xfrm>
+            <a:off x="564654" y="2383624"/>
+            <a:ext cx="3336490" cy="2090751"/>
+          </a:xfrm>
+        </p:spPr>
+      </p:pic>
+      <p:sp>
+        <p:nvSpPr>
+          <p:cNvPr id="4" name="Espace réservé du numéro de diapositive 3">
+            <a:extLst>
+              <a:ext uri="{FF2B5EF4-FFF2-40B4-BE49-F238E27FC236}">
+                <a16:creationId xmlns:a16="http://schemas.microsoft.com/office/drawing/2014/main" id="{C568EE19-E9A4-FB45-953C-774887FCF8A1}"/>
+              </a:ext>
+            </a:extLst>
+          </p:cNvPr>
+          <p:cNvSpPr>
+            <a:spLocks noGrp="1"/>
+          </p:cNvSpPr>
+          <p:nvPr>
+            <p:ph type="sldNum" sz="quarter" idx="12"/>
+          </p:nvPr>
+        </p:nvSpPr>
+        <p:spPr/>
+        <p:txBody>
+          <a:bodyPr anchor="ctr">
+            <a:normAutofit/>
+          </a:bodyPr>
+          <a:lstStyle/>
+          <a:p>
+            <a:pPr>
+              <a:spcAft>
+                <a:spcPts val="600"/>
+              </a:spcAft>
+            </a:pPr>
+            <a:fld id="{30CCB0C1-2DF4-8B4C-AC0E-201D3DFFEAFD}" type="slidenum">
+              <a:rPr lang="fr-FR" smtClean="0"/>
+              <a:pPr>
+                <a:spcAft>
+                  <a:spcPts val="600"/>
+                </a:spcAft>
+              </a:pPr>
+              <a:t>29</a:t>
+            </a:fld>
+            <a:endParaRPr lang="fr-FR"/>
+          </a:p>
+        </p:txBody>
+      </p:sp>
+      <p:pic>
+        <p:nvPicPr>
+          <p:cNvPr id="10" name="Image 9">
+            <a:extLst>
+              <a:ext uri="{FF2B5EF4-FFF2-40B4-BE49-F238E27FC236}">
+                <a16:creationId xmlns:a16="http://schemas.microsoft.com/office/drawing/2014/main" id="{52DA02E3-1568-6A45-B108-D5C2AE3DAF63}"/>
+              </a:ext>
+            </a:extLst>
+          </p:cNvPr>
+          <p:cNvPicPr>
+            <a:picLocks noChangeAspect="1"/>
+          </p:cNvPicPr>
+          <p:nvPr/>
+        </p:nvPicPr>
+        <p:blipFill>
           <a:blip r:embed="rId4"/>
           <a:stretch>
             <a:fillRect/>
@@ -25047,9 +25185,12 @@
         </p:blipFill>
         <p:spPr>
           <a:xfrm>
-            <a:off x="420014" y="2326289"/>
-            <a:ext cx="3519487" cy="2205422"/>
+            <a:off x="4218094" y="1615007"/>
+            <a:ext cx="4572000" cy="3627984"/>
           </a:xfrm>
+          <a:prstGeom prst="rect">
+            <a:avLst/>
+          </a:prstGeom>
         </p:spPr>
       </p:pic>
       <p:sp>
@@ -25066,8 +25207,8 @@
         </p:nvSpPr>
         <p:spPr>
           <a:xfrm>
-            <a:off x="1128713" y="5657850"/>
-            <a:ext cx="4585551" cy="369332"/>
+            <a:off x="420014" y="5657849"/>
+            <a:ext cx="8349231" cy="369332"/>
           </a:xfrm>
           <a:prstGeom prst="rect">
             <a:avLst/>
@@ -25075,45 +25216,6 @@
           <a:noFill/>
         </p:spPr>
         <p:txBody>
-          <a:bodyPr wrap="none" rtlCol="0">
-            <a:spAutoFit/>
-          </a:bodyPr>
-          <a:lstStyle/>
-          <a:p>
-            <a:r>
-              <a:rPr lang="en-US" dirty="0">
-                <a:solidFill>
-                  <a:srgbClr val="C00000"/>
-                </a:solidFill>
-              </a:rPr>
-              <a:t>Add that they are unstructured and noisy ? YES</a:t>
-            </a:r>
-          </a:p>
-        </p:txBody>
-      </p:sp>
-      <p:sp>
-        <p:nvSpPr>
-          <p:cNvPr id="5" name="ZoneTexte 4">
-            <a:extLst>
-              <a:ext uri="{FF2B5EF4-FFF2-40B4-BE49-F238E27FC236}">
-                <a16:creationId xmlns:a16="http://schemas.microsoft.com/office/drawing/2014/main" id="{70B617E3-A2AC-2C40-B596-CB589A436488}"/>
-              </a:ext>
-            </a:extLst>
-          </p:cNvPr>
-          <p:cNvSpPr txBox="1"/>
-          <p:nvPr/>
-        </p:nvSpPr>
-        <p:spPr>
-          <a:xfrm>
-            <a:off x="6340839" y="6190938"/>
-            <a:ext cx="3148981" cy="369332"/>
-          </a:xfrm>
-          <a:prstGeom prst="rect">
-            <a:avLst/>
-          </a:prstGeom>
-          <a:noFill/>
-        </p:spPr>
-        <p:txBody>
           <a:bodyPr wrap="square" rtlCol="0">
             <a:spAutoFit/>
           </a:bodyPr>
@@ -25125,23 +25227,7 @@
                   <a:srgbClr val="C00000"/>
                 </a:solidFill>
               </a:rPr>
-              <a:t>+ </a:t>
-            </a:r>
-            <a:r>
-              <a:rPr lang="en-US" dirty="0" err="1">
-                <a:solidFill>
-                  <a:srgbClr val="C00000"/>
-                </a:solidFill>
-              </a:rPr>
-              <a:t>exemples</a:t>
-            </a:r>
-            <a:r>
-              <a:rPr lang="en-US" dirty="0">
-                <a:solidFill>
-                  <a:srgbClr val="C00000"/>
-                </a:solidFill>
-              </a:rPr>
-              <a:t> de tuples</a:t>
+              <a:t>Noisy, unstructured, redundant</a:t>
             </a:r>
           </a:p>
         </p:txBody>
@@ -25192,12 +25278,7 @@
             <p:ph type="title"/>
           </p:nvPr>
         </p:nvSpPr>
-        <p:spPr>
-          <a:xfrm>
-            <a:off x="133817" y="1169"/>
-            <a:ext cx="7611368" cy="680225"/>
-          </a:xfrm>
-        </p:spPr>
+        <p:spPr/>
         <p:txBody>
           <a:bodyPr anchor="ctr">
             <a:normAutofit/>
@@ -25205,9 +25286,68 @@
           <a:lstStyle/>
           <a:p>
             <a:r>
-              <a:rPr lang="en-US" dirty="0"/>
-              <a:t>The model : Resume</a:t>
-            </a:r>
+              <a:rPr lang="fr-FR" dirty="0"/>
+              <a:t>Data - </a:t>
+            </a:r>
+            <a:r>
+              <a:rPr lang="fr-FR" dirty="0" err="1"/>
+              <a:t>Examples</a:t>
+            </a:r>
+            <a:endParaRPr lang="fr-FR" dirty="0"/>
+          </a:p>
+        </p:txBody>
+      </p:sp>
+      <p:sp>
+        <p:nvSpPr>
+          <p:cNvPr id="9" name="Espace réservé du contenu 8">
+            <a:extLst>
+              <a:ext uri="{FF2B5EF4-FFF2-40B4-BE49-F238E27FC236}">
+                <a16:creationId xmlns:a16="http://schemas.microsoft.com/office/drawing/2014/main" id="{D4C5D993-60DD-F040-9EB4-4C773C9B805C}"/>
+              </a:ext>
+            </a:extLst>
+          </p:cNvPr>
+          <p:cNvSpPr>
+            <a:spLocks noGrp="1"/>
+          </p:cNvSpPr>
+          <p:nvPr>
+            <p:ph idx="1"/>
+          </p:nvPr>
+        </p:nvSpPr>
+        <p:spPr/>
+        <p:txBody>
+          <a:bodyPr/>
+          <a:lstStyle/>
+          <a:p>
+            <a:r>
+              <a:rPr lang="en-US" dirty="0">
+                <a:solidFill>
+                  <a:srgbClr val="C00000"/>
+                </a:solidFill>
+              </a:rPr>
+              <a:t>+ </a:t>
+            </a:r>
+            <a:r>
+              <a:rPr lang="en-US" dirty="0" err="1">
+                <a:solidFill>
+                  <a:srgbClr val="C00000"/>
+                </a:solidFill>
+              </a:rPr>
+              <a:t>exemples</a:t>
+            </a:r>
+            <a:r>
+              <a:rPr lang="en-US" dirty="0">
+                <a:solidFill>
+                  <a:srgbClr val="C00000"/>
+                </a:solidFill>
+              </a:rPr>
+              <a:t> de tuples</a:t>
+            </a:r>
+          </a:p>
+          <a:p>
+            <a:endParaRPr lang="en-US" dirty="0"/>
+          </a:p>
+          <a:p>
+            <a:endParaRPr lang="en-US" dirty="0"/>
           </a:p>
         </p:txBody>
       </p:sp>
@@ -25227,12 +25367,7 @@
             <p:ph type="sldNum" sz="quarter" idx="12"/>
           </p:nvPr>
         </p:nvSpPr>
-        <p:spPr>
-          <a:xfrm>
-            <a:off x="8517869" y="6473117"/>
-            <a:ext cx="510928" cy="384883"/>
-          </a:xfrm>
-        </p:spPr>
+        <p:spPr/>
         <p:txBody>
           <a:bodyPr anchor="ctr">
             <a:normAutofit/>
@@ -25254,6 +25389,66 @@
               <a:t>30</a:t>
             </a:fld>
             <a:endParaRPr lang="fr-FR"/>
+          </a:p>
+        </p:txBody>
+      </p:sp>
+    </p:spTree>
+    <p:extLst>
+      <p:ext uri="{BB962C8B-B14F-4D97-AF65-F5344CB8AC3E}">
+        <p14:creationId xmlns:p14="http://schemas.microsoft.com/office/powerpoint/2010/main" val="3634314915"/>
+      </p:ext>
+    </p:extLst>
+  </p:cSld>
+  <p:clrMapOvr>
+    <a:masterClrMapping/>
+  </p:clrMapOvr>
+</p:sld>
+</file>
+
+<file path=ppt/slides/slide32.xml><?xml version="1.0" encoding="utf-8"?>
+<p:sld xmlns:a="http://schemas.openxmlformats.org/drawingml/2006/main" xmlns:r="http://schemas.openxmlformats.org/officeDocument/2006/relationships" xmlns:p="http://schemas.openxmlformats.org/presentationml/2006/main">
+  <p:cSld>
+    <p:spTree>
+      <p:nvGrpSpPr>
+        <p:cNvPr id="1" name=""/>
+        <p:cNvGrpSpPr/>
+        <p:nvPr/>
+      </p:nvGrpSpPr>
+      <p:grpSpPr>
+        <a:xfrm>
+          <a:off x="0" y="0"/>
+          <a:ext cx="0" cy="0"/>
+          <a:chOff x="0" y="0"/>
+          <a:chExt cx="0" cy="0"/>
+        </a:xfrm>
+      </p:grpSpPr>
+      <p:sp>
+        <p:nvSpPr>
+          <p:cNvPr id="2" name="Titre 1">
+            <a:extLst>
+              <a:ext uri="{FF2B5EF4-FFF2-40B4-BE49-F238E27FC236}">
+                <a16:creationId xmlns:a16="http://schemas.microsoft.com/office/drawing/2014/main" id="{5015436F-AD9D-7A45-A15D-EE00E6879EEE}"/>
+              </a:ext>
+            </a:extLst>
+          </p:cNvPr>
+          <p:cNvSpPr>
+            <a:spLocks noGrp="1"/>
+          </p:cNvSpPr>
+          <p:nvPr>
+            <p:ph type="title"/>
+          </p:nvPr>
+        </p:nvSpPr>
+        <p:spPr/>
+        <p:txBody>
+          <a:bodyPr anchor="ctr">
+            <a:normAutofit/>
+          </a:bodyPr>
+          <a:lstStyle/>
+          <a:p>
+            <a:r>
+              <a:rPr lang="en-US" dirty="0"/>
+              <a:t>The model : Resume</a:t>
+            </a:r>
           </a:p>
         </p:txBody>
       </p:sp>
@@ -25286,6 +25481,47 @@
           </a:xfrm>
         </p:spPr>
       </p:pic>
+      <p:sp>
+        <p:nvSpPr>
+          <p:cNvPr id="4" name="Espace réservé du numéro de diapositive 3">
+            <a:extLst>
+              <a:ext uri="{FF2B5EF4-FFF2-40B4-BE49-F238E27FC236}">
+                <a16:creationId xmlns:a16="http://schemas.microsoft.com/office/drawing/2014/main" id="{C568EE19-E9A4-FB45-953C-774887FCF8A1}"/>
+              </a:ext>
+            </a:extLst>
+          </p:cNvPr>
+          <p:cNvSpPr>
+            <a:spLocks noGrp="1"/>
+          </p:cNvSpPr>
+          <p:nvPr>
+            <p:ph type="sldNum" sz="quarter" idx="12"/>
+          </p:nvPr>
+        </p:nvSpPr>
+        <p:spPr/>
+        <p:txBody>
+          <a:bodyPr anchor="ctr">
+            <a:normAutofit/>
+          </a:bodyPr>
+          <a:lstStyle/>
+          <a:p>
+            <a:pPr>
+              <a:spcAft>
+                <a:spcPts val="600"/>
+              </a:spcAft>
+            </a:pPr>
+            <a:fld id="{30CCB0C1-2DF4-8B4C-AC0E-201D3DFFEAFD}" type="slidenum">
+              <a:rPr lang="fr-FR" smtClean="0"/>
+              <a:pPr>
+                <a:spcAft>
+                  <a:spcPts val="600"/>
+                </a:spcAft>
+              </a:pPr>
+              <a:t>31</a:t>
+            </a:fld>
+            <a:endParaRPr lang="fr-FR"/>
+          </a:p>
+        </p:txBody>
+      </p:sp>
     </p:spTree>
     <p:extLst>
       <p:ext uri="{BB962C8B-B14F-4D97-AF65-F5344CB8AC3E}">
@@ -25299,7 +25535,7 @@
 </p:sld>
 </file>
 
-<file path=ppt/slides/slide32.xml><?xml version="1.0" encoding="utf-8"?>
+<file path=ppt/slides/slide33.xml><?xml version="1.0" encoding="utf-8"?>
 <p:sld xmlns:a="http://schemas.openxmlformats.org/drawingml/2006/main" xmlns:r="http://schemas.openxmlformats.org/officeDocument/2006/relationships" xmlns:p="http://schemas.openxmlformats.org/presentationml/2006/main">
   <p:cSld>
     <p:spTree>
@@ -25368,7 +25604,7 @@
             <a:fld id="{30CCB0C1-2DF4-8B4C-AC0E-201D3DFFEAFD}" type="slidenum">
               <a:rPr lang="en-US" smtClean="0"/>
               <a:pPr/>
-              <a:t>31</a:t>
+              <a:t>32</a:t>
             </a:fld>
             <a:endParaRPr lang="en-US"/>
           </a:p>
@@ -25614,7 +25850,7 @@
 </p:sld>
 </file>
 
-<file path=ppt/slides/slide33.xml><?xml version="1.0" encoding="utf-8"?>
+<file path=ppt/slides/slide34.xml><?xml version="1.0" encoding="utf-8"?>
 <p:sld xmlns:a="http://schemas.openxmlformats.org/drawingml/2006/main" xmlns:r="http://schemas.openxmlformats.org/officeDocument/2006/relationships" xmlns:p="http://schemas.openxmlformats.org/presentationml/2006/main">
   <p:cSld>
     <p:spTree>
@@ -25683,7 +25919,7 @@
             <a:fld id="{30CCB0C1-2DF4-8B4C-AC0E-201D3DFFEAFD}" type="slidenum">
               <a:rPr lang="en-US" smtClean="0"/>
               <a:pPr/>
-              <a:t>32</a:t>
+              <a:t>33</a:t>
             </a:fld>
             <a:endParaRPr lang="en-US"/>
           </a:p>
@@ -25868,7 +26104,7 @@
 </p:sld>
 </file>
 
-<file path=ppt/slides/slide34.xml><?xml version="1.0" encoding="utf-8"?>
+<file path=ppt/slides/slide35.xml><?xml version="1.0" encoding="utf-8"?>
 <p:sld xmlns:a="http://schemas.openxmlformats.org/drawingml/2006/main" xmlns:r="http://schemas.openxmlformats.org/officeDocument/2006/relationships" xmlns:p="http://schemas.openxmlformats.org/presentationml/2006/main">
   <p:cSld>
     <p:spTree>
@@ -25901,12 +26137,7 @@
             <p:ph type="title"/>
           </p:nvPr>
         </p:nvSpPr>
-        <p:spPr>
-          <a:xfrm>
-            <a:off x="133817" y="1169"/>
-            <a:ext cx="7611368" cy="680225"/>
-          </a:xfrm>
-        </p:spPr>
+        <p:spPr/>
         <p:txBody>
           <a:bodyPr anchor="ctr">
             <a:normAutofit/>
@@ -25941,12 +26172,7 @@
             <p:ph type="sldNum" sz="quarter" idx="12"/>
           </p:nvPr>
         </p:nvSpPr>
-        <p:spPr>
-          <a:xfrm>
-            <a:off x="8517869" y="6473117"/>
-            <a:ext cx="510928" cy="384883"/>
-          </a:xfrm>
-        </p:spPr>
+        <p:spPr/>
         <p:txBody>
           <a:bodyPr anchor="ctr">
             <a:normAutofit/>
@@ -25965,7 +26191,7 @@
                   <a:spcPts val="600"/>
                 </a:spcAft>
               </a:pPr>
-              <a:t>33</a:t>
+              <a:t>34</a:t>
             </a:fld>
             <a:endParaRPr lang="fr-FR"/>
           </a:p>
@@ -25985,7 +26211,7 @@
         </p:nvSpPr>
         <p:spPr>
           <a:xfrm>
-            <a:off x="2969670" y="2596596"/>
+            <a:off x="2943969" y="2946928"/>
             <a:ext cx="3204660" cy="369332"/>
           </a:xfrm>
           <a:prstGeom prst="rect">
@@ -26067,7 +26293,7 @@
         </p:blipFill>
         <p:spPr>
           <a:xfrm>
-            <a:off x="127000" y="737295"/>
+            <a:off x="101299" y="1087627"/>
             <a:ext cx="8890000" cy="1803400"/>
           </a:xfrm>
           <a:prstGeom prst="rect">
@@ -26153,7 +26379,7 @@
 </p:sld>
 </file>
 
-<file path=ppt/slides/slide35.xml><?xml version="1.0" encoding="utf-8"?>
+<file path=ppt/slides/slide36.xml><?xml version="1.0" encoding="utf-8"?>
 <p:sld xmlns:a="http://schemas.openxmlformats.org/drawingml/2006/main" xmlns:r="http://schemas.openxmlformats.org/officeDocument/2006/relationships" xmlns:p="http://schemas.openxmlformats.org/presentationml/2006/main">
   <p:cSld>
     <p:spTree>
@@ -26245,7 +26471,7 @@
                   <a:spcPts val="600"/>
                 </a:spcAft>
               </a:pPr>
-              <a:t>34</a:t>
+              <a:t>35</a:t>
             </a:fld>
             <a:endParaRPr lang="en-US"/>
           </a:p>
@@ -26475,7 +26701,7 @@
 </p:sld>
 </file>
 
-<file path=ppt/slides/slide36.xml><?xml version="1.0" encoding="utf-8"?>
+<file path=ppt/slides/slide37.xml><?xml version="1.0" encoding="utf-8"?>
 <p:sld xmlns:a="http://schemas.openxmlformats.org/drawingml/2006/main" xmlns:r="http://schemas.openxmlformats.org/officeDocument/2006/relationships" xmlns:p="http://schemas.openxmlformats.org/presentationml/2006/main">
   <p:cSld>
     <p:spTree>
@@ -26508,12 +26734,7 @@
             <p:ph type="title"/>
           </p:nvPr>
         </p:nvSpPr>
-        <p:spPr>
-          <a:xfrm>
-            <a:off x="133817" y="1169"/>
-            <a:ext cx="7611368" cy="680225"/>
-          </a:xfrm>
-        </p:spPr>
+        <p:spPr/>
         <p:txBody>
           <a:bodyPr anchor="ctr">
             <a:normAutofit/>
@@ -26523,6 +26744,43 @@
             <a:r>
               <a:rPr lang="en-US"/>
               <a:t>Results - Classification</a:t>
+            </a:r>
+          </a:p>
+        </p:txBody>
+      </p:sp>
+      <p:sp>
+        <p:nvSpPr>
+          <p:cNvPr id="5" name="Espace réservé du contenu 4">
+            <a:extLst>
+              <a:ext uri="{FF2B5EF4-FFF2-40B4-BE49-F238E27FC236}">
+                <a16:creationId xmlns:a16="http://schemas.microsoft.com/office/drawing/2014/main" id="{197D9A11-B45D-0E4B-8022-DAF274AEB814}"/>
+              </a:ext>
+            </a:extLst>
+          </p:cNvPr>
+          <p:cNvSpPr>
+            <a:spLocks noGrp="1"/>
+          </p:cNvSpPr>
+          <p:nvPr>
+            <p:ph idx="1"/>
+          </p:nvPr>
+        </p:nvSpPr>
+        <p:spPr/>
+        <p:txBody>
+          <a:bodyPr>
+            <a:normAutofit/>
+          </a:bodyPr>
+          <a:lstStyle/>
+          <a:p>
+            <a:pPr marL="0" indent="0" algn="ctr">
+              <a:buNone/>
+            </a:pPr>
+            <a:r>
+              <a:rPr lang="en-US" sz="2800">
+                <a:solidFill>
+                  <a:schemeClr val="tx2"/>
+                </a:solidFill>
+              </a:rPr>
+              <a:t>Examples of misclassified profiles</a:t>
             </a:r>
           </a:p>
         </p:txBody>
@@ -26543,12 +26801,7 @@
             <p:ph type="sldNum" sz="quarter" idx="12"/>
           </p:nvPr>
         </p:nvSpPr>
-        <p:spPr>
-          <a:xfrm>
-            <a:off x="8517869" y="6473117"/>
-            <a:ext cx="510928" cy="384883"/>
-          </a:xfrm>
-        </p:spPr>
+        <p:spPr/>
         <p:txBody>
           <a:bodyPr anchor="ctr">
             <a:normAutofit/>
@@ -26567,51 +26820,9 @@
                   <a:spcPts val="600"/>
                 </a:spcAft>
               </a:pPr>
-              <a:t>35</a:t>
+              <a:t>36</a:t>
             </a:fld>
             <a:endParaRPr lang="en-US"/>
-          </a:p>
-        </p:txBody>
-      </p:sp>
-      <p:sp>
-        <p:nvSpPr>
-          <p:cNvPr id="5" name="Espace réservé du contenu 4">
-            <a:extLst>
-              <a:ext uri="{FF2B5EF4-FFF2-40B4-BE49-F238E27FC236}">
-                <a16:creationId xmlns:a16="http://schemas.microsoft.com/office/drawing/2014/main" id="{197D9A11-B45D-0E4B-8022-DAF274AEB814}"/>
-              </a:ext>
-            </a:extLst>
-          </p:cNvPr>
-          <p:cNvSpPr>
-            <a:spLocks noGrp="1"/>
-          </p:cNvSpPr>
-          <p:nvPr>
-            <p:ph idx="1"/>
-          </p:nvPr>
-        </p:nvSpPr>
-        <p:spPr>
-          <a:xfrm>
-            <a:off x="591015" y="880317"/>
-            <a:ext cx="7961971" cy="680224"/>
-          </a:xfrm>
-        </p:spPr>
-        <p:txBody>
-          <a:bodyPr>
-            <a:normAutofit/>
-          </a:bodyPr>
-          <a:lstStyle/>
-          <a:p>
-            <a:pPr marL="0" indent="0" algn="ctr">
-              <a:buNone/>
-            </a:pPr>
-            <a:r>
-              <a:rPr lang="en-US" sz="2800">
-                <a:solidFill>
-                  <a:schemeClr val="tx2"/>
-                </a:solidFill>
-              </a:rPr>
-              <a:t>Examples of misclassified profiles</a:t>
-            </a:r>
           </a:p>
         </p:txBody>
       </p:sp>
@@ -27213,7 +27424,7 @@
         </p:nvSpPr>
         <p:spPr>
           <a:xfrm>
-            <a:off x="7005234" y="681394"/>
+            <a:off x="6121831" y="1191207"/>
             <a:ext cx="2008435" cy="369332"/>
           </a:xfrm>
           <a:prstGeom prst="rect">
@@ -27228,7 +27439,7 @@
           <a:lstStyle/>
           <a:p>
             <a:r>
-              <a:rPr lang="en-US" b="1">
+              <a:rPr lang="en-US" b="1" dirty="0">
                 <a:solidFill>
                   <a:srgbClr val="FF0000"/>
                 </a:solidFill>
@@ -27242,333 +27453,6 @@
     <p:extLst>
       <p:ext uri="{BB962C8B-B14F-4D97-AF65-F5344CB8AC3E}">
         <p14:creationId xmlns:p14="http://schemas.microsoft.com/office/powerpoint/2010/main" val="3182067550"/>
-      </p:ext>
-    </p:extLst>
-  </p:cSld>
-  <p:clrMapOvr>
-    <a:masterClrMapping/>
-  </p:clrMapOvr>
-</p:sld>
-</file>
-
-<file path=ppt/slides/slide37.xml><?xml version="1.0" encoding="utf-8"?>
-<p:sld xmlns:a="http://schemas.openxmlformats.org/drawingml/2006/main" xmlns:r="http://schemas.openxmlformats.org/officeDocument/2006/relationships" xmlns:p="http://schemas.openxmlformats.org/presentationml/2006/main">
-  <p:cSld>
-    <p:spTree>
-      <p:nvGrpSpPr>
-        <p:cNvPr id="1" name=""/>
-        <p:cNvGrpSpPr/>
-        <p:nvPr/>
-      </p:nvGrpSpPr>
-      <p:grpSpPr>
-        <a:xfrm>
-          <a:off x="0" y="0"/>
-          <a:ext cx="0" cy="0"/>
-          <a:chOff x="0" y="0"/>
-          <a:chExt cx="0" cy="0"/>
-        </a:xfrm>
-      </p:grpSpPr>
-      <p:sp>
-        <p:nvSpPr>
-          <p:cNvPr id="2" name="Titre 1">
-            <a:extLst>
-              <a:ext uri="{FF2B5EF4-FFF2-40B4-BE49-F238E27FC236}">
-                <a16:creationId xmlns:a16="http://schemas.microsoft.com/office/drawing/2014/main" id="{5015436F-AD9D-7A45-A15D-EE00E6879EEE}"/>
-              </a:ext>
-            </a:extLst>
-          </p:cNvPr>
-          <p:cNvSpPr>
-            <a:spLocks noGrp="1"/>
-          </p:cNvSpPr>
-          <p:nvPr>
-            <p:ph type="title"/>
-          </p:nvPr>
-        </p:nvSpPr>
-        <p:spPr>
-          <a:xfrm>
-            <a:off x="133817" y="1169"/>
-            <a:ext cx="7611368" cy="680225"/>
-          </a:xfrm>
-        </p:spPr>
-        <p:txBody>
-          <a:bodyPr anchor="ctr">
-            <a:normAutofit/>
-          </a:bodyPr>
-          <a:lstStyle/>
-          <a:p>
-            <a:r>
-              <a:rPr lang="en-US"/>
-              <a:t>Results</a:t>
-            </a:r>
-          </a:p>
-        </p:txBody>
-      </p:sp>
-      <p:sp>
-        <p:nvSpPr>
-          <p:cNvPr id="4" name="Espace réservé du numéro de diapositive 3">
-            <a:extLst>
-              <a:ext uri="{FF2B5EF4-FFF2-40B4-BE49-F238E27FC236}">
-                <a16:creationId xmlns:a16="http://schemas.microsoft.com/office/drawing/2014/main" id="{C568EE19-E9A4-FB45-953C-774887FCF8A1}"/>
-              </a:ext>
-            </a:extLst>
-          </p:cNvPr>
-          <p:cNvSpPr>
-            <a:spLocks noGrp="1"/>
-          </p:cNvSpPr>
-          <p:nvPr>
-            <p:ph type="sldNum" sz="quarter" idx="12"/>
-          </p:nvPr>
-        </p:nvSpPr>
-        <p:spPr>
-          <a:xfrm>
-            <a:off x="8517869" y="6473117"/>
-            <a:ext cx="510928" cy="384883"/>
-          </a:xfrm>
-        </p:spPr>
-        <p:txBody>
-          <a:bodyPr anchor="ctr">
-            <a:normAutofit/>
-          </a:bodyPr>
-          <a:lstStyle/>
-          <a:p>
-            <a:pPr>
-              <a:spcAft>
-                <a:spcPts val="600"/>
-              </a:spcAft>
-            </a:pPr>
-            <a:fld id="{30CCB0C1-2DF4-8B4C-AC0E-201D3DFFEAFD}" type="slidenum">
-              <a:rPr lang="en-US" smtClean="0"/>
-              <a:pPr>
-                <a:spcAft>
-                  <a:spcPts val="600"/>
-                </a:spcAft>
-              </a:pPr>
-              <a:t>36</a:t>
-            </a:fld>
-            <a:endParaRPr lang="en-US"/>
-          </a:p>
-        </p:txBody>
-      </p:sp>
-      <p:pic>
-        <p:nvPicPr>
-          <p:cNvPr id="7" name="Espace réservé du contenu 6" descr="Une image contenant table&#10;&#10;Description générée automatiquement">
-            <a:extLst>
-              <a:ext uri="{FF2B5EF4-FFF2-40B4-BE49-F238E27FC236}">
-                <a16:creationId xmlns:a16="http://schemas.microsoft.com/office/drawing/2014/main" id="{F9814A81-E662-0A42-BA1C-B70A94447BBF}"/>
-              </a:ext>
-            </a:extLst>
-          </p:cNvPr>
-          <p:cNvPicPr>
-            <a:picLocks noGrp="1" noChangeAspect="1"/>
-          </p:cNvPicPr>
-          <p:nvPr>
-            <p:ph idx="1"/>
-          </p:nvPr>
-        </p:nvPicPr>
-        <p:blipFill>
-          <a:blip r:embed="rId3"/>
-          <a:stretch>
-            <a:fillRect/>
-          </a:stretch>
-        </p:blipFill>
-        <p:spPr>
-          <a:xfrm>
-            <a:off x="1894406" y="1448120"/>
-            <a:ext cx="5537200" cy="1778000"/>
-          </a:xfrm>
-        </p:spPr>
-      </p:pic>
-      <p:sp>
-        <p:nvSpPr>
-          <p:cNvPr id="9" name="ZoneTexte 8">
-            <a:extLst>
-              <a:ext uri="{FF2B5EF4-FFF2-40B4-BE49-F238E27FC236}">
-                <a16:creationId xmlns:a16="http://schemas.microsoft.com/office/drawing/2014/main" id="{638216D5-39D9-D94B-8E02-5439DD9A4FDB}"/>
-              </a:ext>
-            </a:extLst>
-          </p:cNvPr>
-          <p:cNvSpPr txBox="1"/>
-          <p:nvPr/>
-        </p:nvSpPr>
-        <p:spPr>
-          <a:xfrm>
-            <a:off x="1580827" y="3226120"/>
-            <a:ext cx="6164358" cy="369332"/>
-          </a:xfrm>
-          <a:prstGeom prst="rect">
-            <a:avLst/>
-          </a:prstGeom>
-          <a:noFill/>
-        </p:spPr>
-        <p:txBody>
-          <a:bodyPr wrap="square" rtlCol="0">
-            <a:spAutoFit/>
-          </a:bodyPr>
-          <a:lstStyle/>
-          <a:p>
-            <a:pPr algn="ctr"/>
-            <a:r>
-              <a:rPr lang="en-US" i="1" dirty="0"/>
-              <a:t> Experimental results on job generation (title &amp; description)</a:t>
-            </a:r>
-          </a:p>
-        </p:txBody>
-      </p:sp>
-      <p:sp>
-        <p:nvSpPr>
-          <p:cNvPr id="11" name="ZoneTexte 10">
-            <a:extLst>
-              <a:ext uri="{FF2B5EF4-FFF2-40B4-BE49-F238E27FC236}">
-                <a16:creationId xmlns:a16="http://schemas.microsoft.com/office/drawing/2014/main" id="{6A7AF379-67F3-1242-AC30-C77C7D1DAA0C}"/>
-              </a:ext>
-            </a:extLst>
-          </p:cNvPr>
-          <p:cNvSpPr txBox="1"/>
-          <p:nvPr/>
-        </p:nvSpPr>
-        <p:spPr>
-          <a:xfrm>
-            <a:off x="891152" y="4328570"/>
-            <a:ext cx="7361695" cy="1477328"/>
-          </a:xfrm>
-          <a:prstGeom prst="rect">
-            <a:avLst/>
-          </a:prstGeom>
-          <a:noFill/>
-        </p:spPr>
-        <p:txBody>
-          <a:bodyPr wrap="square" rtlCol="0" anchor="ctr">
-            <a:spAutoFit/>
-          </a:bodyPr>
-          <a:lstStyle/>
-          <a:p>
-            <a:pPr marL="342900" indent="-342900">
-              <a:buFont typeface="Police système Courant"/>
-              <a:buChar char="→"/>
-            </a:pPr>
-            <a:r>
-              <a:rPr lang="en-US" sz="2000" dirty="0">
-                <a:solidFill>
-                  <a:schemeClr val="tx2"/>
-                </a:solidFill>
-              </a:rPr>
-              <a:t>The BLEU score expresses a </a:t>
-            </a:r>
-            <a:r>
-              <a:rPr lang="en-US" sz="2000" b="1" dirty="0">
-                <a:solidFill>
-                  <a:schemeClr val="tx2"/>
-                </a:solidFill>
-              </a:rPr>
-              <a:t>syntactic resemblance </a:t>
-            </a:r>
-            <a:r>
-              <a:rPr lang="en-US" sz="2000" dirty="0">
-                <a:solidFill>
-                  <a:schemeClr val="tx2"/>
-                </a:solidFill>
-              </a:rPr>
-              <a:t>between a prediction and a reference – not a semantic one.</a:t>
-            </a:r>
-          </a:p>
-          <a:p>
-            <a:pPr marL="342900" indent="-342900">
-              <a:lnSpc>
-                <a:spcPct val="150000"/>
-              </a:lnSpc>
-              <a:buFont typeface="Police système Courant"/>
-              <a:buChar char="→"/>
-            </a:pPr>
-            <a:r>
-              <a:rPr lang="en-US" sz="2000" dirty="0">
-                <a:solidFill>
-                  <a:schemeClr val="tx2"/>
-                </a:solidFill>
-              </a:rPr>
-              <a:t>FT</a:t>
-            </a:r>
-            <a:r>
-              <a:rPr lang="en-US" sz="2000" baseline="-25000" dirty="0">
-                <a:solidFill>
-                  <a:schemeClr val="tx2"/>
-                </a:solidFill>
-              </a:rPr>
-              <a:t>CV </a:t>
-            </a:r>
-            <a:r>
-              <a:rPr lang="en-US" sz="2000" dirty="0">
-                <a:solidFill>
-                  <a:schemeClr val="tx2"/>
-                </a:solidFill>
-              </a:rPr>
-              <a:t>outperforms ELMo and </a:t>
-            </a:r>
-            <a:r>
-              <a:rPr lang="en-US" sz="2000" dirty="0" err="1">
-                <a:solidFill>
-                  <a:schemeClr val="tx2"/>
-                </a:solidFill>
-              </a:rPr>
-              <a:t>FT</a:t>
-            </a:r>
-            <a:r>
-              <a:rPr lang="en-US" sz="2000" baseline="-25000" dirty="0" err="1">
-                <a:solidFill>
-                  <a:schemeClr val="tx2"/>
-                </a:solidFill>
-              </a:rPr>
-              <a:t>pt</a:t>
-            </a:r>
-            <a:r>
-              <a:rPr lang="en-US" sz="2000" dirty="0">
-                <a:solidFill>
-                  <a:schemeClr val="tx2"/>
-                </a:solidFill>
-              </a:rPr>
-              <a:t>: </a:t>
-            </a:r>
-          </a:p>
-          <a:p>
-            <a:pPr marL="800100" lvl="1" indent="-342900">
-              <a:buFont typeface="Police système Courant"/>
-              <a:buChar char="→"/>
-            </a:pPr>
-            <a:r>
-              <a:rPr lang="en-US" sz="2000" dirty="0">
-                <a:solidFill>
-                  <a:schemeClr val="tx2"/>
-                </a:solidFill>
-              </a:rPr>
-              <a:t>a CV is not </a:t>
-            </a:r>
-            <a:r>
-              <a:rPr lang="en-US" sz="2000" b="1" dirty="0">
-                <a:solidFill>
-                  <a:schemeClr val="tx2"/>
-                </a:solidFill>
-              </a:rPr>
-              <a:t>traditional</a:t>
-            </a:r>
-            <a:r>
-              <a:rPr lang="en-US" sz="2000" dirty="0">
-                <a:solidFill>
-                  <a:schemeClr val="tx2"/>
-                </a:solidFill>
-              </a:rPr>
-              <a:t> natural language. </a:t>
-            </a:r>
-            <a:endParaRPr lang="en-US" sz="2000" baseline="-25000" dirty="0">
-              <a:solidFill>
-                <a:schemeClr val="tx2"/>
-              </a:solidFill>
-            </a:endParaRPr>
-          </a:p>
-        </p:txBody>
-      </p:sp>
-    </p:spTree>
-    <p:extLst>
-      <p:ext uri="{BB962C8B-B14F-4D97-AF65-F5344CB8AC3E}">
-        <p14:creationId xmlns:p14="http://schemas.microsoft.com/office/powerpoint/2010/main" val="1757329489"/>
       </p:ext>
     </p:extLst>
   </p:cSld>
@@ -27611,12 +27495,7 @@
             <p:ph type="title"/>
           </p:nvPr>
         </p:nvSpPr>
-        <p:spPr>
-          <a:xfrm>
-            <a:off x="133817" y="1169"/>
-            <a:ext cx="7611368" cy="680225"/>
-          </a:xfrm>
-        </p:spPr>
+        <p:spPr/>
         <p:txBody>
           <a:bodyPr anchor="ctr">
             <a:normAutofit/>
@@ -27630,6 +27509,35 @@
           </a:p>
         </p:txBody>
       </p:sp>
+      <p:pic>
+        <p:nvPicPr>
+          <p:cNvPr id="7" name="Espace réservé du contenu 6" descr="Une image contenant table&#10;&#10;Description générée automatiquement">
+            <a:extLst>
+              <a:ext uri="{FF2B5EF4-FFF2-40B4-BE49-F238E27FC236}">
+                <a16:creationId xmlns:a16="http://schemas.microsoft.com/office/drawing/2014/main" id="{F9814A81-E662-0A42-BA1C-B70A94447BBF}"/>
+              </a:ext>
+            </a:extLst>
+          </p:cNvPr>
+          <p:cNvPicPr>
+            <a:picLocks noGrp="1" noChangeAspect="1"/>
+          </p:cNvPicPr>
+          <p:nvPr>
+            <p:ph idx="1"/>
+          </p:nvPr>
+        </p:nvPicPr>
+        <p:blipFill>
+          <a:blip r:embed="rId3"/>
+          <a:stretch>
+            <a:fillRect/>
+          </a:stretch>
+        </p:blipFill>
+        <p:spPr>
+          <a:xfrm>
+            <a:off x="1803399" y="1448120"/>
+            <a:ext cx="5537200" cy="1778000"/>
+          </a:xfrm>
+        </p:spPr>
+      </p:pic>
       <p:sp>
         <p:nvSpPr>
           <p:cNvPr id="4" name="Espace réservé du numéro de diapositive 3">
@@ -27646,12 +27554,7 @@
             <p:ph type="sldNum" sz="quarter" idx="12"/>
           </p:nvPr>
         </p:nvSpPr>
-        <p:spPr>
-          <a:xfrm>
-            <a:off x="8517869" y="6473117"/>
-            <a:ext cx="510928" cy="384883"/>
-          </a:xfrm>
-        </p:spPr>
+        <p:spPr/>
         <p:txBody>
           <a:bodyPr anchor="ctr">
             <a:normAutofit/>
@@ -27678,10 +27581,10 @@
       </p:sp>
       <p:sp>
         <p:nvSpPr>
-          <p:cNvPr id="13" name="ZoneTexte 12">
+          <p:cNvPr id="9" name="ZoneTexte 8">
             <a:extLst>
               <a:ext uri="{FF2B5EF4-FFF2-40B4-BE49-F238E27FC236}">
-                <a16:creationId xmlns:a16="http://schemas.microsoft.com/office/drawing/2014/main" id="{42156332-2844-0A40-A347-9EE5548A96F0}"/>
+                <a16:creationId xmlns:a16="http://schemas.microsoft.com/office/drawing/2014/main" id="{638216D5-39D9-D94B-8E02-5439DD9A4FDB}"/>
               </a:ext>
             </a:extLst>
           </p:cNvPr>
@@ -27690,8 +27593,8 @@
         </p:nvSpPr>
         <p:spPr>
           <a:xfrm>
-            <a:off x="317715" y="1720840"/>
-            <a:ext cx="8508570" cy="4247317"/>
+            <a:off x="1580827" y="3226120"/>
+            <a:ext cx="6164358" cy="369332"/>
           </a:xfrm>
           <a:prstGeom prst="rect">
             <a:avLst/>
@@ -27704,94 +27607,20 @@
           </a:bodyPr>
           <a:lstStyle/>
           <a:p>
-            <a:r>
-              <a:rPr lang="en-US" b="1" dirty="0"/>
-              <a:t>Ground Truth </a:t>
-            </a:r>
-          </a:p>
-          <a:p>
+            <a:pPr algn="ctr"/>
             <a:r>
               <a:rPr lang="en-US" i="1" dirty="0"/>
-              <a:t>E-commerce Consultant. </a:t>
-            </a:r>
-            <a:r>
-              <a:rPr lang="en-US" dirty="0"/>
-              <a:t>My mission consists in reaching the goals set up by the clients regarding their profitability and/or notoriety issues […]</a:t>
-            </a:r>
-          </a:p>
-          <a:p>
-            <a:br>
-              <a:rPr lang="en-US" dirty="0"/>
-            </a:br>
-            <a:r>
-              <a:rPr lang="en-US" b="1" dirty="0" err="1"/>
-              <a:t>FastText</a:t>
-            </a:r>
-            <a:r>
-              <a:rPr lang="en-US" b="1" dirty="0"/>
-              <a:t> pre-trained</a:t>
-            </a:r>
-          </a:p>
-          <a:p>
-            <a:r>
-              <a:rPr lang="en-US" i="1" dirty="0"/>
-              <a:t>Marketing Manager. </a:t>
-            </a:r>
-            <a:r>
-              <a:rPr lang="en-US" dirty="0"/>
-              <a:t>Management of the client relationship, Social networks management, Social networks management […]</a:t>
-            </a:r>
-          </a:p>
-          <a:p>
-            <a:endParaRPr lang="en-US" dirty="0"/>
-          </a:p>
-          <a:p>
-            <a:r>
-              <a:rPr lang="en-US" b="1" dirty="0" err="1"/>
-              <a:t>FastText</a:t>
-            </a:r>
-            <a:r>
-              <a:rPr lang="en-US" b="1" dirty="0"/>
-              <a:t> CV-oriented</a:t>
-            </a:r>
-          </a:p>
-          <a:p>
-            <a:r>
-              <a:rPr lang="en-US" i="1" dirty="0"/>
-              <a:t>Marketing Manager. </a:t>
-            </a:r>
-            <a:r>
-              <a:rPr lang="en-US" dirty="0"/>
-              <a:t>Managing the communication strategy and the communication strategy for clients […]</a:t>
-            </a:r>
-          </a:p>
-          <a:p>
-            <a:endParaRPr lang="en-US" dirty="0"/>
-          </a:p>
-          <a:p>
-            <a:r>
-              <a:rPr lang="en-US" b="1" dirty="0"/>
-              <a:t>ELMo</a:t>
-            </a:r>
-          </a:p>
-          <a:p>
-            <a:r>
-              <a:rPr lang="en-US" i="1" dirty="0"/>
-              <a:t>Sector Manager. </a:t>
-            </a:r>
-            <a:r>
-              <a:rPr lang="en-US" dirty="0"/>
-              <a:t>Management of the client relationship, UNK, stock management, stock management[…]</a:t>
-            </a:r>
-          </a:p>
-        </p:txBody>
-      </p:sp>
-      <p:sp>
-        <p:nvSpPr>
-          <p:cNvPr id="6" name="ZoneTexte 5">
+              <a:t> Experimental results on job generation (title &amp; description)</a:t>
+            </a:r>
+          </a:p>
+        </p:txBody>
+      </p:sp>
+      <p:sp>
+        <p:nvSpPr>
+          <p:cNvPr id="11" name="ZoneTexte 10">
             <a:extLst>
               <a:ext uri="{FF2B5EF4-FFF2-40B4-BE49-F238E27FC236}">
-                <a16:creationId xmlns:a16="http://schemas.microsoft.com/office/drawing/2014/main" id="{476A1C5B-BA56-DE4A-9608-5BCAA5256284}"/>
+                <a16:creationId xmlns:a16="http://schemas.microsoft.com/office/drawing/2014/main" id="{6A7AF379-67F3-1242-AC30-C77C7D1DAA0C}"/>
               </a:ext>
             </a:extLst>
           </p:cNvPr>
@@ -27800,8 +27629,8 @@
         </p:nvSpPr>
         <p:spPr>
           <a:xfrm>
-            <a:off x="1177609" y="865286"/>
-            <a:ext cx="6788782" cy="523220"/>
+            <a:off x="891152" y="4328570"/>
+            <a:ext cx="7361695" cy="1477328"/>
           </a:xfrm>
           <a:prstGeom prst="rect">
             <a:avLst/>
@@ -27809,26 +27638,138 @@
           <a:noFill/>
         </p:spPr>
         <p:txBody>
-          <a:bodyPr wrap="none" rtlCol="0">
+          <a:bodyPr wrap="square" rtlCol="0" anchor="ctr">
             <a:spAutoFit/>
           </a:bodyPr>
           <a:lstStyle/>
           <a:p>
-            <a:r>
-              <a:rPr lang="en-US" sz="2800">
+            <a:pPr marL="342900" indent="-342900">
+              <a:buFont typeface="Police système Courant"/>
+              <a:buChar char="→"/>
+            </a:pPr>
+            <a:r>
+              <a:rPr lang="en-US" sz="2000" dirty="0">
                 <a:solidFill>
                   <a:schemeClr val="tx2"/>
                 </a:solidFill>
               </a:rPr>
-              <a:t>Illustration of text generated by our decoder</a:t>
-            </a:r>
+              <a:t>The BLEU score expresses a </a:t>
+            </a:r>
+            <a:r>
+              <a:rPr lang="en-US" sz="2000" b="1" dirty="0">
+                <a:solidFill>
+                  <a:schemeClr val="tx2"/>
+                </a:solidFill>
+              </a:rPr>
+              <a:t>syntactic resemblance </a:t>
+            </a:r>
+            <a:r>
+              <a:rPr lang="en-US" sz="2000" dirty="0">
+                <a:solidFill>
+                  <a:schemeClr val="tx2"/>
+                </a:solidFill>
+              </a:rPr>
+              <a:t>between a prediction and a reference – not a semantic one.</a:t>
+            </a:r>
+          </a:p>
+          <a:p>
+            <a:pPr marL="342900" indent="-342900">
+              <a:lnSpc>
+                <a:spcPct val="150000"/>
+              </a:lnSpc>
+              <a:buFont typeface="Police système Courant"/>
+              <a:buChar char="→"/>
+            </a:pPr>
+            <a:r>
+              <a:rPr lang="en-US" sz="2000" dirty="0">
+                <a:solidFill>
+                  <a:schemeClr val="tx2"/>
+                </a:solidFill>
+              </a:rPr>
+              <a:t>FT</a:t>
+            </a:r>
+            <a:r>
+              <a:rPr lang="en-US" sz="2000" baseline="-25000" dirty="0">
+                <a:solidFill>
+                  <a:schemeClr val="tx2"/>
+                </a:solidFill>
+              </a:rPr>
+              <a:t>CV </a:t>
+            </a:r>
+            <a:r>
+              <a:rPr lang="en-US" sz="2000" dirty="0">
+                <a:solidFill>
+                  <a:schemeClr val="tx2"/>
+                </a:solidFill>
+              </a:rPr>
+              <a:t>outperforms ELMo and </a:t>
+            </a:r>
+            <a:r>
+              <a:rPr lang="en-US" sz="2000" dirty="0" err="1">
+                <a:solidFill>
+                  <a:schemeClr val="tx2"/>
+                </a:solidFill>
+              </a:rPr>
+              <a:t>FT</a:t>
+            </a:r>
+            <a:r>
+              <a:rPr lang="en-US" sz="2000" baseline="-25000" dirty="0" err="1">
+                <a:solidFill>
+                  <a:schemeClr val="tx2"/>
+                </a:solidFill>
+              </a:rPr>
+              <a:t>pt</a:t>
+            </a:r>
+            <a:r>
+              <a:rPr lang="en-US" sz="2000" dirty="0">
+                <a:solidFill>
+                  <a:schemeClr val="tx2"/>
+                </a:solidFill>
+              </a:rPr>
+              <a:t>: </a:t>
+            </a:r>
+          </a:p>
+          <a:p>
+            <a:pPr marL="800100" lvl="1" indent="-342900">
+              <a:buFont typeface="Police système Courant"/>
+              <a:buChar char="→"/>
+            </a:pPr>
+            <a:r>
+              <a:rPr lang="en-US" sz="2000" dirty="0">
+                <a:solidFill>
+                  <a:schemeClr val="tx2"/>
+                </a:solidFill>
+              </a:rPr>
+              <a:t>a CV is not </a:t>
+            </a:r>
+            <a:r>
+              <a:rPr lang="en-US" sz="2000" b="1" dirty="0">
+                <a:solidFill>
+                  <a:schemeClr val="tx2"/>
+                </a:solidFill>
+              </a:rPr>
+              <a:t>traditional</a:t>
+            </a:r>
+            <a:r>
+              <a:rPr lang="en-US" sz="2000" dirty="0">
+                <a:solidFill>
+                  <a:schemeClr val="tx2"/>
+                </a:solidFill>
+              </a:rPr>
+              <a:t> natural language. </a:t>
+            </a:r>
+            <a:endParaRPr lang="en-US" sz="2000" baseline="-25000" dirty="0">
+              <a:solidFill>
+                <a:schemeClr val="tx2"/>
+              </a:solidFill>
+            </a:endParaRPr>
           </a:p>
         </p:txBody>
       </p:sp>
     </p:spTree>
     <p:extLst>
       <p:ext uri="{BB962C8B-B14F-4D97-AF65-F5344CB8AC3E}">
-        <p14:creationId xmlns:p14="http://schemas.microsoft.com/office/powerpoint/2010/main" val="2126497638"/>
+        <p14:creationId xmlns:p14="http://schemas.microsoft.com/office/powerpoint/2010/main" val="1757329489"/>
       </p:ext>
     </p:extLst>
   </p:cSld>
@@ -27871,12 +27812,7 @@
             <p:ph type="title"/>
           </p:nvPr>
         </p:nvSpPr>
-        <p:spPr>
-          <a:xfrm>
-            <a:off x="133817" y="1169"/>
-            <a:ext cx="7611368" cy="680225"/>
-          </a:xfrm>
-        </p:spPr>
+        <p:spPr/>
         <p:txBody>
           <a:bodyPr anchor="ctr">
             <a:normAutofit/>
@@ -27885,7 +27821,7 @@
           <a:p>
             <a:r>
               <a:rPr lang="en-US"/>
-              <a:t>Conclusion</a:t>
+              <a:t>Results</a:t>
             </a:r>
           </a:p>
         </p:txBody>
@@ -27906,12 +27842,7 @@
             <p:ph type="sldNum" sz="quarter" idx="12"/>
           </p:nvPr>
         </p:nvSpPr>
-        <p:spPr>
-          <a:xfrm>
-            <a:off x="8517869" y="6473117"/>
-            <a:ext cx="510928" cy="384883"/>
-          </a:xfrm>
-        </p:spPr>
+        <p:spPr/>
         <p:txBody>
           <a:bodyPr anchor="ctr">
             <a:normAutofit/>
@@ -27938,10 +27869,10 @@
       </p:sp>
       <p:sp>
         <p:nvSpPr>
-          <p:cNvPr id="3" name="ZoneTexte 2">
+          <p:cNvPr id="13" name="ZoneTexte 12">
             <a:extLst>
               <a:ext uri="{FF2B5EF4-FFF2-40B4-BE49-F238E27FC236}">
-                <a16:creationId xmlns:a16="http://schemas.microsoft.com/office/drawing/2014/main" id="{8DBE1FAB-E6E1-2144-925C-BD5073454777}"/>
+                <a16:creationId xmlns:a16="http://schemas.microsoft.com/office/drawing/2014/main" id="{42156332-2844-0A40-A347-9EE5548A96F0}"/>
               </a:ext>
             </a:extLst>
           </p:cNvPr>
@@ -27950,8 +27881,8 @@
         </p:nvSpPr>
         <p:spPr>
           <a:xfrm>
-            <a:off x="698716" y="1264723"/>
-            <a:ext cx="8074617" cy="4328557"/>
+            <a:off x="317715" y="2046305"/>
+            <a:ext cx="8508570" cy="4247317"/>
           </a:xfrm>
           <a:prstGeom prst="rect">
             <a:avLst/>
@@ -27959,124 +27890,128 @@
           <a:noFill/>
         </p:spPr>
         <p:txBody>
-          <a:bodyPr wrap="square" rtlCol="0" anchor="ctr">
+          <a:bodyPr wrap="square" rtlCol="0">
             <a:spAutoFit/>
           </a:bodyPr>
           <a:lstStyle/>
           <a:p>
-            <a:pPr marL="285750" indent="-285750">
-              <a:lnSpc>
-                <a:spcPct val="300000"/>
-              </a:lnSpc>
-              <a:buFont typeface="Police système Courant"/>
-              <a:buChar char="→"/>
-            </a:pPr>
-            <a:r>
-              <a:rPr lang="en-US" sz="2400" dirty="0">
+            <a:r>
+              <a:rPr lang="en-US" b="1" dirty="0"/>
+              <a:t>Ground Truth </a:t>
+            </a:r>
+          </a:p>
+          <a:p>
+            <a:r>
+              <a:rPr lang="en-US" i="1" dirty="0"/>
+              <a:t>E-commerce Consultant. </a:t>
+            </a:r>
+            <a:r>
+              <a:rPr lang="en-US" dirty="0"/>
+              <a:t>My mission consists in reaching the goals set up by the clients regarding their profitability and/or notoriety issues […]</a:t>
+            </a:r>
+          </a:p>
+          <a:p>
+            <a:br>
+              <a:rPr lang="en-US" dirty="0"/>
+            </a:br>
+            <a:r>
+              <a:rPr lang="en-US" b="1" dirty="0" err="1"/>
+              <a:t>FastText</a:t>
+            </a:r>
+            <a:r>
+              <a:rPr lang="en-US" b="1" dirty="0"/>
+              <a:t> pre-trained</a:t>
+            </a:r>
+          </a:p>
+          <a:p>
+            <a:r>
+              <a:rPr lang="en-US" i="1" dirty="0"/>
+              <a:t>Marketing Manager. </a:t>
+            </a:r>
+            <a:r>
+              <a:rPr lang="en-US" dirty="0"/>
+              <a:t>Management of the client relationship, Social networks management, Social networks management […]</a:t>
+            </a:r>
+          </a:p>
+          <a:p>
+            <a:endParaRPr lang="en-US" dirty="0"/>
+          </a:p>
+          <a:p>
+            <a:r>
+              <a:rPr lang="en-US" b="1" dirty="0" err="1"/>
+              <a:t>FastText</a:t>
+            </a:r>
+            <a:r>
+              <a:rPr lang="en-US" b="1" dirty="0"/>
+              <a:t> CV-oriented</a:t>
+            </a:r>
+          </a:p>
+          <a:p>
+            <a:r>
+              <a:rPr lang="en-US" i="1" dirty="0"/>
+              <a:t>Marketing Manager. </a:t>
+            </a:r>
+            <a:r>
+              <a:rPr lang="en-US" dirty="0"/>
+              <a:t>Managing the communication strategy and the communication strategy for clients […]</a:t>
+            </a:r>
+          </a:p>
+          <a:p>
+            <a:endParaRPr lang="en-US" dirty="0"/>
+          </a:p>
+          <a:p>
+            <a:r>
+              <a:rPr lang="en-US" b="1" dirty="0"/>
+              <a:t>ELMo</a:t>
+            </a:r>
+          </a:p>
+          <a:p>
+            <a:r>
+              <a:rPr lang="en-US" i="1" dirty="0"/>
+              <a:t>Sector Manager. </a:t>
+            </a:r>
+            <a:r>
+              <a:rPr lang="en-US" dirty="0"/>
+              <a:t>Management of the client relationship, UNK, stock management, stock management[…]</a:t>
+            </a:r>
+          </a:p>
+        </p:txBody>
+      </p:sp>
+      <p:sp>
+        <p:nvSpPr>
+          <p:cNvPr id="6" name="ZoneTexte 5">
+            <a:extLst>
+              <a:ext uri="{FF2B5EF4-FFF2-40B4-BE49-F238E27FC236}">
+                <a16:creationId xmlns:a16="http://schemas.microsoft.com/office/drawing/2014/main" id="{476A1C5B-BA56-DE4A-9608-5BCAA5256284}"/>
+              </a:ext>
+            </a:extLst>
+          </p:cNvPr>
+          <p:cNvSpPr txBox="1"/>
+          <p:nvPr/>
+        </p:nvSpPr>
+        <p:spPr>
+          <a:xfrm>
+            <a:off x="1177609" y="1190751"/>
+            <a:ext cx="6788782" cy="523220"/>
+          </a:xfrm>
+          <a:prstGeom prst="rect">
+            <a:avLst/>
+          </a:prstGeom>
+          <a:noFill/>
+        </p:spPr>
+        <p:txBody>
+          <a:bodyPr wrap="none" rtlCol="0">
+            <a:spAutoFit/>
+          </a:bodyPr>
+          <a:lstStyle/>
+          <a:p>
+            <a:r>
+              <a:rPr lang="en-US" sz="2800" dirty="0">
                 <a:solidFill>
                   <a:schemeClr val="tx2"/>
                 </a:solidFill>
               </a:rPr>
-              <a:t>Textual traces yield </a:t>
-            </a:r>
-            <a:r>
-              <a:rPr lang="en-US" sz="2400" b="1" dirty="0">
-                <a:solidFill>
-                  <a:schemeClr val="tx2"/>
-                </a:solidFill>
-              </a:rPr>
-              <a:t>rich</a:t>
-            </a:r>
-            <a:r>
-              <a:rPr lang="en-US" sz="2400" dirty="0">
-                <a:solidFill>
-                  <a:schemeClr val="tx2"/>
-                </a:solidFill>
-              </a:rPr>
-              <a:t> representations</a:t>
-            </a:r>
-          </a:p>
-          <a:p>
-            <a:pPr marL="285750" indent="-285750">
-              <a:lnSpc>
-                <a:spcPct val="300000"/>
-              </a:lnSpc>
-              <a:buFont typeface="Police système Courant"/>
-              <a:buChar char="→"/>
-            </a:pPr>
-            <a:r>
-              <a:rPr lang="en-US" sz="2400" dirty="0">
-                <a:solidFill>
-                  <a:schemeClr val="tx2"/>
-                </a:solidFill>
-              </a:rPr>
-              <a:t>New task: </a:t>
-            </a:r>
-            <a:r>
-              <a:rPr lang="en-US" sz="2400" b="1" dirty="0">
-                <a:solidFill>
-                  <a:schemeClr val="tx2"/>
-                </a:solidFill>
-              </a:rPr>
-              <a:t>Professional Profile Learning</a:t>
-            </a:r>
-          </a:p>
-          <a:p>
-            <a:pPr marL="285750" indent="-285750">
-              <a:lnSpc>
-                <a:spcPct val="300000"/>
-              </a:lnSpc>
-              <a:buFont typeface="Police système Courant"/>
-              <a:buChar char="→"/>
-            </a:pPr>
-            <a:r>
-              <a:rPr lang="en-US" sz="2400" dirty="0">
-                <a:solidFill>
-                  <a:schemeClr val="tx2"/>
-                </a:solidFill>
-              </a:rPr>
-              <a:t>New application Domain: </a:t>
-            </a:r>
-            <a:r>
-              <a:rPr lang="en-US" sz="2400" b="1" dirty="0">
-                <a:solidFill>
-                  <a:schemeClr val="tx2"/>
-                </a:solidFill>
-              </a:rPr>
-              <a:t>Human Resources</a:t>
-            </a:r>
-          </a:p>
-          <a:p>
-            <a:pPr marL="285750" indent="-285750">
-              <a:lnSpc>
-                <a:spcPct val="300000"/>
-              </a:lnSpc>
-              <a:buFont typeface="Police système Courant"/>
-              <a:buChar char="→"/>
-            </a:pPr>
-            <a:r>
-              <a:rPr lang="en-US" sz="2400" dirty="0">
-                <a:solidFill>
-                  <a:schemeClr val="tx2"/>
-                </a:solidFill>
-              </a:rPr>
-              <a:t>New </a:t>
-            </a:r>
-            <a:r>
-              <a:rPr lang="en-US" sz="2400" b="1" dirty="0">
-                <a:solidFill>
-                  <a:schemeClr val="tx2"/>
-                </a:solidFill>
-              </a:rPr>
-              <a:t>framework for User Representation</a:t>
-            </a:r>
-            <a:r>
-              <a:rPr lang="en-US" sz="2400" dirty="0">
-                <a:solidFill>
-                  <a:schemeClr val="tx2"/>
-                </a:solidFill>
-              </a:rPr>
-              <a:t>: Resume</a:t>
+              <a:t>Illustration of text generated by our decoder</a:t>
             </a:r>
           </a:p>
         </p:txBody>
@@ -28084,7 +28019,7 @@
     </p:spTree>
     <p:extLst>
       <p:ext uri="{BB962C8B-B14F-4D97-AF65-F5344CB8AC3E}">
-        <p14:creationId xmlns:p14="http://schemas.microsoft.com/office/powerpoint/2010/main" val="1969313157"/>
+        <p14:creationId xmlns:p14="http://schemas.microsoft.com/office/powerpoint/2010/main" val="2126497638"/>
       </p:ext>
     </p:extLst>
   </p:cSld>
@@ -28169,43 +28104,6 @@
           </a:p>
         </p:txBody>
       </p:sp>
-      <p:sp>
-        <p:nvSpPr>
-          <p:cNvPr id="10" name="Espace réservé du contenu 9">
-            <a:extLst>
-              <a:ext uri="{FF2B5EF4-FFF2-40B4-BE49-F238E27FC236}">
-                <a16:creationId xmlns:a16="http://schemas.microsoft.com/office/drawing/2014/main" id="{543BC940-DFAD-214F-8179-1814CD5313B6}"/>
-              </a:ext>
-            </a:extLst>
-          </p:cNvPr>
-          <p:cNvSpPr>
-            <a:spLocks noGrp="1"/>
-          </p:cNvSpPr>
-          <p:nvPr>
-            <p:ph idx="1"/>
-          </p:nvPr>
-        </p:nvSpPr>
-        <p:spPr>
-          <a:xfrm>
-            <a:off x="591015" y="5536339"/>
-            <a:ext cx="7961971" cy="708344"/>
-          </a:xfrm>
-        </p:spPr>
-        <p:txBody>
-          <a:bodyPr/>
-          <a:lstStyle/>
-          <a:p>
-            <a:r>
-              <a:rPr lang="en-US" dirty="0">
-                <a:solidFill>
-                  <a:srgbClr val="C00000"/>
-                </a:solidFill>
-              </a:rPr>
-              <a:t>Mention Recommendation, ML, DL and NLP in a generalist slide</a:t>
-            </a:r>
-          </a:p>
-        </p:txBody>
-      </p:sp>
       <p:pic>
         <p:nvPicPr>
           <p:cNvPr id="5" name="Image 4">
@@ -28228,7 +28126,7 @@
         </p:blipFill>
         <p:spPr>
           <a:xfrm>
-            <a:off x="544392" y="1520942"/>
+            <a:off x="625690" y="1459042"/>
             <a:ext cx="3140713" cy="2848825"/>
           </a:xfrm>
           <a:prstGeom prst="rect">
@@ -28280,7 +28178,7 @@
         </p:nvSpPr>
         <p:spPr>
           <a:xfrm>
-            <a:off x="22668" y="4399055"/>
+            <a:off x="103966" y="4337155"/>
             <a:ext cx="4184159" cy="369332"/>
           </a:xfrm>
           <a:prstGeom prst="rect">
@@ -28334,6 +28232,131 @@
             <a:r>
               <a:rPr lang="en-US" i="1" dirty="0"/>
               <a:t>Schema of a language classifier</a:t>
+            </a:r>
+          </a:p>
+        </p:txBody>
+      </p:sp>
+      <p:sp>
+        <p:nvSpPr>
+          <p:cNvPr id="3" name="ZoneTexte 2">
+            <a:extLst>
+              <a:ext uri="{FF2B5EF4-FFF2-40B4-BE49-F238E27FC236}">
+                <a16:creationId xmlns:a16="http://schemas.microsoft.com/office/drawing/2014/main" id="{962C9460-4D7F-564C-915E-7CE0ADF5AAE7}"/>
+              </a:ext>
+            </a:extLst>
+          </p:cNvPr>
+          <p:cNvSpPr txBox="1"/>
+          <p:nvPr/>
+        </p:nvSpPr>
+        <p:spPr>
+          <a:xfrm>
+            <a:off x="209862" y="5649856"/>
+            <a:ext cx="4553952" cy="430887"/>
+          </a:xfrm>
+          <a:prstGeom prst="rect">
+            <a:avLst/>
+          </a:prstGeom>
+          <a:noFill/>
+        </p:spPr>
+        <p:txBody>
+          <a:bodyPr wrap="square" rtlCol="0" anchor="t">
+            <a:spAutoFit/>
+          </a:bodyPr>
+          <a:lstStyle/>
+          <a:p>
+            <a:pPr algn="ctr"/>
+            <a:r>
+              <a:rPr lang="en-US" sz="2200" dirty="0">
+                <a:solidFill>
+                  <a:schemeClr val="tx2"/>
+                </a:solidFill>
+              </a:rPr>
+              <a:t>Rise of AI for numerous applications:</a:t>
+            </a:r>
+          </a:p>
+        </p:txBody>
+      </p:sp>
+      <p:sp>
+        <p:nvSpPr>
+          <p:cNvPr id="6" name="ZoneTexte 5">
+            <a:extLst>
+              <a:ext uri="{FF2B5EF4-FFF2-40B4-BE49-F238E27FC236}">
+                <a16:creationId xmlns:a16="http://schemas.microsoft.com/office/drawing/2014/main" id="{89FD11BE-7958-8740-AB51-E5A46A22F0AC}"/>
+              </a:ext>
+            </a:extLst>
+          </p:cNvPr>
+          <p:cNvSpPr txBox="1"/>
+          <p:nvPr/>
+        </p:nvSpPr>
+        <p:spPr>
+          <a:xfrm>
+            <a:off x="4763814" y="5126636"/>
+            <a:ext cx="4078263" cy="1446550"/>
+          </a:xfrm>
+          <a:prstGeom prst="rect">
+            <a:avLst/>
+          </a:prstGeom>
+          <a:noFill/>
+        </p:spPr>
+        <p:txBody>
+          <a:bodyPr wrap="square" rtlCol="0">
+            <a:spAutoFit/>
+          </a:bodyPr>
+          <a:lstStyle/>
+          <a:p>
+            <a:pPr marL="285750" indent="-285750">
+              <a:buFont typeface="Arial" panose="020B0604020202020204" pitchFamily="34" charset="0"/>
+              <a:buChar char="•"/>
+            </a:pPr>
+            <a:r>
+              <a:rPr lang="en-US" sz="2200" dirty="0">
+                <a:solidFill>
+                  <a:schemeClr val="tx2"/>
+                </a:solidFill>
+              </a:rPr>
+              <a:t>Computer Vision</a:t>
+            </a:r>
+          </a:p>
+          <a:p>
+            <a:pPr marL="285750" indent="-285750">
+              <a:buFont typeface="Arial" panose="020B0604020202020204" pitchFamily="34" charset="0"/>
+              <a:buChar char="•"/>
+            </a:pPr>
+            <a:r>
+              <a:rPr lang="en-US" sz="2200" dirty="0">
+                <a:solidFill>
+                  <a:schemeClr val="tx2"/>
+                </a:solidFill>
+              </a:rPr>
+              <a:t>Recommendation</a:t>
+            </a:r>
+          </a:p>
+          <a:p>
+            <a:pPr marL="285750" indent="-285750">
+              <a:buFont typeface="Arial" panose="020B0604020202020204" pitchFamily="34" charset="0"/>
+              <a:buChar char="•"/>
+            </a:pPr>
+            <a:r>
+              <a:rPr lang="en-US" sz="2200" dirty="0">
+                <a:solidFill>
+                  <a:schemeClr val="tx2"/>
+                </a:solidFill>
+              </a:rPr>
+              <a:t>Natural Language Processing</a:t>
+            </a:r>
+          </a:p>
+          <a:p>
+            <a:pPr marL="285750" indent="-285750">
+              <a:buFont typeface="Arial" panose="020B0604020202020204" pitchFamily="34" charset="0"/>
+              <a:buChar char="•"/>
+            </a:pPr>
+            <a:r>
+              <a:rPr lang="en-US" sz="2200" dirty="0">
+                <a:solidFill>
+                  <a:schemeClr val="tx2"/>
+                </a:solidFill>
+              </a:rPr>
+              <a:t>…</a:t>
             </a:r>
           </a:p>
         </p:txBody>
@@ -28382,6 +28405,277 @@
       </p:grpSpPr>
       <p:sp>
         <p:nvSpPr>
+          <p:cNvPr id="2" name="Titre 1">
+            <a:extLst>
+              <a:ext uri="{FF2B5EF4-FFF2-40B4-BE49-F238E27FC236}">
+                <a16:creationId xmlns:a16="http://schemas.microsoft.com/office/drawing/2014/main" id="{5015436F-AD9D-7A45-A15D-EE00E6879EEE}"/>
+              </a:ext>
+            </a:extLst>
+          </p:cNvPr>
+          <p:cNvSpPr>
+            <a:spLocks noGrp="1"/>
+          </p:cNvSpPr>
+          <p:nvPr>
+            <p:ph type="title"/>
+          </p:nvPr>
+        </p:nvSpPr>
+        <p:spPr/>
+        <p:txBody>
+          <a:bodyPr anchor="ctr">
+            <a:normAutofit/>
+          </a:bodyPr>
+          <a:lstStyle/>
+          <a:p>
+            <a:r>
+              <a:rPr lang="en-US"/>
+              <a:t>Conclusion</a:t>
+            </a:r>
+          </a:p>
+        </p:txBody>
+      </p:sp>
+      <p:sp>
+        <p:nvSpPr>
+          <p:cNvPr id="5" name="Espace réservé du contenu 4">
+            <a:extLst>
+              <a:ext uri="{FF2B5EF4-FFF2-40B4-BE49-F238E27FC236}">
+                <a16:creationId xmlns:a16="http://schemas.microsoft.com/office/drawing/2014/main" id="{42F89399-A621-1444-B718-FA51E305D97D}"/>
+              </a:ext>
+            </a:extLst>
+          </p:cNvPr>
+          <p:cNvSpPr>
+            <a:spLocks noGrp="1"/>
+          </p:cNvSpPr>
+          <p:nvPr>
+            <p:ph idx="1"/>
+          </p:nvPr>
+        </p:nvSpPr>
+        <p:spPr/>
+        <p:txBody>
+          <a:bodyPr/>
+          <a:lstStyle/>
+          <a:p>
+            <a:endParaRPr lang="en-US"/>
+          </a:p>
+        </p:txBody>
+      </p:sp>
+      <p:sp>
+        <p:nvSpPr>
+          <p:cNvPr id="4" name="Espace réservé du numéro de diapositive 3">
+            <a:extLst>
+              <a:ext uri="{FF2B5EF4-FFF2-40B4-BE49-F238E27FC236}">
+                <a16:creationId xmlns:a16="http://schemas.microsoft.com/office/drawing/2014/main" id="{C568EE19-E9A4-FB45-953C-774887FCF8A1}"/>
+              </a:ext>
+            </a:extLst>
+          </p:cNvPr>
+          <p:cNvSpPr>
+            <a:spLocks noGrp="1"/>
+          </p:cNvSpPr>
+          <p:nvPr>
+            <p:ph type="sldNum" sz="quarter" idx="12"/>
+          </p:nvPr>
+        </p:nvSpPr>
+        <p:spPr/>
+        <p:txBody>
+          <a:bodyPr anchor="ctr">
+            <a:normAutofit/>
+          </a:bodyPr>
+          <a:lstStyle/>
+          <a:p>
+            <a:pPr>
+              <a:spcAft>
+                <a:spcPts val="600"/>
+              </a:spcAft>
+            </a:pPr>
+            <a:fld id="{30CCB0C1-2DF4-8B4C-AC0E-201D3DFFEAFD}" type="slidenum">
+              <a:rPr lang="en-US" smtClean="0"/>
+              <a:pPr>
+                <a:spcAft>
+                  <a:spcPts val="600"/>
+                </a:spcAft>
+              </a:pPr>
+              <a:t>39</a:t>
+            </a:fld>
+            <a:endParaRPr lang="en-US"/>
+          </a:p>
+        </p:txBody>
+      </p:sp>
+      <p:sp>
+        <p:nvSpPr>
+          <p:cNvPr id="3" name="ZoneTexte 2">
+            <a:extLst>
+              <a:ext uri="{FF2B5EF4-FFF2-40B4-BE49-F238E27FC236}">
+                <a16:creationId xmlns:a16="http://schemas.microsoft.com/office/drawing/2014/main" id="{8DBE1FAB-E6E1-2144-925C-BD5073454777}"/>
+              </a:ext>
+            </a:extLst>
+          </p:cNvPr>
+          <p:cNvSpPr txBox="1"/>
+          <p:nvPr/>
+        </p:nvSpPr>
+        <p:spPr>
+          <a:xfrm>
+            <a:off x="698716" y="1264723"/>
+            <a:ext cx="8074617" cy="4328557"/>
+          </a:xfrm>
+          <a:prstGeom prst="rect">
+            <a:avLst/>
+          </a:prstGeom>
+          <a:noFill/>
+        </p:spPr>
+        <p:txBody>
+          <a:bodyPr wrap="square" rtlCol="0" anchor="ctr">
+            <a:spAutoFit/>
+          </a:bodyPr>
+          <a:lstStyle/>
+          <a:p>
+            <a:pPr marL="285750" indent="-285750">
+              <a:lnSpc>
+                <a:spcPct val="300000"/>
+              </a:lnSpc>
+              <a:buFont typeface="Police système Courant"/>
+              <a:buChar char="→"/>
+            </a:pPr>
+            <a:r>
+              <a:rPr lang="en-US" sz="2400" dirty="0">
+                <a:solidFill>
+                  <a:schemeClr val="tx2"/>
+                </a:solidFill>
+              </a:rPr>
+              <a:t>Textual traces yield </a:t>
+            </a:r>
+            <a:r>
+              <a:rPr lang="en-US" sz="2400" b="1" dirty="0">
+                <a:solidFill>
+                  <a:schemeClr val="tx2"/>
+                </a:solidFill>
+              </a:rPr>
+              <a:t>rich</a:t>
+            </a:r>
+            <a:r>
+              <a:rPr lang="en-US" sz="2400" dirty="0">
+                <a:solidFill>
+                  <a:schemeClr val="tx2"/>
+                </a:solidFill>
+              </a:rPr>
+              <a:t> representations</a:t>
+            </a:r>
+          </a:p>
+          <a:p>
+            <a:pPr marL="285750" indent="-285750">
+              <a:lnSpc>
+                <a:spcPct val="300000"/>
+              </a:lnSpc>
+              <a:buFont typeface="Police système Courant"/>
+              <a:buChar char="→"/>
+            </a:pPr>
+            <a:r>
+              <a:rPr lang="en-US" sz="2400" dirty="0">
+                <a:solidFill>
+                  <a:schemeClr val="tx2"/>
+                </a:solidFill>
+              </a:rPr>
+              <a:t>New task: </a:t>
+            </a:r>
+            <a:r>
+              <a:rPr lang="en-US" sz="2400" b="1" dirty="0">
+                <a:solidFill>
+                  <a:schemeClr val="tx2"/>
+                </a:solidFill>
+              </a:rPr>
+              <a:t>Professional Profile Learning</a:t>
+            </a:r>
+          </a:p>
+          <a:p>
+            <a:pPr marL="285750" indent="-285750">
+              <a:lnSpc>
+                <a:spcPct val="300000"/>
+              </a:lnSpc>
+              <a:buFont typeface="Police système Courant"/>
+              <a:buChar char="→"/>
+            </a:pPr>
+            <a:r>
+              <a:rPr lang="en-US" sz="2400" dirty="0">
+                <a:solidFill>
+                  <a:schemeClr val="tx2"/>
+                </a:solidFill>
+              </a:rPr>
+              <a:t>New application Domain: </a:t>
+            </a:r>
+            <a:r>
+              <a:rPr lang="en-US" sz="2400" b="1" dirty="0">
+                <a:solidFill>
+                  <a:schemeClr val="tx2"/>
+                </a:solidFill>
+              </a:rPr>
+              <a:t>Human Resources</a:t>
+            </a:r>
+          </a:p>
+          <a:p>
+            <a:pPr marL="285750" indent="-285750">
+              <a:lnSpc>
+                <a:spcPct val="300000"/>
+              </a:lnSpc>
+              <a:buFont typeface="Police système Courant"/>
+              <a:buChar char="→"/>
+            </a:pPr>
+            <a:r>
+              <a:rPr lang="en-US" sz="2400" dirty="0">
+                <a:solidFill>
+                  <a:schemeClr val="tx2"/>
+                </a:solidFill>
+              </a:rPr>
+              <a:t>New </a:t>
+            </a:r>
+            <a:r>
+              <a:rPr lang="en-US" sz="2400" b="1" dirty="0">
+                <a:solidFill>
+                  <a:schemeClr val="tx2"/>
+                </a:solidFill>
+              </a:rPr>
+              <a:t>framework for User Representation</a:t>
+            </a:r>
+            <a:r>
+              <a:rPr lang="en-US" sz="2400" dirty="0">
+                <a:solidFill>
+                  <a:schemeClr val="tx2"/>
+                </a:solidFill>
+              </a:rPr>
+              <a:t>: Resume</a:t>
+            </a:r>
+          </a:p>
+        </p:txBody>
+      </p:sp>
+    </p:spTree>
+    <p:extLst>
+      <p:ext uri="{BB962C8B-B14F-4D97-AF65-F5344CB8AC3E}">
+        <p14:creationId xmlns:p14="http://schemas.microsoft.com/office/powerpoint/2010/main" val="1969313157"/>
+      </p:ext>
+    </p:extLst>
+  </p:cSld>
+  <p:clrMapOvr>
+    <a:masterClrMapping/>
+  </p:clrMapOvr>
+</p:sld>
+</file>
+
+<file path=ppt/slides/slide41.xml><?xml version="1.0" encoding="utf-8"?>
+<p:sld xmlns:a="http://schemas.openxmlformats.org/drawingml/2006/main" xmlns:r="http://schemas.openxmlformats.org/officeDocument/2006/relationships" xmlns:p="http://schemas.openxmlformats.org/presentationml/2006/main">
+  <p:cSld>
+    <p:spTree>
+      <p:nvGrpSpPr>
+        <p:cNvPr id="1" name=""/>
+        <p:cNvGrpSpPr/>
+        <p:nvPr/>
+      </p:nvGrpSpPr>
+      <p:grpSpPr>
+        <a:xfrm>
+          <a:off x="0" y="0"/>
+          <a:ext cx="0" cy="0"/>
+          <a:chOff x="0" y="0"/>
+          <a:chExt cx="0" cy="0"/>
+        </a:xfrm>
+      </p:grpSpPr>
+      <p:sp>
+        <p:nvSpPr>
           <p:cNvPr id="5" name="Title 4">
             <a:extLst>
               <a:ext uri="{FF2B5EF4-FFF2-40B4-BE49-F238E27FC236}">
@@ -28484,7 +28778,7 @@
 </p:sld>
 </file>
 
-<file path=ppt/slides/slide41.xml><?xml version="1.0" encoding="utf-8"?>
+<file path=ppt/slides/slide42.xml><?xml version="1.0" encoding="utf-8"?>
 <p:sld xmlns:a="http://schemas.openxmlformats.org/drawingml/2006/main" xmlns:r="http://schemas.openxmlformats.org/officeDocument/2006/relationships" xmlns:p="http://schemas.openxmlformats.org/presentationml/2006/main">
   <p:cSld>
     <p:spTree>
@@ -28517,12 +28811,7 @@
             <p:ph type="title"/>
           </p:nvPr>
         </p:nvSpPr>
-        <p:spPr>
-          <a:xfrm>
-            <a:off x="133817" y="1169"/>
-            <a:ext cx="7611368" cy="680225"/>
-          </a:xfrm>
-        </p:spPr>
+        <p:spPr/>
         <p:txBody>
           <a:bodyPr/>
           <a:lstStyle/>
@@ -28550,12 +28839,7 @@
             <p:ph type="sldNum" sz="quarter" idx="12"/>
           </p:nvPr>
         </p:nvSpPr>
-        <p:spPr>
-          <a:xfrm>
-            <a:off x="8517869" y="6473117"/>
-            <a:ext cx="510928" cy="384883"/>
-          </a:xfrm>
-        </p:spPr>
+        <p:spPr/>
         <p:txBody>
           <a:bodyPr anchor="ctr">
             <a:normAutofit/>
@@ -28574,7 +28858,7 @@
                   <a:spcPts val="600"/>
                 </a:spcAft>
               </a:pPr>
-              <a:t>40</a:t>
+              <a:t>41</a:t>
             </a:fld>
             <a:endParaRPr lang="fr-FR"/>
           </a:p>
@@ -28602,7 +28886,7 @@
         </p:blipFill>
         <p:spPr>
           <a:xfrm>
-            <a:off x="1647547" y="840502"/>
+            <a:off x="1647547" y="1042821"/>
             <a:ext cx="5848905" cy="2832344"/>
           </a:xfrm>
           <a:prstGeom prst="rect">
@@ -29276,7 +29560,7 @@
 </p:sld>
 </file>
 
-<file path=ppt/slides/slide42.xml><?xml version="1.0" encoding="utf-8"?>
+<file path=ppt/slides/slide43.xml><?xml version="1.0" encoding="utf-8"?>
 <p:sld xmlns:a="http://schemas.openxmlformats.org/drawingml/2006/main" xmlns:r="http://schemas.openxmlformats.org/officeDocument/2006/relationships" xmlns:p="http://schemas.openxmlformats.org/presentationml/2006/main">
   <p:cSld>
     <p:spTree>
@@ -29309,12 +29593,7 @@
             <p:ph type="title"/>
           </p:nvPr>
         </p:nvSpPr>
-        <p:spPr>
-          <a:xfrm>
-            <a:off x="133817" y="1169"/>
-            <a:ext cx="7611368" cy="680225"/>
-          </a:xfrm>
-        </p:spPr>
+        <p:spPr/>
         <p:txBody>
           <a:bodyPr/>
           <a:lstStyle/>
@@ -29342,12 +29621,7 @@
             <p:ph type="sldNum" sz="quarter" idx="12"/>
           </p:nvPr>
         </p:nvSpPr>
-        <p:spPr>
-          <a:xfrm>
-            <a:off x="8517869" y="6473117"/>
-            <a:ext cx="510928" cy="384883"/>
-          </a:xfrm>
-        </p:spPr>
+        <p:spPr/>
         <p:txBody>
           <a:bodyPr anchor="ctr">
             <a:normAutofit/>
@@ -29366,7 +29640,7 @@
                   <a:spcPts val="600"/>
                 </a:spcAft>
               </a:pPr>
-              <a:t>41</a:t>
+              <a:t>42</a:t>
             </a:fld>
             <a:endParaRPr lang="fr-FR"/>
           </a:p>
@@ -29394,7 +29668,7 @@
         </p:blipFill>
         <p:spPr>
           <a:xfrm>
-            <a:off x="2098578" y="1296378"/>
+            <a:off x="2098578" y="1496120"/>
             <a:ext cx="4946844" cy="3406023"/>
           </a:xfrm>
           <a:prstGeom prst="rect">
@@ -29416,7 +29690,7 @@
         </p:nvSpPr>
         <p:spPr>
           <a:xfrm>
-            <a:off x="2781060" y="710104"/>
+            <a:off x="2781060" y="957895"/>
             <a:ext cx="3775069" cy="461665"/>
           </a:xfrm>
           <a:prstGeom prst="rect">
@@ -30347,7 +30621,7 @@
 </p:sld>
 </file>
 
-<file path=ppt/slides/slide43.xml><?xml version="1.0" encoding="utf-8"?>
+<file path=ppt/slides/slide44.xml><?xml version="1.0" encoding="utf-8"?>
 <p:sld xmlns:a="http://schemas.openxmlformats.org/drawingml/2006/main" xmlns:r="http://schemas.openxmlformats.org/officeDocument/2006/relationships" xmlns:p="http://schemas.openxmlformats.org/presentationml/2006/main">
   <p:cSld>
     <p:spTree>
@@ -30380,12 +30654,7 @@
             <p:ph type="title"/>
           </p:nvPr>
         </p:nvSpPr>
-        <p:spPr>
-          <a:xfrm>
-            <a:off x="133817" y="1169"/>
-            <a:ext cx="7611368" cy="680225"/>
-          </a:xfrm>
-        </p:spPr>
+        <p:spPr/>
         <p:txBody>
           <a:bodyPr/>
           <a:lstStyle/>
@@ -30413,12 +30682,7 @@
             <p:ph type="sldNum" sz="quarter" idx="12"/>
           </p:nvPr>
         </p:nvSpPr>
-        <p:spPr>
-          <a:xfrm>
-            <a:off x="8517869" y="6473117"/>
-            <a:ext cx="510928" cy="384883"/>
-          </a:xfrm>
-        </p:spPr>
+        <p:spPr/>
         <p:txBody>
           <a:bodyPr anchor="ctr">
             <a:normAutofit/>
@@ -30437,7 +30701,7 @@
                   <a:spcPts val="600"/>
                 </a:spcAft>
               </a:pPr>
-              <a:t>42</a:t>
+              <a:t>43</a:t>
             </a:fld>
             <a:endParaRPr lang="fr-FR"/>
           </a:p>
@@ -30465,7 +30729,7 @@
         </p:blipFill>
         <p:spPr>
           <a:xfrm>
-            <a:off x="2098578" y="1296378"/>
+            <a:off x="2098577" y="1725988"/>
             <a:ext cx="4946844" cy="3406023"/>
           </a:xfrm>
           <a:prstGeom prst="rect">
@@ -30487,7 +30751,7 @@
         </p:nvSpPr>
         <p:spPr>
           <a:xfrm>
-            <a:off x="2781060" y="710104"/>
+            <a:off x="2684464" y="1067956"/>
             <a:ext cx="3775069" cy="461665"/>
           </a:xfrm>
           <a:prstGeom prst="rect">
@@ -30527,7 +30791,7 @@
         </p:nvSpPr>
         <p:spPr>
           <a:xfrm>
-            <a:off x="1891079" y="5084568"/>
+            <a:off x="1891079" y="5171457"/>
             <a:ext cx="5361841" cy="1388549"/>
           </a:xfrm>
           <a:prstGeom prst="rect">
@@ -30587,7 +30851,7 @@
 </p:sld>
 </file>
 
-<file path=ppt/slides/slide44.xml><?xml version="1.0" encoding="utf-8"?>
+<file path=ppt/slides/slide45.xml><?xml version="1.0" encoding="utf-8"?>
 <p:sld xmlns:a="http://schemas.openxmlformats.org/drawingml/2006/main" xmlns:r="http://schemas.openxmlformats.org/officeDocument/2006/relationships" xmlns:p="http://schemas.openxmlformats.org/presentationml/2006/main">
   <p:cSld>
     <p:spTree>
@@ -30656,7 +30920,7 @@
             <a:fld id="{30CCB0C1-2DF4-8B4C-AC0E-201D3DFFEAFD}" type="slidenum">
               <a:rPr lang="fr-FR" smtClean="0"/>
               <a:pPr/>
-              <a:t>43</a:t>
+              <a:t>44</a:t>
             </a:fld>
             <a:endParaRPr lang="fr-FR" dirty="0"/>
           </a:p>
@@ -30799,7 +31063,7 @@
                   <a:spcPts val="600"/>
                 </a:spcAft>
               </a:pPr>
-              <a:t>43</a:t>
+              <a:t>44</a:t>
             </a:fld>
             <a:endParaRPr lang="en-US"/>
           </a:p>
@@ -31593,7 +31857,7 @@
 </p:sld>
 </file>
 
-<file path=ppt/slides/slide45.xml><?xml version="1.0" encoding="utf-8"?>
+<file path=ppt/slides/slide46.xml><?xml version="1.0" encoding="utf-8"?>
 <p:sld xmlns:a="http://schemas.openxmlformats.org/drawingml/2006/main" xmlns:r="http://schemas.openxmlformats.org/officeDocument/2006/relationships" xmlns:p="http://schemas.openxmlformats.org/presentationml/2006/main">
   <p:cSld>
     <p:spTree>
@@ -31662,7 +31926,7 @@
             <a:fld id="{30CCB0C1-2DF4-8B4C-AC0E-201D3DFFEAFD}" type="slidenum">
               <a:rPr lang="fr-FR" smtClean="0"/>
               <a:pPr/>
-              <a:t>44</a:t>
+              <a:t>45</a:t>
             </a:fld>
             <a:endParaRPr lang="fr-FR" dirty="0"/>
           </a:p>
@@ -31805,7 +32069,7 @@
                   <a:spcPts val="600"/>
                 </a:spcAft>
               </a:pPr>
-              <a:t>44</a:t>
+              <a:t>45</a:t>
             </a:fld>
             <a:endParaRPr lang="en-US"/>
           </a:p>
@@ -33692,7 +33956,7 @@
 </p:sld>
 </file>
 
-<file path=ppt/slides/slide46.xml><?xml version="1.0" encoding="utf-8"?>
+<file path=ppt/slides/slide47.xml><?xml version="1.0" encoding="utf-8"?>
 <p:sld xmlns:a="http://schemas.openxmlformats.org/drawingml/2006/main" xmlns:r="http://schemas.openxmlformats.org/officeDocument/2006/relationships" xmlns:p="http://schemas.openxmlformats.org/presentationml/2006/main">
   <p:cSld>
     <p:spTree>
@@ -33761,7 +34025,7 @@
             <a:fld id="{30CCB0C1-2DF4-8B4C-AC0E-201D3DFFEAFD}" type="slidenum">
               <a:rPr lang="fr-FR" smtClean="0"/>
               <a:pPr/>
-              <a:t>45</a:t>
+              <a:t>46</a:t>
             </a:fld>
             <a:endParaRPr lang="fr-FR" dirty="0"/>
           </a:p>
@@ -33904,7 +34168,7 @@
                   <a:spcPts val="600"/>
                 </a:spcAft>
               </a:pPr>
-              <a:t>45</a:t>
+              <a:t>46</a:t>
             </a:fld>
             <a:endParaRPr lang="en-US"/>
           </a:p>
@@ -35880,7 +36144,7 @@
 </p:sld>
 </file>
 
-<file path=ppt/slides/slide47.xml><?xml version="1.0" encoding="utf-8"?>
+<file path=ppt/slides/slide48.xml><?xml version="1.0" encoding="utf-8"?>
 <p:sld xmlns:a="http://schemas.openxmlformats.org/drawingml/2006/main" xmlns:r="http://schemas.openxmlformats.org/officeDocument/2006/relationships" xmlns:p="http://schemas.openxmlformats.org/presentationml/2006/main">
   <p:cSld>
     <p:spTree>
@@ -35913,12 +36177,7 @@
             <p:ph type="title"/>
           </p:nvPr>
         </p:nvSpPr>
-        <p:spPr>
-          <a:xfrm>
-            <a:off x="133817" y="1169"/>
-            <a:ext cx="7611368" cy="680225"/>
-          </a:xfrm>
-        </p:spPr>
+        <p:spPr/>
         <p:txBody>
           <a:bodyPr/>
           <a:lstStyle/>
@@ -35946,12 +36205,7 @@
             <p:ph type="sldNum" sz="quarter" idx="12"/>
           </p:nvPr>
         </p:nvSpPr>
-        <p:spPr>
-          <a:xfrm>
-            <a:off x="8517869" y="6473117"/>
-            <a:ext cx="510928" cy="384883"/>
-          </a:xfrm>
-        </p:spPr>
+        <p:spPr/>
         <p:txBody>
           <a:bodyPr anchor="ctr">
             <a:normAutofit/>
@@ -35970,7 +36224,7 @@
                   <a:spcPts val="600"/>
                 </a:spcAft>
               </a:pPr>
-              <a:t>46</a:t>
+              <a:t>47</a:t>
             </a:fld>
             <a:endParaRPr lang="fr-FR"/>
           </a:p>
@@ -36280,7 +36534,7 @@
 </p:sld>
 </file>
 
-<file path=ppt/slides/slide48.xml><?xml version="1.0" encoding="utf-8"?>
+<file path=ppt/slides/slide49.xml><?xml version="1.0" encoding="utf-8"?>
 <p:sld xmlns:a="http://schemas.openxmlformats.org/drawingml/2006/main" xmlns:r="http://schemas.openxmlformats.org/officeDocument/2006/relationships" xmlns:p="http://schemas.openxmlformats.org/presentationml/2006/main">
   <p:cSld>
     <p:spTree>
@@ -36313,12 +36567,7 @@
             <p:ph type="title"/>
           </p:nvPr>
         </p:nvSpPr>
-        <p:spPr>
-          <a:xfrm>
-            <a:off x="133817" y="1169"/>
-            <a:ext cx="7611368" cy="680225"/>
-          </a:xfrm>
-        </p:spPr>
+        <p:spPr/>
         <p:txBody>
           <a:bodyPr/>
           <a:lstStyle/>
@@ -36354,7 +36603,7 @@
         </p:blipFill>
         <p:spPr>
           <a:xfrm>
-            <a:off x="1405263" y="1145342"/>
+            <a:off x="1405263" y="1176338"/>
             <a:ext cx="6333474" cy="5068887"/>
           </a:xfrm>
         </p:spPr>
@@ -36375,12 +36624,7 @@
             <p:ph type="sldNum" sz="quarter" idx="12"/>
           </p:nvPr>
         </p:nvSpPr>
-        <p:spPr>
-          <a:xfrm>
-            <a:off x="8517869" y="6473117"/>
-            <a:ext cx="510928" cy="384883"/>
-          </a:xfrm>
-        </p:spPr>
+        <p:spPr/>
         <p:txBody>
           <a:bodyPr anchor="ctr">
             <a:normAutofit/>
@@ -36399,7 +36643,7 @@
                   <a:spcPts val="600"/>
                 </a:spcAft>
               </a:pPr>
-              <a:t>47</a:t>
+              <a:t>48</a:t>
             </a:fld>
             <a:endParaRPr lang="fr-FR"/>
           </a:p>
@@ -36418,7 +36662,7 @@
 </p:sld>
 </file>
 
-<file path=ppt/slides/slide49.xml><?xml version="1.0" encoding="utf-8"?>
+<file path=ppt/slides/slide5.xml><?xml version="1.0" encoding="utf-8"?>
 <p:sld xmlns:a="http://schemas.openxmlformats.org/drawingml/2006/main" xmlns:r="http://schemas.openxmlformats.org/officeDocument/2006/relationships" xmlns:p="http://schemas.openxmlformats.org/presentationml/2006/main">
   <p:cSld>
     <p:spTree>
@@ -36437,6 +36681,383 @@
       </p:grpSpPr>
       <p:sp>
         <p:nvSpPr>
+          <p:cNvPr id="7" name="Title 6">
+            <a:extLst>
+              <a:ext uri="{FF2B5EF4-FFF2-40B4-BE49-F238E27FC236}">
+                <a16:creationId xmlns:a16="http://schemas.microsoft.com/office/drawing/2014/main" id="{2E6C7B2B-0282-8C4A-AFFC-8FE8775C7E3B}"/>
+              </a:ext>
+            </a:extLst>
+          </p:cNvPr>
+          <p:cNvSpPr>
+            <a:spLocks noGrp="1"/>
+          </p:cNvSpPr>
+          <p:nvPr>
+            <p:ph type="title"/>
+          </p:nvPr>
+        </p:nvSpPr>
+        <p:spPr/>
+        <p:txBody>
+          <a:bodyPr/>
+          <a:lstStyle/>
+          <a:p>
+            <a:r>
+              <a:rPr lang="en-US" dirty="0"/>
+              <a:t>Problematics</a:t>
+            </a:r>
+          </a:p>
+        </p:txBody>
+      </p:sp>
+      <p:sp>
+        <p:nvSpPr>
+          <p:cNvPr id="3" name="Slide Number Placeholder 2">
+            <a:extLst>
+              <a:ext uri="{FF2B5EF4-FFF2-40B4-BE49-F238E27FC236}">
+                <a16:creationId xmlns:a16="http://schemas.microsoft.com/office/drawing/2014/main" id="{E0C8FE9C-9826-0A4C-8A87-92495E844683}"/>
+              </a:ext>
+            </a:extLst>
+          </p:cNvPr>
+          <p:cNvSpPr>
+            <a:spLocks noGrp="1"/>
+          </p:cNvSpPr>
+          <p:nvPr>
+            <p:ph type="sldNum" sz="quarter" idx="12"/>
+          </p:nvPr>
+        </p:nvSpPr>
+        <p:spPr/>
+        <p:txBody>
+          <a:bodyPr/>
+          <a:lstStyle/>
+          <a:p>
+            <a:fld id="{30CCB0C1-2DF4-8B4C-AC0E-201D3DFFEAFD}" type="slidenum">
+              <a:rPr lang="fr-FR" smtClean="0"/>
+              <a:pPr/>
+              <a:t>4</a:t>
+            </a:fld>
+            <a:endParaRPr lang="fr-FR" dirty="0"/>
+          </a:p>
+        </p:txBody>
+      </p:sp>
+      <p:sp>
+        <p:nvSpPr>
+          <p:cNvPr id="2" name="ZoneTexte 1">
+            <a:extLst>
+              <a:ext uri="{FF2B5EF4-FFF2-40B4-BE49-F238E27FC236}">
+                <a16:creationId xmlns:a16="http://schemas.microsoft.com/office/drawing/2014/main" id="{4FC4047D-F799-3D45-95EA-AF269D6D26E4}"/>
+              </a:ext>
+            </a:extLst>
+          </p:cNvPr>
+          <p:cNvSpPr txBox="1"/>
+          <p:nvPr/>
+        </p:nvSpPr>
+        <p:spPr>
+          <a:xfrm>
+            <a:off x="482287" y="2925141"/>
+            <a:ext cx="5948396" cy="349943"/>
+          </a:xfrm>
+          <a:prstGeom prst="rect">
+            <a:avLst/>
+          </a:prstGeom>
+          <a:noFill/>
+        </p:spPr>
+        <p:txBody>
+          <a:bodyPr wrap="square" rtlCol="0">
+            <a:spAutoFit/>
+          </a:bodyPr>
+          <a:lstStyle/>
+          <a:p>
+            <a:pPr marL="285750" indent="-285750">
+              <a:buFont typeface="Arial" panose="020B0604020202020204" pitchFamily="34" charset="0"/>
+              <a:buChar char="•"/>
+            </a:pPr>
+            <a:endParaRPr lang="fr-FR" dirty="0"/>
+          </a:p>
+        </p:txBody>
+      </p:sp>
+      <p:sp>
+        <p:nvSpPr>
+          <p:cNvPr id="8" name="Ellipse 7">
+            <a:extLst>
+              <a:ext uri="{FF2B5EF4-FFF2-40B4-BE49-F238E27FC236}">
+                <a16:creationId xmlns:a16="http://schemas.microsoft.com/office/drawing/2014/main" id="{5D409891-54DD-A544-BC49-B7219D1AA776}"/>
+              </a:ext>
+            </a:extLst>
+          </p:cNvPr>
+          <p:cNvSpPr/>
+          <p:nvPr/>
+        </p:nvSpPr>
+        <p:spPr>
+          <a:xfrm>
+            <a:off x="306465" y="1157481"/>
+            <a:ext cx="3017792" cy="2940107"/>
+          </a:xfrm>
+          <a:prstGeom prst="ellipse">
+            <a:avLst/>
+          </a:prstGeom>
+          <a:solidFill>
+            <a:schemeClr val="accent1">
+              <a:alpha val="50000"/>
+            </a:schemeClr>
+          </a:solidFill>
+        </p:spPr>
+        <p:style>
+          <a:lnRef idx="2">
+            <a:schemeClr val="accent1">
+              <a:shade val="50000"/>
+            </a:schemeClr>
+          </a:lnRef>
+          <a:fillRef idx="1">
+            <a:schemeClr val="accent1"/>
+          </a:fillRef>
+          <a:effectRef idx="0">
+            <a:schemeClr val="accent1"/>
+          </a:effectRef>
+          <a:fontRef idx="minor">
+            <a:schemeClr val="lt1"/>
+          </a:fontRef>
+        </p:style>
+        <p:txBody>
+          <a:bodyPr rtlCol="0" anchor="ctr"/>
+          <a:lstStyle/>
+          <a:p>
+            <a:r>
+              <a:rPr lang="en-US" dirty="0">
+                <a:solidFill>
+                  <a:schemeClr val="tx1"/>
+                </a:solidFill>
+              </a:rPr>
+              <a:t>Rich User </a:t>
+            </a:r>
+          </a:p>
+          <a:p>
+            <a:r>
+              <a:rPr lang="en-US" dirty="0">
+                <a:solidFill>
+                  <a:schemeClr val="tx1"/>
+                </a:solidFill>
+              </a:rPr>
+              <a:t>Representation</a:t>
+            </a:r>
+          </a:p>
+          <a:p>
+            <a:endParaRPr lang="en-US" dirty="0">
+              <a:solidFill>
+                <a:schemeClr val="tx1"/>
+              </a:solidFill>
+            </a:endParaRPr>
+          </a:p>
+        </p:txBody>
+      </p:sp>
+      <p:sp>
+        <p:nvSpPr>
+          <p:cNvPr id="9" name="ZoneTexte 8">
+            <a:extLst>
+              <a:ext uri="{FF2B5EF4-FFF2-40B4-BE49-F238E27FC236}">
+                <a16:creationId xmlns:a16="http://schemas.microsoft.com/office/drawing/2014/main" id="{1508587F-EEBF-BD4D-8E36-4DD401FC88A6}"/>
+              </a:ext>
+            </a:extLst>
+          </p:cNvPr>
+          <p:cNvSpPr txBox="1"/>
+          <p:nvPr/>
+        </p:nvSpPr>
+        <p:spPr>
+          <a:xfrm>
+            <a:off x="5621310" y="1723869"/>
+            <a:ext cx="3327817" cy="1508105"/>
+          </a:xfrm>
+          <a:prstGeom prst="rect">
+            <a:avLst/>
+          </a:prstGeom>
+          <a:noFill/>
+        </p:spPr>
+        <p:txBody>
+          <a:bodyPr wrap="square" rtlCol="0">
+            <a:spAutoFit/>
+          </a:bodyPr>
+          <a:lstStyle/>
+          <a:p>
+            <a:r>
+              <a:rPr lang="en-US" sz="2000" b="1" dirty="0">
+                <a:solidFill>
+                  <a:schemeClr val="accent1"/>
+                </a:solidFill>
+              </a:rPr>
+              <a:t>What</a:t>
+            </a:r>
+          </a:p>
+          <a:p>
+            <a:pPr marL="285750" indent="-285750">
+              <a:buFont typeface="Arial" panose="020B0604020202020204" pitchFamily="34" charset="0"/>
+              <a:buChar char="•"/>
+            </a:pPr>
+            <a:r>
+              <a:rPr lang="en-US" dirty="0"/>
+              <a:t>Understand the users’ tastes</a:t>
+            </a:r>
+          </a:p>
+          <a:p>
+            <a:pPr marL="285750" indent="-285750">
+              <a:buFont typeface="Arial" panose="020B0604020202020204" pitchFamily="34" charset="0"/>
+              <a:buChar char="•"/>
+            </a:pPr>
+            <a:r>
+              <a:rPr lang="en-US" dirty="0"/>
+              <a:t>Model diversity and complexity of their profiles</a:t>
+            </a:r>
+          </a:p>
+          <a:p>
+            <a:pPr marL="285750" indent="-285750">
+              <a:buFont typeface="Arial" panose="020B0604020202020204" pitchFamily="34" charset="0"/>
+              <a:buChar char="•"/>
+            </a:pPr>
+            <a:endParaRPr lang="en-US" dirty="0"/>
+          </a:p>
+        </p:txBody>
+      </p:sp>
+      <p:sp>
+        <p:nvSpPr>
+          <p:cNvPr id="10" name="ZoneTexte 9">
+            <a:extLst>
+              <a:ext uri="{FF2B5EF4-FFF2-40B4-BE49-F238E27FC236}">
+                <a16:creationId xmlns:a16="http://schemas.microsoft.com/office/drawing/2014/main" id="{CFE6C4E3-7E1F-7F48-9536-ED40319004B8}"/>
+              </a:ext>
+            </a:extLst>
+          </p:cNvPr>
+          <p:cNvSpPr txBox="1"/>
+          <p:nvPr/>
+        </p:nvSpPr>
+        <p:spPr>
+          <a:xfrm>
+            <a:off x="5621309" y="3553026"/>
+            <a:ext cx="3327817" cy="954107"/>
+          </a:xfrm>
+          <a:prstGeom prst="rect">
+            <a:avLst/>
+          </a:prstGeom>
+          <a:noFill/>
+        </p:spPr>
+        <p:txBody>
+          <a:bodyPr wrap="square" rtlCol="0">
+            <a:spAutoFit/>
+          </a:bodyPr>
+          <a:lstStyle/>
+          <a:p>
+            <a:r>
+              <a:rPr lang="en-US" sz="2000" b="1" dirty="0">
+                <a:solidFill>
+                  <a:schemeClr val="accent1"/>
+                </a:solidFill>
+              </a:rPr>
+              <a:t>How</a:t>
+            </a:r>
+          </a:p>
+          <a:p>
+            <a:pPr marL="285750" indent="-285750">
+              <a:buFont typeface="Arial" panose="020B0604020202020204" pitchFamily="34" charset="0"/>
+              <a:buChar char="•"/>
+            </a:pPr>
+            <a:r>
+              <a:rPr lang="en-US" dirty="0"/>
+              <a:t>Recommendation [1], [2]</a:t>
+            </a:r>
+          </a:p>
+          <a:p>
+            <a:pPr marL="285750" indent="-285750">
+              <a:buFont typeface="Arial" panose="020B0604020202020204" pitchFamily="34" charset="0"/>
+              <a:buChar char="•"/>
+            </a:pPr>
+            <a:r>
+              <a:rPr lang="en-US" b="1" dirty="0"/>
+              <a:t>Representation Learning</a:t>
+            </a:r>
+          </a:p>
+        </p:txBody>
+      </p:sp>
+      <p:sp>
+        <p:nvSpPr>
+          <p:cNvPr id="11" name="ZoneTexte 10">
+            <a:extLst>
+              <a:ext uri="{FF2B5EF4-FFF2-40B4-BE49-F238E27FC236}">
+                <a16:creationId xmlns:a16="http://schemas.microsoft.com/office/drawing/2014/main" id="{AE763C97-BBD9-9F4B-8E17-1D4DB121A00F}"/>
+              </a:ext>
+            </a:extLst>
+          </p:cNvPr>
+          <p:cNvSpPr txBox="1"/>
+          <p:nvPr/>
+        </p:nvSpPr>
+        <p:spPr>
+          <a:xfrm>
+            <a:off x="0" y="6375340"/>
+            <a:ext cx="5277535" cy="369332"/>
+          </a:xfrm>
+          <a:prstGeom prst="rect">
+            <a:avLst/>
+          </a:prstGeom>
+          <a:noFill/>
+        </p:spPr>
+        <p:txBody>
+          <a:bodyPr wrap="none" rtlCol="0">
+            <a:spAutoFit/>
+          </a:bodyPr>
+          <a:lstStyle/>
+          <a:p>
+            <a:r>
+              <a:rPr lang="en-US" i="1" dirty="0">
+                <a:solidFill>
+                  <a:schemeClr val="tx1">
+                    <a:lumMod val="75000"/>
+                    <a:lumOff val="25000"/>
+                  </a:schemeClr>
+                </a:solidFill>
+              </a:rPr>
+              <a:t>[1] J. McAuley et al., 2012, [2] J. McAuley et al., 2013 </a:t>
+            </a:r>
+          </a:p>
+        </p:txBody>
+      </p:sp>
+    </p:spTree>
+    <p:extLst>
+      <p:ext uri="{BB962C8B-B14F-4D97-AF65-F5344CB8AC3E}">
+        <p14:creationId xmlns:p14="http://schemas.microsoft.com/office/powerpoint/2010/main" val="3978176644"/>
+      </p:ext>
+    </p:extLst>
+  </p:cSld>
+  <p:clrMapOvr>
+    <a:masterClrMapping/>
+  </p:clrMapOvr>
+  <mc:AlternateContent xmlns:mc="http://schemas.openxmlformats.org/markup-compatibility/2006" xmlns:p14="http://schemas.microsoft.com/office/powerpoint/2010/main">
+    <mc:Choice Requires="p14">
+      <p:transition p14:dur="300" advTm="57465">
+        <p:fade/>
+      </p:transition>
+    </mc:Choice>
+    <mc:Fallback xmlns="">
+      <p:transition advTm="57465">
+        <p:fade/>
+      </p:transition>
+    </mc:Fallback>
+  </mc:AlternateContent>
+</p:sld>
+</file>
+
+<file path=ppt/slides/slide50.xml><?xml version="1.0" encoding="utf-8"?>
+<p:sld xmlns:a="http://schemas.openxmlformats.org/drawingml/2006/main" xmlns:r="http://schemas.openxmlformats.org/officeDocument/2006/relationships" xmlns:p="http://schemas.openxmlformats.org/presentationml/2006/main">
+  <p:cSld>
+    <p:spTree>
+      <p:nvGrpSpPr>
+        <p:cNvPr id="1" name=""/>
+        <p:cNvGrpSpPr/>
+        <p:nvPr/>
+      </p:nvGrpSpPr>
+      <p:grpSpPr>
+        <a:xfrm>
+          <a:off x="0" y="0"/>
+          <a:ext cx="0" cy="0"/>
+          <a:chOff x="0" y="0"/>
+          <a:chExt cx="0" cy="0"/>
+        </a:xfrm>
+      </p:grpSpPr>
+      <p:sp>
+        <p:nvSpPr>
           <p:cNvPr id="8" name="Title 1">
             <a:extLst>
               <a:ext uri="{FF2B5EF4-FFF2-40B4-BE49-F238E27FC236}">
@@ -36451,12 +37072,7 @@
             <p:ph type="title"/>
           </p:nvPr>
         </p:nvSpPr>
-        <p:spPr>
-          <a:xfrm>
-            <a:off x="133817" y="1169"/>
-            <a:ext cx="7611368" cy="680225"/>
-          </a:xfrm>
-        </p:spPr>
+        <p:spPr/>
         <p:txBody>
           <a:bodyPr/>
           <a:lstStyle/>
@@ -36484,12 +37100,7 @@
             <p:ph type="sldNum" sz="quarter" idx="12"/>
           </p:nvPr>
         </p:nvSpPr>
-        <p:spPr>
-          <a:xfrm>
-            <a:off x="8517869" y="6473117"/>
-            <a:ext cx="510928" cy="384883"/>
-          </a:xfrm>
-        </p:spPr>
+        <p:spPr/>
         <p:txBody>
           <a:bodyPr anchor="ctr">
             <a:normAutofit/>
@@ -36508,45 +37119,9 @@
                   <a:spcPts val="600"/>
                 </a:spcAft>
               </a:pPr>
-              <a:t>48</a:t>
+              <a:t>49</a:t>
             </a:fld>
             <a:endParaRPr lang="en-US"/>
-          </a:p>
-        </p:txBody>
-      </p:sp>
-      <p:sp>
-        <p:nvSpPr>
-          <p:cNvPr id="4" name="Espace réservé du contenu 3">
-            <a:extLst>
-              <a:ext uri="{FF2B5EF4-FFF2-40B4-BE49-F238E27FC236}">
-                <a16:creationId xmlns:a16="http://schemas.microsoft.com/office/drawing/2014/main" id="{02333AB2-8A8D-7342-84A8-1358DCA3878D}"/>
-              </a:ext>
-            </a:extLst>
-          </p:cNvPr>
-          <p:cNvSpPr>
-            <a:spLocks noGrp="1"/>
-          </p:cNvSpPr>
-          <p:nvPr>
-            <p:ph idx="1"/>
-          </p:nvPr>
-        </p:nvSpPr>
-        <p:spPr>
-          <a:xfrm>
-            <a:off x="1177325" y="1515180"/>
-            <a:ext cx="1731480" cy="645765"/>
-          </a:xfrm>
-        </p:spPr>
-        <p:txBody>
-          <a:bodyPr/>
-          <a:lstStyle/>
-          <a:p>
-            <a:pPr marL="0" indent="0" algn="ctr">
-              <a:buNone/>
-            </a:pPr>
-            <a:r>
-              <a:rPr lang="en-US"/>
-              <a:t>Noisy Data </a:t>
-            </a:r>
           </a:p>
         </p:txBody>
       </p:sp>
@@ -36996,6 +37571,250 @@
           </a:p>
         </p:txBody>
       </p:sp>
+      <p:sp>
+        <p:nvSpPr>
+          <p:cNvPr id="12" name="Espace réservé du contenu 3">
+            <a:extLst>
+              <a:ext uri="{FF2B5EF4-FFF2-40B4-BE49-F238E27FC236}">
+                <a16:creationId xmlns:a16="http://schemas.microsoft.com/office/drawing/2014/main" id="{CED7AA53-65AC-C44A-B6DD-E2DF18E4EEA2}"/>
+              </a:ext>
+            </a:extLst>
+          </p:cNvPr>
+          <p:cNvSpPr txBox="1">
+            <a:spLocks/>
+          </p:cNvSpPr>
+          <p:nvPr/>
+        </p:nvSpPr>
+        <p:spPr>
+          <a:xfrm>
+            <a:off x="1177325" y="1515180"/>
+            <a:ext cx="1731480" cy="645765"/>
+          </a:xfrm>
+          <a:prstGeom prst="rect">
+            <a:avLst/>
+          </a:prstGeom>
+        </p:spPr>
+        <p:txBody>
+          <a:bodyPr vert="horz" lIns="91440" tIns="45720" rIns="91440" bIns="45720" rtlCol="0" anchor="ctr">
+            <a:normAutofit/>
+          </a:bodyPr>
+          <a:lstStyle>
+            <a:lvl1pPr marL="228600" marR="0" indent="-228600" algn="l" defTabSz="914400" rtl="0" eaLnBrk="1" fontAlgn="auto" latinLnBrk="0" hangingPunct="1">
+              <a:lnSpc>
+                <a:spcPct val="90000"/>
+              </a:lnSpc>
+              <a:spcBef>
+                <a:spcPts val="1000"/>
+              </a:spcBef>
+              <a:spcAft>
+                <a:spcPts val="0"/>
+              </a:spcAft>
+              <a:buClrTx/>
+              <a:buSzPct val="90000"/>
+              <a:buFont typeface="Menlo-Regular" charset="0"/>
+              <a:buChar char="➜"/>
+              <a:tabLst/>
+              <a:defRPr sz="2200" kern="1200">
+                <a:solidFill>
+                  <a:schemeClr val="tx2">
+                    <a:lumMod val="75000"/>
+                  </a:schemeClr>
+                </a:solidFill>
+                <a:latin typeface="+mn-lt"/>
+                <a:ea typeface="+mn-ea"/>
+                <a:cs typeface="+mn-cs"/>
+              </a:defRPr>
+            </a:lvl1pPr>
+            <a:lvl2pPr marL="685800" marR="0" indent="-228600" algn="l" defTabSz="914400" rtl="0" eaLnBrk="1" fontAlgn="auto" latinLnBrk="0" hangingPunct="1">
+              <a:lnSpc>
+                <a:spcPct val="90000"/>
+              </a:lnSpc>
+              <a:spcBef>
+                <a:spcPts val="500"/>
+              </a:spcBef>
+              <a:spcAft>
+                <a:spcPts val="0"/>
+              </a:spcAft>
+              <a:buClrTx/>
+              <a:buSzPct val="90000"/>
+              <a:buFont typeface="Menlo-Regular" charset="0"/>
+              <a:buChar char="➜"/>
+              <a:tabLst/>
+              <a:defRPr sz="2050" kern="1200">
+                <a:solidFill>
+                  <a:schemeClr val="tx2">
+                    <a:lumMod val="75000"/>
+                  </a:schemeClr>
+                </a:solidFill>
+                <a:latin typeface="+mn-lt"/>
+                <a:ea typeface="+mn-ea"/>
+                <a:cs typeface="+mn-cs"/>
+              </a:defRPr>
+            </a:lvl2pPr>
+            <a:lvl3pPr marL="1143000" marR="0" indent="-228600" algn="l" defTabSz="914400" rtl="0" eaLnBrk="1" fontAlgn="auto" latinLnBrk="0" hangingPunct="1">
+              <a:lnSpc>
+                <a:spcPct val="90000"/>
+              </a:lnSpc>
+              <a:spcBef>
+                <a:spcPts val="500"/>
+              </a:spcBef>
+              <a:spcAft>
+                <a:spcPts val="0"/>
+              </a:spcAft>
+              <a:buClrTx/>
+              <a:buSzPct val="90000"/>
+              <a:buFont typeface="Menlo-Regular" charset="0"/>
+              <a:buChar char="➜"/>
+              <a:tabLst/>
+              <a:defRPr sz="1900" kern="1200">
+                <a:solidFill>
+                  <a:schemeClr val="tx2">
+                    <a:lumMod val="75000"/>
+                  </a:schemeClr>
+                </a:solidFill>
+                <a:latin typeface="+mn-lt"/>
+                <a:ea typeface="+mn-ea"/>
+                <a:cs typeface="+mn-cs"/>
+              </a:defRPr>
+            </a:lvl3pPr>
+            <a:lvl4pPr marL="1600200" marR="0" indent="-228600" algn="l" defTabSz="914400" rtl="0" eaLnBrk="1" fontAlgn="auto" latinLnBrk="0" hangingPunct="1">
+              <a:lnSpc>
+                <a:spcPct val="90000"/>
+              </a:lnSpc>
+              <a:spcBef>
+                <a:spcPts val="500"/>
+              </a:spcBef>
+              <a:spcAft>
+                <a:spcPts val="0"/>
+              </a:spcAft>
+              <a:buClrTx/>
+              <a:buSzPct val="90000"/>
+              <a:buFont typeface="Menlo-Regular" charset="0"/>
+              <a:buChar char="➜"/>
+              <a:tabLst/>
+              <a:defRPr sz="1700" kern="1200">
+                <a:solidFill>
+                  <a:schemeClr val="tx2">
+                    <a:lumMod val="75000"/>
+                  </a:schemeClr>
+                </a:solidFill>
+                <a:latin typeface="+mn-lt"/>
+                <a:ea typeface="+mn-ea"/>
+                <a:cs typeface="+mn-cs"/>
+              </a:defRPr>
+            </a:lvl4pPr>
+            <a:lvl5pPr marL="2057400" marR="0" indent="-228600" algn="l" defTabSz="914400" rtl="0" eaLnBrk="1" fontAlgn="auto" latinLnBrk="0" hangingPunct="1">
+              <a:lnSpc>
+                <a:spcPct val="90000"/>
+              </a:lnSpc>
+              <a:spcBef>
+                <a:spcPts val="500"/>
+              </a:spcBef>
+              <a:spcAft>
+                <a:spcPts val="0"/>
+              </a:spcAft>
+              <a:buClrTx/>
+              <a:buSzPct val="90000"/>
+              <a:buFont typeface="Menlo-Regular" charset="0"/>
+              <a:buChar char="➜"/>
+              <a:tabLst/>
+              <a:defRPr sz="1600" kern="1200">
+                <a:solidFill>
+                  <a:schemeClr val="tx2">
+                    <a:lumMod val="75000"/>
+                  </a:schemeClr>
+                </a:solidFill>
+                <a:latin typeface="+mn-lt"/>
+                <a:ea typeface="+mn-ea"/>
+                <a:cs typeface="+mn-cs"/>
+              </a:defRPr>
+            </a:lvl5pPr>
+            <a:lvl6pPr marL="2514600" indent="-228600" algn="l" defTabSz="914400" rtl="0" eaLnBrk="1" latinLnBrk="0" hangingPunct="1">
+              <a:lnSpc>
+                <a:spcPct val="90000"/>
+              </a:lnSpc>
+              <a:spcBef>
+                <a:spcPts val="500"/>
+              </a:spcBef>
+              <a:buFont typeface="Arial" panose="020B0604020202020204" pitchFamily="34" charset="0"/>
+              <a:buChar char="•"/>
+              <a:defRPr sz="1800" kern="1200">
+                <a:solidFill>
+                  <a:schemeClr val="tx1"/>
+                </a:solidFill>
+                <a:latin typeface="+mn-lt"/>
+                <a:ea typeface="+mn-ea"/>
+                <a:cs typeface="+mn-cs"/>
+              </a:defRPr>
+            </a:lvl6pPr>
+            <a:lvl7pPr marL="2971800" indent="-228600" algn="l" defTabSz="914400" rtl="0" eaLnBrk="1" latinLnBrk="0" hangingPunct="1">
+              <a:lnSpc>
+                <a:spcPct val="90000"/>
+              </a:lnSpc>
+              <a:spcBef>
+                <a:spcPts val="500"/>
+              </a:spcBef>
+              <a:buFont typeface="Arial" panose="020B0604020202020204" pitchFamily="34" charset="0"/>
+              <a:buChar char="•"/>
+              <a:defRPr sz="1800" kern="1200">
+                <a:solidFill>
+                  <a:schemeClr val="tx1"/>
+                </a:solidFill>
+                <a:latin typeface="+mn-lt"/>
+                <a:ea typeface="+mn-ea"/>
+                <a:cs typeface="+mn-cs"/>
+              </a:defRPr>
+            </a:lvl7pPr>
+            <a:lvl8pPr marL="3429000" indent="-228600" algn="l" defTabSz="914400" rtl="0" eaLnBrk="1" latinLnBrk="0" hangingPunct="1">
+              <a:lnSpc>
+                <a:spcPct val="90000"/>
+              </a:lnSpc>
+              <a:spcBef>
+                <a:spcPts val="500"/>
+              </a:spcBef>
+              <a:buFont typeface="Arial" panose="020B0604020202020204" pitchFamily="34" charset="0"/>
+              <a:buChar char="•"/>
+              <a:defRPr sz="1800" kern="1200">
+                <a:solidFill>
+                  <a:schemeClr val="tx1"/>
+                </a:solidFill>
+                <a:latin typeface="+mn-lt"/>
+                <a:ea typeface="+mn-ea"/>
+                <a:cs typeface="+mn-cs"/>
+              </a:defRPr>
+            </a:lvl8pPr>
+            <a:lvl9pPr marL="3886200" indent="-228600" algn="l" defTabSz="914400" rtl="0" eaLnBrk="1" latinLnBrk="0" hangingPunct="1">
+              <a:lnSpc>
+                <a:spcPct val="90000"/>
+              </a:lnSpc>
+              <a:spcBef>
+                <a:spcPts val="500"/>
+              </a:spcBef>
+              <a:buFont typeface="Arial" panose="020B0604020202020204" pitchFamily="34" charset="0"/>
+              <a:buChar char="•"/>
+              <a:defRPr sz="1800" kern="1200">
+                <a:solidFill>
+                  <a:schemeClr val="tx1"/>
+                </a:solidFill>
+                <a:latin typeface="+mn-lt"/>
+                <a:ea typeface="+mn-ea"/>
+                <a:cs typeface="+mn-cs"/>
+              </a:defRPr>
+            </a:lvl9pPr>
+          </a:lstStyle>
+          <a:p>
+            <a:pPr marL="0" indent="0" algn="ctr">
+              <a:buFont typeface="Menlo-Regular" charset="0"/>
+              <a:buNone/>
+            </a:pPr>
+            <a:r>
+              <a:rPr lang="en-US"/>
+              <a:t>Noisy Data </a:t>
+            </a:r>
+            <a:endParaRPr lang="en-US" dirty="0"/>
+          </a:p>
+        </p:txBody>
+      </p:sp>
     </p:spTree>
     <p:extLst>
       <p:ext uri="{BB962C8B-B14F-4D97-AF65-F5344CB8AC3E}">
@@ -37095,7 +37914,7 @@
 </p:sld>
 </file>
 
-<file path=ppt/slides/slide5.xml><?xml version="1.0" encoding="utf-8"?>
+<file path=ppt/slides/slide51.xml><?xml version="1.0" encoding="utf-8"?>
 <p:sld xmlns:a="http://schemas.openxmlformats.org/drawingml/2006/main" xmlns:r="http://schemas.openxmlformats.org/officeDocument/2006/relationships" xmlns:p="http://schemas.openxmlformats.org/presentationml/2006/main">
   <p:cSld>
     <p:spTree>
@@ -37114,255 +37933,6 @@
       </p:grpSpPr>
       <p:sp>
         <p:nvSpPr>
-          <p:cNvPr id="7" name="Title 6">
-            <a:extLst>
-              <a:ext uri="{FF2B5EF4-FFF2-40B4-BE49-F238E27FC236}">
-                <a16:creationId xmlns:a16="http://schemas.microsoft.com/office/drawing/2014/main" id="{2E6C7B2B-0282-8C4A-AFFC-8FE8775C7E3B}"/>
-              </a:ext>
-            </a:extLst>
-          </p:cNvPr>
-          <p:cNvSpPr>
-            <a:spLocks noGrp="1"/>
-          </p:cNvSpPr>
-          <p:nvPr>
-            <p:ph type="title"/>
-          </p:nvPr>
-        </p:nvSpPr>
-        <p:spPr/>
-        <p:txBody>
-          <a:bodyPr/>
-          <a:lstStyle/>
-          <a:p>
-            <a:r>
-              <a:rPr lang="en-US" dirty="0"/>
-              <a:t>Problematics</a:t>
-            </a:r>
-          </a:p>
-        </p:txBody>
-      </p:sp>
-      <p:sp>
-        <p:nvSpPr>
-          <p:cNvPr id="3" name="Slide Number Placeholder 2">
-            <a:extLst>
-              <a:ext uri="{FF2B5EF4-FFF2-40B4-BE49-F238E27FC236}">
-                <a16:creationId xmlns:a16="http://schemas.microsoft.com/office/drawing/2014/main" id="{E0C8FE9C-9826-0A4C-8A87-92495E844683}"/>
-              </a:ext>
-            </a:extLst>
-          </p:cNvPr>
-          <p:cNvSpPr>
-            <a:spLocks noGrp="1"/>
-          </p:cNvSpPr>
-          <p:nvPr>
-            <p:ph type="sldNum" sz="quarter" idx="12"/>
-          </p:nvPr>
-        </p:nvSpPr>
-        <p:spPr/>
-        <p:txBody>
-          <a:bodyPr/>
-          <a:lstStyle/>
-          <a:p>
-            <a:fld id="{30CCB0C1-2DF4-8B4C-AC0E-201D3DFFEAFD}" type="slidenum">
-              <a:rPr lang="fr-FR" smtClean="0"/>
-              <a:pPr/>
-              <a:t>4</a:t>
-            </a:fld>
-            <a:endParaRPr lang="fr-FR" dirty="0"/>
-          </a:p>
-        </p:txBody>
-      </p:sp>
-      <p:sp>
-        <p:nvSpPr>
-          <p:cNvPr id="2" name="ZoneTexte 1">
-            <a:extLst>
-              <a:ext uri="{FF2B5EF4-FFF2-40B4-BE49-F238E27FC236}">
-                <a16:creationId xmlns:a16="http://schemas.microsoft.com/office/drawing/2014/main" id="{4FC4047D-F799-3D45-95EA-AF269D6D26E4}"/>
-              </a:ext>
-            </a:extLst>
-          </p:cNvPr>
-          <p:cNvSpPr txBox="1"/>
-          <p:nvPr/>
-        </p:nvSpPr>
-        <p:spPr>
-          <a:xfrm>
-            <a:off x="482287" y="2925141"/>
-            <a:ext cx="5948396" cy="349943"/>
-          </a:xfrm>
-          <a:prstGeom prst="rect">
-            <a:avLst/>
-          </a:prstGeom>
-          <a:noFill/>
-        </p:spPr>
-        <p:txBody>
-          <a:bodyPr wrap="square" rtlCol="0">
-            <a:spAutoFit/>
-          </a:bodyPr>
-          <a:lstStyle/>
-          <a:p>
-            <a:pPr marL="285750" indent="-285750">
-              <a:buFont typeface="Arial" panose="020B0604020202020204" pitchFamily="34" charset="0"/>
-              <a:buChar char="•"/>
-            </a:pPr>
-            <a:endParaRPr lang="fr-FR" dirty="0"/>
-          </a:p>
-        </p:txBody>
-      </p:sp>
-      <p:sp>
-        <p:nvSpPr>
-          <p:cNvPr id="5" name="ZoneTexte 4">
-            <a:extLst>
-              <a:ext uri="{FF2B5EF4-FFF2-40B4-BE49-F238E27FC236}">
-                <a16:creationId xmlns:a16="http://schemas.microsoft.com/office/drawing/2014/main" id="{E70C3154-9FDB-014E-AFAF-93326B395E61}"/>
-              </a:ext>
-            </a:extLst>
-          </p:cNvPr>
-          <p:cNvSpPr txBox="1"/>
-          <p:nvPr/>
-        </p:nvSpPr>
-        <p:spPr>
-          <a:xfrm>
-            <a:off x="4483510" y="5633884"/>
-            <a:ext cx="2249334" cy="369332"/>
-          </a:xfrm>
-          <a:prstGeom prst="rect">
-            <a:avLst/>
-          </a:prstGeom>
-          <a:noFill/>
-        </p:spPr>
-        <p:txBody>
-          <a:bodyPr wrap="none" rtlCol="0">
-            <a:spAutoFit/>
-          </a:bodyPr>
-          <a:lstStyle/>
-          <a:p>
-            <a:r>
-              <a:rPr lang="en-US" dirty="0">
-                <a:solidFill>
-                  <a:srgbClr val="D74F4A"/>
-                </a:solidFill>
-              </a:rPr>
-              <a:t>Multi aspect learning</a:t>
-            </a:r>
-          </a:p>
-        </p:txBody>
-      </p:sp>
-      <p:sp>
-        <p:nvSpPr>
-          <p:cNvPr id="8" name="Ellipse 7">
-            <a:extLst>
-              <a:ext uri="{FF2B5EF4-FFF2-40B4-BE49-F238E27FC236}">
-                <a16:creationId xmlns:a16="http://schemas.microsoft.com/office/drawing/2014/main" id="{5D409891-54DD-A544-BC49-B7219D1AA776}"/>
-              </a:ext>
-            </a:extLst>
-          </p:cNvPr>
-          <p:cNvSpPr/>
-          <p:nvPr/>
-        </p:nvSpPr>
-        <p:spPr>
-          <a:xfrm>
-            <a:off x="306465" y="1157481"/>
-            <a:ext cx="3017792" cy="2940107"/>
-          </a:xfrm>
-          <a:prstGeom prst="ellipse">
-            <a:avLst/>
-          </a:prstGeom>
-          <a:solidFill>
-            <a:schemeClr val="accent1">
-              <a:alpha val="50000"/>
-            </a:schemeClr>
-          </a:solidFill>
-        </p:spPr>
-        <p:style>
-          <a:lnRef idx="2">
-            <a:schemeClr val="accent1">
-              <a:shade val="50000"/>
-            </a:schemeClr>
-          </a:lnRef>
-          <a:fillRef idx="1">
-            <a:schemeClr val="accent1"/>
-          </a:fillRef>
-          <a:effectRef idx="0">
-            <a:schemeClr val="accent1"/>
-          </a:effectRef>
-          <a:fontRef idx="minor">
-            <a:schemeClr val="lt1"/>
-          </a:fontRef>
-        </p:style>
-        <p:txBody>
-          <a:bodyPr rtlCol="0" anchor="ctr"/>
-          <a:lstStyle/>
-          <a:p>
-            <a:r>
-              <a:rPr lang="en-US" dirty="0">
-                <a:solidFill>
-                  <a:schemeClr val="tx1"/>
-                </a:solidFill>
-              </a:rPr>
-              <a:t>Rich User </a:t>
-            </a:r>
-          </a:p>
-          <a:p>
-            <a:r>
-              <a:rPr lang="en-US" dirty="0">
-                <a:solidFill>
-                  <a:schemeClr val="tx1"/>
-                </a:solidFill>
-              </a:rPr>
-              <a:t>Representation</a:t>
-            </a:r>
-          </a:p>
-          <a:p>
-            <a:endParaRPr lang="en-US" dirty="0">
-              <a:solidFill>
-                <a:schemeClr val="tx1"/>
-              </a:solidFill>
-            </a:endParaRPr>
-          </a:p>
-        </p:txBody>
-      </p:sp>
-    </p:spTree>
-    <p:extLst>
-      <p:ext uri="{BB962C8B-B14F-4D97-AF65-F5344CB8AC3E}">
-        <p14:creationId xmlns:p14="http://schemas.microsoft.com/office/powerpoint/2010/main" val="3978176644"/>
-      </p:ext>
-    </p:extLst>
-  </p:cSld>
-  <p:clrMapOvr>
-    <a:masterClrMapping/>
-  </p:clrMapOvr>
-  <mc:AlternateContent xmlns:mc="http://schemas.openxmlformats.org/markup-compatibility/2006" xmlns:p14="http://schemas.microsoft.com/office/powerpoint/2010/main">
-    <mc:Choice Requires="p14">
-      <p:transition p14:dur="300" advTm="57465">
-        <p:fade/>
-      </p:transition>
-    </mc:Choice>
-    <mc:Fallback xmlns="">
-      <p:transition advTm="57465">
-        <p:fade/>
-      </p:transition>
-    </mc:Fallback>
-  </mc:AlternateContent>
-</p:sld>
-</file>
-
-<file path=ppt/slides/slide50.xml><?xml version="1.0" encoding="utf-8"?>
-<p:sld xmlns:a="http://schemas.openxmlformats.org/drawingml/2006/main" xmlns:r="http://schemas.openxmlformats.org/officeDocument/2006/relationships" xmlns:p="http://schemas.openxmlformats.org/presentationml/2006/main">
-  <p:cSld>
-    <p:spTree>
-      <p:nvGrpSpPr>
-        <p:cNvPr id="1" name=""/>
-        <p:cNvGrpSpPr/>
-        <p:nvPr/>
-      </p:nvGrpSpPr>
-      <p:grpSpPr>
-        <a:xfrm>
-          <a:off x="0" y="0"/>
-          <a:ext cx="0" cy="0"/>
-          <a:chOff x="0" y="0"/>
-          <a:chExt cx="0" cy="0"/>
-        </a:xfrm>
-      </p:grpSpPr>
-      <p:sp>
-        <p:nvSpPr>
           <p:cNvPr id="8" name="Title 1">
             <a:extLst>
               <a:ext uri="{FF2B5EF4-FFF2-40B4-BE49-F238E27FC236}">
@@ -37377,12 +37947,7 @@
             <p:ph type="title"/>
           </p:nvPr>
         </p:nvSpPr>
-        <p:spPr>
-          <a:xfrm>
-            <a:off x="133817" y="1169"/>
-            <a:ext cx="7611368" cy="680225"/>
-          </a:xfrm>
-        </p:spPr>
+        <p:spPr/>
         <p:txBody>
           <a:bodyPr/>
           <a:lstStyle/>
@@ -37410,12 +37975,7 @@
             <p:ph type="sldNum" sz="quarter" idx="12"/>
           </p:nvPr>
         </p:nvSpPr>
-        <p:spPr>
-          <a:xfrm>
-            <a:off x="8517869" y="6473117"/>
-            <a:ext cx="510928" cy="384883"/>
-          </a:xfrm>
-        </p:spPr>
+        <p:spPr/>
         <p:txBody>
           <a:bodyPr anchor="ctr">
             <a:normAutofit/>
@@ -37434,45 +37994,9 @@
                   <a:spcPts val="600"/>
                 </a:spcAft>
               </a:pPr>
-              <a:t>49</a:t>
+              <a:t>50</a:t>
             </a:fld>
             <a:endParaRPr lang="en-US"/>
-          </a:p>
-        </p:txBody>
-      </p:sp>
-      <p:sp>
-        <p:nvSpPr>
-          <p:cNvPr id="4" name="Espace réservé du contenu 3">
-            <a:extLst>
-              <a:ext uri="{FF2B5EF4-FFF2-40B4-BE49-F238E27FC236}">
-                <a16:creationId xmlns:a16="http://schemas.microsoft.com/office/drawing/2014/main" id="{02333AB2-8A8D-7342-84A8-1358DCA3878D}"/>
-              </a:ext>
-            </a:extLst>
-          </p:cNvPr>
-          <p:cNvSpPr>
-            <a:spLocks noGrp="1"/>
-          </p:cNvSpPr>
-          <p:nvPr>
-            <p:ph idx="1"/>
-          </p:nvPr>
-        </p:nvSpPr>
-        <p:spPr>
-          <a:xfrm>
-            <a:off x="1177325" y="1515180"/>
-            <a:ext cx="1731480" cy="645765"/>
-          </a:xfrm>
-        </p:spPr>
-        <p:txBody>
-          <a:bodyPr/>
-          <a:lstStyle/>
-          <a:p>
-            <a:pPr marL="0" indent="0" algn="ctr">
-              <a:buNone/>
-            </a:pPr>
-            <a:r>
-              <a:rPr lang="en-US"/>
-              <a:t>Noisy Data </a:t>
-            </a:r>
           </a:p>
         </p:txBody>
       </p:sp>
@@ -38863,7 +39387,7 @@
           </p:cNvPr>
           <p:cNvCxnSpPr>
             <a:cxnSpLocks/>
-            <a:stCxn id="4" idx="2"/>
+            <a:stCxn id="19" idx="2"/>
             <a:endCxn id="16" idx="0"/>
           </p:cNvCxnSpPr>
           <p:nvPr/>
@@ -38976,6 +39500,249 @@
             <a:r>
               <a:rPr lang="en-US"/>
               <a:t>No supervision on the experience level</a:t>
+            </a:r>
+          </a:p>
+        </p:txBody>
+      </p:sp>
+      <p:sp>
+        <p:nvSpPr>
+          <p:cNvPr id="19" name="Espace réservé du contenu 3">
+            <a:extLst>
+              <a:ext uri="{FF2B5EF4-FFF2-40B4-BE49-F238E27FC236}">
+                <a16:creationId xmlns:a16="http://schemas.microsoft.com/office/drawing/2014/main" id="{4317DDF1-EAF0-3B41-84D5-1C062BA41583}"/>
+              </a:ext>
+            </a:extLst>
+          </p:cNvPr>
+          <p:cNvSpPr txBox="1">
+            <a:spLocks/>
+          </p:cNvSpPr>
+          <p:nvPr/>
+        </p:nvSpPr>
+        <p:spPr>
+          <a:xfrm>
+            <a:off x="1177325" y="1515180"/>
+            <a:ext cx="1731480" cy="645765"/>
+          </a:xfrm>
+          <a:prstGeom prst="rect">
+            <a:avLst/>
+          </a:prstGeom>
+        </p:spPr>
+        <p:txBody>
+          <a:bodyPr vert="horz" lIns="91440" tIns="45720" rIns="91440" bIns="45720" rtlCol="0" anchor="ctr">
+            <a:normAutofit/>
+          </a:bodyPr>
+          <a:lstStyle>
+            <a:lvl1pPr marL="228600" marR="0" indent="-228600" algn="l" defTabSz="914400" rtl="0" eaLnBrk="1" fontAlgn="auto" latinLnBrk="0" hangingPunct="1">
+              <a:lnSpc>
+                <a:spcPct val="90000"/>
+              </a:lnSpc>
+              <a:spcBef>
+                <a:spcPts val="1000"/>
+              </a:spcBef>
+              <a:spcAft>
+                <a:spcPts val="0"/>
+              </a:spcAft>
+              <a:buClrTx/>
+              <a:buSzPct val="90000"/>
+              <a:buFont typeface="Menlo-Regular" charset="0"/>
+              <a:buChar char="➜"/>
+              <a:tabLst/>
+              <a:defRPr sz="2200" kern="1200">
+                <a:solidFill>
+                  <a:schemeClr val="tx2">
+                    <a:lumMod val="75000"/>
+                  </a:schemeClr>
+                </a:solidFill>
+                <a:latin typeface="+mn-lt"/>
+                <a:ea typeface="+mn-ea"/>
+                <a:cs typeface="+mn-cs"/>
+              </a:defRPr>
+            </a:lvl1pPr>
+            <a:lvl2pPr marL="685800" marR="0" indent="-228600" algn="l" defTabSz="914400" rtl="0" eaLnBrk="1" fontAlgn="auto" latinLnBrk="0" hangingPunct="1">
+              <a:lnSpc>
+                <a:spcPct val="90000"/>
+              </a:lnSpc>
+              <a:spcBef>
+                <a:spcPts val="500"/>
+              </a:spcBef>
+              <a:spcAft>
+                <a:spcPts val="0"/>
+              </a:spcAft>
+              <a:buClrTx/>
+              <a:buSzPct val="90000"/>
+              <a:buFont typeface="Menlo-Regular" charset="0"/>
+              <a:buChar char="➜"/>
+              <a:tabLst/>
+              <a:defRPr sz="2050" kern="1200">
+                <a:solidFill>
+                  <a:schemeClr val="tx2">
+                    <a:lumMod val="75000"/>
+                  </a:schemeClr>
+                </a:solidFill>
+                <a:latin typeface="+mn-lt"/>
+                <a:ea typeface="+mn-ea"/>
+                <a:cs typeface="+mn-cs"/>
+              </a:defRPr>
+            </a:lvl2pPr>
+            <a:lvl3pPr marL="1143000" marR="0" indent="-228600" algn="l" defTabSz="914400" rtl="0" eaLnBrk="1" fontAlgn="auto" latinLnBrk="0" hangingPunct="1">
+              <a:lnSpc>
+                <a:spcPct val="90000"/>
+              </a:lnSpc>
+              <a:spcBef>
+                <a:spcPts val="500"/>
+              </a:spcBef>
+              <a:spcAft>
+                <a:spcPts val="0"/>
+              </a:spcAft>
+              <a:buClrTx/>
+              <a:buSzPct val="90000"/>
+              <a:buFont typeface="Menlo-Regular" charset="0"/>
+              <a:buChar char="➜"/>
+              <a:tabLst/>
+              <a:defRPr sz="1900" kern="1200">
+                <a:solidFill>
+                  <a:schemeClr val="tx2">
+                    <a:lumMod val="75000"/>
+                  </a:schemeClr>
+                </a:solidFill>
+                <a:latin typeface="+mn-lt"/>
+                <a:ea typeface="+mn-ea"/>
+                <a:cs typeface="+mn-cs"/>
+              </a:defRPr>
+            </a:lvl3pPr>
+            <a:lvl4pPr marL="1600200" marR="0" indent="-228600" algn="l" defTabSz="914400" rtl="0" eaLnBrk="1" fontAlgn="auto" latinLnBrk="0" hangingPunct="1">
+              <a:lnSpc>
+                <a:spcPct val="90000"/>
+              </a:lnSpc>
+              <a:spcBef>
+                <a:spcPts val="500"/>
+              </a:spcBef>
+              <a:spcAft>
+                <a:spcPts val="0"/>
+              </a:spcAft>
+              <a:buClrTx/>
+              <a:buSzPct val="90000"/>
+              <a:buFont typeface="Menlo-Regular" charset="0"/>
+              <a:buChar char="➜"/>
+              <a:tabLst/>
+              <a:defRPr sz="1700" kern="1200">
+                <a:solidFill>
+                  <a:schemeClr val="tx2">
+                    <a:lumMod val="75000"/>
+                  </a:schemeClr>
+                </a:solidFill>
+                <a:latin typeface="+mn-lt"/>
+                <a:ea typeface="+mn-ea"/>
+                <a:cs typeface="+mn-cs"/>
+              </a:defRPr>
+            </a:lvl4pPr>
+            <a:lvl5pPr marL="2057400" marR="0" indent="-228600" algn="l" defTabSz="914400" rtl="0" eaLnBrk="1" fontAlgn="auto" latinLnBrk="0" hangingPunct="1">
+              <a:lnSpc>
+                <a:spcPct val="90000"/>
+              </a:lnSpc>
+              <a:spcBef>
+                <a:spcPts val="500"/>
+              </a:spcBef>
+              <a:spcAft>
+                <a:spcPts val="0"/>
+              </a:spcAft>
+              <a:buClrTx/>
+              <a:buSzPct val="90000"/>
+              <a:buFont typeface="Menlo-Regular" charset="0"/>
+              <a:buChar char="➜"/>
+              <a:tabLst/>
+              <a:defRPr sz="1600" kern="1200">
+                <a:solidFill>
+                  <a:schemeClr val="tx2">
+                    <a:lumMod val="75000"/>
+                  </a:schemeClr>
+                </a:solidFill>
+                <a:latin typeface="+mn-lt"/>
+                <a:ea typeface="+mn-ea"/>
+                <a:cs typeface="+mn-cs"/>
+              </a:defRPr>
+            </a:lvl5pPr>
+            <a:lvl6pPr marL="2514600" indent="-228600" algn="l" defTabSz="914400" rtl="0" eaLnBrk="1" latinLnBrk="0" hangingPunct="1">
+              <a:lnSpc>
+                <a:spcPct val="90000"/>
+              </a:lnSpc>
+              <a:spcBef>
+                <a:spcPts val="500"/>
+              </a:spcBef>
+              <a:buFont typeface="Arial" panose="020B0604020202020204" pitchFamily="34" charset="0"/>
+              <a:buChar char="•"/>
+              <a:defRPr sz="1800" kern="1200">
+                <a:solidFill>
+                  <a:schemeClr val="tx1"/>
+                </a:solidFill>
+                <a:latin typeface="+mn-lt"/>
+                <a:ea typeface="+mn-ea"/>
+                <a:cs typeface="+mn-cs"/>
+              </a:defRPr>
+            </a:lvl6pPr>
+            <a:lvl7pPr marL="2971800" indent="-228600" algn="l" defTabSz="914400" rtl="0" eaLnBrk="1" latinLnBrk="0" hangingPunct="1">
+              <a:lnSpc>
+                <a:spcPct val="90000"/>
+              </a:lnSpc>
+              <a:spcBef>
+                <a:spcPts val="500"/>
+              </a:spcBef>
+              <a:buFont typeface="Arial" panose="020B0604020202020204" pitchFamily="34" charset="0"/>
+              <a:buChar char="•"/>
+              <a:defRPr sz="1800" kern="1200">
+                <a:solidFill>
+                  <a:schemeClr val="tx1"/>
+                </a:solidFill>
+                <a:latin typeface="+mn-lt"/>
+                <a:ea typeface="+mn-ea"/>
+                <a:cs typeface="+mn-cs"/>
+              </a:defRPr>
+            </a:lvl7pPr>
+            <a:lvl8pPr marL="3429000" indent="-228600" algn="l" defTabSz="914400" rtl="0" eaLnBrk="1" latinLnBrk="0" hangingPunct="1">
+              <a:lnSpc>
+                <a:spcPct val="90000"/>
+              </a:lnSpc>
+              <a:spcBef>
+                <a:spcPts val="500"/>
+              </a:spcBef>
+              <a:buFont typeface="Arial" panose="020B0604020202020204" pitchFamily="34" charset="0"/>
+              <a:buChar char="•"/>
+              <a:defRPr sz="1800" kern="1200">
+                <a:solidFill>
+                  <a:schemeClr val="tx1"/>
+                </a:solidFill>
+                <a:latin typeface="+mn-lt"/>
+                <a:ea typeface="+mn-ea"/>
+                <a:cs typeface="+mn-cs"/>
+              </a:defRPr>
+            </a:lvl8pPr>
+            <a:lvl9pPr marL="3886200" indent="-228600" algn="l" defTabSz="914400" rtl="0" eaLnBrk="1" latinLnBrk="0" hangingPunct="1">
+              <a:lnSpc>
+                <a:spcPct val="90000"/>
+              </a:lnSpc>
+              <a:spcBef>
+                <a:spcPts val="500"/>
+              </a:spcBef>
+              <a:buFont typeface="Arial" panose="020B0604020202020204" pitchFamily="34" charset="0"/>
+              <a:buChar char="•"/>
+              <a:defRPr sz="1800" kern="1200">
+                <a:solidFill>
+                  <a:schemeClr val="tx1"/>
+                </a:solidFill>
+                <a:latin typeface="+mn-lt"/>
+                <a:ea typeface="+mn-ea"/>
+                <a:cs typeface="+mn-cs"/>
+              </a:defRPr>
+            </a:lvl9pPr>
+          </a:lstStyle>
+          <a:p>
+            <a:pPr marL="0" indent="0" algn="ctr">
+              <a:buFont typeface="Menlo-Regular" charset="0"/>
+              <a:buNone/>
+            </a:pPr>
+            <a:r>
+              <a:rPr lang="en-US" dirty="0"/>
+              <a:t>Noisy Data </a:t>
             </a:r>
           </a:p>
         </p:txBody>
@@ -39114,7 +39881,7 @@
 </p:sld>
 </file>
 
-<file path=ppt/slides/slide51.xml><?xml version="1.0" encoding="utf-8"?>
+<file path=ppt/slides/slide52.xml><?xml version="1.0" encoding="utf-8"?>
 <p:sld xmlns:a="http://schemas.openxmlformats.org/drawingml/2006/main" xmlns:r="http://schemas.openxmlformats.org/officeDocument/2006/relationships" xmlns:p="http://schemas.openxmlformats.org/presentationml/2006/main">
   <p:cSld>
     <p:spTree>
@@ -39147,12 +39914,7 @@
             <p:ph type="title"/>
           </p:nvPr>
         </p:nvSpPr>
-        <p:spPr>
-          <a:xfrm>
-            <a:off x="133817" y="1169"/>
-            <a:ext cx="7611368" cy="680225"/>
-          </a:xfrm>
-        </p:spPr>
+        <p:spPr/>
         <p:txBody>
           <a:bodyPr/>
           <a:lstStyle/>
@@ -39180,12 +39942,7 @@
             <p:ph type="sldNum" sz="quarter" idx="12"/>
           </p:nvPr>
         </p:nvSpPr>
-        <p:spPr>
-          <a:xfrm>
-            <a:off x="8517869" y="6473117"/>
-            <a:ext cx="510928" cy="384883"/>
-          </a:xfrm>
-        </p:spPr>
+        <p:spPr/>
         <p:txBody>
           <a:bodyPr anchor="ctr">
             <a:normAutofit/>
@@ -39204,409 +39961,9 @@
                   <a:spcPts val="600"/>
                 </a:spcAft>
               </a:pPr>
-              <a:t>50</a:t>
+              <a:t>51</a:t>
             </a:fld>
             <a:endParaRPr lang="en-US"/>
-          </a:p>
-        </p:txBody>
-      </p:sp>
-      <p:sp>
-        <p:nvSpPr>
-          <p:cNvPr id="4" name="Espace réservé du contenu 3">
-            <a:extLst>
-              <a:ext uri="{FF2B5EF4-FFF2-40B4-BE49-F238E27FC236}">
-                <a16:creationId xmlns:a16="http://schemas.microsoft.com/office/drawing/2014/main" id="{02333AB2-8A8D-7342-84A8-1358DCA3878D}"/>
-              </a:ext>
-            </a:extLst>
-          </p:cNvPr>
-          <p:cNvSpPr>
-            <a:spLocks noGrp="1"/>
-          </p:cNvSpPr>
-          <p:nvPr>
-            <p:ph idx="1"/>
-          </p:nvPr>
-        </p:nvSpPr>
-        <p:spPr>
-          <a:xfrm>
-            <a:off x="1177327" y="1043024"/>
-            <a:ext cx="1731480" cy="901116"/>
-          </a:xfrm>
-        </p:spPr>
-        <p:txBody>
-          <a:bodyPr/>
-          <a:lstStyle/>
-          <a:p>
-            <a:pPr marL="0" indent="0" algn="ctr">
-              <a:buNone/>
-            </a:pPr>
-            <a:r>
-              <a:rPr lang="en-US"/>
-              <a:t>Noisy Data </a:t>
-            </a:r>
-          </a:p>
-        </p:txBody>
-      </p:sp>
-      <p:grpSp>
-        <p:nvGrpSpPr>
-          <p:cNvPr id="10" name="Group 12">
-            <a:extLst>
-              <a:ext uri="{FF2B5EF4-FFF2-40B4-BE49-F238E27FC236}">
-                <a16:creationId xmlns:a16="http://schemas.microsoft.com/office/drawing/2014/main" id="{B60C3660-054B-6F4C-A4A6-9091E8113DE9}"/>
-              </a:ext>
-            </a:extLst>
-          </p:cNvPr>
-          <p:cNvGrpSpPr/>
-          <p:nvPr/>
-        </p:nvGrpSpPr>
-        <p:grpSpPr>
-          <a:xfrm>
-            <a:off x="3171144" y="1185917"/>
-            <a:ext cx="448992" cy="680226"/>
-            <a:chOff x="2524904" y="4510329"/>
-            <a:chExt cx="1037808" cy="1130400"/>
-          </a:xfrm>
-        </p:grpSpPr>
-        <p:sp>
-          <p:nvSpPr>
-            <p:cNvPr id="11" name="Freeform 16">
-              <a:extLst>
-                <a:ext uri="{FF2B5EF4-FFF2-40B4-BE49-F238E27FC236}">
-                  <a16:creationId xmlns:a16="http://schemas.microsoft.com/office/drawing/2014/main" id="{FA20F55A-E694-2D49-896F-131B12435674}"/>
-                </a:ext>
-              </a:extLst>
-            </p:cNvPr>
-            <p:cNvSpPr/>
-            <p:nvPr/>
-          </p:nvSpPr>
-          <p:spPr>
-            <a:xfrm flipV="1">
-              <a:off x="2531165" y="4510329"/>
-              <a:ext cx="1031547" cy="565200"/>
-            </a:xfrm>
-            <a:custGeom>
-              <a:avLst/>
-              <a:gdLst>
-                <a:gd name="connsiteX0" fmla="*/ 0 w 274730"/>
-                <a:gd name="connsiteY0" fmla="*/ 0 h 6589"/>
-                <a:gd name="connsiteX1" fmla="*/ 274730 w 274730"/>
-                <a:gd name="connsiteY1" fmla="*/ 4100 h 6589"/>
-                <a:gd name="connsiteX0" fmla="*/ 0 w 42239"/>
-                <a:gd name="connsiteY0" fmla="*/ 1219742 h 1219936"/>
-                <a:gd name="connsiteX1" fmla="*/ 42239 w 42239"/>
-                <a:gd name="connsiteY1" fmla="*/ 0 h 1219936"/>
-                <a:gd name="connsiteX0" fmla="*/ 0 w 82985"/>
-                <a:gd name="connsiteY0" fmla="*/ 0 h 491631"/>
-                <a:gd name="connsiteX1" fmla="*/ 82985 w 82985"/>
-                <a:gd name="connsiteY1" fmla="*/ 491631 h 491631"/>
-                <a:gd name="connsiteX0" fmla="*/ 0 w 82985"/>
-                <a:gd name="connsiteY0" fmla="*/ 0 h 491631"/>
-                <a:gd name="connsiteX1" fmla="*/ 82985 w 82985"/>
-                <a:gd name="connsiteY1" fmla="*/ 491631 h 491631"/>
-                <a:gd name="connsiteX0" fmla="*/ 0 w 82985"/>
-                <a:gd name="connsiteY0" fmla="*/ 0 h 491631"/>
-                <a:gd name="connsiteX1" fmla="*/ 82985 w 82985"/>
-                <a:gd name="connsiteY1" fmla="*/ 491631 h 491631"/>
-                <a:gd name="connsiteX0" fmla="*/ 0 w 82985"/>
-                <a:gd name="connsiteY0" fmla="*/ 0 h 491631"/>
-                <a:gd name="connsiteX1" fmla="*/ 82985 w 82985"/>
-                <a:gd name="connsiteY1" fmla="*/ 491631 h 491631"/>
-                <a:gd name="connsiteX0" fmla="*/ 0 w 82985"/>
-                <a:gd name="connsiteY0" fmla="*/ 0 h 493415"/>
-                <a:gd name="connsiteX1" fmla="*/ 82985 w 82985"/>
-                <a:gd name="connsiteY1" fmla="*/ 491631 h 493415"/>
-                <a:gd name="connsiteX0" fmla="*/ 0 w 82985"/>
-                <a:gd name="connsiteY0" fmla="*/ 0 h 494610"/>
-                <a:gd name="connsiteX1" fmla="*/ 82985 w 82985"/>
-                <a:gd name="connsiteY1" fmla="*/ 491631 h 494610"/>
-                <a:gd name="connsiteX0" fmla="*/ 0 w 82985"/>
-                <a:gd name="connsiteY0" fmla="*/ 0 h 493679"/>
-                <a:gd name="connsiteX1" fmla="*/ 82985 w 82985"/>
-                <a:gd name="connsiteY1" fmla="*/ 491631 h 493679"/>
-                <a:gd name="connsiteX0" fmla="*/ 0 w 82985"/>
-                <a:gd name="connsiteY0" fmla="*/ 0 h 493737"/>
-                <a:gd name="connsiteX1" fmla="*/ 82985 w 82985"/>
-                <a:gd name="connsiteY1" fmla="*/ 491631 h 493737"/>
-                <a:gd name="connsiteX0" fmla="*/ 0 w 82985"/>
-                <a:gd name="connsiteY0" fmla="*/ 0 h 491631"/>
-                <a:gd name="connsiteX1" fmla="*/ 82985 w 82985"/>
-                <a:gd name="connsiteY1" fmla="*/ 491631 h 491631"/>
-                <a:gd name="connsiteX0" fmla="*/ 0 w 82985"/>
-                <a:gd name="connsiteY0" fmla="*/ 0 h 491631"/>
-                <a:gd name="connsiteX1" fmla="*/ 82985 w 82985"/>
-                <a:gd name="connsiteY1" fmla="*/ 491631 h 491631"/>
-                <a:gd name="connsiteX0" fmla="*/ 0 w 82985"/>
-                <a:gd name="connsiteY0" fmla="*/ 0 h 491631"/>
-                <a:gd name="connsiteX1" fmla="*/ 82985 w 82985"/>
-                <a:gd name="connsiteY1" fmla="*/ 491631 h 491631"/>
-                <a:gd name="connsiteX0" fmla="*/ 0 w 82985"/>
-                <a:gd name="connsiteY0" fmla="*/ 0 h 491631"/>
-                <a:gd name="connsiteX1" fmla="*/ 82985 w 82985"/>
-                <a:gd name="connsiteY1" fmla="*/ 491631 h 491631"/>
-              </a:gdLst>
-              <a:ahLst/>
-              <a:cxnLst>
-                <a:cxn ang="0">
-                  <a:pos x="connsiteX0" y="connsiteY0"/>
-                </a:cxn>
-                <a:cxn ang="0">
-                  <a:pos x="connsiteX1" y="connsiteY1"/>
-                </a:cxn>
-              </a:cxnLst>
-              <a:rect l="l" t="t" r="r" b="b"/>
-              <a:pathLst>
-                <a:path w="82985" h="491631">
-                  <a:moveTo>
-                    <a:pt x="0" y="0"/>
-                  </a:moveTo>
-                  <a:cubicBezTo>
-                    <a:pt x="48668" y="-545"/>
-                    <a:pt x="28820" y="488562"/>
-                    <a:pt x="82985" y="491631"/>
-                  </a:cubicBezTo>
-                </a:path>
-              </a:pathLst>
-            </a:custGeom>
-            <a:ln w="31750">
-              <a:solidFill>
-                <a:schemeClr val="accent1">
-                  <a:lumMod val="75000"/>
-                </a:schemeClr>
-              </a:solidFill>
-              <a:tailEnd type="triangle"/>
-            </a:ln>
-          </p:spPr>
-          <p:style>
-            <a:lnRef idx="3">
-              <a:schemeClr val="accent6"/>
-            </a:lnRef>
-            <a:fillRef idx="0">
-              <a:schemeClr val="accent6"/>
-            </a:fillRef>
-            <a:effectRef idx="2">
-              <a:schemeClr val="accent6"/>
-            </a:effectRef>
-            <a:fontRef idx="minor">
-              <a:schemeClr val="tx1"/>
-            </a:fontRef>
-          </p:style>
-          <p:txBody>
-            <a:bodyPr rtlCol="0" anchor="ctr"/>
-            <a:lstStyle/>
-            <a:p>
-              <a:pPr algn="ctr"/>
-              <a:endParaRPr lang="en-US" sz="2000">
-                <a:latin typeface="Latin Modern Roman 10" pitchFamily="2" charset="77"/>
-              </a:endParaRPr>
-            </a:p>
-          </p:txBody>
-        </p:sp>
-        <p:sp>
-          <p:nvSpPr>
-            <p:cNvPr id="13" name="Freeform 20">
-              <a:extLst>
-                <a:ext uri="{FF2B5EF4-FFF2-40B4-BE49-F238E27FC236}">
-                  <a16:creationId xmlns:a16="http://schemas.microsoft.com/office/drawing/2014/main" id="{9CF6DA8D-91C1-D942-B176-1692268B7AB6}"/>
-                </a:ext>
-              </a:extLst>
-            </p:cNvPr>
-            <p:cNvSpPr/>
-            <p:nvPr/>
-          </p:nvSpPr>
-          <p:spPr>
-            <a:xfrm>
-              <a:off x="2524904" y="5075529"/>
-              <a:ext cx="1031547" cy="565200"/>
-            </a:xfrm>
-            <a:custGeom>
-              <a:avLst/>
-              <a:gdLst>
-                <a:gd name="connsiteX0" fmla="*/ 0 w 274730"/>
-                <a:gd name="connsiteY0" fmla="*/ 0 h 6589"/>
-                <a:gd name="connsiteX1" fmla="*/ 274730 w 274730"/>
-                <a:gd name="connsiteY1" fmla="*/ 4100 h 6589"/>
-                <a:gd name="connsiteX0" fmla="*/ 0 w 42239"/>
-                <a:gd name="connsiteY0" fmla="*/ 1219742 h 1219936"/>
-                <a:gd name="connsiteX1" fmla="*/ 42239 w 42239"/>
-                <a:gd name="connsiteY1" fmla="*/ 0 h 1219936"/>
-                <a:gd name="connsiteX0" fmla="*/ 0 w 82985"/>
-                <a:gd name="connsiteY0" fmla="*/ 0 h 491631"/>
-                <a:gd name="connsiteX1" fmla="*/ 82985 w 82985"/>
-                <a:gd name="connsiteY1" fmla="*/ 491631 h 491631"/>
-                <a:gd name="connsiteX0" fmla="*/ 0 w 82985"/>
-                <a:gd name="connsiteY0" fmla="*/ 0 h 491631"/>
-                <a:gd name="connsiteX1" fmla="*/ 82985 w 82985"/>
-                <a:gd name="connsiteY1" fmla="*/ 491631 h 491631"/>
-                <a:gd name="connsiteX0" fmla="*/ 0 w 82985"/>
-                <a:gd name="connsiteY0" fmla="*/ 0 h 491631"/>
-                <a:gd name="connsiteX1" fmla="*/ 82985 w 82985"/>
-                <a:gd name="connsiteY1" fmla="*/ 491631 h 491631"/>
-                <a:gd name="connsiteX0" fmla="*/ 0 w 82985"/>
-                <a:gd name="connsiteY0" fmla="*/ 0 h 491631"/>
-                <a:gd name="connsiteX1" fmla="*/ 82985 w 82985"/>
-                <a:gd name="connsiteY1" fmla="*/ 491631 h 491631"/>
-                <a:gd name="connsiteX0" fmla="*/ 0 w 82985"/>
-                <a:gd name="connsiteY0" fmla="*/ 0 h 493415"/>
-                <a:gd name="connsiteX1" fmla="*/ 82985 w 82985"/>
-                <a:gd name="connsiteY1" fmla="*/ 491631 h 493415"/>
-                <a:gd name="connsiteX0" fmla="*/ 0 w 82985"/>
-                <a:gd name="connsiteY0" fmla="*/ 0 h 494610"/>
-                <a:gd name="connsiteX1" fmla="*/ 82985 w 82985"/>
-                <a:gd name="connsiteY1" fmla="*/ 491631 h 494610"/>
-                <a:gd name="connsiteX0" fmla="*/ 0 w 82985"/>
-                <a:gd name="connsiteY0" fmla="*/ 0 h 493679"/>
-                <a:gd name="connsiteX1" fmla="*/ 82985 w 82985"/>
-                <a:gd name="connsiteY1" fmla="*/ 491631 h 493679"/>
-                <a:gd name="connsiteX0" fmla="*/ 0 w 82985"/>
-                <a:gd name="connsiteY0" fmla="*/ 0 h 493737"/>
-                <a:gd name="connsiteX1" fmla="*/ 82985 w 82985"/>
-                <a:gd name="connsiteY1" fmla="*/ 491631 h 493737"/>
-                <a:gd name="connsiteX0" fmla="*/ 0 w 82985"/>
-                <a:gd name="connsiteY0" fmla="*/ 0 h 491631"/>
-                <a:gd name="connsiteX1" fmla="*/ 82985 w 82985"/>
-                <a:gd name="connsiteY1" fmla="*/ 491631 h 491631"/>
-                <a:gd name="connsiteX0" fmla="*/ 0 w 82985"/>
-                <a:gd name="connsiteY0" fmla="*/ 0 h 491631"/>
-                <a:gd name="connsiteX1" fmla="*/ 82985 w 82985"/>
-                <a:gd name="connsiteY1" fmla="*/ 491631 h 491631"/>
-                <a:gd name="connsiteX0" fmla="*/ 0 w 82985"/>
-                <a:gd name="connsiteY0" fmla="*/ 0 h 491631"/>
-                <a:gd name="connsiteX1" fmla="*/ 82985 w 82985"/>
-                <a:gd name="connsiteY1" fmla="*/ 491631 h 491631"/>
-                <a:gd name="connsiteX0" fmla="*/ 0 w 82985"/>
-                <a:gd name="connsiteY0" fmla="*/ 0 h 491631"/>
-                <a:gd name="connsiteX1" fmla="*/ 82985 w 82985"/>
-                <a:gd name="connsiteY1" fmla="*/ 491631 h 491631"/>
-              </a:gdLst>
-              <a:ahLst/>
-              <a:cxnLst>
-                <a:cxn ang="0">
-                  <a:pos x="connsiteX0" y="connsiteY0"/>
-                </a:cxn>
-                <a:cxn ang="0">
-                  <a:pos x="connsiteX1" y="connsiteY1"/>
-                </a:cxn>
-              </a:cxnLst>
-              <a:rect l="l" t="t" r="r" b="b"/>
-              <a:pathLst>
-                <a:path w="82985" h="491631">
-                  <a:moveTo>
-                    <a:pt x="0" y="0"/>
-                  </a:moveTo>
-                  <a:cubicBezTo>
-                    <a:pt x="48668" y="-545"/>
-                    <a:pt x="28820" y="488562"/>
-                    <a:pt x="82985" y="491631"/>
-                  </a:cubicBezTo>
-                </a:path>
-              </a:pathLst>
-            </a:custGeom>
-            <a:ln w="31750">
-              <a:solidFill>
-                <a:schemeClr val="accent1">
-                  <a:lumMod val="75000"/>
-                </a:schemeClr>
-              </a:solidFill>
-              <a:tailEnd type="triangle"/>
-            </a:ln>
-          </p:spPr>
-          <p:style>
-            <a:lnRef idx="3">
-              <a:schemeClr val="accent6"/>
-            </a:lnRef>
-            <a:fillRef idx="0">
-              <a:schemeClr val="accent6"/>
-            </a:fillRef>
-            <a:effectRef idx="2">
-              <a:schemeClr val="accent6"/>
-            </a:effectRef>
-            <a:fontRef idx="minor">
-              <a:schemeClr val="tx1"/>
-            </a:fontRef>
-          </p:style>
-          <p:txBody>
-            <a:bodyPr rtlCol="0" anchor="ctr"/>
-            <a:lstStyle/>
-            <a:p>
-              <a:pPr algn="ctr"/>
-              <a:endParaRPr lang="en-US" sz="2000">
-                <a:latin typeface="Latin Modern Roman 10" pitchFamily="2" charset="77"/>
-              </a:endParaRPr>
-            </a:p>
-          </p:txBody>
-        </p:sp>
-      </p:grpSp>
-      <p:sp>
-        <p:nvSpPr>
-          <p:cNvPr id="5" name="ZoneTexte 4">
-            <a:extLst>
-              <a:ext uri="{FF2B5EF4-FFF2-40B4-BE49-F238E27FC236}">
-                <a16:creationId xmlns:a16="http://schemas.microsoft.com/office/drawing/2014/main" id="{BC4705C9-2C2C-F848-89E0-E2AC61BD5CE2}"/>
-              </a:ext>
-            </a:extLst>
-          </p:cNvPr>
-          <p:cNvSpPr txBox="1"/>
-          <p:nvPr/>
-        </p:nvSpPr>
-        <p:spPr>
-          <a:xfrm>
-            <a:off x="3617427" y="1001251"/>
-            <a:ext cx="4546422" cy="646331"/>
-          </a:xfrm>
-          <a:prstGeom prst="rect">
-            <a:avLst/>
-          </a:prstGeom>
-          <a:noFill/>
-        </p:spPr>
-        <p:txBody>
-          <a:bodyPr wrap="square" rtlCol="0">
-            <a:spAutoFit/>
-          </a:bodyPr>
-          <a:lstStyle/>
-          <a:p>
-            <a:pPr algn="ctr"/>
-            <a:r>
-              <a:rPr lang="en-US"/>
-              <a:t>Highly unstructured, no two jobs are the same</a:t>
-            </a:r>
-          </a:p>
-          <a:p>
-            <a:pPr algn="ctr"/>
-            <a:endParaRPr lang="en-US"/>
-          </a:p>
-        </p:txBody>
-      </p:sp>
-      <p:sp>
-        <p:nvSpPr>
-          <p:cNvPr id="14" name="ZoneTexte 13">
-            <a:extLst>
-              <a:ext uri="{FF2B5EF4-FFF2-40B4-BE49-F238E27FC236}">
-                <a16:creationId xmlns:a16="http://schemas.microsoft.com/office/drawing/2014/main" id="{2401A942-2D1F-F440-9621-0071C5849635}"/>
-              </a:ext>
-            </a:extLst>
-          </p:cNvPr>
-          <p:cNvSpPr txBox="1"/>
-          <p:nvPr/>
-        </p:nvSpPr>
-        <p:spPr>
-          <a:xfrm>
-            <a:off x="3631936" y="1681477"/>
-            <a:ext cx="2651944" cy="369332"/>
-          </a:xfrm>
-          <a:prstGeom prst="rect">
-            <a:avLst/>
-          </a:prstGeom>
-          <a:noFill/>
-        </p:spPr>
-        <p:txBody>
-          <a:bodyPr wrap="none" rtlCol="0">
-            <a:spAutoFit/>
-          </a:bodyPr>
-          <a:lstStyle/>
-          <a:p>
-            <a:r>
-              <a:rPr lang="en-US"/>
-              <a:t>Typos, wrongly filled out…</a:t>
-            </a:r>
           </a:p>
         </p:txBody>
       </p:sp>
@@ -40622,25 +40979,105 @@
           </a:p>
         </p:txBody>
       </p:sp>
+      <p:sp>
+        <p:nvSpPr>
+          <p:cNvPr id="27" name="ZoneTexte 26">
+            <a:extLst>
+              <a:ext uri="{FF2B5EF4-FFF2-40B4-BE49-F238E27FC236}">
+                <a16:creationId xmlns:a16="http://schemas.microsoft.com/office/drawing/2014/main" id="{9C010D45-072C-8E4F-8179-FE3F6D109D94}"/>
+              </a:ext>
+            </a:extLst>
+          </p:cNvPr>
+          <p:cNvSpPr txBox="1"/>
+          <p:nvPr/>
+        </p:nvSpPr>
+        <p:spPr>
+          <a:xfrm>
+            <a:off x="4572000" y="2919448"/>
+            <a:ext cx="4107047" cy="2431435"/>
+          </a:xfrm>
+          <a:prstGeom prst="rect">
+            <a:avLst/>
+          </a:prstGeom>
+          <a:solidFill>
+            <a:schemeClr val="tx2">
+              <a:lumMod val="20000"/>
+              <a:lumOff val="80000"/>
+            </a:schemeClr>
+          </a:solidFill>
+        </p:spPr>
+        <p:txBody>
+          <a:bodyPr wrap="square" rtlCol="0" anchor="ctr">
+            <a:spAutoFit/>
+          </a:bodyPr>
+          <a:lstStyle/>
+          <a:p>
+            <a:pPr algn="ctr"/>
+            <a:r>
+              <a:rPr lang="en-US" sz="2400" dirty="0">
+                <a:solidFill>
+                  <a:schemeClr val="accent1">
+                    <a:lumMod val="75000"/>
+                  </a:schemeClr>
+                </a:solidFill>
+              </a:rPr>
+              <a:t>Intuition</a:t>
+            </a:r>
+          </a:p>
+          <a:p>
+            <a:pPr algn="ctr"/>
+            <a:endParaRPr lang="en-US" dirty="0">
+              <a:solidFill>
+                <a:schemeClr val="accent1">
+                  <a:lumMod val="75000"/>
+                </a:schemeClr>
+              </a:solidFill>
+            </a:endParaRPr>
+          </a:p>
+          <a:p>
+            <a:pPr marL="285750" indent="-285750">
+              <a:buFont typeface="Arial" panose="020B0604020202020204" pitchFamily="34" charset="0"/>
+              <a:buChar char="•"/>
+            </a:pPr>
+            <a:r>
+              <a:rPr lang="en-US" sz="2200" dirty="0"/>
+              <a:t>We need to better organize our data</a:t>
+            </a:r>
+          </a:p>
+          <a:p>
+            <a:endParaRPr lang="en-US" sz="2200" dirty="0"/>
+          </a:p>
+          <a:p>
+            <a:pPr marL="285750" indent="-285750">
+              <a:buFont typeface="Arial" panose="020B0604020202020204" pitchFamily="34" charset="0"/>
+              <a:buChar char="•"/>
+            </a:pPr>
+            <a:r>
+              <a:rPr lang="en-US" sz="2200" dirty="0"/>
+              <a:t>Enforcing structure in the latent space will help us navigate it</a:t>
+            </a:r>
+          </a:p>
+        </p:txBody>
+      </p:sp>
       <p:cxnSp>
         <p:nvCxnSpPr>
-          <p:cNvPr id="26" name="Connecteur droit avec flèche 25">
+          <p:cNvPr id="23" name="Connecteur droit avec flèche 22">
             <a:extLst>
               <a:ext uri="{FF2B5EF4-FFF2-40B4-BE49-F238E27FC236}">
-                <a16:creationId xmlns:a16="http://schemas.microsoft.com/office/drawing/2014/main" id="{257F53EA-63D3-F149-A14D-A093C6BCCA8C}"/>
+                <a16:creationId xmlns:a16="http://schemas.microsoft.com/office/drawing/2014/main" id="{6D9B2323-5284-2448-B483-D2891964EDB1}"/>
               </a:ext>
             </a:extLst>
           </p:cNvPr>
           <p:cNvCxnSpPr>
-            <a:stCxn id="4" idx="2"/>
-            <a:endCxn id="16" idx="0"/>
+            <a:cxnSpLocks/>
+            <a:stCxn id="25" idx="2"/>
           </p:cNvCxnSpPr>
           <p:nvPr/>
         </p:nvCxnSpPr>
         <p:spPr>
           <a:xfrm>
-            <a:off x="2043067" y="1944140"/>
-            <a:ext cx="0" cy="975308"/>
+            <a:off x="2043065" y="2160945"/>
+            <a:ext cx="2" cy="758503"/>
           </a:xfrm>
           <a:prstGeom prst="straightConnector1">
             <a:avLst/>
@@ -40669,10 +41106,542 @@
       </p:cxnSp>
       <p:sp>
         <p:nvSpPr>
-          <p:cNvPr id="27" name="ZoneTexte 26">
+          <p:cNvPr id="25" name="Espace réservé du contenu 3">
             <a:extLst>
               <a:ext uri="{FF2B5EF4-FFF2-40B4-BE49-F238E27FC236}">
-                <a16:creationId xmlns:a16="http://schemas.microsoft.com/office/drawing/2014/main" id="{9C010D45-072C-8E4F-8179-FE3F6D109D94}"/>
+                <a16:creationId xmlns:a16="http://schemas.microsoft.com/office/drawing/2014/main" id="{42391135-12A7-8446-B5D4-573EE147522E}"/>
+              </a:ext>
+            </a:extLst>
+          </p:cNvPr>
+          <p:cNvSpPr txBox="1">
+            <a:spLocks/>
+          </p:cNvSpPr>
+          <p:nvPr/>
+        </p:nvSpPr>
+        <p:spPr>
+          <a:xfrm>
+            <a:off x="1177325" y="1515180"/>
+            <a:ext cx="1731480" cy="645765"/>
+          </a:xfrm>
+          <a:prstGeom prst="rect">
+            <a:avLst/>
+          </a:prstGeom>
+        </p:spPr>
+        <p:txBody>
+          <a:bodyPr vert="horz" lIns="91440" tIns="45720" rIns="91440" bIns="45720" rtlCol="0" anchor="ctr">
+            <a:normAutofit/>
+          </a:bodyPr>
+          <a:lstStyle>
+            <a:lvl1pPr marL="228600" marR="0" indent="-228600" algn="l" defTabSz="914400" rtl="0" eaLnBrk="1" fontAlgn="auto" latinLnBrk="0" hangingPunct="1">
+              <a:lnSpc>
+                <a:spcPct val="90000"/>
+              </a:lnSpc>
+              <a:spcBef>
+                <a:spcPts val="1000"/>
+              </a:spcBef>
+              <a:spcAft>
+                <a:spcPts val="0"/>
+              </a:spcAft>
+              <a:buClrTx/>
+              <a:buSzPct val="90000"/>
+              <a:buFont typeface="Menlo-Regular" charset="0"/>
+              <a:buChar char="➜"/>
+              <a:tabLst/>
+              <a:defRPr sz="2200" kern="1200">
+                <a:solidFill>
+                  <a:schemeClr val="tx2">
+                    <a:lumMod val="75000"/>
+                  </a:schemeClr>
+                </a:solidFill>
+                <a:latin typeface="+mn-lt"/>
+                <a:ea typeface="+mn-ea"/>
+                <a:cs typeface="+mn-cs"/>
+              </a:defRPr>
+            </a:lvl1pPr>
+            <a:lvl2pPr marL="685800" marR="0" indent="-228600" algn="l" defTabSz="914400" rtl="0" eaLnBrk="1" fontAlgn="auto" latinLnBrk="0" hangingPunct="1">
+              <a:lnSpc>
+                <a:spcPct val="90000"/>
+              </a:lnSpc>
+              <a:spcBef>
+                <a:spcPts val="500"/>
+              </a:spcBef>
+              <a:spcAft>
+                <a:spcPts val="0"/>
+              </a:spcAft>
+              <a:buClrTx/>
+              <a:buSzPct val="90000"/>
+              <a:buFont typeface="Menlo-Regular" charset="0"/>
+              <a:buChar char="➜"/>
+              <a:tabLst/>
+              <a:defRPr sz="2050" kern="1200">
+                <a:solidFill>
+                  <a:schemeClr val="tx2">
+                    <a:lumMod val="75000"/>
+                  </a:schemeClr>
+                </a:solidFill>
+                <a:latin typeface="+mn-lt"/>
+                <a:ea typeface="+mn-ea"/>
+                <a:cs typeface="+mn-cs"/>
+              </a:defRPr>
+            </a:lvl2pPr>
+            <a:lvl3pPr marL="1143000" marR="0" indent="-228600" algn="l" defTabSz="914400" rtl="0" eaLnBrk="1" fontAlgn="auto" latinLnBrk="0" hangingPunct="1">
+              <a:lnSpc>
+                <a:spcPct val="90000"/>
+              </a:lnSpc>
+              <a:spcBef>
+                <a:spcPts val="500"/>
+              </a:spcBef>
+              <a:spcAft>
+                <a:spcPts val="0"/>
+              </a:spcAft>
+              <a:buClrTx/>
+              <a:buSzPct val="90000"/>
+              <a:buFont typeface="Menlo-Regular" charset="0"/>
+              <a:buChar char="➜"/>
+              <a:tabLst/>
+              <a:defRPr sz="1900" kern="1200">
+                <a:solidFill>
+                  <a:schemeClr val="tx2">
+                    <a:lumMod val="75000"/>
+                  </a:schemeClr>
+                </a:solidFill>
+                <a:latin typeface="+mn-lt"/>
+                <a:ea typeface="+mn-ea"/>
+                <a:cs typeface="+mn-cs"/>
+              </a:defRPr>
+            </a:lvl3pPr>
+            <a:lvl4pPr marL="1600200" marR="0" indent="-228600" algn="l" defTabSz="914400" rtl="0" eaLnBrk="1" fontAlgn="auto" latinLnBrk="0" hangingPunct="1">
+              <a:lnSpc>
+                <a:spcPct val="90000"/>
+              </a:lnSpc>
+              <a:spcBef>
+                <a:spcPts val="500"/>
+              </a:spcBef>
+              <a:spcAft>
+                <a:spcPts val="0"/>
+              </a:spcAft>
+              <a:buClrTx/>
+              <a:buSzPct val="90000"/>
+              <a:buFont typeface="Menlo-Regular" charset="0"/>
+              <a:buChar char="➜"/>
+              <a:tabLst/>
+              <a:defRPr sz="1700" kern="1200">
+                <a:solidFill>
+                  <a:schemeClr val="tx2">
+                    <a:lumMod val="75000"/>
+                  </a:schemeClr>
+                </a:solidFill>
+                <a:latin typeface="+mn-lt"/>
+                <a:ea typeface="+mn-ea"/>
+                <a:cs typeface="+mn-cs"/>
+              </a:defRPr>
+            </a:lvl4pPr>
+            <a:lvl5pPr marL="2057400" marR="0" indent="-228600" algn="l" defTabSz="914400" rtl="0" eaLnBrk="1" fontAlgn="auto" latinLnBrk="0" hangingPunct="1">
+              <a:lnSpc>
+                <a:spcPct val="90000"/>
+              </a:lnSpc>
+              <a:spcBef>
+                <a:spcPts val="500"/>
+              </a:spcBef>
+              <a:spcAft>
+                <a:spcPts val="0"/>
+              </a:spcAft>
+              <a:buClrTx/>
+              <a:buSzPct val="90000"/>
+              <a:buFont typeface="Menlo-Regular" charset="0"/>
+              <a:buChar char="➜"/>
+              <a:tabLst/>
+              <a:defRPr sz="1600" kern="1200">
+                <a:solidFill>
+                  <a:schemeClr val="tx2">
+                    <a:lumMod val="75000"/>
+                  </a:schemeClr>
+                </a:solidFill>
+                <a:latin typeface="+mn-lt"/>
+                <a:ea typeface="+mn-ea"/>
+                <a:cs typeface="+mn-cs"/>
+              </a:defRPr>
+            </a:lvl5pPr>
+            <a:lvl6pPr marL="2514600" indent="-228600" algn="l" defTabSz="914400" rtl="0" eaLnBrk="1" latinLnBrk="0" hangingPunct="1">
+              <a:lnSpc>
+                <a:spcPct val="90000"/>
+              </a:lnSpc>
+              <a:spcBef>
+                <a:spcPts val="500"/>
+              </a:spcBef>
+              <a:buFont typeface="Arial" panose="020B0604020202020204" pitchFamily="34" charset="0"/>
+              <a:buChar char="•"/>
+              <a:defRPr sz="1800" kern="1200">
+                <a:solidFill>
+                  <a:schemeClr val="tx1"/>
+                </a:solidFill>
+                <a:latin typeface="+mn-lt"/>
+                <a:ea typeface="+mn-ea"/>
+                <a:cs typeface="+mn-cs"/>
+              </a:defRPr>
+            </a:lvl6pPr>
+            <a:lvl7pPr marL="2971800" indent="-228600" algn="l" defTabSz="914400" rtl="0" eaLnBrk="1" latinLnBrk="0" hangingPunct="1">
+              <a:lnSpc>
+                <a:spcPct val="90000"/>
+              </a:lnSpc>
+              <a:spcBef>
+                <a:spcPts val="500"/>
+              </a:spcBef>
+              <a:buFont typeface="Arial" panose="020B0604020202020204" pitchFamily="34" charset="0"/>
+              <a:buChar char="•"/>
+              <a:defRPr sz="1800" kern="1200">
+                <a:solidFill>
+                  <a:schemeClr val="tx1"/>
+                </a:solidFill>
+                <a:latin typeface="+mn-lt"/>
+                <a:ea typeface="+mn-ea"/>
+                <a:cs typeface="+mn-cs"/>
+              </a:defRPr>
+            </a:lvl7pPr>
+            <a:lvl8pPr marL="3429000" indent="-228600" algn="l" defTabSz="914400" rtl="0" eaLnBrk="1" latinLnBrk="0" hangingPunct="1">
+              <a:lnSpc>
+                <a:spcPct val="90000"/>
+              </a:lnSpc>
+              <a:spcBef>
+                <a:spcPts val="500"/>
+              </a:spcBef>
+              <a:buFont typeface="Arial" panose="020B0604020202020204" pitchFamily="34" charset="0"/>
+              <a:buChar char="•"/>
+              <a:defRPr sz="1800" kern="1200">
+                <a:solidFill>
+                  <a:schemeClr val="tx1"/>
+                </a:solidFill>
+                <a:latin typeface="+mn-lt"/>
+                <a:ea typeface="+mn-ea"/>
+                <a:cs typeface="+mn-cs"/>
+              </a:defRPr>
+            </a:lvl8pPr>
+            <a:lvl9pPr marL="3886200" indent="-228600" algn="l" defTabSz="914400" rtl="0" eaLnBrk="1" latinLnBrk="0" hangingPunct="1">
+              <a:lnSpc>
+                <a:spcPct val="90000"/>
+              </a:lnSpc>
+              <a:spcBef>
+                <a:spcPts val="500"/>
+              </a:spcBef>
+              <a:buFont typeface="Arial" panose="020B0604020202020204" pitchFamily="34" charset="0"/>
+              <a:buChar char="•"/>
+              <a:defRPr sz="1800" kern="1200">
+                <a:solidFill>
+                  <a:schemeClr val="tx1"/>
+                </a:solidFill>
+                <a:latin typeface="+mn-lt"/>
+                <a:ea typeface="+mn-ea"/>
+                <a:cs typeface="+mn-cs"/>
+              </a:defRPr>
+            </a:lvl9pPr>
+          </a:lstStyle>
+          <a:p>
+            <a:pPr marL="0" indent="0" algn="ctr">
+              <a:buFont typeface="Menlo-Regular" charset="0"/>
+              <a:buNone/>
+            </a:pPr>
+            <a:r>
+              <a:rPr lang="en-US" dirty="0"/>
+              <a:t>Noisy Data </a:t>
+            </a:r>
+          </a:p>
+        </p:txBody>
+      </p:sp>
+      <p:grpSp>
+        <p:nvGrpSpPr>
+          <p:cNvPr id="28" name="Group 12">
+            <a:extLst>
+              <a:ext uri="{FF2B5EF4-FFF2-40B4-BE49-F238E27FC236}">
+                <a16:creationId xmlns:a16="http://schemas.microsoft.com/office/drawing/2014/main" id="{053B5338-8FB6-3146-A5B8-F5F8F644E2F4}"/>
+              </a:ext>
+            </a:extLst>
+          </p:cNvPr>
+          <p:cNvGrpSpPr/>
+          <p:nvPr/>
+        </p:nvGrpSpPr>
+        <p:grpSpPr>
+          <a:xfrm>
+            <a:off x="3171144" y="1185916"/>
+            <a:ext cx="448992" cy="1291529"/>
+            <a:chOff x="2524904" y="4510330"/>
+            <a:chExt cx="1037808" cy="1130399"/>
+          </a:xfrm>
+        </p:grpSpPr>
+        <p:sp>
+          <p:nvSpPr>
+            <p:cNvPr id="29" name="Freeform 16">
+              <a:extLst>
+                <a:ext uri="{FF2B5EF4-FFF2-40B4-BE49-F238E27FC236}">
+                  <a16:creationId xmlns:a16="http://schemas.microsoft.com/office/drawing/2014/main" id="{C309A432-1EA7-2849-A569-E922716C897F}"/>
+                </a:ext>
+              </a:extLst>
+            </p:cNvPr>
+            <p:cNvSpPr/>
+            <p:nvPr/>
+          </p:nvSpPr>
+          <p:spPr>
+            <a:xfrm flipV="1">
+              <a:off x="2531166" y="4510330"/>
+              <a:ext cx="1031546" cy="565200"/>
+            </a:xfrm>
+            <a:custGeom>
+              <a:avLst/>
+              <a:gdLst>
+                <a:gd name="connsiteX0" fmla="*/ 0 w 274730"/>
+                <a:gd name="connsiteY0" fmla="*/ 0 h 6589"/>
+                <a:gd name="connsiteX1" fmla="*/ 274730 w 274730"/>
+                <a:gd name="connsiteY1" fmla="*/ 4100 h 6589"/>
+                <a:gd name="connsiteX0" fmla="*/ 0 w 42239"/>
+                <a:gd name="connsiteY0" fmla="*/ 1219742 h 1219936"/>
+                <a:gd name="connsiteX1" fmla="*/ 42239 w 42239"/>
+                <a:gd name="connsiteY1" fmla="*/ 0 h 1219936"/>
+                <a:gd name="connsiteX0" fmla="*/ 0 w 82985"/>
+                <a:gd name="connsiteY0" fmla="*/ 0 h 491631"/>
+                <a:gd name="connsiteX1" fmla="*/ 82985 w 82985"/>
+                <a:gd name="connsiteY1" fmla="*/ 491631 h 491631"/>
+                <a:gd name="connsiteX0" fmla="*/ 0 w 82985"/>
+                <a:gd name="connsiteY0" fmla="*/ 0 h 491631"/>
+                <a:gd name="connsiteX1" fmla="*/ 82985 w 82985"/>
+                <a:gd name="connsiteY1" fmla="*/ 491631 h 491631"/>
+                <a:gd name="connsiteX0" fmla="*/ 0 w 82985"/>
+                <a:gd name="connsiteY0" fmla="*/ 0 h 491631"/>
+                <a:gd name="connsiteX1" fmla="*/ 82985 w 82985"/>
+                <a:gd name="connsiteY1" fmla="*/ 491631 h 491631"/>
+                <a:gd name="connsiteX0" fmla="*/ 0 w 82985"/>
+                <a:gd name="connsiteY0" fmla="*/ 0 h 491631"/>
+                <a:gd name="connsiteX1" fmla="*/ 82985 w 82985"/>
+                <a:gd name="connsiteY1" fmla="*/ 491631 h 491631"/>
+                <a:gd name="connsiteX0" fmla="*/ 0 w 82985"/>
+                <a:gd name="connsiteY0" fmla="*/ 0 h 493415"/>
+                <a:gd name="connsiteX1" fmla="*/ 82985 w 82985"/>
+                <a:gd name="connsiteY1" fmla="*/ 491631 h 493415"/>
+                <a:gd name="connsiteX0" fmla="*/ 0 w 82985"/>
+                <a:gd name="connsiteY0" fmla="*/ 0 h 494610"/>
+                <a:gd name="connsiteX1" fmla="*/ 82985 w 82985"/>
+                <a:gd name="connsiteY1" fmla="*/ 491631 h 494610"/>
+                <a:gd name="connsiteX0" fmla="*/ 0 w 82985"/>
+                <a:gd name="connsiteY0" fmla="*/ 0 h 493679"/>
+                <a:gd name="connsiteX1" fmla="*/ 82985 w 82985"/>
+                <a:gd name="connsiteY1" fmla="*/ 491631 h 493679"/>
+                <a:gd name="connsiteX0" fmla="*/ 0 w 82985"/>
+                <a:gd name="connsiteY0" fmla="*/ 0 h 493737"/>
+                <a:gd name="connsiteX1" fmla="*/ 82985 w 82985"/>
+                <a:gd name="connsiteY1" fmla="*/ 491631 h 493737"/>
+                <a:gd name="connsiteX0" fmla="*/ 0 w 82985"/>
+                <a:gd name="connsiteY0" fmla="*/ 0 h 491631"/>
+                <a:gd name="connsiteX1" fmla="*/ 82985 w 82985"/>
+                <a:gd name="connsiteY1" fmla="*/ 491631 h 491631"/>
+                <a:gd name="connsiteX0" fmla="*/ 0 w 82985"/>
+                <a:gd name="connsiteY0" fmla="*/ 0 h 491631"/>
+                <a:gd name="connsiteX1" fmla="*/ 82985 w 82985"/>
+                <a:gd name="connsiteY1" fmla="*/ 491631 h 491631"/>
+                <a:gd name="connsiteX0" fmla="*/ 0 w 82985"/>
+                <a:gd name="connsiteY0" fmla="*/ 0 h 491631"/>
+                <a:gd name="connsiteX1" fmla="*/ 82985 w 82985"/>
+                <a:gd name="connsiteY1" fmla="*/ 491631 h 491631"/>
+                <a:gd name="connsiteX0" fmla="*/ 0 w 82985"/>
+                <a:gd name="connsiteY0" fmla="*/ 0 h 491631"/>
+                <a:gd name="connsiteX1" fmla="*/ 82985 w 82985"/>
+                <a:gd name="connsiteY1" fmla="*/ 491631 h 491631"/>
+              </a:gdLst>
+              <a:ahLst/>
+              <a:cxnLst>
+                <a:cxn ang="0">
+                  <a:pos x="connsiteX0" y="connsiteY0"/>
+                </a:cxn>
+                <a:cxn ang="0">
+                  <a:pos x="connsiteX1" y="connsiteY1"/>
+                </a:cxn>
+              </a:cxnLst>
+              <a:rect l="l" t="t" r="r" b="b"/>
+              <a:pathLst>
+                <a:path w="82985" h="491631">
+                  <a:moveTo>
+                    <a:pt x="0" y="0"/>
+                  </a:moveTo>
+                  <a:cubicBezTo>
+                    <a:pt x="48668" y="-545"/>
+                    <a:pt x="28820" y="488562"/>
+                    <a:pt x="82985" y="491631"/>
+                  </a:cubicBezTo>
+                </a:path>
+              </a:pathLst>
+            </a:custGeom>
+            <a:ln w="31750">
+              <a:solidFill>
+                <a:schemeClr val="accent1">
+                  <a:lumMod val="75000"/>
+                </a:schemeClr>
+              </a:solidFill>
+              <a:tailEnd type="triangle"/>
+            </a:ln>
+          </p:spPr>
+          <p:style>
+            <a:lnRef idx="3">
+              <a:schemeClr val="accent6"/>
+            </a:lnRef>
+            <a:fillRef idx="0">
+              <a:schemeClr val="accent6"/>
+            </a:fillRef>
+            <a:effectRef idx="2">
+              <a:schemeClr val="accent6"/>
+            </a:effectRef>
+            <a:fontRef idx="minor">
+              <a:schemeClr val="tx1"/>
+            </a:fontRef>
+          </p:style>
+          <p:txBody>
+            <a:bodyPr rtlCol="0" anchor="ctr"/>
+            <a:lstStyle/>
+            <a:p>
+              <a:pPr algn="ctr"/>
+              <a:endParaRPr lang="en-US" sz="2000">
+                <a:latin typeface="Latin Modern Roman 10" pitchFamily="2" charset="77"/>
+              </a:endParaRPr>
+            </a:p>
+          </p:txBody>
+        </p:sp>
+        <p:sp>
+          <p:nvSpPr>
+            <p:cNvPr id="30" name="Freeform 20">
+              <a:extLst>
+                <a:ext uri="{FF2B5EF4-FFF2-40B4-BE49-F238E27FC236}">
+                  <a16:creationId xmlns:a16="http://schemas.microsoft.com/office/drawing/2014/main" id="{EFE86518-47EA-F44C-98AB-43907A059188}"/>
+                </a:ext>
+              </a:extLst>
+            </p:cNvPr>
+            <p:cNvSpPr/>
+            <p:nvPr/>
+          </p:nvSpPr>
+          <p:spPr>
+            <a:xfrm>
+              <a:off x="2524904" y="5075529"/>
+              <a:ext cx="1031547" cy="565200"/>
+            </a:xfrm>
+            <a:custGeom>
+              <a:avLst/>
+              <a:gdLst>
+                <a:gd name="connsiteX0" fmla="*/ 0 w 274730"/>
+                <a:gd name="connsiteY0" fmla="*/ 0 h 6589"/>
+                <a:gd name="connsiteX1" fmla="*/ 274730 w 274730"/>
+                <a:gd name="connsiteY1" fmla="*/ 4100 h 6589"/>
+                <a:gd name="connsiteX0" fmla="*/ 0 w 42239"/>
+                <a:gd name="connsiteY0" fmla="*/ 1219742 h 1219936"/>
+                <a:gd name="connsiteX1" fmla="*/ 42239 w 42239"/>
+                <a:gd name="connsiteY1" fmla="*/ 0 h 1219936"/>
+                <a:gd name="connsiteX0" fmla="*/ 0 w 82985"/>
+                <a:gd name="connsiteY0" fmla="*/ 0 h 491631"/>
+                <a:gd name="connsiteX1" fmla="*/ 82985 w 82985"/>
+                <a:gd name="connsiteY1" fmla="*/ 491631 h 491631"/>
+                <a:gd name="connsiteX0" fmla="*/ 0 w 82985"/>
+                <a:gd name="connsiteY0" fmla="*/ 0 h 491631"/>
+                <a:gd name="connsiteX1" fmla="*/ 82985 w 82985"/>
+                <a:gd name="connsiteY1" fmla="*/ 491631 h 491631"/>
+                <a:gd name="connsiteX0" fmla="*/ 0 w 82985"/>
+                <a:gd name="connsiteY0" fmla="*/ 0 h 491631"/>
+                <a:gd name="connsiteX1" fmla="*/ 82985 w 82985"/>
+                <a:gd name="connsiteY1" fmla="*/ 491631 h 491631"/>
+                <a:gd name="connsiteX0" fmla="*/ 0 w 82985"/>
+                <a:gd name="connsiteY0" fmla="*/ 0 h 491631"/>
+                <a:gd name="connsiteX1" fmla="*/ 82985 w 82985"/>
+                <a:gd name="connsiteY1" fmla="*/ 491631 h 491631"/>
+                <a:gd name="connsiteX0" fmla="*/ 0 w 82985"/>
+                <a:gd name="connsiteY0" fmla="*/ 0 h 493415"/>
+                <a:gd name="connsiteX1" fmla="*/ 82985 w 82985"/>
+                <a:gd name="connsiteY1" fmla="*/ 491631 h 493415"/>
+                <a:gd name="connsiteX0" fmla="*/ 0 w 82985"/>
+                <a:gd name="connsiteY0" fmla="*/ 0 h 494610"/>
+                <a:gd name="connsiteX1" fmla="*/ 82985 w 82985"/>
+                <a:gd name="connsiteY1" fmla="*/ 491631 h 494610"/>
+                <a:gd name="connsiteX0" fmla="*/ 0 w 82985"/>
+                <a:gd name="connsiteY0" fmla="*/ 0 h 493679"/>
+                <a:gd name="connsiteX1" fmla="*/ 82985 w 82985"/>
+                <a:gd name="connsiteY1" fmla="*/ 491631 h 493679"/>
+                <a:gd name="connsiteX0" fmla="*/ 0 w 82985"/>
+                <a:gd name="connsiteY0" fmla="*/ 0 h 493737"/>
+                <a:gd name="connsiteX1" fmla="*/ 82985 w 82985"/>
+                <a:gd name="connsiteY1" fmla="*/ 491631 h 493737"/>
+                <a:gd name="connsiteX0" fmla="*/ 0 w 82985"/>
+                <a:gd name="connsiteY0" fmla="*/ 0 h 491631"/>
+                <a:gd name="connsiteX1" fmla="*/ 82985 w 82985"/>
+                <a:gd name="connsiteY1" fmla="*/ 491631 h 491631"/>
+                <a:gd name="connsiteX0" fmla="*/ 0 w 82985"/>
+                <a:gd name="connsiteY0" fmla="*/ 0 h 491631"/>
+                <a:gd name="connsiteX1" fmla="*/ 82985 w 82985"/>
+                <a:gd name="connsiteY1" fmla="*/ 491631 h 491631"/>
+                <a:gd name="connsiteX0" fmla="*/ 0 w 82985"/>
+                <a:gd name="connsiteY0" fmla="*/ 0 h 491631"/>
+                <a:gd name="connsiteX1" fmla="*/ 82985 w 82985"/>
+                <a:gd name="connsiteY1" fmla="*/ 491631 h 491631"/>
+                <a:gd name="connsiteX0" fmla="*/ 0 w 82985"/>
+                <a:gd name="connsiteY0" fmla="*/ 0 h 491631"/>
+                <a:gd name="connsiteX1" fmla="*/ 82985 w 82985"/>
+                <a:gd name="connsiteY1" fmla="*/ 491631 h 491631"/>
+              </a:gdLst>
+              <a:ahLst/>
+              <a:cxnLst>
+                <a:cxn ang="0">
+                  <a:pos x="connsiteX0" y="connsiteY0"/>
+                </a:cxn>
+                <a:cxn ang="0">
+                  <a:pos x="connsiteX1" y="connsiteY1"/>
+                </a:cxn>
+              </a:cxnLst>
+              <a:rect l="l" t="t" r="r" b="b"/>
+              <a:pathLst>
+                <a:path w="82985" h="491631">
+                  <a:moveTo>
+                    <a:pt x="0" y="0"/>
+                  </a:moveTo>
+                  <a:cubicBezTo>
+                    <a:pt x="48668" y="-545"/>
+                    <a:pt x="28820" y="488562"/>
+                    <a:pt x="82985" y="491631"/>
+                  </a:cubicBezTo>
+                </a:path>
+              </a:pathLst>
+            </a:custGeom>
+            <a:ln w="31750">
+              <a:solidFill>
+                <a:schemeClr val="accent1">
+                  <a:lumMod val="75000"/>
+                </a:schemeClr>
+              </a:solidFill>
+              <a:tailEnd type="triangle"/>
+            </a:ln>
+          </p:spPr>
+          <p:style>
+            <a:lnRef idx="3">
+              <a:schemeClr val="accent6"/>
+            </a:lnRef>
+            <a:fillRef idx="0">
+              <a:schemeClr val="accent6"/>
+            </a:fillRef>
+            <a:effectRef idx="2">
+              <a:schemeClr val="accent6"/>
+            </a:effectRef>
+            <a:fontRef idx="minor">
+              <a:schemeClr val="tx1"/>
+            </a:fontRef>
+          </p:style>
+          <p:txBody>
+            <a:bodyPr rtlCol="0" anchor="ctr"/>
+            <a:lstStyle/>
+            <a:p>
+              <a:pPr algn="ctr"/>
+              <a:endParaRPr lang="en-US" sz="2000">
+                <a:latin typeface="Latin Modern Roman 10" pitchFamily="2" charset="77"/>
+              </a:endParaRPr>
+            </a:p>
+          </p:txBody>
+        </p:sp>
+      </p:grpSp>
+      <p:sp>
+        <p:nvSpPr>
+          <p:cNvPr id="31" name="ZoneTexte 30">
+            <a:extLst>
+              <a:ext uri="{FF2B5EF4-FFF2-40B4-BE49-F238E27FC236}">
+                <a16:creationId xmlns:a16="http://schemas.microsoft.com/office/drawing/2014/main" id="{E4C104EC-0117-9842-B0D3-C118BD247C77}"/>
               </a:ext>
             </a:extLst>
           </p:cNvPr>
@@ -40681,68 +41650,98 @@
         </p:nvSpPr>
         <p:spPr>
           <a:xfrm>
-            <a:off x="4572000" y="2611673"/>
-            <a:ext cx="4107047" cy="2431435"/>
+            <a:off x="3612894" y="970099"/>
+            <a:ext cx="4546422" cy="646331"/>
           </a:xfrm>
           <a:prstGeom prst="rect">
             <a:avLst/>
           </a:prstGeom>
-          <a:solidFill>
-            <a:schemeClr val="tx2">
-              <a:lumMod val="20000"/>
-              <a:lumOff val="80000"/>
-            </a:schemeClr>
-          </a:solidFill>
+          <a:noFill/>
         </p:spPr>
         <p:txBody>
-          <a:bodyPr wrap="square" rtlCol="0" anchor="ctr">
+          <a:bodyPr wrap="square" rtlCol="0">
             <a:spAutoFit/>
           </a:bodyPr>
           <a:lstStyle/>
           <a:p>
             <a:pPr algn="ctr"/>
             <a:r>
-              <a:rPr lang="en-US" sz="2400" dirty="0">
-                <a:solidFill>
-                  <a:schemeClr val="accent1">
-                    <a:lumMod val="75000"/>
-                  </a:schemeClr>
-                </a:solidFill>
-              </a:rPr>
-              <a:t>Intuition</a:t>
+              <a:rPr lang="en-US"/>
+              <a:t>Highly unstructured, no two jobs are the same</a:t>
             </a:r>
           </a:p>
           <a:p>
             <a:pPr algn="ctr"/>
-            <a:endParaRPr lang="en-US" dirty="0">
-              <a:solidFill>
-                <a:schemeClr val="accent1">
-                  <a:lumMod val="75000"/>
-                </a:schemeClr>
-              </a:solidFill>
-            </a:endParaRPr>
-          </a:p>
-          <a:p>
-            <a:pPr marL="285750" indent="-285750">
-              <a:buFont typeface="Arial" panose="020B0604020202020204" pitchFamily="34" charset="0"/>
-              <a:buChar char="•"/>
-            </a:pPr>
-            <a:r>
-              <a:rPr lang="en-US" sz="2200" dirty="0"/>
-              <a:t>We need to better organize our data</a:t>
-            </a:r>
-          </a:p>
-          <a:p>
-            <a:endParaRPr lang="en-US" sz="2200" dirty="0"/>
-          </a:p>
-          <a:p>
-            <a:pPr marL="285750" indent="-285750">
-              <a:buFont typeface="Arial" panose="020B0604020202020204" pitchFamily="34" charset="0"/>
-              <a:buChar char="•"/>
-            </a:pPr>
-            <a:r>
-              <a:rPr lang="en-US" sz="2200" dirty="0"/>
-              <a:t>Enforcing structure in the latent space will help us navigate it</a:t>
+            <a:endParaRPr lang="en-US"/>
+          </a:p>
+        </p:txBody>
+      </p:sp>
+      <p:sp>
+        <p:nvSpPr>
+          <p:cNvPr id="32" name="ZoneTexte 31">
+            <a:extLst>
+              <a:ext uri="{FF2B5EF4-FFF2-40B4-BE49-F238E27FC236}">
+                <a16:creationId xmlns:a16="http://schemas.microsoft.com/office/drawing/2014/main" id="{0105858A-ACC1-B149-A464-82837ABA05C8}"/>
+              </a:ext>
+            </a:extLst>
+          </p:cNvPr>
+          <p:cNvSpPr txBox="1"/>
+          <p:nvPr/>
+        </p:nvSpPr>
+        <p:spPr>
+          <a:xfrm>
+            <a:off x="3647434" y="2292779"/>
+            <a:ext cx="2651944" cy="369332"/>
+          </a:xfrm>
+          <a:prstGeom prst="rect">
+            <a:avLst/>
+          </a:prstGeom>
+          <a:noFill/>
+        </p:spPr>
+        <p:txBody>
+          <a:bodyPr wrap="none" rtlCol="0">
+            <a:spAutoFit/>
+          </a:bodyPr>
+          <a:lstStyle/>
+          <a:p>
+            <a:r>
+              <a:rPr lang="en-US"/>
+              <a:t>Typos, wrongly filled out…</a:t>
+            </a:r>
+          </a:p>
+        </p:txBody>
+      </p:sp>
+      <p:sp>
+        <p:nvSpPr>
+          <p:cNvPr id="33" name="ZoneTexte 32">
+            <a:extLst>
+              <a:ext uri="{FF2B5EF4-FFF2-40B4-BE49-F238E27FC236}">
+                <a16:creationId xmlns:a16="http://schemas.microsoft.com/office/drawing/2014/main" id="{190AE845-3721-3B40-94FD-91AD37A2E2E1}"/>
+              </a:ext>
+            </a:extLst>
+          </p:cNvPr>
+          <p:cNvSpPr txBox="1"/>
+          <p:nvPr/>
+        </p:nvSpPr>
+        <p:spPr>
+          <a:xfrm>
+            <a:off x="3628392" y="1647014"/>
+            <a:ext cx="3821944" cy="369332"/>
+          </a:xfrm>
+          <a:prstGeom prst="rect">
+            <a:avLst/>
+          </a:prstGeom>
+          <a:noFill/>
+        </p:spPr>
+        <p:txBody>
+          <a:bodyPr wrap="none" rtlCol="0">
+            <a:spAutoFit/>
+          </a:bodyPr>
+          <a:lstStyle/>
+          <a:p>
+            <a:r>
+              <a:rPr lang="en-US"/>
+              <a:t>No supervision on the experience level</a:t>
             </a:r>
           </a:p>
         </p:txBody>
@@ -40794,7 +41793,7 @@
                                           </p:stCondLst>
                                         </p:cTn>
                                         <p:tgtEl>
-                                          <p:spTgt spid="10"/>
+                                          <p:spTgt spid="20"/>
                                         </p:tgtEl>
                                         <p:attrNameLst>
                                           <p:attrName>style.visibility</p:attrName>
@@ -40808,7 +41807,7 @@
                                       <p:cBhvr>
                                         <p:cTn id="7" dur="500"/>
                                         <p:tgtEl>
-                                          <p:spTgt spid="10"/>
+                                          <p:spTgt spid="20"/>
                                         </p:tgtEl>
                                       </p:cBhvr>
                                     </p:animEffect>
@@ -40829,7 +41828,7 @@
                                           </p:stCondLst>
                                         </p:cTn>
                                         <p:tgtEl>
-                                          <p:spTgt spid="20"/>
+                                          <p:spTgt spid="28"/>
                                         </p:tgtEl>
                                         <p:attrNameLst>
                                           <p:attrName>style.visibility</p:attrName>
@@ -40843,7 +41842,7 @@
                                       <p:cBhvr>
                                         <p:cTn id="10" dur="500"/>
                                         <p:tgtEl>
-                                          <p:spTgt spid="20"/>
+                                          <p:spTgt spid="28"/>
                                         </p:tgtEl>
                                       </p:cBhvr>
                                     </p:animEffect>
@@ -40881,7 +41880,7 @@
 </p:sld>
 </file>
 
-<file path=ppt/slides/slide52.xml><?xml version="1.0" encoding="utf-8"?>
+<file path=ppt/slides/slide53.xml><?xml version="1.0" encoding="utf-8"?>
 <p:sld xmlns:a="http://schemas.openxmlformats.org/drawingml/2006/main" xmlns:r="http://schemas.openxmlformats.org/officeDocument/2006/relationships" xmlns:p="http://schemas.openxmlformats.org/presentationml/2006/main">
   <p:cSld>
     <p:spTree>
@@ -40914,12 +41913,7 @@
             <p:ph type="title"/>
           </p:nvPr>
         </p:nvSpPr>
-        <p:spPr>
-          <a:xfrm>
-            <a:off x="133817" y="1169"/>
-            <a:ext cx="7611368" cy="680225"/>
-          </a:xfrm>
-        </p:spPr>
+        <p:spPr/>
         <p:txBody>
           <a:bodyPr/>
           <a:lstStyle/>
@@ -40928,52 +41922,6 @@
               <a:rPr lang="en-US"/>
               <a:t>Industry Latent Space Structuring via VAE </a:t>
             </a:r>
-          </a:p>
-        </p:txBody>
-      </p:sp>
-      <p:sp>
-        <p:nvSpPr>
-          <p:cNvPr id="3" name="Espace réservé du numéro de diapositive 2">
-            <a:extLst>
-              <a:ext uri="{FF2B5EF4-FFF2-40B4-BE49-F238E27FC236}">
-                <a16:creationId xmlns:a16="http://schemas.microsoft.com/office/drawing/2014/main" id="{5F4596CD-26CC-534D-834A-C8CC7452969E}"/>
-              </a:ext>
-            </a:extLst>
-          </p:cNvPr>
-          <p:cNvSpPr>
-            <a:spLocks noGrp="1"/>
-          </p:cNvSpPr>
-          <p:nvPr>
-            <p:ph type="sldNum" sz="quarter" idx="12"/>
-          </p:nvPr>
-        </p:nvSpPr>
-        <p:spPr>
-          <a:xfrm>
-            <a:off x="8517869" y="6473117"/>
-            <a:ext cx="510928" cy="384883"/>
-          </a:xfrm>
-        </p:spPr>
-        <p:txBody>
-          <a:bodyPr anchor="ctr">
-            <a:normAutofit/>
-          </a:bodyPr>
-          <a:lstStyle/>
-          <a:p>
-            <a:pPr>
-              <a:spcAft>
-                <a:spcPts val="600"/>
-              </a:spcAft>
-            </a:pPr>
-            <a:fld id="{30CCB0C1-2DF4-8B4C-AC0E-201D3DFFEAFD}" type="slidenum">
-              <a:rPr lang="en-US" smtClean="0"/>
-              <a:pPr>
-                <a:spcAft>
-                  <a:spcPts val="600"/>
-                </a:spcAft>
-              </a:pPr>
-              <a:t>51</a:t>
-            </a:fld>
-            <a:endParaRPr lang="en-US"/>
           </a:p>
         </p:txBody>
       </p:sp>
@@ -40994,18 +41942,59 @@
           </p:nvPr>
         </p:nvPicPr>
         <p:blipFill>
-          <a:blip r:embed="rId2"/>
+          <a:blip r:embed="rId3"/>
           <a:stretch>
             <a:fillRect/>
           </a:stretch>
         </p:blipFill>
         <p:spPr>
           <a:xfrm>
-            <a:off x="3458169" y="768253"/>
-            <a:ext cx="5315164" cy="2825626"/>
+            <a:off x="101299" y="975801"/>
+            <a:ext cx="5422900" cy="2882900"/>
           </a:xfrm>
         </p:spPr>
       </p:pic>
+      <p:sp>
+        <p:nvSpPr>
+          <p:cNvPr id="3" name="Espace réservé du numéro de diapositive 2">
+            <a:extLst>
+              <a:ext uri="{FF2B5EF4-FFF2-40B4-BE49-F238E27FC236}">
+                <a16:creationId xmlns:a16="http://schemas.microsoft.com/office/drawing/2014/main" id="{5F4596CD-26CC-534D-834A-C8CC7452969E}"/>
+              </a:ext>
+            </a:extLst>
+          </p:cNvPr>
+          <p:cNvSpPr>
+            <a:spLocks noGrp="1"/>
+          </p:cNvSpPr>
+          <p:nvPr>
+            <p:ph type="sldNum" sz="quarter" idx="12"/>
+          </p:nvPr>
+        </p:nvSpPr>
+        <p:spPr/>
+        <p:txBody>
+          <a:bodyPr anchor="ctr">
+            <a:normAutofit/>
+          </a:bodyPr>
+          <a:lstStyle/>
+          <a:p>
+            <a:pPr>
+              <a:spcAft>
+                <a:spcPts val="600"/>
+              </a:spcAft>
+            </a:pPr>
+            <a:fld id="{30CCB0C1-2DF4-8B4C-AC0E-201D3DFFEAFD}" type="slidenum">
+              <a:rPr lang="en-US" smtClean="0"/>
+              <a:pPr>
+                <a:spcAft>
+                  <a:spcPts val="600"/>
+                </a:spcAft>
+              </a:pPr>
+              <a:t>52</a:t>
+            </a:fld>
+            <a:endParaRPr lang="en-US"/>
+          </a:p>
+        </p:txBody>
+      </p:sp>
       <p:pic>
         <p:nvPicPr>
           <p:cNvPr id="12" name="Image 11">
@@ -41021,15 +42010,15 @@
           <p:nvPr/>
         </p:nvPicPr>
         <p:blipFill>
-          <a:blip r:embed="rId3"/>
+          <a:blip r:embed="rId4"/>
           <a:stretch>
             <a:fillRect/>
           </a:stretch>
         </p:blipFill>
         <p:spPr>
           <a:xfrm>
-            <a:off x="4364409" y="3622179"/>
-            <a:ext cx="3502684" cy="3122732"/>
+            <a:off x="5825630" y="2385502"/>
+            <a:ext cx="3197820" cy="2850938"/>
           </a:xfrm>
           <a:prstGeom prst="rect">
             <a:avLst/>
@@ -41050,8 +42039,8 @@
         </p:nvSpPr>
         <p:spPr>
           <a:xfrm>
-            <a:off x="135454" y="1218310"/>
-            <a:ext cx="3322715" cy="5254807"/>
+            <a:off x="101299" y="4206663"/>
+            <a:ext cx="5508804" cy="1931773"/>
           </a:xfrm>
           <a:prstGeom prst="rect">
             <a:avLst/>
@@ -41071,7 +42060,7 @@
           <a:p>
             <a:pPr algn="ctr"/>
             <a:r>
-              <a:rPr lang="en-US" sz="2400">
+              <a:rPr lang="en-US" sz="2400" dirty="0">
                 <a:solidFill>
                   <a:schemeClr val="accent1">
                     <a:lumMod val="75000"/>
@@ -41080,26 +42069,6 @@
               </a:rPr>
               <a:t>Intuition</a:t>
             </a:r>
-          </a:p>
-          <a:p>
-            <a:pPr algn="ctr"/>
-            <a:endParaRPr lang="en-US" sz="2400">
-              <a:solidFill>
-                <a:schemeClr val="accent1">
-                  <a:lumMod val="75000"/>
-                </a:schemeClr>
-              </a:solidFill>
-            </a:endParaRPr>
-          </a:p>
-          <a:p>
-            <a:pPr algn="ctr"/>
-            <a:endParaRPr lang="en-US" sz="2400">
-              <a:solidFill>
-                <a:schemeClr val="accent1">
-                  <a:lumMod val="75000"/>
-                </a:schemeClr>
-              </a:solidFill>
-            </a:endParaRPr>
           </a:p>
           <a:p>
             <a:pPr marL="285750" indent="-285750">
@@ -41107,27 +42076,13 @@
               <a:buChar char="•"/>
             </a:pPr>
             <a:r>
-              <a:rPr lang="en-US">
+              <a:rPr lang="en-US" dirty="0">
                 <a:solidFill>
                   <a:schemeClr val="tx2"/>
                 </a:solidFill>
               </a:rPr>
               <a:t>Career progression varies from one industry to another</a:t>
             </a:r>
-          </a:p>
-          <a:p>
-            <a:pPr marL="285750" indent="-285750">
-              <a:lnSpc>
-                <a:spcPct val="200000"/>
-              </a:lnSpc>
-              <a:buFont typeface="Arial" panose="020B0604020202020204" pitchFamily="34" charset="0"/>
-              <a:buChar char="•"/>
-            </a:pPr>
-            <a:endParaRPr lang="en-US">
-              <a:solidFill>
-                <a:schemeClr val="tx2"/>
-              </a:solidFill>
-            </a:endParaRPr>
           </a:p>
           <a:p>
             <a:pPr marL="285750" indent="-285750">
@@ -41135,27 +42090,13 @@
               <a:buChar char="•"/>
             </a:pPr>
             <a:r>
-              <a:rPr lang="en-US">
+              <a:rPr lang="en-US" dirty="0">
                 <a:solidFill>
                   <a:schemeClr val="tx2"/>
                 </a:solidFill>
               </a:rPr>
               <a:t>Enforcing this separation will improve the latent space quality</a:t>
             </a:r>
-          </a:p>
-          <a:p>
-            <a:pPr marL="285750" indent="-285750">
-              <a:lnSpc>
-                <a:spcPct val="200000"/>
-              </a:lnSpc>
-              <a:buFont typeface="Arial" panose="020B0604020202020204" pitchFamily="34" charset="0"/>
-              <a:buChar char="•"/>
-            </a:pPr>
-            <a:endParaRPr lang="en-US">
-              <a:solidFill>
-                <a:schemeClr val="tx2"/>
-              </a:solidFill>
-            </a:endParaRPr>
           </a:p>
           <a:p>
             <a:pPr marL="285750" indent="-285750">
@@ -41163,7 +42104,7 @@
               <a:buChar char="•"/>
             </a:pPr>
             <a:r>
-              <a:rPr lang="en-US">
+              <a:rPr lang="en-US" dirty="0">
                 <a:solidFill>
                   <a:schemeClr val="tx2"/>
                 </a:solidFill>
@@ -41177,201 +42118,6 @@
     <p:extLst>
       <p:ext uri="{BB962C8B-B14F-4D97-AF65-F5344CB8AC3E}">
         <p14:creationId xmlns:p14="http://schemas.microsoft.com/office/powerpoint/2010/main" val="633442371"/>
-      </p:ext>
-    </p:extLst>
-  </p:cSld>
-  <p:clrMapOvr>
-    <a:masterClrMapping/>
-  </p:clrMapOvr>
-</p:sld>
-</file>
-
-<file path=ppt/slides/slide53.xml><?xml version="1.0" encoding="utf-8"?>
-<p:sld xmlns:a="http://schemas.openxmlformats.org/drawingml/2006/main" xmlns:r="http://schemas.openxmlformats.org/officeDocument/2006/relationships" xmlns:p="http://schemas.openxmlformats.org/presentationml/2006/main">
-  <p:cSld>
-    <p:spTree>
-      <p:nvGrpSpPr>
-        <p:cNvPr id="1" name=""/>
-        <p:cNvGrpSpPr/>
-        <p:nvPr/>
-      </p:nvGrpSpPr>
-      <p:grpSpPr>
-        <a:xfrm>
-          <a:off x="0" y="0"/>
-          <a:ext cx="0" cy="0"/>
-          <a:chOff x="0" y="0"/>
-          <a:chExt cx="0" cy="0"/>
-        </a:xfrm>
-      </p:grpSpPr>
-      <p:sp>
-        <p:nvSpPr>
-          <p:cNvPr id="8" name="Title 1">
-            <a:extLst>
-              <a:ext uri="{FF2B5EF4-FFF2-40B4-BE49-F238E27FC236}">
-                <a16:creationId xmlns:a16="http://schemas.microsoft.com/office/drawing/2014/main" id="{BFFFF855-F9DB-414A-8D73-4494059A7D20}"/>
-              </a:ext>
-            </a:extLst>
-          </p:cNvPr>
-          <p:cNvSpPr>
-            <a:spLocks noGrp="1"/>
-          </p:cNvSpPr>
-          <p:nvPr>
-            <p:ph type="title"/>
-          </p:nvPr>
-        </p:nvSpPr>
-        <p:spPr>
-          <a:xfrm>
-            <a:off x="133817" y="1169"/>
-            <a:ext cx="7611368" cy="680225"/>
-          </a:xfrm>
-        </p:spPr>
-        <p:txBody>
-          <a:bodyPr/>
-          <a:lstStyle/>
-          <a:p>
-            <a:r>
-              <a:rPr lang="en-US" dirty="0"/>
-              <a:t>User Dynamic Modeling - Obstacles</a:t>
-            </a:r>
-          </a:p>
-        </p:txBody>
-      </p:sp>
-      <p:sp>
-        <p:nvSpPr>
-          <p:cNvPr id="3" name="Espace réservé du numéro de diapositive 2">
-            <a:extLst>
-              <a:ext uri="{FF2B5EF4-FFF2-40B4-BE49-F238E27FC236}">
-                <a16:creationId xmlns:a16="http://schemas.microsoft.com/office/drawing/2014/main" id="{5F4596CD-26CC-534D-834A-C8CC7452969E}"/>
-              </a:ext>
-            </a:extLst>
-          </p:cNvPr>
-          <p:cNvSpPr>
-            <a:spLocks noGrp="1"/>
-          </p:cNvSpPr>
-          <p:nvPr>
-            <p:ph type="sldNum" sz="quarter" idx="12"/>
-          </p:nvPr>
-        </p:nvSpPr>
-        <p:spPr>
-          <a:xfrm>
-            <a:off x="8517869" y="6473117"/>
-            <a:ext cx="510928" cy="384883"/>
-          </a:xfrm>
-        </p:spPr>
-        <p:txBody>
-          <a:bodyPr anchor="ctr">
-            <a:normAutofit/>
-          </a:bodyPr>
-          <a:lstStyle/>
-          <a:p>
-            <a:pPr>
-              <a:spcAft>
-                <a:spcPts val="600"/>
-              </a:spcAft>
-            </a:pPr>
-            <a:fld id="{30CCB0C1-2DF4-8B4C-AC0E-201D3DFFEAFD}" type="slidenum">
-              <a:rPr lang="en-US" smtClean="0"/>
-              <a:pPr>
-                <a:spcAft>
-                  <a:spcPts val="600"/>
-                </a:spcAft>
-              </a:pPr>
-              <a:t>52</a:t>
-            </a:fld>
-            <a:endParaRPr lang="en-US"/>
-          </a:p>
-        </p:txBody>
-      </p:sp>
-      <p:sp>
-        <p:nvSpPr>
-          <p:cNvPr id="5" name="Espace réservé du contenu 4">
-            <a:extLst>
-              <a:ext uri="{FF2B5EF4-FFF2-40B4-BE49-F238E27FC236}">
-                <a16:creationId xmlns:a16="http://schemas.microsoft.com/office/drawing/2014/main" id="{41AFEAA5-AA9F-7441-A75B-4C6E9163F76E}"/>
-              </a:ext>
-            </a:extLst>
-          </p:cNvPr>
-          <p:cNvSpPr>
-            <a:spLocks noGrp="1"/>
-          </p:cNvSpPr>
-          <p:nvPr>
-            <p:ph idx="1"/>
-          </p:nvPr>
-        </p:nvSpPr>
-        <p:spPr>
-          <a:xfrm>
-            <a:off x="604434" y="1175657"/>
-            <a:ext cx="7948552" cy="5069026"/>
-          </a:xfrm>
-        </p:spPr>
-        <p:txBody>
-          <a:bodyPr>
-            <a:normAutofit/>
-          </a:bodyPr>
-          <a:lstStyle/>
-          <a:p>
-            <a:pPr>
-              <a:lnSpc>
-                <a:spcPct val="200000"/>
-              </a:lnSpc>
-            </a:pPr>
-            <a:r>
-              <a:rPr lang="en-US" sz="2400" dirty="0"/>
-              <a:t>Noisy and unstructured data</a:t>
-            </a:r>
-          </a:p>
-          <a:p>
-            <a:pPr>
-              <a:lnSpc>
-                <a:spcPct val="200000"/>
-              </a:lnSpc>
-            </a:pPr>
-            <a:r>
-              <a:rPr lang="en-US" sz="2400" dirty="0"/>
-              <a:t>L</a:t>
-            </a:r>
-            <a:r>
-              <a:rPr lang="fr-FR" sz="2400" dirty="0" err="1"/>
-              <a:t>ack</a:t>
-            </a:r>
-            <a:r>
-              <a:rPr lang="fr-FR" sz="2400" dirty="0"/>
-              <a:t> of direct supervision on </a:t>
-            </a:r>
-            <a:r>
-              <a:rPr lang="fr-FR" sz="2400" dirty="0" err="1"/>
-              <a:t>experience</a:t>
-            </a:r>
-            <a:endParaRPr lang="en-US" sz="2400" dirty="0"/>
-          </a:p>
-          <a:p>
-            <a:pPr>
-              <a:lnSpc>
-                <a:spcPct val="200000"/>
-              </a:lnSpc>
-            </a:pPr>
-            <a:r>
-              <a:rPr lang="en-US" sz="2400" dirty="0"/>
-              <a:t>Insufficient data</a:t>
-            </a:r>
-          </a:p>
-          <a:p>
-            <a:pPr>
-              <a:lnSpc>
-                <a:spcPct val="200000"/>
-              </a:lnSpc>
-            </a:pPr>
-            <a:r>
-              <a:rPr lang="en-US" sz="2400" dirty="0"/>
-              <a:t>Comparing incomparable objects?</a:t>
-            </a:r>
-          </a:p>
-        </p:txBody>
-      </p:sp>
-    </p:spTree>
-    <p:extLst>
-      <p:ext uri="{BB962C8B-B14F-4D97-AF65-F5344CB8AC3E}">
-        <p14:creationId xmlns:p14="http://schemas.microsoft.com/office/powerpoint/2010/main" val="980101754"/>
       </p:ext>
     </p:extLst>
   </p:cSld>
@@ -41400,6 +42146,186 @@
       </p:grpSpPr>
       <p:sp>
         <p:nvSpPr>
+          <p:cNvPr id="8" name="Title 1">
+            <a:extLst>
+              <a:ext uri="{FF2B5EF4-FFF2-40B4-BE49-F238E27FC236}">
+                <a16:creationId xmlns:a16="http://schemas.microsoft.com/office/drawing/2014/main" id="{BFFFF855-F9DB-414A-8D73-4494059A7D20}"/>
+              </a:ext>
+            </a:extLst>
+          </p:cNvPr>
+          <p:cNvSpPr>
+            <a:spLocks noGrp="1"/>
+          </p:cNvSpPr>
+          <p:nvPr>
+            <p:ph type="title"/>
+          </p:nvPr>
+        </p:nvSpPr>
+        <p:spPr/>
+        <p:txBody>
+          <a:bodyPr/>
+          <a:lstStyle/>
+          <a:p>
+            <a:r>
+              <a:rPr lang="en-US" dirty="0"/>
+              <a:t>User Dynamic Modeling - Obstacles</a:t>
+            </a:r>
+          </a:p>
+        </p:txBody>
+      </p:sp>
+      <p:sp>
+        <p:nvSpPr>
+          <p:cNvPr id="5" name="Espace réservé du contenu 4">
+            <a:extLst>
+              <a:ext uri="{FF2B5EF4-FFF2-40B4-BE49-F238E27FC236}">
+                <a16:creationId xmlns:a16="http://schemas.microsoft.com/office/drawing/2014/main" id="{41AFEAA5-AA9F-7441-A75B-4C6E9163F76E}"/>
+              </a:ext>
+            </a:extLst>
+          </p:cNvPr>
+          <p:cNvSpPr>
+            <a:spLocks noGrp="1"/>
+          </p:cNvSpPr>
+          <p:nvPr>
+            <p:ph idx="1"/>
+          </p:nvPr>
+        </p:nvSpPr>
+        <p:spPr/>
+        <p:txBody>
+          <a:bodyPr>
+            <a:normAutofit/>
+          </a:bodyPr>
+          <a:lstStyle/>
+          <a:p>
+            <a:pPr>
+              <a:lnSpc>
+                <a:spcPct val="200000"/>
+              </a:lnSpc>
+            </a:pPr>
+            <a:r>
+              <a:rPr lang="en-US" sz="2400" dirty="0"/>
+              <a:t>Noisy and unstructured data</a:t>
+            </a:r>
+          </a:p>
+          <a:p>
+            <a:pPr>
+              <a:lnSpc>
+                <a:spcPct val="200000"/>
+              </a:lnSpc>
+            </a:pPr>
+            <a:r>
+              <a:rPr lang="en-US" sz="2400" dirty="0"/>
+              <a:t>L</a:t>
+            </a:r>
+            <a:r>
+              <a:rPr lang="fr-FR" sz="2400" dirty="0" err="1"/>
+              <a:t>ack</a:t>
+            </a:r>
+            <a:r>
+              <a:rPr lang="fr-FR" sz="2400" dirty="0"/>
+              <a:t> of direct supervision on </a:t>
+            </a:r>
+            <a:r>
+              <a:rPr lang="fr-FR" sz="2400" dirty="0" err="1"/>
+              <a:t>experience</a:t>
+            </a:r>
+            <a:endParaRPr lang="en-US" sz="2400" dirty="0"/>
+          </a:p>
+          <a:p>
+            <a:pPr>
+              <a:lnSpc>
+                <a:spcPct val="200000"/>
+              </a:lnSpc>
+            </a:pPr>
+            <a:r>
+              <a:rPr lang="en-US" sz="2400" dirty="0"/>
+              <a:t>Insufficient data</a:t>
+            </a:r>
+          </a:p>
+          <a:p>
+            <a:pPr>
+              <a:lnSpc>
+                <a:spcPct val="200000"/>
+              </a:lnSpc>
+            </a:pPr>
+            <a:r>
+              <a:rPr lang="en-US" sz="2400" dirty="0"/>
+              <a:t>Comparing incomparable objects?</a:t>
+            </a:r>
+          </a:p>
+        </p:txBody>
+      </p:sp>
+      <p:sp>
+        <p:nvSpPr>
+          <p:cNvPr id="3" name="Espace réservé du numéro de diapositive 2">
+            <a:extLst>
+              <a:ext uri="{FF2B5EF4-FFF2-40B4-BE49-F238E27FC236}">
+                <a16:creationId xmlns:a16="http://schemas.microsoft.com/office/drawing/2014/main" id="{5F4596CD-26CC-534D-834A-C8CC7452969E}"/>
+              </a:ext>
+            </a:extLst>
+          </p:cNvPr>
+          <p:cNvSpPr>
+            <a:spLocks noGrp="1"/>
+          </p:cNvSpPr>
+          <p:nvPr>
+            <p:ph type="sldNum" sz="quarter" idx="12"/>
+          </p:nvPr>
+        </p:nvSpPr>
+        <p:spPr/>
+        <p:txBody>
+          <a:bodyPr anchor="ctr">
+            <a:normAutofit/>
+          </a:bodyPr>
+          <a:lstStyle/>
+          <a:p>
+            <a:pPr>
+              <a:spcAft>
+                <a:spcPts val="600"/>
+              </a:spcAft>
+            </a:pPr>
+            <a:fld id="{30CCB0C1-2DF4-8B4C-AC0E-201D3DFFEAFD}" type="slidenum">
+              <a:rPr lang="en-US" smtClean="0"/>
+              <a:pPr>
+                <a:spcAft>
+                  <a:spcPts val="600"/>
+                </a:spcAft>
+              </a:pPr>
+              <a:t>53</a:t>
+            </a:fld>
+            <a:endParaRPr lang="en-US"/>
+          </a:p>
+        </p:txBody>
+      </p:sp>
+    </p:spTree>
+    <p:extLst>
+      <p:ext uri="{BB962C8B-B14F-4D97-AF65-F5344CB8AC3E}">
+        <p14:creationId xmlns:p14="http://schemas.microsoft.com/office/powerpoint/2010/main" val="980101754"/>
+      </p:ext>
+    </p:extLst>
+  </p:cSld>
+  <p:clrMapOvr>
+    <a:masterClrMapping/>
+  </p:clrMapOvr>
+</p:sld>
+</file>
+
+<file path=ppt/slides/slide55.xml><?xml version="1.0" encoding="utf-8"?>
+<p:sld xmlns:a="http://schemas.openxmlformats.org/drawingml/2006/main" xmlns:r="http://schemas.openxmlformats.org/officeDocument/2006/relationships" xmlns:p="http://schemas.openxmlformats.org/presentationml/2006/main">
+  <p:cSld>
+    <p:spTree>
+      <p:nvGrpSpPr>
+        <p:cNvPr id="1" name=""/>
+        <p:cNvGrpSpPr/>
+        <p:nvPr/>
+      </p:nvGrpSpPr>
+      <p:grpSpPr>
+        <a:xfrm>
+          <a:off x="0" y="0"/>
+          <a:ext cx="0" cy="0"/>
+          <a:chOff x="0" y="0"/>
+          <a:chExt cx="0" cy="0"/>
+        </a:xfrm>
+      </p:grpSpPr>
+      <p:sp>
+        <p:nvSpPr>
           <p:cNvPr id="5" name="Title 4">
             <a:extLst>
               <a:ext uri="{FF2B5EF4-FFF2-40B4-BE49-F238E27FC236}">
@@ -41450,7 +42376,7 @@
             <a:fld id="{30CCB0C1-2DF4-8B4C-AC0E-201D3DFFEAFD}" type="slidenum">
               <a:rPr lang="fr-FR" smtClean="0"/>
               <a:pPr/>
-              <a:t>53</a:t>
+              <a:t>54</a:t>
             </a:fld>
             <a:endParaRPr lang="fr-FR" dirty="0"/>
           </a:p>
@@ -41481,7 +42407,7 @@
 </p:sld>
 </file>
 
-<file path=ppt/slides/slide55.xml><?xml version="1.0" encoding="utf-8"?>
+<file path=ppt/slides/slide56.xml><?xml version="1.0" encoding="utf-8"?>
 <p:sld xmlns:a="http://schemas.openxmlformats.org/drawingml/2006/main" xmlns:r="http://schemas.openxmlformats.org/officeDocument/2006/relationships" xmlns:p="http://schemas.openxmlformats.org/presentationml/2006/main">
   <p:cSld>
     <p:spTree>
@@ -41550,7 +42476,7 @@
             <a:fld id="{30CCB0C1-2DF4-8B4C-AC0E-201D3DFFEAFD}" type="slidenum">
               <a:rPr lang="en-US" smtClean="0"/>
               <a:pPr/>
-              <a:t>54</a:t>
+              <a:t>55</a:t>
             </a:fld>
             <a:endParaRPr lang="en-US"/>
           </a:p>
@@ -41784,7 +42710,7 @@
 </p:sld>
 </file>
 
-<file path=ppt/slides/slide56.xml><?xml version="1.0" encoding="utf-8"?>
+<file path=ppt/slides/slide57.xml><?xml version="1.0" encoding="utf-8"?>
 <p:sld xmlns:a="http://schemas.openxmlformats.org/drawingml/2006/main" xmlns:r="http://schemas.openxmlformats.org/officeDocument/2006/relationships" xmlns:p="http://schemas.openxmlformats.org/presentationml/2006/main">
   <p:cSld>
     <p:spTree>
@@ -41854,7 +42780,7 @@
             <a:fld id="{30CCB0C1-2DF4-8B4C-AC0E-201D3DFFEAFD}" type="slidenum">
               <a:rPr lang="en-US" smtClean="0"/>
               <a:pPr/>
-              <a:t>55</a:t>
+              <a:t>56</a:t>
             </a:fld>
             <a:endParaRPr lang="en-US"/>
           </a:p>
@@ -42170,7 +43096,7 @@
 </p:sld>
 </file>
 
-<file path=ppt/slides/slide57.xml><?xml version="1.0" encoding="utf-8"?>
+<file path=ppt/slides/slide58.xml><?xml version="1.0" encoding="utf-8"?>
 <p:sld xmlns:a="http://schemas.openxmlformats.org/drawingml/2006/main" xmlns:r="http://schemas.openxmlformats.org/officeDocument/2006/relationships" xmlns:p="http://schemas.openxmlformats.org/presentationml/2006/main">
   <p:cSld>
     <p:spTree>
@@ -42239,7 +43165,7 @@
             <a:fld id="{30CCB0C1-2DF4-8B4C-AC0E-201D3DFFEAFD}" type="slidenum">
               <a:rPr lang="fr-FR" smtClean="0"/>
               <a:pPr/>
-              <a:t>56</a:t>
+              <a:t>57</a:t>
             </a:fld>
             <a:endParaRPr lang="fr-FR" dirty="0"/>
           </a:p>
@@ -42333,7 +43259,7 @@
 </p:sld>
 </file>
 
-<file path=ppt/slides/slide58.xml><?xml version="1.0" encoding="utf-8"?>
+<file path=ppt/slides/slide59.xml><?xml version="1.0" encoding="utf-8"?>
 <p:sld xmlns:a="http://schemas.openxmlformats.org/drawingml/2006/main" xmlns:r="http://schemas.openxmlformats.org/officeDocument/2006/relationships" xmlns:p="http://schemas.openxmlformats.org/presentationml/2006/main">
   <p:cSld>
     <p:spTree>
@@ -42622,123 +43548,6 @@
 </p:sld>
 </file>
 
-<file path=ppt/slides/slide59.xml><?xml version="1.0" encoding="utf-8"?>
-<p:sld xmlns:a="http://schemas.openxmlformats.org/drawingml/2006/main" xmlns:r="http://schemas.openxmlformats.org/officeDocument/2006/relationships" xmlns:p="http://schemas.openxmlformats.org/presentationml/2006/main">
-  <p:cSld>
-    <p:spTree>
-      <p:nvGrpSpPr>
-        <p:cNvPr id="1" name=""/>
-        <p:cNvGrpSpPr/>
-        <p:nvPr/>
-      </p:nvGrpSpPr>
-      <p:grpSpPr>
-        <a:xfrm>
-          <a:off x="0" y="0"/>
-          <a:ext cx="0" cy="0"/>
-          <a:chOff x="0" y="0"/>
-          <a:chExt cx="0" cy="0"/>
-        </a:xfrm>
-      </p:grpSpPr>
-      <p:sp>
-        <p:nvSpPr>
-          <p:cNvPr id="5" name="Title 4">
-            <a:extLst>
-              <a:ext uri="{FF2B5EF4-FFF2-40B4-BE49-F238E27FC236}">
-                <a16:creationId xmlns:a16="http://schemas.microsoft.com/office/drawing/2014/main" id="{E10F11F1-BAD3-E943-8C5D-0735B797FE3C}"/>
-              </a:ext>
-            </a:extLst>
-          </p:cNvPr>
-          <p:cNvSpPr>
-            <a:spLocks noGrp="1"/>
-          </p:cNvSpPr>
-          <p:nvPr>
-            <p:ph type="title"/>
-          </p:nvPr>
-        </p:nvSpPr>
-        <p:spPr/>
-        <p:txBody>
-          <a:bodyPr/>
-          <a:lstStyle/>
-          <a:p>
-            <a:r>
-              <a:rPr lang="en-US" dirty="0"/>
-              <a:t>References</a:t>
-            </a:r>
-            <a:br>
-              <a:rPr lang="en-US" dirty="0"/>
-            </a:br>
-            <a:br>
-              <a:rPr lang="en-US" sz="500" dirty="0"/>
-            </a:br>
-            <a:r>
-              <a:rPr lang="en-US" dirty="0"/>
-              <a:t>⠐</a:t>
-            </a:r>
-            <a:br>
-              <a:rPr lang="en-US" dirty="0"/>
-            </a:br>
-            <a:r>
-              <a:rPr lang="en-US" dirty="0"/>
-              <a:t>Appendix</a:t>
-            </a:r>
-          </a:p>
-        </p:txBody>
-      </p:sp>
-      <p:sp>
-        <p:nvSpPr>
-          <p:cNvPr id="4" name="Slide Number Placeholder 3">
-            <a:extLst>
-              <a:ext uri="{FF2B5EF4-FFF2-40B4-BE49-F238E27FC236}">
-                <a16:creationId xmlns:a16="http://schemas.microsoft.com/office/drawing/2014/main" id="{B4D7DC7E-1CE8-DF4C-94FF-46A2CE622486}"/>
-              </a:ext>
-            </a:extLst>
-          </p:cNvPr>
-          <p:cNvSpPr>
-            <a:spLocks noGrp="1"/>
-          </p:cNvSpPr>
-          <p:nvPr>
-            <p:ph type="sldNum" sz="quarter" idx="12"/>
-          </p:nvPr>
-        </p:nvSpPr>
-        <p:spPr/>
-        <p:txBody>
-          <a:bodyPr/>
-          <a:lstStyle/>
-          <a:p>
-            <a:fld id="{30CCB0C1-2DF4-8B4C-AC0E-201D3DFFEAFD}" type="slidenum">
-              <a:rPr lang="fr-FR" smtClean="0"/>
-              <a:pPr/>
-              <a:t>58</a:t>
-            </a:fld>
-            <a:endParaRPr lang="fr-FR" dirty="0"/>
-          </a:p>
-        </p:txBody>
-      </p:sp>
-    </p:spTree>
-    <p:extLst>
-      <p:ext uri="{BB962C8B-B14F-4D97-AF65-F5344CB8AC3E}">
-        <p14:creationId xmlns:p14="http://schemas.microsoft.com/office/powerpoint/2010/main" val="3348286309"/>
-      </p:ext>
-    </p:extLst>
-  </p:cSld>
-  <p:clrMapOvr>
-    <a:masterClrMapping/>
-  </p:clrMapOvr>
-  <mc:AlternateContent xmlns:mc="http://schemas.openxmlformats.org/markup-compatibility/2006" xmlns:p14="http://schemas.microsoft.com/office/powerpoint/2010/main">
-    <mc:Choice Requires="p14">
-      <p:transition p14:dur="300">
-        <p:fade/>
-      </p:transition>
-    </mc:Choice>
-    <mc:Fallback xmlns="">
-      <p:transition>
-        <p:fade/>
-      </p:transition>
-    </mc:Fallback>
-  </mc:AlternateContent>
-</p:sld>
-</file>
-
 <file path=ppt/slides/slide6.xml><?xml version="1.0" encoding="utf-8"?>
 <p:sld xmlns:a="http://schemas.openxmlformats.org/drawingml/2006/main" xmlns:r="http://schemas.openxmlformats.org/officeDocument/2006/relationships" xmlns:p="http://schemas.openxmlformats.org/presentationml/2006/main">
   <p:cSld>
@@ -42811,44 +43620,6 @@
               <a:t>5</a:t>
             </a:fld>
             <a:endParaRPr lang="fr-FR" dirty="0"/>
-          </a:p>
-        </p:txBody>
-      </p:sp>
-      <p:sp>
-        <p:nvSpPr>
-          <p:cNvPr id="5" name="Rectangle 4">
-            <a:extLst>
-              <a:ext uri="{FF2B5EF4-FFF2-40B4-BE49-F238E27FC236}">
-                <a16:creationId xmlns:a16="http://schemas.microsoft.com/office/drawing/2014/main" id="{01D418A2-664F-3B40-85C0-D84B8BA25A94}"/>
-              </a:ext>
-            </a:extLst>
-          </p:cNvPr>
-          <p:cNvSpPr/>
-          <p:nvPr/>
-        </p:nvSpPr>
-        <p:spPr>
-          <a:xfrm>
-            <a:off x="3089529" y="5515853"/>
-            <a:ext cx="2434000" cy="369332"/>
-          </a:xfrm>
-          <a:prstGeom prst="rect">
-            <a:avLst/>
-          </a:prstGeom>
-        </p:spPr>
-        <p:txBody>
-          <a:bodyPr wrap="none">
-            <a:spAutoFit/>
-          </a:bodyPr>
-          <a:lstStyle/>
-          <a:p>
-            <a:r>
-              <a:rPr lang="en-US" dirty="0">
-                <a:solidFill>
-                  <a:srgbClr val="C00000"/>
-                </a:solidFill>
-              </a:rPr>
-              <a:t>Representation learning</a:t>
-            </a:r>
           </a:p>
         </p:txBody>
       </p:sp>
@@ -43018,6 +43789,91 @@
                 <a:schemeClr val="tx1"/>
               </a:solidFill>
             </a:endParaRPr>
+          </a:p>
+        </p:txBody>
+      </p:sp>
+      <p:sp>
+        <p:nvSpPr>
+          <p:cNvPr id="10" name="ZoneTexte 9">
+            <a:extLst>
+              <a:ext uri="{FF2B5EF4-FFF2-40B4-BE49-F238E27FC236}">
+                <a16:creationId xmlns:a16="http://schemas.microsoft.com/office/drawing/2014/main" id="{1EB4D0F0-C94D-E84F-B57F-FA67F1BAD770}"/>
+              </a:ext>
+            </a:extLst>
+          </p:cNvPr>
+          <p:cNvSpPr txBox="1"/>
+          <p:nvPr/>
+        </p:nvSpPr>
+        <p:spPr>
+          <a:xfrm>
+            <a:off x="5621310" y="1723869"/>
+            <a:ext cx="3327817" cy="677108"/>
+          </a:xfrm>
+          <a:prstGeom prst="rect">
+            <a:avLst/>
+          </a:prstGeom>
+          <a:noFill/>
+        </p:spPr>
+        <p:txBody>
+          <a:bodyPr wrap="square" rtlCol="0">
+            <a:spAutoFit/>
+          </a:bodyPr>
+          <a:lstStyle/>
+          <a:p>
+            <a:r>
+              <a:rPr lang="en-US" sz="2000" b="1" dirty="0">
+                <a:solidFill>
+                  <a:schemeClr val="accent1"/>
+                </a:solidFill>
+              </a:rPr>
+              <a:t>What</a:t>
+            </a:r>
+          </a:p>
+          <a:p>
+            <a:pPr marL="285750" indent="-285750">
+              <a:buFont typeface="Arial" panose="020B0604020202020204" pitchFamily="34" charset="0"/>
+              <a:buChar char="•"/>
+            </a:pPr>
+            <a:endParaRPr lang="en-US" dirty="0"/>
+          </a:p>
+        </p:txBody>
+      </p:sp>
+      <p:sp>
+        <p:nvSpPr>
+          <p:cNvPr id="11" name="ZoneTexte 10">
+            <a:extLst>
+              <a:ext uri="{FF2B5EF4-FFF2-40B4-BE49-F238E27FC236}">
+                <a16:creationId xmlns:a16="http://schemas.microsoft.com/office/drawing/2014/main" id="{C307A599-57EA-8F46-AA29-EBBA7A76BEB8}"/>
+              </a:ext>
+            </a:extLst>
+          </p:cNvPr>
+          <p:cNvSpPr txBox="1"/>
+          <p:nvPr/>
+        </p:nvSpPr>
+        <p:spPr>
+          <a:xfrm>
+            <a:off x="5621309" y="3553026"/>
+            <a:ext cx="3327817" cy="400110"/>
+          </a:xfrm>
+          <a:prstGeom prst="rect">
+            <a:avLst/>
+          </a:prstGeom>
+          <a:noFill/>
+        </p:spPr>
+        <p:txBody>
+          <a:bodyPr wrap="square" rtlCol="0">
+            <a:spAutoFit/>
+          </a:bodyPr>
+          <a:lstStyle/>
+          <a:p>
+            <a:r>
+              <a:rPr lang="en-US" sz="2000" b="1" dirty="0">
+                <a:solidFill>
+                  <a:schemeClr val="accent1"/>
+                </a:solidFill>
+              </a:rPr>
+              <a:t>How</a:t>
+            </a:r>
           </a:p>
         </p:txBody>
       </p:sp>
@@ -43065,10 +43921,10 @@
       </p:grpSpPr>
       <p:sp>
         <p:nvSpPr>
-          <p:cNvPr id="4" name="Title 3">
+          <p:cNvPr id="5" name="Title 4">
             <a:extLst>
               <a:ext uri="{FF2B5EF4-FFF2-40B4-BE49-F238E27FC236}">
-                <a16:creationId xmlns:a16="http://schemas.microsoft.com/office/drawing/2014/main" id="{43E5DA6B-73E6-D34D-A653-9993B905B358}"/>
+                <a16:creationId xmlns:a16="http://schemas.microsoft.com/office/drawing/2014/main" id="{E10F11F1-BAD3-E943-8C5D-0735B797FE3C}"/>
               </a:ext>
             </a:extLst>
           </p:cNvPr>
@@ -43088,15 +43944,32 @@
               <a:rPr lang="en-US" dirty="0"/>
               <a:t>References</a:t>
             </a:r>
-          </a:p>
-        </p:txBody>
-      </p:sp>
-      <p:sp>
-        <p:nvSpPr>
-          <p:cNvPr id="3" name="Slide Number Placeholder 2">
+            <a:br>
+              <a:rPr lang="en-US" dirty="0"/>
+            </a:br>
+            <a:br>
+              <a:rPr lang="en-US" sz="500" dirty="0"/>
+            </a:br>
+            <a:r>
+              <a:rPr lang="en-US" dirty="0"/>
+              <a:t>⠐</a:t>
+            </a:r>
+            <a:br>
+              <a:rPr lang="en-US" dirty="0"/>
+            </a:br>
+            <a:r>
+              <a:rPr lang="en-US" dirty="0"/>
+              <a:t>Appendix</a:t>
+            </a:r>
+          </a:p>
+        </p:txBody>
+      </p:sp>
+      <p:sp>
+        <p:nvSpPr>
+          <p:cNvPr id="4" name="Slide Number Placeholder 3">
             <a:extLst>
               <a:ext uri="{FF2B5EF4-FFF2-40B4-BE49-F238E27FC236}">
-                <a16:creationId xmlns:a16="http://schemas.microsoft.com/office/drawing/2014/main" id="{410A430D-FBFA-AE40-A6B5-01B854E61196}"/>
+                <a16:creationId xmlns:a16="http://schemas.microsoft.com/office/drawing/2014/main" id="{B4D7DC7E-1CE8-DF4C-94FF-46A2CE622486}"/>
               </a:ext>
             </a:extLst>
           </p:cNvPr>
@@ -43117,39 +43990,14 @@
               <a:pPr/>
               <a:t>59</a:t>
             </a:fld>
-            <a:endParaRPr lang="fr-FR"/>
-          </a:p>
-        </p:txBody>
-      </p:sp>
-      <p:sp>
-        <p:nvSpPr>
-          <p:cNvPr id="6" name="Espace réservé du contenu 5">
-            <a:extLst>
-              <a:ext uri="{FF2B5EF4-FFF2-40B4-BE49-F238E27FC236}">
-                <a16:creationId xmlns:a16="http://schemas.microsoft.com/office/drawing/2014/main" id="{A1D9E1DF-61E6-AF4B-A775-41E7EC1C186E}"/>
-              </a:ext>
-            </a:extLst>
-          </p:cNvPr>
-          <p:cNvSpPr>
-            <a:spLocks noGrp="1"/>
-          </p:cNvSpPr>
-          <p:nvPr>
-            <p:ph idx="1"/>
-          </p:nvPr>
-        </p:nvSpPr>
-        <p:spPr/>
-        <p:txBody>
-          <a:bodyPr/>
-          <a:lstStyle/>
-          <a:p>
-            <a:endParaRPr lang="fr-FR"/>
+            <a:endParaRPr lang="fr-FR" dirty="0"/>
           </a:p>
         </p:txBody>
       </p:sp>
     </p:spTree>
     <p:extLst>
       <p:ext uri="{BB962C8B-B14F-4D97-AF65-F5344CB8AC3E}">
-        <p14:creationId xmlns:p14="http://schemas.microsoft.com/office/powerpoint/2010/main" val="1545443080"/>
+        <p14:creationId xmlns:p14="http://schemas.microsoft.com/office/powerpoint/2010/main" val="3348286309"/>
       </p:ext>
     </p:extLst>
   </p:cSld>
@@ -43190,10 +44038,10 @@
       </p:grpSpPr>
       <p:sp>
         <p:nvSpPr>
-          <p:cNvPr id="5" name="Title 4">
+          <p:cNvPr id="4" name="Title 3">
             <a:extLst>
               <a:ext uri="{FF2B5EF4-FFF2-40B4-BE49-F238E27FC236}">
-                <a16:creationId xmlns:a16="http://schemas.microsoft.com/office/drawing/2014/main" id="{5D8A804D-2FEF-5449-A1AE-108430654FC3}"/>
+                <a16:creationId xmlns:a16="http://schemas.microsoft.com/office/drawing/2014/main" id="{43E5DA6B-73E6-D34D-A653-9993B905B358}"/>
               </a:ext>
             </a:extLst>
           </p:cNvPr>
@@ -43211,17 +44059,17 @@
           <a:p>
             <a:r>
               <a:rPr lang="en-US" dirty="0"/>
-              <a:t>Appendix for HRAN</a:t>
-            </a:r>
-          </a:p>
-        </p:txBody>
-      </p:sp>
-      <p:sp>
-        <p:nvSpPr>
-          <p:cNvPr id="4" name="Slide Number Placeholder 3">
+              <a:t>References</a:t>
+            </a:r>
+          </a:p>
+        </p:txBody>
+      </p:sp>
+      <p:sp>
+        <p:nvSpPr>
+          <p:cNvPr id="3" name="Slide Number Placeholder 2">
             <a:extLst>
               <a:ext uri="{FF2B5EF4-FFF2-40B4-BE49-F238E27FC236}">
-                <a16:creationId xmlns:a16="http://schemas.microsoft.com/office/drawing/2014/main" id="{70D6DD8B-E6BA-E343-A7FF-18007A8B1A6C}"/>
+                <a16:creationId xmlns:a16="http://schemas.microsoft.com/office/drawing/2014/main" id="{410A430D-FBFA-AE40-A6B5-01B854E61196}"/>
               </a:ext>
             </a:extLst>
           </p:cNvPr>
@@ -43242,20 +44090,57 @@
               <a:pPr/>
               <a:t>60</a:t>
             </a:fld>
-            <a:endParaRPr lang="fr-FR" dirty="0"/>
+            <a:endParaRPr lang="fr-FR"/>
+          </a:p>
+        </p:txBody>
+      </p:sp>
+      <p:sp>
+        <p:nvSpPr>
+          <p:cNvPr id="6" name="Espace réservé du contenu 5">
+            <a:extLst>
+              <a:ext uri="{FF2B5EF4-FFF2-40B4-BE49-F238E27FC236}">
+                <a16:creationId xmlns:a16="http://schemas.microsoft.com/office/drawing/2014/main" id="{A1D9E1DF-61E6-AF4B-A775-41E7EC1C186E}"/>
+              </a:ext>
+            </a:extLst>
+          </p:cNvPr>
+          <p:cNvSpPr>
+            <a:spLocks noGrp="1"/>
+          </p:cNvSpPr>
+          <p:nvPr>
+            <p:ph idx="1"/>
+          </p:nvPr>
+        </p:nvSpPr>
+        <p:spPr/>
+        <p:txBody>
+          <a:bodyPr/>
+          <a:lstStyle/>
+          <a:p>
+            <a:endParaRPr lang="fr-FR"/>
           </a:p>
         </p:txBody>
       </p:sp>
     </p:spTree>
     <p:extLst>
       <p:ext uri="{BB962C8B-B14F-4D97-AF65-F5344CB8AC3E}">
-        <p14:creationId xmlns:p14="http://schemas.microsoft.com/office/powerpoint/2010/main" val="1622158934"/>
+        <p14:creationId xmlns:p14="http://schemas.microsoft.com/office/powerpoint/2010/main" val="1545443080"/>
       </p:ext>
     </p:extLst>
   </p:cSld>
   <p:clrMapOvr>
     <a:masterClrMapping/>
   </p:clrMapOvr>
+  <mc:AlternateContent xmlns:mc="http://schemas.openxmlformats.org/markup-compatibility/2006" xmlns:p14="http://schemas.microsoft.com/office/powerpoint/2010/main">
+    <mc:Choice Requires="p14">
+      <p:transition p14:dur="300">
+        <p:fade/>
+      </p:transition>
+    </mc:Choice>
+    <mc:Fallback xmlns="">
+      <p:transition>
+        <p:fade/>
+      </p:transition>
+    </mc:Fallback>
+  </mc:AlternateContent>
 </p:sld>
 </file>
 
@@ -43299,7 +44184,7 @@
           <a:p>
             <a:r>
               <a:rPr lang="en-US" dirty="0"/>
-              <a:t>Appendix for Resumé</a:t>
+              <a:t>Appendix for HRAN</a:t>
             </a:r>
           </a:p>
         </p:txBody>
@@ -43337,7 +44222,7 @@
     </p:spTree>
     <p:extLst>
       <p:ext uri="{BB962C8B-B14F-4D97-AF65-F5344CB8AC3E}">
-        <p14:creationId xmlns:p14="http://schemas.microsoft.com/office/powerpoint/2010/main" val="131164598"/>
+        <p14:creationId xmlns:p14="http://schemas.microsoft.com/office/powerpoint/2010/main" val="1622158934"/>
       </p:ext>
     </p:extLst>
   </p:cSld>
@@ -43366,6 +44251,94 @@
       </p:grpSpPr>
       <p:sp>
         <p:nvSpPr>
+          <p:cNvPr id="5" name="Title 4">
+            <a:extLst>
+              <a:ext uri="{FF2B5EF4-FFF2-40B4-BE49-F238E27FC236}">
+                <a16:creationId xmlns:a16="http://schemas.microsoft.com/office/drawing/2014/main" id="{5D8A804D-2FEF-5449-A1AE-108430654FC3}"/>
+              </a:ext>
+            </a:extLst>
+          </p:cNvPr>
+          <p:cNvSpPr>
+            <a:spLocks noGrp="1"/>
+          </p:cNvSpPr>
+          <p:nvPr>
+            <p:ph type="title"/>
+          </p:nvPr>
+        </p:nvSpPr>
+        <p:spPr/>
+        <p:txBody>
+          <a:bodyPr/>
+          <a:lstStyle/>
+          <a:p>
+            <a:r>
+              <a:rPr lang="en-US" dirty="0"/>
+              <a:t>Appendix for Resumé</a:t>
+            </a:r>
+          </a:p>
+        </p:txBody>
+      </p:sp>
+      <p:sp>
+        <p:nvSpPr>
+          <p:cNvPr id="4" name="Slide Number Placeholder 3">
+            <a:extLst>
+              <a:ext uri="{FF2B5EF4-FFF2-40B4-BE49-F238E27FC236}">
+                <a16:creationId xmlns:a16="http://schemas.microsoft.com/office/drawing/2014/main" id="{70D6DD8B-E6BA-E343-A7FF-18007A8B1A6C}"/>
+              </a:ext>
+            </a:extLst>
+          </p:cNvPr>
+          <p:cNvSpPr>
+            <a:spLocks noGrp="1"/>
+          </p:cNvSpPr>
+          <p:nvPr>
+            <p:ph type="sldNum" sz="quarter" idx="12"/>
+          </p:nvPr>
+        </p:nvSpPr>
+        <p:spPr/>
+        <p:txBody>
+          <a:bodyPr/>
+          <a:lstStyle/>
+          <a:p>
+            <a:fld id="{30CCB0C1-2DF4-8B4C-AC0E-201D3DFFEAFD}" type="slidenum">
+              <a:rPr lang="fr-FR" smtClean="0"/>
+              <a:pPr/>
+              <a:t>62</a:t>
+            </a:fld>
+            <a:endParaRPr lang="fr-FR" dirty="0"/>
+          </a:p>
+        </p:txBody>
+      </p:sp>
+    </p:spTree>
+    <p:extLst>
+      <p:ext uri="{BB962C8B-B14F-4D97-AF65-F5344CB8AC3E}">
+        <p14:creationId xmlns:p14="http://schemas.microsoft.com/office/powerpoint/2010/main" val="131164598"/>
+      </p:ext>
+    </p:extLst>
+  </p:cSld>
+  <p:clrMapOvr>
+    <a:masterClrMapping/>
+  </p:clrMapOvr>
+</p:sld>
+</file>
+
+<file path=ppt/slides/slide64.xml><?xml version="1.0" encoding="utf-8"?>
+<p:sld xmlns:a="http://schemas.openxmlformats.org/drawingml/2006/main" xmlns:r="http://schemas.openxmlformats.org/officeDocument/2006/relationships" xmlns:p="http://schemas.openxmlformats.org/presentationml/2006/main">
+  <p:cSld>
+    <p:spTree>
+      <p:nvGrpSpPr>
+        <p:cNvPr id="1" name=""/>
+        <p:cNvGrpSpPr/>
+        <p:nvPr/>
+      </p:nvGrpSpPr>
+      <p:grpSpPr>
+        <a:xfrm>
+          <a:off x="0" y="0"/>
+          <a:ext cx="0" cy="0"/>
+          <a:chOff x="0" y="0"/>
+          <a:chExt cx="0" cy="0"/>
+        </a:xfrm>
+      </p:grpSpPr>
+      <p:sp>
+        <p:nvSpPr>
           <p:cNvPr id="2" name="Titre 1">
             <a:extLst>
               <a:ext uri="{FF2B5EF4-FFF2-40B4-BE49-F238E27FC236}">
@@ -43416,7 +44389,7 @@
             <a:fld id="{30CCB0C1-2DF4-8B4C-AC0E-201D3DFFEAFD}" type="slidenum">
               <a:rPr lang="fr-FR" smtClean="0"/>
               <a:pPr/>
-              <a:t>62</a:t>
+              <a:t>63</a:t>
             </a:fld>
             <a:endParaRPr lang="fr-FR" dirty="0"/>
           </a:p>
@@ -43467,94 +44440,6 @@
 </p:sld>
 </file>
 
-<file path=ppt/slides/slide64.xml><?xml version="1.0" encoding="utf-8"?>
-<p:sld xmlns:a="http://schemas.openxmlformats.org/drawingml/2006/main" xmlns:r="http://schemas.openxmlformats.org/officeDocument/2006/relationships" xmlns:p="http://schemas.openxmlformats.org/presentationml/2006/main">
-  <p:cSld>
-    <p:spTree>
-      <p:nvGrpSpPr>
-        <p:cNvPr id="1" name=""/>
-        <p:cNvGrpSpPr/>
-        <p:nvPr/>
-      </p:nvGrpSpPr>
-      <p:grpSpPr>
-        <a:xfrm>
-          <a:off x="0" y="0"/>
-          <a:ext cx="0" cy="0"/>
-          <a:chOff x="0" y="0"/>
-          <a:chExt cx="0" cy="0"/>
-        </a:xfrm>
-      </p:grpSpPr>
-      <p:sp>
-        <p:nvSpPr>
-          <p:cNvPr id="5" name="Title 4">
-            <a:extLst>
-              <a:ext uri="{FF2B5EF4-FFF2-40B4-BE49-F238E27FC236}">
-                <a16:creationId xmlns:a16="http://schemas.microsoft.com/office/drawing/2014/main" id="{5D8A804D-2FEF-5449-A1AE-108430654FC3}"/>
-              </a:ext>
-            </a:extLst>
-          </p:cNvPr>
-          <p:cNvSpPr>
-            <a:spLocks noGrp="1"/>
-          </p:cNvSpPr>
-          <p:nvPr>
-            <p:ph type="title"/>
-          </p:nvPr>
-        </p:nvSpPr>
-        <p:spPr/>
-        <p:txBody>
-          <a:bodyPr/>
-          <a:lstStyle/>
-          <a:p>
-            <a:r>
-              <a:rPr lang="en-US" dirty="0"/>
-              <a:t>Appendix for User Modeling</a:t>
-            </a:r>
-          </a:p>
-        </p:txBody>
-      </p:sp>
-      <p:sp>
-        <p:nvSpPr>
-          <p:cNvPr id="4" name="Slide Number Placeholder 3">
-            <a:extLst>
-              <a:ext uri="{FF2B5EF4-FFF2-40B4-BE49-F238E27FC236}">
-                <a16:creationId xmlns:a16="http://schemas.microsoft.com/office/drawing/2014/main" id="{70D6DD8B-E6BA-E343-A7FF-18007A8B1A6C}"/>
-              </a:ext>
-            </a:extLst>
-          </p:cNvPr>
-          <p:cNvSpPr>
-            <a:spLocks noGrp="1"/>
-          </p:cNvSpPr>
-          <p:nvPr>
-            <p:ph type="sldNum" sz="quarter" idx="12"/>
-          </p:nvPr>
-        </p:nvSpPr>
-        <p:spPr/>
-        <p:txBody>
-          <a:bodyPr/>
-          <a:lstStyle/>
-          <a:p>
-            <a:fld id="{30CCB0C1-2DF4-8B4C-AC0E-201D3DFFEAFD}" type="slidenum">
-              <a:rPr lang="fr-FR" smtClean="0"/>
-              <a:pPr/>
-              <a:t>63</a:t>
-            </a:fld>
-            <a:endParaRPr lang="fr-FR" dirty="0"/>
-          </a:p>
-        </p:txBody>
-      </p:sp>
-    </p:spTree>
-    <p:extLst>
-      <p:ext uri="{BB962C8B-B14F-4D97-AF65-F5344CB8AC3E}">
-        <p14:creationId xmlns:p14="http://schemas.microsoft.com/office/powerpoint/2010/main" val="1446776665"/>
-      </p:ext>
-    </p:extLst>
-  </p:cSld>
-  <p:clrMapOvr>
-    <a:masterClrMapping/>
-  </p:clrMapOvr>
-</p:sld>
-</file>
-
 <file path=ppt/slides/slide65.xml><?xml version="1.0" encoding="utf-8"?>
 <p:sld xmlns:a="http://schemas.openxmlformats.org/drawingml/2006/main" xmlns:r="http://schemas.openxmlformats.org/officeDocument/2006/relationships" xmlns:p="http://schemas.openxmlformats.org/presentationml/2006/main">
   <p:cSld>
@@ -43574,6 +44459,94 @@
       </p:grpSpPr>
       <p:sp>
         <p:nvSpPr>
+          <p:cNvPr id="5" name="Title 4">
+            <a:extLst>
+              <a:ext uri="{FF2B5EF4-FFF2-40B4-BE49-F238E27FC236}">
+                <a16:creationId xmlns:a16="http://schemas.microsoft.com/office/drawing/2014/main" id="{5D8A804D-2FEF-5449-A1AE-108430654FC3}"/>
+              </a:ext>
+            </a:extLst>
+          </p:cNvPr>
+          <p:cNvSpPr>
+            <a:spLocks noGrp="1"/>
+          </p:cNvSpPr>
+          <p:nvPr>
+            <p:ph type="title"/>
+          </p:nvPr>
+        </p:nvSpPr>
+        <p:spPr/>
+        <p:txBody>
+          <a:bodyPr/>
+          <a:lstStyle/>
+          <a:p>
+            <a:r>
+              <a:rPr lang="en-US" dirty="0"/>
+              <a:t>Appendix for User Modeling</a:t>
+            </a:r>
+          </a:p>
+        </p:txBody>
+      </p:sp>
+      <p:sp>
+        <p:nvSpPr>
+          <p:cNvPr id="4" name="Slide Number Placeholder 3">
+            <a:extLst>
+              <a:ext uri="{FF2B5EF4-FFF2-40B4-BE49-F238E27FC236}">
+                <a16:creationId xmlns:a16="http://schemas.microsoft.com/office/drawing/2014/main" id="{70D6DD8B-E6BA-E343-A7FF-18007A8B1A6C}"/>
+              </a:ext>
+            </a:extLst>
+          </p:cNvPr>
+          <p:cNvSpPr>
+            <a:spLocks noGrp="1"/>
+          </p:cNvSpPr>
+          <p:nvPr>
+            <p:ph type="sldNum" sz="quarter" idx="12"/>
+          </p:nvPr>
+        </p:nvSpPr>
+        <p:spPr/>
+        <p:txBody>
+          <a:bodyPr/>
+          <a:lstStyle/>
+          <a:p>
+            <a:fld id="{30CCB0C1-2DF4-8B4C-AC0E-201D3DFFEAFD}" type="slidenum">
+              <a:rPr lang="fr-FR" smtClean="0"/>
+              <a:pPr/>
+              <a:t>64</a:t>
+            </a:fld>
+            <a:endParaRPr lang="fr-FR" dirty="0"/>
+          </a:p>
+        </p:txBody>
+      </p:sp>
+    </p:spTree>
+    <p:extLst>
+      <p:ext uri="{BB962C8B-B14F-4D97-AF65-F5344CB8AC3E}">
+        <p14:creationId xmlns:p14="http://schemas.microsoft.com/office/powerpoint/2010/main" val="1446776665"/>
+      </p:ext>
+    </p:extLst>
+  </p:cSld>
+  <p:clrMapOvr>
+    <a:masterClrMapping/>
+  </p:clrMapOvr>
+</p:sld>
+</file>
+
+<file path=ppt/slides/slide66.xml><?xml version="1.0" encoding="utf-8"?>
+<p:sld xmlns:a="http://schemas.openxmlformats.org/drawingml/2006/main" xmlns:r="http://schemas.openxmlformats.org/officeDocument/2006/relationships" xmlns:p="http://schemas.openxmlformats.org/presentationml/2006/main">
+  <p:cSld>
+    <p:spTree>
+      <p:nvGrpSpPr>
+        <p:cNvPr id="1" name=""/>
+        <p:cNvGrpSpPr/>
+        <p:nvPr/>
+      </p:nvGrpSpPr>
+      <p:grpSpPr>
+        <a:xfrm>
+          <a:off x="0" y="0"/>
+          <a:ext cx="0" cy="0"/>
+          <a:chOff x="0" y="0"/>
+          <a:chExt cx="0" cy="0"/>
+        </a:xfrm>
+      </p:grpSpPr>
+      <p:sp>
+        <p:nvSpPr>
           <p:cNvPr id="2" name="Titre 1">
             <a:extLst>
               <a:ext uri="{FF2B5EF4-FFF2-40B4-BE49-F238E27FC236}">
@@ -43624,7 +44597,7 @@
             <a:fld id="{30CCB0C1-2DF4-8B4C-AC0E-201D3DFFEAFD}" type="slidenum">
               <a:rPr lang="fr-FR" smtClean="0"/>
               <a:pPr/>
-              <a:t>64</a:t>
+              <a:t>65</a:t>
             </a:fld>
             <a:endParaRPr lang="fr-FR" dirty="0"/>
           </a:p>
@@ -44046,6 +45019,131 @@
                 </a:solidFill>
               </a:rPr>
               <a:t>Make Predictions Explainable</a:t>
+            </a:r>
+          </a:p>
+        </p:txBody>
+      </p:sp>
+      <p:sp>
+        <p:nvSpPr>
+          <p:cNvPr id="14" name="ZoneTexte 13">
+            <a:extLst>
+              <a:ext uri="{FF2B5EF4-FFF2-40B4-BE49-F238E27FC236}">
+                <a16:creationId xmlns:a16="http://schemas.microsoft.com/office/drawing/2014/main" id="{56B33B3D-25E3-FC4D-BEEE-AC849B2EF161}"/>
+              </a:ext>
+            </a:extLst>
+          </p:cNvPr>
+          <p:cNvSpPr txBox="1"/>
+          <p:nvPr/>
+        </p:nvSpPr>
+        <p:spPr>
+          <a:xfrm>
+            <a:off x="5621310" y="1723869"/>
+            <a:ext cx="3327817" cy="1508105"/>
+          </a:xfrm>
+          <a:prstGeom prst="rect">
+            <a:avLst/>
+          </a:prstGeom>
+          <a:noFill/>
+        </p:spPr>
+        <p:txBody>
+          <a:bodyPr wrap="square" rtlCol="0">
+            <a:spAutoFit/>
+          </a:bodyPr>
+          <a:lstStyle/>
+          <a:p>
+            <a:r>
+              <a:rPr lang="en-US" sz="2000" b="1" dirty="0">
+                <a:solidFill>
+                  <a:schemeClr val="accent1"/>
+                </a:solidFill>
+              </a:rPr>
+              <a:t>What</a:t>
+            </a:r>
+          </a:p>
+          <a:p>
+            <a:pPr marL="285750" indent="-285750">
+              <a:buFont typeface="Arial" panose="020B0604020202020204" pitchFamily="34" charset="0"/>
+              <a:buChar char="•"/>
+            </a:pPr>
+            <a:r>
+              <a:rPr lang="en-US" dirty="0"/>
+              <a:t>Understand the users’ tastes</a:t>
+            </a:r>
+          </a:p>
+          <a:p>
+            <a:pPr marL="285750" indent="-285750">
+              <a:buFont typeface="Arial" panose="020B0604020202020204" pitchFamily="34" charset="0"/>
+              <a:buChar char="•"/>
+            </a:pPr>
+            <a:r>
+              <a:rPr lang="en-US" dirty="0"/>
+              <a:t>Model diversity and complexity of their profiles</a:t>
+            </a:r>
+          </a:p>
+          <a:p>
+            <a:pPr marL="285750" indent="-285750">
+              <a:buFont typeface="Arial" panose="020B0604020202020204" pitchFamily="34" charset="0"/>
+              <a:buChar char="•"/>
+            </a:pPr>
+            <a:endParaRPr lang="en-US" dirty="0"/>
+          </a:p>
+        </p:txBody>
+      </p:sp>
+      <p:sp>
+        <p:nvSpPr>
+          <p:cNvPr id="15" name="ZoneTexte 14">
+            <a:extLst>
+              <a:ext uri="{FF2B5EF4-FFF2-40B4-BE49-F238E27FC236}">
+                <a16:creationId xmlns:a16="http://schemas.microsoft.com/office/drawing/2014/main" id="{A7A93D01-14CC-3D4C-9138-B2FE72A2A9F6}"/>
+              </a:ext>
+            </a:extLst>
+          </p:cNvPr>
+          <p:cNvSpPr txBox="1"/>
+          <p:nvPr/>
+        </p:nvSpPr>
+        <p:spPr>
+          <a:xfrm>
+            <a:off x="5621309" y="3553026"/>
+            <a:ext cx="3327817" cy="954107"/>
+          </a:xfrm>
+          <a:prstGeom prst="rect">
+            <a:avLst/>
+          </a:prstGeom>
+          <a:noFill/>
+        </p:spPr>
+        <p:txBody>
+          <a:bodyPr wrap="square" rtlCol="0">
+            <a:spAutoFit/>
+          </a:bodyPr>
+          <a:lstStyle/>
+          <a:p>
+            <a:r>
+              <a:rPr lang="en-US" sz="2000" b="1" dirty="0">
+                <a:solidFill>
+                  <a:schemeClr val="accent1"/>
+                </a:solidFill>
+              </a:rPr>
+              <a:t>How</a:t>
+            </a:r>
+          </a:p>
+          <a:p>
+            <a:pPr marL="285750" indent="-285750">
+              <a:buFont typeface="Arial" panose="020B0604020202020204" pitchFamily="34" charset="0"/>
+              <a:buChar char="•"/>
+            </a:pPr>
+            <a:r>
+              <a:rPr lang="en-US" dirty="0"/>
+              <a:t>Recommendation [1], [2]</a:t>
+            </a:r>
+          </a:p>
+          <a:p>
+            <a:pPr marL="285750" indent="-285750">
+              <a:buFont typeface="Arial" panose="020B0604020202020204" pitchFamily="34" charset="0"/>
+              <a:buChar char="•"/>
+            </a:pPr>
+            <a:r>
+              <a:rPr lang="en-US" b="1" dirty="0"/>
+              <a:t>Representation Learning</a:t>
             </a:r>
           </a:p>
         </p:txBody>
